--- a/上課教材/Week4.pptx
+++ b/上課教材/Week4.pptx
@@ -8,16 +8,17 @@
     <p:sldId id="257" r:id="rId2"/>
     <p:sldId id="316" r:id="rId3"/>
     <p:sldId id="317" r:id="rId4"/>
-    <p:sldId id="272" r:id="rId5"/>
-    <p:sldId id="319" r:id="rId6"/>
-    <p:sldId id="320" r:id="rId7"/>
-    <p:sldId id="321" r:id="rId8"/>
-    <p:sldId id="322" r:id="rId9"/>
-    <p:sldId id="318" r:id="rId10"/>
-    <p:sldId id="323" r:id="rId11"/>
-    <p:sldId id="324" r:id="rId12"/>
-    <p:sldId id="259" r:id="rId13"/>
-    <p:sldId id="312" r:id="rId14"/>
+    <p:sldId id="329" r:id="rId5"/>
+    <p:sldId id="330" r:id="rId6"/>
+    <p:sldId id="331" r:id="rId7"/>
+    <p:sldId id="272" r:id="rId8"/>
+    <p:sldId id="319" r:id="rId9"/>
+    <p:sldId id="320" r:id="rId10"/>
+    <p:sldId id="325" r:id="rId11"/>
+    <p:sldId id="328" r:id="rId12"/>
+    <p:sldId id="327" r:id="rId13"/>
+    <p:sldId id="323" r:id="rId14"/>
+    <p:sldId id="259" r:id="rId15"/>
   </p:sldIdLst>
   <p:sldSz cx="12192000" cy="6858000"/>
   <p:notesSz cx="6858000" cy="9144000"/>
@@ -127,10 +128,7 @@
 <file path=ppt/revisionInfo.xml><?xml version="1.0" encoding="utf-8"?>
 <p1510:revInfo xmlns:a="http://schemas.openxmlformats.org/drawingml/2006/main" xmlns:r="http://schemas.openxmlformats.org/officeDocument/2006/relationships" xmlns:p1510="http://schemas.microsoft.com/office/powerpoint/2015/10/main">
   <p1510:revLst>
-    <p1510:client id="{091A637F-8D54-4E54-83E0-103516D33677}" v="21" dt="2020-06-02T02:25:30.645"/>
-    <p1510:client id="{73C49393-00F6-48C7-99DB-5262FA837701}" v="22" dt="2020-06-02T00:14:48.543"/>
-    <p1510:client id="{794224D3-789D-47BB-A0D2-62C663EDB1CA}" v="219" dt="2020-06-01T23:07:13.750"/>
-    <p1510:client id="{F1FA031A-4D31-4AEE-8DCB-44C85EA436EB}" v="214" dt="2020-06-02T00:07:24.642"/>
+    <p1510:client id="{091A637F-8D54-4E54-83E0-103516D33677}" v="128" dt="2020-06-05T00:16:08.453"/>
   </p1510:revLst>
 </p1510:revInfo>
 </file>
@@ -2026,8 +2024,8 @@
   </pc:docChgLst>
   <pc:docChgLst>
     <pc:chgData name="Ming-Chih Lin" userId="f1ba3ba5-e185-404b-b55f-b2be90e2bdc2" providerId="ADAL" clId="{091A637F-8D54-4E54-83E0-103516D33677}"/>
-    <pc:docChg chg="undo custSel addSld delSld modSld">
-      <pc:chgData name="Ming-Chih Lin" userId="f1ba3ba5-e185-404b-b55f-b2be90e2bdc2" providerId="ADAL" clId="{091A637F-8D54-4E54-83E0-103516D33677}" dt="2020-06-02T02:25:30.645" v="92"/>
+    <pc:docChg chg="undo custSel addSld delSld modSld sldOrd">
+      <pc:chgData name="Ming-Chih Lin" userId="f1ba3ba5-e185-404b-b55f-b2be90e2bdc2" providerId="ADAL" clId="{091A637F-8D54-4E54-83E0-103516D33677}" dt="2020-06-05T00:17:44.632" v="766" actId="47"/>
       <pc:docMkLst>
         <pc:docMk/>
       </pc:docMkLst>
@@ -2047,13 +2045,13 @@
         </pc:spChg>
       </pc:sldChg>
       <pc:sldChg chg="modSp mod">
-        <pc:chgData name="Ming-Chih Lin" userId="f1ba3ba5-e185-404b-b55f-b2be90e2bdc2" providerId="ADAL" clId="{091A637F-8D54-4E54-83E0-103516D33677}" dt="2020-06-02T02:25:30.645" v="92"/>
+        <pc:chgData name="Ming-Chih Lin" userId="f1ba3ba5-e185-404b-b55f-b2be90e2bdc2" providerId="ADAL" clId="{091A637F-8D54-4E54-83E0-103516D33677}" dt="2020-06-04T23:44:08.024" v="687"/>
         <pc:sldMkLst>
           <pc:docMk/>
           <pc:sldMk cId="2189207556" sldId="272"/>
         </pc:sldMkLst>
         <pc:spChg chg="mod">
-          <ac:chgData name="Ming-Chih Lin" userId="f1ba3ba5-e185-404b-b55f-b2be90e2bdc2" providerId="ADAL" clId="{091A637F-8D54-4E54-83E0-103516D33677}" dt="2020-06-02T02:25:30.645" v="92"/>
+          <ac:chgData name="Ming-Chih Lin" userId="f1ba3ba5-e185-404b-b55f-b2be90e2bdc2" providerId="ADAL" clId="{091A637F-8D54-4E54-83E0-103516D33677}" dt="2020-06-04T23:44:08.024" v="687"/>
           <ac:spMkLst>
             <pc:docMk/>
             <pc:sldMk cId="2189207556" sldId="272"/>
@@ -2061,6 +2059,28 @@
           </ac:spMkLst>
         </pc:spChg>
       </pc:sldChg>
+      <pc:sldChg chg="del">
+        <pc:chgData name="Ming-Chih Lin" userId="f1ba3ba5-e185-404b-b55f-b2be90e2bdc2" providerId="ADAL" clId="{091A637F-8D54-4E54-83E0-103516D33677}" dt="2020-06-02T04:43:57.224" v="180" actId="47"/>
+        <pc:sldMkLst>
+          <pc:docMk/>
+          <pc:sldMk cId="1266417032" sldId="312"/>
+        </pc:sldMkLst>
+      </pc:sldChg>
+      <pc:sldChg chg="modSp mod">
+        <pc:chgData name="Ming-Chih Lin" userId="f1ba3ba5-e185-404b-b55f-b2be90e2bdc2" providerId="ADAL" clId="{091A637F-8D54-4E54-83E0-103516D33677}" dt="2020-06-04T23:46:47.046" v="699"/>
+        <pc:sldMkLst>
+          <pc:docMk/>
+          <pc:sldMk cId="19629556" sldId="316"/>
+        </pc:sldMkLst>
+        <pc:spChg chg="mod">
+          <ac:chgData name="Ming-Chih Lin" userId="f1ba3ba5-e185-404b-b55f-b2be90e2bdc2" providerId="ADAL" clId="{091A637F-8D54-4E54-83E0-103516D33677}" dt="2020-06-04T23:46:47.046" v="699"/>
+          <ac:spMkLst>
+            <pc:docMk/>
+            <pc:sldMk cId="19629556" sldId="316"/>
+            <ac:spMk id="4" creationId="{2FA54F75-D405-4104-B6BB-EA44A23A109A}"/>
+          </ac:spMkLst>
+        </pc:spChg>
+      </pc:sldChg>
       <pc:sldChg chg="addSp modSp mod">
         <pc:chgData name="Ming-Chih Lin" userId="f1ba3ba5-e185-404b-b55f-b2be90e2bdc2" providerId="ADAL" clId="{091A637F-8D54-4E54-83E0-103516D33677}" dt="2020-06-02T00:22:26.420" v="18" actId="207"/>
         <pc:sldMkLst>
@@ -2092,8 +2112,15 @@
           </ac:spMkLst>
         </pc:spChg>
       </pc:sldChg>
+      <pc:sldChg chg="del">
+        <pc:chgData name="Ming-Chih Lin" userId="f1ba3ba5-e185-404b-b55f-b2be90e2bdc2" providerId="ADAL" clId="{091A637F-8D54-4E54-83E0-103516D33677}" dt="2020-06-02T04:44:18.237" v="181" actId="47"/>
+        <pc:sldMkLst>
+          <pc:docMk/>
+          <pc:sldMk cId="1705629521" sldId="318"/>
+        </pc:sldMkLst>
+      </pc:sldChg>
       <pc:sldChg chg="addSp delSp modSp new mod modClrScheme chgLayout">
-        <pc:chgData name="Ming-Chih Lin" userId="f1ba3ba5-e185-404b-b55f-b2be90e2bdc2" providerId="ADAL" clId="{091A637F-8D54-4E54-83E0-103516D33677}" dt="2020-06-02T02:02:49.240" v="25" actId="20577"/>
+        <pc:chgData name="Ming-Chih Lin" userId="f1ba3ba5-e185-404b-b55f-b2be90e2bdc2" providerId="ADAL" clId="{091A637F-8D54-4E54-83E0-103516D33677}" dt="2020-06-02T04:32:21.454" v="144"/>
         <pc:sldMkLst>
           <pc:docMk/>
           <pc:sldMk cId="150404640" sldId="319"/>
@@ -2115,7 +2142,7 @@
           </ac:spMkLst>
         </pc:spChg>
         <pc:spChg chg="add mod ord">
-          <ac:chgData name="Ming-Chih Lin" userId="f1ba3ba5-e185-404b-b55f-b2be90e2bdc2" providerId="ADAL" clId="{091A637F-8D54-4E54-83E0-103516D33677}" dt="2020-06-02T02:02:47.091" v="23"/>
+          <ac:chgData name="Ming-Chih Lin" userId="f1ba3ba5-e185-404b-b55f-b2be90e2bdc2" providerId="ADAL" clId="{091A637F-8D54-4E54-83E0-103516D33677}" dt="2020-06-02T04:32:21.454" v="144"/>
           <ac:spMkLst>
             <pc:docMk/>
             <pc:sldMk cId="150404640" sldId="319"/>
@@ -2123,7 +2150,7 @@
           </ac:spMkLst>
         </pc:spChg>
         <pc:spChg chg="add mod ord">
-          <ac:chgData name="Ming-Chih Lin" userId="f1ba3ba5-e185-404b-b55f-b2be90e2bdc2" providerId="ADAL" clId="{091A637F-8D54-4E54-83E0-103516D33677}" dt="2020-06-02T02:02:49.240" v="25" actId="20577"/>
+          <ac:chgData name="Ming-Chih Lin" userId="f1ba3ba5-e185-404b-b55f-b2be90e2bdc2" providerId="ADAL" clId="{091A637F-8D54-4E54-83E0-103516D33677}" dt="2020-06-02T04:31:45.506" v="118" actId="20577"/>
           <ac:spMkLst>
             <pc:docMk/>
             <pc:sldMk cId="150404640" sldId="319"/>
@@ -2131,14 +2158,14 @@
           </ac:spMkLst>
         </pc:spChg>
       </pc:sldChg>
-      <pc:sldChg chg="modSp new">
-        <pc:chgData name="Ming-Chih Lin" userId="f1ba3ba5-e185-404b-b55f-b2be90e2bdc2" providerId="ADAL" clId="{091A637F-8D54-4E54-83E0-103516D33677}" dt="2020-06-02T02:05:35.036" v="28"/>
+      <pc:sldChg chg="modSp new mod">
+        <pc:chgData name="Ming-Chih Lin" userId="f1ba3ba5-e185-404b-b55f-b2be90e2bdc2" providerId="ADAL" clId="{091A637F-8D54-4E54-83E0-103516D33677}" dt="2020-06-04T23:48:01.442" v="720" actId="12"/>
         <pc:sldMkLst>
           <pc:docMk/>
           <pc:sldMk cId="634685143" sldId="320"/>
         </pc:sldMkLst>
         <pc:spChg chg="mod">
-          <ac:chgData name="Ming-Chih Lin" userId="f1ba3ba5-e185-404b-b55f-b2be90e2bdc2" providerId="ADAL" clId="{091A637F-8D54-4E54-83E0-103516D33677}" dt="2020-06-02T02:05:28.964" v="27"/>
+          <ac:chgData name="Ming-Chih Lin" userId="f1ba3ba5-e185-404b-b55f-b2be90e2bdc2" providerId="ADAL" clId="{091A637F-8D54-4E54-83E0-103516D33677}" dt="2020-06-04T23:48:01.442" v="720" actId="12"/>
           <ac:spMkLst>
             <pc:docMk/>
             <pc:sldMk cId="634685143" sldId="320"/>
@@ -2154,14 +2181,14 @@
           </ac:spMkLst>
         </pc:spChg>
       </pc:sldChg>
-      <pc:sldChg chg="modSp new">
-        <pc:chgData name="Ming-Chih Lin" userId="f1ba3ba5-e185-404b-b55f-b2be90e2bdc2" providerId="ADAL" clId="{091A637F-8D54-4E54-83E0-103516D33677}" dt="2020-06-02T02:05:54.011" v="31"/>
+      <pc:sldChg chg="modSp new del mod">
+        <pc:chgData name="Ming-Chih Lin" userId="f1ba3ba5-e185-404b-b55f-b2be90e2bdc2" providerId="ADAL" clId="{091A637F-8D54-4E54-83E0-103516D33677}" dt="2020-06-04T23:48:03.949" v="721" actId="47"/>
         <pc:sldMkLst>
           <pc:docMk/>
           <pc:sldMk cId="3631061952" sldId="321"/>
         </pc:sldMkLst>
         <pc:spChg chg="mod">
-          <ac:chgData name="Ming-Chih Lin" userId="f1ba3ba5-e185-404b-b55f-b2be90e2bdc2" providerId="ADAL" clId="{091A637F-8D54-4E54-83E0-103516D33677}" dt="2020-06-02T02:05:54.011" v="31"/>
+          <ac:chgData name="Ming-Chih Lin" userId="f1ba3ba5-e185-404b-b55f-b2be90e2bdc2" providerId="ADAL" clId="{091A637F-8D54-4E54-83E0-103516D33677}" dt="2020-06-04T23:47:39.451" v="700" actId="21"/>
           <ac:spMkLst>
             <pc:docMk/>
             <pc:sldMk cId="3631061952" sldId="321"/>
@@ -2169,7 +2196,7 @@
           </ac:spMkLst>
         </pc:spChg>
         <pc:spChg chg="mod">
-          <ac:chgData name="Ming-Chih Lin" userId="f1ba3ba5-e185-404b-b55f-b2be90e2bdc2" providerId="ADAL" clId="{091A637F-8D54-4E54-83E0-103516D33677}" dt="2020-06-02T02:05:47.558" v="30"/>
+          <ac:chgData name="Ming-Chih Lin" userId="f1ba3ba5-e185-404b-b55f-b2be90e2bdc2" providerId="ADAL" clId="{091A637F-8D54-4E54-83E0-103516D33677}" dt="2020-06-04T23:47:46.840" v="704" actId="21"/>
           <ac:spMkLst>
             <pc:docMk/>
             <pc:sldMk cId="3631061952" sldId="321"/>
@@ -2177,8 +2204,8 @@
           </ac:spMkLst>
         </pc:spChg>
       </pc:sldChg>
-      <pc:sldChg chg="modSp new mod">
-        <pc:chgData name="Ming-Chih Lin" userId="f1ba3ba5-e185-404b-b55f-b2be90e2bdc2" providerId="ADAL" clId="{091A637F-8D54-4E54-83E0-103516D33677}" dt="2020-06-02T02:06:14.241" v="37" actId="20577"/>
+      <pc:sldChg chg="modSp new del mod">
+        <pc:chgData name="Ming-Chih Lin" userId="f1ba3ba5-e185-404b-b55f-b2be90e2bdc2" providerId="ADAL" clId="{091A637F-8D54-4E54-83E0-103516D33677}" dt="2020-06-02T04:27:45.108" v="95" actId="47"/>
         <pc:sldMkLst>
           <pc:docMk/>
           <pc:sldMk cId="1481199713" sldId="322"/>
@@ -2223,18 +2250,287 @@
           </ac:spMkLst>
         </pc:spChg>
       </pc:sldChg>
+      <pc:sldChg chg="modSp add mod">
+        <pc:chgData name="Ming-Chih Lin" userId="f1ba3ba5-e185-404b-b55f-b2be90e2bdc2" providerId="ADAL" clId="{091A637F-8D54-4E54-83E0-103516D33677}" dt="2020-06-05T00:16:08.453" v="765"/>
+        <pc:sldMkLst>
+          <pc:docMk/>
+          <pc:sldMk cId="2181700493" sldId="323"/>
+        </pc:sldMkLst>
+        <pc:spChg chg="mod">
+          <ac:chgData name="Ming-Chih Lin" userId="f1ba3ba5-e185-404b-b55f-b2be90e2bdc2" providerId="ADAL" clId="{091A637F-8D54-4E54-83E0-103516D33677}" dt="2020-06-05T00:16:08.453" v="765"/>
+          <ac:spMkLst>
+            <pc:docMk/>
+            <pc:sldMk cId="2181700493" sldId="323"/>
+            <ac:spMk id="4" creationId="{2FA54F75-D405-4104-B6BB-EA44A23A109A}"/>
+          </ac:spMkLst>
+        </pc:spChg>
+      </pc:sldChg>
+      <pc:sldChg chg="new del">
+        <pc:chgData name="Ming-Chih Lin" userId="f1ba3ba5-e185-404b-b55f-b2be90e2bdc2" providerId="ADAL" clId="{091A637F-8D54-4E54-83E0-103516D33677}" dt="2020-06-05T00:17:44.632" v="766" actId="47"/>
+        <pc:sldMkLst>
+          <pc:docMk/>
+          <pc:sldMk cId="3167124346" sldId="324"/>
+        </pc:sldMkLst>
+      </pc:sldChg>
+      <pc:sldChg chg="addSp delSp modSp new mod ord modClrScheme chgLayout">
+        <pc:chgData name="Ming-Chih Lin" userId="f1ba3ba5-e185-404b-b55f-b2be90e2bdc2" providerId="ADAL" clId="{091A637F-8D54-4E54-83E0-103516D33677}" dt="2020-06-04T23:44:42.373" v="689"/>
+        <pc:sldMkLst>
+          <pc:docMk/>
+          <pc:sldMk cId="224239816" sldId="325"/>
+        </pc:sldMkLst>
+        <pc:spChg chg="del">
+          <ac:chgData name="Ming-Chih Lin" userId="f1ba3ba5-e185-404b-b55f-b2be90e2bdc2" providerId="ADAL" clId="{091A637F-8D54-4E54-83E0-103516D33677}" dt="2020-06-02T04:15:24.714" v="94" actId="700"/>
+          <ac:spMkLst>
+            <pc:docMk/>
+            <pc:sldMk cId="224239816" sldId="325"/>
+            <ac:spMk id="2" creationId="{4853D523-1D65-4C62-86F0-D8B353589261}"/>
+          </ac:spMkLst>
+        </pc:spChg>
+        <pc:spChg chg="del">
+          <ac:chgData name="Ming-Chih Lin" userId="f1ba3ba5-e185-404b-b55f-b2be90e2bdc2" providerId="ADAL" clId="{091A637F-8D54-4E54-83E0-103516D33677}" dt="2020-06-02T04:15:24.714" v="94" actId="700"/>
+          <ac:spMkLst>
+            <pc:docMk/>
+            <pc:sldMk cId="224239816" sldId="325"/>
+            <ac:spMk id="3" creationId="{5E75654D-3FF8-4C61-9954-A5F394190DE8}"/>
+          </ac:spMkLst>
+        </pc:spChg>
+        <pc:spChg chg="add del mod ord">
+          <ac:chgData name="Ming-Chih Lin" userId="f1ba3ba5-e185-404b-b55f-b2be90e2bdc2" providerId="ADAL" clId="{091A637F-8D54-4E54-83E0-103516D33677}" dt="2020-06-02T04:30:44.349" v="101" actId="700"/>
+          <ac:spMkLst>
+            <pc:docMk/>
+            <pc:sldMk cId="224239816" sldId="325"/>
+            <ac:spMk id="4" creationId="{70D4EB9C-0BE6-477E-BD7E-7B8AE21CE8A8}"/>
+          </ac:spMkLst>
+        </pc:spChg>
+        <pc:spChg chg="add mod ord">
+          <ac:chgData name="Ming-Chih Lin" userId="f1ba3ba5-e185-404b-b55f-b2be90e2bdc2" providerId="ADAL" clId="{091A637F-8D54-4E54-83E0-103516D33677}" dt="2020-06-02T04:32:04.649" v="139"/>
+          <ac:spMkLst>
+            <pc:docMk/>
+            <pc:sldMk cId="224239816" sldId="325"/>
+            <ac:spMk id="5" creationId="{E031341D-1312-455E-8529-B8D34CD9460F}"/>
+          </ac:spMkLst>
+        </pc:spChg>
+        <pc:spChg chg="add mod ord">
+          <ac:chgData name="Ming-Chih Lin" userId="f1ba3ba5-e185-404b-b55f-b2be90e2bdc2" providerId="ADAL" clId="{091A637F-8D54-4E54-83E0-103516D33677}" dt="2020-06-02T04:30:57.984" v="106" actId="5793"/>
+          <ac:spMkLst>
+            <pc:docMk/>
+            <pc:sldMk cId="224239816" sldId="325"/>
+            <ac:spMk id="6" creationId="{E6D230C9-887C-4C4E-B984-BA22A68FD7F3}"/>
+          </ac:spMkLst>
+        </pc:spChg>
+      </pc:sldChg>
+      <pc:sldChg chg="modSp new del mod">
+        <pc:chgData name="Ming-Chih Lin" userId="f1ba3ba5-e185-404b-b55f-b2be90e2bdc2" providerId="ADAL" clId="{091A637F-8D54-4E54-83E0-103516D33677}" dt="2020-06-04T23:48:17.573" v="722" actId="47"/>
+        <pc:sldMkLst>
+          <pc:docMk/>
+          <pc:sldMk cId="2274868590" sldId="326"/>
+        </pc:sldMkLst>
+        <pc:spChg chg="mod">
+          <ac:chgData name="Ming-Chih Lin" userId="f1ba3ba5-e185-404b-b55f-b2be90e2bdc2" providerId="ADAL" clId="{091A637F-8D54-4E54-83E0-103516D33677}" dt="2020-06-02T04:42:43.241" v="179"/>
+          <ac:spMkLst>
+            <pc:docMk/>
+            <pc:sldMk cId="2274868590" sldId="326"/>
+            <ac:spMk id="2" creationId="{2ECE43D3-146B-482B-A9A6-7456CBFB285E}"/>
+          </ac:spMkLst>
+        </pc:spChg>
+        <pc:spChg chg="mod">
+          <ac:chgData name="Ming-Chih Lin" userId="f1ba3ba5-e185-404b-b55f-b2be90e2bdc2" providerId="ADAL" clId="{091A637F-8D54-4E54-83E0-103516D33677}" dt="2020-06-02T04:42:12.955" v="178"/>
+          <ac:spMkLst>
+            <pc:docMk/>
+            <pc:sldMk cId="2274868590" sldId="326"/>
+            <ac:spMk id="3" creationId="{05EA17AD-8610-4049-85A8-8F47E9BB15B7}"/>
+          </ac:spMkLst>
+        </pc:spChg>
+      </pc:sldChg>
+      <pc:sldChg chg="add del">
+        <pc:chgData name="Ming-Chih Lin" userId="f1ba3ba5-e185-404b-b55f-b2be90e2bdc2" providerId="ADAL" clId="{091A637F-8D54-4E54-83E0-103516D33677}" dt="2020-06-02T04:41:40.842" v="146" actId="47"/>
+        <pc:sldMkLst>
+          <pc:docMk/>
+          <pc:sldMk cId="3836244428" sldId="326"/>
+        </pc:sldMkLst>
+      </pc:sldChg>
+      <pc:sldChg chg="modSp new mod">
+        <pc:chgData name="Ming-Chih Lin" userId="f1ba3ba5-e185-404b-b55f-b2be90e2bdc2" providerId="ADAL" clId="{091A637F-8D54-4E54-83E0-103516D33677}" dt="2020-06-02T05:42:27.432" v="221"/>
+        <pc:sldMkLst>
+          <pc:docMk/>
+          <pc:sldMk cId="156901807" sldId="327"/>
+        </pc:sldMkLst>
+        <pc:spChg chg="mod">
+          <ac:chgData name="Ming-Chih Lin" userId="f1ba3ba5-e185-404b-b55f-b2be90e2bdc2" providerId="ADAL" clId="{091A637F-8D54-4E54-83E0-103516D33677}" dt="2020-06-02T05:42:27.432" v="221"/>
+          <ac:spMkLst>
+            <pc:docMk/>
+            <pc:sldMk cId="156901807" sldId="327"/>
+            <ac:spMk id="3" creationId="{7B821B47-8BA5-4FCD-9802-B895214E451E}"/>
+          </ac:spMkLst>
+        </pc:spChg>
+      </pc:sldChg>
+      <pc:sldChg chg="modSp add mod ord">
+        <pc:chgData name="Ming-Chih Lin" userId="f1ba3ba5-e185-404b-b55f-b2be90e2bdc2" providerId="ADAL" clId="{091A637F-8D54-4E54-83E0-103516D33677}" dt="2020-06-04T23:49:27.147" v="724"/>
+        <pc:sldMkLst>
+          <pc:docMk/>
+          <pc:sldMk cId="1458989024" sldId="328"/>
+        </pc:sldMkLst>
+        <pc:spChg chg="mod">
+          <ac:chgData name="Ming-Chih Lin" userId="f1ba3ba5-e185-404b-b55f-b2be90e2bdc2" providerId="ADAL" clId="{091A637F-8D54-4E54-83E0-103516D33677}" dt="2020-06-02T05:43:09.910" v="278"/>
+          <ac:spMkLst>
+            <pc:docMk/>
+            <pc:sldMk cId="1458989024" sldId="328"/>
+            <ac:spMk id="3" creationId="{7B821B47-8BA5-4FCD-9802-B895214E451E}"/>
+          </ac:spMkLst>
+        </pc:spChg>
+      </pc:sldChg>
+      <pc:sldChg chg="addSp modSp new del mod">
+        <pc:chgData name="Ming-Chih Lin" userId="f1ba3ba5-e185-404b-b55f-b2be90e2bdc2" providerId="ADAL" clId="{091A637F-8D54-4E54-83E0-103516D33677}" dt="2020-06-04T23:43:05.766" v="647" actId="2696"/>
+        <pc:sldMkLst>
+          <pc:docMk/>
+          <pc:sldMk cId="2891632164" sldId="329"/>
+        </pc:sldMkLst>
+        <pc:spChg chg="mod">
+          <ac:chgData name="Ming-Chih Lin" userId="f1ba3ba5-e185-404b-b55f-b2be90e2bdc2" providerId="ADAL" clId="{091A637F-8D54-4E54-83E0-103516D33677}" dt="2020-06-04T23:15:48.024" v="475" actId="14100"/>
+          <ac:spMkLst>
+            <pc:docMk/>
+            <pc:sldMk cId="2891632164" sldId="329"/>
+            <ac:spMk id="2" creationId="{3C850A5C-0B10-4870-9F52-83ACBC4FB27D}"/>
+          </ac:spMkLst>
+        </pc:spChg>
+        <pc:spChg chg="mod">
+          <ac:chgData name="Ming-Chih Lin" userId="f1ba3ba5-e185-404b-b55f-b2be90e2bdc2" providerId="ADAL" clId="{091A637F-8D54-4E54-83E0-103516D33677}" dt="2020-06-04T23:15:07.985" v="473" actId="20577"/>
+          <ac:spMkLst>
+            <pc:docMk/>
+            <pc:sldMk cId="2891632164" sldId="329"/>
+            <ac:spMk id="3" creationId="{DA7D02FA-5EDB-4AA9-9818-8E79AA64DF8B}"/>
+          </ac:spMkLst>
+        </pc:spChg>
+        <pc:picChg chg="add mod">
+          <ac:chgData name="Ming-Chih Lin" userId="f1ba3ba5-e185-404b-b55f-b2be90e2bdc2" providerId="ADAL" clId="{091A637F-8D54-4E54-83E0-103516D33677}" dt="2020-06-04T23:14:14.147" v="369" actId="1076"/>
+          <ac:picMkLst>
+            <pc:docMk/>
+            <pc:sldMk cId="2891632164" sldId="329"/>
+            <ac:picMk id="4" creationId="{13D75680-B5D2-4231-AF90-6909699FA7DE}"/>
+          </ac:picMkLst>
+        </pc:picChg>
+        <pc:picChg chg="add mod">
+          <ac:chgData name="Ming-Chih Lin" userId="f1ba3ba5-e185-404b-b55f-b2be90e2bdc2" providerId="ADAL" clId="{091A637F-8D54-4E54-83E0-103516D33677}" dt="2020-06-04T23:14:17.825" v="370" actId="1076"/>
+          <ac:picMkLst>
+            <pc:docMk/>
+            <pc:sldMk cId="2891632164" sldId="329"/>
+            <ac:picMk id="5" creationId="{6D562F4E-8C74-4814-8B73-DA7C947D2D53}"/>
+          </ac:picMkLst>
+        </pc:picChg>
+      </pc:sldChg>
       <pc:sldChg chg="add">
-        <pc:chgData name="Ming-Chih Lin" userId="f1ba3ba5-e185-404b-b55f-b2be90e2bdc2" providerId="ADAL" clId="{091A637F-8D54-4E54-83E0-103516D33677}" dt="2020-06-02T02:24:48.018" v="60"/>
-        <pc:sldMkLst>
-          <pc:docMk/>
-          <pc:sldMk cId="2181700493" sldId="323"/>
-        </pc:sldMkLst>
-      </pc:sldChg>
-      <pc:sldChg chg="new">
-        <pc:chgData name="Ming-Chih Lin" userId="f1ba3ba5-e185-404b-b55f-b2be90e2bdc2" providerId="ADAL" clId="{091A637F-8D54-4E54-83E0-103516D33677}" dt="2020-06-02T02:24:52.413" v="61" actId="680"/>
-        <pc:sldMkLst>
-          <pc:docMk/>
-          <pc:sldMk cId="3167124346" sldId="324"/>
+        <pc:chgData name="Ming-Chih Lin" userId="f1ba3ba5-e185-404b-b55f-b2be90e2bdc2" providerId="ADAL" clId="{091A637F-8D54-4E54-83E0-103516D33677}" dt="2020-06-04T23:43:08.569" v="648"/>
+        <pc:sldMkLst>
+          <pc:docMk/>
+          <pc:sldMk cId="3776458717" sldId="329"/>
+        </pc:sldMkLst>
+      </pc:sldChg>
+      <pc:sldChg chg="add">
+        <pc:chgData name="Ming-Chih Lin" userId="f1ba3ba5-e185-404b-b55f-b2be90e2bdc2" providerId="ADAL" clId="{091A637F-8D54-4E54-83E0-103516D33677}" dt="2020-06-04T23:43:08.569" v="648"/>
+        <pc:sldMkLst>
+          <pc:docMk/>
+          <pc:sldMk cId="3095247151" sldId="330"/>
+        </pc:sldMkLst>
+      </pc:sldChg>
+      <pc:sldChg chg="addSp delSp modSp new del mod chgLayout">
+        <pc:chgData name="Ming-Chih Lin" userId="f1ba3ba5-e185-404b-b55f-b2be90e2bdc2" providerId="ADAL" clId="{091A637F-8D54-4E54-83E0-103516D33677}" dt="2020-06-04T23:43:05.766" v="647" actId="2696"/>
+        <pc:sldMkLst>
+          <pc:docMk/>
+          <pc:sldMk cId="3150549366" sldId="330"/>
+        </pc:sldMkLst>
+        <pc:spChg chg="del">
+          <ac:chgData name="Ming-Chih Lin" userId="f1ba3ba5-e185-404b-b55f-b2be90e2bdc2" providerId="ADAL" clId="{091A637F-8D54-4E54-83E0-103516D33677}" dt="2020-06-04T23:12:45.238" v="315" actId="478"/>
+          <ac:spMkLst>
+            <pc:docMk/>
+            <pc:sldMk cId="3150549366" sldId="330"/>
+            <ac:spMk id="2" creationId="{80E5708D-CBE6-42DB-AA60-D2E4A503173D}"/>
+          </ac:spMkLst>
+        </pc:spChg>
+        <pc:spChg chg="del">
+          <ac:chgData name="Ming-Chih Lin" userId="f1ba3ba5-e185-404b-b55f-b2be90e2bdc2" providerId="ADAL" clId="{091A637F-8D54-4E54-83E0-103516D33677}" dt="2020-06-04T23:13:31.279" v="326" actId="700"/>
+          <ac:spMkLst>
+            <pc:docMk/>
+            <pc:sldMk cId="3150549366" sldId="330"/>
+            <ac:spMk id="3" creationId="{5B5203F6-6E6D-408B-9574-C998564D54C7}"/>
+          </ac:spMkLst>
+        </pc:spChg>
+        <pc:spChg chg="add mod ord">
+          <ac:chgData name="Ming-Chih Lin" userId="f1ba3ba5-e185-404b-b55f-b2be90e2bdc2" providerId="ADAL" clId="{091A637F-8D54-4E54-83E0-103516D33677}" dt="2020-06-04T23:18:33.408" v="569" actId="20577"/>
+          <ac:spMkLst>
+            <pc:docMk/>
+            <pc:sldMk cId="3150549366" sldId="330"/>
+            <ac:spMk id="7" creationId="{99CCFDF6-E590-4D0F-ACBA-DFDF8A8C3D54}"/>
+          </ac:spMkLst>
+        </pc:spChg>
+        <pc:spChg chg="add del mod ord">
+          <ac:chgData name="Ming-Chih Lin" userId="f1ba3ba5-e185-404b-b55f-b2be90e2bdc2" providerId="ADAL" clId="{091A637F-8D54-4E54-83E0-103516D33677}" dt="2020-06-04T23:17:47.159" v="476"/>
+          <ac:spMkLst>
+            <pc:docMk/>
+            <pc:sldMk cId="3150549366" sldId="330"/>
+            <ac:spMk id="8" creationId="{B0E9F882-0983-4A2C-B0CD-6930251D0D2C}"/>
+          </ac:spMkLst>
+        </pc:spChg>
+        <pc:picChg chg="add del mod">
+          <ac:chgData name="Ming-Chih Lin" userId="f1ba3ba5-e185-404b-b55f-b2be90e2bdc2" providerId="ADAL" clId="{091A637F-8D54-4E54-83E0-103516D33677}" dt="2020-06-04T23:12:48.169" v="318" actId="478"/>
+          <ac:picMkLst>
+            <pc:docMk/>
+            <pc:sldMk cId="3150549366" sldId="330"/>
+            <ac:picMk id="4" creationId="{1281CDFD-A184-4E56-B00B-DAFD4458E504}"/>
+          </ac:picMkLst>
+        </pc:picChg>
+        <pc:picChg chg="add del mod">
+          <ac:chgData name="Ming-Chih Lin" userId="f1ba3ba5-e185-404b-b55f-b2be90e2bdc2" providerId="ADAL" clId="{091A637F-8D54-4E54-83E0-103516D33677}" dt="2020-06-04T23:14:06.228" v="365" actId="21"/>
+          <ac:picMkLst>
+            <pc:docMk/>
+            <pc:sldMk cId="3150549366" sldId="330"/>
+            <ac:picMk id="5" creationId="{156D1174-6F0A-4A8F-AC91-9C5821D67422}"/>
+          </ac:picMkLst>
+        </pc:picChg>
+        <pc:picChg chg="add del mod">
+          <ac:chgData name="Ming-Chih Lin" userId="f1ba3ba5-e185-404b-b55f-b2be90e2bdc2" providerId="ADAL" clId="{091A637F-8D54-4E54-83E0-103516D33677}" dt="2020-06-04T23:14:06.228" v="365" actId="21"/>
+          <ac:picMkLst>
+            <pc:docMk/>
+            <pc:sldMk cId="3150549366" sldId="330"/>
+            <ac:picMk id="6" creationId="{6CEC12B8-8D43-4992-B369-065FA4B7D333}"/>
+          </ac:picMkLst>
+        </pc:picChg>
+        <pc:picChg chg="add mod">
+          <ac:chgData name="Ming-Chih Lin" userId="f1ba3ba5-e185-404b-b55f-b2be90e2bdc2" providerId="ADAL" clId="{091A637F-8D54-4E54-83E0-103516D33677}" dt="2020-06-04T23:18:40.941" v="571" actId="1076"/>
+          <ac:picMkLst>
+            <pc:docMk/>
+            <pc:sldMk cId="3150549366" sldId="330"/>
+            <ac:picMk id="9" creationId="{6FF891F2-2DFA-4757-9BAA-1160974E48C5}"/>
+          </ac:picMkLst>
+        </pc:picChg>
+      </pc:sldChg>
+      <pc:sldChg chg="modSp new del mod ord">
+        <pc:chgData name="Ming-Chih Lin" userId="f1ba3ba5-e185-404b-b55f-b2be90e2bdc2" providerId="ADAL" clId="{091A637F-8D54-4E54-83E0-103516D33677}" dt="2020-06-04T23:43:05.766" v="647" actId="2696"/>
+        <pc:sldMkLst>
+          <pc:docMk/>
+          <pc:sldMk cId="2598053631" sldId="331"/>
+        </pc:sldMkLst>
+        <pc:spChg chg="mod">
+          <ac:chgData name="Ming-Chih Lin" userId="f1ba3ba5-e185-404b-b55f-b2be90e2bdc2" providerId="ADAL" clId="{091A637F-8D54-4E54-83E0-103516D33677}" dt="2020-06-04T23:41:48.910" v="608"/>
+          <ac:spMkLst>
+            <pc:docMk/>
+            <pc:sldMk cId="2598053631" sldId="331"/>
+            <ac:spMk id="2" creationId="{BE83D0CB-5CE0-45DE-BEAA-A473BDC9555D}"/>
+          </ac:spMkLst>
+        </pc:spChg>
+        <pc:spChg chg="mod">
+          <ac:chgData name="Ming-Chih Lin" userId="f1ba3ba5-e185-404b-b55f-b2be90e2bdc2" providerId="ADAL" clId="{091A637F-8D54-4E54-83E0-103516D33677}" dt="2020-06-04T23:42:20.719" v="646"/>
+          <ac:spMkLst>
+            <pc:docMk/>
+            <pc:sldMk cId="2598053631" sldId="331"/>
+            <ac:spMk id="3" creationId="{0328546A-7A5A-41F7-8BBE-32BB0E646989}"/>
+          </ac:spMkLst>
+        </pc:spChg>
+      </pc:sldChg>
+      <pc:sldChg chg="add">
+        <pc:chgData name="Ming-Chih Lin" userId="f1ba3ba5-e185-404b-b55f-b2be90e2bdc2" providerId="ADAL" clId="{091A637F-8D54-4E54-83E0-103516D33677}" dt="2020-06-04T23:43:08.569" v="648"/>
+        <pc:sldMkLst>
+          <pc:docMk/>
+          <pc:sldMk cId="3005715725" sldId="331"/>
         </pc:sldMkLst>
       </pc:sldChg>
     </pc:docChg>
@@ -6048,7 +6344,7 @@
           <a:p>
             <a:fld id="{FA1E3ED8-1BB4-4BD2-AB23-359644E070C2}" type="datetimeFigureOut">
               <a:rPr lang="zh-TW" altLang="en-US" smtClean="0"/>
-              <a:t>2020/6/2</a:t>
+              <a:t>2020/6/5</a:t>
             </a:fld>
             <a:endParaRPr lang="zh-TW" altLang="en-US"/>
           </a:p>
@@ -11233,10 +11529,10 @@
       </p:grpSpPr>
       <p:sp>
         <p:nvSpPr>
-          <p:cNvPr id="4" name="文字版面配置區 3">
-            <a:extLst>
-              <a:ext uri="{FF2B5EF4-FFF2-40B4-BE49-F238E27FC236}">
-                <a16:creationId xmlns:a16="http://schemas.microsoft.com/office/drawing/2014/main" id="{2FA54F75-D405-4104-B6BB-EA44A23A109A}"/>
+          <p:cNvPr id="6" name="內容版面配置區 5">
+            <a:extLst>
+              <a:ext uri="{FF2B5EF4-FFF2-40B4-BE49-F238E27FC236}">
+                <a16:creationId xmlns:a16="http://schemas.microsoft.com/office/drawing/2014/main" id="{E6D230C9-887C-4C4E-B984-BA22A68FD7F3}"/>
               </a:ext>
             </a:extLst>
           </p:cNvPr>
@@ -11244,7 +11540,7 @@
             <a:spLocks noGrp="1"/>
           </p:cNvSpPr>
           <p:nvPr>
-            <p:ph type="body" sz="quarter" idx="10"/>
+            <p:ph idx="1"/>
           </p:nvPr>
         </p:nvSpPr>
         <p:spPr/>
@@ -11252,19 +11548,95 @@
           <a:bodyPr/>
           <a:lstStyle/>
           <a:p>
+            <a:pPr marL="0" indent="0">
+              <a:buNone/>
+            </a:pPr>
             <a:r>
               <a:rPr lang="zh-TW" altLang="en-US" dirty="0"/>
-              <a:t>範例解說</a:t>
+              <a:t>錄製腳本對於開發</a:t>
+            </a:r>
+            <a:r>
+              <a:rPr lang="en-US" altLang="zh-TW" dirty="0"/>
+              <a:t>AEDT</a:t>
+            </a:r>
+            <a:r>
+              <a:rPr lang="zh-TW" altLang="en-US" dirty="0"/>
+              <a:t>自動化程式有相對大的幫助。由於腳本的函式碼對應使用者的操作，減少了許多查詢及試錯的時間。要注意到的是腳本的檔頭如果有中文字符，必須先移除。</a:t>
+            </a:r>
+            <a:r>
+              <a:rPr lang="en-US" altLang="zh-TW" dirty="0"/>
+              <a:t>project</a:t>
+            </a:r>
+            <a:r>
+              <a:rPr lang="zh-TW" altLang="en-US" dirty="0"/>
+              <a:t>與</a:t>
+            </a:r>
+            <a:r>
+              <a:rPr lang="en-US" altLang="zh-TW" dirty="0"/>
+              <a:t>design</a:t>
+            </a:r>
+            <a:r>
+              <a:rPr lang="zh-TW" altLang="en-US" dirty="0"/>
+              <a:t>的部分也要改成</a:t>
+            </a:r>
+            <a:r>
+              <a:rPr lang="en-US" altLang="zh-TW" dirty="0" err="1"/>
+              <a:t>GetActiveProject</a:t>
+            </a:r>
+            <a:r>
+              <a:rPr lang="en-US" altLang="zh-TW" dirty="0"/>
+              <a:t>()</a:t>
+            </a:r>
+            <a:r>
+              <a:rPr lang="zh-TW" altLang="en-US" dirty="0"/>
+              <a:t>及</a:t>
+            </a:r>
+            <a:r>
+              <a:rPr lang="en-US" altLang="zh-TW" dirty="0" err="1"/>
+              <a:t>GetActiveDesign</a:t>
+            </a:r>
+            <a:r>
+              <a:rPr lang="en-US" altLang="zh-TW" dirty="0"/>
+              <a:t>()</a:t>
+            </a:r>
+            <a:r>
+              <a:rPr lang="zh-TW" altLang="en-US" dirty="0"/>
+              <a:t>。使其可以使用在其他的專案。</a:t>
+            </a:r>
+            <a:endParaRPr lang="en-US" altLang="zh-TW" dirty="0"/>
+          </a:p>
+          <a:p>
+            <a:endParaRPr lang="en-US" altLang="zh-TW" dirty="0"/>
+          </a:p>
+          <a:p>
+            <a:pPr marL="0" indent="0">
+              <a:buNone/>
+            </a:pPr>
+            <a:r>
+              <a:rPr lang="zh-TW" altLang="en-US" dirty="0"/>
+              <a:t>如果要加上迴圈及判斷式，最好先將錄製的函式進行封裝簡化其輸出輸入。要留意保持正確的輸入參數型別。可以加上</a:t>
+            </a:r>
+            <a:r>
+              <a:rPr lang="en-US" altLang="zh-TW" dirty="0" err="1"/>
+              <a:t>AddWarningMessage</a:t>
+            </a:r>
+            <a:r>
+              <a:rPr lang="en-US" altLang="zh-TW" dirty="0"/>
+              <a:t>()</a:t>
+            </a:r>
+            <a:r>
+              <a:rPr lang="zh-TW" altLang="en-US" dirty="0"/>
+              <a:t>適時的將執行過程中的變數值輸出到訊息視窗，這有助於除錯。</a:t>
             </a:r>
           </a:p>
         </p:txBody>
       </p:sp>
       <p:sp>
         <p:nvSpPr>
-          <p:cNvPr id="5" name="文字版面配置區 4">
-            <a:extLst>
-              <a:ext uri="{FF2B5EF4-FFF2-40B4-BE49-F238E27FC236}">
-                <a16:creationId xmlns:a16="http://schemas.microsoft.com/office/drawing/2014/main" id="{CEE2A55E-C73D-43FF-AA36-95C0FF95B7B1}"/>
+          <p:cNvPr id="5" name="標題 4">
+            <a:extLst>
+              <a:ext uri="{FF2B5EF4-FFF2-40B4-BE49-F238E27FC236}">
+                <a16:creationId xmlns:a16="http://schemas.microsoft.com/office/drawing/2014/main" id="{E031341D-1312-455E-8529-B8D34CD9460F}"/>
               </a:ext>
             </a:extLst>
           </p:cNvPr>
@@ -11272,7 +11644,7 @@
             <a:spLocks noGrp="1"/>
           </p:cNvSpPr>
           <p:nvPr>
-            <p:ph type="body" sz="quarter" idx="12"/>
+            <p:ph type="title"/>
           </p:nvPr>
         </p:nvSpPr>
         <p:spPr/>
@@ -11280,14 +11652,17 @@
           <a:bodyPr/>
           <a:lstStyle/>
           <a:p>
-            <a:endParaRPr lang="zh-TW" altLang="en-US"/>
+            <a:r>
+              <a:rPr lang="zh-TW" altLang="en-US" dirty="0"/>
+              <a:t>錄製及修改</a:t>
+            </a:r>
           </a:p>
         </p:txBody>
       </p:sp>
     </p:spTree>
     <p:extLst>
       <p:ext uri="{BB962C8B-B14F-4D97-AF65-F5344CB8AC3E}">
-        <p14:creationId xmlns:p14="http://schemas.microsoft.com/office/powerpoint/2010/main" val="2181700493"/>
+        <p14:creationId xmlns:p14="http://schemas.microsoft.com/office/powerpoint/2010/main" val="224239816"/>
       </p:ext>
     </p:extLst>
   </p:cSld>
@@ -11331,7 +11706,7 @@
           <p:cNvPr id="2" name="內容版面配置區 1">
             <a:extLst>
               <a:ext uri="{FF2B5EF4-FFF2-40B4-BE49-F238E27FC236}">
-                <a16:creationId xmlns:a16="http://schemas.microsoft.com/office/drawing/2014/main" id="{3EDCEF32-3EF5-4030-9BDB-AA300524495B}"/>
+                <a16:creationId xmlns:a16="http://schemas.microsoft.com/office/drawing/2014/main" id="{D4F4BD73-FCD3-44F1-A913-DE46B8132F85}"/>
               </a:ext>
             </a:extLst>
           </p:cNvPr>
@@ -11356,7 +11731,7 @@
           <p:cNvPr id="3" name="標題 2">
             <a:extLst>
               <a:ext uri="{FF2B5EF4-FFF2-40B4-BE49-F238E27FC236}">
-                <a16:creationId xmlns:a16="http://schemas.microsoft.com/office/drawing/2014/main" id="{00E0D003-C5FA-4E17-9BC6-931826218360}"/>
+                <a16:creationId xmlns:a16="http://schemas.microsoft.com/office/drawing/2014/main" id="{7B821B47-8BA5-4FCD-9802-B895214E451E}"/>
               </a:ext>
             </a:extLst>
           </p:cNvPr>
@@ -11372,14 +11747,17 @@
           <a:bodyPr/>
           <a:lstStyle/>
           <a:p>
-            <a:endParaRPr lang="zh-TW" altLang="en-US"/>
+            <a:r>
+              <a:rPr lang="zh-TW" altLang="en-US" dirty="0"/>
+              <a:t>讀取屬性作為腳本輸入</a:t>
+            </a:r>
           </a:p>
         </p:txBody>
       </p:sp>
     </p:spTree>
     <p:extLst>
       <p:ext uri="{BB962C8B-B14F-4D97-AF65-F5344CB8AC3E}">
-        <p14:creationId xmlns:p14="http://schemas.microsoft.com/office/powerpoint/2010/main" val="3167124346"/>
+        <p14:creationId xmlns:p14="http://schemas.microsoft.com/office/powerpoint/2010/main" val="1458989024"/>
       </p:ext>
     </p:extLst>
   </p:cSld>
@@ -11420,10 +11798,10 @@
       </p:grpSpPr>
       <p:sp>
         <p:nvSpPr>
-          <p:cNvPr id="4" name="文字版面配置區 3">
-            <a:extLst>
-              <a:ext uri="{FF2B5EF4-FFF2-40B4-BE49-F238E27FC236}">
-                <a16:creationId xmlns:a16="http://schemas.microsoft.com/office/drawing/2014/main" id="{2FA54F75-D405-4104-B6BB-EA44A23A109A}"/>
+          <p:cNvPr id="2" name="內容版面配置區 1">
+            <a:extLst>
+              <a:ext uri="{FF2B5EF4-FFF2-40B4-BE49-F238E27FC236}">
+                <a16:creationId xmlns:a16="http://schemas.microsoft.com/office/drawing/2014/main" id="{D4F4BD73-FCD3-44F1-A913-DE46B8132F85}"/>
               </a:ext>
             </a:extLst>
           </p:cNvPr>
@@ -11431,7 +11809,7 @@
             <a:spLocks noGrp="1"/>
           </p:cNvSpPr>
           <p:nvPr>
-            <p:ph type="body" sz="quarter" idx="10"/>
+            <p:ph idx="1"/>
           </p:nvPr>
         </p:nvSpPr>
         <p:spPr/>
@@ -11439,19 +11817,16 @@
           <a:bodyPr/>
           <a:lstStyle/>
           <a:p>
-            <a:r>
-              <a:rPr lang="zh-TW" altLang="en-US" dirty="0"/>
-              <a:t>專題討論 </a:t>
-            </a:r>
+            <a:endParaRPr lang="zh-TW" altLang="en-US"/>
           </a:p>
         </p:txBody>
       </p:sp>
       <p:sp>
         <p:nvSpPr>
-          <p:cNvPr id="5" name="文字版面配置區 4">
-            <a:extLst>
-              <a:ext uri="{FF2B5EF4-FFF2-40B4-BE49-F238E27FC236}">
-                <a16:creationId xmlns:a16="http://schemas.microsoft.com/office/drawing/2014/main" id="{CEE2A55E-C73D-43FF-AA36-95C0FF95B7B1}"/>
+          <p:cNvPr id="3" name="標題 2">
+            <a:extLst>
+              <a:ext uri="{FF2B5EF4-FFF2-40B4-BE49-F238E27FC236}">
+                <a16:creationId xmlns:a16="http://schemas.microsoft.com/office/drawing/2014/main" id="{7B821B47-8BA5-4FCD-9802-B895214E451E}"/>
               </a:ext>
             </a:extLst>
           </p:cNvPr>
@@ -11459,7 +11834,7 @@
             <a:spLocks noGrp="1"/>
           </p:cNvSpPr>
           <p:nvPr>
-            <p:ph type="body" sz="quarter" idx="12"/>
+            <p:ph type="title"/>
           </p:nvPr>
         </p:nvSpPr>
         <p:spPr/>
@@ -11467,14 +11842,17 @@
           <a:bodyPr/>
           <a:lstStyle/>
           <a:p>
-            <a:endParaRPr lang="zh-TW" altLang="en-US"/>
+            <a:r>
+              <a:rPr lang="zh-TW" altLang="en-US" dirty="0"/>
+              <a:t>連結腳本至熱鍵</a:t>
+            </a:r>
           </a:p>
         </p:txBody>
       </p:sp>
     </p:spTree>
     <p:extLst>
       <p:ext uri="{BB962C8B-B14F-4D97-AF65-F5344CB8AC3E}">
-        <p14:creationId xmlns:p14="http://schemas.microsoft.com/office/powerpoint/2010/main" val="929909194"/>
+        <p14:creationId xmlns:p14="http://schemas.microsoft.com/office/powerpoint/2010/main" val="156901807"/>
       </p:ext>
     </p:extLst>
   </p:cSld>
@@ -11515,10 +11893,10 @@
       </p:grpSpPr>
       <p:sp>
         <p:nvSpPr>
-          <p:cNvPr id="5" name="內容版面配置區 4">
-            <a:extLst>
-              <a:ext uri="{FF2B5EF4-FFF2-40B4-BE49-F238E27FC236}">
-                <a16:creationId xmlns:a16="http://schemas.microsoft.com/office/drawing/2014/main" id="{221EB24A-D4DB-45CB-BE7B-D41F7B493329}"/>
+          <p:cNvPr id="4" name="文字版面配置區 3">
+            <a:extLst>
+              <a:ext uri="{FF2B5EF4-FFF2-40B4-BE49-F238E27FC236}">
+                <a16:creationId xmlns:a16="http://schemas.microsoft.com/office/drawing/2014/main" id="{2FA54F75-D405-4104-B6BB-EA44A23A109A}"/>
               </a:ext>
             </a:extLst>
           </p:cNvPr>
@@ -11526,7 +11904,7 @@
             <a:spLocks noGrp="1"/>
           </p:cNvSpPr>
           <p:nvPr>
-            <p:ph idx="1"/>
+            <p:ph type="body" sz="quarter" idx="10"/>
           </p:nvPr>
         </p:nvSpPr>
         <p:spPr/>
@@ -11536,62 +11914,17 @@
           <a:p>
             <a:r>
               <a:rPr lang="zh-TW" altLang="en-US" dirty="0"/>
-              <a:t>題目</a:t>
-            </a:r>
-            <a:r>
-              <a:rPr lang="en-US" altLang="zh-TW" dirty="0"/>
-              <a:t>:</a:t>
-            </a:r>
-          </a:p>
-          <a:p>
-            <a:r>
-              <a:rPr lang="zh-TW" altLang="en-US" dirty="0"/>
-              <a:t>緣由</a:t>
-            </a:r>
-            <a:r>
-              <a:rPr lang="en-US" altLang="zh-TW" dirty="0"/>
-              <a:t>:</a:t>
-            </a:r>
-          </a:p>
-          <a:p>
-            <a:r>
-              <a:rPr lang="zh-TW" altLang="en-US" dirty="0"/>
-              <a:t>輸入</a:t>
-            </a:r>
-            <a:r>
-              <a:rPr lang="en-US" altLang="zh-TW" dirty="0"/>
-              <a:t>:</a:t>
-            </a:r>
-          </a:p>
-          <a:p>
-            <a:r>
-              <a:rPr lang="zh-TW" altLang="en-US" dirty="0"/>
-              <a:t>輸出</a:t>
-            </a:r>
-            <a:r>
-              <a:rPr lang="en-US" altLang="zh-TW" dirty="0"/>
-              <a:t>:</a:t>
-            </a:r>
-          </a:p>
-          <a:p>
-            <a:r>
-              <a:rPr lang="zh-TW" altLang="en-US" dirty="0"/>
-              <a:t>該如何分解題目</a:t>
-            </a:r>
-            <a:r>
-              <a:rPr lang="en-US" altLang="zh-TW" dirty="0"/>
-              <a:t>:</a:t>
-            </a:r>
-            <a:endParaRPr lang="zh-TW" altLang="en-US" dirty="0"/>
+              <a:t>範例解說：生成導波管模型</a:t>
+            </a:r>
           </a:p>
         </p:txBody>
       </p:sp>
       <p:sp>
         <p:nvSpPr>
-          <p:cNvPr id="4" name="標題 3">
-            <a:extLst>
-              <a:ext uri="{FF2B5EF4-FFF2-40B4-BE49-F238E27FC236}">
-                <a16:creationId xmlns:a16="http://schemas.microsoft.com/office/drawing/2014/main" id="{1854605A-57A1-476A-82F9-537D284E62C2}"/>
+          <p:cNvPr id="5" name="文字版面配置區 4">
+            <a:extLst>
+              <a:ext uri="{FF2B5EF4-FFF2-40B4-BE49-F238E27FC236}">
+                <a16:creationId xmlns:a16="http://schemas.microsoft.com/office/drawing/2014/main" id="{CEE2A55E-C73D-43FF-AA36-95C0FF95B7B1}"/>
               </a:ext>
             </a:extLst>
           </p:cNvPr>
@@ -11599,7 +11932,7 @@
             <a:spLocks noGrp="1"/>
           </p:cNvSpPr>
           <p:nvPr>
-            <p:ph type="title"/>
+            <p:ph type="body" sz="quarter" idx="12"/>
           </p:nvPr>
         </p:nvSpPr>
         <p:spPr/>
@@ -11607,17 +11940,109 @@
           <a:bodyPr/>
           <a:lstStyle/>
           <a:p>
-            <a:r>
-              <a:rPr lang="zh-TW" altLang="en-US" dirty="0"/>
-              <a:t>個人專題分享</a:t>
-            </a:r>
+            <a:endParaRPr lang="zh-TW" altLang="en-US"/>
           </a:p>
         </p:txBody>
       </p:sp>
     </p:spTree>
     <p:extLst>
       <p:ext uri="{BB962C8B-B14F-4D97-AF65-F5344CB8AC3E}">
-        <p14:creationId xmlns:p14="http://schemas.microsoft.com/office/powerpoint/2010/main" val="1266417032"/>
+        <p14:creationId xmlns:p14="http://schemas.microsoft.com/office/powerpoint/2010/main" val="2181700493"/>
+      </p:ext>
+    </p:extLst>
+  </p:cSld>
+  <p:clrMapOvr>
+    <a:masterClrMapping/>
+  </p:clrMapOvr>
+  <mc:AlternateContent xmlns:mc="http://schemas.openxmlformats.org/markup-compatibility/2006" xmlns:p14="http://schemas.microsoft.com/office/powerpoint/2010/main">
+    <mc:Choice Requires="p14">
+      <p:transition p14:dur="250">
+        <p:fade/>
+      </p:transition>
+    </mc:Choice>
+    <mc:Fallback xmlns="">
+      <p:transition>
+        <p:fade/>
+      </p:transition>
+    </mc:Fallback>
+  </mc:AlternateContent>
+</p:sld>
+</file>
+
+<file path=ppt/slides/slide14.xml><?xml version="1.0" encoding="utf-8"?>
+<p:sld xmlns:a="http://schemas.openxmlformats.org/drawingml/2006/main" xmlns:r="http://schemas.openxmlformats.org/officeDocument/2006/relationships" xmlns:p="http://schemas.openxmlformats.org/presentationml/2006/main">
+  <p:cSld>
+    <p:spTree>
+      <p:nvGrpSpPr>
+        <p:cNvPr id="1" name=""/>
+        <p:cNvGrpSpPr/>
+        <p:nvPr/>
+      </p:nvGrpSpPr>
+      <p:grpSpPr>
+        <a:xfrm>
+          <a:off x="0" y="0"/>
+          <a:ext cx="0" cy="0"/>
+          <a:chOff x="0" y="0"/>
+          <a:chExt cx="0" cy="0"/>
+        </a:xfrm>
+      </p:grpSpPr>
+      <p:sp>
+        <p:nvSpPr>
+          <p:cNvPr id="4" name="文字版面配置區 3">
+            <a:extLst>
+              <a:ext uri="{FF2B5EF4-FFF2-40B4-BE49-F238E27FC236}">
+                <a16:creationId xmlns:a16="http://schemas.microsoft.com/office/drawing/2014/main" id="{2FA54F75-D405-4104-B6BB-EA44A23A109A}"/>
+              </a:ext>
+            </a:extLst>
+          </p:cNvPr>
+          <p:cNvSpPr>
+            <a:spLocks noGrp="1"/>
+          </p:cNvSpPr>
+          <p:nvPr>
+            <p:ph type="body" sz="quarter" idx="10"/>
+          </p:nvPr>
+        </p:nvSpPr>
+        <p:spPr/>
+        <p:txBody>
+          <a:bodyPr/>
+          <a:lstStyle/>
+          <a:p>
+            <a:r>
+              <a:rPr lang="zh-TW" altLang="en-US" dirty="0"/>
+              <a:t>專題討論 </a:t>
+            </a:r>
+          </a:p>
+        </p:txBody>
+      </p:sp>
+      <p:sp>
+        <p:nvSpPr>
+          <p:cNvPr id="5" name="文字版面配置區 4">
+            <a:extLst>
+              <a:ext uri="{FF2B5EF4-FFF2-40B4-BE49-F238E27FC236}">
+                <a16:creationId xmlns:a16="http://schemas.microsoft.com/office/drawing/2014/main" id="{CEE2A55E-C73D-43FF-AA36-95C0FF95B7B1}"/>
+              </a:ext>
+            </a:extLst>
+          </p:cNvPr>
+          <p:cNvSpPr>
+            <a:spLocks noGrp="1"/>
+          </p:cNvSpPr>
+          <p:nvPr>
+            <p:ph type="body" sz="quarter" idx="12"/>
+          </p:nvPr>
+        </p:nvSpPr>
+        <p:spPr/>
+        <p:txBody>
+          <a:bodyPr/>
+          <a:lstStyle/>
+          <a:p>
+            <a:endParaRPr lang="zh-TW" altLang="en-US"/>
+          </a:p>
+        </p:txBody>
+      </p:sp>
+    </p:spTree>
+    <p:extLst>
+      <p:ext uri="{BB962C8B-B14F-4D97-AF65-F5344CB8AC3E}">
+        <p14:creationId xmlns:p14="http://schemas.microsoft.com/office/powerpoint/2010/main" val="929909194"/>
       </p:ext>
     </p:extLst>
   </p:cSld>
@@ -11685,6 +12110,19 @@
               <a:rPr lang="zh-TW" altLang="en-US" dirty="0"/>
               <a:t>基本語法簡介</a:t>
             </a:r>
+            <a:r>
+              <a:rPr lang="en-US" altLang="zh-TW" dirty="0"/>
+              <a:t>(</a:t>
+            </a:r>
+            <a:r>
+              <a:rPr lang="zh-TW" altLang="en-US" dirty="0"/>
+              <a:t>下</a:t>
+            </a:r>
+            <a:r>
+              <a:rPr lang="en-US" altLang="zh-TW" dirty="0"/>
+              <a:t>)</a:t>
+            </a:r>
+            <a:endParaRPr lang="zh-TW" altLang="en-US" dirty="0"/>
           </a:p>
         </p:txBody>
       </p:sp>
@@ -11973,10 +12411,10 @@
       </p:grpSpPr>
       <p:sp>
         <p:nvSpPr>
-          <p:cNvPr id="4" name="文字版面配置區 3">
-            <a:extLst>
-              <a:ext uri="{FF2B5EF4-FFF2-40B4-BE49-F238E27FC236}">
-                <a16:creationId xmlns:a16="http://schemas.microsoft.com/office/drawing/2014/main" id="{2FA54F75-D405-4104-B6BB-EA44A23A109A}"/>
+          <p:cNvPr id="2" name="內容版面配置區 1">
+            <a:extLst>
+              <a:ext uri="{FF2B5EF4-FFF2-40B4-BE49-F238E27FC236}">
+                <a16:creationId xmlns:a16="http://schemas.microsoft.com/office/drawing/2014/main" id="{3C850A5C-0B10-4870-9F52-83ACBC4FB27D}"/>
               </a:ext>
             </a:extLst>
           </p:cNvPr>
@@ -11984,7 +12422,99 @@
             <a:spLocks noGrp="1"/>
           </p:cNvSpPr>
           <p:nvPr>
-            <p:ph type="body" sz="quarter" idx="10"/>
+            <p:ph idx="1"/>
+          </p:nvPr>
+        </p:nvSpPr>
+        <p:spPr>
+          <a:xfrm>
+            <a:off x="609600" y="1371600"/>
+            <a:ext cx="6087533" cy="4762471"/>
+          </a:xfrm>
+        </p:spPr>
+        <p:txBody>
+          <a:bodyPr>
+            <a:normAutofit/>
+          </a:bodyPr>
+          <a:lstStyle/>
+          <a:p>
+            <a:pPr marL="0" indent="0">
+              <a:buNone/>
+            </a:pPr>
+            <a:r>
+              <a:rPr lang="en-US" altLang="zh-TW" dirty="0"/>
+              <a:t>csv1=['1,5','2,6','3,7', '4,8']</a:t>
+            </a:r>
+          </a:p>
+          <a:p>
+            <a:pPr marL="0" indent="0">
+              <a:buNone/>
+            </a:pPr>
+            <a:r>
+              <a:rPr lang="en-US" altLang="zh-TW" dirty="0"/>
+              <a:t>csv2=['#comment', '1,5','2,6','3,7', '4,8']</a:t>
+            </a:r>
+          </a:p>
+          <a:p>
+            <a:pPr marL="0" indent="0">
+              <a:buNone/>
+            </a:pPr>
+            <a:r>
+              <a:rPr lang="en-US" altLang="zh-TW" dirty="0"/>
+              <a:t>csv3=['2020,06,05', '1,5','2,6','3,7', '4,8']</a:t>
+            </a:r>
+          </a:p>
+          <a:p>
+            <a:pPr marL="0" indent="0">
+              <a:buNone/>
+            </a:pPr>
+            <a:r>
+              <a:rPr lang="en-US" altLang="zh-TW" dirty="0"/>
+              <a:t>csv4=['ANSYS','HFSS','1,5','2,6','3,7', '4,8']</a:t>
+            </a:r>
+          </a:p>
+          <a:p>
+            <a:pPr marL="0" indent="0">
+              <a:buNone/>
+            </a:pPr>
+            <a:r>
+              <a:rPr lang="en-US" altLang="zh-TW" dirty="0"/>
+              <a:t>csv5=['time, volt','1,5','2,6','3,7', '4,8']</a:t>
+            </a:r>
+          </a:p>
+          <a:p>
+            <a:pPr marL="0" indent="0">
+              <a:buNone/>
+            </a:pPr>
+            <a:r>
+              <a:rPr lang="en-US" altLang="zh-TW" dirty="0"/>
+              <a:t>csv6=['     ', '1,5','2,6','3,7', '4,8']</a:t>
+            </a:r>
+          </a:p>
+          <a:p>
+            <a:pPr marL="0" indent="0">
+              <a:buNone/>
+            </a:pPr>
+            <a:r>
+              <a:rPr lang="en-US" altLang="zh-TW" dirty="0"/>
+              <a:t>csv7=['1,5','2,6','3,7', '4,8', '']</a:t>
+            </a:r>
+          </a:p>
+        </p:txBody>
+      </p:sp>
+      <p:sp>
+        <p:nvSpPr>
+          <p:cNvPr id="3" name="標題 2">
+            <a:extLst>
+              <a:ext uri="{FF2B5EF4-FFF2-40B4-BE49-F238E27FC236}">
+                <a16:creationId xmlns:a16="http://schemas.microsoft.com/office/drawing/2014/main" id="{DA7D02FA-5EDB-4AA9-9818-8E79AA64DF8B}"/>
+              </a:ext>
+            </a:extLst>
+          </p:cNvPr>
+          <p:cNvSpPr>
+            <a:spLocks noGrp="1"/>
+          </p:cNvSpPr>
+          <p:nvPr>
+            <p:ph type="title"/>
           </p:nvPr>
         </p:nvSpPr>
         <p:spPr/>
@@ -11994,40 +12524,88 @@
           <a:p>
             <a:r>
               <a:rPr lang="zh-TW" altLang="en-US" dirty="0"/>
-              <a:t>概念解說</a:t>
-            </a:r>
+              <a:t>如何寫出一組代碼將不同</a:t>
+            </a:r>
+            <a:r>
+              <a:rPr lang="en-US" altLang="zh-TW" dirty="0"/>
+              <a:t>csv</a:t>
+            </a:r>
+            <a:r>
+              <a:rPr lang="zh-TW" altLang="en-US" dirty="0"/>
+              <a:t>檔讀入的字串處理成</a:t>
+            </a:r>
+            <a:r>
+              <a:rPr lang="en-US" altLang="zh-TW" dirty="0"/>
+              <a:t>list of tuple</a:t>
+            </a:r>
+            <a:endParaRPr lang="zh-TW" altLang="en-US" dirty="0"/>
           </a:p>
         </p:txBody>
       </p:sp>
-      <p:sp>
-        <p:nvSpPr>
-          <p:cNvPr id="5" name="文字版面配置區 4">
-            <a:extLst>
-              <a:ext uri="{FF2B5EF4-FFF2-40B4-BE49-F238E27FC236}">
-                <a16:creationId xmlns:a16="http://schemas.microsoft.com/office/drawing/2014/main" id="{CEE2A55E-C73D-43FF-AA36-95C0FF95B7B1}"/>
-              </a:ext>
-            </a:extLst>
-          </p:cNvPr>
-          <p:cNvSpPr>
-            <a:spLocks noGrp="1"/>
-          </p:cNvSpPr>
-          <p:nvPr>
-            <p:ph type="body" sz="quarter" idx="12"/>
-          </p:nvPr>
-        </p:nvSpPr>
-        <p:spPr/>
-        <p:txBody>
-          <a:bodyPr/>
-          <a:lstStyle/>
-          <a:p>
-            <a:endParaRPr lang="zh-TW" altLang="en-US"/>
-          </a:p>
-        </p:txBody>
-      </p:sp>
+      <p:pic>
+        <p:nvPicPr>
+          <p:cNvPr id="4" name="圖片 3">
+            <a:extLst>
+              <a:ext uri="{FF2B5EF4-FFF2-40B4-BE49-F238E27FC236}">
+                <a16:creationId xmlns:a16="http://schemas.microsoft.com/office/drawing/2014/main" id="{13D75680-B5D2-4231-AF90-6909699FA7DE}"/>
+              </a:ext>
+            </a:extLst>
+          </p:cNvPr>
+          <p:cNvPicPr>
+            <a:picLocks noChangeAspect="1"/>
+          </p:cNvPicPr>
+          <p:nvPr/>
+        </p:nvPicPr>
+        <p:blipFill>
+          <a:blip r:embed="rId2"/>
+          <a:stretch>
+            <a:fillRect/>
+          </a:stretch>
+        </p:blipFill>
+        <p:spPr>
+          <a:xfrm>
+            <a:off x="7405972" y="1273818"/>
+            <a:ext cx="4266667" cy="1885714"/>
+          </a:xfrm>
+          <a:prstGeom prst="rect">
+            <a:avLst/>
+          </a:prstGeom>
+        </p:spPr>
+      </p:pic>
+      <p:pic>
+        <p:nvPicPr>
+          <p:cNvPr id="5" name="圖片 4">
+            <a:extLst>
+              <a:ext uri="{FF2B5EF4-FFF2-40B4-BE49-F238E27FC236}">
+                <a16:creationId xmlns:a16="http://schemas.microsoft.com/office/drawing/2014/main" id="{6D562F4E-8C74-4814-8B73-DA7C947D2D53}"/>
+              </a:ext>
+            </a:extLst>
+          </p:cNvPr>
+          <p:cNvPicPr>
+            <a:picLocks noChangeAspect="1"/>
+          </p:cNvPicPr>
+          <p:nvPr/>
+        </p:nvPicPr>
+        <p:blipFill>
+          <a:blip r:embed="rId3"/>
+          <a:stretch>
+            <a:fillRect/>
+          </a:stretch>
+        </p:blipFill>
+        <p:spPr>
+          <a:xfrm>
+            <a:off x="6401373" y="4083267"/>
+            <a:ext cx="5485827" cy="563534"/>
+          </a:xfrm>
+          <a:prstGeom prst="rect">
+            <a:avLst/>
+          </a:prstGeom>
+        </p:spPr>
+      </p:pic>
     </p:spTree>
     <p:extLst>
       <p:ext uri="{BB962C8B-B14F-4D97-AF65-F5344CB8AC3E}">
-        <p14:creationId xmlns:p14="http://schemas.microsoft.com/office/powerpoint/2010/main" val="2189207556"/>
+        <p14:creationId xmlns:p14="http://schemas.microsoft.com/office/powerpoint/2010/main" val="3776458717"/>
       </p:ext>
     </p:extLst>
   </p:cSld>
@@ -12066,215 +12644,44 @@
           <a:chExt cx="0" cy="0"/>
         </a:xfrm>
       </p:grpSpPr>
-      <p:sp>
-        <p:nvSpPr>
-          <p:cNvPr id="5" name="內容版面配置區 4">
-            <a:extLst>
-              <a:ext uri="{FF2B5EF4-FFF2-40B4-BE49-F238E27FC236}">
-                <a16:creationId xmlns:a16="http://schemas.microsoft.com/office/drawing/2014/main" id="{47CD2DC4-DBF9-4379-9E92-A3F1027C98CE}"/>
-              </a:ext>
-            </a:extLst>
-          </p:cNvPr>
-          <p:cNvSpPr>
-            <a:spLocks noGrp="1"/>
-          </p:cNvSpPr>
+      <p:pic>
+        <p:nvPicPr>
+          <p:cNvPr id="9" name="內容版面配置區 8">
+            <a:extLst>
+              <a:ext uri="{FF2B5EF4-FFF2-40B4-BE49-F238E27FC236}">
+                <a16:creationId xmlns:a16="http://schemas.microsoft.com/office/drawing/2014/main" id="{6FF891F2-2DFA-4757-9BAA-1160974E48C5}"/>
+              </a:ext>
+            </a:extLst>
+          </p:cNvPr>
+          <p:cNvPicPr>
+            <a:picLocks noGrp="1" noChangeAspect="1"/>
+          </p:cNvPicPr>
           <p:nvPr>
             <p:ph idx="1"/>
           </p:nvPr>
-        </p:nvSpPr>
-        <p:spPr/>
-        <p:txBody>
-          <a:bodyPr/>
-          <a:lstStyle/>
-          <a:p>
-            <a:r>
-              <a:rPr lang="en-US" altLang="zh-TW" dirty="0"/>
-              <a:t> A. AEDT</a:t>
-            </a:r>
-            <a:r>
-              <a:rPr lang="zh-TW" altLang="en-US" dirty="0"/>
-              <a:t>函式庫分成</a:t>
-            </a:r>
-            <a:r>
-              <a:rPr lang="en-US" altLang="zh-TW" dirty="0"/>
-              <a:t>Desktop, Project, Design, Editor, Module</a:t>
-            </a:r>
-            <a:r>
-              <a:rPr lang="zh-TW" altLang="en-US" dirty="0"/>
-              <a:t>等大類，</a:t>
-            </a:r>
-            <a:r>
-              <a:rPr lang="en-US" altLang="zh-TW" dirty="0"/>
-              <a:t>Module</a:t>
-            </a:r>
-            <a:r>
-              <a:rPr lang="zh-TW" altLang="en-US" dirty="0"/>
-              <a:t>底下又分成多個小類。比方說是要在專案底下加入新的設計，我們便可以使用</a:t>
-            </a:r>
-            <a:r>
-              <a:rPr lang="en-US" altLang="zh-TW" dirty="0" err="1"/>
-              <a:t>oProject.InsertDesign</a:t>
-            </a:r>
-            <a:r>
-              <a:rPr lang="en-US" altLang="zh-TW" dirty="0"/>
-              <a:t>()</a:t>
-            </a:r>
-            <a:r>
-              <a:rPr lang="zh-TW" altLang="en-US" dirty="0"/>
-              <a:t>函數來完成。從功能區分，可分成</a:t>
-            </a:r>
-            <a:r>
-              <a:rPr lang="en-US" altLang="zh-TW" dirty="0"/>
-              <a:t>CURD(Create: </a:t>
-            </a:r>
-            <a:r>
-              <a:rPr lang="zh-TW" altLang="en-US" dirty="0"/>
-              <a:t>建立</a:t>
-            </a:r>
-            <a:r>
-              <a:rPr lang="en-US" altLang="zh-TW" dirty="0"/>
-              <a:t>, Update:</a:t>
-            </a:r>
-            <a:r>
-              <a:rPr lang="zh-TW" altLang="en-US" dirty="0"/>
-              <a:t>更新</a:t>
-            </a:r>
-            <a:r>
-              <a:rPr lang="en-US" altLang="zh-TW" dirty="0"/>
-              <a:t>, Read:</a:t>
-            </a:r>
-            <a:r>
-              <a:rPr lang="zh-TW" altLang="en-US" dirty="0"/>
-              <a:t>讀取</a:t>
-            </a:r>
-            <a:r>
-              <a:rPr lang="en-US" altLang="zh-TW" dirty="0"/>
-              <a:t>, Delete:</a:t>
-            </a:r>
-            <a:r>
-              <a:rPr lang="zh-TW" altLang="en-US" dirty="0"/>
-              <a:t>刪除</a:t>
-            </a:r>
-            <a:r>
-              <a:rPr lang="en-US" altLang="zh-TW" dirty="0"/>
-              <a:t>)</a:t>
-            </a:r>
-            <a:r>
-              <a:rPr lang="zh-TW" altLang="en-US" dirty="0"/>
-              <a:t>四大塊。比方說是</a:t>
-            </a:r>
-            <a:r>
-              <a:rPr lang="en-US" altLang="zh-TW" dirty="0" err="1"/>
-              <a:t>InsertDesign</a:t>
-            </a:r>
-            <a:r>
-              <a:rPr lang="en-US" altLang="zh-TW" dirty="0"/>
-              <a:t>()</a:t>
-            </a:r>
-            <a:r>
-              <a:rPr lang="zh-TW" altLang="en-US" dirty="0"/>
-              <a:t>屬於建立</a:t>
-            </a:r>
-            <a:r>
-              <a:rPr lang="en-US" altLang="zh-TW" dirty="0"/>
-              <a:t>, </a:t>
-            </a:r>
-            <a:r>
-              <a:rPr lang="en-US" altLang="zh-TW" dirty="0" err="1"/>
-              <a:t>SetActiveDesign</a:t>
-            </a:r>
-            <a:r>
-              <a:rPr lang="en-US" altLang="zh-TW" dirty="0"/>
-              <a:t>()</a:t>
-            </a:r>
-            <a:r>
-              <a:rPr lang="zh-TW" altLang="en-US" dirty="0"/>
-              <a:t>算是更新，</a:t>
-            </a:r>
-            <a:r>
-              <a:rPr lang="en-US" altLang="zh-TW" dirty="0" err="1"/>
-              <a:t>GetName</a:t>
-            </a:r>
-            <a:r>
-              <a:rPr lang="en-US" altLang="zh-TW" dirty="0"/>
-              <a:t>()</a:t>
-            </a:r>
-            <a:r>
-              <a:rPr lang="zh-TW" altLang="en-US" dirty="0"/>
-              <a:t>屬於讀取，</a:t>
-            </a:r>
-            <a:r>
-              <a:rPr lang="en-US" altLang="zh-TW" dirty="0" err="1"/>
-              <a:t>CutDesign</a:t>
-            </a:r>
-            <a:r>
-              <a:rPr lang="en-US" altLang="zh-TW" dirty="0"/>
-              <a:t>()</a:t>
-            </a:r>
-            <a:r>
-              <a:rPr lang="zh-TW" altLang="en-US" dirty="0"/>
-              <a:t>屬於刪除。當中</a:t>
-            </a:r>
-            <a:r>
-              <a:rPr lang="en-US" altLang="zh-TW" dirty="0"/>
-              <a:t>CUD</a:t>
-            </a:r>
-            <a:r>
-              <a:rPr lang="zh-TW" altLang="en-US" dirty="0"/>
-              <a:t>類可以透過錄製得到，而</a:t>
-            </a:r>
-            <a:r>
-              <a:rPr lang="en-US" altLang="zh-TW" dirty="0"/>
-              <a:t>R</a:t>
-            </a:r>
-            <a:r>
-              <a:rPr lang="zh-TW" altLang="en-US" dirty="0"/>
-              <a:t>類需要透過文件來查找。關於函式庫的</a:t>
-            </a:r>
-            <a:r>
-              <a:rPr lang="en-US" altLang="zh-TW" dirty="0"/>
-              <a:t>Help</a:t>
-            </a:r>
-            <a:r>
-              <a:rPr lang="zh-TW" altLang="en-US" dirty="0"/>
-              <a:t>檔可以在</a:t>
-            </a:r>
-            <a:r>
-              <a:rPr lang="en-US" altLang="zh-TW" dirty="0"/>
-              <a:t>C:\Program Files\</a:t>
-            </a:r>
-            <a:r>
-              <a:rPr lang="en-US" altLang="zh-TW" dirty="0" err="1"/>
-              <a:t>AnsysEM</a:t>
-            </a:r>
-            <a:r>
-              <a:rPr lang="en-US" altLang="zh-TW" dirty="0"/>
-              <a:t>\AnsysEM20.1\Win64\Help</a:t>
-            </a:r>
-            <a:r>
-              <a:rPr lang="zh-TW" altLang="en-US" dirty="0"/>
-              <a:t>底下找到</a:t>
-            </a:r>
-            <a:r>
-              <a:rPr lang="en-US" altLang="zh-TW" dirty="0"/>
-              <a:t>ScriptingGuide.pdf</a:t>
-            </a:r>
-            <a:r>
-              <a:rPr lang="zh-TW" altLang="en-US" dirty="0"/>
-              <a:t>當中詳細說明了函式的功能及使用方法。</a:t>
-            </a:r>
-          </a:p>
-          <a:p>
-            <a:endParaRPr lang="zh-TW" altLang="en-US" dirty="0"/>
-          </a:p>
-        </p:txBody>
-      </p:sp>
+        </p:nvPicPr>
+        <p:blipFill>
+          <a:blip r:embed="rId2"/>
+          <a:stretch>
+            <a:fillRect/>
+          </a:stretch>
+        </p:blipFill>
+        <p:spPr>
+          <a:xfrm>
+            <a:off x="609601" y="1863275"/>
+            <a:ext cx="5638964" cy="3131449"/>
+          </a:xfrm>
+          <a:prstGeom prst="rect">
+            <a:avLst/>
+          </a:prstGeom>
+        </p:spPr>
+      </p:pic>
       <p:sp>
         <p:nvSpPr>
-          <p:cNvPr id="4" name="標題 3">
-            <a:extLst>
-              <a:ext uri="{FF2B5EF4-FFF2-40B4-BE49-F238E27FC236}">
-                <a16:creationId xmlns:a16="http://schemas.microsoft.com/office/drawing/2014/main" id="{06DA0EB8-8083-49B8-89F6-5CA68A99C6B7}"/>
+          <p:cNvPr id="7" name="標題 6">
+            <a:extLst>
+              <a:ext uri="{FF2B5EF4-FFF2-40B4-BE49-F238E27FC236}">
+                <a16:creationId xmlns:a16="http://schemas.microsoft.com/office/drawing/2014/main" id="{99CCFDF6-E590-4D0F-ACBA-DFDF8A8C3D54}"/>
               </a:ext>
             </a:extLst>
           </p:cNvPr>
@@ -12292,19 +12699,20 @@
           <a:p>
             <a:r>
               <a:rPr lang="zh-TW" altLang="en-US" dirty="0"/>
-              <a:t>可以簡單介紹一下</a:t>
+              <a:t>解答</a:t>
             </a:r>
             <a:r>
               <a:rPr lang="en-US" altLang="zh-TW" dirty="0"/>
-              <a:t>AEDT</a:t>
+              <a:t>:</a:t>
             </a:r>
             <a:r>
               <a:rPr lang="zh-TW" altLang="en-US" dirty="0"/>
-              <a:t>的函式庫嗎？</a:t>
-            </a:r>
-            <a:br>
-              <a:rPr lang="zh-TW" altLang="en-US" dirty="0"/>
-            </a:br>
+              <a:t>加上</a:t>
+            </a:r>
+            <a:r>
+              <a:rPr lang="en-US" altLang="zh-TW" dirty="0"/>
+              <a:t>try…except…pass</a:t>
+            </a:r>
             <a:endParaRPr lang="zh-TW" altLang="en-US" dirty="0"/>
           </a:p>
         </p:txBody>
@@ -12312,7 +12720,7 @@
     </p:spTree>
     <p:extLst>
       <p:ext uri="{BB962C8B-B14F-4D97-AF65-F5344CB8AC3E}">
-        <p14:creationId xmlns:p14="http://schemas.microsoft.com/office/powerpoint/2010/main" val="150404640"/>
+        <p14:creationId xmlns:p14="http://schemas.microsoft.com/office/powerpoint/2010/main" val="3095247151"/>
       </p:ext>
     </p:extLst>
   </p:cSld>
@@ -12356,7 +12764,7 @@
           <p:cNvPr id="2" name="內容版面配置區 1">
             <a:extLst>
               <a:ext uri="{FF2B5EF4-FFF2-40B4-BE49-F238E27FC236}">
-                <a16:creationId xmlns:a16="http://schemas.microsoft.com/office/drawing/2014/main" id="{B76EC892-7C67-495C-8FF9-2A83D1505032}"/>
+                <a16:creationId xmlns:a16="http://schemas.microsoft.com/office/drawing/2014/main" id="{BE83D0CB-5CE0-45DE-BEAA-A473BDC9555D}"/>
               </a:ext>
             </a:extLst>
           </p:cNvPr>
@@ -12373,44 +12781,24 @@
           <a:lstStyle/>
           <a:p>
             <a:r>
+              <a:rPr lang="zh-TW" altLang="en-US" dirty="0"/>
+              <a:t>在程式開發階段，一般都是假設輸入參數會嚴格遵守規範，並基於這個假設開發演算法。如果格式出錯，就算這個錯誤無關緊要，程式也會終止運算並返回錯誤訊息，如果要對輸入的資料一一判斷是否合規，將導致程式複雜化並額外耗用運算資源。一個解決思維是先做再說，發生了無法處理的狀況，也就是例外，再另行處理。這種設計思維就是所謂的例外處理。目前例外處理已經是主流程式語言所採取的設計方案。這種設計風格又稱之為</a:t>
+            </a:r>
+            <a:r>
               <a:rPr lang="en-US" altLang="zh-TW" dirty="0"/>
-              <a:t>A. </a:t>
+              <a:t>EAFP( Easier to Ask for Forgiveness than Permission) ,</a:t>
             </a:r>
             <a:r>
               <a:rPr lang="zh-TW" altLang="en-US" dirty="0"/>
-              <a:t>要理解函式，必須先從輸出入著手。一個函式可以有多個輸入參數，也可以沒有輸入參數。必須以正確的資料型態傳入參數，函式才能正常地完成運算或執行動作。假設參數</a:t>
+              <a:t>有別於</a:t>
             </a:r>
             <a:r>
               <a:rPr lang="en-US" altLang="zh-TW" dirty="0"/>
-              <a:t>x</a:t>
+              <a:t>LBYL(Look Before You Leap)</a:t>
             </a:r>
             <a:r>
               <a:rPr lang="zh-TW" altLang="en-US" dirty="0"/>
-              <a:t>是以字串表示的數值，舉例來說“</a:t>
-            </a:r>
-            <a:r>
-              <a:rPr lang="en-US" altLang="zh-TW" dirty="0"/>
-              <a:t>23”</a:t>
-            </a:r>
-            <a:r>
-              <a:rPr lang="zh-TW" altLang="en-US" dirty="0"/>
-              <a:t>，那麼以整數型別傳入</a:t>
-            </a:r>
-            <a:r>
-              <a:rPr lang="en-US" altLang="zh-TW" dirty="0"/>
-              <a:t>23</a:t>
-            </a:r>
-            <a:r>
-              <a:rPr lang="zh-TW" altLang="en-US" dirty="0"/>
-              <a:t>是不被接受的。這是初學者經常犯的錯誤。同樣的，返回資料的型態可能是單純的整數或字串，也可能是物件。清楚返回值的資料格式才能正確的加以處理。在閱讀</a:t>
-            </a:r>
-            <a:r>
-              <a:rPr lang="en-US" altLang="zh-TW" dirty="0"/>
-              <a:t>AEDT</a:t>
-            </a:r>
-            <a:r>
-              <a:rPr lang="zh-TW" altLang="en-US" dirty="0"/>
-              <a:t>的函式說明時，先觀察輸入參數的型別，必要時可以編寫程式碼片段來測試。</a:t>
+              <a:t>。</a:t>
             </a:r>
           </a:p>
         </p:txBody>
@@ -12420,7 +12808,7 @@
           <p:cNvPr id="3" name="標題 2">
             <a:extLst>
               <a:ext uri="{FF2B5EF4-FFF2-40B4-BE49-F238E27FC236}">
-                <a16:creationId xmlns:a16="http://schemas.microsoft.com/office/drawing/2014/main" id="{27AACF31-B26F-4D1C-856A-7B09BF30E133}"/>
+                <a16:creationId xmlns:a16="http://schemas.microsoft.com/office/drawing/2014/main" id="{0328546A-7A5A-41F7-8BBE-32BB0E646989}"/>
               </a:ext>
             </a:extLst>
           </p:cNvPr>
@@ -12438,15 +12826,23 @@
           <a:p>
             <a:r>
               <a:rPr lang="zh-TW" altLang="en-US" dirty="0"/>
-              <a:t>如何理解</a:t>
+              <a:t>例外處理</a:t>
             </a:r>
             <a:r>
               <a:rPr lang="en-US" altLang="zh-TW" dirty="0"/>
-              <a:t>AEDT</a:t>
+              <a:t> </a:t>
+            </a:r>
+            <a:r>
+              <a:rPr lang="en-US" altLang="zh-TW" dirty="0" err="1"/>
+              <a:t>v.s</a:t>
+            </a:r>
+            <a:r>
+              <a:rPr lang="en-US" altLang="zh-TW" dirty="0"/>
+              <a:t>.</a:t>
             </a:r>
             <a:r>
               <a:rPr lang="zh-TW" altLang="en-US" dirty="0"/>
-              <a:t>的函式</a:t>
+              <a:t>事先檢查</a:t>
             </a:r>
           </a:p>
         </p:txBody>
@@ -12454,7 +12850,7 @@
     </p:spTree>
     <p:extLst>
       <p:ext uri="{BB962C8B-B14F-4D97-AF65-F5344CB8AC3E}">
-        <p14:creationId xmlns:p14="http://schemas.microsoft.com/office/powerpoint/2010/main" val="634685143"/>
+        <p14:creationId xmlns:p14="http://schemas.microsoft.com/office/powerpoint/2010/main" val="3005715725"/>
       </p:ext>
     </p:extLst>
   </p:cSld>
@@ -12495,10 +12891,10 @@
       </p:grpSpPr>
       <p:sp>
         <p:nvSpPr>
-          <p:cNvPr id="2" name="內容版面配置區 1">
-            <a:extLst>
-              <a:ext uri="{FF2B5EF4-FFF2-40B4-BE49-F238E27FC236}">
-                <a16:creationId xmlns:a16="http://schemas.microsoft.com/office/drawing/2014/main" id="{6DB6564A-98F8-4D69-B16B-9EB3AA2CBCF6}"/>
+          <p:cNvPr id="4" name="文字版面配置區 3">
+            <a:extLst>
+              <a:ext uri="{FF2B5EF4-FFF2-40B4-BE49-F238E27FC236}">
+                <a16:creationId xmlns:a16="http://schemas.microsoft.com/office/drawing/2014/main" id="{2FA54F75-D405-4104-B6BB-EA44A23A109A}"/>
               </a:ext>
             </a:extLst>
           </p:cNvPr>
@@ -12506,7 +12902,7 @@
             <a:spLocks noGrp="1"/>
           </p:cNvSpPr>
           <p:nvPr>
-            <p:ph idx="1"/>
+            <p:ph type="body" sz="quarter" idx="10"/>
           </p:nvPr>
         </p:nvSpPr>
         <p:spPr/>
@@ -12515,38 +12911,22 @@
           <a:lstStyle/>
           <a:p>
             <a:r>
+              <a:rPr lang="en-US" altLang="zh-TW" dirty="0"/>
+              <a:t>AEDT</a:t>
+            </a:r>
+            <a:r>
               <a:rPr lang="zh-TW" altLang="en-US" dirty="0"/>
-              <a:t> 最簡單的方式便是利用</a:t>
-            </a:r>
-            <a:r>
-              <a:rPr lang="en-US" altLang="zh-TW" dirty="0"/>
-              <a:t>type()</a:t>
-            </a:r>
-            <a:r>
-              <a:rPr lang="zh-TW" altLang="en-US" dirty="0"/>
-              <a:t>來得到資料型態，透過</a:t>
-            </a:r>
-            <a:r>
-              <a:rPr lang="en-US" altLang="zh-TW" dirty="0" err="1"/>
-              <a:t>dir</a:t>
-            </a:r>
-            <a:r>
-              <a:rPr lang="en-US" altLang="zh-TW" dirty="0"/>
-              <a:t>()</a:t>
-            </a:r>
-            <a:r>
-              <a:rPr lang="zh-TW" altLang="en-US" dirty="0"/>
-              <a:t>來得到可以使用的函式。這裡舉一個簡單的例子：</a:t>
+              <a:t>函式庫架構</a:t>
             </a:r>
           </a:p>
         </p:txBody>
       </p:sp>
       <p:sp>
         <p:nvSpPr>
-          <p:cNvPr id="3" name="標題 2">
-            <a:extLst>
-              <a:ext uri="{FF2B5EF4-FFF2-40B4-BE49-F238E27FC236}">
-                <a16:creationId xmlns:a16="http://schemas.microsoft.com/office/drawing/2014/main" id="{6100AB34-2064-412E-89EB-E6860E18A31F}"/>
+          <p:cNvPr id="5" name="文字版面配置區 4">
+            <a:extLst>
+              <a:ext uri="{FF2B5EF4-FFF2-40B4-BE49-F238E27FC236}">
+                <a16:creationId xmlns:a16="http://schemas.microsoft.com/office/drawing/2014/main" id="{CEE2A55E-C73D-43FF-AA36-95C0FF95B7B1}"/>
               </a:ext>
             </a:extLst>
           </p:cNvPr>
@@ -12554,7 +12934,7 @@
             <a:spLocks noGrp="1"/>
           </p:cNvSpPr>
           <p:nvPr>
-            <p:ph type="title"/>
+            <p:ph type="body" sz="quarter" idx="12"/>
           </p:nvPr>
         </p:nvSpPr>
         <p:spPr/>
@@ -12562,17 +12942,14 @@
           <a:bodyPr/>
           <a:lstStyle/>
           <a:p>
-            <a:r>
-              <a:rPr lang="zh-TW" altLang="en-US" dirty="0"/>
-              <a:t>如何判斷返回資料的格式？</a:t>
-            </a:r>
+            <a:endParaRPr lang="zh-TW" altLang="en-US"/>
           </a:p>
         </p:txBody>
       </p:sp>
     </p:spTree>
     <p:extLst>
       <p:ext uri="{BB962C8B-B14F-4D97-AF65-F5344CB8AC3E}">
-        <p14:creationId xmlns:p14="http://schemas.microsoft.com/office/powerpoint/2010/main" val="3631061952"/>
+        <p14:creationId xmlns:p14="http://schemas.microsoft.com/office/powerpoint/2010/main" val="2189207556"/>
       </p:ext>
     </p:extLst>
   </p:cSld>
@@ -12613,10 +12990,10 @@
       </p:grpSpPr>
       <p:sp>
         <p:nvSpPr>
-          <p:cNvPr id="2" name="內容版面配置區 1">
-            <a:extLst>
-              <a:ext uri="{FF2B5EF4-FFF2-40B4-BE49-F238E27FC236}">
-                <a16:creationId xmlns:a16="http://schemas.microsoft.com/office/drawing/2014/main" id="{5278D3C2-342D-4F56-B1B1-91F7D1A36EB5}"/>
+          <p:cNvPr id="5" name="內容版面配置區 4">
+            <a:extLst>
+              <a:ext uri="{FF2B5EF4-FFF2-40B4-BE49-F238E27FC236}">
+                <a16:creationId xmlns:a16="http://schemas.microsoft.com/office/drawing/2014/main" id="{47CD2DC4-DBF9-4379-9E92-A3F1027C98CE}"/>
               </a:ext>
             </a:extLst>
           </p:cNvPr>
@@ -12632,13 +13009,216 @@
           <a:bodyPr/>
           <a:lstStyle/>
           <a:p>
+            <a:pPr marL="0" indent="0">
+              <a:buNone/>
+            </a:pPr>
             <a:r>
               <a:rPr lang="en-US" altLang="zh-TW" dirty="0"/>
-              <a:t>A. </a:t>
+              <a:t>AEDT</a:t>
             </a:r>
             <a:r>
               <a:rPr lang="zh-TW" altLang="en-US" dirty="0"/>
-              <a:t>錄製下來的函式結構一般來說相當的複雜，需要通過重新包裝來簡化結構以方便之後的使用。只需要保留必要的參數，其他設定為固定值，即可大幅簡化了函式的結構，舉例來說</a:t>
+              <a:t>函式庫分成</a:t>
+            </a:r>
+            <a:r>
+              <a:rPr lang="en-US" altLang="zh-TW" dirty="0"/>
+              <a:t>Desktop, Project, Design, Editor, Module</a:t>
+            </a:r>
+            <a:r>
+              <a:rPr lang="zh-TW" altLang="en-US" dirty="0"/>
+              <a:t>等大類，</a:t>
+            </a:r>
+            <a:r>
+              <a:rPr lang="en-US" altLang="zh-TW" dirty="0"/>
+              <a:t>Module</a:t>
+            </a:r>
+            <a:r>
+              <a:rPr lang="zh-TW" altLang="en-US" dirty="0"/>
+              <a:t>底下又分成多個小類。比方說是要在專案底下加入新的設計，我們便可以使用</a:t>
+            </a:r>
+            <a:r>
+              <a:rPr lang="en-US" altLang="zh-TW" dirty="0" err="1"/>
+              <a:t>oProject.InsertDesign</a:t>
+            </a:r>
+            <a:r>
+              <a:rPr lang="en-US" altLang="zh-TW" dirty="0"/>
+              <a:t>()</a:t>
+            </a:r>
+            <a:r>
+              <a:rPr lang="zh-TW" altLang="en-US" dirty="0"/>
+              <a:t>函數來完成。從功能區分，可分成</a:t>
+            </a:r>
+            <a:r>
+              <a:rPr lang="en-US" altLang="zh-TW" dirty="0"/>
+              <a:t>CURD(Create: </a:t>
+            </a:r>
+            <a:r>
+              <a:rPr lang="zh-TW" altLang="en-US" dirty="0"/>
+              <a:t>建立</a:t>
+            </a:r>
+            <a:r>
+              <a:rPr lang="en-US" altLang="zh-TW" dirty="0"/>
+              <a:t>, Update:</a:t>
+            </a:r>
+            <a:r>
+              <a:rPr lang="zh-TW" altLang="en-US" dirty="0"/>
+              <a:t>更新</a:t>
+            </a:r>
+            <a:r>
+              <a:rPr lang="en-US" altLang="zh-TW" dirty="0"/>
+              <a:t>, Read:</a:t>
+            </a:r>
+            <a:r>
+              <a:rPr lang="zh-TW" altLang="en-US" dirty="0"/>
+              <a:t>讀取</a:t>
+            </a:r>
+            <a:r>
+              <a:rPr lang="en-US" altLang="zh-TW" dirty="0"/>
+              <a:t>, Delete:</a:t>
+            </a:r>
+            <a:r>
+              <a:rPr lang="zh-TW" altLang="en-US" dirty="0"/>
+              <a:t>刪除</a:t>
+            </a:r>
+            <a:r>
+              <a:rPr lang="en-US" altLang="zh-TW" dirty="0"/>
+              <a:t>)</a:t>
+            </a:r>
+            <a:r>
+              <a:rPr lang="zh-TW" altLang="en-US" dirty="0"/>
+              <a:t>四大塊。</a:t>
+            </a:r>
+            <a:endParaRPr lang="en-US" altLang="zh-TW" dirty="0"/>
+          </a:p>
+          <a:p>
+            <a:pPr marL="0" indent="0">
+              <a:buNone/>
+            </a:pPr>
+            <a:endParaRPr lang="en-US" altLang="zh-TW" dirty="0"/>
+          </a:p>
+          <a:p>
+            <a:pPr marL="0" indent="0">
+              <a:buNone/>
+            </a:pPr>
+            <a:r>
+              <a:rPr lang="zh-TW" altLang="en-US" dirty="0"/>
+              <a:t>比方說是</a:t>
+            </a:r>
+            <a:r>
+              <a:rPr lang="en-US" altLang="zh-TW" dirty="0" err="1"/>
+              <a:t>InsertDesign</a:t>
+            </a:r>
+            <a:r>
+              <a:rPr lang="en-US" altLang="zh-TW" dirty="0"/>
+              <a:t>()</a:t>
+            </a:r>
+            <a:r>
+              <a:rPr lang="zh-TW" altLang="en-US" dirty="0"/>
+              <a:t>屬於建立</a:t>
+            </a:r>
+            <a:r>
+              <a:rPr lang="en-US" altLang="zh-TW" dirty="0"/>
+              <a:t>, </a:t>
+            </a:r>
+            <a:r>
+              <a:rPr lang="en-US" altLang="zh-TW" dirty="0" err="1"/>
+              <a:t>SetActiveDesign</a:t>
+            </a:r>
+            <a:r>
+              <a:rPr lang="en-US" altLang="zh-TW" dirty="0"/>
+              <a:t>()</a:t>
+            </a:r>
+            <a:r>
+              <a:rPr lang="zh-TW" altLang="en-US" dirty="0"/>
+              <a:t>算是更新，</a:t>
+            </a:r>
+            <a:r>
+              <a:rPr lang="en-US" altLang="zh-TW" dirty="0" err="1"/>
+              <a:t>GetName</a:t>
+            </a:r>
+            <a:r>
+              <a:rPr lang="en-US" altLang="zh-TW" dirty="0"/>
+              <a:t>()</a:t>
+            </a:r>
+            <a:r>
+              <a:rPr lang="zh-TW" altLang="en-US" dirty="0"/>
+              <a:t>屬於讀取，</a:t>
+            </a:r>
+            <a:r>
+              <a:rPr lang="en-US" altLang="zh-TW" dirty="0" err="1"/>
+              <a:t>CutDesign</a:t>
+            </a:r>
+            <a:r>
+              <a:rPr lang="en-US" altLang="zh-TW" dirty="0"/>
+              <a:t>()</a:t>
+            </a:r>
+            <a:r>
+              <a:rPr lang="zh-TW" altLang="en-US" dirty="0"/>
+              <a:t>屬於刪除。當中</a:t>
+            </a:r>
+            <a:r>
+              <a:rPr lang="en-US" altLang="zh-TW" dirty="0"/>
+              <a:t>CUD</a:t>
+            </a:r>
+            <a:r>
+              <a:rPr lang="zh-TW" altLang="en-US" dirty="0"/>
+              <a:t>類可以透過錄製得到，而</a:t>
+            </a:r>
+            <a:r>
+              <a:rPr lang="en-US" altLang="zh-TW" dirty="0"/>
+              <a:t>R</a:t>
+            </a:r>
+            <a:r>
+              <a:rPr lang="zh-TW" altLang="en-US" dirty="0"/>
+              <a:t>類需要透過文件來查找。</a:t>
+            </a:r>
+            <a:endParaRPr lang="en-US" altLang="zh-TW" dirty="0"/>
+          </a:p>
+          <a:p>
+            <a:pPr marL="0" indent="0">
+              <a:buNone/>
+            </a:pPr>
+            <a:endParaRPr lang="en-US" altLang="zh-TW" dirty="0"/>
+          </a:p>
+          <a:p>
+            <a:pPr marL="0" indent="0">
+              <a:buNone/>
+            </a:pPr>
+            <a:r>
+              <a:rPr lang="zh-TW" altLang="en-US" dirty="0"/>
+              <a:t>關於函式庫的</a:t>
+            </a:r>
+            <a:r>
+              <a:rPr lang="en-US" altLang="zh-TW" dirty="0"/>
+              <a:t>Help</a:t>
+            </a:r>
+            <a:r>
+              <a:rPr lang="zh-TW" altLang="en-US" dirty="0"/>
+              <a:t>檔可以在</a:t>
+            </a:r>
+            <a:r>
+              <a:rPr lang="en-US" altLang="zh-TW" dirty="0"/>
+              <a:t>C:\Program Files\</a:t>
+            </a:r>
+            <a:r>
+              <a:rPr lang="en-US" altLang="zh-TW" dirty="0" err="1"/>
+              <a:t>AnsysEM</a:t>
+            </a:r>
+            <a:r>
+              <a:rPr lang="en-US" altLang="zh-TW" dirty="0"/>
+              <a:t>\AnsysEM20.1\Win64\Help</a:t>
+            </a:r>
+            <a:r>
+              <a:rPr lang="zh-TW" altLang="en-US" dirty="0"/>
+              <a:t>底下找到</a:t>
+            </a:r>
+            <a:r>
+              <a:rPr lang="en-US" altLang="zh-TW" dirty="0"/>
+              <a:t>ScriptingGuide.pdf</a:t>
+            </a:r>
+            <a:r>
+              <a:rPr lang="zh-TW" altLang="en-US" dirty="0"/>
+              <a:t>當中詳細說明了函式的功能及使用方法。</a:t>
             </a:r>
           </a:p>
           <a:p>
@@ -12648,10 +13228,10 @@
       </p:sp>
       <p:sp>
         <p:nvSpPr>
-          <p:cNvPr id="3" name="標題 2">
-            <a:extLst>
-              <a:ext uri="{FF2B5EF4-FFF2-40B4-BE49-F238E27FC236}">
-                <a16:creationId xmlns:a16="http://schemas.microsoft.com/office/drawing/2014/main" id="{387CFAC2-39D6-4976-B871-36284A92D51A}"/>
+          <p:cNvPr id="4" name="標題 3">
+            <a:extLst>
+              <a:ext uri="{FF2B5EF4-FFF2-40B4-BE49-F238E27FC236}">
+                <a16:creationId xmlns:a16="http://schemas.microsoft.com/office/drawing/2014/main" id="{06DA0EB8-8083-49B8-89F6-5CA68A99C6B7}"/>
               </a:ext>
             </a:extLst>
           </p:cNvPr>
@@ -12668,24 +13248,24 @@
           <a:lstStyle/>
           <a:p>
             <a:r>
-              <a:rPr lang="zh-TW" altLang="en-US" dirty="0"/>
-              <a:t>如何包裹</a:t>
-            </a:r>
-            <a:r>
               <a:rPr lang="en-US" altLang="zh-TW" dirty="0"/>
               <a:t>AEDT</a:t>
             </a:r>
             <a:r>
               <a:rPr lang="zh-TW" altLang="en-US" dirty="0"/>
-              <a:t>函式</a:t>
-            </a:r>
+              <a:t>函式庫的簡單介紹</a:t>
+            </a:r>
+            <a:br>
+              <a:rPr lang="zh-TW" altLang="en-US" dirty="0"/>
+            </a:br>
+            <a:endParaRPr lang="zh-TW" altLang="en-US" dirty="0"/>
           </a:p>
         </p:txBody>
       </p:sp>
     </p:spTree>
     <p:extLst>
       <p:ext uri="{BB962C8B-B14F-4D97-AF65-F5344CB8AC3E}">
-        <p14:creationId xmlns:p14="http://schemas.microsoft.com/office/powerpoint/2010/main" val="1481199713"/>
+        <p14:creationId xmlns:p14="http://schemas.microsoft.com/office/powerpoint/2010/main" val="150404640"/>
       </p:ext>
     </p:extLst>
   </p:cSld>
@@ -12726,10 +13306,109 @@
       </p:grpSpPr>
       <p:sp>
         <p:nvSpPr>
+          <p:cNvPr id="2" name="內容版面配置區 1">
+            <a:extLst>
+              <a:ext uri="{FF2B5EF4-FFF2-40B4-BE49-F238E27FC236}">
+                <a16:creationId xmlns:a16="http://schemas.microsoft.com/office/drawing/2014/main" id="{B76EC892-7C67-495C-8FF9-2A83D1505032}"/>
+              </a:ext>
+            </a:extLst>
+          </p:cNvPr>
+          <p:cNvSpPr>
+            <a:spLocks noGrp="1"/>
+          </p:cNvSpPr>
+          <p:nvPr>
+            <p:ph idx="1"/>
+          </p:nvPr>
+        </p:nvSpPr>
+        <p:spPr/>
+        <p:txBody>
+          <a:bodyPr/>
+          <a:lstStyle/>
+          <a:p>
+            <a:pPr marL="0" indent="0">
+              <a:buNone/>
+            </a:pPr>
+            <a:r>
+              <a:rPr lang="zh-TW" altLang="en-US" dirty="0"/>
+              <a:t>要理解函式，必須先從輸出入著手。一個函式可以有多個輸入參數，也可以沒有輸入參數。必須以正確的資料型態傳入參數，函式才能正常地完成運算或執行動作。假設參數</a:t>
+            </a:r>
+            <a:r>
+              <a:rPr lang="en-US" altLang="zh-TW" dirty="0"/>
+              <a:t>x</a:t>
+            </a:r>
+            <a:r>
+              <a:rPr lang="zh-TW" altLang="en-US" dirty="0"/>
+              <a:t>是以字串表示的數值，舉例來說“</a:t>
+            </a:r>
+            <a:r>
+              <a:rPr lang="en-US" altLang="zh-TW" dirty="0"/>
+              <a:t>23”</a:t>
+            </a:r>
+            <a:r>
+              <a:rPr lang="zh-TW" altLang="en-US" dirty="0"/>
+              <a:t>，那麼以整數型別傳入</a:t>
+            </a:r>
+            <a:r>
+              <a:rPr lang="en-US" altLang="zh-TW" dirty="0"/>
+              <a:t>23</a:t>
+            </a:r>
+            <a:r>
+              <a:rPr lang="zh-TW" altLang="en-US" dirty="0"/>
+              <a:t>是不被接受的。這是初學者經常犯的錯誤。同樣的，返回資料的型態可能是單純的整數或字串，也可能是物件。清楚返回值的資料格式才能正確的加以處理。在閱讀</a:t>
+            </a:r>
+            <a:r>
+              <a:rPr lang="en-US" altLang="zh-TW" dirty="0"/>
+              <a:t>AEDT</a:t>
+            </a:r>
+            <a:r>
+              <a:rPr lang="zh-TW" altLang="en-US" dirty="0"/>
+              <a:t>的函式說明時，先觀察輸入參數的型別，必要時可以編寫程式碼片段來測試。</a:t>
+            </a:r>
+            <a:endParaRPr lang="en-US" altLang="zh-TW" dirty="0"/>
+          </a:p>
+          <a:p>
+            <a:endParaRPr lang="en-US" altLang="zh-TW" dirty="0"/>
+          </a:p>
+          <a:p>
+            <a:pPr marL="0" indent="0">
+              <a:buNone/>
+            </a:pPr>
+            <a:r>
+              <a:rPr lang="zh-TW" altLang="en-US" dirty="0"/>
+              <a:t>如果要判斷返回資料的格式，最簡單的方式便是利用</a:t>
+            </a:r>
+            <a:r>
+              <a:rPr lang="en-US" altLang="zh-TW" dirty="0"/>
+              <a:t>type()</a:t>
+            </a:r>
+            <a:r>
+              <a:rPr lang="zh-TW" altLang="en-US" dirty="0"/>
+              <a:t>來得到資料型態，透過</a:t>
+            </a:r>
+            <a:r>
+              <a:rPr lang="en-US" altLang="zh-TW" dirty="0" err="1"/>
+              <a:t>dir</a:t>
+            </a:r>
+            <a:r>
+              <a:rPr lang="en-US" altLang="zh-TW" dirty="0"/>
+              <a:t>()</a:t>
+            </a:r>
+            <a:r>
+              <a:rPr lang="zh-TW" altLang="en-US" dirty="0"/>
+              <a:t>來得到可以使用的方法。這裡舉一個簡單的例子：</a:t>
+            </a:r>
+          </a:p>
+          <a:p>
+            <a:endParaRPr lang="zh-TW" altLang="en-US" dirty="0"/>
+          </a:p>
+        </p:txBody>
+      </p:sp>
+      <p:sp>
+        <p:nvSpPr>
           <p:cNvPr id="3" name="標題 2">
             <a:extLst>
               <a:ext uri="{FF2B5EF4-FFF2-40B4-BE49-F238E27FC236}">
-                <a16:creationId xmlns:a16="http://schemas.microsoft.com/office/drawing/2014/main" id="{E7C3D928-2CE9-4266-A577-F5AA1DFC7CE3}"/>
+                <a16:creationId xmlns:a16="http://schemas.microsoft.com/office/drawing/2014/main" id="{27AACF31-B26F-4D1C-856A-7B09BF30E133}"/>
               </a:ext>
             </a:extLst>
           </p:cNvPr>
@@ -12746,17 +13425,24 @@
           <a:lstStyle/>
           <a:p>
             <a:r>
-              <a:rPr lang="zh-TW" altLang="en-US"/>
-              <a:t>檔案讀取，比較與輸出</a:t>
-            </a:r>
-            <a:endParaRPr lang="zh-TW" altLang="en-US" dirty="0"/>
+              <a:rPr lang="zh-TW" altLang="en-US" dirty="0"/>
+              <a:t>如何理解</a:t>
+            </a:r>
+            <a:r>
+              <a:rPr lang="en-US" altLang="zh-TW" dirty="0"/>
+              <a:t>AEDT</a:t>
+            </a:r>
+            <a:r>
+              <a:rPr lang="zh-TW" altLang="en-US" dirty="0"/>
+              <a:t>的函式</a:t>
+            </a:r>
           </a:p>
         </p:txBody>
       </p:sp>
     </p:spTree>
     <p:extLst>
       <p:ext uri="{BB962C8B-B14F-4D97-AF65-F5344CB8AC3E}">
-        <p14:creationId xmlns:p14="http://schemas.microsoft.com/office/powerpoint/2010/main" val="1705629521"/>
+        <p14:creationId xmlns:p14="http://schemas.microsoft.com/office/powerpoint/2010/main" val="634685143"/>
       </p:ext>
     </p:extLst>
   </p:cSld>

--- a/上課教材/Week4.pptx
+++ b/上課教材/Week4.pptx
@@ -8,17 +8,19 @@
     <p:sldId id="257" r:id="rId2"/>
     <p:sldId id="316" r:id="rId3"/>
     <p:sldId id="317" r:id="rId4"/>
-    <p:sldId id="329" r:id="rId5"/>
-    <p:sldId id="330" r:id="rId6"/>
-    <p:sldId id="331" r:id="rId7"/>
-    <p:sldId id="272" r:id="rId8"/>
-    <p:sldId id="319" r:id="rId9"/>
-    <p:sldId id="320" r:id="rId10"/>
-    <p:sldId id="325" r:id="rId11"/>
-    <p:sldId id="328" r:id="rId12"/>
-    <p:sldId id="327" r:id="rId13"/>
-    <p:sldId id="323" r:id="rId14"/>
-    <p:sldId id="259" r:id="rId15"/>
+    <p:sldId id="332" r:id="rId5"/>
+    <p:sldId id="329" r:id="rId6"/>
+    <p:sldId id="330" r:id="rId7"/>
+    <p:sldId id="331" r:id="rId8"/>
+    <p:sldId id="272" r:id="rId9"/>
+    <p:sldId id="319" r:id="rId10"/>
+    <p:sldId id="320" r:id="rId11"/>
+    <p:sldId id="325" r:id="rId12"/>
+    <p:sldId id="328" r:id="rId13"/>
+    <p:sldId id="327" r:id="rId14"/>
+    <p:sldId id="323" r:id="rId15"/>
+    <p:sldId id="259" r:id="rId16"/>
+    <p:sldId id="312" r:id="rId17"/>
   </p:sldIdLst>
   <p:sldSz cx="12192000" cy="6858000"/>
   <p:notesSz cx="6858000" cy="9144000"/>
@@ -128,7 +130,7 @@
 <file path=ppt/revisionInfo.xml><?xml version="1.0" encoding="utf-8"?>
 <p1510:revInfo xmlns:a="http://schemas.openxmlformats.org/drawingml/2006/main" xmlns:r="http://schemas.openxmlformats.org/officeDocument/2006/relationships" xmlns:p1510="http://schemas.microsoft.com/office/powerpoint/2015/10/main">
   <p1510:revLst>
-    <p1510:client id="{091A637F-8D54-4E54-83E0-103516D33677}" v="128" dt="2020-06-05T00:16:08.453"/>
+    <p1510:client id="{091A637F-8D54-4E54-83E0-103516D33677}" v="176" dt="2020-06-09T00:06:28.786"/>
   </p1510:revLst>
 </p1510:revInfo>
 </file>
@@ -2025,7 +2027,7 @@
   <pc:docChgLst>
     <pc:chgData name="Ming-Chih Lin" userId="f1ba3ba5-e185-404b-b55f-b2be90e2bdc2" providerId="ADAL" clId="{091A637F-8D54-4E54-83E0-103516D33677}"/>
     <pc:docChg chg="undo custSel addSld delSld modSld sldOrd">
-      <pc:chgData name="Ming-Chih Lin" userId="f1ba3ba5-e185-404b-b55f-b2be90e2bdc2" providerId="ADAL" clId="{091A637F-8D54-4E54-83E0-103516D33677}" dt="2020-06-05T00:17:44.632" v="766" actId="47"/>
+      <pc:chgData name="Ming-Chih Lin" userId="f1ba3ba5-e185-404b-b55f-b2be90e2bdc2" providerId="ADAL" clId="{091A637F-8D54-4E54-83E0-103516D33677}" dt="2020-06-09T00:06:28.785" v="1069"/>
       <pc:docMkLst>
         <pc:docMk/>
       </pc:docMkLst>
@@ -2059,8 +2061,8 @@
           </ac:spMkLst>
         </pc:spChg>
       </pc:sldChg>
-      <pc:sldChg chg="del">
-        <pc:chgData name="Ming-Chih Lin" userId="f1ba3ba5-e185-404b-b55f-b2be90e2bdc2" providerId="ADAL" clId="{091A637F-8D54-4E54-83E0-103516D33677}" dt="2020-06-02T04:43:57.224" v="180" actId="47"/>
+      <pc:sldChg chg="add del">
+        <pc:chgData name="Ming-Chih Lin" userId="f1ba3ba5-e185-404b-b55f-b2be90e2bdc2" providerId="ADAL" clId="{091A637F-8D54-4E54-83E0-103516D33677}" dt="2020-06-09T00:06:28.785" v="1069"/>
         <pc:sldMkLst>
           <pc:docMk/>
           <pc:sldMk cId="1266417032" sldId="312"/>
@@ -2081,8 +2083,8 @@
           </ac:spMkLst>
         </pc:spChg>
       </pc:sldChg>
-      <pc:sldChg chg="addSp modSp mod">
-        <pc:chgData name="Ming-Chih Lin" userId="f1ba3ba5-e185-404b-b55f-b2be90e2bdc2" providerId="ADAL" clId="{091A637F-8D54-4E54-83E0-103516D33677}" dt="2020-06-02T00:22:26.420" v="18" actId="207"/>
+      <pc:sldChg chg="addSp delSp modSp mod">
+        <pc:chgData name="Ming-Chih Lin" userId="f1ba3ba5-e185-404b-b55f-b2be90e2bdc2" providerId="ADAL" clId="{091A637F-8D54-4E54-83E0-103516D33677}" dt="2020-06-08T08:13:50.082" v="816" actId="1076"/>
         <pc:sldMkLst>
           <pc:docMk/>
           <pc:sldMk cId="497064445" sldId="317"/>
@@ -2096,7 +2098,7 @@
           </ac:spMkLst>
         </pc:spChg>
         <pc:spChg chg="add mod">
-          <ac:chgData name="Ming-Chih Lin" userId="f1ba3ba5-e185-404b-b55f-b2be90e2bdc2" providerId="ADAL" clId="{091A637F-8D54-4E54-83E0-103516D33677}" dt="2020-06-02T00:20:10.507" v="17" actId="14100"/>
+          <ac:chgData name="Ming-Chih Lin" userId="f1ba3ba5-e185-404b-b55f-b2be90e2bdc2" providerId="ADAL" clId="{091A637F-8D54-4E54-83E0-103516D33677}" dt="2020-06-08T08:13:41.030" v="812" actId="14100"/>
           <ac:spMkLst>
             <pc:docMk/>
             <pc:sldMk cId="497064445" sldId="317"/>
@@ -2104,13 +2106,37 @@
           </ac:spMkLst>
         </pc:spChg>
         <pc:spChg chg="add mod">
-          <ac:chgData name="Ming-Chih Lin" userId="f1ba3ba5-e185-404b-b55f-b2be90e2bdc2" providerId="ADAL" clId="{091A637F-8D54-4E54-83E0-103516D33677}" dt="2020-06-02T00:19:37.002" v="14" actId="1076"/>
+          <ac:chgData name="Ming-Chih Lin" userId="f1ba3ba5-e185-404b-b55f-b2be90e2bdc2" providerId="ADAL" clId="{091A637F-8D54-4E54-83E0-103516D33677}" dt="2020-06-08T08:13:46.626" v="814" actId="14100"/>
           <ac:spMkLst>
             <pc:docMk/>
             <pc:sldMk cId="497064445" sldId="317"/>
             <ac:spMk id="5" creationId="{24954B47-98FC-417E-9FE5-CB4B5835EA5D}"/>
           </ac:spMkLst>
         </pc:spChg>
+        <pc:spChg chg="add mod">
+          <ac:chgData name="Ming-Chih Lin" userId="f1ba3ba5-e185-404b-b55f-b2be90e2bdc2" providerId="ADAL" clId="{091A637F-8D54-4E54-83E0-103516D33677}" dt="2020-06-08T08:13:50.082" v="816" actId="1076"/>
+          <ac:spMkLst>
+            <pc:docMk/>
+            <pc:sldMk cId="497064445" sldId="317"/>
+            <ac:spMk id="7" creationId="{E0931CF7-339D-48E6-A8EF-1C817EF229F6}"/>
+          </ac:spMkLst>
+        </pc:spChg>
+        <pc:picChg chg="del">
+          <ac:chgData name="Ming-Chih Lin" userId="f1ba3ba5-e185-404b-b55f-b2be90e2bdc2" providerId="ADAL" clId="{091A637F-8D54-4E54-83E0-103516D33677}" dt="2020-06-08T08:12:22.607" v="799" actId="478"/>
+          <ac:picMkLst>
+            <pc:docMk/>
+            <pc:sldMk cId="497064445" sldId="317"/>
+            <ac:picMk id="2" creationId="{24B42EE7-EE76-400D-B513-614BD7A34C4E}"/>
+          </ac:picMkLst>
+        </pc:picChg>
+        <pc:picChg chg="add mod ord">
+          <ac:chgData name="Ming-Chih Lin" userId="f1ba3ba5-e185-404b-b55f-b2be90e2bdc2" providerId="ADAL" clId="{091A637F-8D54-4E54-83E0-103516D33677}" dt="2020-06-08T08:13:35.856" v="810" actId="1076"/>
+          <ac:picMkLst>
+            <pc:docMk/>
+            <pc:sldMk cId="497064445" sldId="317"/>
+            <ac:picMk id="6" creationId="{3F336A95-C832-4F21-B018-71EA44E29861}"/>
+          </ac:picMkLst>
+        </pc:picChg>
       </pc:sldChg>
       <pc:sldChg chg="del">
         <pc:chgData name="Ming-Chih Lin" userId="f1ba3ba5-e185-404b-b55f-b2be90e2bdc2" providerId="ADAL" clId="{091A637F-8D54-4E54-83E0-103516D33677}" dt="2020-06-02T04:44:18.237" v="181" actId="47"/>
@@ -2251,13 +2277,13 @@
         </pc:spChg>
       </pc:sldChg>
       <pc:sldChg chg="modSp add mod">
-        <pc:chgData name="Ming-Chih Lin" userId="f1ba3ba5-e185-404b-b55f-b2be90e2bdc2" providerId="ADAL" clId="{091A637F-8D54-4E54-83E0-103516D33677}" dt="2020-06-05T00:16:08.453" v="765"/>
+        <pc:chgData name="Ming-Chih Lin" userId="f1ba3ba5-e185-404b-b55f-b2be90e2bdc2" providerId="ADAL" clId="{091A637F-8D54-4E54-83E0-103516D33677}" dt="2020-06-08T08:17:47.188" v="963"/>
         <pc:sldMkLst>
           <pc:docMk/>
           <pc:sldMk cId="2181700493" sldId="323"/>
         </pc:sldMkLst>
         <pc:spChg chg="mod">
-          <ac:chgData name="Ming-Chih Lin" userId="f1ba3ba5-e185-404b-b55f-b2be90e2bdc2" providerId="ADAL" clId="{091A637F-8D54-4E54-83E0-103516D33677}" dt="2020-06-05T00:16:08.453" v="765"/>
+          <ac:chgData name="Ming-Chih Lin" userId="f1ba3ba5-e185-404b-b55f-b2be90e2bdc2" providerId="ADAL" clId="{091A637F-8D54-4E54-83E0-103516D33677}" dt="2020-06-08T08:17:47.188" v="963"/>
           <ac:spMkLst>
             <pc:docMk/>
             <pc:sldMk cId="2181700493" sldId="323"/>
@@ -2418,19 +2444,51 @@
           </ac:picMkLst>
         </pc:picChg>
       </pc:sldChg>
-      <pc:sldChg chg="add">
-        <pc:chgData name="Ming-Chih Lin" userId="f1ba3ba5-e185-404b-b55f-b2be90e2bdc2" providerId="ADAL" clId="{091A637F-8D54-4E54-83E0-103516D33677}" dt="2020-06-04T23:43:08.569" v="648"/>
+      <pc:sldChg chg="addSp modSp add mod">
+        <pc:chgData name="Ming-Chih Lin" userId="f1ba3ba5-e185-404b-b55f-b2be90e2bdc2" providerId="ADAL" clId="{091A637F-8D54-4E54-83E0-103516D33677}" dt="2020-06-08T08:18:30.795" v="984" actId="14100"/>
         <pc:sldMkLst>
           <pc:docMk/>
           <pc:sldMk cId="3776458717" sldId="329"/>
         </pc:sldMkLst>
-      </pc:sldChg>
-      <pc:sldChg chg="add">
-        <pc:chgData name="Ming-Chih Lin" userId="f1ba3ba5-e185-404b-b55f-b2be90e2bdc2" providerId="ADAL" clId="{091A637F-8D54-4E54-83E0-103516D33677}" dt="2020-06-04T23:43:08.569" v="648"/>
+        <pc:spChg chg="add mod">
+          <ac:chgData name="Ming-Chih Lin" userId="f1ba3ba5-e185-404b-b55f-b2be90e2bdc2" providerId="ADAL" clId="{091A637F-8D54-4E54-83E0-103516D33677}" dt="2020-06-08T08:18:30.795" v="984" actId="14100"/>
+          <ac:spMkLst>
+            <pc:docMk/>
+            <pc:sldMk cId="3776458717" sldId="329"/>
+            <ac:spMk id="6" creationId="{AF38F194-145A-4E55-98CA-85423943B855}"/>
+          </ac:spMkLst>
+        </pc:spChg>
+        <pc:picChg chg="mod">
+          <ac:chgData name="Ming-Chih Lin" userId="f1ba3ba5-e185-404b-b55f-b2be90e2bdc2" providerId="ADAL" clId="{091A637F-8D54-4E54-83E0-103516D33677}" dt="2020-06-08T08:16:22.385" v="921" actId="1076"/>
+          <ac:picMkLst>
+            <pc:docMk/>
+            <pc:sldMk cId="3776458717" sldId="329"/>
+            <ac:picMk id="5" creationId="{6D562F4E-8C74-4814-8B73-DA7C947D2D53}"/>
+          </ac:picMkLst>
+        </pc:picChg>
+      </pc:sldChg>
+      <pc:sldChg chg="addSp modSp add mod">
+        <pc:chgData name="Ming-Chih Lin" userId="f1ba3ba5-e185-404b-b55f-b2be90e2bdc2" providerId="ADAL" clId="{091A637F-8D54-4E54-83E0-103516D33677}" dt="2020-06-08T08:20:17.053" v="1029" actId="1076"/>
         <pc:sldMkLst>
           <pc:docMk/>
           <pc:sldMk cId="3095247151" sldId="330"/>
         </pc:sldMkLst>
+        <pc:spChg chg="add mod">
+          <ac:chgData name="Ming-Chih Lin" userId="f1ba3ba5-e185-404b-b55f-b2be90e2bdc2" providerId="ADAL" clId="{091A637F-8D54-4E54-83E0-103516D33677}" dt="2020-06-08T08:20:17.053" v="1029" actId="1076"/>
+          <ac:spMkLst>
+            <pc:docMk/>
+            <pc:sldMk cId="3095247151" sldId="330"/>
+            <ac:spMk id="4" creationId="{184015DA-79C9-40A8-8212-423BCB3BFC5E}"/>
+          </ac:spMkLst>
+        </pc:spChg>
+        <pc:picChg chg="mod">
+          <ac:chgData name="Ming-Chih Lin" userId="f1ba3ba5-e185-404b-b55f-b2be90e2bdc2" providerId="ADAL" clId="{091A637F-8D54-4E54-83E0-103516D33677}" dt="2020-06-08T08:20:11.475" v="1026" actId="1076"/>
+          <ac:picMkLst>
+            <pc:docMk/>
+            <pc:sldMk cId="3095247151" sldId="330"/>
+            <ac:picMk id="9" creationId="{6FF891F2-2DFA-4757-9BAA-1160974E48C5}"/>
+          </ac:picMkLst>
+        </pc:picChg>
       </pc:sldChg>
       <pc:sldChg chg="addSp delSp modSp new del mod chgLayout">
         <pc:chgData name="Ming-Chih Lin" userId="f1ba3ba5-e185-404b-b55f-b2be90e2bdc2" providerId="ADAL" clId="{091A637F-8D54-4E54-83E0-103516D33677}" dt="2020-06-04T23:43:05.766" v="647" actId="2696"/>
@@ -2526,12 +2584,43 @@
           </ac:spMkLst>
         </pc:spChg>
       </pc:sldChg>
-      <pc:sldChg chg="add">
-        <pc:chgData name="Ming-Chih Lin" userId="f1ba3ba5-e185-404b-b55f-b2be90e2bdc2" providerId="ADAL" clId="{091A637F-8D54-4E54-83E0-103516D33677}" dt="2020-06-04T23:43:08.569" v="648"/>
+      <pc:sldChg chg="modSp add mod">
+        <pc:chgData name="Ming-Chih Lin" userId="f1ba3ba5-e185-404b-b55f-b2be90e2bdc2" providerId="ADAL" clId="{091A637F-8D54-4E54-83E0-103516D33677}" dt="2020-06-08T08:21:36.342" v="1068" actId="20577"/>
         <pc:sldMkLst>
           <pc:docMk/>
           <pc:sldMk cId="3005715725" sldId="331"/>
         </pc:sldMkLst>
+        <pc:spChg chg="mod">
+          <ac:chgData name="Ming-Chih Lin" userId="f1ba3ba5-e185-404b-b55f-b2be90e2bdc2" providerId="ADAL" clId="{091A637F-8D54-4E54-83E0-103516D33677}" dt="2020-06-08T08:21:36.342" v="1068" actId="20577"/>
+          <ac:spMkLst>
+            <pc:docMk/>
+            <pc:sldMk cId="3005715725" sldId="331"/>
+            <ac:spMk id="2" creationId="{BE83D0CB-5CE0-45DE-BEAA-A473BDC9555D}"/>
+          </ac:spMkLst>
+        </pc:spChg>
+      </pc:sldChg>
+      <pc:sldChg chg="modSp new mod">
+        <pc:chgData name="Ming-Chih Lin" userId="f1ba3ba5-e185-404b-b55f-b2be90e2bdc2" providerId="ADAL" clId="{091A637F-8D54-4E54-83E0-103516D33677}" dt="2020-06-08T08:11:52.981" v="798"/>
+        <pc:sldMkLst>
+          <pc:docMk/>
+          <pc:sldMk cId="2201880862" sldId="332"/>
+        </pc:sldMkLst>
+        <pc:spChg chg="mod">
+          <ac:chgData name="Ming-Chih Lin" userId="f1ba3ba5-e185-404b-b55f-b2be90e2bdc2" providerId="ADAL" clId="{091A637F-8D54-4E54-83E0-103516D33677}" dt="2020-06-08T08:11:52.981" v="798"/>
+          <ac:spMkLst>
+            <pc:docMk/>
+            <pc:sldMk cId="2201880862" sldId="332"/>
+            <ac:spMk id="2" creationId="{63E9190B-5DF0-470F-99A7-033CA4F2A6F7}"/>
+          </ac:spMkLst>
+        </pc:spChg>
+        <pc:spChg chg="mod">
+          <ac:chgData name="Ming-Chih Lin" userId="f1ba3ba5-e185-404b-b55f-b2be90e2bdc2" providerId="ADAL" clId="{091A637F-8D54-4E54-83E0-103516D33677}" dt="2020-06-08T08:06:34.262" v="779"/>
+          <ac:spMkLst>
+            <pc:docMk/>
+            <pc:sldMk cId="2201880862" sldId="332"/>
+            <ac:spMk id="3" creationId="{393D0B58-B171-4E4C-B422-399DB218A3BA}"/>
+          </ac:spMkLst>
+        </pc:spChg>
       </pc:sldChg>
     </pc:docChg>
   </pc:docChgLst>
@@ -6344,7 +6433,7 @@
           <a:p>
             <a:fld id="{FA1E3ED8-1BB4-4BD2-AB23-359644E070C2}" type="datetimeFigureOut">
               <a:rPr lang="zh-TW" altLang="en-US" smtClean="0"/>
-              <a:t>2020/6/5</a:t>
+              <a:t>2020/6/9</a:t>
             </a:fld>
             <a:endParaRPr lang="zh-TW" altLang="en-US"/>
           </a:p>
@@ -11529,10 +11618,10 @@
       </p:grpSpPr>
       <p:sp>
         <p:nvSpPr>
-          <p:cNvPr id="6" name="內容版面配置區 5">
-            <a:extLst>
-              <a:ext uri="{FF2B5EF4-FFF2-40B4-BE49-F238E27FC236}">
-                <a16:creationId xmlns:a16="http://schemas.microsoft.com/office/drawing/2014/main" id="{E6D230C9-887C-4C4E-B984-BA22A68FD7F3}"/>
+          <p:cNvPr id="2" name="內容版面配置區 1">
+            <a:extLst>
+              <a:ext uri="{FF2B5EF4-FFF2-40B4-BE49-F238E27FC236}">
+                <a16:creationId xmlns:a16="http://schemas.microsoft.com/office/drawing/2014/main" id="{B76EC892-7C67-495C-8FF9-2A83D1505032}"/>
               </a:ext>
             </a:extLst>
           </p:cNvPr>
@@ -11553,7 +11642,31 @@
             </a:pPr>
             <a:r>
               <a:rPr lang="zh-TW" altLang="en-US" dirty="0"/>
-              <a:t>錄製腳本對於開發</a:t>
+              <a:t>要理解函式，必須先從輸出入著手。一個函式可以有多個輸入參數，也可以沒有輸入參數。必須以正確的資料型態傳入參數，函式才能正常地完成運算或執行動作。假設參數</a:t>
+            </a:r>
+            <a:r>
+              <a:rPr lang="en-US" altLang="zh-TW" dirty="0"/>
+              <a:t>x</a:t>
+            </a:r>
+            <a:r>
+              <a:rPr lang="zh-TW" altLang="en-US" dirty="0"/>
+              <a:t>是以字串表示的數值，舉例來說“</a:t>
+            </a:r>
+            <a:r>
+              <a:rPr lang="en-US" altLang="zh-TW" dirty="0"/>
+              <a:t>23”</a:t>
+            </a:r>
+            <a:r>
+              <a:rPr lang="zh-TW" altLang="en-US" dirty="0"/>
+              <a:t>，那麼以整數型別傳入</a:t>
+            </a:r>
+            <a:r>
+              <a:rPr lang="en-US" altLang="zh-TW" dirty="0"/>
+              <a:t>23</a:t>
+            </a:r>
+            <a:r>
+              <a:rPr lang="zh-TW" altLang="en-US" dirty="0"/>
+              <a:t>是不被接受的。這是初學者經常犯的錯誤。同樣的，返回資料的型態可能是單純的整數或字串，也可能是物件。清楚返回值的資料格式才能正確的加以處理。在閱讀</a:t>
             </a:r>
             <a:r>
               <a:rPr lang="en-US" altLang="zh-TW" dirty="0"/>
@@ -11561,47 +11674,7 @@
             </a:r>
             <a:r>
               <a:rPr lang="zh-TW" altLang="en-US" dirty="0"/>
-              <a:t>自動化程式有相對大的幫助。由於腳本的函式碼對應使用者的操作，減少了許多查詢及試錯的時間。要注意到的是腳本的檔頭如果有中文字符，必須先移除。</a:t>
-            </a:r>
-            <a:r>
-              <a:rPr lang="en-US" altLang="zh-TW" dirty="0"/>
-              <a:t>project</a:t>
-            </a:r>
-            <a:r>
-              <a:rPr lang="zh-TW" altLang="en-US" dirty="0"/>
-              <a:t>與</a:t>
-            </a:r>
-            <a:r>
-              <a:rPr lang="en-US" altLang="zh-TW" dirty="0"/>
-              <a:t>design</a:t>
-            </a:r>
-            <a:r>
-              <a:rPr lang="zh-TW" altLang="en-US" dirty="0"/>
-              <a:t>的部分也要改成</a:t>
-            </a:r>
-            <a:r>
-              <a:rPr lang="en-US" altLang="zh-TW" dirty="0" err="1"/>
-              <a:t>GetActiveProject</a:t>
-            </a:r>
-            <a:r>
-              <a:rPr lang="en-US" altLang="zh-TW" dirty="0"/>
-              <a:t>()</a:t>
-            </a:r>
-            <a:r>
-              <a:rPr lang="zh-TW" altLang="en-US" dirty="0"/>
-              <a:t>及</a:t>
-            </a:r>
-            <a:r>
-              <a:rPr lang="en-US" altLang="zh-TW" dirty="0" err="1"/>
-              <a:t>GetActiveDesign</a:t>
-            </a:r>
-            <a:r>
-              <a:rPr lang="en-US" altLang="zh-TW" dirty="0"/>
-              <a:t>()</a:t>
-            </a:r>
-            <a:r>
-              <a:rPr lang="zh-TW" altLang="en-US" dirty="0"/>
-              <a:t>。使其可以使用在其他的專案。</a:t>
+              <a:t>的函式說明時，先觀察輸入參數的型別，必要時可以編寫程式碼片段來測試。</a:t>
             </a:r>
             <a:endParaRPr lang="en-US" altLang="zh-TW" dirty="0"/>
           </a:p>
@@ -11614,11 +11687,19 @@
             </a:pPr>
             <a:r>
               <a:rPr lang="zh-TW" altLang="en-US" dirty="0"/>
-              <a:t>如果要加上迴圈及判斷式，最好先將錄製的函式進行封裝簡化其輸出輸入。要留意保持正確的輸入參數型別。可以加上</a:t>
+              <a:t>如果要判斷返回資料的格式，最簡單的方式便是利用</a:t>
+            </a:r>
+            <a:r>
+              <a:rPr lang="en-US" altLang="zh-TW" dirty="0"/>
+              <a:t>type()</a:t>
+            </a:r>
+            <a:r>
+              <a:rPr lang="zh-TW" altLang="en-US" dirty="0"/>
+              <a:t>來得到資料型態，透過</a:t>
             </a:r>
             <a:r>
               <a:rPr lang="en-US" altLang="zh-TW" dirty="0" err="1"/>
-              <a:t>AddWarningMessage</a:t>
+              <a:t>dir</a:t>
             </a:r>
             <a:r>
               <a:rPr lang="en-US" altLang="zh-TW" dirty="0"/>
@@ -11626,17 +11707,20 @@
             </a:r>
             <a:r>
               <a:rPr lang="zh-TW" altLang="en-US" dirty="0"/>
-              <a:t>適時的將執行過程中的變數值輸出到訊息視窗，這有助於除錯。</a:t>
-            </a:r>
+              <a:t>來得到可以使用的方法。這裡舉一個簡單的例子：</a:t>
+            </a:r>
+          </a:p>
+          <a:p>
+            <a:endParaRPr lang="zh-TW" altLang="en-US" dirty="0"/>
           </a:p>
         </p:txBody>
       </p:sp>
       <p:sp>
         <p:nvSpPr>
-          <p:cNvPr id="5" name="標題 4">
-            <a:extLst>
-              <a:ext uri="{FF2B5EF4-FFF2-40B4-BE49-F238E27FC236}">
-                <a16:creationId xmlns:a16="http://schemas.microsoft.com/office/drawing/2014/main" id="{E031341D-1312-455E-8529-B8D34CD9460F}"/>
+          <p:cNvPr id="3" name="標題 2">
+            <a:extLst>
+              <a:ext uri="{FF2B5EF4-FFF2-40B4-BE49-F238E27FC236}">
+                <a16:creationId xmlns:a16="http://schemas.microsoft.com/office/drawing/2014/main" id="{27AACF31-B26F-4D1C-856A-7B09BF30E133}"/>
               </a:ext>
             </a:extLst>
           </p:cNvPr>
@@ -11654,7 +11738,15 @@
           <a:p>
             <a:r>
               <a:rPr lang="zh-TW" altLang="en-US" dirty="0"/>
-              <a:t>錄製及修改</a:t>
+              <a:t>如何理解</a:t>
+            </a:r>
+            <a:r>
+              <a:rPr lang="en-US" altLang="zh-TW" dirty="0"/>
+              <a:t>AEDT</a:t>
+            </a:r>
+            <a:r>
+              <a:rPr lang="zh-TW" altLang="en-US" dirty="0"/>
+              <a:t>的函式</a:t>
             </a:r>
           </a:p>
         </p:txBody>
@@ -11662,7 +11754,7 @@
     </p:spTree>
     <p:extLst>
       <p:ext uri="{BB962C8B-B14F-4D97-AF65-F5344CB8AC3E}">
-        <p14:creationId xmlns:p14="http://schemas.microsoft.com/office/powerpoint/2010/main" val="224239816"/>
+        <p14:creationId xmlns:p14="http://schemas.microsoft.com/office/powerpoint/2010/main" val="634685143"/>
       </p:ext>
     </p:extLst>
   </p:cSld>
@@ -11703,10 +11795,10 @@
       </p:grpSpPr>
       <p:sp>
         <p:nvSpPr>
-          <p:cNvPr id="2" name="內容版面配置區 1">
-            <a:extLst>
-              <a:ext uri="{FF2B5EF4-FFF2-40B4-BE49-F238E27FC236}">
-                <a16:creationId xmlns:a16="http://schemas.microsoft.com/office/drawing/2014/main" id="{D4F4BD73-FCD3-44F1-A913-DE46B8132F85}"/>
+          <p:cNvPr id="6" name="內容版面配置區 5">
+            <a:extLst>
+              <a:ext uri="{FF2B5EF4-FFF2-40B4-BE49-F238E27FC236}">
+                <a16:creationId xmlns:a16="http://schemas.microsoft.com/office/drawing/2014/main" id="{E6D230C9-887C-4C4E-B984-BA22A68FD7F3}"/>
               </a:ext>
             </a:extLst>
           </p:cNvPr>
@@ -11722,16 +11814,95 @@
           <a:bodyPr/>
           <a:lstStyle/>
           <a:p>
-            <a:endParaRPr lang="zh-TW" altLang="en-US"/>
+            <a:pPr marL="0" indent="0">
+              <a:buNone/>
+            </a:pPr>
+            <a:r>
+              <a:rPr lang="zh-TW" altLang="en-US" dirty="0"/>
+              <a:t>錄製腳本對於開發</a:t>
+            </a:r>
+            <a:r>
+              <a:rPr lang="en-US" altLang="zh-TW" dirty="0"/>
+              <a:t>AEDT</a:t>
+            </a:r>
+            <a:r>
+              <a:rPr lang="zh-TW" altLang="en-US" dirty="0"/>
+              <a:t>自動化程式有相對大的幫助。由於腳本的函式碼對應使用者的操作，減少了許多查詢及試錯的時間。要注意到的是腳本的檔頭如果有中文字符，必須先移除。</a:t>
+            </a:r>
+            <a:r>
+              <a:rPr lang="en-US" altLang="zh-TW" dirty="0"/>
+              <a:t>project</a:t>
+            </a:r>
+            <a:r>
+              <a:rPr lang="zh-TW" altLang="en-US" dirty="0"/>
+              <a:t>與</a:t>
+            </a:r>
+            <a:r>
+              <a:rPr lang="en-US" altLang="zh-TW" dirty="0"/>
+              <a:t>design</a:t>
+            </a:r>
+            <a:r>
+              <a:rPr lang="zh-TW" altLang="en-US" dirty="0"/>
+              <a:t>的部分也要改成</a:t>
+            </a:r>
+            <a:r>
+              <a:rPr lang="en-US" altLang="zh-TW" dirty="0" err="1"/>
+              <a:t>GetActiveProject</a:t>
+            </a:r>
+            <a:r>
+              <a:rPr lang="en-US" altLang="zh-TW" dirty="0"/>
+              <a:t>()</a:t>
+            </a:r>
+            <a:r>
+              <a:rPr lang="zh-TW" altLang="en-US" dirty="0"/>
+              <a:t>及</a:t>
+            </a:r>
+            <a:r>
+              <a:rPr lang="en-US" altLang="zh-TW" dirty="0" err="1"/>
+              <a:t>GetActiveDesign</a:t>
+            </a:r>
+            <a:r>
+              <a:rPr lang="en-US" altLang="zh-TW" dirty="0"/>
+              <a:t>()</a:t>
+            </a:r>
+            <a:r>
+              <a:rPr lang="zh-TW" altLang="en-US" dirty="0"/>
+              <a:t>。使其可以使用在其他的專案。</a:t>
+            </a:r>
+            <a:endParaRPr lang="en-US" altLang="zh-TW" dirty="0"/>
+          </a:p>
+          <a:p>
+            <a:endParaRPr lang="en-US" altLang="zh-TW" dirty="0"/>
+          </a:p>
+          <a:p>
+            <a:pPr marL="0" indent="0">
+              <a:buNone/>
+            </a:pPr>
+            <a:r>
+              <a:rPr lang="zh-TW" altLang="en-US" dirty="0"/>
+              <a:t>如果要加上迴圈及判斷式，最好先將錄製的函式進行封裝簡化其輸出輸入。要留意保持正確的輸入參數型別。可以加上</a:t>
+            </a:r>
+            <a:r>
+              <a:rPr lang="en-US" altLang="zh-TW" dirty="0" err="1"/>
+              <a:t>AddWarningMessage</a:t>
+            </a:r>
+            <a:r>
+              <a:rPr lang="en-US" altLang="zh-TW" dirty="0"/>
+              <a:t>()</a:t>
+            </a:r>
+            <a:r>
+              <a:rPr lang="zh-TW" altLang="en-US" dirty="0"/>
+              <a:t>適時的將執行過程中的變數值輸出到訊息視窗，這有助於除錯。</a:t>
+            </a:r>
           </a:p>
         </p:txBody>
       </p:sp>
       <p:sp>
         <p:nvSpPr>
-          <p:cNvPr id="3" name="標題 2">
-            <a:extLst>
-              <a:ext uri="{FF2B5EF4-FFF2-40B4-BE49-F238E27FC236}">
-                <a16:creationId xmlns:a16="http://schemas.microsoft.com/office/drawing/2014/main" id="{7B821B47-8BA5-4FCD-9802-B895214E451E}"/>
+          <p:cNvPr id="5" name="標題 4">
+            <a:extLst>
+              <a:ext uri="{FF2B5EF4-FFF2-40B4-BE49-F238E27FC236}">
+                <a16:creationId xmlns:a16="http://schemas.microsoft.com/office/drawing/2014/main" id="{E031341D-1312-455E-8529-B8D34CD9460F}"/>
               </a:ext>
             </a:extLst>
           </p:cNvPr>
@@ -11749,7 +11920,7 @@
           <a:p>
             <a:r>
               <a:rPr lang="zh-TW" altLang="en-US" dirty="0"/>
-              <a:t>讀取屬性作為腳本輸入</a:t>
+              <a:t>錄製及修改</a:t>
             </a:r>
           </a:p>
         </p:txBody>
@@ -11757,7 +11928,7 @@
     </p:spTree>
     <p:extLst>
       <p:ext uri="{BB962C8B-B14F-4D97-AF65-F5344CB8AC3E}">
-        <p14:creationId xmlns:p14="http://schemas.microsoft.com/office/powerpoint/2010/main" val="1458989024"/>
+        <p14:creationId xmlns:p14="http://schemas.microsoft.com/office/powerpoint/2010/main" val="224239816"/>
       </p:ext>
     </p:extLst>
   </p:cSld>
@@ -11844,7 +12015,7 @@
           <a:p>
             <a:r>
               <a:rPr lang="zh-TW" altLang="en-US" dirty="0"/>
-              <a:t>連結腳本至熱鍵</a:t>
+              <a:t>讀取屬性作為腳本輸入</a:t>
             </a:r>
           </a:p>
         </p:txBody>
@@ -11852,7 +12023,7 @@
     </p:spTree>
     <p:extLst>
       <p:ext uri="{BB962C8B-B14F-4D97-AF65-F5344CB8AC3E}">
-        <p14:creationId xmlns:p14="http://schemas.microsoft.com/office/powerpoint/2010/main" val="156901807"/>
+        <p14:creationId xmlns:p14="http://schemas.microsoft.com/office/powerpoint/2010/main" val="1458989024"/>
       </p:ext>
     </p:extLst>
   </p:cSld>
@@ -11893,10 +12064,10 @@
       </p:grpSpPr>
       <p:sp>
         <p:nvSpPr>
-          <p:cNvPr id="4" name="文字版面配置區 3">
-            <a:extLst>
-              <a:ext uri="{FF2B5EF4-FFF2-40B4-BE49-F238E27FC236}">
-                <a16:creationId xmlns:a16="http://schemas.microsoft.com/office/drawing/2014/main" id="{2FA54F75-D405-4104-B6BB-EA44A23A109A}"/>
+          <p:cNvPr id="2" name="內容版面配置區 1">
+            <a:extLst>
+              <a:ext uri="{FF2B5EF4-FFF2-40B4-BE49-F238E27FC236}">
+                <a16:creationId xmlns:a16="http://schemas.microsoft.com/office/drawing/2014/main" id="{D4F4BD73-FCD3-44F1-A913-DE46B8132F85}"/>
               </a:ext>
             </a:extLst>
           </p:cNvPr>
@@ -11904,7 +12075,7 @@
             <a:spLocks noGrp="1"/>
           </p:cNvSpPr>
           <p:nvPr>
-            <p:ph type="body" sz="quarter" idx="10"/>
+            <p:ph idx="1"/>
           </p:nvPr>
         </p:nvSpPr>
         <p:spPr/>
@@ -11912,19 +12083,16 @@
           <a:bodyPr/>
           <a:lstStyle/>
           <a:p>
-            <a:r>
-              <a:rPr lang="zh-TW" altLang="en-US" dirty="0"/>
-              <a:t>範例解說：生成導波管模型</a:t>
-            </a:r>
+            <a:endParaRPr lang="zh-TW" altLang="en-US"/>
           </a:p>
         </p:txBody>
       </p:sp>
       <p:sp>
         <p:nvSpPr>
-          <p:cNvPr id="5" name="文字版面配置區 4">
-            <a:extLst>
-              <a:ext uri="{FF2B5EF4-FFF2-40B4-BE49-F238E27FC236}">
-                <a16:creationId xmlns:a16="http://schemas.microsoft.com/office/drawing/2014/main" id="{CEE2A55E-C73D-43FF-AA36-95C0FF95B7B1}"/>
+          <p:cNvPr id="3" name="標題 2">
+            <a:extLst>
+              <a:ext uri="{FF2B5EF4-FFF2-40B4-BE49-F238E27FC236}">
+                <a16:creationId xmlns:a16="http://schemas.microsoft.com/office/drawing/2014/main" id="{7B821B47-8BA5-4FCD-9802-B895214E451E}"/>
               </a:ext>
             </a:extLst>
           </p:cNvPr>
@@ -11932,7 +12100,7 @@
             <a:spLocks noGrp="1"/>
           </p:cNvSpPr>
           <p:nvPr>
-            <p:ph type="body" sz="quarter" idx="12"/>
+            <p:ph type="title"/>
           </p:nvPr>
         </p:nvSpPr>
         <p:spPr/>
@@ -11940,14 +12108,17 @@
           <a:bodyPr/>
           <a:lstStyle/>
           <a:p>
-            <a:endParaRPr lang="zh-TW" altLang="en-US"/>
+            <a:r>
+              <a:rPr lang="zh-TW" altLang="en-US" dirty="0"/>
+              <a:t>連結腳本至熱鍵</a:t>
+            </a:r>
           </a:p>
         </p:txBody>
       </p:sp>
     </p:spTree>
     <p:extLst>
       <p:ext uri="{BB962C8B-B14F-4D97-AF65-F5344CB8AC3E}">
-        <p14:creationId xmlns:p14="http://schemas.microsoft.com/office/powerpoint/2010/main" val="2181700493"/>
+        <p14:creationId xmlns:p14="http://schemas.microsoft.com/office/powerpoint/2010/main" val="156901807"/>
       </p:ext>
     </p:extLst>
   </p:cSld>
@@ -12004,12 +12175,14 @@
         </p:nvSpPr>
         <p:spPr/>
         <p:txBody>
-          <a:bodyPr/>
+          <a:bodyPr>
+            <a:normAutofit/>
+          </a:bodyPr>
           <a:lstStyle/>
           <a:p>
             <a:r>
               <a:rPr lang="zh-TW" altLang="en-US" dirty="0"/>
-              <a:t>專題討論 </a:t>
+              <a:t>範例解說：生成導波管模型並透過屬性修改尺寸</a:t>
             </a:r>
           </a:p>
         </p:txBody>
@@ -12042,7 +12215,245 @@
     </p:spTree>
     <p:extLst>
       <p:ext uri="{BB962C8B-B14F-4D97-AF65-F5344CB8AC3E}">
+        <p14:creationId xmlns:p14="http://schemas.microsoft.com/office/powerpoint/2010/main" val="2181700493"/>
+      </p:ext>
+    </p:extLst>
+  </p:cSld>
+  <p:clrMapOvr>
+    <a:masterClrMapping/>
+  </p:clrMapOvr>
+  <mc:AlternateContent xmlns:mc="http://schemas.openxmlformats.org/markup-compatibility/2006" xmlns:p14="http://schemas.microsoft.com/office/powerpoint/2010/main">
+    <mc:Choice Requires="p14">
+      <p:transition p14:dur="250">
+        <p:fade/>
+      </p:transition>
+    </mc:Choice>
+    <mc:Fallback xmlns="">
+      <p:transition>
+        <p:fade/>
+      </p:transition>
+    </mc:Fallback>
+  </mc:AlternateContent>
+</p:sld>
+</file>
+
+<file path=ppt/slides/slide15.xml><?xml version="1.0" encoding="utf-8"?>
+<p:sld xmlns:a="http://schemas.openxmlformats.org/drawingml/2006/main" xmlns:r="http://schemas.openxmlformats.org/officeDocument/2006/relationships" xmlns:p="http://schemas.openxmlformats.org/presentationml/2006/main">
+  <p:cSld>
+    <p:spTree>
+      <p:nvGrpSpPr>
+        <p:cNvPr id="1" name=""/>
+        <p:cNvGrpSpPr/>
+        <p:nvPr/>
+      </p:nvGrpSpPr>
+      <p:grpSpPr>
+        <a:xfrm>
+          <a:off x="0" y="0"/>
+          <a:ext cx="0" cy="0"/>
+          <a:chOff x="0" y="0"/>
+          <a:chExt cx="0" cy="0"/>
+        </a:xfrm>
+      </p:grpSpPr>
+      <p:sp>
+        <p:nvSpPr>
+          <p:cNvPr id="4" name="文字版面配置區 3">
+            <a:extLst>
+              <a:ext uri="{FF2B5EF4-FFF2-40B4-BE49-F238E27FC236}">
+                <a16:creationId xmlns:a16="http://schemas.microsoft.com/office/drawing/2014/main" id="{2FA54F75-D405-4104-B6BB-EA44A23A109A}"/>
+              </a:ext>
+            </a:extLst>
+          </p:cNvPr>
+          <p:cNvSpPr>
+            <a:spLocks noGrp="1"/>
+          </p:cNvSpPr>
+          <p:nvPr>
+            <p:ph type="body" sz="quarter" idx="10"/>
+          </p:nvPr>
+        </p:nvSpPr>
+        <p:spPr/>
+        <p:txBody>
+          <a:bodyPr/>
+          <a:lstStyle/>
+          <a:p>
+            <a:r>
+              <a:rPr lang="zh-TW" altLang="en-US" dirty="0"/>
+              <a:t>專題討論 </a:t>
+            </a:r>
+          </a:p>
+        </p:txBody>
+      </p:sp>
+      <p:sp>
+        <p:nvSpPr>
+          <p:cNvPr id="5" name="文字版面配置區 4">
+            <a:extLst>
+              <a:ext uri="{FF2B5EF4-FFF2-40B4-BE49-F238E27FC236}">
+                <a16:creationId xmlns:a16="http://schemas.microsoft.com/office/drawing/2014/main" id="{CEE2A55E-C73D-43FF-AA36-95C0FF95B7B1}"/>
+              </a:ext>
+            </a:extLst>
+          </p:cNvPr>
+          <p:cNvSpPr>
+            <a:spLocks noGrp="1"/>
+          </p:cNvSpPr>
+          <p:nvPr>
+            <p:ph type="body" sz="quarter" idx="12"/>
+          </p:nvPr>
+        </p:nvSpPr>
+        <p:spPr/>
+        <p:txBody>
+          <a:bodyPr/>
+          <a:lstStyle/>
+          <a:p>
+            <a:endParaRPr lang="zh-TW" altLang="en-US"/>
+          </a:p>
+        </p:txBody>
+      </p:sp>
+    </p:spTree>
+    <p:extLst>
+      <p:ext uri="{BB962C8B-B14F-4D97-AF65-F5344CB8AC3E}">
         <p14:creationId xmlns:p14="http://schemas.microsoft.com/office/powerpoint/2010/main" val="929909194"/>
+      </p:ext>
+    </p:extLst>
+  </p:cSld>
+  <p:clrMapOvr>
+    <a:masterClrMapping/>
+  </p:clrMapOvr>
+  <mc:AlternateContent xmlns:mc="http://schemas.openxmlformats.org/markup-compatibility/2006" xmlns:p14="http://schemas.microsoft.com/office/powerpoint/2010/main">
+    <mc:Choice Requires="p14">
+      <p:transition p14:dur="250">
+        <p:fade/>
+      </p:transition>
+    </mc:Choice>
+    <mc:Fallback xmlns="">
+      <p:transition>
+        <p:fade/>
+      </p:transition>
+    </mc:Fallback>
+  </mc:AlternateContent>
+</p:sld>
+</file>
+
+<file path=ppt/slides/slide16.xml><?xml version="1.0" encoding="utf-8"?>
+<p:sld xmlns:a="http://schemas.openxmlformats.org/drawingml/2006/main" xmlns:r="http://schemas.openxmlformats.org/officeDocument/2006/relationships" xmlns:p="http://schemas.openxmlformats.org/presentationml/2006/main">
+  <p:cSld>
+    <p:spTree>
+      <p:nvGrpSpPr>
+        <p:cNvPr id="1" name=""/>
+        <p:cNvGrpSpPr/>
+        <p:nvPr/>
+      </p:nvGrpSpPr>
+      <p:grpSpPr>
+        <a:xfrm>
+          <a:off x="0" y="0"/>
+          <a:ext cx="0" cy="0"/>
+          <a:chOff x="0" y="0"/>
+          <a:chExt cx="0" cy="0"/>
+        </a:xfrm>
+      </p:grpSpPr>
+      <p:sp>
+        <p:nvSpPr>
+          <p:cNvPr id="5" name="內容版面配置區 4">
+            <a:extLst>
+              <a:ext uri="{FF2B5EF4-FFF2-40B4-BE49-F238E27FC236}">
+                <a16:creationId xmlns:a16="http://schemas.microsoft.com/office/drawing/2014/main" id="{221EB24A-D4DB-45CB-BE7B-D41F7B493329}"/>
+              </a:ext>
+            </a:extLst>
+          </p:cNvPr>
+          <p:cNvSpPr>
+            <a:spLocks noGrp="1"/>
+          </p:cNvSpPr>
+          <p:nvPr>
+            <p:ph idx="1"/>
+          </p:nvPr>
+        </p:nvSpPr>
+        <p:spPr/>
+        <p:txBody>
+          <a:bodyPr/>
+          <a:lstStyle/>
+          <a:p>
+            <a:r>
+              <a:rPr lang="zh-TW" altLang="en-US" dirty="0"/>
+              <a:t>題目</a:t>
+            </a:r>
+            <a:r>
+              <a:rPr lang="en-US" altLang="zh-TW" dirty="0"/>
+              <a:t>:</a:t>
+            </a:r>
+          </a:p>
+          <a:p>
+            <a:r>
+              <a:rPr lang="zh-TW" altLang="en-US" dirty="0"/>
+              <a:t>緣由</a:t>
+            </a:r>
+            <a:r>
+              <a:rPr lang="en-US" altLang="zh-TW" dirty="0"/>
+              <a:t>:</a:t>
+            </a:r>
+          </a:p>
+          <a:p>
+            <a:r>
+              <a:rPr lang="zh-TW" altLang="en-US" dirty="0"/>
+              <a:t>輸入</a:t>
+            </a:r>
+            <a:r>
+              <a:rPr lang="en-US" altLang="zh-TW" dirty="0"/>
+              <a:t>:</a:t>
+            </a:r>
+          </a:p>
+          <a:p>
+            <a:r>
+              <a:rPr lang="zh-TW" altLang="en-US" dirty="0"/>
+              <a:t>輸出</a:t>
+            </a:r>
+            <a:r>
+              <a:rPr lang="en-US" altLang="zh-TW" dirty="0"/>
+              <a:t>:</a:t>
+            </a:r>
+          </a:p>
+          <a:p>
+            <a:r>
+              <a:rPr lang="zh-TW" altLang="en-US" dirty="0"/>
+              <a:t>該如何分解題目</a:t>
+            </a:r>
+            <a:r>
+              <a:rPr lang="en-US" altLang="zh-TW" dirty="0"/>
+              <a:t>:</a:t>
+            </a:r>
+            <a:endParaRPr lang="zh-TW" altLang="en-US" dirty="0"/>
+          </a:p>
+        </p:txBody>
+      </p:sp>
+      <p:sp>
+        <p:nvSpPr>
+          <p:cNvPr id="4" name="標題 3">
+            <a:extLst>
+              <a:ext uri="{FF2B5EF4-FFF2-40B4-BE49-F238E27FC236}">
+                <a16:creationId xmlns:a16="http://schemas.microsoft.com/office/drawing/2014/main" id="{1854605A-57A1-476A-82F9-537D284E62C2}"/>
+              </a:ext>
+            </a:extLst>
+          </p:cNvPr>
+          <p:cNvSpPr>
+            <a:spLocks noGrp="1"/>
+          </p:cNvSpPr>
+          <p:nvPr>
+            <p:ph type="title"/>
+          </p:nvPr>
+        </p:nvSpPr>
+        <p:spPr/>
+        <p:txBody>
+          <a:bodyPr/>
+          <a:lstStyle/>
+          <a:p>
+            <a:r>
+              <a:rPr lang="zh-TW" altLang="en-US" dirty="0"/>
+              <a:t>個人專題分享</a:t>
+            </a:r>
+          </a:p>
+        </p:txBody>
+      </p:sp>
+    </p:spTree>
+    <p:extLst>
+      <p:ext uri="{BB962C8B-B14F-4D97-AF65-F5344CB8AC3E}">
+        <p14:creationId xmlns:p14="http://schemas.microsoft.com/office/powerpoint/2010/main" val="1266417032"/>
       </p:ext>
     </p:extLst>
   </p:cSld>
@@ -12193,6 +12604,36 @@
           <a:chExt cx="0" cy="0"/>
         </a:xfrm>
       </p:grpSpPr>
+      <p:pic>
+        <p:nvPicPr>
+          <p:cNvPr id="6" name="圖片 5">
+            <a:extLst>
+              <a:ext uri="{FF2B5EF4-FFF2-40B4-BE49-F238E27FC236}">
+                <a16:creationId xmlns:a16="http://schemas.microsoft.com/office/drawing/2014/main" id="{3F336A95-C832-4F21-B018-71EA44E29861}"/>
+              </a:ext>
+            </a:extLst>
+          </p:cNvPr>
+          <p:cNvPicPr>
+            <a:picLocks noChangeAspect="1"/>
+          </p:cNvPicPr>
+          <p:nvPr/>
+        </p:nvPicPr>
+        <p:blipFill>
+          <a:blip r:embed="rId2"/>
+          <a:stretch>
+            <a:fillRect/>
+          </a:stretch>
+        </p:blipFill>
+        <p:spPr>
+          <a:xfrm>
+            <a:off x="2768600" y="1233435"/>
+            <a:ext cx="6508278" cy="4391128"/>
+          </a:xfrm>
+          <a:prstGeom prst="rect">
+            <a:avLst/>
+          </a:prstGeom>
+        </p:spPr>
+      </p:pic>
       <p:sp>
         <p:nvSpPr>
           <p:cNvPr id="3" name="標題 2">
@@ -12221,7 +12662,7 @@
                     <a:lumMod val="10000"/>
                   </a:schemeClr>
                 </a:solidFill>
-                <a:hlinkClick r:id="rId2">
+                <a:hlinkClick r:id="rId3">
                   <a:extLst>
                     <a:ext uri="{A12FA001-AC4F-418D-AE19-62706E023703}">
                       <ahyp:hlinkClr xmlns:ahyp="http://schemas.microsoft.com/office/drawing/2018/hyperlinkcolor" val="tx"/>
@@ -12241,36 +12682,6 @@
           </a:p>
         </p:txBody>
       </p:sp>
-      <p:pic>
-        <p:nvPicPr>
-          <p:cNvPr id="2" name="圖片 1">
-            <a:extLst>
-              <a:ext uri="{FF2B5EF4-FFF2-40B4-BE49-F238E27FC236}">
-                <a16:creationId xmlns:a16="http://schemas.microsoft.com/office/drawing/2014/main" id="{24B42EE7-EE76-400D-B513-614BD7A34C4E}"/>
-              </a:ext>
-            </a:extLst>
-          </p:cNvPr>
-          <p:cNvPicPr>
-            <a:picLocks noChangeAspect="1"/>
-          </p:cNvPicPr>
-          <p:nvPr/>
-        </p:nvPicPr>
-        <p:blipFill>
-          <a:blip r:embed="rId3"/>
-          <a:stretch>
-            <a:fillRect/>
-          </a:stretch>
-        </p:blipFill>
-        <p:spPr>
-          <a:xfrm>
-            <a:off x="3338455" y="1312938"/>
-            <a:ext cx="5515090" cy="4232124"/>
-          </a:xfrm>
-          <a:prstGeom prst="rect">
-            <a:avLst/>
-          </a:prstGeom>
-        </p:spPr>
-      </p:pic>
       <p:sp>
         <p:nvSpPr>
           <p:cNvPr id="4" name="矩形 3">
@@ -12285,8 +12696,8 @@
         </p:nvSpPr>
         <p:spPr>
           <a:xfrm>
-            <a:off x="3225800" y="3428999"/>
-            <a:ext cx="5627745" cy="1075267"/>
+            <a:off x="2700867" y="1220732"/>
+            <a:ext cx="6722533" cy="1310801"/>
           </a:xfrm>
           <a:prstGeom prst="rect">
             <a:avLst/>
@@ -12333,8 +12744,56 @@
         </p:nvSpPr>
         <p:spPr>
           <a:xfrm>
-            <a:off x="3208867" y="4936065"/>
-            <a:ext cx="5627745" cy="600529"/>
+            <a:off x="2700867" y="3128734"/>
+            <a:ext cx="6722533" cy="600529"/>
+          </a:xfrm>
+          <a:prstGeom prst="rect">
+            <a:avLst/>
+          </a:prstGeom>
+          <a:noFill/>
+          <a:ln w="38100"/>
+        </p:spPr>
+        <p:style>
+          <a:lnRef idx="2">
+            <a:schemeClr val="accent1">
+              <a:shade val="50000"/>
+            </a:schemeClr>
+          </a:lnRef>
+          <a:fillRef idx="1">
+            <a:schemeClr val="accent1"/>
+          </a:fillRef>
+          <a:effectRef idx="0">
+            <a:schemeClr val="accent1"/>
+          </a:effectRef>
+          <a:fontRef idx="minor">
+            <a:schemeClr val="lt1"/>
+          </a:fontRef>
+        </p:style>
+        <p:txBody>
+          <a:bodyPr rtlCol="0" anchor="ctr"/>
+          <a:lstStyle/>
+          <a:p>
+            <a:pPr algn="ctr"/>
+            <a:endParaRPr lang="zh-TW" altLang="en-US"/>
+          </a:p>
+        </p:txBody>
+      </p:sp>
+      <p:sp>
+        <p:nvSpPr>
+          <p:cNvPr id="7" name="矩形 6">
+            <a:extLst>
+              <a:ext uri="{FF2B5EF4-FFF2-40B4-BE49-F238E27FC236}">
+                <a16:creationId xmlns:a16="http://schemas.microsoft.com/office/drawing/2014/main" id="{E0931CF7-339D-48E6-A8EF-1C817EF229F6}"/>
+              </a:ext>
+            </a:extLst>
+          </p:cNvPr>
+          <p:cNvSpPr/>
+          <p:nvPr/>
+        </p:nvSpPr>
+        <p:spPr>
+          <a:xfrm>
+            <a:off x="2661472" y="5011030"/>
+            <a:ext cx="6722533" cy="600529"/>
           </a:xfrm>
           <a:prstGeom prst="rect">
             <a:avLst/>
@@ -12414,7 +12873,7 @@
           <p:cNvPr id="2" name="內容版面配置區 1">
             <a:extLst>
               <a:ext uri="{FF2B5EF4-FFF2-40B4-BE49-F238E27FC236}">
-                <a16:creationId xmlns:a16="http://schemas.microsoft.com/office/drawing/2014/main" id="{3C850A5C-0B10-4870-9F52-83ACBC4FB27D}"/>
+                <a16:creationId xmlns:a16="http://schemas.microsoft.com/office/drawing/2014/main" id="{63E9190B-5DF0-470F-99A7-033CA4F2A6F7}"/>
               </a:ext>
             </a:extLst>
           </p:cNvPr>
@@ -12425,79 +12884,117 @@
             <p:ph idx="1"/>
           </p:nvPr>
         </p:nvSpPr>
-        <p:spPr>
-          <a:xfrm>
-            <a:off x="609600" y="1371600"/>
-            <a:ext cx="6087533" cy="4762471"/>
-          </a:xfrm>
-        </p:spPr>
+        <p:spPr/>
         <p:txBody>
-          <a:bodyPr>
+          <a:bodyPr numCol="2">
             <a:normAutofit/>
           </a:bodyPr>
           <a:lstStyle/>
           <a:p>
-            <a:pPr marL="0" indent="0">
-              <a:buNone/>
-            </a:pPr>
             <a:r>
               <a:rPr lang="en-US" altLang="zh-TW" dirty="0"/>
-              <a:t>csv1=['1,5','2,6','3,7', '4,8']</a:t>
-            </a:r>
-          </a:p>
-          <a:p>
-            <a:pPr marL="0" indent="0">
-              <a:buNone/>
-            </a:pPr>
+              <a:t>Defining a Function</a:t>
+            </a:r>
+          </a:p>
+          <a:p>
             <a:r>
               <a:rPr lang="en-US" altLang="zh-TW" dirty="0"/>
-              <a:t>csv2=['#comment', '1,5','2,6','3,7', '4,8']</a:t>
-            </a:r>
-          </a:p>
-          <a:p>
-            <a:pPr marL="0" indent="0">
-              <a:buNone/>
-            </a:pPr>
+              <a:t>Calling a Function</a:t>
+            </a:r>
+          </a:p>
+          <a:p>
             <a:r>
               <a:rPr lang="en-US" altLang="zh-TW" dirty="0"/>
-              <a:t>csv3=['2020,06,05', '1,5','2,6','3,7', '4,8']</a:t>
-            </a:r>
-          </a:p>
-          <a:p>
-            <a:pPr marL="0" indent="0">
-              <a:buNone/>
-            </a:pPr>
+              <a:t>Pass by reference vs value</a:t>
+            </a:r>
+          </a:p>
+          <a:p>
             <a:r>
               <a:rPr lang="en-US" altLang="zh-TW" dirty="0"/>
-              <a:t>csv4=['ANSYS','HFSS','1,5','2,6','3,7', '4,8']</a:t>
-            </a:r>
-          </a:p>
-          <a:p>
-            <a:pPr marL="0" indent="0">
-              <a:buNone/>
-            </a:pPr>
+              <a:t>Function Arguments</a:t>
+            </a:r>
+          </a:p>
+          <a:p>
             <a:r>
               <a:rPr lang="en-US" altLang="zh-TW" dirty="0"/>
-              <a:t>csv5=['time, volt','1,5','2,6','3,7', '4,8']</a:t>
-            </a:r>
-          </a:p>
-          <a:p>
-            <a:pPr marL="0" indent="0">
-              <a:buNone/>
-            </a:pPr>
+              <a:t>Keyword arguments</a:t>
+            </a:r>
+          </a:p>
+          <a:p>
             <a:r>
               <a:rPr lang="en-US" altLang="zh-TW" dirty="0"/>
-              <a:t>csv6=['     ', '1,5','2,6','3,7', '4,8']</a:t>
-            </a:r>
-          </a:p>
-          <a:p>
-            <a:pPr marL="0" indent="0">
-              <a:buNone/>
-            </a:pPr>
+              <a:t>Default arguments</a:t>
+            </a:r>
+          </a:p>
+          <a:p>
             <a:r>
               <a:rPr lang="en-US" altLang="zh-TW" dirty="0"/>
-              <a:t>csv7=['1,5','2,6','3,7', '4,8', '']</a:t>
-            </a:r>
+              <a:t>Scope of Variables</a:t>
+            </a:r>
+          </a:p>
+          <a:p>
+            <a:r>
+              <a:rPr lang="en-US" altLang="zh-TW" dirty="0"/>
+              <a:t>Global vs. Local variables</a:t>
+            </a:r>
+          </a:p>
+          <a:p>
+            <a:r>
+              <a:rPr lang="en-US" altLang="zh-TW" dirty="0"/>
+              <a:t>The </a:t>
+            </a:r>
+            <a:r>
+              <a:rPr lang="en-US" altLang="zh-TW" i="1" dirty="0"/>
+              <a:t>import</a:t>
+            </a:r>
+            <a:r>
+              <a:rPr lang="en-US" altLang="zh-TW" dirty="0"/>
+              <a:t> Statement</a:t>
+            </a:r>
+          </a:p>
+          <a:p>
+            <a:r>
+              <a:rPr lang="en-US" altLang="zh-TW" dirty="0"/>
+              <a:t>The </a:t>
+            </a:r>
+            <a:r>
+              <a:rPr lang="en-US" altLang="zh-TW" dirty="0" err="1"/>
+              <a:t>dir</a:t>
+            </a:r>
+            <a:r>
+              <a:rPr lang="en-US" altLang="zh-TW" dirty="0"/>
+              <a:t>( ) Function</a:t>
+            </a:r>
+          </a:p>
+          <a:p>
+            <a:r>
+              <a:rPr lang="en-US" altLang="zh-TW" dirty="0"/>
+              <a:t>Overview of OOP Terminology</a:t>
+            </a:r>
+          </a:p>
+          <a:p>
+            <a:r>
+              <a:rPr lang="en-US" altLang="zh-TW" dirty="0"/>
+              <a:t>Creating Classes</a:t>
+            </a:r>
+          </a:p>
+          <a:p>
+            <a:r>
+              <a:rPr lang="en-US" altLang="zh-TW" dirty="0"/>
+              <a:t>Creating Instance Objects</a:t>
+            </a:r>
+          </a:p>
+          <a:p>
+            <a:r>
+              <a:rPr lang="en-US" altLang="zh-TW" dirty="0"/>
+              <a:t>Accessing Attributes</a:t>
+            </a:r>
+          </a:p>
+          <a:p>
+            <a:endParaRPr lang="en-US" altLang="zh-TW" dirty="0"/>
+          </a:p>
+          <a:p>
+            <a:endParaRPr lang="zh-TW" altLang="en-US" dirty="0"/>
           </a:p>
         </p:txBody>
       </p:sp>
@@ -12506,7 +13003,7 @@
           <p:cNvPr id="3" name="標題 2">
             <a:extLst>
               <a:ext uri="{FF2B5EF4-FFF2-40B4-BE49-F238E27FC236}">
-                <a16:creationId xmlns:a16="http://schemas.microsoft.com/office/drawing/2014/main" id="{DA7D02FA-5EDB-4AA9-9818-8E79AA64DF8B}"/>
+                <a16:creationId xmlns:a16="http://schemas.microsoft.com/office/drawing/2014/main" id="{393D0B58-B171-4E4C-B422-399DB218A3BA}"/>
               </a:ext>
             </a:extLst>
           </p:cNvPr>
@@ -12524,88 +13021,15 @@
           <a:p>
             <a:r>
               <a:rPr lang="zh-TW" altLang="en-US" dirty="0"/>
-              <a:t>如何寫出一組代碼將不同</a:t>
-            </a:r>
-            <a:r>
-              <a:rPr lang="en-US" altLang="zh-TW" dirty="0"/>
-              <a:t>csv</a:t>
-            </a:r>
-            <a:r>
-              <a:rPr lang="zh-TW" altLang="en-US" dirty="0"/>
-              <a:t>檔讀入的字串處理成</a:t>
-            </a:r>
-            <a:r>
-              <a:rPr lang="en-US" altLang="zh-TW" dirty="0"/>
-              <a:t>list of tuple</a:t>
-            </a:r>
-            <a:endParaRPr lang="zh-TW" altLang="en-US" dirty="0"/>
+              <a:t>重點</a:t>
+            </a:r>
           </a:p>
         </p:txBody>
       </p:sp>
-      <p:pic>
-        <p:nvPicPr>
-          <p:cNvPr id="4" name="圖片 3">
-            <a:extLst>
-              <a:ext uri="{FF2B5EF4-FFF2-40B4-BE49-F238E27FC236}">
-                <a16:creationId xmlns:a16="http://schemas.microsoft.com/office/drawing/2014/main" id="{13D75680-B5D2-4231-AF90-6909699FA7DE}"/>
-              </a:ext>
-            </a:extLst>
-          </p:cNvPr>
-          <p:cNvPicPr>
-            <a:picLocks noChangeAspect="1"/>
-          </p:cNvPicPr>
-          <p:nvPr/>
-        </p:nvPicPr>
-        <p:blipFill>
-          <a:blip r:embed="rId2"/>
-          <a:stretch>
-            <a:fillRect/>
-          </a:stretch>
-        </p:blipFill>
-        <p:spPr>
-          <a:xfrm>
-            <a:off x="7405972" y="1273818"/>
-            <a:ext cx="4266667" cy="1885714"/>
-          </a:xfrm>
-          <a:prstGeom prst="rect">
-            <a:avLst/>
-          </a:prstGeom>
-        </p:spPr>
-      </p:pic>
-      <p:pic>
-        <p:nvPicPr>
-          <p:cNvPr id="5" name="圖片 4">
-            <a:extLst>
-              <a:ext uri="{FF2B5EF4-FFF2-40B4-BE49-F238E27FC236}">
-                <a16:creationId xmlns:a16="http://schemas.microsoft.com/office/drawing/2014/main" id="{6D562F4E-8C74-4814-8B73-DA7C947D2D53}"/>
-              </a:ext>
-            </a:extLst>
-          </p:cNvPr>
-          <p:cNvPicPr>
-            <a:picLocks noChangeAspect="1"/>
-          </p:cNvPicPr>
-          <p:nvPr/>
-        </p:nvPicPr>
-        <p:blipFill>
-          <a:blip r:embed="rId3"/>
-          <a:stretch>
-            <a:fillRect/>
-          </a:stretch>
-        </p:blipFill>
-        <p:spPr>
-          <a:xfrm>
-            <a:off x="6401373" y="4083267"/>
-            <a:ext cx="5485827" cy="563534"/>
-          </a:xfrm>
-          <a:prstGeom prst="rect">
-            <a:avLst/>
-          </a:prstGeom>
-        </p:spPr>
-      </p:pic>
     </p:spTree>
     <p:extLst>
       <p:ext uri="{BB962C8B-B14F-4D97-AF65-F5344CB8AC3E}">
-        <p14:creationId xmlns:p14="http://schemas.microsoft.com/office/powerpoint/2010/main" val="3776458717"/>
+        <p14:creationId xmlns:p14="http://schemas.microsoft.com/office/powerpoint/2010/main" val="2201880862"/>
       </p:ext>
     </p:extLst>
   </p:cSld>
@@ -12644,44 +13068,104 @@
           <a:chExt cx="0" cy="0"/>
         </a:xfrm>
       </p:grpSpPr>
-      <p:pic>
-        <p:nvPicPr>
-          <p:cNvPr id="9" name="內容版面配置區 8">
-            <a:extLst>
-              <a:ext uri="{FF2B5EF4-FFF2-40B4-BE49-F238E27FC236}">
-                <a16:creationId xmlns:a16="http://schemas.microsoft.com/office/drawing/2014/main" id="{6FF891F2-2DFA-4757-9BAA-1160974E48C5}"/>
-              </a:ext>
-            </a:extLst>
-          </p:cNvPr>
-          <p:cNvPicPr>
-            <a:picLocks noGrp="1" noChangeAspect="1"/>
-          </p:cNvPicPr>
+      <p:sp>
+        <p:nvSpPr>
+          <p:cNvPr id="2" name="內容版面配置區 1">
+            <a:extLst>
+              <a:ext uri="{FF2B5EF4-FFF2-40B4-BE49-F238E27FC236}">
+                <a16:creationId xmlns:a16="http://schemas.microsoft.com/office/drawing/2014/main" id="{3C850A5C-0B10-4870-9F52-83ACBC4FB27D}"/>
+              </a:ext>
+            </a:extLst>
+          </p:cNvPr>
+          <p:cNvSpPr>
+            <a:spLocks noGrp="1"/>
+          </p:cNvSpPr>
           <p:nvPr>
             <p:ph idx="1"/>
           </p:nvPr>
-        </p:nvPicPr>
-        <p:blipFill>
-          <a:blip r:embed="rId2"/>
-          <a:stretch>
-            <a:fillRect/>
-          </a:stretch>
-        </p:blipFill>
+        </p:nvSpPr>
         <p:spPr>
           <a:xfrm>
-            <a:off x="609601" y="1863275"/>
-            <a:ext cx="5638964" cy="3131449"/>
+            <a:off x="609600" y="1371600"/>
+            <a:ext cx="6087533" cy="4762471"/>
           </a:xfrm>
-          <a:prstGeom prst="rect">
-            <a:avLst/>
-          </a:prstGeom>
         </p:spPr>
-      </p:pic>
+        <p:txBody>
+          <a:bodyPr>
+            <a:normAutofit/>
+          </a:bodyPr>
+          <a:lstStyle/>
+          <a:p>
+            <a:pPr marL="0" indent="0">
+              <a:buNone/>
+            </a:pPr>
+            <a:r>
+              <a:rPr lang="en-US" altLang="zh-TW" dirty="0"/>
+              <a:t>csv1=['1,5','2,6','3,7', '4,8']</a:t>
+            </a:r>
+          </a:p>
+          <a:p>
+            <a:pPr marL="0" indent="0">
+              <a:buNone/>
+            </a:pPr>
+            <a:r>
+              <a:rPr lang="en-US" altLang="zh-TW" dirty="0"/>
+              <a:t>csv2=['#comment', '1,5','2,6','3,7', '4,8']</a:t>
+            </a:r>
+          </a:p>
+          <a:p>
+            <a:pPr marL="0" indent="0">
+              <a:buNone/>
+            </a:pPr>
+            <a:r>
+              <a:rPr lang="en-US" altLang="zh-TW" dirty="0"/>
+              <a:t>csv3=['2020,06,05', '1,5','2,6','3,7', '4,8']</a:t>
+            </a:r>
+          </a:p>
+          <a:p>
+            <a:pPr marL="0" indent="0">
+              <a:buNone/>
+            </a:pPr>
+            <a:r>
+              <a:rPr lang="en-US" altLang="zh-TW" dirty="0"/>
+              <a:t>csv4=['ANSYS','HFSS','1,5','2,6','3,7', '4,8']</a:t>
+            </a:r>
+          </a:p>
+          <a:p>
+            <a:pPr marL="0" indent="0">
+              <a:buNone/>
+            </a:pPr>
+            <a:r>
+              <a:rPr lang="en-US" altLang="zh-TW" dirty="0"/>
+              <a:t>csv5=['time, volt','1,5','2,6','3,7', '4,8']</a:t>
+            </a:r>
+          </a:p>
+          <a:p>
+            <a:pPr marL="0" indent="0">
+              <a:buNone/>
+            </a:pPr>
+            <a:r>
+              <a:rPr lang="en-US" altLang="zh-TW" dirty="0"/>
+              <a:t>csv6=['     ', '1,5','2,6','3,7', '4,8']</a:t>
+            </a:r>
+          </a:p>
+          <a:p>
+            <a:pPr marL="0" indent="0">
+              <a:buNone/>
+            </a:pPr>
+            <a:r>
+              <a:rPr lang="en-US" altLang="zh-TW" dirty="0"/>
+              <a:t>csv7=['1,5','2,6','3,7', '4,8', '']</a:t>
+            </a:r>
+          </a:p>
+        </p:txBody>
+      </p:sp>
       <p:sp>
         <p:nvSpPr>
-          <p:cNvPr id="7" name="標題 6">
-            <a:extLst>
-              <a:ext uri="{FF2B5EF4-FFF2-40B4-BE49-F238E27FC236}">
-                <a16:creationId xmlns:a16="http://schemas.microsoft.com/office/drawing/2014/main" id="{99CCFDF6-E590-4D0F-ACBA-DFDF8A8C3D54}"/>
+          <p:cNvPr id="3" name="標題 2">
+            <a:extLst>
+              <a:ext uri="{FF2B5EF4-FFF2-40B4-BE49-F238E27FC236}">
+                <a16:creationId xmlns:a16="http://schemas.microsoft.com/office/drawing/2014/main" id="{DA7D02FA-5EDB-4AA9-9818-8E79AA64DF8B}"/>
               </a:ext>
             </a:extLst>
           </p:cNvPr>
@@ -12699,28 +13183,187 @@
           <a:p>
             <a:r>
               <a:rPr lang="zh-TW" altLang="en-US" dirty="0"/>
-              <a:t>解答</a:t>
+              <a:t>如何寫出一組代碼將不同</a:t>
             </a:r>
             <a:r>
               <a:rPr lang="en-US" altLang="zh-TW" dirty="0"/>
-              <a:t>:</a:t>
+              <a:t>csv</a:t>
             </a:r>
             <a:r>
               <a:rPr lang="zh-TW" altLang="en-US" dirty="0"/>
-              <a:t>加上</a:t>
+              <a:t>檔讀入的字串處理成</a:t>
             </a:r>
             <a:r>
               <a:rPr lang="en-US" altLang="zh-TW" dirty="0"/>
-              <a:t>try…except…pass</a:t>
+              <a:t>list of tuple</a:t>
             </a:r>
             <a:endParaRPr lang="zh-TW" altLang="en-US" dirty="0"/>
+          </a:p>
+        </p:txBody>
+      </p:sp>
+      <p:pic>
+        <p:nvPicPr>
+          <p:cNvPr id="4" name="圖片 3">
+            <a:extLst>
+              <a:ext uri="{FF2B5EF4-FFF2-40B4-BE49-F238E27FC236}">
+                <a16:creationId xmlns:a16="http://schemas.microsoft.com/office/drawing/2014/main" id="{13D75680-B5D2-4231-AF90-6909699FA7DE}"/>
+              </a:ext>
+            </a:extLst>
+          </p:cNvPr>
+          <p:cNvPicPr>
+            <a:picLocks noChangeAspect="1"/>
+          </p:cNvPicPr>
+          <p:nvPr/>
+        </p:nvPicPr>
+        <p:blipFill>
+          <a:blip r:embed="rId2"/>
+          <a:stretch>
+            <a:fillRect/>
+          </a:stretch>
+        </p:blipFill>
+        <p:spPr>
+          <a:xfrm>
+            <a:off x="7405972" y="1273818"/>
+            <a:ext cx="4266667" cy="1885714"/>
+          </a:xfrm>
+          <a:prstGeom prst="rect">
+            <a:avLst/>
+          </a:prstGeom>
+        </p:spPr>
+      </p:pic>
+      <p:pic>
+        <p:nvPicPr>
+          <p:cNvPr id="5" name="圖片 4">
+            <a:extLst>
+              <a:ext uri="{FF2B5EF4-FFF2-40B4-BE49-F238E27FC236}">
+                <a16:creationId xmlns:a16="http://schemas.microsoft.com/office/drawing/2014/main" id="{6D562F4E-8C74-4814-8B73-DA7C947D2D53}"/>
+              </a:ext>
+            </a:extLst>
+          </p:cNvPr>
+          <p:cNvPicPr>
+            <a:picLocks noChangeAspect="1"/>
+          </p:cNvPicPr>
+          <p:nvPr/>
+        </p:nvPicPr>
+        <p:blipFill>
+          <a:blip r:embed="rId3"/>
+          <a:stretch>
+            <a:fillRect/>
+          </a:stretch>
+        </p:blipFill>
+        <p:spPr>
+          <a:xfrm>
+            <a:off x="4628603" y="4935255"/>
+            <a:ext cx="7275529" cy="747382"/>
+          </a:xfrm>
+          <a:prstGeom prst="rect">
+            <a:avLst/>
+          </a:prstGeom>
+        </p:spPr>
+      </p:pic>
+      <p:sp>
+        <p:nvSpPr>
+          <p:cNvPr id="6" name="語音泡泡: 矩形 5">
+            <a:extLst>
+              <a:ext uri="{FF2B5EF4-FFF2-40B4-BE49-F238E27FC236}">
+                <a16:creationId xmlns:a16="http://schemas.microsoft.com/office/drawing/2014/main" id="{AF38F194-145A-4E55-98CA-85423943B855}"/>
+              </a:ext>
+            </a:extLst>
+          </p:cNvPr>
+          <p:cNvSpPr/>
+          <p:nvPr/>
+        </p:nvSpPr>
+        <p:spPr>
+          <a:xfrm>
+            <a:off x="6697133" y="3752835"/>
+            <a:ext cx="3022600" cy="971565"/>
+          </a:xfrm>
+          <a:prstGeom prst="wedgeRectCallout">
+            <a:avLst>
+              <a:gd name="adj1" fmla="val 29297"/>
+              <a:gd name="adj2" fmla="val -132936"/>
+            </a:avLst>
+          </a:prstGeom>
+          <a:solidFill>
+            <a:srgbClr val="FF0000"/>
+          </a:solidFill>
+        </p:spPr>
+        <p:style>
+          <a:lnRef idx="2">
+            <a:schemeClr val="accent1">
+              <a:shade val="50000"/>
+            </a:schemeClr>
+          </a:lnRef>
+          <a:fillRef idx="1">
+            <a:schemeClr val="accent1"/>
+          </a:fillRef>
+          <a:effectRef idx="0">
+            <a:schemeClr val="accent1"/>
+          </a:effectRef>
+          <a:fontRef idx="minor">
+            <a:schemeClr val="lt1"/>
+          </a:fontRef>
+        </p:style>
+        <p:txBody>
+          <a:bodyPr rtlCol="0" anchor="ctr"/>
+          <a:lstStyle/>
+          <a:p>
+            <a:pPr algn="ctr"/>
+            <a:r>
+              <a:rPr lang="zh-TW" altLang="en-US" dirty="0">
+                <a:highlight>
+                  <a:srgbClr val="FF0000"/>
+                </a:highlight>
+              </a:rPr>
+              <a:t>只能處理</a:t>
+            </a:r>
+            <a:r>
+              <a:rPr lang="en-US" altLang="zh-TW" dirty="0">
+                <a:highlight>
+                  <a:srgbClr val="FF0000"/>
+                </a:highlight>
+              </a:rPr>
+              <a:t>csv1, </a:t>
+            </a:r>
+            <a:r>
+              <a:rPr lang="zh-TW" altLang="en-US" dirty="0">
+                <a:highlight>
+                  <a:srgbClr val="FF0000"/>
+                </a:highlight>
+              </a:rPr>
+              <a:t>處理其他</a:t>
+            </a:r>
+            <a:endParaRPr lang="en-US" altLang="zh-TW" dirty="0">
+              <a:highlight>
+                <a:srgbClr val="FF0000"/>
+              </a:highlight>
+            </a:endParaRPr>
+          </a:p>
+          <a:p>
+            <a:pPr algn="ctr"/>
+            <a:r>
+              <a:rPr lang="en-US" altLang="zh-TW" dirty="0">
+                <a:highlight>
+                  <a:srgbClr val="FF0000"/>
+                </a:highlight>
+              </a:rPr>
+              <a:t>(csv2-csv7) </a:t>
+            </a:r>
+            <a:r>
+              <a:rPr lang="zh-TW" altLang="en-US" dirty="0">
+                <a:highlight>
+                  <a:srgbClr val="FF0000"/>
+                </a:highlight>
+              </a:rPr>
+              <a:t>都會錯誤</a:t>
+            </a:r>
           </a:p>
         </p:txBody>
       </p:sp>
     </p:spTree>
     <p:extLst>
       <p:ext uri="{BB962C8B-B14F-4D97-AF65-F5344CB8AC3E}">
-        <p14:creationId xmlns:p14="http://schemas.microsoft.com/office/powerpoint/2010/main" val="3095247151"/>
+        <p14:creationId xmlns:p14="http://schemas.microsoft.com/office/powerpoint/2010/main" val="3776458717"/>
       </p:ext>
     </p:extLst>
   </p:cSld>
@@ -12759,56 +13402,44 @@
           <a:chExt cx="0" cy="0"/>
         </a:xfrm>
       </p:grpSpPr>
-      <p:sp>
-        <p:nvSpPr>
-          <p:cNvPr id="2" name="內容版面配置區 1">
-            <a:extLst>
-              <a:ext uri="{FF2B5EF4-FFF2-40B4-BE49-F238E27FC236}">
-                <a16:creationId xmlns:a16="http://schemas.microsoft.com/office/drawing/2014/main" id="{BE83D0CB-5CE0-45DE-BEAA-A473BDC9555D}"/>
-              </a:ext>
-            </a:extLst>
-          </p:cNvPr>
-          <p:cNvSpPr>
-            <a:spLocks noGrp="1"/>
-          </p:cNvSpPr>
+      <p:pic>
+        <p:nvPicPr>
+          <p:cNvPr id="9" name="內容版面配置區 8">
+            <a:extLst>
+              <a:ext uri="{FF2B5EF4-FFF2-40B4-BE49-F238E27FC236}">
+                <a16:creationId xmlns:a16="http://schemas.microsoft.com/office/drawing/2014/main" id="{6FF891F2-2DFA-4757-9BAA-1160974E48C5}"/>
+              </a:ext>
+            </a:extLst>
+          </p:cNvPr>
+          <p:cNvPicPr>
+            <a:picLocks noGrp="1" noChangeAspect="1"/>
+          </p:cNvPicPr>
           <p:nvPr>
             <p:ph idx="1"/>
           </p:nvPr>
-        </p:nvSpPr>
-        <p:spPr/>
-        <p:txBody>
-          <a:bodyPr/>
-          <a:lstStyle/>
-          <a:p>
-            <a:r>
-              <a:rPr lang="zh-TW" altLang="en-US" dirty="0"/>
-              <a:t>在程式開發階段，一般都是假設輸入參數會嚴格遵守規範，並基於這個假設開發演算法。如果格式出錯，就算這個錯誤無關緊要，程式也會終止運算並返回錯誤訊息，如果要對輸入的資料一一判斷是否合規，將導致程式複雜化並額外耗用運算資源。一個解決思維是先做再說，發生了無法處理的狀況，也就是例外，再另行處理。這種設計思維就是所謂的例外處理。目前例外處理已經是主流程式語言所採取的設計方案。這種設計風格又稱之為</a:t>
-            </a:r>
-            <a:r>
-              <a:rPr lang="en-US" altLang="zh-TW" dirty="0"/>
-              <a:t>EAFP( Easier to Ask for Forgiveness than Permission) ,</a:t>
-            </a:r>
-            <a:r>
-              <a:rPr lang="zh-TW" altLang="en-US" dirty="0"/>
-              <a:t>有別於</a:t>
-            </a:r>
-            <a:r>
-              <a:rPr lang="en-US" altLang="zh-TW" dirty="0"/>
-              <a:t>LBYL(Look Before You Leap)</a:t>
-            </a:r>
-            <a:r>
-              <a:rPr lang="zh-TW" altLang="en-US" dirty="0"/>
-              <a:t>。</a:t>
-            </a:r>
-          </a:p>
-        </p:txBody>
-      </p:sp>
+        </p:nvPicPr>
+        <p:blipFill>
+          <a:blip r:embed="rId2"/>
+          <a:stretch>
+            <a:fillRect/>
+          </a:stretch>
+        </p:blipFill>
+        <p:spPr>
+          <a:xfrm>
+            <a:off x="2406925" y="1387261"/>
+            <a:ext cx="7378149" cy="4097259"/>
+          </a:xfrm>
+          <a:prstGeom prst="rect">
+            <a:avLst/>
+          </a:prstGeom>
+        </p:spPr>
+      </p:pic>
       <p:sp>
         <p:nvSpPr>
-          <p:cNvPr id="3" name="標題 2">
-            <a:extLst>
-              <a:ext uri="{FF2B5EF4-FFF2-40B4-BE49-F238E27FC236}">
-                <a16:creationId xmlns:a16="http://schemas.microsoft.com/office/drawing/2014/main" id="{0328546A-7A5A-41F7-8BBE-32BB0E646989}"/>
+          <p:cNvPr id="7" name="標題 6">
+            <a:extLst>
+              <a:ext uri="{FF2B5EF4-FFF2-40B4-BE49-F238E27FC236}">
+                <a16:creationId xmlns:a16="http://schemas.microsoft.com/office/drawing/2014/main" id="{99CCFDF6-E590-4D0F-ACBA-DFDF8A8C3D54}"/>
               </a:ext>
             </a:extLst>
           </p:cNvPr>
@@ -12826,23 +13457,87 @@
           <a:p>
             <a:r>
               <a:rPr lang="zh-TW" altLang="en-US" dirty="0"/>
-              <a:t>例外處理</a:t>
+              <a:t>解答</a:t>
             </a:r>
             <a:r>
               <a:rPr lang="en-US" altLang="zh-TW" dirty="0"/>
-              <a:t> </a:t>
-            </a:r>
-            <a:r>
-              <a:rPr lang="en-US" altLang="zh-TW" dirty="0" err="1"/>
-              <a:t>v.s</a:t>
+              <a:t>:</a:t>
+            </a:r>
+            <a:r>
+              <a:rPr lang="zh-TW" altLang="en-US" dirty="0"/>
+              <a:t>加上</a:t>
             </a:r>
             <a:r>
               <a:rPr lang="en-US" altLang="zh-TW" dirty="0"/>
-              <a:t>.</a:t>
-            </a:r>
-            <a:r>
-              <a:rPr lang="zh-TW" altLang="en-US" dirty="0"/>
-              <a:t>事先檢查</a:t>
+              <a:t>try…except…pass</a:t>
+            </a:r>
+            <a:endParaRPr lang="zh-TW" altLang="en-US" dirty="0"/>
+          </a:p>
+        </p:txBody>
+      </p:sp>
+      <p:sp>
+        <p:nvSpPr>
+          <p:cNvPr id="4" name="語音泡泡: 矩形 3">
+            <a:extLst>
+              <a:ext uri="{FF2B5EF4-FFF2-40B4-BE49-F238E27FC236}">
+                <a16:creationId xmlns:a16="http://schemas.microsoft.com/office/drawing/2014/main" id="{184015DA-79C9-40A8-8212-423BCB3BFC5E}"/>
+              </a:ext>
+            </a:extLst>
+          </p:cNvPr>
+          <p:cNvSpPr/>
+          <p:nvPr/>
+        </p:nvSpPr>
+        <p:spPr>
+          <a:xfrm>
+            <a:off x="5444067" y="4274394"/>
+            <a:ext cx="2387601" cy="845837"/>
+          </a:xfrm>
+          <a:prstGeom prst="wedgeRectCallout">
+            <a:avLst>
+              <a:gd name="adj1" fmla="val -76713"/>
+              <a:gd name="adj2" fmla="val -45531"/>
+            </a:avLst>
+          </a:prstGeom>
+          <a:solidFill>
+            <a:srgbClr val="FF0000"/>
+          </a:solidFill>
+        </p:spPr>
+        <p:style>
+          <a:lnRef idx="2">
+            <a:schemeClr val="accent1">
+              <a:shade val="50000"/>
+            </a:schemeClr>
+          </a:lnRef>
+          <a:fillRef idx="1">
+            <a:schemeClr val="accent1"/>
+          </a:fillRef>
+          <a:effectRef idx="0">
+            <a:schemeClr val="accent1"/>
+          </a:effectRef>
+          <a:fontRef idx="minor">
+            <a:schemeClr val="lt1"/>
+          </a:fontRef>
+        </p:style>
+        <p:txBody>
+          <a:bodyPr rtlCol="0" anchor="ctr"/>
+          <a:lstStyle/>
+          <a:p>
+            <a:pPr algn="ctr"/>
+            <a:r>
+              <a:rPr lang="zh-TW" altLang="en-US" dirty="0">
+                <a:highlight>
+                  <a:srgbClr val="FF0000"/>
+                </a:highlight>
+              </a:rPr>
+              <a:t>處理不來的就</a:t>
+            </a:r>
+            <a:r>
+              <a:rPr lang="en-US" altLang="zh-TW" dirty="0">
+                <a:highlight>
+                  <a:srgbClr val="FF0000"/>
+                </a:highlight>
+              </a:rPr>
+              <a:t>pass</a:t>
             </a:r>
           </a:p>
         </p:txBody>
@@ -12850,7 +13545,7 @@
     </p:spTree>
     <p:extLst>
       <p:ext uri="{BB962C8B-B14F-4D97-AF65-F5344CB8AC3E}">
-        <p14:creationId xmlns:p14="http://schemas.microsoft.com/office/powerpoint/2010/main" val="3005715725"/>
+        <p14:creationId xmlns:p14="http://schemas.microsoft.com/office/powerpoint/2010/main" val="3095247151"/>
       </p:ext>
     </p:extLst>
   </p:cSld>
@@ -12891,10 +13586,10 @@
       </p:grpSpPr>
       <p:sp>
         <p:nvSpPr>
-          <p:cNvPr id="4" name="文字版面配置區 3">
-            <a:extLst>
-              <a:ext uri="{FF2B5EF4-FFF2-40B4-BE49-F238E27FC236}">
-                <a16:creationId xmlns:a16="http://schemas.microsoft.com/office/drawing/2014/main" id="{2FA54F75-D405-4104-B6BB-EA44A23A109A}"/>
+          <p:cNvPr id="2" name="內容版面配置區 1">
+            <a:extLst>
+              <a:ext uri="{FF2B5EF4-FFF2-40B4-BE49-F238E27FC236}">
+                <a16:creationId xmlns:a16="http://schemas.microsoft.com/office/drawing/2014/main" id="{BE83D0CB-5CE0-45DE-BEAA-A473BDC9555D}"/>
               </a:ext>
             </a:extLst>
           </p:cNvPr>
@@ -12902,7 +13597,7 @@
             <a:spLocks noGrp="1"/>
           </p:cNvSpPr>
           <p:nvPr>
-            <p:ph type="body" sz="quarter" idx="10"/>
+            <p:ph idx="1"/>
           </p:nvPr>
         </p:nvSpPr>
         <p:spPr/>
@@ -12911,22 +13606,34 @@
           <a:lstStyle/>
           <a:p>
             <a:r>
+              <a:rPr lang="zh-TW" altLang="en-US" dirty="0"/>
+              <a:t>在程式開發階段，一般都是假設輸入參數會嚴格遵守規範，並基於這個假設開發演算法。如果格式出錯，就算這個錯誤無關緊要，程式也會終止運算並返回錯誤訊息，如果要對輸入的資料一一判斷是否合規，將導致程式複雜化並額外耗用運算資源。一個解決思維是先做再說，發生了正常流程無法處理的狀況，也就是例外，再另行處理。這種設計思維就是所謂的例外處理。目前例外處理已經是主流程式語言所採取的設計方案。這種設計風格又稱之為</a:t>
+            </a:r>
+            <a:r>
               <a:rPr lang="en-US" altLang="zh-TW" dirty="0"/>
-              <a:t>AEDT</a:t>
+              <a:t>EAFP( Easier to Ask for Forgiveness than Permission) ,</a:t>
             </a:r>
             <a:r>
               <a:rPr lang="zh-TW" altLang="en-US" dirty="0"/>
-              <a:t>函式庫架構</a:t>
+              <a:t>有別於</a:t>
+            </a:r>
+            <a:r>
+              <a:rPr lang="en-US" altLang="zh-TW" dirty="0"/>
+              <a:t>LBYL(Look Before You Leap)</a:t>
+            </a:r>
+            <a:r>
+              <a:rPr lang="zh-TW" altLang="en-US" dirty="0"/>
+              <a:t>。</a:t>
             </a:r>
           </a:p>
         </p:txBody>
       </p:sp>
       <p:sp>
         <p:nvSpPr>
-          <p:cNvPr id="5" name="文字版面配置區 4">
-            <a:extLst>
-              <a:ext uri="{FF2B5EF4-FFF2-40B4-BE49-F238E27FC236}">
-                <a16:creationId xmlns:a16="http://schemas.microsoft.com/office/drawing/2014/main" id="{CEE2A55E-C73D-43FF-AA36-95C0FF95B7B1}"/>
+          <p:cNvPr id="3" name="標題 2">
+            <a:extLst>
+              <a:ext uri="{FF2B5EF4-FFF2-40B4-BE49-F238E27FC236}">
+                <a16:creationId xmlns:a16="http://schemas.microsoft.com/office/drawing/2014/main" id="{0328546A-7A5A-41F7-8BBE-32BB0E646989}"/>
               </a:ext>
             </a:extLst>
           </p:cNvPr>
@@ -12934,7 +13641,7 @@
             <a:spLocks noGrp="1"/>
           </p:cNvSpPr>
           <p:nvPr>
-            <p:ph type="body" sz="quarter" idx="12"/>
+            <p:ph type="title"/>
           </p:nvPr>
         </p:nvSpPr>
         <p:spPr/>
@@ -12942,14 +13649,33 @@
           <a:bodyPr/>
           <a:lstStyle/>
           <a:p>
-            <a:endParaRPr lang="zh-TW" altLang="en-US"/>
+            <a:r>
+              <a:rPr lang="zh-TW" altLang="en-US" dirty="0"/>
+              <a:t>例外處理</a:t>
+            </a:r>
+            <a:r>
+              <a:rPr lang="en-US" altLang="zh-TW" dirty="0"/>
+              <a:t> </a:t>
+            </a:r>
+            <a:r>
+              <a:rPr lang="en-US" altLang="zh-TW" dirty="0" err="1"/>
+              <a:t>v.s</a:t>
+            </a:r>
+            <a:r>
+              <a:rPr lang="en-US" altLang="zh-TW" dirty="0"/>
+              <a:t>.</a:t>
+            </a:r>
+            <a:r>
+              <a:rPr lang="zh-TW" altLang="en-US" dirty="0"/>
+              <a:t>事先檢查</a:t>
+            </a:r>
           </a:p>
         </p:txBody>
       </p:sp>
     </p:spTree>
     <p:extLst>
       <p:ext uri="{BB962C8B-B14F-4D97-AF65-F5344CB8AC3E}">
-        <p14:creationId xmlns:p14="http://schemas.microsoft.com/office/powerpoint/2010/main" val="2189207556"/>
+        <p14:creationId xmlns:p14="http://schemas.microsoft.com/office/powerpoint/2010/main" val="3005715725"/>
       </p:ext>
     </p:extLst>
   </p:cSld>
@@ -12990,10 +13716,10 @@
       </p:grpSpPr>
       <p:sp>
         <p:nvSpPr>
-          <p:cNvPr id="5" name="內容版面配置區 4">
-            <a:extLst>
-              <a:ext uri="{FF2B5EF4-FFF2-40B4-BE49-F238E27FC236}">
-                <a16:creationId xmlns:a16="http://schemas.microsoft.com/office/drawing/2014/main" id="{47CD2DC4-DBF9-4379-9E92-A3F1027C98CE}"/>
+          <p:cNvPr id="4" name="文字版面配置區 3">
+            <a:extLst>
+              <a:ext uri="{FF2B5EF4-FFF2-40B4-BE49-F238E27FC236}">
+                <a16:creationId xmlns:a16="http://schemas.microsoft.com/office/drawing/2014/main" id="{2FA54F75-D405-4104-B6BB-EA44A23A109A}"/>
               </a:ext>
             </a:extLst>
           </p:cNvPr>
@@ -13001,7 +13727,7 @@
             <a:spLocks noGrp="1"/>
           </p:cNvSpPr>
           <p:nvPr>
-            <p:ph idx="1"/>
+            <p:ph type="body" sz="quarter" idx="10"/>
           </p:nvPr>
         </p:nvSpPr>
         <p:spPr/>
@@ -13009,229 +13735,23 @@
           <a:bodyPr/>
           <a:lstStyle/>
           <a:p>
-            <a:pPr marL="0" indent="0">
-              <a:buNone/>
-            </a:pPr>
             <a:r>
               <a:rPr lang="en-US" altLang="zh-TW" dirty="0"/>
               <a:t>AEDT</a:t>
             </a:r>
             <a:r>
               <a:rPr lang="zh-TW" altLang="en-US" dirty="0"/>
-              <a:t>函式庫分成</a:t>
-            </a:r>
-            <a:r>
-              <a:rPr lang="en-US" altLang="zh-TW" dirty="0"/>
-              <a:t>Desktop, Project, Design, Editor, Module</a:t>
-            </a:r>
-            <a:r>
-              <a:rPr lang="zh-TW" altLang="en-US" dirty="0"/>
-              <a:t>等大類，</a:t>
-            </a:r>
-            <a:r>
-              <a:rPr lang="en-US" altLang="zh-TW" dirty="0"/>
-              <a:t>Module</a:t>
-            </a:r>
-            <a:r>
-              <a:rPr lang="zh-TW" altLang="en-US" dirty="0"/>
-              <a:t>底下又分成多個小類。比方說是要在專案底下加入新的設計，我們便可以使用</a:t>
-            </a:r>
-            <a:r>
-              <a:rPr lang="en-US" altLang="zh-TW" dirty="0" err="1"/>
-              <a:t>oProject.InsertDesign</a:t>
-            </a:r>
-            <a:r>
-              <a:rPr lang="en-US" altLang="zh-TW" dirty="0"/>
-              <a:t>()</a:t>
-            </a:r>
-            <a:r>
-              <a:rPr lang="zh-TW" altLang="en-US" dirty="0"/>
-              <a:t>函數來完成。從功能區分，可分成</a:t>
-            </a:r>
-            <a:r>
-              <a:rPr lang="en-US" altLang="zh-TW" dirty="0"/>
-              <a:t>CURD(Create: </a:t>
-            </a:r>
-            <a:r>
-              <a:rPr lang="zh-TW" altLang="en-US" dirty="0"/>
-              <a:t>建立</a:t>
-            </a:r>
-            <a:r>
-              <a:rPr lang="en-US" altLang="zh-TW" dirty="0"/>
-              <a:t>, Update:</a:t>
-            </a:r>
-            <a:r>
-              <a:rPr lang="zh-TW" altLang="en-US" dirty="0"/>
-              <a:t>更新</a:t>
-            </a:r>
-            <a:r>
-              <a:rPr lang="en-US" altLang="zh-TW" dirty="0"/>
-              <a:t>, Read:</a:t>
-            </a:r>
-            <a:r>
-              <a:rPr lang="zh-TW" altLang="en-US" dirty="0"/>
-              <a:t>讀取</a:t>
-            </a:r>
-            <a:r>
-              <a:rPr lang="en-US" altLang="zh-TW" dirty="0"/>
-              <a:t>, Delete:</a:t>
-            </a:r>
-            <a:r>
-              <a:rPr lang="zh-TW" altLang="en-US" dirty="0"/>
-              <a:t>刪除</a:t>
-            </a:r>
-            <a:r>
-              <a:rPr lang="en-US" altLang="zh-TW" dirty="0"/>
-              <a:t>)</a:t>
-            </a:r>
-            <a:r>
-              <a:rPr lang="zh-TW" altLang="en-US" dirty="0"/>
-              <a:t>四大塊。</a:t>
-            </a:r>
-            <a:endParaRPr lang="en-US" altLang="zh-TW" dirty="0"/>
-          </a:p>
-          <a:p>
-            <a:pPr marL="0" indent="0">
-              <a:buNone/>
-            </a:pPr>
-            <a:endParaRPr lang="en-US" altLang="zh-TW" dirty="0"/>
-          </a:p>
-          <a:p>
-            <a:pPr marL="0" indent="0">
-              <a:buNone/>
-            </a:pPr>
-            <a:r>
-              <a:rPr lang="zh-TW" altLang="en-US" dirty="0"/>
-              <a:t>比方說是</a:t>
-            </a:r>
-            <a:r>
-              <a:rPr lang="en-US" altLang="zh-TW" dirty="0" err="1"/>
-              <a:t>InsertDesign</a:t>
-            </a:r>
-            <a:r>
-              <a:rPr lang="en-US" altLang="zh-TW" dirty="0"/>
-              <a:t>()</a:t>
-            </a:r>
-            <a:r>
-              <a:rPr lang="zh-TW" altLang="en-US" dirty="0"/>
-              <a:t>屬於建立</a:t>
-            </a:r>
-            <a:r>
-              <a:rPr lang="en-US" altLang="zh-TW" dirty="0"/>
-              <a:t>, </a:t>
-            </a:r>
-            <a:r>
-              <a:rPr lang="en-US" altLang="zh-TW" dirty="0" err="1"/>
-              <a:t>SetActiveDesign</a:t>
-            </a:r>
-            <a:r>
-              <a:rPr lang="en-US" altLang="zh-TW" dirty="0"/>
-              <a:t>()</a:t>
-            </a:r>
-            <a:r>
-              <a:rPr lang="zh-TW" altLang="en-US" dirty="0"/>
-              <a:t>算是更新，</a:t>
-            </a:r>
-            <a:r>
-              <a:rPr lang="en-US" altLang="zh-TW" dirty="0" err="1"/>
-              <a:t>GetName</a:t>
-            </a:r>
-            <a:r>
-              <a:rPr lang="en-US" altLang="zh-TW" dirty="0"/>
-              <a:t>()</a:t>
-            </a:r>
-            <a:r>
-              <a:rPr lang="zh-TW" altLang="en-US" dirty="0"/>
-              <a:t>屬於讀取，</a:t>
-            </a:r>
-            <a:r>
-              <a:rPr lang="en-US" altLang="zh-TW" dirty="0" err="1"/>
-              <a:t>CutDesign</a:t>
-            </a:r>
-            <a:r>
-              <a:rPr lang="en-US" altLang="zh-TW" dirty="0"/>
-              <a:t>()</a:t>
-            </a:r>
-            <a:r>
-              <a:rPr lang="zh-TW" altLang="en-US" dirty="0"/>
-              <a:t>屬於刪除。當中</a:t>
-            </a:r>
-            <a:r>
-              <a:rPr lang="en-US" altLang="zh-TW" dirty="0"/>
-              <a:t>CUD</a:t>
-            </a:r>
-            <a:r>
-              <a:rPr lang="zh-TW" altLang="en-US" dirty="0"/>
-              <a:t>類可以透過錄製得到，而</a:t>
-            </a:r>
-            <a:r>
-              <a:rPr lang="en-US" altLang="zh-TW" dirty="0"/>
-              <a:t>R</a:t>
-            </a:r>
-            <a:r>
-              <a:rPr lang="zh-TW" altLang="en-US" dirty="0"/>
-              <a:t>類需要透過文件來查找。</a:t>
-            </a:r>
-            <a:endParaRPr lang="en-US" altLang="zh-TW" dirty="0"/>
-          </a:p>
-          <a:p>
-            <a:pPr marL="0" indent="0">
-              <a:buNone/>
-            </a:pPr>
-            <a:endParaRPr lang="en-US" altLang="zh-TW" dirty="0"/>
-          </a:p>
-          <a:p>
-            <a:pPr marL="0" indent="0">
-              <a:buNone/>
-            </a:pPr>
-            <a:r>
-              <a:rPr lang="zh-TW" altLang="en-US" dirty="0"/>
-              <a:t>關於函式庫的</a:t>
-            </a:r>
-            <a:r>
-              <a:rPr lang="en-US" altLang="zh-TW" dirty="0"/>
-              <a:t>Help</a:t>
-            </a:r>
-            <a:r>
-              <a:rPr lang="zh-TW" altLang="en-US" dirty="0"/>
-              <a:t>檔可以在</a:t>
-            </a:r>
-            <a:r>
-              <a:rPr lang="en-US" altLang="zh-TW" dirty="0"/>
-              <a:t>C:\Program Files\</a:t>
-            </a:r>
-            <a:r>
-              <a:rPr lang="en-US" altLang="zh-TW" dirty="0" err="1"/>
-              <a:t>AnsysEM</a:t>
-            </a:r>
-            <a:r>
-              <a:rPr lang="en-US" altLang="zh-TW" dirty="0"/>
-              <a:t>\AnsysEM20.1\Win64\Help</a:t>
-            </a:r>
-            <a:r>
-              <a:rPr lang="zh-TW" altLang="en-US" dirty="0"/>
-              <a:t>底下找到</a:t>
-            </a:r>
-            <a:r>
-              <a:rPr lang="en-US" altLang="zh-TW" dirty="0"/>
-              <a:t>ScriptingGuide.pdf</a:t>
-            </a:r>
-            <a:r>
-              <a:rPr lang="zh-TW" altLang="en-US" dirty="0"/>
-              <a:t>當中詳細說明了函式的功能及使用方法。</a:t>
-            </a:r>
-          </a:p>
-          <a:p>
-            <a:endParaRPr lang="zh-TW" altLang="en-US" dirty="0"/>
+              <a:t>函式庫架構</a:t>
+            </a:r>
           </a:p>
         </p:txBody>
       </p:sp>
       <p:sp>
         <p:nvSpPr>
-          <p:cNvPr id="4" name="標題 3">
-            <a:extLst>
-              <a:ext uri="{FF2B5EF4-FFF2-40B4-BE49-F238E27FC236}">
-                <a16:creationId xmlns:a16="http://schemas.microsoft.com/office/drawing/2014/main" id="{06DA0EB8-8083-49B8-89F6-5CA68A99C6B7}"/>
+          <p:cNvPr id="5" name="文字版面配置區 4">
+            <a:extLst>
+              <a:ext uri="{FF2B5EF4-FFF2-40B4-BE49-F238E27FC236}">
+                <a16:creationId xmlns:a16="http://schemas.microsoft.com/office/drawing/2014/main" id="{CEE2A55E-C73D-43FF-AA36-95C0FF95B7B1}"/>
               </a:ext>
             </a:extLst>
           </p:cNvPr>
@@ -13239,7 +13759,7 @@
             <a:spLocks noGrp="1"/>
           </p:cNvSpPr>
           <p:nvPr>
-            <p:ph type="title"/>
+            <p:ph type="body" sz="quarter" idx="12"/>
           </p:nvPr>
         </p:nvSpPr>
         <p:spPr/>
@@ -13247,25 +13767,14 @@
           <a:bodyPr/>
           <a:lstStyle/>
           <a:p>
-            <a:r>
-              <a:rPr lang="en-US" altLang="zh-TW" dirty="0"/>
-              <a:t>AEDT</a:t>
-            </a:r>
-            <a:r>
-              <a:rPr lang="zh-TW" altLang="en-US" dirty="0"/>
-              <a:t>函式庫的簡單介紹</a:t>
-            </a:r>
-            <a:br>
-              <a:rPr lang="zh-TW" altLang="en-US" dirty="0"/>
-            </a:br>
-            <a:endParaRPr lang="zh-TW" altLang="en-US" dirty="0"/>
+            <a:endParaRPr lang="zh-TW" altLang="en-US"/>
           </a:p>
         </p:txBody>
       </p:sp>
     </p:spTree>
     <p:extLst>
       <p:ext uri="{BB962C8B-B14F-4D97-AF65-F5344CB8AC3E}">
-        <p14:creationId xmlns:p14="http://schemas.microsoft.com/office/powerpoint/2010/main" val="150404640"/>
+        <p14:creationId xmlns:p14="http://schemas.microsoft.com/office/powerpoint/2010/main" val="2189207556"/>
       </p:ext>
     </p:extLst>
   </p:cSld>
@@ -13306,10 +13815,10 @@
       </p:grpSpPr>
       <p:sp>
         <p:nvSpPr>
-          <p:cNvPr id="2" name="內容版面配置區 1">
-            <a:extLst>
-              <a:ext uri="{FF2B5EF4-FFF2-40B4-BE49-F238E27FC236}">
-                <a16:creationId xmlns:a16="http://schemas.microsoft.com/office/drawing/2014/main" id="{B76EC892-7C67-495C-8FF9-2A83D1505032}"/>
+          <p:cNvPr id="5" name="內容版面配置區 4">
+            <a:extLst>
+              <a:ext uri="{FF2B5EF4-FFF2-40B4-BE49-F238E27FC236}">
+                <a16:creationId xmlns:a16="http://schemas.microsoft.com/office/drawing/2014/main" id="{47CD2DC4-DBF9-4379-9E92-A3F1027C98CE}"/>
               </a:ext>
             </a:extLst>
           </p:cNvPr>
@@ -13329,65 +13838,100 @@
               <a:buNone/>
             </a:pPr>
             <a:r>
-              <a:rPr lang="zh-TW" altLang="en-US" dirty="0"/>
-              <a:t>要理解函式，必須先從輸出入著手。一個函式可以有多個輸入參數，也可以沒有輸入參數。必須以正確的資料型態傳入參數，函式才能正常地完成運算或執行動作。假設參數</a:t>
-            </a:r>
-            <a:r>
-              <a:rPr lang="en-US" altLang="zh-TW" dirty="0"/>
-              <a:t>x</a:t>
-            </a:r>
-            <a:r>
-              <a:rPr lang="zh-TW" altLang="en-US" dirty="0"/>
-              <a:t>是以字串表示的數值，舉例來說“</a:t>
-            </a:r>
-            <a:r>
-              <a:rPr lang="en-US" altLang="zh-TW" dirty="0"/>
-              <a:t>23”</a:t>
-            </a:r>
-            <a:r>
-              <a:rPr lang="zh-TW" altLang="en-US" dirty="0"/>
-              <a:t>，那麼以整數型別傳入</a:t>
-            </a:r>
-            <a:r>
-              <a:rPr lang="en-US" altLang="zh-TW" dirty="0"/>
-              <a:t>23</a:t>
-            </a:r>
-            <a:r>
-              <a:rPr lang="zh-TW" altLang="en-US" dirty="0"/>
-              <a:t>是不被接受的。這是初學者經常犯的錯誤。同樣的，返回資料的型態可能是單純的整數或字串，也可能是物件。清楚返回值的資料格式才能正確的加以處理。在閱讀</a:t>
-            </a:r>
-            <a:r>
               <a:rPr lang="en-US" altLang="zh-TW" dirty="0"/>
               <a:t>AEDT</a:t>
             </a:r>
             <a:r>
               <a:rPr lang="zh-TW" altLang="en-US" dirty="0"/>
-              <a:t>的函式說明時，先觀察輸入參數的型別，必要時可以編寫程式碼片段來測試。</a:t>
-            </a:r>
-            <a:endParaRPr lang="en-US" altLang="zh-TW" dirty="0"/>
-          </a:p>
-          <a:p>
+              <a:t>函式庫分成</a:t>
+            </a:r>
+            <a:r>
+              <a:rPr lang="en-US" altLang="zh-TW" dirty="0"/>
+              <a:t>Desktop, Project, Design, Editor, Module</a:t>
+            </a:r>
+            <a:r>
+              <a:rPr lang="zh-TW" altLang="en-US" dirty="0"/>
+              <a:t>等大類，</a:t>
+            </a:r>
+            <a:r>
+              <a:rPr lang="en-US" altLang="zh-TW" dirty="0"/>
+              <a:t>Module</a:t>
+            </a:r>
+            <a:r>
+              <a:rPr lang="zh-TW" altLang="en-US" dirty="0"/>
+              <a:t>底下又分成多個小類。比方說是要在專案底下加入新的設計，我們便可以使用</a:t>
+            </a:r>
+            <a:r>
+              <a:rPr lang="en-US" altLang="zh-TW" dirty="0" err="1"/>
+              <a:t>oProject.InsertDesign</a:t>
+            </a:r>
+            <a:r>
+              <a:rPr lang="en-US" altLang="zh-TW" dirty="0"/>
+              <a:t>()</a:t>
+            </a:r>
+            <a:r>
+              <a:rPr lang="zh-TW" altLang="en-US" dirty="0"/>
+              <a:t>函數來完成。從功能區分，可分成</a:t>
+            </a:r>
+            <a:r>
+              <a:rPr lang="en-US" altLang="zh-TW" dirty="0"/>
+              <a:t>CURD(Create: </a:t>
+            </a:r>
+            <a:r>
+              <a:rPr lang="zh-TW" altLang="en-US" dirty="0"/>
+              <a:t>建立</a:t>
+            </a:r>
+            <a:r>
+              <a:rPr lang="en-US" altLang="zh-TW" dirty="0"/>
+              <a:t>, Update:</a:t>
+            </a:r>
+            <a:r>
+              <a:rPr lang="zh-TW" altLang="en-US" dirty="0"/>
+              <a:t>更新</a:t>
+            </a:r>
+            <a:r>
+              <a:rPr lang="en-US" altLang="zh-TW" dirty="0"/>
+              <a:t>, Read:</a:t>
+            </a:r>
+            <a:r>
+              <a:rPr lang="zh-TW" altLang="en-US" dirty="0"/>
+              <a:t>讀取</a:t>
+            </a:r>
+            <a:r>
+              <a:rPr lang="en-US" altLang="zh-TW" dirty="0"/>
+              <a:t>, Delete:</a:t>
+            </a:r>
+            <a:r>
+              <a:rPr lang="zh-TW" altLang="en-US" dirty="0"/>
+              <a:t>刪除</a:t>
+            </a:r>
+            <a:r>
+              <a:rPr lang="en-US" altLang="zh-TW" dirty="0"/>
+              <a:t>)</a:t>
+            </a:r>
+            <a:r>
+              <a:rPr lang="zh-TW" altLang="en-US" dirty="0"/>
+              <a:t>四大塊。</a:t>
+            </a:r>
             <a:endParaRPr lang="en-US" altLang="zh-TW" dirty="0"/>
           </a:p>
           <a:p>
             <a:pPr marL="0" indent="0">
               <a:buNone/>
             </a:pPr>
+            <a:endParaRPr lang="en-US" altLang="zh-TW" dirty="0"/>
+          </a:p>
+          <a:p>
+            <a:pPr marL="0" indent="0">
+              <a:buNone/>
+            </a:pPr>
             <a:r>
               <a:rPr lang="zh-TW" altLang="en-US" dirty="0"/>
-              <a:t>如果要判斷返回資料的格式，最簡單的方式便是利用</a:t>
-            </a:r>
-            <a:r>
-              <a:rPr lang="en-US" altLang="zh-TW" dirty="0"/>
-              <a:t>type()</a:t>
-            </a:r>
-            <a:r>
-              <a:rPr lang="zh-TW" altLang="en-US" dirty="0"/>
-              <a:t>來得到資料型態，透過</a:t>
+              <a:t>比方說是</a:t>
             </a:r>
             <a:r>
               <a:rPr lang="en-US" altLang="zh-TW" dirty="0" err="1"/>
-              <a:t>dir</a:t>
+              <a:t>InsertDesign</a:t>
             </a:r>
             <a:r>
               <a:rPr lang="en-US" altLang="zh-TW" dirty="0"/>
@@ -13395,7 +13939,111 @@
             </a:r>
             <a:r>
               <a:rPr lang="zh-TW" altLang="en-US" dirty="0"/>
-              <a:t>來得到可以使用的方法。這裡舉一個簡單的例子：</a:t>
+              <a:t>屬於建立</a:t>
+            </a:r>
+            <a:r>
+              <a:rPr lang="en-US" altLang="zh-TW" dirty="0"/>
+              <a:t>, </a:t>
+            </a:r>
+            <a:r>
+              <a:rPr lang="en-US" altLang="zh-TW" dirty="0" err="1"/>
+              <a:t>SetActiveDesign</a:t>
+            </a:r>
+            <a:r>
+              <a:rPr lang="en-US" altLang="zh-TW" dirty="0"/>
+              <a:t>()</a:t>
+            </a:r>
+            <a:r>
+              <a:rPr lang="zh-TW" altLang="en-US" dirty="0"/>
+              <a:t>算是更新，</a:t>
+            </a:r>
+            <a:r>
+              <a:rPr lang="en-US" altLang="zh-TW" dirty="0" err="1"/>
+              <a:t>GetName</a:t>
+            </a:r>
+            <a:r>
+              <a:rPr lang="en-US" altLang="zh-TW" dirty="0"/>
+              <a:t>()</a:t>
+            </a:r>
+            <a:r>
+              <a:rPr lang="zh-TW" altLang="en-US" dirty="0"/>
+              <a:t>屬於讀取，</a:t>
+            </a:r>
+            <a:r>
+              <a:rPr lang="en-US" altLang="zh-TW" dirty="0" err="1"/>
+              <a:t>CutDesign</a:t>
+            </a:r>
+            <a:r>
+              <a:rPr lang="en-US" altLang="zh-TW" dirty="0"/>
+              <a:t>()</a:t>
+            </a:r>
+            <a:r>
+              <a:rPr lang="zh-TW" altLang="en-US" dirty="0"/>
+              <a:t>屬於刪除。當中</a:t>
+            </a:r>
+            <a:r>
+              <a:rPr lang="en-US" altLang="zh-TW" dirty="0"/>
+              <a:t>CUD</a:t>
+            </a:r>
+            <a:r>
+              <a:rPr lang="zh-TW" altLang="en-US" dirty="0"/>
+              <a:t>類可以透過錄製得到，而</a:t>
+            </a:r>
+            <a:r>
+              <a:rPr lang="en-US" altLang="zh-TW" dirty="0"/>
+              <a:t>R</a:t>
+            </a:r>
+            <a:r>
+              <a:rPr lang="zh-TW" altLang="en-US" dirty="0"/>
+              <a:t>類需要透過文件來查找。</a:t>
+            </a:r>
+            <a:endParaRPr lang="en-US" altLang="zh-TW" dirty="0"/>
+          </a:p>
+          <a:p>
+            <a:pPr marL="0" indent="0">
+              <a:buNone/>
+            </a:pPr>
+            <a:endParaRPr lang="en-US" altLang="zh-TW" dirty="0"/>
+          </a:p>
+          <a:p>
+            <a:pPr marL="0" indent="0">
+              <a:buNone/>
+            </a:pPr>
+            <a:r>
+              <a:rPr lang="zh-TW" altLang="en-US" dirty="0"/>
+              <a:t>關於函式庫的</a:t>
+            </a:r>
+            <a:r>
+              <a:rPr lang="en-US" altLang="zh-TW" dirty="0"/>
+              <a:t>Help</a:t>
+            </a:r>
+            <a:r>
+              <a:rPr lang="zh-TW" altLang="en-US" dirty="0"/>
+              <a:t>檔可以在</a:t>
+            </a:r>
+            <a:r>
+              <a:rPr lang="en-US" altLang="zh-TW" dirty="0"/>
+              <a:t>C:\Program Files\</a:t>
+            </a:r>
+            <a:r>
+              <a:rPr lang="en-US" altLang="zh-TW" dirty="0" err="1"/>
+              <a:t>AnsysEM</a:t>
+            </a:r>
+            <a:r>
+              <a:rPr lang="en-US" altLang="zh-TW" dirty="0"/>
+              <a:t>\AnsysEM20.1\Win64\Help</a:t>
+            </a:r>
+            <a:r>
+              <a:rPr lang="zh-TW" altLang="en-US" dirty="0"/>
+              <a:t>底下找到</a:t>
+            </a:r>
+            <a:r>
+              <a:rPr lang="en-US" altLang="zh-TW" dirty="0"/>
+              <a:t>ScriptingGuide.pdf</a:t>
+            </a:r>
+            <a:r>
+              <a:rPr lang="zh-TW" altLang="en-US" dirty="0"/>
+              <a:t>當中詳細說明了函式的功能及使用方法。</a:t>
             </a:r>
           </a:p>
           <a:p>
@@ -13405,10 +14053,10 @@
       </p:sp>
       <p:sp>
         <p:nvSpPr>
-          <p:cNvPr id="3" name="標題 2">
-            <a:extLst>
-              <a:ext uri="{FF2B5EF4-FFF2-40B4-BE49-F238E27FC236}">
-                <a16:creationId xmlns:a16="http://schemas.microsoft.com/office/drawing/2014/main" id="{27AACF31-B26F-4D1C-856A-7B09BF30E133}"/>
+          <p:cNvPr id="4" name="標題 3">
+            <a:extLst>
+              <a:ext uri="{FF2B5EF4-FFF2-40B4-BE49-F238E27FC236}">
+                <a16:creationId xmlns:a16="http://schemas.microsoft.com/office/drawing/2014/main" id="{06DA0EB8-8083-49B8-89F6-5CA68A99C6B7}"/>
               </a:ext>
             </a:extLst>
           </p:cNvPr>
@@ -13425,24 +14073,24 @@
           <a:lstStyle/>
           <a:p>
             <a:r>
-              <a:rPr lang="zh-TW" altLang="en-US" dirty="0"/>
-              <a:t>如何理解</a:t>
-            </a:r>
-            <a:r>
               <a:rPr lang="en-US" altLang="zh-TW" dirty="0"/>
               <a:t>AEDT</a:t>
             </a:r>
             <a:r>
               <a:rPr lang="zh-TW" altLang="en-US" dirty="0"/>
-              <a:t>的函式</a:t>
-            </a:r>
+              <a:t>函式庫的簡單介紹</a:t>
+            </a:r>
+            <a:br>
+              <a:rPr lang="zh-TW" altLang="en-US" dirty="0"/>
+            </a:br>
+            <a:endParaRPr lang="zh-TW" altLang="en-US" dirty="0"/>
           </a:p>
         </p:txBody>
       </p:sp>
     </p:spTree>
     <p:extLst>
       <p:ext uri="{BB962C8B-B14F-4D97-AF65-F5344CB8AC3E}">
-        <p14:creationId xmlns:p14="http://schemas.microsoft.com/office/powerpoint/2010/main" val="634685143"/>
+        <p14:creationId xmlns:p14="http://schemas.microsoft.com/office/powerpoint/2010/main" val="150404640"/>
       </p:ext>
     </p:extLst>
   </p:cSld>

--- a/上課教材/Week4.pptx
+++ b/上課教材/Week4.pptx
@@ -9,18 +9,25 @@
     <p:sldId id="316" r:id="rId3"/>
     <p:sldId id="317" r:id="rId4"/>
     <p:sldId id="332" r:id="rId5"/>
-    <p:sldId id="329" r:id="rId6"/>
-    <p:sldId id="330" r:id="rId7"/>
+    <p:sldId id="333" r:id="rId6"/>
+    <p:sldId id="339" r:id="rId7"/>
     <p:sldId id="331" r:id="rId8"/>
-    <p:sldId id="272" r:id="rId9"/>
-    <p:sldId id="319" r:id="rId10"/>
-    <p:sldId id="320" r:id="rId11"/>
-    <p:sldId id="325" r:id="rId12"/>
-    <p:sldId id="328" r:id="rId13"/>
-    <p:sldId id="327" r:id="rId14"/>
-    <p:sldId id="323" r:id="rId15"/>
-    <p:sldId id="259" r:id="rId16"/>
-    <p:sldId id="312" r:id="rId17"/>
+    <p:sldId id="329" r:id="rId9"/>
+    <p:sldId id="330" r:id="rId10"/>
+    <p:sldId id="338" r:id="rId11"/>
+    <p:sldId id="334" r:id="rId12"/>
+    <p:sldId id="336" r:id="rId13"/>
+    <p:sldId id="337" r:id="rId14"/>
+    <p:sldId id="335" r:id="rId15"/>
+    <p:sldId id="272" r:id="rId16"/>
+    <p:sldId id="319" r:id="rId17"/>
+    <p:sldId id="320" r:id="rId18"/>
+    <p:sldId id="325" r:id="rId19"/>
+    <p:sldId id="328" r:id="rId20"/>
+    <p:sldId id="327" r:id="rId21"/>
+    <p:sldId id="323" r:id="rId22"/>
+    <p:sldId id="259" r:id="rId23"/>
+    <p:sldId id="312" r:id="rId24"/>
   </p:sldIdLst>
   <p:sldSz cx="12192000" cy="6858000"/>
   <p:notesSz cx="6858000" cy="9144000"/>
@@ -130,7 +137,7 @@
 <file path=ppt/revisionInfo.xml><?xml version="1.0" encoding="utf-8"?>
 <p1510:revInfo xmlns:a="http://schemas.openxmlformats.org/drawingml/2006/main" xmlns:r="http://schemas.openxmlformats.org/officeDocument/2006/relationships" xmlns:p1510="http://schemas.microsoft.com/office/powerpoint/2015/10/main">
   <p1510:revLst>
-    <p1510:client id="{091A637F-8D54-4E54-83E0-103516D33677}" v="176" dt="2020-06-09T00:06:28.786"/>
+    <p1510:client id="{091A637F-8D54-4E54-83E0-103516D33677}" v="506" dt="2020-06-11T02:02:30.965"/>
   </p1510:revLst>
 </p1510:revInfo>
 </file>
@@ -2027,7 +2034,7 @@
   <pc:docChgLst>
     <pc:chgData name="Ming-Chih Lin" userId="f1ba3ba5-e185-404b-b55f-b2be90e2bdc2" providerId="ADAL" clId="{091A637F-8D54-4E54-83E0-103516D33677}"/>
     <pc:docChg chg="undo custSel addSld delSld modSld sldOrd">
-      <pc:chgData name="Ming-Chih Lin" userId="f1ba3ba5-e185-404b-b55f-b2be90e2bdc2" providerId="ADAL" clId="{091A637F-8D54-4E54-83E0-103516D33677}" dt="2020-06-09T00:06:28.785" v="1069"/>
+      <pc:chgData name="Ming-Chih Lin" userId="f1ba3ba5-e185-404b-b55f-b2be90e2bdc2" providerId="ADAL" clId="{091A637F-8D54-4E54-83E0-103516D33677}" dt="2020-06-11T02:03:45.462" v="3391" actId="20577"/>
       <pc:docMkLst>
         <pc:docMk/>
       </pc:docMkLst>
@@ -2146,7 +2153,7 @@
         </pc:sldMkLst>
       </pc:sldChg>
       <pc:sldChg chg="addSp delSp modSp new mod modClrScheme chgLayout">
-        <pc:chgData name="Ming-Chih Lin" userId="f1ba3ba5-e185-404b-b55f-b2be90e2bdc2" providerId="ADAL" clId="{091A637F-8D54-4E54-83E0-103516D33677}" dt="2020-06-02T04:32:21.454" v="144"/>
+        <pc:chgData name="Ming-Chih Lin" userId="f1ba3ba5-e185-404b-b55f-b2be90e2bdc2" providerId="ADAL" clId="{091A637F-8D54-4E54-83E0-103516D33677}" dt="2020-06-11T02:02:03.077" v="3360"/>
         <pc:sldMkLst>
           <pc:docMk/>
           <pc:sldMk cId="150404640" sldId="319"/>
@@ -2176,7 +2183,7 @@
           </ac:spMkLst>
         </pc:spChg>
         <pc:spChg chg="add mod ord">
-          <ac:chgData name="Ming-Chih Lin" userId="f1ba3ba5-e185-404b-b55f-b2be90e2bdc2" providerId="ADAL" clId="{091A637F-8D54-4E54-83E0-103516D33677}" dt="2020-06-02T04:31:45.506" v="118" actId="20577"/>
+          <ac:chgData name="Ming-Chih Lin" userId="f1ba3ba5-e185-404b-b55f-b2be90e2bdc2" providerId="ADAL" clId="{091A637F-8D54-4E54-83E0-103516D33677}" dt="2020-06-11T02:02:03.077" v="3360"/>
           <ac:spMkLst>
             <pc:docMk/>
             <pc:sldMk cId="150404640" sldId="319"/>
@@ -2185,13 +2192,13 @@
         </pc:spChg>
       </pc:sldChg>
       <pc:sldChg chg="modSp new mod">
-        <pc:chgData name="Ming-Chih Lin" userId="f1ba3ba5-e185-404b-b55f-b2be90e2bdc2" providerId="ADAL" clId="{091A637F-8D54-4E54-83E0-103516D33677}" dt="2020-06-04T23:48:01.442" v="720" actId="12"/>
+        <pc:chgData name="Ming-Chih Lin" userId="f1ba3ba5-e185-404b-b55f-b2be90e2bdc2" providerId="ADAL" clId="{091A637F-8D54-4E54-83E0-103516D33677}" dt="2020-06-11T02:02:40.365" v="3374" actId="20577"/>
         <pc:sldMkLst>
           <pc:docMk/>
           <pc:sldMk cId="634685143" sldId="320"/>
         </pc:sldMkLst>
         <pc:spChg chg="mod">
-          <ac:chgData name="Ming-Chih Lin" userId="f1ba3ba5-e185-404b-b55f-b2be90e2bdc2" providerId="ADAL" clId="{091A637F-8D54-4E54-83E0-103516D33677}" dt="2020-06-04T23:48:01.442" v="720" actId="12"/>
+          <ac:chgData name="Ming-Chih Lin" userId="f1ba3ba5-e185-404b-b55f-b2be90e2bdc2" providerId="ADAL" clId="{091A637F-8D54-4E54-83E0-103516D33677}" dt="2020-06-11T02:02:40.365" v="3374" actId="20577"/>
           <ac:spMkLst>
             <pc:docMk/>
             <pc:sldMk cId="634685143" sldId="320"/>
@@ -2199,7 +2206,7 @@
           </ac:spMkLst>
         </pc:spChg>
         <pc:spChg chg="mod">
-          <ac:chgData name="Ming-Chih Lin" userId="f1ba3ba5-e185-404b-b55f-b2be90e2bdc2" providerId="ADAL" clId="{091A637F-8D54-4E54-83E0-103516D33677}" dt="2020-06-02T02:05:35.036" v="28"/>
+          <ac:chgData name="Ming-Chih Lin" userId="f1ba3ba5-e185-404b-b55f-b2be90e2bdc2" providerId="ADAL" clId="{091A637F-8D54-4E54-83E0-103516D33677}" dt="2020-06-11T02:02:30.965" v="3373"/>
           <ac:spMkLst>
             <pc:docMk/>
             <pc:sldMk cId="634685143" sldId="320"/>
@@ -2277,13 +2284,13 @@
         </pc:spChg>
       </pc:sldChg>
       <pc:sldChg chg="modSp add mod">
-        <pc:chgData name="Ming-Chih Lin" userId="f1ba3ba5-e185-404b-b55f-b2be90e2bdc2" providerId="ADAL" clId="{091A637F-8D54-4E54-83E0-103516D33677}" dt="2020-06-08T08:17:47.188" v="963"/>
+        <pc:chgData name="Ming-Chih Lin" userId="f1ba3ba5-e185-404b-b55f-b2be90e2bdc2" providerId="ADAL" clId="{091A637F-8D54-4E54-83E0-103516D33677}" dt="2020-06-11T00:53:38.929" v="1189"/>
         <pc:sldMkLst>
           <pc:docMk/>
           <pc:sldMk cId="2181700493" sldId="323"/>
         </pc:sldMkLst>
         <pc:spChg chg="mod">
-          <ac:chgData name="Ming-Chih Lin" userId="f1ba3ba5-e185-404b-b55f-b2be90e2bdc2" providerId="ADAL" clId="{091A637F-8D54-4E54-83E0-103516D33677}" dt="2020-06-08T08:17:47.188" v="963"/>
+          <ac:chgData name="Ming-Chih Lin" userId="f1ba3ba5-e185-404b-b55f-b2be90e2bdc2" providerId="ADAL" clId="{091A637F-8D54-4E54-83E0-103516D33677}" dt="2020-06-11T00:53:38.929" v="1189"/>
           <ac:spMkLst>
             <pc:docMk/>
             <pc:sldMk cId="2181700493" sldId="323"/>
@@ -2299,7 +2306,7 @@
         </pc:sldMkLst>
       </pc:sldChg>
       <pc:sldChg chg="addSp delSp modSp new mod ord modClrScheme chgLayout">
-        <pc:chgData name="Ming-Chih Lin" userId="f1ba3ba5-e185-404b-b55f-b2be90e2bdc2" providerId="ADAL" clId="{091A637F-8D54-4E54-83E0-103516D33677}" dt="2020-06-04T23:44:42.373" v="689"/>
+        <pc:chgData name="Ming-Chih Lin" userId="f1ba3ba5-e185-404b-b55f-b2be90e2bdc2" providerId="ADAL" clId="{091A637F-8D54-4E54-83E0-103516D33677}" dt="2020-06-11T02:03:19.110" v="3388" actId="20577"/>
         <pc:sldMkLst>
           <pc:docMk/>
           <pc:sldMk cId="224239816" sldId="325"/>
@@ -2337,7 +2344,7 @@
           </ac:spMkLst>
         </pc:spChg>
         <pc:spChg chg="add mod ord">
-          <ac:chgData name="Ming-Chih Lin" userId="f1ba3ba5-e185-404b-b55f-b2be90e2bdc2" providerId="ADAL" clId="{091A637F-8D54-4E54-83E0-103516D33677}" dt="2020-06-02T04:30:57.984" v="106" actId="5793"/>
+          <ac:chgData name="Ming-Chih Lin" userId="f1ba3ba5-e185-404b-b55f-b2be90e2bdc2" providerId="ADAL" clId="{091A637F-8D54-4E54-83E0-103516D33677}" dt="2020-06-11T02:03:19.110" v="3388" actId="20577"/>
           <ac:spMkLst>
             <pc:docMk/>
             <pc:sldMk cId="224239816" sldId="325"/>
@@ -2584,14 +2591,14 @@
           </ac:spMkLst>
         </pc:spChg>
       </pc:sldChg>
-      <pc:sldChg chg="modSp add mod">
-        <pc:chgData name="Ming-Chih Lin" userId="f1ba3ba5-e185-404b-b55f-b2be90e2bdc2" providerId="ADAL" clId="{091A637F-8D54-4E54-83E0-103516D33677}" dt="2020-06-08T08:21:36.342" v="1068" actId="20577"/>
+      <pc:sldChg chg="modSp add mod ord">
+        <pc:chgData name="Ming-Chih Lin" userId="f1ba3ba5-e185-404b-b55f-b2be90e2bdc2" providerId="ADAL" clId="{091A637F-8D54-4E54-83E0-103516D33677}" dt="2020-06-11T00:49:51.181" v="1110"/>
         <pc:sldMkLst>
           <pc:docMk/>
           <pc:sldMk cId="3005715725" sldId="331"/>
         </pc:sldMkLst>
         <pc:spChg chg="mod">
-          <ac:chgData name="Ming-Chih Lin" userId="f1ba3ba5-e185-404b-b55f-b2be90e2bdc2" providerId="ADAL" clId="{091A637F-8D54-4E54-83E0-103516D33677}" dt="2020-06-08T08:21:36.342" v="1068" actId="20577"/>
+          <ac:chgData name="Ming-Chih Lin" userId="f1ba3ba5-e185-404b-b55f-b2be90e2bdc2" providerId="ADAL" clId="{091A637F-8D54-4E54-83E0-103516D33677}" dt="2020-06-11T00:49:37.301" v="1108" actId="5793"/>
           <ac:spMkLst>
             <pc:docMk/>
             <pc:sldMk cId="3005715725" sldId="331"/>
@@ -2619,6 +2626,263 @@
             <pc:docMk/>
             <pc:sldMk cId="2201880862" sldId="332"/>
             <ac:spMk id="3" creationId="{393D0B58-B171-4E4C-B422-399DB218A3BA}"/>
+          </ac:spMkLst>
+        </pc:spChg>
+      </pc:sldChg>
+      <pc:sldChg chg="addSp delSp modSp new mod ord">
+        <pc:chgData name="Ming-Chih Lin" userId="f1ba3ba5-e185-404b-b55f-b2be90e2bdc2" providerId="ADAL" clId="{091A637F-8D54-4E54-83E0-103516D33677}" dt="2020-06-11T01:12:08.113" v="1799" actId="20577"/>
+        <pc:sldMkLst>
+          <pc:docMk/>
+          <pc:sldMk cId="3521337715" sldId="333"/>
+        </pc:sldMkLst>
+        <pc:spChg chg="mod">
+          <ac:chgData name="Ming-Chih Lin" userId="f1ba3ba5-e185-404b-b55f-b2be90e2bdc2" providerId="ADAL" clId="{091A637F-8D54-4E54-83E0-103516D33677}" dt="2020-06-11T01:12:08.113" v="1799" actId="20577"/>
+          <ac:spMkLst>
+            <pc:docMk/>
+            <pc:sldMk cId="3521337715" sldId="333"/>
+            <ac:spMk id="2" creationId="{3C0836BA-41C1-4877-85B9-A657301C71C9}"/>
+          </ac:spMkLst>
+        </pc:spChg>
+        <pc:spChg chg="mod">
+          <ac:chgData name="Ming-Chih Lin" userId="f1ba3ba5-e185-404b-b55f-b2be90e2bdc2" providerId="ADAL" clId="{091A637F-8D54-4E54-83E0-103516D33677}" dt="2020-06-11T00:45:23.908" v="1073"/>
+          <ac:spMkLst>
+            <pc:docMk/>
+            <pc:sldMk cId="3521337715" sldId="333"/>
+            <ac:spMk id="3" creationId="{8CFF7B32-9BBF-4B28-B5CF-3F687B116FF4}"/>
+          </ac:spMkLst>
+        </pc:spChg>
+        <pc:picChg chg="add del mod">
+          <ac:chgData name="Ming-Chih Lin" userId="f1ba3ba5-e185-404b-b55f-b2be90e2bdc2" providerId="ADAL" clId="{091A637F-8D54-4E54-83E0-103516D33677}" dt="2020-06-11T00:48:10.480" v="1092" actId="478"/>
+          <ac:picMkLst>
+            <pc:docMk/>
+            <pc:sldMk cId="3521337715" sldId="333"/>
+            <ac:picMk id="5" creationId="{E702C5BC-E741-4C9C-866D-AD7C0CC315A8}"/>
+          </ac:picMkLst>
+        </pc:picChg>
+        <pc:picChg chg="add mod">
+          <ac:chgData name="Ming-Chih Lin" userId="f1ba3ba5-e185-404b-b55f-b2be90e2bdc2" providerId="ADAL" clId="{091A637F-8D54-4E54-83E0-103516D33677}" dt="2020-06-11T00:49:20.416" v="1104" actId="1076"/>
+          <ac:picMkLst>
+            <pc:docMk/>
+            <pc:sldMk cId="3521337715" sldId="333"/>
+            <ac:picMk id="7" creationId="{F0558DBF-4236-46EA-989C-10E46F417DAE}"/>
+          </ac:picMkLst>
+        </pc:picChg>
+        <pc:picChg chg="add del mod">
+          <ac:chgData name="Ming-Chih Lin" userId="f1ba3ba5-e185-404b-b55f-b2be90e2bdc2" providerId="ADAL" clId="{091A637F-8D54-4E54-83E0-103516D33677}" dt="2020-06-11T00:49:04.207" v="1098" actId="478"/>
+          <ac:picMkLst>
+            <pc:docMk/>
+            <pc:sldMk cId="3521337715" sldId="333"/>
+            <ac:picMk id="9" creationId="{FB845E3A-7BEA-4518-A120-20145C3E4220}"/>
+          </ac:picMkLst>
+        </pc:picChg>
+        <pc:picChg chg="add del mod">
+          <ac:chgData name="Ming-Chih Lin" userId="f1ba3ba5-e185-404b-b55f-b2be90e2bdc2" providerId="ADAL" clId="{091A637F-8D54-4E54-83E0-103516D33677}" dt="2020-06-11T00:49:01.585" v="1096" actId="478"/>
+          <ac:picMkLst>
+            <pc:docMk/>
+            <pc:sldMk cId="3521337715" sldId="333"/>
+            <ac:picMk id="11" creationId="{F2D591C5-F8A5-4AE2-BC94-EAB39EAA26C7}"/>
+          </ac:picMkLst>
+        </pc:picChg>
+      </pc:sldChg>
+      <pc:sldChg chg="modSp new mod">
+        <pc:chgData name="Ming-Chih Lin" userId="f1ba3ba5-e185-404b-b55f-b2be90e2bdc2" providerId="ADAL" clId="{091A637F-8D54-4E54-83E0-103516D33677}" dt="2020-06-11T02:00:27.657" v="3280"/>
+        <pc:sldMkLst>
+          <pc:docMk/>
+          <pc:sldMk cId="2710371858" sldId="334"/>
+        </pc:sldMkLst>
+        <pc:spChg chg="mod">
+          <ac:chgData name="Ming-Chih Lin" userId="f1ba3ba5-e185-404b-b55f-b2be90e2bdc2" providerId="ADAL" clId="{091A637F-8D54-4E54-83E0-103516D33677}" dt="2020-06-11T02:00:27.657" v="3280"/>
+          <ac:spMkLst>
+            <pc:docMk/>
+            <pc:sldMk cId="2710371858" sldId="334"/>
+            <ac:spMk id="2" creationId="{A0020F58-1EEF-43C7-9991-37A91C5F9028}"/>
+          </ac:spMkLst>
+        </pc:spChg>
+        <pc:spChg chg="mod">
+          <ac:chgData name="Ming-Chih Lin" userId="f1ba3ba5-e185-404b-b55f-b2be90e2bdc2" providerId="ADAL" clId="{091A637F-8D54-4E54-83E0-103516D33677}" dt="2020-06-11T01:43:08.025" v="2678"/>
+          <ac:spMkLst>
+            <pc:docMk/>
+            <pc:sldMk cId="2710371858" sldId="334"/>
+            <ac:spMk id="3" creationId="{C9442E6B-24EF-46B1-A592-A7969CC70BC4}"/>
+          </ac:spMkLst>
+        </pc:spChg>
+      </pc:sldChg>
+      <pc:sldChg chg="addSp delSp modSp new mod ord">
+        <pc:chgData name="Ming-Chih Lin" userId="f1ba3ba5-e185-404b-b55f-b2be90e2bdc2" providerId="ADAL" clId="{091A637F-8D54-4E54-83E0-103516D33677}" dt="2020-06-11T01:42:31.341" v="2638" actId="1076"/>
+        <pc:sldMkLst>
+          <pc:docMk/>
+          <pc:sldMk cId="3025016352" sldId="335"/>
+        </pc:sldMkLst>
+        <pc:spChg chg="del mod">
+          <ac:chgData name="Ming-Chih Lin" userId="f1ba3ba5-e185-404b-b55f-b2be90e2bdc2" providerId="ADAL" clId="{091A637F-8D54-4E54-83E0-103516D33677}" dt="2020-06-11T01:29:04.302" v="2447" actId="478"/>
+          <ac:spMkLst>
+            <pc:docMk/>
+            <pc:sldMk cId="3025016352" sldId="335"/>
+            <ac:spMk id="2" creationId="{FC05F11D-2706-4688-A391-5EF47491D9BC}"/>
+          </ac:spMkLst>
+        </pc:spChg>
+        <pc:spChg chg="mod">
+          <ac:chgData name="Ming-Chih Lin" userId="f1ba3ba5-e185-404b-b55f-b2be90e2bdc2" providerId="ADAL" clId="{091A637F-8D54-4E54-83E0-103516D33677}" dt="2020-06-11T01:27:54.415" v="2445"/>
+          <ac:spMkLst>
+            <pc:docMk/>
+            <pc:sldMk cId="3025016352" sldId="335"/>
+            <ac:spMk id="3" creationId="{F16C522D-2D84-47E3-89DE-079E01A60425}"/>
+          </ac:spMkLst>
+        </pc:spChg>
+        <pc:spChg chg="add del mod">
+          <ac:chgData name="Ming-Chih Lin" userId="f1ba3ba5-e185-404b-b55f-b2be90e2bdc2" providerId="ADAL" clId="{091A637F-8D54-4E54-83E0-103516D33677}" dt="2020-06-11T01:29:05.918" v="2448" actId="478"/>
+          <ac:spMkLst>
+            <pc:docMk/>
+            <pc:sldMk cId="3025016352" sldId="335"/>
+            <ac:spMk id="6" creationId="{5FAFFF69-3674-4284-A5E5-1AF2A6777C6D}"/>
+          </ac:spMkLst>
+        </pc:spChg>
+        <pc:picChg chg="add del mod">
+          <ac:chgData name="Ming-Chih Lin" userId="f1ba3ba5-e185-404b-b55f-b2be90e2bdc2" providerId="ADAL" clId="{091A637F-8D54-4E54-83E0-103516D33677}" dt="2020-06-11T01:29:00.580" v="2446" actId="478"/>
+          <ac:picMkLst>
+            <pc:docMk/>
+            <pc:sldMk cId="3025016352" sldId="335"/>
+            <ac:picMk id="4" creationId="{0A2EC464-5537-4AB0-9593-CA79DF7298E5}"/>
+          </ac:picMkLst>
+        </pc:picChg>
+        <pc:picChg chg="add del mod">
+          <ac:chgData name="Ming-Chih Lin" userId="f1ba3ba5-e185-404b-b55f-b2be90e2bdc2" providerId="ADAL" clId="{091A637F-8D54-4E54-83E0-103516D33677}" dt="2020-06-11T01:41:24.487" v="2627" actId="478"/>
+          <ac:picMkLst>
+            <pc:docMk/>
+            <pc:sldMk cId="3025016352" sldId="335"/>
+            <ac:picMk id="7" creationId="{F8B698C4-2A4C-48C6-B4C5-ADB3CD050AC3}"/>
+          </ac:picMkLst>
+        </pc:picChg>
+        <pc:picChg chg="add del mod">
+          <ac:chgData name="Ming-Chih Lin" userId="f1ba3ba5-e185-404b-b55f-b2be90e2bdc2" providerId="ADAL" clId="{091A637F-8D54-4E54-83E0-103516D33677}" dt="2020-06-11T01:41:46.634" v="2631" actId="478"/>
+          <ac:picMkLst>
+            <pc:docMk/>
+            <pc:sldMk cId="3025016352" sldId="335"/>
+            <ac:picMk id="8" creationId="{82652B9D-730A-4236-B5BC-3A599FAF7530}"/>
+          </ac:picMkLst>
+        </pc:picChg>
+        <pc:picChg chg="add mod">
+          <ac:chgData name="Ming-Chih Lin" userId="f1ba3ba5-e185-404b-b55f-b2be90e2bdc2" providerId="ADAL" clId="{091A637F-8D54-4E54-83E0-103516D33677}" dt="2020-06-11T01:41:31.025" v="2630" actId="14100"/>
+          <ac:picMkLst>
+            <pc:docMk/>
+            <pc:sldMk cId="3025016352" sldId="335"/>
+            <ac:picMk id="9" creationId="{57DD705B-BD79-429B-AD16-956668A83A24}"/>
+          </ac:picMkLst>
+        </pc:picChg>
+        <pc:picChg chg="add mod">
+          <ac:chgData name="Ming-Chih Lin" userId="f1ba3ba5-e185-404b-b55f-b2be90e2bdc2" providerId="ADAL" clId="{091A637F-8D54-4E54-83E0-103516D33677}" dt="2020-06-11T01:42:31.341" v="2638" actId="1076"/>
+          <ac:picMkLst>
+            <pc:docMk/>
+            <pc:sldMk cId="3025016352" sldId="335"/>
+            <ac:picMk id="10" creationId="{30A68B6E-356F-480A-9F67-2DC2386A1FC0}"/>
+          </ac:picMkLst>
+        </pc:picChg>
+      </pc:sldChg>
+      <pc:sldChg chg="modSp new mod">
+        <pc:chgData name="Ming-Chih Lin" userId="f1ba3ba5-e185-404b-b55f-b2be90e2bdc2" providerId="ADAL" clId="{091A637F-8D54-4E54-83E0-103516D33677}" dt="2020-06-11T01:21:13.137" v="2384" actId="20577"/>
+        <pc:sldMkLst>
+          <pc:docMk/>
+          <pc:sldMk cId="3498516507" sldId="336"/>
+        </pc:sldMkLst>
+        <pc:spChg chg="mod">
+          <ac:chgData name="Ming-Chih Lin" userId="f1ba3ba5-e185-404b-b55f-b2be90e2bdc2" providerId="ADAL" clId="{091A637F-8D54-4E54-83E0-103516D33677}" dt="2020-06-11T01:21:13.137" v="2384" actId="20577"/>
+          <ac:spMkLst>
+            <pc:docMk/>
+            <pc:sldMk cId="3498516507" sldId="336"/>
+            <ac:spMk id="2" creationId="{64FB6E69-8588-48E4-B812-2F818C7B0EA4}"/>
+          </ac:spMkLst>
+        </pc:spChg>
+        <pc:spChg chg="mod">
+          <ac:chgData name="Ming-Chih Lin" userId="f1ba3ba5-e185-404b-b55f-b2be90e2bdc2" providerId="ADAL" clId="{091A637F-8D54-4E54-83E0-103516D33677}" dt="2020-06-11T01:12:59.248" v="1828" actId="20577"/>
+          <ac:spMkLst>
+            <pc:docMk/>
+            <pc:sldMk cId="3498516507" sldId="336"/>
+            <ac:spMk id="3" creationId="{CFE78556-6DF2-455C-BADF-A24936CF1C4E}"/>
+          </ac:spMkLst>
+        </pc:spChg>
+      </pc:sldChg>
+      <pc:sldChg chg="addSp delSp modSp add mod">
+        <pc:chgData name="Ming-Chih Lin" userId="f1ba3ba5-e185-404b-b55f-b2be90e2bdc2" providerId="ADAL" clId="{091A637F-8D54-4E54-83E0-103516D33677}" dt="2020-06-11T01:41:02.181" v="2626"/>
+        <pc:sldMkLst>
+          <pc:docMk/>
+          <pc:sldMk cId="3289713005" sldId="337"/>
+        </pc:sldMkLst>
+        <pc:spChg chg="mod">
+          <ac:chgData name="Ming-Chih Lin" userId="f1ba3ba5-e185-404b-b55f-b2be90e2bdc2" providerId="ADAL" clId="{091A637F-8D54-4E54-83E0-103516D33677}" dt="2020-06-11T01:27:00.255" v="2393" actId="113"/>
+          <ac:spMkLst>
+            <pc:docMk/>
+            <pc:sldMk cId="3289713005" sldId="337"/>
+            <ac:spMk id="2" creationId="{FC05F11D-2706-4688-A391-5EF47491D9BC}"/>
+          </ac:spMkLst>
+        </pc:spChg>
+        <pc:spChg chg="mod">
+          <ac:chgData name="Ming-Chih Lin" userId="f1ba3ba5-e185-404b-b55f-b2be90e2bdc2" providerId="ADAL" clId="{091A637F-8D54-4E54-83E0-103516D33677}" dt="2020-06-11T01:27:01.437" v="2394"/>
+          <ac:spMkLst>
+            <pc:docMk/>
+            <pc:sldMk cId="3289713005" sldId="337"/>
+            <ac:spMk id="3" creationId="{F16C522D-2D84-47E3-89DE-079E01A60425}"/>
+          </ac:spMkLst>
+        </pc:spChg>
+        <pc:picChg chg="del mod">
+          <ac:chgData name="Ming-Chih Lin" userId="f1ba3ba5-e185-404b-b55f-b2be90e2bdc2" providerId="ADAL" clId="{091A637F-8D54-4E54-83E0-103516D33677}" dt="2020-06-11T01:41:01.854" v="2625" actId="478"/>
+          <ac:picMkLst>
+            <pc:docMk/>
+            <pc:sldMk cId="3289713005" sldId="337"/>
+            <ac:picMk id="4" creationId="{0A2EC464-5537-4AB0-9593-CA79DF7298E5}"/>
+          </ac:picMkLst>
+        </pc:picChg>
+        <pc:picChg chg="add">
+          <ac:chgData name="Ming-Chih Lin" userId="f1ba3ba5-e185-404b-b55f-b2be90e2bdc2" providerId="ADAL" clId="{091A637F-8D54-4E54-83E0-103516D33677}" dt="2020-06-11T01:41:02.181" v="2626"/>
+          <ac:picMkLst>
+            <pc:docMk/>
+            <pc:sldMk cId="3289713005" sldId="337"/>
+            <ac:picMk id="5" creationId="{8E4C8392-A193-4C22-AF4E-D4A7309C3E0C}"/>
+          </ac:picMkLst>
+        </pc:picChg>
+      </pc:sldChg>
+      <pc:sldChg chg="modSp new mod">
+        <pc:chgData name="Ming-Chih Lin" userId="f1ba3ba5-e185-404b-b55f-b2be90e2bdc2" providerId="ADAL" clId="{091A637F-8D54-4E54-83E0-103516D33677}" dt="2020-06-11T01:37:21.333" v="2546"/>
+        <pc:sldMkLst>
+          <pc:docMk/>
+          <pc:sldMk cId="2326687561" sldId="338"/>
+        </pc:sldMkLst>
+        <pc:spChg chg="mod">
+          <ac:chgData name="Ming-Chih Lin" userId="f1ba3ba5-e185-404b-b55f-b2be90e2bdc2" providerId="ADAL" clId="{091A637F-8D54-4E54-83E0-103516D33677}" dt="2020-06-11T01:37:20.302" v="2545" actId="21"/>
+          <ac:spMkLst>
+            <pc:docMk/>
+            <pc:sldMk cId="2326687561" sldId="338"/>
+            <ac:spMk id="2" creationId="{4018368D-D9CD-4787-8F2D-463EE7818B52}"/>
+          </ac:spMkLst>
+        </pc:spChg>
+        <pc:spChg chg="mod">
+          <ac:chgData name="Ming-Chih Lin" userId="f1ba3ba5-e185-404b-b55f-b2be90e2bdc2" providerId="ADAL" clId="{091A637F-8D54-4E54-83E0-103516D33677}" dt="2020-06-11T01:37:21.333" v="2546"/>
+          <ac:spMkLst>
+            <pc:docMk/>
+            <pc:sldMk cId="2326687561" sldId="338"/>
+            <ac:spMk id="3" creationId="{429B65A8-F140-4492-B6BA-8E81B2C93E44}"/>
+          </ac:spMkLst>
+        </pc:spChg>
+      </pc:sldChg>
+      <pc:sldChg chg="modSp new mod">
+        <pc:chgData name="Ming-Chih Lin" userId="f1ba3ba5-e185-404b-b55f-b2be90e2bdc2" providerId="ADAL" clId="{091A637F-8D54-4E54-83E0-103516D33677}" dt="2020-06-11T02:03:45.462" v="3391" actId="20577"/>
+        <pc:sldMkLst>
+          <pc:docMk/>
+          <pc:sldMk cId="1922805159" sldId="339"/>
+        </pc:sldMkLst>
+        <pc:spChg chg="mod">
+          <ac:chgData name="Ming-Chih Lin" userId="f1ba3ba5-e185-404b-b55f-b2be90e2bdc2" providerId="ADAL" clId="{091A637F-8D54-4E54-83E0-103516D33677}" dt="2020-06-11T02:03:45.462" v="3391" actId="20577"/>
+          <ac:spMkLst>
+            <pc:docMk/>
+            <pc:sldMk cId="1922805159" sldId="339"/>
+            <ac:spMk id="2" creationId="{1980CAE3-DCE1-4B69-AEC5-A57CF35DFB64}"/>
+          </ac:spMkLst>
+        </pc:spChg>
+        <pc:spChg chg="mod">
+          <ac:chgData name="Ming-Chih Lin" userId="f1ba3ba5-e185-404b-b55f-b2be90e2bdc2" providerId="ADAL" clId="{091A637F-8D54-4E54-83E0-103516D33677}" dt="2020-06-11T01:45:21.365" v="2699" actId="20577"/>
+          <ac:spMkLst>
+            <pc:docMk/>
+            <pc:sldMk cId="1922805159" sldId="339"/>
+            <ac:spMk id="3" creationId="{26966E35-C5AD-42C8-B371-687A65F33785}"/>
           </ac:spMkLst>
         </pc:spChg>
       </pc:sldChg>
@@ -6433,7 +6697,7 @@
           <a:p>
             <a:fld id="{FA1E3ED8-1BB4-4BD2-AB23-359644E070C2}" type="datetimeFigureOut">
               <a:rPr lang="zh-TW" altLang="en-US" smtClean="0"/>
-              <a:t>2020/6/9</a:t>
+              <a:t>2020/6/11</a:t>
             </a:fld>
             <a:endParaRPr lang="zh-TW" altLang="en-US"/>
           </a:p>
@@ -11621,7 +11885,7 @@
           <p:cNvPr id="2" name="內容版面配置區 1">
             <a:extLst>
               <a:ext uri="{FF2B5EF4-FFF2-40B4-BE49-F238E27FC236}">
-                <a16:creationId xmlns:a16="http://schemas.microsoft.com/office/drawing/2014/main" id="{B76EC892-7C67-495C-8FF9-2A83D1505032}"/>
+                <a16:creationId xmlns:a16="http://schemas.microsoft.com/office/drawing/2014/main" id="{4018368D-D9CD-4787-8F2D-463EE7818B52}"/>
               </a:ext>
             </a:extLst>
           </p:cNvPr>
@@ -11634,7 +11898,9 @@
         </p:nvSpPr>
         <p:spPr/>
         <p:txBody>
-          <a:bodyPr/>
+          <a:bodyPr>
+            <a:normAutofit/>
+          </a:bodyPr>
           <a:lstStyle/>
           <a:p>
             <a:pPr marL="0" indent="0">
@@ -11642,76 +11908,52 @@
             </a:pPr>
             <a:r>
               <a:rPr lang="zh-TW" altLang="en-US" dirty="0"/>
-              <a:t>要理解函式，必須先從輸出入著手。一個函式可以有多個輸入參數，也可以沒有輸入參數。必須以正確的資料型態傳入參數，函式才能正常地完成運算或執行動作。假設參數</a:t>
+              <a:t>物件導向程式設計（英語：</a:t>
             </a:r>
             <a:r>
               <a:rPr lang="en-US" altLang="zh-TW" dirty="0"/>
-              <a:t>x</a:t>
+              <a:t>Object-oriented programming</a:t>
             </a:r>
             <a:r>
               <a:rPr lang="zh-TW" altLang="en-US" dirty="0"/>
-              <a:t>是以字串表示的數值，舉例來說“</a:t>
+              <a:t>，縮寫：</a:t>
             </a:r>
             <a:r>
               <a:rPr lang="en-US" altLang="zh-TW" dirty="0"/>
-              <a:t>23”</a:t>
+              <a:t>OOP</a:t>
             </a:r>
             <a:r>
               <a:rPr lang="zh-TW" altLang="en-US" dirty="0"/>
-              <a:t>，那麼以整數型別傳入</a:t>
-            </a:r>
-            <a:r>
-              <a:rPr lang="en-US" altLang="zh-TW" dirty="0"/>
-              <a:t>23</a:t>
-            </a:r>
-            <a:r>
-              <a:rPr lang="zh-TW" altLang="en-US" dirty="0"/>
-              <a:t>是不被接受的。這是初學者經常犯的錯誤。同樣的，返回資料的型態可能是單純的整數或字串，也可能是物件。清楚返回值的資料格式才能正確的加以處理。在閱讀</a:t>
-            </a:r>
-            <a:r>
-              <a:rPr lang="en-US" altLang="zh-TW" dirty="0"/>
-              <a:t>AEDT</a:t>
-            </a:r>
-            <a:r>
-              <a:rPr lang="zh-TW" altLang="en-US" dirty="0"/>
-              <a:t>的函式說明時，先觀察輸入參數的型別，必要時可以編寫程式碼片段來測試。</a:t>
-            </a:r>
-            <a:endParaRPr lang="en-US" altLang="zh-TW" dirty="0"/>
-          </a:p>
-          <a:p>
+              <a:t>）是種具有物件概念的程式程式設計典範，同時也是一種程式開發的抽象方針。它可能包含資料、屬性、程式碼與方法。物件則指的是類別的實例。它將物件作為程式的基本單元，將程式和資料封裝其中，以提高軟體的重用性、靈活性和擴充性，物件裡的程式可以存取及經常修改物件相關連的資料。在物件導向程式程式設計裡，電腦程式會被設計成彼此相關的物件。</a:t>
+            </a:r>
             <a:endParaRPr lang="en-US" altLang="zh-TW" dirty="0"/>
           </a:p>
           <a:p>
             <a:pPr marL="0" indent="0">
               <a:buNone/>
             </a:pPr>
+            <a:endParaRPr lang="en-US" altLang="zh-TW" dirty="0"/>
+          </a:p>
+          <a:p>
+            <a:pPr marL="0" indent="0">
+              <a:buNone/>
+            </a:pPr>
             <a:r>
               <a:rPr lang="zh-TW" altLang="en-US" dirty="0"/>
-              <a:t>如果要判斷返回資料的格式，最簡單的方式便是利用</a:t>
-            </a:r>
-            <a:r>
-              <a:rPr lang="en-US" altLang="zh-TW" dirty="0"/>
-              <a:t>type()</a:t>
-            </a:r>
-            <a:r>
-              <a:rPr lang="zh-TW" altLang="en-US" dirty="0"/>
-              <a:t>來得到資料型態，透過</a:t>
-            </a:r>
-            <a:r>
-              <a:rPr lang="en-US" altLang="zh-TW" dirty="0" err="1"/>
-              <a:t>dir</a:t>
-            </a:r>
-            <a:r>
-              <a:rPr lang="en-US" altLang="zh-TW" dirty="0"/>
-              <a:t>()</a:t>
-            </a:r>
-            <a:r>
-              <a:rPr lang="zh-TW" altLang="en-US" dirty="0"/>
-              <a:t>來得到可以使用的方法。這裡舉一個簡單的例子：</a:t>
-            </a:r>
-          </a:p>
-          <a:p>
-            <a:endParaRPr lang="zh-TW" altLang="en-US" dirty="0"/>
+              <a:t>支援物件導向程式語言通常利用繼承其他類達到代碼重用和可擴展性的特性。而類有兩個主要的概念：</a:t>
+            </a:r>
+          </a:p>
+          <a:p>
+            <a:r>
+              <a:rPr lang="zh-TW" altLang="en-US" b="1" dirty="0"/>
+              <a:t>類：定義了一件事物的抽象特點。類的定義包含了資料的形式以及對資料的操作。</a:t>
+            </a:r>
+          </a:p>
+          <a:p>
+            <a:r>
+              <a:rPr lang="zh-TW" altLang="en-US" b="1" dirty="0"/>
+              <a:t>物件：是類的實例。</a:t>
+            </a:r>
           </a:p>
         </p:txBody>
       </p:sp>
@@ -11720,7 +11962,7 @@
           <p:cNvPr id="3" name="標題 2">
             <a:extLst>
               <a:ext uri="{FF2B5EF4-FFF2-40B4-BE49-F238E27FC236}">
-                <a16:creationId xmlns:a16="http://schemas.microsoft.com/office/drawing/2014/main" id="{27AACF31-B26F-4D1C-856A-7B09BF30E133}"/>
+                <a16:creationId xmlns:a16="http://schemas.microsoft.com/office/drawing/2014/main" id="{429B65A8-F140-4492-B6BA-8E81B2C93E44}"/>
               </a:ext>
             </a:extLst>
           </p:cNvPr>
@@ -11738,23 +11980,20 @@
           <a:p>
             <a:r>
               <a:rPr lang="zh-TW" altLang="en-US" dirty="0"/>
-              <a:t>如何理解</a:t>
+              <a:t>物件導向設計</a:t>
             </a:r>
             <a:r>
               <a:rPr lang="en-US" altLang="zh-TW" dirty="0"/>
-              <a:t>AEDT</a:t>
-            </a:r>
-            <a:r>
-              <a:rPr lang="zh-TW" altLang="en-US" dirty="0"/>
-              <a:t>的函式</a:t>
-            </a:r>
+              <a:t>[WIKI]</a:t>
+            </a:r>
+            <a:endParaRPr lang="zh-TW" altLang="en-US" dirty="0"/>
           </a:p>
         </p:txBody>
       </p:sp>
     </p:spTree>
     <p:extLst>
       <p:ext uri="{BB962C8B-B14F-4D97-AF65-F5344CB8AC3E}">
-        <p14:creationId xmlns:p14="http://schemas.microsoft.com/office/powerpoint/2010/main" val="634685143"/>
+        <p14:creationId xmlns:p14="http://schemas.microsoft.com/office/powerpoint/2010/main" val="2326687561"/>
       </p:ext>
     </p:extLst>
   </p:cSld>
@@ -11795,10 +12034,10 @@
       </p:grpSpPr>
       <p:sp>
         <p:nvSpPr>
-          <p:cNvPr id="6" name="內容版面配置區 5">
-            <a:extLst>
-              <a:ext uri="{FF2B5EF4-FFF2-40B4-BE49-F238E27FC236}">
-                <a16:creationId xmlns:a16="http://schemas.microsoft.com/office/drawing/2014/main" id="{E6D230C9-887C-4C4E-B984-BA22A68FD7F3}"/>
+          <p:cNvPr id="2" name="內容版面配置區 1">
+            <a:extLst>
+              <a:ext uri="{FF2B5EF4-FFF2-40B4-BE49-F238E27FC236}">
+                <a16:creationId xmlns:a16="http://schemas.microsoft.com/office/drawing/2014/main" id="{A0020F58-1EEF-43C7-9991-37A91C5F9028}"/>
               </a:ext>
             </a:extLst>
           </p:cNvPr>
@@ -11818,91 +12057,124 @@
               <a:buNone/>
             </a:pPr>
             <a:r>
+              <a:rPr lang="en-US" altLang="zh-TW" dirty="0"/>
+              <a:t>Python</a:t>
+            </a:r>
+            <a:r>
               <a:rPr lang="zh-TW" altLang="en-US" dirty="0"/>
-              <a:t>錄製腳本對於開發</a:t>
-            </a:r>
-            <a:r>
-              <a:rPr lang="en-US" altLang="zh-TW" dirty="0"/>
-              <a:t>AEDT</a:t>
+              <a:t>裡面所有的資料結構都是類別，當建立變數時即產生了物件。物件除了可以儲存資料，還可以透過逗號取用當中的值或對應的</a:t>
+            </a:r>
+            <a:r>
+              <a:rPr lang="en-US" altLang="zh-TW" b="1" dirty="0"/>
+              <a:t>”</a:t>
+            </a:r>
+            <a:r>
+              <a:rPr lang="zh-TW" altLang="en-US" b="1" dirty="0"/>
+              <a:t>方法</a:t>
+            </a:r>
+            <a:r>
+              <a:rPr lang="en-US" altLang="zh-TW" b="1" dirty="0"/>
+              <a:t>”</a:t>
             </a:r>
             <a:r>
               <a:rPr lang="zh-TW" altLang="en-US" dirty="0"/>
-              <a:t>自動化程式有相對大的幫助。由於腳本的函式碼對應使用者的操作，減少了許多查詢及試錯的時間。要注意到的是腳本的檔頭如果有中文字符，必須先移除。</a:t>
-            </a:r>
-            <a:r>
-              <a:rPr lang="en-US" altLang="zh-TW" dirty="0"/>
-              <a:t>project</a:t>
-            </a:r>
-            <a:r>
-              <a:rPr lang="zh-TW" altLang="en-US" dirty="0"/>
-              <a:t>與</a:t>
-            </a:r>
-            <a:r>
-              <a:rPr lang="en-US" altLang="zh-TW" dirty="0"/>
-              <a:t>design</a:t>
-            </a:r>
-            <a:r>
-              <a:rPr lang="zh-TW" altLang="en-US" dirty="0"/>
-              <a:t>的部分也要改成</a:t>
-            </a:r>
-            <a:r>
-              <a:rPr lang="en-US" altLang="zh-TW" dirty="0" err="1"/>
-              <a:t>GetActiveProject</a:t>
-            </a:r>
-            <a:r>
-              <a:rPr lang="en-US" altLang="zh-TW" dirty="0"/>
-              <a:t>()</a:t>
-            </a:r>
-            <a:r>
-              <a:rPr lang="zh-TW" altLang="en-US" dirty="0"/>
-              <a:t>及</a:t>
-            </a:r>
-            <a:r>
-              <a:rPr lang="en-US" altLang="zh-TW" dirty="0" err="1"/>
-              <a:t>GetActiveDesign</a:t>
-            </a:r>
-            <a:r>
-              <a:rPr lang="en-US" altLang="zh-TW" dirty="0"/>
-              <a:t>()</a:t>
-            </a:r>
-            <a:r>
-              <a:rPr lang="zh-TW" altLang="en-US" dirty="0"/>
-              <a:t>。使其可以使用在其他的專案。</a:t>
+              <a:t>來對資料作處理，像是：</a:t>
             </a:r>
             <a:endParaRPr lang="en-US" altLang="zh-TW" dirty="0"/>
           </a:p>
           <a:p>
-            <a:endParaRPr lang="en-US" altLang="zh-TW" dirty="0"/>
+            <a:r>
+              <a:rPr lang="es-ES" altLang="zh-TW" dirty="0"/>
+              <a:t>x=0.33; y=x.is_integer()</a:t>
+            </a:r>
+          </a:p>
+          <a:p>
+            <a:r>
+              <a:rPr lang="es-ES" altLang="zh-TW" dirty="0"/>
+              <a:t>x=3+4j; y=x.real</a:t>
+            </a:r>
+          </a:p>
+          <a:p>
+            <a:r>
+              <a:rPr lang="es-ES" altLang="zh-TW" dirty="0"/>
+              <a:t>x='abc'; y=x.upper()</a:t>
+            </a:r>
+          </a:p>
+          <a:p>
+            <a:r>
+              <a:rPr lang="nl-NL" altLang="zh-TW" dirty="0"/>
+              <a:t>x=[1,2,3]; x.append(4)</a:t>
+            </a:r>
+          </a:p>
+          <a:p>
+            <a:r>
+              <a:rPr lang="es-ES" altLang="zh-TW" dirty="0"/>
+              <a:t>x={'mm':1e-3, 'um':1e-6, 'nm':1e-9}; y=x.keys()</a:t>
+            </a:r>
           </a:p>
           <a:p>
             <a:pPr marL="0" indent="0">
               <a:buNone/>
             </a:pPr>
+            <a:endParaRPr lang="en-US" altLang="zh-TW" dirty="0"/>
+          </a:p>
+          <a:p>
+            <a:pPr marL="0" indent="0">
+              <a:buNone/>
+            </a:pPr>
             <a:r>
               <a:rPr lang="zh-TW" altLang="en-US" dirty="0"/>
-              <a:t>如果要加上迴圈及判斷式，最好先將錄製的函式進行封裝簡化其輸出輸入。要留意保持正確的輸入參數型別。可以加上</a:t>
-            </a:r>
-            <a:r>
-              <a:rPr lang="en-US" altLang="zh-TW" dirty="0" err="1"/>
-              <a:t>AddWarningMessage</a:t>
+              <a:t>物件可以被建立</a:t>
             </a:r>
             <a:r>
               <a:rPr lang="en-US" altLang="zh-TW" dirty="0"/>
-              <a:t>()</a:t>
+              <a:t>(Create)</a:t>
             </a:r>
             <a:r>
               <a:rPr lang="zh-TW" altLang="en-US" dirty="0"/>
-              <a:t>適時的將執行過程中的變數值輸出到訊息視窗，這有助於除錯。</a:t>
+              <a:t>，被修改</a:t>
+            </a:r>
+            <a:r>
+              <a:rPr lang="en-US" altLang="zh-TW" dirty="0"/>
+              <a:t>(Update)</a:t>
+            </a:r>
+            <a:r>
+              <a:rPr lang="zh-TW" altLang="en-US" dirty="0"/>
+              <a:t>，被讀取</a:t>
+            </a:r>
+            <a:r>
+              <a:rPr lang="en-US" altLang="zh-TW" dirty="0"/>
+              <a:t>(Read)</a:t>
+            </a:r>
+            <a:r>
+              <a:rPr lang="zh-TW" altLang="en-US" dirty="0"/>
+              <a:t>，被刪除</a:t>
+            </a:r>
+            <a:r>
+              <a:rPr lang="en-US" altLang="zh-TW" dirty="0"/>
+              <a:t>(Delete)</a:t>
+            </a:r>
+            <a:r>
+              <a:rPr lang="zh-TW" altLang="en-US" dirty="0"/>
+              <a:t>。這四個動作簡稱</a:t>
+            </a:r>
+            <a:r>
+              <a:rPr lang="en-US" altLang="zh-TW" dirty="0"/>
+              <a:t>CURD</a:t>
+            </a:r>
+            <a:r>
+              <a:rPr lang="zh-TW" altLang="en-US" dirty="0"/>
+              <a:t>。</a:t>
             </a:r>
           </a:p>
         </p:txBody>
       </p:sp>
       <p:sp>
         <p:nvSpPr>
-          <p:cNvPr id="5" name="標題 4">
-            <a:extLst>
-              <a:ext uri="{FF2B5EF4-FFF2-40B4-BE49-F238E27FC236}">
-                <a16:creationId xmlns:a16="http://schemas.microsoft.com/office/drawing/2014/main" id="{E031341D-1312-455E-8529-B8D34CD9460F}"/>
+          <p:cNvPr id="3" name="標題 2">
+            <a:extLst>
+              <a:ext uri="{FF2B5EF4-FFF2-40B4-BE49-F238E27FC236}">
+                <a16:creationId xmlns:a16="http://schemas.microsoft.com/office/drawing/2014/main" id="{C9442E6B-24EF-46B1-A592-A7969CC70BC4}"/>
               </a:ext>
             </a:extLst>
           </p:cNvPr>
@@ -11919,8 +12191,12 @@
           <a:lstStyle/>
           <a:p>
             <a:r>
+              <a:rPr lang="en-US" altLang="zh-TW" dirty="0"/>
+              <a:t>Python</a:t>
+            </a:r>
+            <a:r>
               <a:rPr lang="zh-TW" altLang="en-US" dirty="0"/>
-              <a:t>錄製及修改</a:t>
+              <a:t>資料結構都是物件</a:t>
             </a:r>
           </a:p>
         </p:txBody>
@@ -11928,7 +12204,7 @@
     </p:spTree>
     <p:extLst>
       <p:ext uri="{BB962C8B-B14F-4D97-AF65-F5344CB8AC3E}">
-        <p14:creationId xmlns:p14="http://schemas.microsoft.com/office/powerpoint/2010/main" val="224239816"/>
+        <p14:creationId xmlns:p14="http://schemas.microsoft.com/office/powerpoint/2010/main" val="2710371858"/>
       </p:ext>
     </p:extLst>
   </p:cSld>
@@ -11972,7 +12248,7 @@
           <p:cNvPr id="2" name="內容版面配置區 1">
             <a:extLst>
               <a:ext uri="{FF2B5EF4-FFF2-40B4-BE49-F238E27FC236}">
-                <a16:creationId xmlns:a16="http://schemas.microsoft.com/office/drawing/2014/main" id="{D4F4BD73-FCD3-44F1-A913-DE46B8132F85}"/>
+                <a16:creationId xmlns:a16="http://schemas.microsoft.com/office/drawing/2014/main" id="{64FB6E69-8588-48E4-B812-2F818C7B0EA4}"/>
               </a:ext>
             </a:extLst>
           </p:cNvPr>
@@ -11988,7 +12264,88 @@
           <a:bodyPr/>
           <a:lstStyle/>
           <a:p>
-            <a:endParaRPr lang="zh-TW" altLang="en-US"/>
+            <a:pPr marL="0" indent="0">
+              <a:buNone/>
+            </a:pPr>
+            <a:r>
+              <a:rPr lang="zh-TW" altLang="en-US" dirty="0"/>
+              <a:t>方法與函數略有不同：</a:t>
+            </a:r>
+            <a:endParaRPr lang="en-US" altLang="zh-TW" dirty="0"/>
+          </a:p>
+          <a:p>
+            <a:r>
+              <a:rPr lang="zh-TW" altLang="en-US" dirty="0"/>
+              <a:t>方法依附在物件之上</a:t>
+            </a:r>
+            <a:endParaRPr lang="en-US" altLang="zh-TW" dirty="0"/>
+          </a:p>
+          <a:p>
+            <a:r>
+              <a:rPr lang="zh-TW" altLang="en-US" dirty="0"/>
+              <a:t>方法可以存取物件內的資料</a:t>
+            </a:r>
+            <a:endParaRPr lang="en-US" altLang="zh-TW" dirty="0"/>
+          </a:p>
+          <a:p>
+            <a:pPr marL="0" indent="0">
+              <a:buNone/>
+            </a:pPr>
+            <a:endParaRPr lang="en-US" altLang="zh-TW" dirty="0"/>
+          </a:p>
+          <a:p>
+            <a:pPr marL="0" indent="0">
+              <a:buNone/>
+            </a:pPr>
+            <a:r>
+              <a:rPr lang="zh-TW" altLang="en-US" dirty="0"/>
+              <a:t>特性：</a:t>
+            </a:r>
+            <a:endParaRPr lang="en-US" altLang="zh-TW" dirty="0"/>
+          </a:p>
+          <a:p>
+            <a:r>
+              <a:rPr lang="zh-TW" altLang="en-US" dirty="0"/>
+              <a:t>透過物件之後加上逗號來使用</a:t>
+            </a:r>
+            <a:endParaRPr lang="en-US" altLang="zh-TW" dirty="0"/>
+          </a:p>
+          <a:p>
+            <a:r>
+              <a:rPr lang="zh-TW" altLang="en-US" dirty="0"/>
+              <a:t>方法可以返回值或更新物件而不返回值</a:t>
+            </a:r>
+            <a:endParaRPr lang="en-US" altLang="zh-TW" dirty="0"/>
+          </a:p>
+          <a:p>
+            <a:r>
+              <a:rPr lang="zh-TW" altLang="en-US" dirty="0"/>
+              <a:t>注意的是逗號引用並不表示就是方法，比方說</a:t>
+            </a:r>
+            <a:r>
+              <a:rPr lang="en-US" altLang="zh-TW" dirty="0" err="1"/>
+              <a:t>math.sin</a:t>
+            </a:r>
+            <a:r>
+              <a:rPr lang="en-US" altLang="zh-TW" dirty="0"/>
+              <a:t>()</a:t>
+            </a:r>
+            <a:r>
+              <a:rPr lang="zh-TW" altLang="en-US" dirty="0"/>
+              <a:t>是函數，</a:t>
+            </a:r>
+            <a:r>
+              <a:rPr lang="en-US" altLang="zh-TW" dirty="0"/>
+              <a:t>math</a:t>
+            </a:r>
+            <a:r>
+              <a:rPr lang="zh-TW" altLang="en-US" dirty="0"/>
+              <a:t>是模組，不是物件。</a:t>
+            </a:r>
+            <a:endParaRPr lang="en-US" altLang="zh-TW" dirty="0"/>
+          </a:p>
+          <a:p>
+            <a:endParaRPr lang="zh-TW" altLang="en-US" dirty="0"/>
           </a:p>
         </p:txBody>
       </p:sp>
@@ -11997,7 +12354,7 @@
           <p:cNvPr id="3" name="標題 2">
             <a:extLst>
               <a:ext uri="{FF2B5EF4-FFF2-40B4-BE49-F238E27FC236}">
-                <a16:creationId xmlns:a16="http://schemas.microsoft.com/office/drawing/2014/main" id="{7B821B47-8BA5-4FCD-9802-B895214E451E}"/>
+                <a16:creationId xmlns:a16="http://schemas.microsoft.com/office/drawing/2014/main" id="{CFE78556-6DF2-455C-BADF-A24936CF1C4E}"/>
               </a:ext>
             </a:extLst>
           </p:cNvPr>
@@ -12015,15 +12372,20 @@
           <a:p>
             <a:r>
               <a:rPr lang="zh-TW" altLang="en-US" dirty="0"/>
-              <a:t>讀取屬性作為腳本輸入</a:t>
-            </a:r>
+              <a:t>物件的方法</a:t>
+            </a:r>
+            <a:r>
+              <a:rPr lang="en-US" altLang="zh-TW" dirty="0"/>
+              <a:t>method</a:t>
+            </a:r>
+            <a:endParaRPr lang="zh-TW" altLang="en-US" dirty="0"/>
           </a:p>
         </p:txBody>
       </p:sp>
     </p:spTree>
     <p:extLst>
       <p:ext uri="{BB962C8B-B14F-4D97-AF65-F5344CB8AC3E}">
-        <p14:creationId xmlns:p14="http://schemas.microsoft.com/office/powerpoint/2010/main" val="1458989024"/>
+        <p14:creationId xmlns:p14="http://schemas.microsoft.com/office/powerpoint/2010/main" val="3498516507"/>
       </p:ext>
     </p:extLst>
   </p:cSld>
@@ -12067,7 +12429,7 @@
           <p:cNvPr id="2" name="內容版面配置區 1">
             <a:extLst>
               <a:ext uri="{FF2B5EF4-FFF2-40B4-BE49-F238E27FC236}">
-                <a16:creationId xmlns:a16="http://schemas.microsoft.com/office/drawing/2014/main" id="{D4F4BD73-FCD3-44F1-A913-DE46B8132F85}"/>
+                <a16:creationId xmlns:a16="http://schemas.microsoft.com/office/drawing/2014/main" id="{FC05F11D-2706-4688-A391-5EF47491D9BC}"/>
               </a:ext>
             </a:extLst>
           </p:cNvPr>
@@ -12083,7 +12445,14 @@
           <a:bodyPr/>
           <a:lstStyle/>
           <a:p>
-            <a:endParaRPr lang="zh-TW" altLang="en-US"/>
+            <a:pPr lvl="1"/>
+            <a:endParaRPr lang="en-US" altLang="zh-TW" dirty="0"/>
+          </a:p>
+          <a:p>
+            <a:endParaRPr lang="en-US" altLang="zh-TW" dirty="0"/>
+          </a:p>
+          <a:p>
+            <a:endParaRPr lang="en-US" altLang="zh-TW" dirty="0"/>
           </a:p>
         </p:txBody>
       </p:sp>
@@ -12092,7 +12461,7 @@
           <p:cNvPr id="3" name="標題 2">
             <a:extLst>
               <a:ext uri="{FF2B5EF4-FFF2-40B4-BE49-F238E27FC236}">
-                <a16:creationId xmlns:a16="http://schemas.microsoft.com/office/drawing/2014/main" id="{7B821B47-8BA5-4FCD-9802-B895214E451E}"/>
+                <a16:creationId xmlns:a16="http://schemas.microsoft.com/office/drawing/2014/main" id="{F16C522D-2D84-47E3-89DE-079E01A60425}"/>
               </a:ext>
             </a:extLst>
           </p:cNvPr>
@@ -12110,15 +12479,46 @@
           <a:p>
             <a:r>
               <a:rPr lang="zh-TW" altLang="en-US" dirty="0"/>
-              <a:t>連結腳本至熱鍵</a:t>
-            </a:r>
+              <a:t>定義一個類別</a:t>
+            </a:r>
+            <a:endParaRPr lang="en-US" altLang="zh-TW" dirty="0"/>
           </a:p>
         </p:txBody>
       </p:sp>
+      <p:pic>
+        <p:nvPicPr>
+          <p:cNvPr id="5" name="圖片 4">
+            <a:extLst>
+              <a:ext uri="{FF2B5EF4-FFF2-40B4-BE49-F238E27FC236}">
+                <a16:creationId xmlns:a16="http://schemas.microsoft.com/office/drawing/2014/main" id="{8E4C8392-A193-4C22-AF4E-D4A7309C3E0C}"/>
+              </a:ext>
+            </a:extLst>
+          </p:cNvPr>
+          <p:cNvPicPr>
+            <a:picLocks noChangeAspect="1"/>
+          </p:cNvPicPr>
+          <p:nvPr/>
+        </p:nvPicPr>
+        <p:blipFill>
+          <a:blip r:embed="rId2"/>
+          <a:stretch>
+            <a:fillRect/>
+          </a:stretch>
+        </p:blipFill>
+        <p:spPr>
+          <a:xfrm>
+            <a:off x="2525720" y="1561938"/>
+            <a:ext cx="7140559" cy="3734124"/>
+          </a:xfrm>
+          <a:prstGeom prst="rect">
+            <a:avLst/>
+          </a:prstGeom>
+        </p:spPr>
+      </p:pic>
     </p:spTree>
     <p:extLst>
       <p:ext uri="{BB962C8B-B14F-4D97-AF65-F5344CB8AC3E}">
-        <p14:creationId xmlns:p14="http://schemas.microsoft.com/office/powerpoint/2010/main" val="156901807"/>
+        <p14:creationId xmlns:p14="http://schemas.microsoft.com/office/powerpoint/2010/main" val="3289713005"/>
       </p:ext>
     </p:extLst>
   </p:cSld>
@@ -12159,10 +12559,10 @@
       </p:grpSpPr>
       <p:sp>
         <p:nvSpPr>
-          <p:cNvPr id="4" name="文字版面配置區 3">
-            <a:extLst>
-              <a:ext uri="{FF2B5EF4-FFF2-40B4-BE49-F238E27FC236}">
-                <a16:creationId xmlns:a16="http://schemas.microsoft.com/office/drawing/2014/main" id="{2FA54F75-D405-4104-B6BB-EA44A23A109A}"/>
+          <p:cNvPr id="3" name="標題 2">
+            <a:extLst>
+              <a:ext uri="{FF2B5EF4-FFF2-40B4-BE49-F238E27FC236}">
+                <a16:creationId xmlns:a16="http://schemas.microsoft.com/office/drawing/2014/main" id="{F16C522D-2D84-47E3-89DE-079E01A60425}"/>
               </a:ext>
             </a:extLst>
           </p:cNvPr>
@@ -12170,37 +12570,7 @@
             <a:spLocks noGrp="1"/>
           </p:cNvSpPr>
           <p:nvPr>
-            <p:ph type="body" sz="quarter" idx="10"/>
-          </p:nvPr>
-        </p:nvSpPr>
-        <p:spPr/>
-        <p:txBody>
-          <a:bodyPr>
-            <a:normAutofit/>
-          </a:bodyPr>
-          <a:lstStyle/>
-          <a:p>
-            <a:r>
-              <a:rPr lang="zh-TW" altLang="en-US" dirty="0"/>
-              <a:t>範例解說：生成導波管模型並透過屬性修改尺寸</a:t>
-            </a:r>
-          </a:p>
-        </p:txBody>
-      </p:sp>
-      <p:sp>
-        <p:nvSpPr>
-          <p:cNvPr id="5" name="文字版面配置區 4">
-            <a:extLst>
-              <a:ext uri="{FF2B5EF4-FFF2-40B4-BE49-F238E27FC236}">
-                <a16:creationId xmlns:a16="http://schemas.microsoft.com/office/drawing/2014/main" id="{CEE2A55E-C73D-43FF-AA36-95C0FF95B7B1}"/>
-              </a:ext>
-            </a:extLst>
-          </p:cNvPr>
-          <p:cNvSpPr>
-            <a:spLocks noGrp="1"/>
-          </p:cNvSpPr>
-          <p:nvPr>
-            <p:ph type="body" sz="quarter" idx="12"/>
+            <p:ph type="title"/>
           </p:nvPr>
         </p:nvSpPr>
         <p:spPr/>
@@ -12208,14 +12578,77 @@
           <a:bodyPr/>
           <a:lstStyle/>
           <a:p>
-            <a:endParaRPr lang="zh-TW" altLang="en-US"/>
+            <a:r>
+              <a:rPr lang="zh-TW" altLang="en-US" dirty="0"/>
+              <a:t>用類別宣告物件並做運算</a:t>
+            </a:r>
           </a:p>
         </p:txBody>
       </p:sp>
+      <p:pic>
+        <p:nvPicPr>
+          <p:cNvPr id="9" name="圖片 8">
+            <a:extLst>
+              <a:ext uri="{FF2B5EF4-FFF2-40B4-BE49-F238E27FC236}">
+                <a16:creationId xmlns:a16="http://schemas.microsoft.com/office/drawing/2014/main" id="{57DD705B-BD79-429B-AD16-956668A83A24}"/>
+              </a:ext>
+            </a:extLst>
+          </p:cNvPr>
+          <p:cNvPicPr>
+            <a:picLocks noChangeAspect="1"/>
+          </p:cNvPicPr>
+          <p:nvPr/>
+        </p:nvPicPr>
+        <p:blipFill>
+          <a:blip r:embed="rId2"/>
+          <a:stretch>
+            <a:fillRect/>
+          </a:stretch>
+        </p:blipFill>
+        <p:spPr>
+          <a:xfrm>
+            <a:off x="632604" y="994417"/>
+            <a:ext cx="4258573" cy="2298463"/>
+          </a:xfrm>
+          <a:prstGeom prst="rect">
+            <a:avLst/>
+          </a:prstGeom>
+        </p:spPr>
+      </p:pic>
+      <p:pic>
+        <p:nvPicPr>
+          <p:cNvPr id="10" name="圖片 9">
+            <a:extLst>
+              <a:ext uri="{FF2B5EF4-FFF2-40B4-BE49-F238E27FC236}">
+                <a16:creationId xmlns:a16="http://schemas.microsoft.com/office/drawing/2014/main" id="{30A68B6E-356F-480A-9F67-2DC2386A1FC0}"/>
+              </a:ext>
+            </a:extLst>
+          </p:cNvPr>
+          <p:cNvPicPr>
+            <a:picLocks noChangeAspect="1"/>
+          </p:cNvPicPr>
+          <p:nvPr/>
+        </p:nvPicPr>
+        <p:blipFill>
+          <a:blip r:embed="rId3"/>
+          <a:stretch>
+            <a:fillRect/>
+          </a:stretch>
+        </p:blipFill>
+        <p:spPr>
+          <a:xfrm>
+            <a:off x="609601" y="3981878"/>
+            <a:ext cx="7619999" cy="1676937"/>
+          </a:xfrm>
+          <a:prstGeom prst="rect">
+            <a:avLst/>
+          </a:prstGeom>
+        </p:spPr>
+      </p:pic>
     </p:spTree>
     <p:extLst>
       <p:ext uri="{BB962C8B-B14F-4D97-AF65-F5344CB8AC3E}">
-        <p14:creationId xmlns:p14="http://schemas.microsoft.com/office/powerpoint/2010/main" val="2181700493"/>
+        <p14:creationId xmlns:p14="http://schemas.microsoft.com/office/powerpoint/2010/main" val="3025016352"/>
       </p:ext>
     </p:extLst>
   </p:cSld>
@@ -12276,8 +12709,12 @@
           <a:lstStyle/>
           <a:p>
             <a:r>
+              <a:rPr lang="en-US" altLang="zh-TW" dirty="0"/>
+              <a:t>AEDT</a:t>
+            </a:r>
+            <a:r>
               <a:rPr lang="zh-TW" altLang="en-US" dirty="0"/>
-              <a:t>專題討論 </a:t>
+              <a:t>函式庫架構</a:t>
             </a:r>
           </a:p>
         </p:txBody>
@@ -12310,7 +12747,7 @@
     </p:spTree>
     <p:extLst>
       <p:ext uri="{BB962C8B-B14F-4D97-AF65-F5344CB8AC3E}">
-        <p14:creationId xmlns:p14="http://schemas.microsoft.com/office/powerpoint/2010/main" val="929909194"/>
+        <p14:creationId xmlns:p14="http://schemas.microsoft.com/office/powerpoint/2010/main" val="2189207556"/>
       </p:ext>
     </p:extLst>
   </p:cSld>
@@ -12354,7 +12791,7 @@
           <p:cNvPr id="5" name="內容版面配置區 4">
             <a:extLst>
               <a:ext uri="{FF2B5EF4-FFF2-40B4-BE49-F238E27FC236}">
-                <a16:creationId xmlns:a16="http://schemas.microsoft.com/office/drawing/2014/main" id="{221EB24A-D4DB-45CB-BE7B-D41F7B493329}"/>
+                <a16:creationId xmlns:a16="http://schemas.microsoft.com/office/drawing/2014/main" id="{47CD2DC4-DBF9-4379-9E92-A3F1027C98CE}"/>
               </a:ext>
             </a:extLst>
           </p:cNvPr>
@@ -12370,54 +12807,163 @@
           <a:bodyPr/>
           <a:lstStyle/>
           <a:p>
+            <a:pPr marL="0" indent="0">
+              <a:buNone/>
+            </a:pPr>
+            <a:r>
+              <a:rPr lang="en-US" altLang="zh-TW" dirty="0"/>
+              <a:t>AEDT</a:t>
+            </a:r>
             <a:r>
               <a:rPr lang="zh-TW" altLang="en-US" dirty="0"/>
-              <a:t>題目</a:t>
+              <a:t>函式庫分成</a:t>
             </a:r>
             <a:r>
               <a:rPr lang="en-US" altLang="zh-TW" dirty="0"/>
-              <a:t>:</a:t>
-            </a:r>
-          </a:p>
-          <a:p>
+              <a:t>Desktop, Project, Design, Editor, Module</a:t>
+            </a:r>
             <a:r>
               <a:rPr lang="zh-TW" altLang="en-US" dirty="0"/>
-              <a:t>緣由</a:t>
+              <a:t>等大類，</a:t>
             </a:r>
             <a:r>
               <a:rPr lang="en-US" altLang="zh-TW" dirty="0"/>
-              <a:t>:</a:t>
-            </a:r>
-          </a:p>
-          <a:p>
+              <a:t>Module</a:t>
+            </a:r>
             <a:r>
               <a:rPr lang="zh-TW" altLang="en-US" dirty="0"/>
-              <a:t>輸入</a:t>
+              <a:t>底下又分成多個小類。比方說是要在專案底下加入新的設計，我們便可以使用</a:t>
+            </a:r>
+            <a:r>
+              <a:rPr lang="en-US" altLang="zh-TW" dirty="0" err="1"/>
+              <a:t>oProject.InsertDesign</a:t>
             </a:r>
             <a:r>
               <a:rPr lang="en-US" altLang="zh-TW" dirty="0"/>
-              <a:t>:</a:t>
-            </a:r>
-          </a:p>
-          <a:p>
+              <a:t>()</a:t>
+            </a:r>
             <a:r>
               <a:rPr lang="zh-TW" altLang="en-US" dirty="0"/>
-              <a:t>輸出</a:t>
+              <a:t>函數來完成。從功能屬性來分類，</a:t>
+            </a:r>
+            <a:r>
+              <a:rPr lang="en-US" altLang="zh-TW" dirty="0" err="1"/>
+              <a:t>InsertDesign</a:t>
             </a:r>
             <a:r>
               <a:rPr lang="en-US" altLang="zh-TW" dirty="0"/>
-              <a:t>:</a:t>
-            </a:r>
-          </a:p>
-          <a:p>
+              <a:t>()</a:t>
+            </a:r>
             <a:r>
               <a:rPr lang="zh-TW" altLang="en-US" dirty="0"/>
-              <a:t>該如何分解題目</a:t>
+              <a:t>屬於建立</a:t>
             </a:r>
             <a:r>
               <a:rPr lang="en-US" altLang="zh-TW" dirty="0"/>
-              <a:t>:</a:t>
-            </a:r>
+              <a:t>, </a:t>
+            </a:r>
+            <a:r>
+              <a:rPr lang="en-US" altLang="zh-TW" dirty="0" err="1"/>
+              <a:t>SetActiveDesign</a:t>
+            </a:r>
+            <a:r>
+              <a:rPr lang="en-US" altLang="zh-TW" dirty="0"/>
+              <a:t>()</a:t>
+            </a:r>
+            <a:r>
+              <a:rPr lang="zh-TW" altLang="en-US" dirty="0"/>
+              <a:t>屬於更新，</a:t>
+            </a:r>
+            <a:r>
+              <a:rPr lang="en-US" altLang="zh-TW" dirty="0" err="1"/>
+              <a:t>GetName</a:t>
+            </a:r>
+            <a:r>
+              <a:rPr lang="en-US" altLang="zh-TW" dirty="0"/>
+              <a:t>()</a:t>
+            </a:r>
+            <a:r>
+              <a:rPr lang="zh-TW" altLang="en-US" dirty="0"/>
+              <a:t>屬於讀取，</a:t>
+            </a:r>
+            <a:r>
+              <a:rPr lang="en-US" altLang="zh-TW" dirty="0" err="1"/>
+              <a:t>CutDesign</a:t>
+            </a:r>
+            <a:r>
+              <a:rPr lang="en-US" altLang="zh-TW" dirty="0"/>
+              <a:t>()</a:t>
+            </a:r>
+            <a:r>
+              <a:rPr lang="zh-TW" altLang="en-US" dirty="0"/>
+              <a:t>屬於刪除。當中</a:t>
+            </a:r>
+            <a:r>
+              <a:rPr lang="en-US" altLang="zh-TW" dirty="0"/>
+              <a:t>CUD</a:t>
+            </a:r>
+            <a:r>
+              <a:rPr lang="zh-TW" altLang="en-US" dirty="0"/>
+              <a:t>類可以透過錄製得到，而</a:t>
+            </a:r>
+            <a:r>
+              <a:rPr lang="en-US" altLang="zh-TW" dirty="0"/>
+              <a:t>R</a:t>
+            </a:r>
+            <a:r>
+              <a:rPr lang="zh-TW" altLang="en-US" dirty="0"/>
+              <a:t>類需要透過文件來查找。</a:t>
+            </a:r>
+            <a:endParaRPr lang="en-US" altLang="zh-TW" dirty="0"/>
+          </a:p>
+          <a:p>
+            <a:pPr marL="0" indent="0">
+              <a:buNone/>
+            </a:pPr>
+            <a:endParaRPr lang="en-US" altLang="zh-TW" dirty="0"/>
+          </a:p>
+          <a:p>
+            <a:pPr marL="0" indent="0">
+              <a:buNone/>
+            </a:pPr>
+            <a:r>
+              <a:rPr lang="zh-TW" altLang="en-US" dirty="0"/>
+              <a:t>關於函式庫的</a:t>
+            </a:r>
+            <a:r>
+              <a:rPr lang="en-US" altLang="zh-TW" dirty="0"/>
+              <a:t>Help</a:t>
+            </a:r>
+            <a:r>
+              <a:rPr lang="zh-TW" altLang="en-US" dirty="0"/>
+              <a:t>檔可以在</a:t>
+            </a:r>
+            <a:r>
+              <a:rPr lang="en-US" altLang="zh-TW" dirty="0"/>
+              <a:t>C:\Program Files\</a:t>
+            </a:r>
+            <a:r>
+              <a:rPr lang="en-US" altLang="zh-TW" dirty="0" err="1"/>
+              <a:t>AnsysEM</a:t>
+            </a:r>
+            <a:r>
+              <a:rPr lang="en-US" altLang="zh-TW" dirty="0"/>
+              <a:t>\AnsysEM20.1\Win64\Help</a:t>
+            </a:r>
+            <a:r>
+              <a:rPr lang="zh-TW" altLang="en-US" dirty="0"/>
+              <a:t>底下找到</a:t>
+            </a:r>
+            <a:r>
+              <a:rPr lang="en-US" altLang="zh-TW" dirty="0"/>
+              <a:t>ScriptingGuide.pdf</a:t>
+            </a:r>
+            <a:r>
+              <a:rPr lang="zh-TW" altLang="en-US" dirty="0"/>
+              <a:t>當中詳細說明了函式的功能及使用方法。</a:t>
+            </a:r>
+          </a:p>
+          <a:p>
             <a:endParaRPr lang="zh-TW" altLang="en-US" dirty="0"/>
           </a:p>
         </p:txBody>
@@ -12427,7 +12973,7 @@
           <p:cNvPr id="4" name="標題 3">
             <a:extLst>
               <a:ext uri="{FF2B5EF4-FFF2-40B4-BE49-F238E27FC236}">
-                <a16:creationId xmlns:a16="http://schemas.microsoft.com/office/drawing/2014/main" id="{1854605A-57A1-476A-82F9-537D284E62C2}"/>
+                <a16:creationId xmlns:a16="http://schemas.microsoft.com/office/drawing/2014/main" id="{06DA0EB8-8083-49B8-89F6-5CA68A99C6B7}"/>
               </a:ext>
             </a:extLst>
           </p:cNvPr>
@@ -12444,16 +12990,475 @@
           <a:lstStyle/>
           <a:p>
             <a:r>
+              <a:rPr lang="en-US" altLang="zh-TW" dirty="0"/>
+              <a:t>AEDT</a:t>
+            </a:r>
+            <a:r>
               <a:rPr lang="zh-TW" altLang="en-US" dirty="0"/>
-              <a:t>個人專題分享</a:t>
-            </a:r>
+              <a:t>函式庫的簡單介紹</a:t>
+            </a:r>
+            <a:br>
+              <a:rPr lang="zh-TW" altLang="en-US" dirty="0"/>
+            </a:br>
+            <a:endParaRPr lang="zh-TW" altLang="en-US" dirty="0"/>
           </a:p>
         </p:txBody>
       </p:sp>
     </p:spTree>
     <p:extLst>
       <p:ext uri="{BB962C8B-B14F-4D97-AF65-F5344CB8AC3E}">
-        <p14:creationId xmlns:p14="http://schemas.microsoft.com/office/powerpoint/2010/main" val="1266417032"/>
+        <p14:creationId xmlns:p14="http://schemas.microsoft.com/office/powerpoint/2010/main" val="150404640"/>
+      </p:ext>
+    </p:extLst>
+  </p:cSld>
+  <p:clrMapOvr>
+    <a:masterClrMapping/>
+  </p:clrMapOvr>
+  <mc:AlternateContent xmlns:mc="http://schemas.openxmlformats.org/markup-compatibility/2006" xmlns:p14="http://schemas.microsoft.com/office/powerpoint/2010/main">
+    <mc:Choice Requires="p14">
+      <p:transition p14:dur="250">
+        <p:fade/>
+      </p:transition>
+    </mc:Choice>
+    <mc:Fallback xmlns="">
+      <p:transition>
+        <p:fade/>
+      </p:transition>
+    </mc:Fallback>
+  </mc:AlternateContent>
+</p:sld>
+</file>
+
+<file path=ppt/slides/slide17.xml><?xml version="1.0" encoding="utf-8"?>
+<p:sld xmlns:a="http://schemas.openxmlformats.org/drawingml/2006/main" xmlns:r="http://schemas.openxmlformats.org/officeDocument/2006/relationships" xmlns:p="http://schemas.openxmlformats.org/presentationml/2006/main">
+  <p:cSld>
+    <p:spTree>
+      <p:nvGrpSpPr>
+        <p:cNvPr id="1" name=""/>
+        <p:cNvGrpSpPr/>
+        <p:nvPr/>
+      </p:nvGrpSpPr>
+      <p:grpSpPr>
+        <a:xfrm>
+          <a:off x="0" y="0"/>
+          <a:ext cx="0" cy="0"/>
+          <a:chOff x="0" y="0"/>
+          <a:chExt cx="0" cy="0"/>
+        </a:xfrm>
+      </p:grpSpPr>
+      <p:sp>
+        <p:nvSpPr>
+          <p:cNvPr id="2" name="內容版面配置區 1">
+            <a:extLst>
+              <a:ext uri="{FF2B5EF4-FFF2-40B4-BE49-F238E27FC236}">
+                <a16:creationId xmlns:a16="http://schemas.microsoft.com/office/drawing/2014/main" id="{B76EC892-7C67-495C-8FF9-2A83D1505032}"/>
+              </a:ext>
+            </a:extLst>
+          </p:cNvPr>
+          <p:cNvSpPr>
+            <a:spLocks noGrp="1"/>
+          </p:cNvSpPr>
+          <p:nvPr>
+            <p:ph idx="1"/>
+          </p:nvPr>
+        </p:nvSpPr>
+        <p:spPr/>
+        <p:txBody>
+          <a:bodyPr/>
+          <a:lstStyle/>
+          <a:p>
+            <a:pPr marL="0" indent="0">
+              <a:buNone/>
+            </a:pPr>
+            <a:r>
+              <a:rPr lang="zh-TW" altLang="en-US" dirty="0"/>
+              <a:t>要理解函式，必須先從輸出入著手。一個函式可以有多個輸入參數，也可以沒有輸入參數。必須以正確的資料型態傳入參數，函式才能正常地完成運算或執行動作。假設參數</a:t>
+            </a:r>
+            <a:r>
+              <a:rPr lang="en-US" altLang="zh-TW" dirty="0"/>
+              <a:t>x</a:t>
+            </a:r>
+            <a:r>
+              <a:rPr lang="zh-TW" altLang="en-US" dirty="0"/>
+              <a:t>是以字串表示的數值，舉例來說“</a:t>
+            </a:r>
+            <a:r>
+              <a:rPr lang="en-US" altLang="zh-TW" dirty="0"/>
+              <a:t>23”</a:t>
+            </a:r>
+            <a:r>
+              <a:rPr lang="zh-TW" altLang="en-US" dirty="0"/>
+              <a:t>，那麼以整數型別傳入</a:t>
+            </a:r>
+            <a:r>
+              <a:rPr lang="en-US" altLang="zh-TW" dirty="0"/>
+              <a:t>23</a:t>
+            </a:r>
+            <a:r>
+              <a:rPr lang="zh-TW" altLang="en-US" dirty="0"/>
+              <a:t>是不被接受的。這是初學者經常犯的錯誤。同樣的，返回資料的型態可能是單純的整數或字串，也可能是物件。清楚返回值的資料格式才能正確的加以處理。在閱讀</a:t>
+            </a:r>
+            <a:r>
+              <a:rPr lang="en-US" altLang="zh-TW" dirty="0"/>
+              <a:t>AEDT</a:t>
+            </a:r>
+            <a:r>
+              <a:rPr lang="zh-TW" altLang="en-US" dirty="0"/>
+              <a:t>的函式說明時，先觀察輸入參數的型別，必要時可以編寫程式碼片段來測試。</a:t>
+            </a:r>
+            <a:endParaRPr lang="en-US" altLang="zh-TW" dirty="0"/>
+          </a:p>
+          <a:p>
+            <a:endParaRPr lang="en-US" altLang="zh-TW" dirty="0"/>
+          </a:p>
+          <a:p>
+            <a:pPr marL="0" indent="0">
+              <a:buNone/>
+            </a:pPr>
+            <a:r>
+              <a:rPr lang="zh-TW" altLang="en-US" dirty="0"/>
+              <a:t>如果要判斷返回資料的格式，最簡單的方式便是利用</a:t>
+            </a:r>
+            <a:r>
+              <a:rPr lang="en-US" altLang="zh-TW" dirty="0"/>
+              <a:t>type()</a:t>
+            </a:r>
+            <a:r>
+              <a:rPr lang="zh-TW" altLang="en-US" dirty="0"/>
+              <a:t>來得到資料型態，透過</a:t>
+            </a:r>
+            <a:r>
+              <a:rPr lang="en-US" altLang="zh-TW" dirty="0" err="1"/>
+              <a:t>dir</a:t>
+            </a:r>
+            <a:r>
+              <a:rPr lang="en-US" altLang="zh-TW" dirty="0"/>
+              <a:t>()</a:t>
+            </a:r>
+            <a:r>
+              <a:rPr lang="zh-TW" altLang="en-US" dirty="0"/>
+              <a:t>來得到可以使用的方法。</a:t>
+            </a:r>
+          </a:p>
+        </p:txBody>
+      </p:sp>
+      <p:sp>
+        <p:nvSpPr>
+          <p:cNvPr id="3" name="標題 2">
+            <a:extLst>
+              <a:ext uri="{FF2B5EF4-FFF2-40B4-BE49-F238E27FC236}">
+                <a16:creationId xmlns:a16="http://schemas.microsoft.com/office/drawing/2014/main" id="{27AACF31-B26F-4D1C-856A-7B09BF30E133}"/>
+              </a:ext>
+            </a:extLst>
+          </p:cNvPr>
+          <p:cNvSpPr>
+            <a:spLocks noGrp="1"/>
+          </p:cNvSpPr>
+          <p:nvPr>
+            <p:ph type="title"/>
+          </p:nvPr>
+        </p:nvSpPr>
+        <p:spPr/>
+        <p:txBody>
+          <a:bodyPr/>
+          <a:lstStyle/>
+          <a:p>
+            <a:r>
+              <a:rPr lang="zh-TW" altLang="en-US" dirty="0"/>
+              <a:t>如何理解</a:t>
+            </a:r>
+            <a:r>
+              <a:rPr lang="en-US" altLang="zh-TW" dirty="0"/>
+              <a:t>AEDT</a:t>
+            </a:r>
+            <a:r>
+              <a:rPr lang="zh-TW" altLang="en-US" dirty="0"/>
+              <a:t>的方法參數</a:t>
+            </a:r>
+          </a:p>
+        </p:txBody>
+      </p:sp>
+    </p:spTree>
+    <p:extLst>
+      <p:ext uri="{BB962C8B-B14F-4D97-AF65-F5344CB8AC3E}">
+        <p14:creationId xmlns:p14="http://schemas.microsoft.com/office/powerpoint/2010/main" val="634685143"/>
+      </p:ext>
+    </p:extLst>
+  </p:cSld>
+  <p:clrMapOvr>
+    <a:masterClrMapping/>
+  </p:clrMapOvr>
+  <mc:AlternateContent xmlns:mc="http://schemas.openxmlformats.org/markup-compatibility/2006" xmlns:p14="http://schemas.microsoft.com/office/powerpoint/2010/main">
+    <mc:Choice Requires="p14">
+      <p:transition p14:dur="250">
+        <p:fade/>
+      </p:transition>
+    </mc:Choice>
+    <mc:Fallback xmlns="">
+      <p:transition>
+        <p:fade/>
+      </p:transition>
+    </mc:Fallback>
+  </mc:AlternateContent>
+</p:sld>
+</file>
+
+<file path=ppt/slides/slide18.xml><?xml version="1.0" encoding="utf-8"?>
+<p:sld xmlns:a="http://schemas.openxmlformats.org/drawingml/2006/main" xmlns:r="http://schemas.openxmlformats.org/officeDocument/2006/relationships" xmlns:p="http://schemas.openxmlformats.org/presentationml/2006/main">
+  <p:cSld>
+    <p:spTree>
+      <p:nvGrpSpPr>
+        <p:cNvPr id="1" name=""/>
+        <p:cNvGrpSpPr/>
+        <p:nvPr/>
+      </p:nvGrpSpPr>
+      <p:grpSpPr>
+        <a:xfrm>
+          <a:off x="0" y="0"/>
+          <a:ext cx="0" cy="0"/>
+          <a:chOff x="0" y="0"/>
+          <a:chExt cx="0" cy="0"/>
+        </a:xfrm>
+      </p:grpSpPr>
+      <p:sp>
+        <p:nvSpPr>
+          <p:cNvPr id="6" name="內容版面配置區 5">
+            <a:extLst>
+              <a:ext uri="{FF2B5EF4-FFF2-40B4-BE49-F238E27FC236}">
+                <a16:creationId xmlns:a16="http://schemas.microsoft.com/office/drawing/2014/main" id="{E6D230C9-887C-4C4E-B984-BA22A68FD7F3}"/>
+              </a:ext>
+            </a:extLst>
+          </p:cNvPr>
+          <p:cNvSpPr>
+            <a:spLocks noGrp="1"/>
+          </p:cNvSpPr>
+          <p:nvPr>
+            <p:ph idx="1"/>
+          </p:nvPr>
+        </p:nvSpPr>
+        <p:spPr/>
+        <p:txBody>
+          <a:bodyPr/>
+          <a:lstStyle/>
+          <a:p>
+            <a:pPr marL="0" indent="0">
+              <a:buNone/>
+            </a:pPr>
+            <a:r>
+              <a:rPr lang="zh-TW" altLang="en-US" dirty="0"/>
+              <a:t>錄製腳本對於開發</a:t>
+            </a:r>
+            <a:r>
+              <a:rPr lang="en-US" altLang="zh-TW" dirty="0"/>
+              <a:t>AEDT</a:t>
+            </a:r>
+            <a:r>
+              <a:rPr lang="zh-TW" altLang="en-US" dirty="0"/>
+              <a:t>自動化程式有相對大的幫助。由於腳本的函式碼對應使用者的操作，減少了許多查詢及試錯的時間。要注意到的是腳本的檔頭如果有中文字符，必須先移除。</a:t>
+            </a:r>
+            <a:r>
+              <a:rPr lang="en-US" altLang="zh-TW" dirty="0"/>
+              <a:t>project</a:t>
+            </a:r>
+            <a:r>
+              <a:rPr lang="zh-TW" altLang="en-US" dirty="0"/>
+              <a:t>與</a:t>
+            </a:r>
+            <a:r>
+              <a:rPr lang="en-US" altLang="zh-TW" dirty="0"/>
+              <a:t>design</a:t>
+            </a:r>
+            <a:r>
+              <a:rPr lang="zh-TW" altLang="en-US" dirty="0"/>
+              <a:t>的部分也要改成</a:t>
+            </a:r>
+            <a:r>
+              <a:rPr lang="en-US" altLang="zh-TW" dirty="0" err="1"/>
+              <a:t>GetActiveProject</a:t>
+            </a:r>
+            <a:r>
+              <a:rPr lang="en-US" altLang="zh-TW" dirty="0"/>
+              <a:t>()</a:t>
+            </a:r>
+            <a:r>
+              <a:rPr lang="zh-TW" altLang="en-US" dirty="0"/>
+              <a:t>及</a:t>
+            </a:r>
+            <a:r>
+              <a:rPr lang="en-US" altLang="zh-TW" dirty="0" err="1"/>
+              <a:t>GetActiveDesign</a:t>
+            </a:r>
+            <a:r>
+              <a:rPr lang="en-US" altLang="zh-TW" dirty="0"/>
+              <a:t>()</a:t>
+            </a:r>
+            <a:r>
+              <a:rPr lang="zh-TW" altLang="en-US" dirty="0"/>
+              <a:t>。使其可以使用在其他的專案。</a:t>
+            </a:r>
+            <a:endParaRPr lang="en-US" altLang="zh-TW" dirty="0"/>
+          </a:p>
+          <a:p>
+            <a:endParaRPr lang="en-US" altLang="zh-TW" dirty="0"/>
+          </a:p>
+          <a:p>
+            <a:pPr marL="0" indent="0">
+              <a:buNone/>
+            </a:pPr>
+            <a:r>
+              <a:rPr lang="zh-TW" altLang="en-US" dirty="0"/>
+              <a:t>如果要加上迴圈及判斷式，最好先將錄製的函式進行封裝簡化其輸出輸入。要留意保持正確的輸入參數型別。可以加上</a:t>
+            </a:r>
+            <a:r>
+              <a:rPr lang="en-US" altLang="zh-TW" dirty="0" err="1"/>
+              <a:t>AddWarningMessage</a:t>
+            </a:r>
+            <a:r>
+              <a:rPr lang="en-US" altLang="zh-TW" dirty="0"/>
+              <a:t>(str(X))</a:t>
+            </a:r>
+            <a:r>
+              <a:rPr lang="zh-TW" altLang="en-US" dirty="0"/>
+              <a:t>適時的將執行過程中的變數值</a:t>
+            </a:r>
+            <a:r>
+              <a:rPr lang="en-US" altLang="zh-TW" dirty="0"/>
+              <a:t>(X)</a:t>
+            </a:r>
+            <a:r>
+              <a:rPr lang="zh-TW" altLang="en-US" dirty="0"/>
+              <a:t>輸出到訊息視窗，這有助於除錯。</a:t>
+            </a:r>
+          </a:p>
+        </p:txBody>
+      </p:sp>
+      <p:sp>
+        <p:nvSpPr>
+          <p:cNvPr id="5" name="標題 4">
+            <a:extLst>
+              <a:ext uri="{FF2B5EF4-FFF2-40B4-BE49-F238E27FC236}">
+                <a16:creationId xmlns:a16="http://schemas.microsoft.com/office/drawing/2014/main" id="{E031341D-1312-455E-8529-B8D34CD9460F}"/>
+              </a:ext>
+            </a:extLst>
+          </p:cNvPr>
+          <p:cNvSpPr>
+            <a:spLocks noGrp="1"/>
+          </p:cNvSpPr>
+          <p:nvPr>
+            <p:ph type="title"/>
+          </p:nvPr>
+        </p:nvSpPr>
+        <p:spPr/>
+        <p:txBody>
+          <a:bodyPr/>
+          <a:lstStyle/>
+          <a:p>
+            <a:r>
+              <a:rPr lang="zh-TW" altLang="en-US" dirty="0"/>
+              <a:t>錄製及修改</a:t>
+            </a:r>
+          </a:p>
+        </p:txBody>
+      </p:sp>
+    </p:spTree>
+    <p:extLst>
+      <p:ext uri="{BB962C8B-B14F-4D97-AF65-F5344CB8AC3E}">
+        <p14:creationId xmlns:p14="http://schemas.microsoft.com/office/powerpoint/2010/main" val="224239816"/>
+      </p:ext>
+    </p:extLst>
+  </p:cSld>
+  <p:clrMapOvr>
+    <a:masterClrMapping/>
+  </p:clrMapOvr>
+  <mc:AlternateContent xmlns:mc="http://schemas.openxmlformats.org/markup-compatibility/2006" xmlns:p14="http://schemas.microsoft.com/office/powerpoint/2010/main">
+    <mc:Choice Requires="p14">
+      <p:transition p14:dur="250">
+        <p:fade/>
+      </p:transition>
+    </mc:Choice>
+    <mc:Fallback xmlns="">
+      <p:transition>
+        <p:fade/>
+      </p:transition>
+    </mc:Fallback>
+  </mc:AlternateContent>
+</p:sld>
+</file>
+
+<file path=ppt/slides/slide19.xml><?xml version="1.0" encoding="utf-8"?>
+<p:sld xmlns:a="http://schemas.openxmlformats.org/drawingml/2006/main" xmlns:r="http://schemas.openxmlformats.org/officeDocument/2006/relationships" xmlns:p="http://schemas.openxmlformats.org/presentationml/2006/main">
+  <p:cSld>
+    <p:spTree>
+      <p:nvGrpSpPr>
+        <p:cNvPr id="1" name=""/>
+        <p:cNvGrpSpPr/>
+        <p:nvPr/>
+      </p:nvGrpSpPr>
+      <p:grpSpPr>
+        <a:xfrm>
+          <a:off x="0" y="0"/>
+          <a:ext cx="0" cy="0"/>
+          <a:chOff x="0" y="0"/>
+          <a:chExt cx="0" cy="0"/>
+        </a:xfrm>
+      </p:grpSpPr>
+      <p:sp>
+        <p:nvSpPr>
+          <p:cNvPr id="2" name="內容版面配置區 1">
+            <a:extLst>
+              <a:ext uri="{FF2B5EF4-FFF2-40B4-BE49-F238E27FC236}">
+                <a16:creationId xmlns:a16="http://schemas.microsoft.com/office/drawing/2014/main" id="{D4F4BD73-FCD3-44F1-A913-DE46B8132F85}"/>
+              </a:ext>
+            </a:extLst>
+          </p:cNvPr>
+          <p:cNvSpPr>
+            <a:spLocks noGrp="1"/>
+          </p:cNvSpPr>
+          <p:nvPr>
+            <p:ph idx="1"/>
+          </p:nvPr>
+        </p:nvSpPr>
+        <p:spPr/>
+        <p:txBody>
+          <a:bodyPr/>
+          <a:lstStyle/>
+          <a:p>
+            <a:endParaRPr lang="zh-TW" altLang="en-US"/>
+          </a:p>
+        </p:txBody>
+      </p:sp>
+      <p:sp>
+        <p:nvSpPr>
+          <p:cNvPr id="3" name="標題 2">
+            <a:extLst>
+              <a:ext uri="{FF2B5EF4-FFF2-40B4-BE49-F238E27FC236}">
+                <a16:creationId xmlns:a16="http://schemas.microsoft.com/office/drawing/2014/main" id="{7B821B47-8BA5-4FCD-9802-B895214E451E}"/>
+              </a:ext>
+            </a:extLst>
+          </p:cNvPr>
+          <p:cNvSpPr>
+            <a:spLocks noGrp="1"/>
+          </p:cNvSpPr>
+          <p:nvPr>
+            <p:ph type="title"/>
+          </p:nvPr>
+        </p:nvSpPr>
+        <p:spPr/>
+        <p:txBody>
+          <a:bodyPr/>
+          <a:lstStyle/>
+          <a:p>
+            <a:r>
+              <a:rPr lang="zh-TW" altLang="en-US" dirty="0"/>
+              <a:t>讀取屬性作為腳本輸入</a:t>
+            </a:r>
+          </a:p>
+        </p:txBody>
+      </p:sp>
+    </p:spTree>
+    <p:extLst>
+      <p:ext uri="{BB962C8B-B14F-4D97-AF65-F5344CB8AC3E}">
+        <p14:creationId xmlns:p14="http://schemas.microsoft.com/office/powerpoint/2010/main" val="1458989024"/>
       </p:ext>
     </p:extLst>
   </p:cSld>
@@ -12566,6 +13571,449 @@
     <p:extLst>
       <p:ext uri="{BB962C8B-B14F-4D97-AF65-F5344CB8AC3E}">
         <p14:creationId xmlns:p14="http://schemas.microsoft.com/office/powerpoint/2010/main" val="19629556"/>
+      </p:ext>
+    </p:extLst>
+  </p:cSld>
+  <p:clrMapOvr>
+    <a:masterClrMapping/>
+  </p:clrMapOvr>
+  <mc:AlternateContent xmlns:mc="http://schemas.openxmlformats.org/markup-compatibility/2006" xmlns:p14="http://schemas.microsoft.com/office/powerpoint/2010/main">
+    <mc:Choice Requires="p14">
+      <p:transition p14:dur="250">
+        <p:fade/>
+      </p:transition>
+    </mc:Choice>
+    <mc:Fallback xmlns="">
+      <p:transition>
+        <p:fade/>
+      </p:transition>
+    </mc:Fallback>
+  </mc:AlternateContent>
+</p:sld>
+</file>
+
+<file path=ppt/slides/slide20.xml><?xml version="1.0" encoding="utf-8"?>
+<p:sld xmlns:a="http://schemas.openxmlformats.org/drawingml/2006/main" xmlns:r="http://schemas.openxmlformats.org/officeDocument/2006/relationships" xmlns:p="http://schemas.openxmlformats.org/presentationml/2006/main">
+  <p:cSld>
+    <p:spTree>
+      <p:nvGrpSpPr>
+        <p:cNvPr id="1" name=""/>
+        <p:cNvGrpSpPr/>
+        <p:nvPr/>
+      </p:nvGrpSpPr>
+      <p:grpSpPr>
+        <a:xfrm>
+          <a:off x="0" y="0"/>
+          <a:ext cx="0" cy="0"/>
+          <a:chOff x="0" y="0"/>
+          <a:chExt cx="0" cy="0"/>
+        </a:xfrm>
+      </p:grpSpPr>
+      <p:sp>
+        <p:nvSpPr>
+          <p:cNvPr id="2" name="內容版面配置區 1">
+            <a:extLst>
+              <a:ext uri="{FF2B5EF4-FFF2-40B4-BE49-F238E27FC236}">
+                <a16:creationId xmlns:a16="http://schemas.microsoft.com/office/drawing/2014/main" id="{D4F4BD73-FCD3-44F1-A913-DE46B8132F85}"/>
+              </a:ext>
+            </a:extLst>
+          </p:cNvPr>
+          <p:cNvSpPr>
+            <a:spLocks noGrp="1"/>
+          </p:cNvSpPr>
+          <p:nvPr>
+            <p:ph idx="1"/>
+          </p:nvPr>
+        </p:nvSpPr>
+        <p:spPr/>
+        <p:txBody>
+          <a:bodyPr/>
+          <a:lstStyle/>
+          <a:p>
+            <a:endParaRPr lang="zh-TW" altLang="en-US"/>
+          </a:p>
+        </p:txBody>
+      </p:sp>
+      <p:sp>
+        <p:nvSpPr>
+          <p:cNvPr id="3" name="標題 2">
+            <a:extLst>
+              <a:ext uri="{FF2B5EF4-FFF2-40B4-BE49-F238E27FC236}">
+                <a16:creationId xmlns:a16="http://schemas.microsoft.com/office/drawing/2014/main" id="{7B821B47-8BA5-4FCD-9802-B895214E451E}"/>
+              </a:ext>
+            </a:extLst>
+          </p:cNvPr>
+          <p:cNvSpPr>
+            <a:spLocks noGrp="1"/>
+          </p:cNvSpPr>
+          <p:nvPr>
+            <p:ph type="title"/>
+          </p:nvPr>
+        </p:nvSpPr>
+        <p:spPr/>
+        <p:txBody>
+          <a:bodyPr/>
+          <a:lstStyle/>
+          <a:p>
+            <a:r>
+              <a:rPr lang="zh-TW" altLang="en-US" dirty="0"/>
+              <a:t>連結腳本至熱鍵</a:t>
+            </a:r>
+          </a:p>
+        </p:txBody>
+      </p:sp>
+    </p:spTree>
+    <p:extLst>
+      <p:ext uri="{BB962C8B-B14F-4D97-AF65-F5344CB8AC3E}">
+        <p14:creationId xmlns:p14="http://schemas.microsoft.com/office/powerpoint/2010/main" val="156901807"/>
+      </p:ext>
+    </p:extLst>
+  </p:cSld>
+  <p:clrMapOvr>
+    <a:masterClrMapping/>
+  </p:clrMapOvr>
+  <mc:AlternateContent xmlns:mc="http://schemas.openxmlformats.org/markup-compatibility/2006" xmlns:p14="http://schemas.microsoft.com/office/powerpoint/2010/main">
+    <mc:Choice Requires="p14">
+      <p:transition p14:dur="250">
+        <p:fade/>
+      </p:transition>
+    </mc:Choice>
+    <mc:Fallback xmlns="">
+      <p:transition>
+        <p:fade/>
+      </p:transition>
+    </mc:Fallback>
+  </mc:AlternateContent>
+</p:sld>
+</file>
+
+<file path=ppt/slides/slide21.xml><?xml version="1.0" encoding="utf-8"?>
+<p:sld xmlns:a="http://schemas.openxmlformats.org/drawingml/2006/main" xmlns:r="http://schemas.openxmlformats.org/officeDocument/2006/relationships" xmlns:p="http://schemas.openxmlformats.org/presentationml/2006/main">
+  <p:cSld>
+    <p:spTree>
+      <p:nvGrpSpPr>
+        <p:cNvPr id="1" name=""/>
+        <p:cNvGrpSpPr/>
+        <p:nvPr/>
+      </p:nvGrpSpPr>
+      <p:grpSpPr>
+        <a:xfrm>
+          <a:off x="0" y="0"/>
+          <a:ext cx="0" cy="0"/>
+          <a:chOff x="0" y="0"/>
+          <a:chExt cx="0" cy="0"/>
+        </a:xfrm>
+      </p:grpSpPr>
+      <p:sp>
+        <p:nvSpPr>
+          <p:cNvPr id="4" name="文字版面配置區 3">
+            <a:extLst>
+              <a:ext uri="{FF2B5EF4-FFF2-40B4-BE49-F238E27FC236}">
+                <a16:creationId xmlns:a16="http://schemas.microsoft.com/office/drawing/2014/main" id="{2FA54F75-D405-4104-B6BB-EA44A23A109A}"/>
+              </a:ext>
+            </a:extLst>
+          </p:cNvPr>
+          <p:cNvSpPr>
+            <a:spLocks noGrp="1"/>
+          </p:cNvSpPr>
+          <p:nvPr>
+            <p:ph type="body" sz="quarter" idx="10"/>
+          </p:nvPr>
+        </p:nvSpPr>
+        <p:spPr/>
+        <p:txBody>
+          <a:bodyPr>
+            <a:normAutofit/>
+          </a:bodyPr>
+          <a:lstStyle/>
+          <a:p>
+            <a:r>
+              <a:rPr lang="zh-TW" altLang="en-US" dirty="0"/>
+              <a:t>範例解說：設定多組</a:t>
+            </a:r>
+            <a:r>
+              <a:rPr lang="en-US" altLang="zh-TW" dirty="0"/>
+              <a:t>Eye Source</a:t>
+            </a:r>
+            <a:r>
+              <a:rPr lang="zh-TW" altLang="en-US" dirty="0"/>
+              <a:t>及</a:t>
+            </a:r>
+            <a:r>
+              <a:rPr lang="en-US" altLang="zh-TW" dirty="0" err="1"/>
+              <a:t>EyeProbe</a:t>
+            </a:r>
+            <a:endParaRPr lang="zh-TW" altLang="en-US" dirty="0"/>
+          </a:p>
+        </p:txBody>
+      </p:sp>
+      <p:sp>
+        <p:nvSpPr>
+          <p:cNvPr id="5" name="文字版面配置區 4">
+            <a:extLst>
+              <a:ext uri="{FF2B5EF4-FFF2-40B4-BE49-F238E27FC236}">
+                <a16:creationId xmlns:a16="http://schemas.microsoft.com/office/drawing/2014/main" id="{CEE2A55E-C73D-43FF-AA36-95C0FF95B7B1}"/>
+              </a:ext>
+            </a:extLst>
+          </p:cNvPr>
+          <p:cNvSpPr>
+            <a:spLocks noGrp="1"/>
+          </p:cNvSpPr>
+          <p:nvPr>
+            <p:ph type="body" sz="quarter" idx="12"/>
+          </p:nvPr>
+        </p:nvSpPr>
+        <p:spPr/>
+        <p:txBody>
+          <a:bodyPr/>
+          <a:lstStyle/>
+          <a:p>
+            <a:endParaRPr lang="zh-TW" altLang="en-US"/>
+          </a:p>
+        </p:txBody>
+      </p:sp>
+    </p:spTree>
+    <p:extLst>
+      <p:ext uri="{BB962C8B-B14F-4D97-AF65-F5344CB8AC3E}">
+        <p14:creationId xmlns:p14="http://schemas.microsoft.com/office/powerpoint/2010/main" val="2181700493"/>
+      </p:ext>
+    </p:extLst>
+  </p:cSld>
+  <p:clrMapOvr>
+    <a:masterClrMapping/>
+  </p:clrMapOvr>
+  <mc:AlternateContent xmlns:mc="http://schemas.openxmlformats.org/markup-compatibility/2006" xmlns:p14="http://schemas.microsoft.com/office/powerpoint/2010/main">
+    <mc:Choice Requires="p14">
+      <p:transition p14:dur="250">
+        <p:fade/>
+      </p:transition>
+    </mc:Choice>
+    <mc:Fallback xmlns="">
+      <p:transition>
+        <p:fade/>
+      </p:transition>
+    </mc:Fallback>
+  </mc:AlternateContent>
+</p:sld>
+</file>
+
+<file path=ppt/slides/slide22.xml><?xml version="1.0" encoding="utf-8"?>
+<p:sld xmlns:a="http://schemas.openxmlformats.org/drawingml/2006/main" xmlns:r="http://schemas.openxmlformats.org/officeDocument/2006/relationships" xmlns:p="http://schemas.openxmlformats.org/presentationml/2006/main">
+  <p:cSld>
+    <p:spTree>
+      <p:nvGrpSpPr>
+        <p:cNvPr id="1" name=""/>
+        <p:cNvGrpSpPr/>
+        <p:nvPr/>
+      </p:nvGrpSpPr>
+      <p:grpSpPr>
+        <a:xfrm>
+          <a:off x="0" y="0"/>
+          <a:ext cx="0" cy="0"/>
+          <a:chOff x="0" y="0"/>
+          <a:chExt cx="0" cy="0"/>
+        </a:xfrm>
+      </p:grpSpPr>
+      <p:sp>
+        <p:nvSpPr>
+          <p:cNvPr id="4" name="文字版面配置區 3">
+            <a:extLst>
+              <a:ext uri="{FF2B5EF4-FFF2-40B4-BE49-F238E27FC236}">
+                <a16:creationId xmlns:a16="http://schemas.microsoft.com/office/drawing/2014/main" id="{2FA54F75-D405-4104-B6BB-EA44A23A109A}"/>
+              </a:ext>
+            </a:extLst>
+          </p:cNvPr>
+          <p:cNvSpPr>
+            <a:spLocks noGrp="1"/>
+          </p:cNvSpPr>
+          <p:nvPr>
+            <p:ph type="body" sz="quarter" idx="10"/>
+          </p:nvPr>
+        </p:nvSpPr>
+        <p:spPr/>
+        <p:txBody>
+          <a:bodyPr/>
+          <a:lstStyle/>
+          <a:p>
+            <a:r>
+              <a:rPr lang="zh-TW" altLang="en-US" dirty="0"/>
+              <a:t>專題討論 </a:t>
+            </a:r>
+          </a:p>
+        </p:txBody>
+      </p:sp>
+      <p:sp>
+        <p:nvSpPr>
+          <p:cNvPr id="5" name="文字版面配置區 4">
+            <a:extLst>
+              <a:ext uri="{FF2B5EF4-FFF2-40B4-BE49-F238E27FC236}">
+                <a16:creationId xmlns:a16="http://schemas.microsoft.com/office/drawing/2014/main" id="{CEE2A55E-C73D-43FF-AA36-95C0FF95B7B1}"/>
+              </a:ext>
+            </a:extLst>
+          </p:cNvPr>
+          <p:cNvSpPr>
+            <a:spLocks noGrp="1"/>
+          </p:cNvSpPr>
+          <p:nvPr>
+            <p:ph type="body" sz="quarter" idx="12"/>
+          </p:nvPr>
+        </p:nvSpPr>
+        <p:spPr/>
+        <p:txBody>
+          <a:bodyPr/>
+          <a:lstStyle/>
+          <a:p>
+            <a:endParaRPr lang="zh-TW" altLang="en-US"/>
+          </a:p>
+        </p:txBody>
+      </p:sp>
+    </p:spTree>
+    <p:extLst>
+      <p:ext uri="{BB962C8B-B14F-4D97-AF65-F5344CB8AC3E}">
+        <p14:creationId xmlns:p14="http://schemas.microsoft.com/office/powerpoint/2010/main" val="929909194"/>
+      </p:ext>
+    </p:extLst>
+  </p:cSld>
+  <p:clrMapOvr>
+    <a:masterClrMapping/>
+  </p:clrMapOvr>
+  <mc:AlternateContent xmlns:mc="http://schemas.openxmlformats.org/markup-compatibility/2006" xmlns:p14="http://schemas.microsoft.com/office/powerpoint/2010/main">
+    <mc:Choice Requires="p14">
+      <p:transition p14:dur="250">
+        <p:fade/>
+      </p:transition>
+    </mc:Choice>
+    <mc:Fallback xmlns="">
+      <p:transition>
+        <p:fade/>
+      </p:transition>
+    </mc:Fallback>
+  </mc:AlternateContent>
+</p:sld>
+</file>
+
+<file path=ppt/slides/slide23.xml><?xml version="1.0" encoding="utf-8"?>
+<p:sld xmlns:a="http://schemas.openxmlformats.org/drawingml/2006/main" xmlns:r="http://schemas.openxmlformats.org/officeDocument/2006/relationships" xmlns:p="http://schemas.openxmlformats.org/presentationml/2006/main">
+  <p:cSld>
+    <p:spTree>
+      <p:nvGrpSpPr>
+        <p:cNvPr id="1" name=""/>
+        <p:cNvGrpSpPr/>
+        <p:nvPr/>
+      </p:nvGrpSpPr>
+      <p:grpSpPr>
+        <a:xfrm>
+          <a:off x="0" y="0"/>
+          <a:ext cx="0" cy="0"/>
+          <a:chOff x="0" y="0"/>
+          <a:chExt cx="0" cy="0"/>
+        </a:xfrm>
+      </p:grpSpPr>
+      <p:sp>
+        <p:nvSpPr>
+          <p:cNvPr id="5" name="內容版面配置區 4">
+            <a:extLst>
+              <a:ext uri="{FF2B5EF4-FFF2-40B4-BE49-F238E27FC236}">
+                <a16:creationId xmlns:a16="http://schemas.microsoft.com/office/drawing/2014/main" id="{221EB24A-D4DB-45CB-BE7B-D41F7B493329}"/>
+              </a:ext>
+            </a:extLst>
+          </p:cNvPr>
+          <p:cNvSpPr>
+            <a:spLocks noGrp="1"/>
+          </p:cNvSpPr>
+          <p:nvPr>
+            <p:ph idx="1"/>
+          </p:nvPr>
+        </p:nvSpPr>
+        <p:spPr/>
+        <p:txBody>
+          <a:bodyPr/>
+          <a:lstStyle/>
+          <a:p>
+            <a:r>
+              <a:rPr lang="zh-TW" altLang="en-US" dirty="0"/>
+              <a:t>題目</a:t>
+            </a:r>
+            <a:r>
+              <a:rPr lang="en-US" altLang="zh-TW" dirty="0"/>
+              <a:t>:</a:t>
+            </a:r>
+          </a:p>
+          <a:p>
+            <a:r>
+              <a:rPr lang="zh-TW" altLang="en-US" dirty="0"/>
+              <a:t>緣由</a:t>
+            </a:r>
+            <a:r>
+              <a:rPr lang="en-US" altLang="zh-TW" dirty="0"/>
+              <a:t>:</a:t>
+            </a:r>
+          </a:p>
+          <a:p>
+            <a:r>
+              <a:rPr lang="zh-TW" altLang="en-US" dirty="0"/>
+              <a:t>輸入</a:t>
+            </a:r>
+            <a:r>
+              <a:rPr lang="en-US" altLang="zh-TW" dirty="0"/>
+              <a:t>:</a:t>
+            </a:r>
+          </a:p>
+          <a:p>
+            <a:r>
+              <a:rPr lang="zh-TW" altLang="en-US" dirty="0"/>
+              <a:t>輸出</a:t>
+            </a:r>
+            <a:r>
+              <a:rPr lang="en-US" altLang="zh-TW" dirty="0"/>
+              <a:t>:</a:t>
+            </a:r>
+          </a:p>
+          <a:p>
+            <a:r>
+              <a:rPr lang="zh-TW" altLang="en-US" dirty="0"/>
+              <a:t>該如何分解題目</a:t>
+            </a:r>
+            <a:r>
+              <a:rPr lang="en-US" altLang="zh-TW" dirty="0"/>
+              <a:t>:</a:t>
+            </a:r>
+            <a:endParaRPr lang="zh-TW" altLang="en-US" dirty="0"/>
+          </a:p>
+        </p:txBody>
+      </p:sp>
+      <p:sp>
+        <p:nvSpPr>
+          <p:cNvPr id="4" name="標題 3">
+            <a:extLst>
+              <a:ext uri="{FF2B5EF4-FFF2-40B4-BE49-F238E27FC236}">
+                <a16:creationId xmlns:a16="http://schemas.microsoft.com/office/drawing/2014/main" id="{1854605A-57A1-476A-82F9-537D284E62C2}"/>
+              </a:ext>
+            </a:extLst>
+          </p:cNvPr>
+          <p:cNvSpPr>
+            <a:spLocks noGrp="1"/>
+          </p:cNvSpPr>
+          <p:nvPr>
+            <p:ph type="title"/>
+          </p:nvPr>
+        </p:nvSpPr>
+        <p:spPr/>
+        <p:txBody>
+          <a:bodyPr/>
+          <a:lstStyle/>
+          <a:p>
+            <a:r>
+              <a:rPr lang="zh-TW" altLang="en-US" dirty="0"/>
+              <a:t>個人專題分享</a:t>
+            </a:r>
+          </a:p>
+        </p:txBody>
+      </p:sp>
+    </p:spTree>
+    <p:extLst>
+      <p:ext uri="{BB962C8B-B14F-4D97-AF65-F5344CB8AC3E}">
+        <p14:creationId xmlns:p14="http://schemas.microsoft.com/office/powerpoint/2010/main" val="1266417032"/>
       </p:ext>
     </p:extLst>
   </p:cSld>
@@ -13073,7 +14521,7 @@
           <p:cNvPr id="2" name="內容版面配置區 1">
             <a:extLst>
               <a:ext uri="{FF2B5EF4-FFF2-40B4-BE49-F238E27FC236}">
-                <a16:creationId xmlns:a16="http://schemas.microsoft.com/office/drawing/2014/main" id="{3C850A5C-0B10-4870-9F52-83ACBC4FB27D}"/>
+                <a16:creationId xmlns:a16="http://schemas.microsoft.com/office/drawing/2014/main" id="{3C0836BA-41C1-4877-85B9-A657301C71C9}"/>
               </a:ext>
             </a:extLst>
           </p:cNvPr>
@@ -13087,76 +14535,42 @@
         <p:spPr>
           <a:xfrm>
             <a:off x="609600" y="1371600"/>
-            <a:ext cx="6087533" cy="4762471"/>
+            <a:ext cx="6860875" cy="4762471"/>
           </a:xfrm>
         </p:spPr>
         <p:txBody>
-          <a:bodyPr>
-            <a:normAutofit/>
-          </a:bodyPr>
+          <a:bodyPr/>
           <a:lstStyle/>
           <a:p>
             <a:pPr marL="0" indent="0">
               <a:buNone/>
             </a:pPr>
             <a:r>
-              <a:rPr lang="en-US" altLang="zh-TW" dirty="0"/>
-              <a:t>csv1=['1,5','2,6','3,7', '4,8']</a:t>
-            </a:r>
-          </a:p>
-          <a:p>
-            <a:pPr marL="0" indent="0">
-              <a:buNone/>
-            </a:pPr>
-            <a:r>
-              <a:rPr lang="en-US" altLang="zh-TW" dirty="0"/>
-              <a:t>csv2=['#comment', '1,5','2,6','3,7', '4,8']</a:t>
-            </a:r>
-          </a:p>
-          <a:p>
-            <a:pPr marL="0" indent="0">
-              <a:buNone/>
-            </a:pPr>
-            <a:r>
-              <a:rPr lang="en-US" altLang="zh-TW" dirty="0"/>
-              <a:t>csv3=['2020,06,05', '1,5','2,6','3,7', '4,8']</a:t>
-            </a:r>
-          </a:p>
-          <a:p>
-            <a:pPr marL="0" indent="0">
-              <a:buNone/>
-            </a:pPr>
-            <a:r>
-              <a:rPr lang="en-US" altLang="zh-TW" dirty="0"/>
-              <a:t>csv4=['ANSYS','HFSS','1,5','2,6','3,7', '4,8']</a:t>
-            </a:r>
-          </a:p>
-          <a:p>
-            <a:pPr marL="0" indent="0">
-              <a:buNone/>
-            </a:pPr>
-            <a:r>
-              <a:rPr lang="en-US" altLang="zh-TW" dirty="0"/>
-              <a:t>csv5=['time, volt','1,5','2,6','3,7', '4,8']</a:t>
-            </a:r>
-          </a:p>
-          <a:p>
-            <a:pPr marL="0" indent="0">
-              <a:buNone/>
-            </a:pPr>
-            <a:r>
-              <a:rPr lang="en-US" altLang="zh-TW" dirty="0"/>
-              <a:t>csv6=['     ', '1,5','2,6','3,7', '4,8']</a:t>
-            </a:r>
-          </a:p>
-          <a:p>
-            <a:pPr marL="0" indent="0">
-              <a:buNone/>
-            </a:pPr>
-            <a:r>
-              <a:rPr lang="en-US" altLang="zh-TW" dirty="0"/>
-              <a:t>csv7=['1,5','2,6','3,7', '4,8', '']</a:t>
-            </a:r>
+              <a:rPr lang="zh-TW" altLang="en-US" dirty="0"/>
+              <a:t>函數將一組完整攻能的代碼包裹起來，僅透過參數傳遞資料，並在完成計算之後回傳結果。其功能主要有下列幾點：</a:t>
+            </a:r>
+            <a:endParaRPr lang="en-US" altLang="zh-TW" dirty="0"/>
+          </a:p>
+          <a:p>
+            <a:r>
+              <a:rPr lang="zh-TW" altLang="en-US" dirty="0"/>
+              <a:t>需要重複使用某一段程式碼時</a:t>
+            </a:r>
+            <a:endParaRPr lang="en-US" altLang="zh-TW" dirty="0"/>
+          </a:p>
+          <a:p>
+            <a:r>
+              <a:rPr lang="zh-TW" altLang="en-US" dirty="0"/>
+              <a:t>需要分隔功能，提高程式碼的可讀性時</a:t>
+            </a:r>
+            <a:endParaRPr lang="en-US" altLang="zh-TW" dirty="0"/>
+          </a:p>
+          <a:p>
+            <a:r>
+              <a:rPr lang="zh-TW" altLang="en-US" dirty="0"/>
+              <a:t>需要限縮變量的範圍時（可簡化變數命名工作）</a:t>
+            </a:r>
+            <a:endParaRPr lang="en-US" altLang="zh-TW" dirty="0"/>
           </a:p>
         </p:txBody>
       </p:sp>
@@ -13165,7 +14579,7 @@
           <p:cNvPr id="3" name="標題 2">
             <a:extLst>
               <a:ext uri="{FF2B5EF4-FFF2-40B4-BE49-F238E27FC236}">
-                <a16:creationId xmlns:a16="http://schemas.microsoft.com/office/drawing/2014/main" id="{DA7D02FA-5EDB-4AA9-9818-8E79AA64DF8B}"/>
+                <a16:creationId xmlns:a16="http://schemas.microsoft.com/office/drawing/2014/main" id="{8CFF7B32-9BBF-4B28-B5CF-3F687B116FF4}"/>
               </a:ext>
             </a:extLst>
           </p:cNvPr>
@@ -13183,30 +14597,17 @@
           <a:p>
             <a:r>
               <a:rPr lang="zh-TW" altLang="en-US" dirty="0"/>
-              <a:t>如何寫出一組代碼將不同</a:t>
-            </a:r>
-            <a:r>
-              <a:rPr lang="en-US" altLang="zh-TW" dirty="0"/>
-              <a:t>csv</a:t>
-            </a:r>
-            <a:r>
-              <a:rPr lang="zh-TW" altLang="en-US" dirty="0"/>
-              <a:t>檔讀入的字串處理成</a:t>
-            </a:r>
-            <a:r>
-              <a:rPr lang="en-US" altLang="zh-TW" dirty="0"/>
-              <a:t>list of tuple</a:t>
-            </a:r>
-            <a:endParaRPr lang="zh-TW" altLang="en-US" dirty="0"/>
+              <a:t>使用函數的時機為何？</a:t>
+            </a:r>
           </a:p>
         </p:txBody>
       </p:sp>
       <p:pic>
         <p:nvPicPr>
-          <p:cNvPr id="4" name="圖片 3">
-            <a:extLst>
-              <a:ext uri="{FF2B5EF4-FFF2-40B4-BE49-F238E27FC236}">
-                <a16:creationId xmlns:a16="http://schemas.microsoft.com/office/drawing/2014/main" id="{13D75680-B5D2-4231-AF90-6909699FA7DE}"/>
+          <p:cNvPr id="7" name="圖片 6" descr="在背景的方程式">
+            <a:extLst>
+              <a:ext uri="{FF2B5EF4-FFF2-40B4-BE49-F238E27FC236}">
+                <a16:creationId xmlns:a16="http://schemas.microsoft.com/office/drawing/2014/main" id="{F0558DBF-4236-46EA-989C-10E46F417DAE}"/>
               </a:ext>
             </a:extLst>
           </p:cNvPr>
@@ -13216,154 +14617,31 @@
           <p:nvPr/>
         </p:nvPicPr>
         <p:blipFill>
-          <a:blip r:embed="rId2"/>
+          <a:blip r:embed="rId2">
+            <a:extLst>
+              <a:ext uri="{28A0092B-C50C-407E-A947-70E740481C1C}">
+                <a14:useLocalDpi xmlns:a14="http://schemas.microsoft.com/office/drawing/2010/main" val="0"/>
+              </a:ext>
+            </a:extLst>
+          </a:blip>
           <a:stretch>
             <a:fillRect/>
           </a:stretch>
         </p:blipFill>
         <p:spPr>
           <a:xfrm>
-            <a:off x="7405972" y="1273818"/>
-            <a:ext cx="4266667" cy="1885714"/>
+            <a:off x="7470475" y="1371600"/>
+            <a:ext cx="4390845" cy="3293133"/>
           </a:xfrm>
           <a:prstGeom prst="rect">
             <a:avLst/>
           </a:prstGeom>
         </p:spPr>
       </p:pic>
-      <p:pic>
-        <p:nvPicPr>
-          <p:cNvPr id="5" name="圖片 4">
-            <a:extLst>
-              <a:ext uri="{FF2B5EF4-FFF2-40B4-BE49-F238E27FC236}">
-                <a16:creationId xmlns:a16="http://schemas.microsoft.com/office/drawing/2014/main" id="{6D562F4E-8C74-4814-8B73-DA7C947D2D53}"/>
-              </a:ext>
-            </a:extLst>
-          </p:cNvPr>
-          <p:cNvPicPr>
-            <a:picLocks noChangeAspect="1"/>
-          </p:cNvPicPr>
-          <p:nvPr/>
-        </p:nvPicPr>
-        <p:blipFill>
-          <a:blip r:embed="rId3"/>
-          <a:stretch>
-            <a:fillRect/>
-          </a:stretch>
-        </p:blipFill>
-        <p:spPr>
-          <a:xfrm>
-            <a:off x="4628603" y="4935255"/>
-            <a:ext cx="7275529" cy="747382"/>
-          </a:xfrm>
-          <a:prstGeom prst="rect">
-            <a:avLst/>
-          </a:prstGeom>
-        </p:spPr>
-      </p:pic>
-      <p:sp>
-        <p:nvSpPr>
-          <p:cNvPr id="6" name="語音泡泡: 矩形 5">
-            <a:extLst>
-              <a:ext uri="{FF2B5EF4-FFF2-40B4-BE49-F238E27FC236}">
-                <a16:creationId xmlns:a16="http://schemas.microsoft.com/office/drawing/2014/main" id="{AF38F194-145A-4E55-98CA-85423943B855}"/>
-              </a:ext>
-            </a:extLst>
-          </p:cNvPr>
-          <p:cNvSpPr/>
-          <p:nvPr/>
-        </p:nvSpPr>
-        <p:spPr>
-          <a:xfrm>
-            <a:off x="6697133" y="3752835"/>
-            <a:ext cx="3022600" cy="971565"/>
-          </a:xfrm>
-          <a:prstGeom prst="wedgeRectCallout">
-            <a:avLst>
-              <a:gd name="adj1" fmla="val 29297"/>
-              <a:gd name="adj2" fmla="val -132936"/>
-            </a:avLst>
-          </a:prstGeom>
-          <a:solidFill>
-            <a:srgbClr val="FF0000"/>
-          </a:solidFill>
-        </p:spPr>
-        <p:style>
-          <a:lnRef idx="2">
-            <a:schemeClr val="accent1">
-              <a:shade val="50000"/>
-            </a:schemeClr>
-          </a:lnRef>
-          <a:fillRef idx="1">
-            <a:schemeClr val="accent1"/>
-          </a:fillRef>
-          <a:effectRef idx="0">
-            <a:schemeClr val="accent1"/>
-          </a:effectRef>
-          <a:fontRef idx="minor">
-            <a:schemeClr val="lt1"/>
-          </a:fontRef>
-        </p:style>
-        <p:txBody>
-          <a:bodyPr rtlCol="0" anchor="ctr"/>
-          <a:lstStyle/>
-          <a:p>
-            <a:pPr algn="ctr"/>
-            <a:r>
-              <a:rPr lang="zh-TW" altLang="en-US" dirty="0">
-                <a:highlight>
-                  <a:srgbClr val="FF0000"/>
-                </a:highlight>
-              </a:rPr>
-              <a:t>只能處理</a:t>
-            </a:r>
-            <a:r>
-              <a:rPr lang="en-US" altLang="zh-TW" dirty="0">
-                <a:highlight>
-                  <a:srgbClr val="FF0000"/>
-                </a:highlight>
-              </a:rPr>
-              <a:t>csv1, </a:t>
-            </a:r>
-            <a:r>
-              <a:rPr lang="zh-TW" altLang="en-US" dirty="0">
-                <a:highlight>
-                  <a:srgbClr val="FF0000"/>
-                </a:highlight>
-              </a:rPr>
-              <a:t>處理其他</a:t>
-            </a:r>
-            <a:endParaRPr lang="en-US" altLang="zh-TW" dirty="0">
-              <a:highlight>
-                <a:srgbClr val="FF0000"/>
-              </a:highlight>
-            </a:endParaRPr>
-          </a:p>
-          <a:p>
-            <a:pPr algn="ctr"/>
-            <a:r>
-              <a:rPr lang="en-US" altLang="zh-TW" dirty="0">
-                <a:highlight>
-                  <a:srgbClr val="FF0000"/>
-                </a:highlight>
-              </a:rPr>
-              <a:t>(csv2-csv7) </a:t>
-            </a:r>
-            <a:r>
-              <a:rPr lang="zh-TW" altLang="en-US" dirty="0">
-                <a:highlight>
-                  <a:srgbClr val="FF0000"/>
-                </a:highlight>
-              </a:rPr>
-              <a:t>都會錯誤</a:t>
-            </a:r>
-          </a:p>
-        </p:txBody>
-      </p:sp>
     </p:spTree>
     <p:extLst>
       <p:ext uri="{BB962C8B-B14F-4D97-AF65-F5344CB8AC3E}">
-        <p14:creationId xmlns:p14="http://schemas.microsoft.com/office/powerpoint/2010/main" val="3776458717"/>
+        <p14:creationId xmlns:p14="http://schemas.microsoft.com/office/powerpoint/2010/main" val="3521337715"/>
       </p:ext>
     </p:extLst>
   </p:cSld>
@@ -13402,44 +14680,141 @@
           <a:chExt cx="0" cy="0"/>
         </a:xfrm>
       </p:grpSpPr>
-      <p:pic>
-        <p:nvPicPr>
-          <p:cNvPr id="9" name="內容版面配置區 8">
-            <a:extLst>
-              <a:ext uri="{FF2B5EF4-FFF2-40B4-BE49-F238E27FC236}">
-                <a16:creationId xmlns:a16="http://schemas.microsoft.com/office/drawing/2014/main" id="{6FF891F2-2DFA-4757-9BAA-1160974E48C5}"/>
-              </a:ext>
-            </a:extLst>
-          </p:cNvPr>
-          <p:cNvPicPr>
-            <a:picLocks noGrp="1" noChangeAspect="1"/>
-          </p:cNvPicPr>
+      <p:sp>
+        <p:nvSpPr>
+          <p:cNvPr id="2" name="內容版面配置區 1">
+            <a:extLst>
+              <a:ext uri="{FF2B5EF4-FFF2-40B4-BE49-F238E27FC236}">
+                <a16:creationId xmlns:a16="http://schemas.microsoft.com/office/drawing/2014/main" id="{1980CAE3-DCE1-4B69-AEC5-A57CF35DFB64}"/>
+              </a:ext>
+            </a:extLst>
+          </p:cNvPr>
+          <p:cNvSpPr>
+            <a:spLocks noGrp="1"/>
+          </p:cNvSpPr>
           <p:nvPr>
             <p:ph idx="1"/>
           </p:nvPr>
-        </p:nvPicPr>
-        <p:blipFill>
-          <a:blip r:embed="rId2"/>
-          <a:stretch>
-            <a:fillRect/>
-          </a:stretch>
-        </p:blipFill>
-        <p:spPr>
-          <a:xfrm>
-            <a:off x="2406925" y="1387261"/>
-            <a:ext cx="7378149" cy="4097259"/>
-          </a:xfrm>
-          <a:prstGeom prst="rect">
-            <a:avLst/>
-          </a:prstGeom>
-        </p:spPr>
-      </p:pic>
+        </p:nvSpPr>
+        <p:spPr/>
+        <p:txBody>
+          <a:bodyPr/>
+          <a:lstStyle/>
+          <a:p>
+            <a:pPr marL="0" indent="0">
+              <a:buNone/>
+            </a:pPr>
+            <a:r>
+              <a:rPr lang="zh-TW" altLang="en-US" dirty="0"/>
+              <a:t>我們可以將常用的函數寫在一個檔案當中，以後要使用時只要用</a:t>
+            </a:r>
+            <a:r>
+              <a:rPr lang="en-US" altLang="zh-TW" dirty="0"/>
+              <a:t>import</a:t>
+            </a:r>
+            <a:r>
+              <a:rPr lang="zh-TW" altLang="en-US" dirty="0"/>
+              <a:t>指令就可以匯入並取用其中的函式，比方說：</a:t>
+            </a:r>
+            <a:endParaRPr lang="en-US" altLang="zh-TW" dirty="0"/>
+          </a:p>
+          <a:p>
+            <a:r>
+              <a:rPr lang="en-US" altLang="zh-TW" dirty="0"/>
+              <a:t>Import math</a:t>
+            </a:r>
+          </a:p>
+          <a:p>
+            <a:pPr marL="0" indent="0">
+              <a:buNone/>
+            </a:pPr>
+            <a:r>
+              <a:rPr lang="en-US" altLang="zh-TW" dirty="0"/>
+              <a:t>   x = </a:t>
+            </a:r>
+            <a:r>
+              <a:rPr lang="en-US" altLang="zh-TW" dirty="0" err="1"/>
+              <a:t>math.sin</a:t>
+            </a:r>
+            <a:r>
+              <a:rPr lang="en-US" altLang="zh-TW" dirty="0"/>
+              <a:t>(4)</a:t>
+            </a:r>
+          </a:p>
+          <a:p>
+            <a:r>
+              <a:rPr lang="en-US" altLang="zh-TW" dirty="0"/>
+              <a:t>from math import sin</a:t>
+            </a:r>
+          </a:p>
+          <a:p>
+            <a:pPr marL="0" indent="0">
+              <a:buNone/>
+            </a:pPr>
+            <a:r>
+              <a:rPr lang="en-US" altLang="zh-TW" dirty="0"/>
+              <a:t>   x = sin(4)</a:t>
+            </a:r>
+          </a:p>
+          <a:p>
+            <a:r>
+              <a:rPr lang="en-US" altLang="zh-TW" dirty="0"/>
+              <a:t>from math import *</a:t>
+            </a:r>
+          </a:p>
+          <a:p>
+            <a:pPr marL="0" indent="0">
+              <a:buNone/>
+            </a:pPr>
+            <a:r>
+              <a:rPr lang="en-US" altLang="zh-TW" dirty="0"/>
+              <a:t>   x </a:t>
+            </a:r>
+            <a:r>
+              <a:rPr lang="en-US" altLang="zh-TW"/>
+              <a:t>= sin(</a:t>
+            </a:r>
+            <a:r>
+              <a:rPr lang="en-US" altLang="zh-TW" dirty="0"/>
+              <a:t>4), y = cos(3)</a:t>
+            </a:r>
+          </a:p>
+          <a:p>
+            <a:r>
+              <a:rPr lang="en-US" altLang="zh-TW" dirty="0"/>
+              <a:t>from math import sin as </a:t>
+            </a:r>
+            <a:r>
+              <a:rPr lang="en-US" altLang="zh-TW" dirty="0" err="1"/>
+              <a:t>mysin</a:t>
+            </a:r>
+            <a:endParaRPr lang="en-US" altLang="zh-TW" dirty="0"/>
+          </a:p>
+          <a:p>
+            <a:pPr marL="0" indent="0">
+              <a:buNone/>
+            </a:pPr>
+            <a:r>
+              <a:rPr lang="en-US" altLang="zh-TW" dirty="0"/>
+              <a:t>   x = </a:t>
+            </a:r>
+            <a:r>
+              <a:rPr lang="en-US" altLang="zh-TW" dirty="0" err="1"/>
+              <a:t>mysin</a:t>
+            </a:r>
+            <a:r>
+              <a:rPr lang="en-US" altLang="zh-TW" dirty="0"/>
+              <a:t>(4)</a:t>
+            </a:r>
+          </a:p>
+        </p:txBody>
+      </p:sp>
       <p:sp>
         <p:nvSpPr>
-          <p:cNvPr id="7" name="標題 6">
-            <a:extLst>
-              <a:ext uri="{FF2B5EF4-FFF2-40B4-BE49-F238E27FC236}">
-                <a16:creationId xmlns:a16="http://schemas.microsoft.com/office/drawing/2014/main" id="{99CCFDF6-E590-4D0F-ACBA-DFDF8A8C3D54}"/>
+          <p:cNvPr id="3" name="標題 2">
+            <a:extLst>
+              <a:ext uri="{FF2B5EF4-FFF2-40B4-BE49-F238E27FC236}">
+                <a16:creationId xmlns:a16="http://schemas.microsoft.com/office/drawing/2014/main" id="{26966E35-C5AD-42C8-B371-687A65F33785}"/>
               </a:ext>
             </a:extLst>
           </p:cNvPr>
@@ -13457,95 +14832,20 @@
           <a:p>
             <a:r>
               <a:rPr lang="zh-TW" altLang="en-US" dirty="0"/>
-              <a:t>解答</a:t>
+              <a:t>模組 </a:t>
             </a:r>
             <a:r>
               <a:rPr lang="en-US" altLang="zh-TW" dirty="0"/>
-              <a:t>:</a:t>
-            </a:r>
-            <a:r>
-              <a:rPr lang="zh-TW" altLang="en-US" dirty="0"/>
-              <a:t>加上</a:t>
-            </a:r>
-            <a:r>
-              <a:rPr lang="en-US" altLang="zh-TW" dirty="0"/>
-              <a:t>try…except…pass</a:t>
+              <a:t>Module</a:t>
             </a:r>
             <a:endParaRPr lang="zh-TW" altLang="en-US" dirty="0"/>
-          </a:p>
-        </p:txBody>
-      </p:sp>
-      <p:sp>
-        <p:nvSpPr>
-          <p:cNvPr id="4" name="語音泡泡: 矩形 3">
-            <a:extLst>
-              <a:ext uri="{FF2B5EF4-FFF2-40B4-BE49-F238E27FC236}">
-                <a16:creationId xmlns:a16="http://schemas.microsoft.com/office/drawing/2014/main" id="{184015DA-79C9-40A8-8212-423BCB3BFC5E}"/>
-              </a:ext>
-            </a:extLst>
-          </p:cNvPr>
-          <p:cNvSpPr/>
-          <p:nvPr/>
-        </p:nvSpPr>
-        <p:spPr>
-          <a:xfrm>
-            <a:off x="5444067" y="4274394"/>
-            <a:ext cx="2387601" cy="845837"/>
-          </a:xfrm>
-          <a:prstGeom prst="wedgeRectCallout">
-            <a:avLst>
-              <a:gd name="adj1" fmla="val -76713"/>
-              <a:gd name="adj2" fmla="val -45531"/>
-            </a:avLst>
-          </a:prstGeom>
-          <a:solidFill>
-            <a:srgbClr val="FF0000"/>
-          </a:solidFill>
-        </p:spPr>
-        <p:style>
-          <a:lnRef idx="2">
-            <a:schemeClr val="accent1">
-              <a:shade val="50000"/>
-            </a:schemeClr>
-          </a:lnRef>
-          <a:fillRef idx="1">
-            <a:schemeClr val="accent1"/>
-          </a:fillRef>
-          <a:effectRef idx="0">
-            <a:schemeClr val="accent1"/>
-          </a:effectRef>
-          <a:fontRef idx="minor">
-            <a:schemeClr val="lt1"/>
-          </a:fontRef>
-        </p:style>
-        <p:txBody>
-          <a:bodyPr rtlCol="0" anchor="ctr"/>
-          <a:lstStyle/>
-          <a:p>
-            <a:pPr algn="ctr"/>
-            <a:r>
-              <a:rPr lang="zh-TW" altLang="en-US" dirty="0">
-                <a:highlight>
-                  <a:srgbClr val="FF0000"/>
-                </a:highlight>
-              </a:rPr>
-              <a:t>處理不來的就</a:t>
-            </a:r>
-            <a:r>
-              <a:rPr lang="en-US" altLang="zh-TW" dirty="0">
-                <a:highlight>
-                  <a:srgbClr val="FF0000"/>
-                </a:highlight>
-              </a:rPr>
-              <a:t>pass</a:t>
-            </a:r>
           </a:p>
         </p:txBody>
       </p:sp>
     </p:spTree>
     <p:extLst>
       <p:ext uri="{BB962C8B-B14F-4D97-AF65-F5344CB8AC3E}">
-        <p14:creationId xmlns:p14="http://schemas.microsoft.com/office/powerpoint/2010/main" val="3095247151"/>
+        <p14:creationId xmlns:p14="http://schemas.microsoft.com/office/powerpoint/2010/main" val="1922805159"/>
       </p:ext>
     </p:extLst>
   </p:cSld>
@@ -13605,9 +14905,25 @@
           <a:bodyPr/>
           <a:lstStyle/>
           <a:p>
+            <a:pPr marL="0" indent="0">
+              <a:buNone/>
+            </a:pPr>
             <a:r>
               <a:rPr lang="zh-TW" altLang="en-US" dirty="0"/>
-              <a:t>在程式開發階段，一般都是假設輸入參數會嚴格遵守規範，並基於這個假設開發演算法。如果格式出錯，就算這個錯誤無關緊要，程式也會終止運算並返回錯誤訊息，如果要對輸入的資料一一判斷是否合規，將導致程式複雜化並額外耗用運算資源。一個解決思維是先做再說，發生了正常流程無法處理的狀況，也就是例外，再另行處理。這種設計思維就是所謂的例外處理。目前例外處理已經是主流程式語言所採取的設計方案。這種設計風格又稱之為</a:t>
+              <a:t>在程式開發階段，一般都是假設輸入參數會嚴格遵守規範，並基於這個假設開發演算法。如果格式出錯，就算這個錯誤無關緊要，程式也會終止運算並返回錯誤訊息，如果要對輸入的資料一一判斷是否合規，將導致程式複雜化並額外耗用運算資源。</a:t>
+            </a:r>
+            <a:endParaRPr lang="en-US" altLang="zh-TW" dirty="0"/>
+          </a:p>
+          <a:p>
+            <a:endParaRPr lang="en-US" altLang="zh-TW" dirty="0"/>
+          </a:p>
+          <a:p>
+            <a:pPr marL="0" indent="0">
+              <a:buNone/>
+            </a:pPr>
+            <a:r>
+              <a:rPr lang="zh-TW" altLang="en-US" dirty="0"/>
+              <a:t>一個解決思維是先做再說，發生了正常流程無法處理的狀況，也就是例外，再另行處理。這種設計思維就是所謂的例外處理。目前例外處理已經是主流程式語言所採取的設計方案。這種設計風格又稱之為</a:t>
             </a:r>
             <a:r>
               <a:rPr lang="en-US" altLang="zh-TW" dirty="0"/>
@@ -13716,10 +15032,10 @@
       </p:grpSpPr>
       <p:sp>
         <p:nvSpPr>
-          <p:cNvPr id="4" name="文字版面配置區 3">
-            <a:extLst>
-              <a:ext uri="{FF2B5EF4-FFF2-40B4-BE49-F238E27FC236}">
-                <a16:creationId xmlns:a16="http://schemas.microsoft.com/office/drawing/2014/main" id="{2FA54F75-D405-4104-B6BB-EA44A23A109A}"/>
+          <p:cNvPr id="2" name="內容版面配置區 1">
+            <a:extLst>
+              <a:ext uri="{FF2B5EF4-FFF2-40B4-BE49-F238E27FC236}">
+                <a16:creationId xmlns:a16="http://schemas.microsoft.com/office/drawing/2014/main" id="{3C850A5C-0B10-4870-9F52-83ACBC4FB27D}"/>
               </a:ext>
             </a:extLst>
           </p:cNvPr>
@@ -13727,7 +15043,99 @@
             <a:spLocks noGrp="1"/>
           </p:cNvSpPr>
           <p:nvPr>
-            <p:ph type="body" sz="quarter" idx="10"/>
+            <p:ph idx="1"/>
+          </p:nvPr>
+        </p:nvSpPr>
+        <p:spPr>
+          <a:xfrm>
+            <a:off x="609600" y="1371600"/>
+            <a:ext cx="6087533" cy="4762471"/>
+          </a:xfrm>
+        </p:spPr>
+        <p:txBody>
+          <a:bodyPr>
+            <a:normAutofit/>
+          </a:bodyPr>
+          <a:lstStyle/>
+          <a:p>
+            <a:pPr marL="0" indent="0">
+              <a:buNone/>
+            </a:pPr>
+            <a:r>
+              <a:rPr lang="en-US" altLang="zh-TW" dirty="0"/>
+              <a:t>csv1=['1,5','2,6','3,7', '4,8']</a:t>
+            </a:r>
+          </a:p>
+          <a:p>
+            <a:pPr marL="0" indent="0">
+              <a:buNone/>
+            </a:pPr>
+            <a:r>
+              <a:rPr lang="en-US" altLang="zh-TW" dirty="0"/>
+              <a:t>csv2=['#comment', '1,5','2,6','3,7', '4,8']</a:t>
+            </a:r>
+          </a:p>
+          <a:p>
+            <a:pPr marL="0" indent="0">
+              <a:buNone/>
+            </a:pPr>
+            <a:r>
+              <a:rPr lang="en-US" altLang="zh-TW" dirty="0"/>
+              <a:t>csv3=['2020,06,05', '1,5','2,6','3,7', '4,8']</a:t>
+            </a:r>
+          </a:p>
+          <a:p>
+            <a:pPr marL="0" indent="0">
+              <a:buNone/>
+            </a:pPr>
+            <a:r>
+              <a:rPr lang="en-US" altLang="zh-TW" dirty="0"/>
+              <a:t>csv4=['ANSYS','HFSS','1,5','2,6','3,7', '4,8']</a:t>
+            </a:r>
+          </a:p>
+          <a:p>
+            <a:pPr marL="0" indent="0">
+              <a:buNone/>
+            </a:pPr>
+            <a:r>
+              <a:rPr lang="en-US" altLang="zh-TW" dirty="0"/>
+              <a:t>csv5=['time, volt','1,5','2,6','3,7', '4,8']</a:t>
+            </a:r>
+          </a:p>
+          <a:p>
+            <a:pPr marL="0" indent="0">
+              <a:buNone/>
+            </a:pPr>
+            <a:r>
+              <a:rPr lang="en-US" altLang="zh-TW" dirty="0"/>
+              <a:t>csv6=['     ', '1,5','2,6','3,7', '4,8']</a:t>
+            </a:r>
+          </a:p>
+          <a:p>
+            <a:pPr marL="0" indent="0">
+              <a:buNone/>
+            </a:pPr>
+            <a:r>
+              <a:rPr lang="en-US" altLang="zh-TW" dirty="0"/>
+              <a:t>csv7=['1,5','2,6','3,7', '4,8', '']</a:t>
+            </a:r>
+          </a:p>
+        </p:txBody>
+      </p:sp>
+      <p:sp>
+        <p:nvSpPr>
+          <p:cNvPr id="3" name="標題 2">
+            <a:extLst>
+              <a:ext uri="{FF2B5EF4-FFF2-40B4-BE49-F238E27FC236}">
+                <a16:creationId xmlns:a16="http://schemas.microsoft.com/office/drawing/2014/main" id="{DA7D02FA-5EDB-4AA9-9818-8E79AA64DF8B}"/>
+              </a:ext>
+            </a:extLst>
+          </p:cNvPr>
+          <p:cNvSpPr>
+            <a:spLocks noGrp="1"/>
+          </p:cNvSpPr>
+          <p:nvPr>
+            <p:ph type="title"/>
           </p:nvPr>
         </p:nvSpPr>
         <p:spPr/>
@@ -13736,45 +15144,188 @@
           <a:lstStyle/>
           <a:p>
             <a:r>
+              <a:rPr lang="zh-TW" altLang="en-US" dirty="0"/>
+              <a:t>如何寫出一組代碼將不同</a:t>
+            </a:r>
+            <a:r>
               <a:rPr lang="en-US" altLang="zh-TW" dirty="0"/>
-              <a:t>AEDT</a:t>
+              <a:t>csv</a:t>
             </a:r>
             <a:r>
               <a:rPr lang="zh-TW" altLang="en-US" dirty="0"/>
-              <a:t>函式庫架構</a:t>
-            </a:r>
+              <a:t>檔讀入的字串處理成</a:t>
+            </a:r>
+            <a:r>
+              <a:rPr lang="en-US" altLang="zh-TW" dirty="0"/>
+              <a:t>list of tuple</a:t>
+            </a:r>
+            <a:endParaRPr lang="zh-TW" altLang="en-US" dirty="0"/>
           </a:p>
         </p:txBody>
       </p:sp>
+      <p:pic>
+        <p:nvPicPr>
+          <p:cNvPr id="4" name="圖片 3">
+            <a:extLst>
+              <a:ext uri="{FF2B5EF4-FFF2-40B4-BE49-F238E27FC236}">
+                <a16:creationId xmlns:a16="http://schemas.microsoft.com/office/drawing/2014/main" id="{13D75680-B5D2-4231-AF90-6909699FA7DE}"/>
+              </a:ext>
+            </a:extLst>
+          </p:cNvPr>
+          <p:cNvPicPr>
+            <a:picLocks noChangeAspect="1"/>
+          </p:cNvPicPr>
+          <p:nvPr/>
+        </p:nvPicPr>
+        <p:blipFill>
+          <a:blip r:embed="rId2"/>
+          <a:stretch>
+            <a:fillRect/>
+          </a:stretch>
+        </p:blipFill>
+        <p:spPr>
+          <a:xfrm>
+            <a:off x="7405972" y="1273818"/>
+            <a:ext cx="4266667" cy="1885714"/>
+          </a:xfrm>
+          <a:prstGeom prst="rect">
+            <a:avLst/>
+          </a:prstGeom>
+        </p:spPr>
+      </p:pic>
+      <p:pic>
+        <p:nvPicPr>
+          <p:cNvPr id="5" name="圖片 4">
+            <a:extLst>
+              <a:ext uri="{FF2B5EF4-FFF2-40B4-BE49-F238E27FC236}">
+                <a16:creationId xmlns:a16="http://schemas.microsoft.com/office/drawing/2014/main" id="{6D562F4E-8C74-4814-8B73-DA7C947D2D53}"/>
+              </a:ext>
+            </a:extLst>
+          </p:cNvPr>
+          <p:cNvPicPr>
+            <a:picLocks noChangeAspect="1"/>
+          </p:cNvPicPr>
+          <p:nvPr/>
+        </p:nvPicPr>
+        <p:blipFill>
+          <a:blip r:embed="rId3"/>
+          <a:stretch>
+            <a:fillRect/>
+          </a:stretch>
+        </p:blipFill>
+        <p:spPr>
+          <a:xfrm>
+            <a:off x="4628603" y="4935255"/>
+            <a:ext cx="7275529" cy="747382"/>
+          </a:xfrm>
+          <a:prstGeom prst="rect">
+            <a:avLst/>
+          </a:prstGeom>
+        </p:spPr>
+      </p:pic>
       <p:sp>
         <p:nvSpPr>
-          <p:cNvPr id="5" name="文字版面配置區 4">
-            <a:extLst>
-              <a:ext uri="{FF2B5EF4-FFF2-40B4-BE49-F238E27FC236}">
-                <a16:creationId xmlns:a16="http://schemas.microsoft.com/office/drawing/2014/main" id="{CEE2A55E-C73D-43FF-AA36-95C0FF95B7B1}"/>
-              </a:ext>
-            </a:extLst>
-          </p:cNvPr>
-          <p:cNvSpPr>
-            <a:spLocks noGrp="1"/>
-          </p:cNvSpPr>
-          <p:nvPr>
-            <p:ph type="body" sz="quarter" idx="12"/>
-          </p:nvPr>
+          <p:cNvPr id="6" name="語音泡泡: 矩形 5">
+            <a:extLst>
+              <a:ext uri="{FF2B5EF4-FFF2-40B4-BE49-F238E27FC236}">
+                <a16:creationId xmlns:a16="http://schemas.microsoft.com/office/drawing/2014/main" id="{AF38F194-145A-4E55-98CA-85423943B855}"/>
+              </a:ext>
+            </a:extLst>
+          </p:cNvPr>
+          <p:cNvSpPr/>
+          <p:nvPr/>
         </p:nvSpPr>
-        <p:spPr/>
+        <p:spPr>
+          <a:xfrm>
+            <a:off x="6697133" y="3752835"/>
+            <a:ext cx="3022600" cy="971565"/>
+          </a:xfrm>
+          <a:prstGeom prst="wedgeRectCallout">
+            <a:avLst>
+              <a:gd name="adj1" fmla="val 29297"/>
+              <a:gd name="adj2" fmla="val -132936"/>
+            </a:avLst>
+          </a:prstGeom>
+          <a:solidFill>
+            <a:srgbClr val="FF0000"/>
+          </a:solidFill>
+        </p:spPr>
+        <p:style>
+          <a:lnRef idx="2">
+            <a:schemeClr val="accent1">
+              <a:shade val="50000"/>
+            </a:schemeClr>
+          </a:lnRef>
+          <a:fillRef idx="1">
+            <a:schemeClr val="accent1"/>
+          </a:fillRef>
+          <a:effectRef idx="0">
+            <a:schemeClr val="accent1"/>
+          </a:effectRef>
+          <a:fontRef idx="minor">
+            <a:schemeClr val="lt1"/>
+          </a:fontRef>
+        </p:style>
         <p:txBody>
-          <a:bodyPr/>
+          <a:bodyPr rtlCol="0" anchor="ctr"/>
           <a:lstStyle/>
           <a:p>
-            <a:endParaRPr lang="zh-TW" altLang="en-US"/>
+            <a:pPr algn="ctr"/>
+            <a:r>
+              <a:rPr lang="zh-TW" altLang="en-US" dirty="0">
+                <a:highlight>
+                  <a:srgbClr val="FF0000"/>
+                </a:highlight>
+              </a:rPr>
+              <a:t>只能處理</a:t>
+            </a:r>
+            <a:r>
+              <a:rPr lang="en-US" altLang="zh-TW" dirty="0">
+                <a:highlight>
+                  <a:srgbClr val="FF0000"/>
+                </a:highlight>
+              </a:rPr>
+              <a:t>csv1, </a:t>
+            </a:r>
+            <a:r>
+              <a:rPr lang="zh-TW" altLang="en-US" dirty="0">
+                <a:highlight>
+                  <a:srgbClr val="FF0000"/>
+                </a:highlight>
+              </a:rPr>
+              <a:t>處理其他</a:t>
+            </a:r>
+            <a:endParaRPr lang="en-US" altLang="zh-TW" dirty="0">
+              <a:highlight>
+                <a:srgbClr val="FF0000"/>
+              </a:highlight>
+            </a:endParaRPr>
+          </a:p>
+          <a:p>
+            <a:pPr algn="ctr"/>
+            <a:r>
+              <a:rPr lang="en-US" altLang="zh-TW" dirty="0">
+                <a:highlight>
+                  <a:srgbClr val="FF0000"/>
+                </a:highlight>
+              </a:rPr>
+              <a:t>(csv2-csv7) </a:t>
+            </a:r>
+            <a:r>
+              <a:rPr lang="zh-TW" altLang="en-US" dirty="0">
+                <a:highlight>
+                  <a:srgbClr val="FF0000"/>
+                </a:highlight>
+              </a:rPr>
+              <a:t>都會錯誤</a:t>
+            </a:r>
           </a:p>
         </p:txBody>
       </p:sp>
     </p:spTree>
     <p:extLst>
       <p:ext uri="{BB962C8B-B14F-4D97-AF65-F5344CB8AC3E}">
-        <p14:creationId xmlns:p14="http://schemas.microsoft.com/office/powerpoint/2010/main" val="2189207556"/>
+        <p14:creationId xmlns:p14="http://schemas.microsoft.com/office/powerpoint/2010/main" val="3776458717"/>
       </p:ext>
     </p:extLst>
   </p:cSld>
@@ -13813,250 +15364,44 @@
           <a:chExt cx="0" cy="0"/>
         </a:xfrm>
       </p:grpSpPr>
-      <p:sp>
-        <p:nvSpPr>
-          <p:cNvPr id="5" name="內容版面配置區 4">
-            <a:extLst>
-              <a:ext uri="{FF2B5EF4-FFF2-40B4-BE49-F238E27FC236}">
-                <a16:creationId xmlns:a16="http://schemas.microsoft.com/office/drawing/2014/main" id="{47CD2DC4-DBF9-4379-9E92-A3F1027C98CE}"/>
-              </a:ext>
-            </a:extLst>
-          </p:cNvPr>
-          <p:cNvSpPr>
-            <a:spLocks noGrp="1"/>
-          </p:cNvSpPr>
+      <p:pic>
+        <p:nvPicPr>
+          <p:cNvPr id="9" name="內容版面配置區 8">
+            <a:extLst>
+              <a:ext uri="{FF2B5EF4-FFF2-40B4-BE49-F238E27FC236}">
+                <a16:creationId xmlns:a16="http://schemas.microsoft.com/office/drawing/2014/main" id="{6FF891F2-2DFA-4757-9BAA-1160974E48C5}"/>
+              </a:ext>
+            </a:extLst>
+          </p:cNvPr>
+          <p:cNvPicPr>
+            <a:picLocks noGrp="1" noChangeAspect="1"/>
+          </p:cNvPicPr>
           <p:nvPr>
             <p:ph idx="1"/>
           </p:nvPr>
-        </p:nvSpPr>
-        <p:spPr/>
-        <p:txBody>
-          <a:bodyPr/>
-          <a:lstStyle/>
-          <a:p>
-            <a:pPr marL="0" indent="0">
-              <a:buNone/>
-            </a:pPr>
-            <a:r>
-              <a:rPr lang="en-US" altLang="zh-TW" dirty="0"/>
-              <a:t>AEDT</a:t>
-            </a:r>
-            <a:r>
-              <a:rPr lang="zh-TW" altLang="en-US" dirty="0"/>
-              <a:t>函式庫分成</a:t>
-            </a:r>
-            <a:r>
-              <a:rPr lang="en-US" altLang="zh-TW" dirty="0"/>
-              <a:t>Desktop, Project, Design, Editor, Module</a:t>
-            </a:r>
-            <a:r>
-              <a:rPr lang="zh-TW" altLang="en-US" dirty="0"/>
-              <a:t>等大類，</a:t>
-            </a:r>
-            <a:r>
-              <a:rPr lang="en-US" altLang="zh-TW" dirty="0"/>
-              <a:t>Module</a:t>
-            </a:r>
-            <a:r>
-              <a:rPr lang="zh-TW" altLang="en-US" dirty="0"/>
-              <a:t>底下又分成多個小類。比方說是要在專案底下加入新的設計，我們便可以使用</a:t>
-            </a:r>
-            <a:r>
-              <a:rPr lang="en-US" altLang="zh-TW" dirty="0" err="1"/>
-              <a:t>oProject.InsertDesign</a:t>
-            </a:r>
-            <a:r>
-              <a:rPr lang="en-US" altLang="zh-TW" dirty="0"/>
-              <a:t>()</a:t>
-            </a:r>
-            <a:r>
-              <a:rPr lang="zh-TW" altLang="en-US" dirty="0"/>
-              <a:t>函數來完成。從功能區分，可分成</a:t>
-            </a:r>
-            <a:r>
-              <a:rPr lang="en-US" altLang="zh-TW" dirty="0"/>
-              <a:t>CURD(Create: </a:t>
-            </a:r>
-            <a:r>
-              <a:rPr lang="zh-TW" altLang="en-US" dirty="0"/>
-              <a:t>建立</a:t>
-            </a:r>
-            <a:r>
-              <a:rPr lang="en-US" altLang="zh-TW" dirty="0"/>
-              <a:t>, Update:</a:t>
-            </a:r>
-            <a:r>
-              <a:rPr lang="zh-TW" altLang="en-US" dirty="0"/>
-              <a:t>更新</a:t>
-            </a:r>
-            <a:r>
-              <a:rPr lang="en-US" altLang="zh-TW" dirty="0"/>
-              <a:t>, Read:</a:t>
-            </a:r>
-            <a:r>
-              <a:rPr lang="zh-TW" altLang="en-US" dirty="0"/>
-              <a:t>讀取</a:t>
-            </a:r>
-            <a:r>
-              <a:rPr lang="en-US" altLang="zh-TW" dirty="0"/>
-              <a:t>, Delete:</a:t>
-            </a:r>
-            <a:r>
-              <a:rPr lang="zh-TW" altLang="en-US" dirty="0"/>
-              <a:t>刪除</a:t>
-            </a:r>
-            <a:r>
-              <a:rPr lang="en-US" altLang="zh-TW" dirty="0"/>
-              <a:t>)</a:t>
-            </a:r>
-            <a:r>
-              <a:rPr lang="zh-TW" altLang="en-US" dirty="0"/>
-              <a:t>四大塊。</a:t>
-            </a:r>
-            <a:endParaRPr lang="en-US" altLang="zh-TW" dirty="0"/>
-          </a:p>
-          <a:p>
-            <a:pPr marL="0" indent="0">
-              <a:buNone/>
-            </a:pPr>
-            <a:endParaRPr lang="en-US" altLang="zh-TW" dirty="0"/>
-          </a:p>
-          <a:p>
-            <a:pPr marL="0" indent="0">
-              <a:buNone/>
-            </a:pPr>
-            <a:r>
-              <a:rPr lang="zh-TW" altLang="en-US" dirty="0"/>
-              <a:t>比方說是</a:t>
-            </a:r>
-            <a:r>
-              <a:rPr lang="en-US" altLang="zh-TW" dirty="0" err="1"/>
-              <a:t>InsertDesign</a:t>
-            </a:r>
-            <a:r>
-              <a:rPr lang="en-US" altLang="zh-TW" dirty="0"/>
-              <a:t>()</a:t>
-            </a:r>
-            <a:r>
-              <a:rPr lang="zh-TW" altLang="en-US" dirty="0"/>
-              <a:t>屬於建立</a:t>
-            </a:r>
-            <a:r>
-              <a:rPr lang="en-US" altLang="zh-TW" dirty="0"/>
-              <a:t>, </a:t>
-            </a:r>
-            <a:r>
-              <a:rPr lang="en-US" altLang="zh-TW" dirty="0" err="1"/>
-              <a:t>SetActiveDesign</a:t>
-            </a:r>
-            <a:r>
-              <a:rPr lang="en-US" altLang="zh-TW" dirty="0"/>
-              <a:t>()</a:t>
-            </a:r>
-            <a:r>
-              <a:rPr lang="zh-TW" altLang="en-US" dirty="0"/>
-              <a:t>算是更新，</a:t>
-            </a:r>
-            <a:r>
-              <a:rPr lang="en-US" altLang="zh-TW" dirty="0" err="1"/>
-              <a:t>GetName</a:t>
-            </a:r>
-            <a:r>
-              <a:rPr lang="en-US" altLang="zh-TW" dirty="0"/>
-              <a:t>()</a:t>
-            </a:r>
-            <a:r>
-              <a:rPr lang="zh-TW" altLang="en-US" dirty="0"/>
-              <a:t>屬於讀取，</a:t>
-            </a:r>
-            <a:r>
-              <a:rPr lang="en-US" altLang="zh-TW" dirty="0" err="1"/>
-              <a:t>CutDesign</a:t>
-            </a:r>
-            <a:r>
-              <a:rPr lang="en-US" altLang="zh-TW" dirty="0"/>
-              <a:t>()</a:t>
-            </a:r>
-            <a:r>
-              <a:rPr lang="zh-TW" altLang="en-US" dirty="0"/>
-              <a:t>屬於刪除。當中</a:t>
-            </a:r>
-            <a:r>
-              <a:rPr lang="en-US" altLang="zh-TW" dirty="0"/>
-              <a:t>CUD</a:t>
-            </a:r>
-            <a:r>
-              <a:rPr lang="zh-TW" altLang="en-US" dirty="0"/>
-              <a:t>類可以透過錄製得到，而</a:t>
-            </a:r>
-            <a:r>
-              <a:rPr lang="en-US" altLang="zh-TW" dirty="0"/>
-              <a:t>R</a:t>
-            </a:r>
-            <a:r>
-              <a:rPr lang="zh-TW" altLang="en-US" dirty="0"/>
-              <a:t>類需要透過文件來查找。</a:t>
-            </a:r>
-            <a:endParaRPr lang="en-US" altLang="zh-TW" dirty="0"/>
-          </a:p>
-          <a:p>
-            <a:pPr marL="0" indent="0">
-              <a:buNone/>
-            </a:pPr>
-            <a:endParaRPr lang="en-US" altLang="zh-TW" dirty="0"/>
-          </a:p>
-          <a:p>
-            <a:pPr marL="0" indent="0">
-              <a:buNone/>
-            </a:pPr>
-            <a:r>
-              <a:rPr lang="zh-TW" altLang="en-US" dirty="0"/>
-              <a:t>關於函式庫的</a:t>
-            </a:r>
-            <a:r>
-              <a:rPr lang="en-US" altLang="zh-TW" dirty="0"/>
-              <a:t>Help</a:t>
-            </a:r>
-            <a:r>
-              <a:rPr lang="zh-TW" altLang="en-US" dirty="0"/>
-              <a:t>檔可以在</a:t>
-            </a:r>
-            <a:r>
-              <a:rPr lang="en-US" altLang="zh-TW" dirty="0"/>
-              <a:t>C:\Program Files\</a:t>
-            </a:r>
-            <a:r>
-              <a:rPr lang="en-US" altLang="zh-TW" dirty="0" err="1"/>
-              <a:t>AnsysEM</a:t>
-            </a:r>
-            <a:r>
-              <a:rPr lang="en-US" altLang="zh-TW" dirty="0"/>
-              <a:t>\AnsysEM20.1\Win64\Help</a:t>
-            </a:r>
-            <a:r>
-              <a:rPr lang="zh-TW" altLang="en-US" dirty="0"/>
-              <a:t>底下找到</a:t>
-            </a:r>
-            <a:r>
-              <a:rPr lang="en-US" altLang="zh-TW" dirty="0"/>
-              <a:t>ScriptingGuide.pdf</a:t>
-            </a:r>
-            <a:r>
-              <a:rPr lang="zh-TW" altLang="en-US" dirty="0"/>
-              <a:t>當中詳細說明了函式的功能及使用方法。</a:t>
-            </a:r>
-          </a:p>
-          <a:p>
-            <a:endParaRPr lang="zh-TW" altLang="en-US" dirty="0"/>
-          </a:p>
-        </p:txBody>
-      </p:sp>
+        </p:nvPicPr>
+        <p:blipFill>
+          <a:blip r:embed="rId2"/>
+          <a:stretch>
+            <a:fillRect/>
+          </a:stretch>
+        </p:blipFill>
+        <p:spPr>
+          <a:xfrm>
+            <a:off x="2406925" y="1387261"/>
+            <a:ext cx="7378149" cy="4097259"/>
+          </a:xfrm>
+          <a:prstGeom prst="rect">
+            <a:avLst/>
+          </a:prstGeom>
+        </p:spPr>
+      </p:pic>
       <p:sp>
         <p:nvSpPr>
-          <p:cNvPr id="4" name="標題 3">
-            <a:extLst>
-              <a:ext uri="{FF2B5EF4-FFF2-40B4-BE49-F238E27FC236}">
-                <a16:creationId xmlns:a16="http://schemas.microsoft.com/office/drawing/2014/main" id="{06DA0EB8-8083-49B8-89F6-5CA68A99C6B7}"/>
+          <p:cNvPr id="7" name="標題 6">
+            <a:extLst>
+              <a:ext uri="{FF2B5EF4-FFF2-40B4-BE49-F238E27FC236}">
+                <a16:creationId xmlns:a16="http://schemas.microsoft.com/office/drawing/2014/main" id="{99CCFDF6-E590-4D0F-ACBA-DFDF8A8C3D54}"/>
               </a:ext>
             </a:extLst>
           </p:cNvPr>
@@ -14073,24 +15418,96 @@
           <a:lstStyle/>
           <a:p>
             <a:r>
+              <a:rPr lang="zh-TW" altLang="en-US" dirty="0"/>
+              <a:t>解答</a:t>
+            </a:r>
+            <a:r>
               <a:rPr lang="en-US" altLang="zh-TW" dirty="0"/>
-              <a:t>AEDT</a:t>
+              <a:t>:</a:t>
             </a:r>
             <a:r>
               <a:rPr lang="zh-TW" altLang="en-US" dirty="0"/>
-              <a:t>函式庫的簡單介紹</a:t>
-            </a:r>
-            <a:br>
-              <a:rPr lang="zh-TW" altLang="en-US" dirty="0"/>
-            </a:br>
+              <a:t>加上</a:t>
+            </a:r>
+            <a:r>
+              <a:rPr lang="en-US" altLang="zh-TW" dirty="0"/>
+              <a:t>try…except…pass</a:t>
+            </a:r>
             <a:endParaRPr lang="zh-TW" altLang="en-US" dirty="0"/>
+          </a:p>
+        </p:txBody>
+      </p:sp>
+      <p:sp>
+        <p:nvSpPr>
+          <p:cNvPr id="4" name="語音泡泡: 矩形 3">
+            <a:extLst>
+              <a:ext uri="{FF2B5EF4-FFF2-40B4-BE49-F238E27FC236}">
+                <a16:creationId xmlns:a16="http://schemas.microsoft.com/office/drawing/2014/main" id="{184015DA-79C9-40A8-8212-423BCB3BFC5E}"/>
+              </a:ext>
+            </a:extLst>
+          </p:cNvPr>
+          <p:cNvSpPr/>
+          <p:nvPr/>
+        </p:nvSpPr>
+        <p:spPr>
+          <a:xfrm>
+            <a:off x="5444067" y="4274394"/>
+            <a:ext cx="2387601" cy="845837"/>
+          </a:xfrm>
+          <a:prstGeom prst="wedgeRectCallout">
+            <a:avLst>
+              <a:gd name="adj1" fmla="val -76713"/>
+              <a:gd name="adj2" fmla="val -45531"/>
+            </a:avLst>
+          </a:prstGeom>
+          <a:solidFill>
+            <a:srgbClr val="FF0000"/>
+          </a:solidFill>
+        </p:spPr>
+        <p:style>
+          <a:lnRef idx="2">
+            <a:schemeClr val="accent1">
+              <a:shade val="50000"/>
+            </a:schemeClr>
+          </a:lnRef>
+          <a:fillRef idx="1">
+            <a:schemeClr val="accent1"/>
+          </a:fillRef>
+          <a:effectRef idx="0">
+            <a:schemeClr val="accent1"/>
+          </a:effectRef>
+          <a:fontRef idx="minor">
+            <a:schemeClr val="lt1"/>
+          </a:fontRef>
+        </p:style>
+        <p:txBody>
+          <a:bodyPr rtlCol="0" anchor="ctr"/>
+          <a:lstStyle/>
+          <a:p>
+            <a:pPr algn="ctr"/>
+            <a:r>
+              <a:rPr lang="zh-TW" altLang="en-US" dirty="0">
+                <a:highlight>
+                  <a:srgbClr val="FF0000"/>
+                </a:highlight>
+              </a:rPr>
+              <a:t>處理不來的就</a:t>
+            </a:r>
+            <a:r>
+              <a:rPr lang="en-US" altLang="zh-TW" dirty="0">
+                <a:highlight>
+                  <a:srgbClr val="FF0000"/>
+                </a:highlight>
+              </a:rPr>
+              <a:t>pass</a:t>
+            </a:r>
           </a:p>
         </p:txBody>
       </p:sp>
     </p:spTree>
     <p:extLst>
       <p:ext uri="{BB962C8B-B14F-4D97-AF65-F5344CB8AC3E}">
-        <p14:creationId xmlns:p14="http://schemas.microsoft.com/office/powerpoint/2010/main" val="150404640"/>
+        <p14:creationId xmlns:p14="http://schemas.microsoft.com/office/powerpoint/2010/main" val="3095247151"/>
       </p:ext>
     </p:extLst>
   </p:cSld>

--- a/上課教材/Week4.pptx
+++ b/上課教材/Week4.pptx
@@ -27,7 +27,7 @@
     <p:sldId id="327" r:id="rId21"/>
     <p:sldId id="323" r:id="rId22"/>
     <p:sldId id="259" r:id="rId23"/>
-    <p:sldId id="312" r:id="rId24"/>
+    <p:sldId id="340" r:id="rId24"/>
   </p:sldIdLst>
   <p:sldSz cx="12192000" cy="6858000"/>
   <p:notesSz cx="6858000" cy="9144000"/>
@@ -137,7 +137,7 @@
 <file path=ppt/revisionInfo.xml><?xml version="1.0" encoding="utf-8"?>
 <p1510:revInfo xmlns:a="http://schemas.openxmlformats.org/drawingml/2006/main" xmlns:r="http://schemas.openxmlformats.org/officeDocument/2006/relationships" xmlns:p1510="http://schemas.microsoft.com/office/powerpoint/2015/10/main">
   <p1510:revLst>
-    <p1510:client id="{091A637F-8D54-4E54-83E0-103516D33677}" v="506" dt="2020-06-11T02:02:30.965"/>
+    <p1510:client id="{091A637F-8D54-4E54-83E0-103516D33677}" v="528" dt="2020-06-11T21:22:11.441"/>
   </p1510:revLst>
 </p1510:revInfo>
 </file>
@@ -2034,7 +2034,7 @@
   <pc:docChgLst>
     <pc:chgData name="Ming-Chih Lin" userId="f1ba3ba5-e185-404b-b55f-b2be90e2bdc2" providerId="ADAL" clId="{091A637F-8D54-4E54-83E0-103516D33677}"/>
     <pc:docChg chg="undo custSel addSld delSld modSld sldOrd">
-      <pc:chgData name="Ming-Chih Lin" userId="f1ba3ba5-e185-404b-b55f-b2be90e2bdc2" providerId="ADAL" clId="{091A637F-8D54-4E54-83E0-103516D33677}" dt="2020-06-11T02:03:45.462" v="3391" actId="20577"/>
+      <pc:chgData name="Ming-Chih Lin" userId="f1ba3ba5-e185-404b-b55f-b2be90e2bdc2" providerId="ADAL" clId="{091A637F-8D54-4E54-83E0-103516D33677}" dt="2020-06-11T21:22:33.944" v="3524" actId="1076"/>
       <pc:docMkLst>
         <pc:docMk/>
       </pc:docMkLst>
@@ -2068,8 +2068,8 @@
           </ac:spMkLst>
         </pc:spChg>
       </pc:sldChg>
-      <pc:sldChg chg="add del">
-        <pc:chgData name="Ming-Chih Lin" userId="f1ba3ba5-e185-404b-b55f-b2be90e2bdc2" providerId="ADAL" clId="{091A637F-8D54-4E54-83E0-103516D33677}" dt="2020-06-09T00:06:28.785" v="1069"/>
+      <pc:sldChg chg="add del ord">
+        <pc:chgData name="Ming-Chih Lin" userId="f1ba3ba5-e185-404b-b55f-b2be90e2bdc2" providerId="ADAL" clId="{091A637F-8D54-4E54-83E0-103516D33677}" dt="2020-06-11T21:10:56.077" v="3395" actId="47"/>
         <pc:sldMkLst>
           <pc:docMk/>
           <pc:sldMk cId="1266417032" sldId="312"/>
@@ -2708,7 +2708,7 @@
         </pc:spChg>
       </pc:sldChg>
       <pc:sldChg chg="addSp delSp modSp new mod ord">
-        <pc:chgData name="Ming-Chih Lin" userId="f1ba3ba5-e185-404b-b55f-b2be90e2bdc2" providerId="ADAL" clId="{091A637F-8D54-4E54-83E0-103516D33677}" dt="2020-06-11T01:42:31.341" v="2638" actId="1076"/>
+        <pc:chgData name="Ming-Chih Lin" userId="f1ba3ba5-e185-404b-b55f-b2be90e2bdc2" providerId="ADAL" clId="{091A637F-8D54-4E54-83E0-103516D33677}" dt="2020-06-11T21:22:33.944" v="3524" actId="1076"/>
         <pc:sldMkLst>
           <pc:docMk/>
           <pc:sldMk cId="3025016352" sldId="335"/>
@@ -2762,7 +2762,7 @@
           </ac:picMkLst>
         </pc:picChg>
         <pc:picChg chg="add mod">
-          <ac:chgData name="Ming-Chih Lin" userId="f1ba3ba5-e185-404b-b55f-b2be90e2bdc2" providerId="ADAL" clId="{091A637F-8D54-4E54-83E0-103516D33677}" dt="2020-06-11T01:41:31.025" v="2630" actId="14100"/>
+          <ac:chgData name="Ming-Chih Lin" userId="f1ba3ba5-e185-404b-b55f-b2be90e2bdc2" providerId="ADAL" clId="{091A637F-8D54-4E54-83E0-103516D33677}" dt="2020-06-11T21:22:33.944" v="3524" actId="1076"/>
           <ac:picMkLst>
             <pc:docMk/>
             <pc:sldMk cId="3025016352" sldId="335"/>
@@ -2778,14 +2778,14 @@
           </ac:picMkLst>
         </pc:picChg>
       </pc:sldChg>
-      <pc:sldChg chg="modSp new mod">
-        <pc:chgData name="Ming-Chih Lin" userId="f1ba3ba5-e185-404b-b55f-b2be90e2bdc2" providerId="ADAL" clId="{091A637F-8D54-4E54-83E0-103516D33677}" dt="2020-06-11T01:21:13.137" v="2384" actId="20577"/>
+      <pc:sldChg chg="addSp delSp modSp new mod">
+        <pc:chgData name="Ming-Chih Lin" userId="f1ba3ba5-e185-404b-b55f-b2be90e2bdc2" providerId="ADAL" clId="{091A637F-8D54-4E54-83E0-103516D33677}" dt="2020-06-11T21:22:11.439" v="3523"/>
         <pc:sldMkLst>
           <pc:docMk/>
           <pc:sldMk cId="3498516507" sldId="336"/>
         </pc:sldMkLst>
         <pc:spChg chg="mod">
-          <ac:chgData name="Ming-Chih Lin" userId="f1ba3ba5-e185-404b-b55f-b2be90e2bdc2" providerId="ADAL" clId="{091A637F-8D54-4E54-83E0-103516D33677}" dt="2020-06-11T01:21:13.137" v="2384" actId="20577"/>
+          <ac:chgData name="Ming-Chih Lin" userId="f1ba3ba5-e185-404b-b55f-b2be90e2bdc2" providerId="ADAL" clId="{091A637F-8D54-4E54-83E0-103516D33677}" dt="2020-06-11T21:22:11.439" v="3523"/>
           <ac:spMkLst>
             <pc:docMk/>
             <pc:sldMk cId="3498516507" sldId="336"/>
@@ -2793,13 +2793,69 @@
           </ac:spMkLst>
         </pc:spChg>
         <pc:spChg chg="mod">
-          <ac:chgData name="Ming-Chih Lin" userId="f1ba3ba5-e185-404b-b55f-b2be90e2bdc2" providerId="ADAL" clId="{091A637F-8D54-4E54-83E0-103516D33677}" dt="2020-06-11T01:12:59.248" v="1828" actId="20577"/>
+          <ac:chgData name="Ming-Chih Lin" userId="f1ba3ba5-e185-404b-b55f-b2be90e2bdc2" providerId="ADAL" clId="{091A637F-8D54-4E54-83E0-103516D33677}" dt="2020-06-11T21:20:46.396" v="3466"/>
           <ac:spMkLst>
             <pc:docMk/>
             <pc:sldMk cId="3498516507" sldId="336"/>
             <ac:spMk id="3" creationId="{CFE78556-6DF2-455C-BADF-A24936CF1C4E}"/>
           </ac:spMkLst>
         </pc:spChg>
+        <pc:spChg chg="add mod">
+          <ac:chgData name="Ming-Chih Lin" userId="f1ba3ba5-e185-404b-b55f-b2be90e2bdc2" providerId="ADAL" clId="{091A637F-8D54-4E54-83E0-103516D33677}" dt="2020-06-11T21:20:20.377" v="3461" actId="164"/>
+          <ac:spMkLst>
+            <pc:docMk/>
+            <pc:sldMk cId="3498516507" sldId="336"/>
+            <ac:spMk id="8" creationId="{879D60DC-925B-4C2B-9AF1-C4E390F18704}"/>
+          </ac:spMkLst>
+        </pc:spChg>
+        <pc:spChg chg="add mod">
+          <ac:chgData name="Ming-Chih Lin" userId="f1ba3ba5-e185-404b-b55f-b2be90e2bdc2" providerId="ADAL" clId="{091A637F-8D54-4E54-83E0-103516D33677}" dt="2020-06-11T21:20:20.377" v="3461" actId="164"/>
+          <ac:spMkLst>
+            <pc:docMk/>
+            <pc:sldMk cId="3498516507" sldId="336"/>
+            <ac:spMk id="9" creationId="{F890EF2B-3AA8-4CDA-82B7-AFB68F9CFB05}"/>
+          </ac:spMkLst>
+        </pc:spChg>
+        <pc:spChg chg="add mod">
+          <ac:chgData name="Ming-Chih Lin" userId="f1ba3ba5-e185-404b-b55f-b2be90e2bdc2" providerId="ADAL" clId="{091A637F-8D54-4E54-83E0-103516D33677}" dt="2020-06-11T21:20:20.377" v="3461" actId="164"/>
+          <ac:spMkLst>
+            <pc:docMk/>
+            <pc:sldMk cId="3498516507" sldId="336"/>
+            <ac:spMk id="10" creationId="{943F3EC5-0D23-4041-95D5-4CD8F26FB2F1}"/>
+          </ac:spMkLst>
+        </pc:spChg>
+        <pc:spChg chg="add mod">
+          <ac:chgData name="Ming-Chih Lin" userId="f1ba3ba5-e185-404b-b55f-b2be90e2bdc2" providerId="ADAL" clId="{091A637F-8D54-4E54-83E0-103516D33677}" dt="2020-06-11T21:20:20.377" v="3461" actId="164"/>
+          <ac:spMkLst>
+            <pc:docMk/>
+            <pc:sldMk cId="3498516507" sldId="336"/>
+            <ac:spMk id="11" creationId="{530B4305-9779-42C3-B7EB-5FDECAF82CA6}"/>
+          </ac:spMkLst>
+        </pc:spChg>
+        <pc:grpChg chg="add mod">
+          <ac:chgData name="Ming-Chih Lin" userId="f1ba3ba5-e185-404b-b55f-b2be90e2bdc2" providerId="ADAL" clId="{091A637F-8D54-4E54-83E0-103516D33677}" dt="2020-06-11T21:20:34.333" v="3462" actId="1076"/>
+          <ac:grpSpMkLst>
+            <pc:docMk/>
+            <pc:sldMk cId="3498516507" sldId="336"/>
+            <ac:grpSpMk id="12" creationId="{30E6E683-6CD4-46D8-87A7-57EE23185BA4}"/>
+          </ac:grpSpMkLst>
+        </pc:grpChg>
+        <pc:picChg chg="add del mod">
+          <ac:chgData name="Ming-Chih Lin" userId="f1ba3ba5-e185-404b-b55f-b2be90e2bdc2" providerId="ADAL" clId="{091A637F-8D54-4E54-83E0-103516D33677}" dt="2020-06-11T21:13:16.886" v="3400" actId="478"/>
+          <ac:picMkLst>
+            <pc:docMk/>
+            <pc:sldMk cId="3498516507" sldId="336"/>
+            <ac:picMk id="5" creationId="{2B8C4C65-2CD7-4897-A47B-CC8267A2CC09}"/>
+          </ac:picMkLst>
+        </pc:picChg>
+        <pc:picChg chg="add mod">
+          <ac:chgData name="Ming-Chih Lin" userId="f1ba3ba5-e185-404b-b55f-b2be90e2bdc2" providerId="ADAL" clId="{091A637F-8D54-4E54-83E0-103516D33677}" dt="2020-06-11T21:20:20.377" v="3461" actId="164"/>
+          <ac:picMkLst>
+            <pc:docMk/>
+            <pc:sldMk cId="3498516507" sldId="336"/>
+            <ac:picMk id="7" creationId="{24C0C527-F546-49A1-83CD-40889B1EC984}"/>
+          </ac:picMkLst>
+        </pc:picChg>
       </pc:sldChg>
       <pc:sldChg chg="addSp delSp modSp add mod">
         <pc:chgData name="Ming-Chih Lin" userId="f1ba3ba5-e185-404b-b55f-b2be90e2bdc2" providerId="ADAL" clId="{091A637F-8D54-4E54-83E0-103516D33677}" dt="2020-06-11T01:41:02.181" v="2626"/>
@@ -2885,6 +2941,13 @@
             <ac:spMk id="3" creationId="{26966E35-C5AD-42C8-B371-687A65F33785}"/>
           </ac:spMkLst>
         </pc:spChg>
+      </pc:sldChg>
+      <pc:sldChg chg="add">
+        <pc:chgData name="Ming-Chih Lin" userId="f1ba3ba5-e185-404b-b55f-b2be90e2bdc2" providerId="ADAL" clId="{091A637F-8D54-4E54-83E0-103516D33677}" dt="2020-06-11T21:10:47.259" v="3392"/>
+        <pc:sldMkLst>
+          <pc:docMk/>
+          <pc:sldMk cId="4276155350" sldId="340"/>
+        </pc:sldMkLst>
       </pc:sldChg>
     </pc:docChg>
   </pc:docChgLst>
@@ -3086,6 +3149,2921 @@
     </pc:docChg>
   </pc:docChgLst>
 </pc:chgInfo>
+</file>
+
+<file path=ppt/diagrams/colors1.xml><?xml version="1.0" encoding="utf-8"?>
+<dgm:colorsDef xmlns:dgm="http://schemas.openxmlformats.org/drawingml/2006/diagram" xmlns:a="http://schemas.openxmlformats.org/drawingml/2006/main" uniqueId="urn:microsoft.com/office/officeart/2005/8/colors/accent0_3">
+  <dgm:title val=""/>
+  <dgm:desc val=""/>
+  <dgm:catLst>
+    <dgm:cat type="mainScheme" pri="10300"/>
+  </dgm:catLst>
+  <dgm:styleLbl name="node0">
+    <dgm:fillClrLst meth="repeat">
+      <a:schemeClr val="dk2"/>
+    </dgm:fillClrLst>
+    <dgm:linClrLst meth="repeat">
+      <a:schemeClr val="lt2"/>
+    </dgm:linClrLst>
+    <dgm:effectClrLst/>
+    <dgm:txLinClrLst/>
+    <dgm:txFillClrLst/>
+    <dgm:txEffectClrLst/>
+  </dgm:styleLbl>
+  <dgm:styleLbl name="alignNode1">
+    <dgm:fillClrLst meth="repeat">
+      <a:schemeClr val="dk2"/>
+    </dgm:fillClrLst>
+    <dgm:linClrLst meth="repeat">
+      <a:schemeClr val="dk2"/>
+    </dgm:linClrLst>
+    <dgm:effectClrLst/>
+    <dgm:txLinClrLst/>
+    <dgm:txFillClrLst/>
+    <dgm:txEffectClrLst/>
+  </dgm:styleLbl>
+  <dgm:styleLbl name="node1">
+    <dgm:fillClrLst meth="repeat">
+      <a:schemeClr val="dk2"/>
+    </dgm:fillClrLst>
+    <dgm:linClrLst meth="repeat">
+      <a:schemeClr val="lt2"/>
+    </dgm:linClrLst>
+    <dgm:effectClrLst/>
+    <dgm:txLinClrLst/>
+    <dgm:txFillClrLst/>
+    <dgm:txEffectClrLst/>
+  </dgm:styleLbl>
+  <dgm:styleLbl name="lnNode1">
+    <dgm:fillClrLst meth="repeat">
+      <a:schemeClr val="dk2"/>
+    </dgm:fillClrLst>
+    <dgm:linClrLst meth="repeat">
+      <a:schemeClr val="lt2"/>
+    </dgm:linClrLst>
+    <dgm:effectClrLst/>
+    <dgm:txLinClrLst/>
+    <dgm:txFillClrLst/>
+    <dgm:txEffectClrLst/>
+  </dgm:styleLbl>
+  <dgm:styleLbl name="vennNode1">
+    <dgm:fillClrLst meth="repeat">
+      <a:schemeClr val="dk2">
+        <a:alpha val="50000"/>
+      </a:schemeClr>
+    </dgm:fillClrLst>
+    <dgm:linClrLst meth="repeat">
+      <a:schemeClr val="lt2"/>
+    </dgm:linClrLst>
+    <dgm:effectClrLst/>
+    <dgm:txLinClrLst/>
+    <dgm:txFillClrLst/>
+    <dgm:txEffectClrLst/>
+  </dgm:styleLbl>
+  <dgm:styleLbl name="node2">
+    <dgm:fillClrLst meth="repeat">
+      <a:schemeClr val="dk2"/>
+    </dgm:fillClrLst>
+    <dgm:linClrLst meth="repeat">
+      <a:schemeClr val="lt2"/>
+    </dgm:linClrLst>
+    <dgm:effectClrLst/>
+    <dgm:txLinClrLst/>
+    <dgm:txFillClrLst/>
+    <dgm:txEffectClrLst/>
+  </dgm:styleLbl>
+  <dgm:styleLbl name="node3">
+    <dgm:fillClrLst meth="repeat">
+      <a:schemeClr val="dk2"/>
+    </dgm:fillClrLst>
+    <dgm:linClrLst meth="repeat">
+      <a:schemeClr val="lt2"/>
+    </dgm:linClrLst>
+    <dgm:effectClrLst/>
+    <dgm:txLinClrLst/>
+    <dgm:txFillClrLst/>
+    <dgm:txEffectClrLst/>
+  </dgm:styleLbl>
+  <dgm:styleLbl name="node4">
+    <dgm:fillClrLst meth="repeat">
+      <a:schemeClr val="dk2"/>
+    </dgm:fillClrLst>
+    <dgm:linClrLst meth="repeat">
+      <a:schemeClr val="lt2"/>
+    </dgm:linClrLst>
+    <dgm:effectClrLst/>
+    <dgm:txLinClrLst/>
+    <dgm:txFillClrLst/>
+    <dgm:txEffectClrLst/>
+  </dgm:styleLbl>
+  <dgm:styleLbl name="fgImgPlace1">
+    <dgm:fillClrLst meth="repeat">
+      <a:schemeClr val="dk2">
+        <a:tint val="50000"/>
+      </a:schemeClr>
+    </dgm:fillClrLst>
+    <dgm:linClrLst meth="repeat">
+      <a:schemeClr val="lt2"/>
+    </dgm:linClrLst>
+    <dgm:effectClrLst/>
+    <dgm:txLinClrLst/>
+    <dgm:txFillClrLst meth="repeat">
+      <a:schemeClr val="lt2"/>
+    </dgm:txFillClrLst>
+    <dgm:txEffectClrLst/>
+  </dgm:styleLbl>
+  <dgm:styleLbl name="alignImgPlace1">
+    <dgm:fillClrLst meth="repeat">
+      <a:schemeClr val="dk2">
+        <a:tint val="50000"/>
+      </a:schemeClr>
+    </dgm:fillClrLst>
+    <dgm:linClrLst meth="repeat">
+      <a:schemeClr val="dk2">
+        <a:shade val="80000"/>
+      </a:schemeClr>
+    </dgm:linClrLst>
+    <dgm:effectClrLst/>
+    <dgm:txLinClrLst/>
+    <dgm:txFillClrLst meth="repeat">
+      <a:schemeClr val="lt2"/>
+    </dgm:txFillClrLst>
+    <dgm:txEffectClrLst/>
+  </dgm:styleLbl>
+  <dgm:styleLbl name="bgImgPlace1">
+    <dgm:fillClrLst meth="repeat">
+      <a:schemeClr val="dk2">
+        <a:tint val="50000"/>
+      </a:schemeClr>
+    </dgm:fillClrLst>
+    <dgm:linClrLst meth="repeat">
+      <a:schemeClr val="dk2">
+        <a:shade val="80000"/>
+      </a:schemeClr>
+    </dgm:linClrLst>
+    <dgm:effectClrLst/>
+    <dgm:txLinClrLst/>
+    <dgm:txFillClrLst meth="repeat">
+      <a:schemeClr val="lt2"/>
+    </dgm:txFillClrLst>
+    <dgm:txEffectClrLst/>
+  </dgm:styleLbl>
+  <dgm:styleLbl name="sibTrans2D1">
+    <dgm:fillClrLst meth="repeat">
+      <a:schemeClr val="dk2">
+        <a:tint val="60000"/>
+      </a:schemeClr>
+    </dgm:fillClrLst>
+    <dgm:linClrLst meth="repeat">
+      <a:schemeClr val="dk2">
+        <a:tint val="60000"/>
+      </a:schemeClr>
+    </dgm:linClrLst>
+    <dgm:effectClrLst/>
+    <dgm:txLinClrLst/>
+    <dgm:txFillClrLst/>
+    <dgm:txEffectClrLst/>
+  </dgm:styleLbl>
+  <dgm:styleLbl name="fgSibTrans2D1">
+    <dgm:fillClrLst meth="repeat">
+      <a:schemeClr val="dk2">
+        <a:tint val="60000"/>
+      </a:schemeClr>
+    </dgm:fillClrLst>
+    <dgm:linClrLst meth="repeat">
+      <a:schemeClr val="dk2">
+        <a:tint val="60000"/>
+      </a:schemeClr>
+    </dgm:linClrLst>
+    <dgm:effectClrLst/>
+    <dgm:txLinClrLst/>
+    <dgm:txFillClrLst/>
+    <dgm:txEffectClrLst/>
+  </dgm:styleLbl>
+  <dgm:styleLbl name="bgSibTrans2D1">
+    <dgm:fillClrLst meth="repeat">
+      <a:schemeClr val="dk2">
+        <a:tint val="60000"/>
+      </a:schemeClr>
+    </dgm:fillClrLst>
+    <dgm:linClrLst meth="repeat">
+      <a:schemeClr val="dk2">
+        <a:tint val="60000"/>
+      </a:schemeClr>
+    </dgm:linClrLst>
+    <dgm:effectClrLst/>
+    <dgm:txLinClrLst/>
+    <dgm:txFillClrLst/>
+    <dgm:txEffectClrLst/>
+  </dgm:styleLbl>
+  <dgm:styleLbl name="sibTrans1D1">
+    <dgm:fillClrLst meth="repeat">
+      <a:schemeClr val="dk2"/>
+    </dgm:fillClrLst>
+    <dgm:linClrLst meth="repeat">
+      <a:schemeClr val="dk2"/>
+    </dgm:linClrLst>
+    <dgm:effectClrLst/>
+    <dgm:txLinClrLst/>
+    <dgm:txFillClrLst meth="repeat">
+      <a:schemeClr val="lt2"/>
+    </dgm:txFillClrLst>
+    <dgm:txEffectClrLst/>
+  </dgm:styleLbl>
+  <dgm:styleLbl name="callout">
+    <dgm:fillClrLst meth="repeat">
+      <a:schemeClr val="dk2"/>
+    </dgm:fillClrLst>
+    <dgm:linClrLst meth="repeat">
+      <a:schemeClr val="dk2">
+        <a:tint val="50000"/>
+      </a:schemeClr>
+    </dgm:linClrLst>
+    <dgm:effectClrLst/>
+    <dgm:txLinClrLst/>
+    <dgm:txFillClrLst meth="repeat">
+      <a:schemeClr val="lt2"/>
+    </dgm:txFillClrLst>
+    <dgm:txEffectClrLst/>
+  </dgm:styleLbl>
+  <dgm:styleLbl name="asst0">
+    <dgm:fillClrLst meth="repeat">
+      <a:schemeClr val="dk2"/>
+    </dgm:fillClrLst>
+    <dgm:linClrLst meth="repeat">
+      <a:schemeClr val="lt2"/>
+    </dgm:linClrLst>
+    <dgm:effectClrLst/>
+    <dgm:txLinClrLst/>
+    <dgm:txFillClrLst/>
+    <dgm:txEffectClrLst/>
+  </dgm:styleLbl>
+  <dgm:styleLbl name="asst1">
+    <dgm:fillClrLst meth="repeat">
+      <a:schemeClr val="dk2"/>
+    </dgm:fillClrLst>
+    <dgm:linClrLst meth="repeat">
+      <a:schemeClr val="lt2"/>
+    </dgm:linClrLst>
+    <dgm:effectClrLst/>
+    <dgm:txLinClrLst/>
+    <dgm:txFillClrLst/>
+    <dgm:txEffectClrLst/>
+  </dgm:styleLbl>
+  <dgm:styleLbl name="asst2">
+    <dgm:fillClrLst meth="repeat">
+      <a:schemeClr val="dk2"/>
+    </dgm:fillClrLst>
+    <dgm:linClrLst meth="repeat">
+      <a:schemeClr val="lt2"/>
+    </dgm:linClrLst>
+    <dgm:effectClrLst/>
+    <dgm:txLinClrLst/>
+    <dgm:txFillClrLst/>
+    <dgm:txEffectClrLst/>
+  </dgm:styleLbl>
+  <dgm:styleLbl name="asst3">
+    <dgm:fillClrLst meth="repeat">
+      <a:schemeClr val="dk2"/>
+    </dgm:fillClrLst>
+    <dgm:linClrLst meth="repeat">
+      <a:schemeClr val="lt2"/>
+    </dgm:linClrLst>
+    <dgm:effectClrLst/>
+    <dgm:txLinClrLst/>
+    <dgm:txFillClrLst/>
+    <dgm:txEffectClrLst/>
+  </dgm:styleLbl>
+  <dgm:styleLbl name="asst4">
+    <dgm:fillClrLst meth="repeat">
+      <a:schemeClr val="dk2"/>
+    </dgm:fillClrLst>
+    <dgm:linClrLst meth="repeat">
+      <a:schemeClr val="lt2"/>
+    </dgm:linClrLst>
+    <dgm:effectClrLst/>
+    <dgm:txLinClrLst/>
+    <dgm:txFillClrLst/>
+    <dgm:txEffectClrLst/>
+  </dgm:styleLbl>
+  <dgm:styleLbl name="parChTrans2D1">
+    <dgm:fillClrLst meth="repeat">
+      <a:schemeClr val="dk2">
+        <a:tint val="60000"/>
+      </a:schemeClr>
+    </dgm:fillClrLst>
+    <dgm:linClrLst meth="repeat">
+      <a:schemeClr val="dk2">
+        <a:tint val="60000"/>
+      </a:schemeClr>
+    </dgm:linClrLst>
+    <dgm:effectClrLst/>
+    <dgm:txLinClrLst/>
+    <dgm:txFillClrLst meth="repeat">
+      <a:schemeClr val="lt2"/>
+    </dgm:txFillClrLst>
+    <dgm:txEffectClrLst/>
+  </dgm:styleLbl>
+  <dgm:styleLbl name="parChTrans2D2">
+    <dgm:fillClrLst meth="repeat">
+      <a:schemeClr val="dk2"/>
+    </dgm:fillClrLst>
+    <dgm:linClrLst meth="repeat">
+      <a:schemeClr val="dk2"/>
+    </dgm:linClrLst>
+    <dgm:effectClrLst/>
+    <dgm:txLinClrLst/>
+    <dgm:txFillClrLst meth="repeat">
+      <a:schemeClr val="lt2"/>
+    </dgm:txFillClrLst>
+    <dgm:txEffectClrLst/>
+  </dgm:styleLbl>
+  <dgm:styleLbl name="parChTrans2D3">
+    <dgm:fillClrLst meth="repeat">
+      <a:schemeClr val="dk2"/>
+    </dgm:fillClrLst>
+    <dgm:linClrLst meth="repeat">
+      <a:schemeClr val="dk2"/>
+    </dgm:linClrLst>
+    <dgm:effectClrLst/>
+    <dgm:txLinClrLst/>
+    <dgm:txFillClrLst meth="repeat">
+      <a:schemeClr val="lt2"/>
+    </dgm:txFillClrLst>
+    <dgm:txEffectClrLst/>
+  </dgm:styleLbl>
+  <dgm:styleLbl name="parChTrans2D4">
+    <dgm:fillClrLst meth="repeat">
+      <a:schemeClr val="dk2"/>
+    </dgm:fillClrLst>
+    <dgm:linClrLst meth="repeat">
+      <a:schemeClr val="dk2"/>
+    </dgm:linClrLst>
+    <dgm:effectClrLst/>
+    <dgm:txLinClrLst/>
+    <dgm:txFillClrLst meth="repeat">
+      <a:schemeClr val="lt2"/>
+    </dgm:txFillClrLst>
+    <dgm:txEffectClrLst/>
+  </dgm:styleLbl>
+  <dgm:styleLbl name="parChTrans1D1">
+    <dgm:fillClrLst meth="repeat">
+      <a:schemeClr val="dk2"/>
+    </dgm:fillClrLst>
+    <dgm:linClrLst meth="repeat">
+      <a:schemeClr val="dk2">
+        <a:shade val="60000"/>
+      </a:schemeClr>
+    </dgm:linClrLst>
+    <dgm:effectClrLst/>
+    <dgm:txLinClrLst/>
+    <dgm:txFillClrLst meth="repeat">
+      <a:schemeClr val="tx1"/>
+    </dgm:txFillClrLst>
+    <dgm:txEffectClrLst/>
+  </dgm:styleLbl>
+  <dgm:styleLbl name="parChTrans1D2">
+    <dgm:fillClrLst meth="repeat">
+      <a:schemeClr val="dk2"/>
+    </dgm:fillClrLst>
+    <dgm:linClrLst meth="repeat">
+      <a:schemeClr val="dk2">
+        <a:shade val="60000"/>
+      </a:schemeClr>
+    </dgm:linClrLst>
+    <dgm:effectClrLst/>
+    <dgm:txLinClrLst/>
+    <dgm:txFillClrLst meth="repeat">
+      <a:schemeClr val="tx1"/>
+    </dgm:txFillClrLst>
+    <dgm:txEffectClrLst/>
+  </dgm:styleLbl>
+  <dgm:styleLbl name="parChTrans1D3">
+    <dgm:fillClrLst meth="repeat">
+      <a:schemeClr val="dk2"/>
+    </dgm:fillClrLst>
+    <dgm:linClrLst meth="repeat">
+      <a:schemeClr val="dk2">
+        <a:shade val="80000"/>
+      </a:schemeClr>
+    </dgm:linClrLst>
+    <dgm:effectClrLst/>
+    <dgm:txLinClrLst/>
+    <dgm:txFillClrLst meth="repeat">
+      <a:schemeClr val="tx1"/>
+    </dgm:txFillClrLst>
+    <dgm:txEffectClrLst/>
+  </dgm:styleLbl>
+  <dgm:styleLbl name="parChTrans1D4">
+    <dgm:fillClrLst meth="repeat">
+      <a:schemeClr val="dk2"/>
+    </dgm:fillClrLst>
+    <dgm:linClrLst meth="repeat">
+      <a:schemeClr val="dk2">
+        <a:shade val="80000"/>
+      </a:schemeClr>
+    </dgm:linClrLst>
+    <dgm:effectClrLst/>
+    <dgm:txLinClrLst/>
+    <dgm:txFillClrLst meth="repeat">
+      <a:schemeClr val="tx1"/>
+    </dgm:txFillClrLst>
+    <dgm:txEffectClrLst/>
+  </dgm:styleLbl>
+  <dgm:styleLbl name="fgAcc1">
+    <dgm:fillClrLst meth="repeat">
+      <a:schemeClr val="lt2">
+        <a:alpha val="90000"/>
+      </a:schemeClr>
+    </dgm:fillClrLst>
+    <dgm:linClrLst meth="repeat">
+      <a:schemeClr val="dk2"/>
+    </dgm:linClrLst>
+    <dgm:effectClrLst/>
+    <dgm:txLinClrLst/>
+    <dgm:txFillClrLst meth="repeat">
+      <a:schemeClr val="dk1"/>
+    </dgm:txFillClrLst>
+    <dgm:txEffectClrLst/>
+  </dgm:styleLbl>
+  <dgm:styleLbl name="conFgAcc1">
+    <dgm:fillClrLst meth="repeat">
+      <a:schemeClr val="lt2">
+        <a:alpha val="90000"/>
+      </a:schemeClr>
+    </dgm:fillClrLst>
+    <dgm:linClrLst meth="repeat">
+      <a:schemeClr val="dk2"/>
+    </dgm:linClrLst>
+    <dgm:effectClrLst/>
+    <dgm:txLinClrLst/>
+    <dgm:txFillClrLst meth="repeat">
+      <a:schemeClr val="dk1"/>
+    </dgm:txFillClrLst>
+    <dgm:txEffectClrLst/>
+  </dgm:styleLbl>
+  <dgm:styleLbl name="alignAcc1">
+    <dgm:fillClrLst meth="repeat">
+      <a:schemeClr val="lt2">
+        <a:alpha val="90000"/>
+      </a:schemeClr>
+    </dgm:fillClrLst>
+    <dgm:linClrLst meth="repeat">
+      <a:schemeClr val="dk2"/>
+    </dgm:linClrLst>
+    <dgm:effectClrLst/>
+    <dgm:txLinClrLst/>
+    <dgm:txFillClrLst meth="repeat">
+      <a:schemeClr val="dk1"/>
+    </dgm:txFillClrLst>
+    <dgm:txEffectClrLst/>
+  </dgm:styleLbl>
+  <dgm:styleLbl name="trAlignAcc1">
+    <dgm:fillClrLst meth="repeat">
+      <a:schemeClr val="lt2">
+        <a:alpha val="40000"/>
+      </a:schemeClr>
+    </dgm:fillClrLst>
+    <dgm:linClrLst meth="repeat">
+      <a:schemeClr val="dk2"/>
+    </dgm:linClrLst>
+    <dgm:effectClrLst/>
+    <dgm:txLinClrLst/>
+    <dgm:txFillClrLst meth="repeat">
+      <a:schemeClr val="dk1"/>
+    </dgm:txFillClrLst>
+    <dgm:txEffectClrLst/>
+  </dgm:styleLbl>
+  <dgm:styleLbl name="bgAcc1">
+    <dgm:fillClrLst meth="repeat">
+      <a:schemeClr val="lt2">
+        <a:alpha val="90000"/>
+      </a:schemeClr>
+    </dgm:fillClrLst>
+    <dgm:linClrLst meth="repeat">
+      <a:schemeClr val="dk2"/>
+    </dgm:linClrLst>
+    <dgm:effectClrLst/>
+    <dgm:txLinClrLst/>
+    <dgm:txFillClrLst meth="repeat">
+      <a:schemeClr val="dk1"/>
+    </dgm:txFillClrLst>
+    <dgm:txEffectClrLst/>
+  </dgm:styleLbl>
+  <dgm:styleLbl name="solidFgAcc1">
+    <dgm:fillClrLst meth="repeat">
+      <a:schemeClr val="lt2"/>
+    </dgm:fillClrLst>
+    <dgm:linClrLst meth="repeat">
+      <a:schemeClr val="dk2"/>
+    </dgm:linClrLst>
+    <dgm:effectClrLst/>
+    <dgm:txLinClrLst/>
+    <dgm:txFillClrLst meth="repeat">
+      <a:schemeClr val="dk1"/>
+    </dgm:txFillClrLst>
+    <dgm:txEffectClrLst/>
+  </dgm:styleLbl>
+  <dgm:styleLbl name="solidAlignAcc1">
+    <dgm:fillClrLst meth="repeat">
+      <a:schemeClr val="lt2"/>
+    </dgm:fillClrLst>
+    <dgm:linClrLst meth="repeat">
+      <a:schemeClr val="dk2"/>
+    </dgm:linClrLst>
+    <dgm:effectClrLst/>
+    <dgm:txLinClrLst/>
+    <dgm:txFillClrLst meth="repeat">
+      <a:schemeClr val="dk1"/>
+    </dgm:txFillClrLst>
+    <dgm:txEffectClrLst/>
+  </dgm:styleLbl>
+  <dgm:styleLbl name="solidBgAcc1">
+    <dgm:fillClrLst meth="repeat">
+      <a:schemeClr val="lt2"/>
+    </dgm:fillClrLst>
+    <dgm:linClrLst meth="repeat">
+      <a:schemeClr val="dk2"/>
+    </dgm:linClrLst>
+    <dgm:effectClrLst/>
+    <dgm:txLinClrLst/>
+    <dgm:txFillClrLst meth="repeat">
+      <a:schemeClr val="dk1"/>
+    </dgm:txFillClrLst>
+    <dgm:txEffectClrLst/>
+  </dgm:styleLbl>
+  <dgm:styleLbl name="fgAccFollowNode1">
+    <dgm:fillClrLst meth="repeat">
+      <a:schemeClr val="dk2">
+        <a:alpha val="90000"/>
+        <a:tint val="40000"/>
+      </a:schemeClr>
+    </dgm:fillClrLst>
+    <dgm:linClrLst meth="repeat">
+      <a:schemeClr val="dk2">
+        <a:alpha val="90000"/>
+        <a:tint val="40000"/>
+      </a:schemeClr>
+    </dgm:linClrLst>
+    <dgm:effectClrLst/>
+    <dgm:txLinClrLst/>
+    <dgm:txFillClrLst meth="repeat">
+      <a:schemeClr val="dk1"/>
+    </dgm:txFillClrLst>
+    <dgm:txEffectClrLst/>
+  </dgm:styleLbl>
+  <dgm:styleLbl name="alignAccFollowNode1">
+    <dgm:fillClrLst meth="repeat">
+      <a:schemeClr val="dk2">
+        <a:alpha val="90000"/>
+        <a:tint val="40000"/>
+      </a:schemeClr>
+    </dgm:fillClrLst>
+    <dgm:linClrLst meth="repeat">
+      <a:schemeClr val="dk2">
+        <a:alpha val="90000"/>
+        <a:tint val="40000"/>
+      </a:schemeClr>
+    </dgm:linClrLst>
+    <dgm:effectClrLst/>
+    <dgm:txLinClrLst/>
+    <dgm:txFillClrLst meth="repeat">
+      <a:schemeClr val="dk1"/>
+    </dgm:txFillClrLst>
+    <dgm:txEffectClrLst/>
+  </dgm:styleLbl>
+  <dgm:styleLbl name="bgAccFollowNode1">
+    <dgm:fillClrLst meth="repeat">
+      <a:schemeClr val="dk2">
+        <a:alpha val="90000"/>
+        <a:tint val="40000"/>
+      </a:schemeClr>
+    </dgm:fillClrLst>
+    <dgm:linClrLst meth="repeat">
+      <a:schemeClr val="dk2">
+        <a:alpha val="90000"/>
+        <a:tint val="40000"/>
+      </a:schemeClr>
+    </dgm:linClrLst>
+    <dgm:effectClrLst/>
+    <dgm:txLinClrLst/>
+    <dgm:txFillClrLst meth="repeat">
+      <a:schemeClr val="dk1"/>
+    </dgm:txFillClrLst>
+    <dgm:txEffectClrLst/>
+  </dgm:styleLbl>
+  <dgm:styleLbl name="fgAcc0">
+    <dgm:fillClrLst meth="repeat">
+      <a:schemeClr val="lt2">
+        <a:alpha val="90000"/>
+      </a:schemeClr>
+    </dgm:fillClrLst>
+    <dgm:linClrLst meth="repeat">
+      <a:schemeClr val="dk2"/>
+    </dgm:linClrLst>
+    <dgm:effectClrLst/>
+    <dgm:txLinClrLst/>
+    <dgm:txFillClrLst meth="repeat">
+      <a:schemeClr val="dk1"/>
+    </dgm:txFillClrLst>
+    <dgm:txEffectClrLst/>
+  </dgm:styleLbl>
+  <dgm:styleLbl name="fgAcc2">
+    <dgm:fillClrLst meth="repeat">
+      <a:schemeClr val="lt2">
+        <a:alpha val="90000"/>
+      </a:schemeClr>
+    </dgm:fillClrLst>
+    <dgm:linClrLst meth="repeat">
+      <a:schemeClr val="dk2"/>
+    </dgm:linClrLst>
+    <dgm:effectClrLst/>
+    <dgm:txLinClrLst/>
+    <dgm:txFillClrLst meth="repeat">
+      <a:schemeClr val="dk1"/>
+    </dgm:txFillClrLst>
+    <dgm:txEffectClrLst/>
+  </dgm:styleLbl>
+  <dgm:styleLbl name="fgAcc3">
+    <dgm:fillClrLst meth="repeat">
+      <a:schemeClr val="lt2">
+        <a:alpha val="90000"/>
+      </a:schemeClr>
+    </dgm:fillClrLst>
+    <dgm:linClrLst meth="repeat">
+      <a:schemeClr val="dk2"/>
+    </dgm:linClrLst>
+    <dgm:effectClrLst/>
+    <dgm:txLinClrLst/>
+    <dgm:txFillClrLst meth="repeat">
+      <a:schemeClr val="dk1"/>
+    </dgm:txFillClrLst>
+    <dgm:txEffectClrLst/>
+  </dgm:styleLbl>
+  <dgm:styleLbl name="fgAcc4">
+    <dgm:fillClrLst meth="repeat">
+      <a:schemeClr val="lt2">
+        <a:alpha val="90000"/>
+      </a:schemeClr>
+    </dgm:fillClrLst>
+    <dgm:linClrLst meth="repeat">
+      <a:schemeClr val="dk2"/>
+    </dgm:linClrLst>
+    <dgm:effectClrLst/>
+    <dgm:txLinClrLst/>
+    <dgm:txFillClrLst meth="repeat">
+      <a:schemeClr val="dk1"/>
+    </dgm:txFillClrLst>
+    <dgm:txEffectClrLst/>
+  </dgm:styleLbl>
+  <dgm:styleLbl name="bgShp">
+    <dgm:fillClrLst meth="repeat">
+      <a:schemeClr val="dk2">
+        <a:tint val="40000"/>
+      </a:schemeClr>
+    </dgm:fillClrLst>
+    <dgm:linClrLst meth="repeat">
+      <a:schemeClr val="dk2"/>
+    </dgm:linClrLst>
+    <dgm:effectClrLst/>
+    <dgm:txLinClrLst/>
+    <dgm:txFillClrLst meth="repeat">
+      <a:schemeClr val="dk1"/>
+    </dgm:txFillClrLst>
+    <dgm:txEffectClrLst/>
+  </dgm:styleLbl>
+  <dgm:styleLbl name="dkBgShp">
+    <dgm:fillClrLst meth="repeat">
+      <a:schemeClr val="dk2">
+        <a:shade val="80000"/>
+      </a:schemeClr>
+    </dgm:fillClrLst>
+    <dgm:linClrLst meth="repeat">
+      <a:schemeClr val="dk2"/>
+    </dgm:linClrLst>
+    <dgm:effectClrLst/>
+    <dgm:txLinClrLst/>
+    <dgm:txFillClrLst meth="repeat">
+      <a:schemeClr val="lt1"/>
+    </dgm:txFillClrLst>
+    <dgm:txEffectClrLst/>
+  </dgm:styleLbl>
+  <dgm:styleLbl name="trBgShp">
+    <dgm:fillClrLst meth="repeat">
+      <a:schemeClr val="dk2">
+        <a:tint val="50000"/>
+        <a:alpha val="40000"/>
+      </a:schemeClr>
+    </dgm:fillClrLst>
+    <dgm:linClrLst meth="repeat">
+      <a:schemeClr val="dk2"/>
+    </dgm:linClrLst>
+    <dgm:effectClrLst/>
+    <dgm:txLinClrLst/>
+    <dgm:txFillClrLst meth="repeat">
+      <a:schemeClr val="lt1"/>
+    </dgm:txFillClrLst>
+    <dgm:txEffectClrLst/>
+  </dgm:styleLbl>
+  <dgm:styleLbl name="fgShp">
+    <dgm:fillClrLst meth="repeat">
+      <a:schemeClr val="dk2">
+        <a:tint val="60000"/>
+      </a:schemeClr>
+    </dgm:fillClrLst>
+    <dgm:linClrLst meth="repeat">
+      <a:schemeClr val="lt2"/>
+    </dgm:linClrLst>
+    <dgm:effectClrLst/>
+    <dgm:txLinClrLst/>
+    <dgm:txFillClrLst meth="repeat">
+      <a:schemeClr val="dk1"/>
+    </dgm:txFillClrLst>
+    <dgm:txEffectClrLst/>
+  </dgm:styleLbl>
+  <dgm:styleLbl name="revTx">
+    <dgm:fillClrLst meth="repeat">
+      <a:schemeClr val="lt2">
+        <a:alpha val="0"/>
+      </a:schemeClr>
+    </dgm:fillClrLst>
+    <dgm:linClrLst meth="repeat">
+      <a:schemeClr val="dk1">
+        <a:alpha val="0"/>
+      </a:schemeClr>
+    </dgm:linClrLst>
+    <dgm:effectClrLst/>
+    <dgm:txLinClrLst/>
+    <dgm:txFillClrLst meth="repeat">
+      <a:schemeClr val="tx1"/>
+    </dgm:txFillClrLst>
+    <dgm:txEffectClrLst/>
+  </dgm:styleLbl>
+</dgm:colorsDef>
+</file>
+
+<file path=ppt/diagrams/data1.xml><?xml version="1.0" encoding="utf-8"?>
+<dgm:dataModel xmlns:dgm="http://schemas.openxmlformats.org/drawingml/2006/diagram" xmlns:a="http://schemas.openxmlformats.org/drawingml/2006/main">
+  <dgm:ptLst>
+    <dgm:pt modelId="{C8DAE8DB-2897-4272-BC48-7C73B5E8118B}" type="doc">
+      <dgm:prSet loTypeId="urn:microsoft.com/office/officeart/2005/8/layout/list1" loCatId="list" qsTypeId="urn:microsoft.com/office/officeart/2005/8/quickstyle/simple2" qsCatId="simple" csTypeId="urn:microsoft.com/office/officeart/2005/8/colors/accent0_3" csCatId="mainScheme" phldr="1"/>
+      <dgm:spPr/>
+      <dgm:t>
+        <a:bodyPr/>
+        <a:lstStyle/>
+        <a:p>
+          <a:endParaRPr lang="en-US"/>
+        </a:p>
+      </dgm:t>
+    </dgm:pt>
+    <dgm:pt modelId="{D9D2555F-B744-4203-AC83-2B8B3C2CA34A}">
+      <dgm:prSet/>
+      <dgm:spPr/>
+      <dgm:t>
+        <a:bodyPr/>
+        <a:lstStyle/>
+        <a:p>
+          <a:r>
+            <a:rPr lang="zh-TW" b="0" i="0" baseline="0"/>
+            <a:t>題目</a:t>
+          </a:r>
+          <a:r>
+            <a:rPr lang="en-US" b="0" i="0" baseline="0"/>
+            <a:t>:</a:t>
+          </a:r>
+          <a:endParaRPr lang="en-US"/>
+        </a:p>
+      </dgm:t>
+    </dgm:pt>
+    <dgm:pt modelId="{FE11ED62-8508-4D64-A2B2-44CEA867467B}" type="parTrans" cxnId="{24BE4FEF-F4F0-4FEB-B8E2-EFCE63B470B3}">
+      <dgm:prSet/>
+      <dgm:spPr/>
+      <dgm:t>
+        <a:bodyPr/>
+        <a:lstStyle/>
+        <a:p>
+          <a:endParaRPr lang="en-US"/>
+        </a:p>
+      </dgm:t>
+    </dgm:pt>
+    <dgm:pt modelId="{A88B7D2C-5DE0-468E-9752-35B0F95227E6}" type="sibTrans" cxnId="{24BE4FEF-F4F0-4FEB-B8E2-EFCE63B470B3}">
+      <dgm:prSet/>
+      <dgm:spPr/>
+      <dgm:t>
+        <a:bodyPr/>
+        <a:lstStyle/>
+        <a:p>
+          <a:endParaRPr lang="en-US"/>
+        </a:p>
+      </dgm:t>
+    </dgm:pt>
+    <dgm:pt modelId="{32C5F357-6232-4A5C-B20F-9C86C61AD1D1}">
+      <dgm:prSet/>
+      <dgm:spPr/>
+      <dgm:t>
+        <a:bodyPr/>
+        <a:lstStyle/>
+        <a:p>
+          <a:r>
+            <a:rPr lang="zh-TW" b="0" i="0" baseline="0"/>
+            <a:t>緣由</a:t>
+          </a:r>
+          <a:r>
+            <a:rPr lang="en-US" b="0" i="0" baseline="0"/>
+            <a:t>:</a:t>
+          </a:r>
+          <a:endParaRPr lang="en-US"/>
+        </a:p>
+      </dgm:t>
+    </dgm:pt>
+    <dgm:pt modelId="{3D09B7E2-9542-4600-8E65-762C41647E70}" type="parTrans" cxnId="{FCAD16EF-E0D6-4D98-BDC0-3ADCBAAB71AD}">
+      <dgm:prSet/>
+      <dgm:spPr/>
+      <dgm:t>
+        <a:bodyPr/>
+        <a:lstStyle/>
+        <a:p>
+          <a:endParaRPr lang="en-US"/>
+        </a:p>
+      </dgm:t>
+    </dgm:pt>
+    <dgm:pt modelId="{9508CBCF-CE99-47D1-B4D5-A67575E20591}" type="sibTrans" cxnId="{FCAD16EF-E0D6-4D98-BDC0-3ADCBAAB71AD}">
+      <dgm:prSet/>
+      <dgm:spPr/>
+      <dgm:t>
+        <a:bodyPr/>
+        <a:lstStyle/>
+        <a:p>
+          <a:endParaRPr lang="en-US"/>
+        </a:p>
+      </dgm:t>
+    </dgm:pt>
+    <dgm:pt modelId="{3213A80C-7B25-4468-9256-7A2FA549C354}">
+      <dgm:prSet/>
+      <dgm:spPr/>
+      <dgm:t>
+        <a:bodyPr/>
+        <a:lstStyle/>
+        <a:p>
+          <a:r>
+            <a:rPr lang="zh-TW" b="0" i="0" baseline="0"/>
+            <a:t>輸入</a:t>
+          </a:r>
+          <a:r>
+            <a:rPr lang="en-US" b="0" i="0" baseline="0"/>
+            <a:t>:</a:t>
+          </a:r>
+          <a:endParaRPr lang="en-US"/>
+        </a:p>
+      </dgm:t>
+    </dgm:pt>
+    <dgm:pt modelId="{39C0DFF8-A6E0-4E1C-9072-534138327BCB}" type="parTrans" cxnId="{22C00523-673D-43D8-8867-75466AA8CA55}">
+      <dgm:prSet/>
+      <dgm:spPr/>
+      <dgm:t>
+        <a:bodyPr/>
+        <a:lstStyle/>
+        <a:p>
+          <a:endParaRPr lang="en-US"/>
+        </a:p>
+      </dgm:t>
+    </dgm:pt>
+    <dgm:pt modelId="{EC8BB826-2C46-4D98-8800-6E4E79DF80A2}" type="sibTrans" cxnId="{22C00523-673D-43D8-8867-75466AA8CA55}">
+      <dgm:prSet/>
+      <dgm:spPr/>
+      <dgm:t>
+        <a:bodyPr/>
+        <a:lstStyle/>
+        <a:p>
+          <a:endParaRPr lang="en-US"/>
+        </a:p>
+      </dgm:t>
+    </dgm:pt>
+    <dgm:pt modelId="{429324C4-6517-4F06-83CC-6176FAB80732}">
+      <dgm:prSet/>
+      <dgm:spPr/>
+      <dgm:t>
+        <a:bodyPr/>
+        <a:lstStyle/>
+        <a:p>
+          <a:r>
+            <a:rPr lang="zh-TW" b="0" i="0" baseline="0"/>
+            <a:t>輸出</a:t>
+          </a:r>
+          <a:r>
+            <a:rPr lang="en-US" b="0" i="0" baseline="0"/>
+            <a:t>:</a:t>
+          </a:r>
+          <a:endParaRPr lang="en-US"/>
+        </a:p>
+      </dgm:t>
+    </dgm:pt>
+    <dgm:pt modelId="{FF20E171-5D54-4046-B648-68FADBB12CF3}" type="parTrans" cxnId="{2035F843-054C-4A5B-8A4D-2A38E352A675}">
+      <dgm:prSet/>
+      <dgm:spPr/>
+      <dgm:t>
+        <a:bodyPr/>
+        <a:lstStyle/>
+        <a:p>
+          <a:endParaRPr lang="en-US"/>
+        </a:p>
+      </dgm:t>
+    </dgm:pt>
+    <dgm:pt modelId="{B8854CE7-FDE4-4729-A4A1-38234F7B8641}" type="sibTrans" cxnId="{2035F843-054C-4A5B-8A4D-2A38E352A675}">
+      <dgm:prSet/>
+      <dgm:spPr/>
+      <dgm:t>
+        <a:bodyPr/>
+        <a:lstStyle/>
+        <a:p>
+          <a:endParaRPr lang="en-US"/>
+        </a:p>
+      </dgm:t>
+    </dgm:pt>
+    <dgm:pt modelId="{1F22C270-408F-455E-8771-E063909F9E2B}" type="pres">
+      <dgm:prSet presAssocID="{C8DAE8DB-2897-4272-BC48-7C73B5E8118B}" presName="linear" presStyleCnt="0">
+        <dgm:presLayoutVars>
+          <dgm:dir/>
+          <dgm:animLvl val="lvl"/>
+          <dgm:resizeHandles val="exact"/>
+        </dgm:presLayoutVars>
+      </dgm:prSet>
+      <dgm:spPr/>
+    </dgm:pt>
+    <dgm:pt modelId="{93F6AA23-B1C4-4436-A2CA-EC8815416DFE}" type="pres">
+      <dgm:prSet presAssocID="{D9D2555F-B744-4203-AC83-2B8B3C2CA34A}" presName="parentLin" presStyleCnt="0"/>
+      <dgm:spPr/>
+    </dgm:pt>
+    <dgm:pt modelId="{970B85FB-64F5-4CD2-8137-7ED5E39FB8EF}" type="pres">
+      <dgm:prSet presAssocID="{D9D2555F-B744-4203-AC83-2B8B3C2CA34A}" presName="parentLeftMargin" presStyleLbl="node1" presStyleIdx="0" presStyleCnt="4"/>
+      <dgm:spPr/>
+    </dgm:pt>
+    <dgm:pt modelId="{17752AD4-0A5B-407D-AE6C-5FF4C59FD63D}" type="pres">
+      <dgm:prSet presAssocID="{D9D2555F-B744-4203-AC83-2B8B3C2CA34A}" presName="parentText" presStyleLbl="node1" presStyleIdx="0" presStyleCnt="4">
+        <dgm:presLayoutVars>
+          <dgm:chMax val="0"/>
+          <dgm:bulletEnabled val="1"/>
+        </dgm:presLayoutVars>
+      </dgm:prSet>
+      <dgm:spPr/>
+    </dgm:pt>
+    <dgm:pt modelId="{B2D1FA97-F0EA-4CBA-BADA-48ACDF320CEB}" type="pres">
+      <dgm:prSet presAssocID="{D9D2555F-B744-4203-AC83-2B8B3C2CA34A}" presName="negativeSpace" presStyleCnt="0"/>
+      <dgm:spPr/>
+    </dgm:pt>
+    <dgm:pt modelId="{61E931EC-5A92-4677-9FD1-06B39CD41F8A}" type="pres">
+      <dgm:prSet presAssocID="{D9D2555F-B744-4203-AC83-2B8B3C2CA34A}" presName="childText" presStyleLbl="conFgAcc1" presStyleIdx="0" presStyleCnt="4">
+        <dgm:presLayoutVars>
+          <dgm:bulletEnabled val="1"/>
+        </dgm:presLayoutVars>
+      </dgm:prSet>
+      <dgm:spPr/>
+    </dgm:pt>
+    <dgm:pt modelId="{CEC2ACDD-0335-403D-ABAE-63D0659E8DD4}" type="pres">
+      <dgm:prSet presAssocID="{A88B7D2C-5DE0-468E-9752-35B0F95227E6}" presName="spaceBetweenRectangles" presStyleCnt="0"/>
+      <dgm:spPr/>
+    </dgm:pt>
+    <dgm:pt modelId="{35659A4E-2BF9-417A-9140-AAEA1FDBAAD0}" type="pres">
+      <dgm:prSet presAssocID="{32C5F357-6232-4A5C-B20F-9C86C61AD1D1}" presName="parentLin" presStyleCnt="0"/>
+      <dgm:spPr/>
+    </dgm:pt>
+    <dgm:pt modelId="{D0CFEE95-6922-4321-94B4-912CA316EBCB}" type="pres">
+      <dgm:prSet presAssocID="{32C5F357-6232-4A5C-B20F-9C86C61AD1D1}" presName="parentLeftMargin" presStyleLbl="node1" presStyleIdx="0" presStyleCnt="4"/>
+      <dgm:spPr/>
+    </dgm:pt>
+    <dgm:pt modelId="{52AD053F-9931-475C-BD31-809FFE3B176F}" type="pres">
+      <dgm:prSet presAssocID="{32C5F357-6232-4A5C-B20F-9C86C61AD1D1}" presName="parentText" presStyleLbl="node1" presStyleIdx="1" presStyleCnt="4">
+        <dgm:presLayoutVars>
+          <dgm:chMax val="0"/>
+          <dgm:bulletEnabled val="1"/>
+        </dgm:presLayoutVars>
+      </dgm:prSet>
+      <dgm:spPr/>
+    </dgm:pt>
+    <dgm:pt modelId="{58DD734D-7E60-45F7-9CDD-62712780300A}" type="pres">
+      <dgm:prSet presAssocID="{32C5F357-6232-4A5C-B20F-9C86C61AD1D1}" presName="negativeSpace" presStyleCnt="0"/>
+      <dgm:spPr/>
+    </dgm:pt>
+    <dgm:pt modelId="{8068715E-AB30-4837-A506-0376AEB7EC04}" type="pres">
+      <dgm:prSet presAssocID="{32C5F357-6232-4A5C-B20F-9C86C61AD1D1}" presName="childText" presStyleLbl="conFgAcc1" presStyleIdx="1" presStyleCnt="4">
+        <dgm:presLayoutVars>
+          <dgm:bulletEnabled val="1"/>
+        </dgm:presLayoutVars>
+      </dgm:prSet>
+      <dgm:spPr/>
+    </dgm:pt>
+    <dgm:pt modelId="{110A3AD4-56BA-498B-96A2-A2C4AC29E30A}" type="pres">
+      <dgm:prSet presAssocID="{9508CBCF-CE99-47D1-B4D5-A67575E20591}" presName="spaceBetweenRectangles" presStyleCnt="0"/>
+      <dgm:spPr/>
+    </dgm:pt>
+    <dgm:pt modelId="{BAD273EC-61FC-45A6-9E9F-67375CBC259A}" type="pres">
+      <dgm:prSet presAssocID="{3213A80C-7B25-4468-9256-7A2FA549C354}" presName="parentLin" presStyleCnt="0"/>
+      <dgm:spPr/>
+    </dgm:pt>
+    <dgm:pt modelId="{DC66F130-7DAB-4D17-B689-9B35FBD875C3}" type="pres">
+      <dgm:prSet presAssocID="{3213A80C-7B25-4468-9256-7A2FA549C354}" presName="parentLeftMargin" presStyleLbl="node1" presStyleIdx="1" presStyleCnt="4"/>
+      <dgm:spPr/>
+    </dgm:pt>
+    <dgm:pt modelId="{7F40C168-AA37-4AC3-9A07-1C86C69E2150}" type="pres">
+      <dgm:prSet presAssocID="{3213A80C-7B25-4468-9256-7A2FA549C354}" presName="parentText" presStyleLbl="node1" presStyleIdx="2" presStyleCnt="4">
+        <dgm:presLayoutVars>
+          <dgm:chMax val="0"/>
+          <dgm:bulletEnabled val="1"/>
+        </dgm:presLayoutVars>
+      </dgm:prSet>
+      <dgm:spPr/>
+    </dgm:pt>
+    <dgm:pt modelId="{B40F912B-2AED-4836-B1ED-DEA47C747B15}" type="pres">
+      <dgm:prSet presAssocID="{3213A80C-7B25-4468-9256-7A2FA549C354}" presName="negativeSpace" presStyleCnt="0"/>
+      <dgm:spPr/>
+    </dgm:pt>
+    <dgm:pt modelId="{CF20D75A-5E76-4015-873F-8B7F46EFFB75}" type="pres">
+      <dgm:prSet presAssocID="{3213A80C-7B25-4468-9256-7A2FA549C354}" presName="childText" presStyleLbl="conFgAcc1" presStyleIdx="2" presStyleCnt="4">
+        <dgm:presLayoutVars>
+          <dgm:bulletEnabled val="1"/>
+        </dgm:presLayoutVars>
+      </dgm:prSet>
+      <dgm:spPr/>
+    </dgm:pt>
+    <dgm:pt modelId="{103EB84E-FF1A-4586-BB06-8E3A170B2E8D}" type="pres">
+      <dgm:prSet presAssocID="{EC8BB826-2C46-4D98-8800-6E4E79DF80A2}" presName="spaceBetweenRectangles" presStyleCnt="0"/>
+      <dgm:spPr/>
+    </dgm:pt>
+    <dgm:pt modelId="{CBC8B802-4CBB-47AF-A641-7677CA4025CF}" type="pres">
+      <dgm:prSet presAssocID="{429324C4-6517-4F06-83CC-6176FAB80732}" presName="parentLin" presStyleCnt="0"/>
+      <dgm:spPr/>
+    </dgm:pt>
+    <dgm:pt modelId="{A056FD34-C29D-443F-B129-C8700439E462}" type="pres">
+      <dgm:prSet presAssocID="{429324C4-6517-4F06-83CC-6176FAB80732}" presName="parentLeftMargin" presStyleLbl="node1" presStyleIdx="2" presStyleCnt="4"/>
+      <dgm:spPr/>
+    </dgm:pt>
+    <dgm:pt modelId="{0B275171-8729-42E5-B8F4-B9D78EB9B2A4}" type="pres">
+      <dgm:prSet presAssocID="{429324C4-6517-4F06-83CC-6176FAB80732}" presName="parentText" presStyleLbl="node1" presStyleIdx="3" presStyleCnt="4">
+        <dgm:presLayoutVars>
+          <dgm:chMax val="0"/>
+          <dgm:bulletEnabled val="1"/>
+        </dgm:presLayoutVars>
+      </dgm:prSet>
+      <dgm:spPr/>
+    </dgm:pt>
+    <dgm:pt modelId="{C4CD7BF0-6FC1-4CE7-BDD0-0864FD88BF62}" type="pres">
+      <dgm:prSet presAssocID="{429324C4-6517-4F06-83CC-6176FAB80732}" presName="negativeSpace" presStyleCnt="0"/>
+      <dgm:spPr/>
+    </dgm:pt>
+    <dgm:pt modelId="{49B3F383-DC9D-45B3-904C-F4A7FA7D4BBC}" type="pres">
+      <dgm:prSet presAssocID="{429324C4-6517-4F06-83CC-6176FAB80732}" presName="childText" presStyleLbl="conFgAcc1" presStyleIdx="3" presStyleCnt="4">
+        <dgm:presLayoutVars>
+          <dgm:bulletEnabled val="1"/>
+        </dgm:presLayoutVars>
+      </dgm:prSet>
+      <dgm:spPr/>
+    </dgm:pt>
+  </dgm:ptLst>
+  <dgm:cxnLst>
+    <dgm:cxn modelId="{221BD40E-B32A-45E5-A5B3-DE10D1D49C8E}" type="presOf" srcId="{429324C4-6517-4F06-83CC-6176FAB80732}" destId="{0B275171-8729-42E5-B8F4-B9D78EB9B2A4}" srcOrd="1" destOrd="0" presId="urn:microsoft.com/office/officeart/2005/8/layout/list1"/>
+    <dgm:cxn modelId="{22C00523-673D-43D8-8867-75466AA8CA55}" srcId="{C8DAE8DB-2897-4272-BC48-7C73B5E8118B}" destId="{3213A80C-7B25-4468-9256-7A2FA549C354}" srcOrd="2" destOrd="0" parTransId="{39C0DFF8-A6E0-4E1C-9072-534138327BCB}" sibTransId="{EC8BB826-2C46-4D98-8800-6E4E79DF80A2}"/>
+    <dgm:cxn modelId="{F8F18729-1034-4FB3-9803-6E8D20BCE27C}" type="presOf" srcId="{D9D2555F-B744-4203-AC83-2B8B3C2CA34A}" destId="{970B85FB-64F5-4CD2-8137-7ED5E39FB8EF}" srcOrd="0" destOrd="0" presId="urn:microsoft.com/office/officeart/2005/8/layout/list1"/>
+    <dgm:cxn modelId="{1E1AD736-45D9-4E31-AB32-C67252F27171}" type="presOf" srcId="{D9D2555F-B744-4203-AC83-2B8B3C2CA34A}" destId="{17752AD4-0A5B-407D-AE6C-5FF4C59FD63D}" srcOrd="1" destOrd="0" presId="urn:microsoft.com/office/officeart/2005/8/layout/list1"/>
+    <dgm:cxn modelId="{72C72D3A-2872-4FC2-B483-4197139117B5}" type="presOf" srcId="{32C5F357-6232-4A5C-B20F-9C86C61AD1D1}" destId="{52AD053F-9931-475C-BD31-809FFE3B176F}" srcOrd="1" destOrd="0" presId="urn:microsoft.com/office/officeart/2005/8/layout/list1"/>
+    <dgm:cxn modelId="{9D3B2B5D-F6B0-436E-BD22-0E9A6CABF790}" type="presOf" srcId="{C8DAE8DB-2897-4272-BC48-7C73B5E8118B}" destId="{1F22C270-408F-455E-8771-E063909F9E2B}" srcOrd="0" destOrd="0" presId="urn:microsoft.com/office/officeart/2005/8/layout/list1"/>
+    <dgm:cxn modelId="{2035F843-054C-4A5B-8A4D-2A38E352A675}" srcId="{C8DAE8DB-2897-4272-BC48-7C73B5E8118B}" destId="{429324C4-6517-4F06-83CC-6176FAB80732}" srcOrd="3" destOrd="0" parTransId="{FF20E171-5D54-4046-B648-68FADBB12CF3}" sibTransId="{B8854CE7-FDE4-4729-A4A1-38234F7B8641}"/>
+    <dgm:cxn modelId="{EC2F7B4F-1A04-4530-8D22-A880D555CFA3}" type="presOf" srcId="{429324C4-6517-4F06-83CC-6176FAB80732}" destId="{A056FD34-C29D-443F-B129-C8700439E462}" srcOrd="0" destOrd="0" presId="urn:microsoft.com/office/officeart/2005/8/layout/list1"/>
+    <dgm:cxn modelId="{A87C1BC8-3A39-406A-B432-66E4A2C22976}" type="presOf" srcId="{3213A80C-7B25-4468-9256-7A2FA549C354}" destId="{7F40C168-AA37-4AC3-9A07-1C86C69E2150}" srcOrd="1" destOrd="0" presId="urn:microsoft.com/office/officeart/2005/8/layout/list1"/>
+    <dgm:cxn modelId="{D27338CB-B398-425E-BCE7-E64024D457EF}" type="presOf" srcId="{32C5F357-6232-4A5C-B20F-9C86C61AD1D1}" destId="{D0CFEE95-6922-4321-94B4-912CA316EBCB}" srcOrd="0" destOrd="0" presId="urn:microsoft.com/office/officeart/2005/8/layout/list1"/>
+    <dgm:cxn modelId="{1B34AEEB-9D66-4C00-935E-7F23332052CD}" type="presOf" srcId="{3213A80C-7B25-4468-9256-7A2FA549C354}" destId="{DC66F130-7DAB-4D17-B689-9B35FBD875C3}" srcOrd="0" destOrd="0" presId="urn:microsoft.com/office/officeart/2005/8/layout/list1"/>
+    <dgm:cxn modelId="{FCAD16EF-E0D6-4D98-BDC0-3ADCBAAB71AD}" srcId="{C8DAE8DB-2897-4272-BC48-7C73B5E8118B}" destId="{32C5F357-6232-4A5C-B20F-9C86C61AD1D1}" srcOrd="1" destOrd="0" parTransId="{3D09B7E2-9542-4600-8E65-762C41647E70}" sibTransId="{9508CBCF-CE99-47D1-B4D5-A67575E20591}"/>
+    <dgm:cxn modelId="{24BE4FEF-F4F0-4FEB-B8E2-EFCE63B470B3}" srcId="{C8DAE8DB-2897-4272-BC48-7C73B5E8118B}" destId="{D9D2555F-B744-4203-AC83-2B8B3C2CA34A}" srcOrd="0" destOrd="0" parTransId="{FE11ED62-8508-4D64-A2B2-44CEA867467B}" sibTransId="{A88B7D2C-5DE0-468E-9752-35B0F95227E6}"/>
+    <dgm:cxn modelId="{98969722-8100-4EFB-B96B-388B4E0D2C81}" type="presParOf" srcId="{1F22C270-408F-455E-8771-E063909F9E2B}" destId="{93F6AA23-B1C4-4436-A2CA-EC8815416DFE}" srcOrd="0" destOrd="0" presId="urn:microsoft.com/office/officeart/2005/8/layout/list1"/>
+    <dgm:cxn modelId="{7E9F1BE3-98E5-4328-A8BA-DF5DAB7A3745}" type="presParOf" srcId="{93F6AA23-B1C4-4436-A2CA-EC8815416DFE}" destId="{970B85FB-64F5-4CD2-8137-7ED5E39FB8EF}" srcOrd="0" destOrd="0" presId="urn:microsoft.com/office/officeart/2005/8/layout/list1"/>
+    <dgm:cxn modelId="{E43AFB2D-5F4D-4F84-8B31-D825CECC6AA5}" type="presParOf" srcId="{93F6AA23-B1C4-4436-A2CA-EC8815416DFE}" destId="{17752AD4-0A5B-407D-AE6C-5FF4C59FD63D}" srcOrd="1" destOrd="0" presId="urn:microsoft.com/office/officeart/2005/8/layout/list1"/>
+    <dgm:cxn modelId="{0AF71A60-55B1-4632-A577-745A7EFCD163}" type="presParOf" srcId="{1F22C270-408F-455E-8771-E063909F9E2B}" destId="{B2D1FA97-F0EA-4CBA-BADA-48ACDF320CEB}" srcOrd="1" destOrd="0" presId="urn:microsoft.com/office/officeart/2005/8/layout/list1"/>
+    <dgm:cxn modelId="{AF2A2FBB-284F-4632-A8AB-C16D977CB1F2}" type="presParOf" srcId="{1F22C270-408F-455E-8771-E063909F9E2B}" destId="{61E931EC-5A92-4677-9FD1-06B39CD41F8A}" srcOrd="2" destOrd="0" presId="urn:microsoft.com/office/officeart/2005/8/layout/list1"/>
+    <dgm:cxn modelId="{FC4E4FA8-CE0B-4275-BF40-7AD019E47364}" type="presParOf" srcId="{1F22C270-408F-455E-8771-E063909F9E2B}" destId="{CEC2ACDD-0335-403D-ABAE-63D0659E8DD4}" srcOrd="3" destOrd="0" presId="urn:microsoft.com/office/officeart/2005/8/layout/list1"/>
+    <dgm:cxn modelId="{2DABE8DF-D86D-48A5-BFDF-1114FC57A017}" type="presParOf" srcId="{1F22C270-408F-455E-8771-E063909F9E2B}" destId="{35659A4E-2BF9-417A-9140-AAEA1FDBAAD0}" srcOrd="4" destOrd="0" presId="urn:microsoft.com/office/officeart/2005/8/layout/list1"/>
+    <dgm:cxn modelId="{D6C62A6E-8D73-4E78-AC11-BE1A30B6D2EA}" type="presParOf" srcId="{35659A4E-2BF9-417A-9140-AAEA1FDBAAD0}" destId="{D0CFEE95-6922-4321-94B4-912CA316EBCB}" srcOrd="0" destOrd="0" presId="urn:microsoft.com/office/officeart/2005/8/layout/list1"/>
+    <dgm:cxn modelId="{2C16E6C1-63B2-4BA6-975D-1A3849599D56}" type="presParOf" srcId="{35659A4E-2BF9-417A-9140-AAEA1FDBAAD0}" destId="{52AD053F-9931-475C-BD31-809FFE3B176F}" srcOrd="1" destOrd="0" presId="urn:microsoft.com/office/officeart/2005/8/layout/list1"/>
+    <dgm:cxn modelId="{61AF736B-B6BB-4C3C-80BD-134B88B08DE8}" type="presParOf" srcId="{1F22C270-408F-455E-8771-E063909F9E2B}" destId="{58DD734D-7E60-45F7-9CDD-62712780300A}" srcOrd="5" destOrd="0" presId="urn:microsoft.com/office/officeart/2005/8/layout/list1"/>
+    <dgm:cxn modelId="{D6113E89-B381-42ED-B78A-692DAB7B6D0C}" type="presParOf" srcId="{1F22C270-408F-455E-8771-E063909F9E2B}" destId="{8068715E-AB30-4837-A506-0376AEB7EC04}" srcOrd="6" destOrd="0" presId="urn:microsoft.com/office/officeart/2005/8/layout/list1"/>
+    <dgm:cxn modelId="{784B0B23-56F8-444B-9867-0B099CE4A2D3}" type="presParOf" srcId="{1F22C270-408F-455E-8771-E063909F9E2B}" destId="{110A3AD4-56BA-498B-96A2-A2C4AC29E30A}" srcOrd="7" destOrd="0" presId="urn:microsoft.com/office/officeart/2005/8/layout/list1"/>
+    <dgm:cxn modelId="{A727CC0A-A740-4A20-975F-25CD98690D34}" type="presParOf" srcId="{1F22C270-408F-455E-8771-E063909F9E2B}" destId="{BAD273EC-61FC-45A6-9E9F-67375CBC259A}" srcOrd="8" destOrd="0" presId="urn:microsoft.com/office/officeart/2005/8/layout/list1"/>
+    <dgm:cxn modelId="{C9122103-F60F-4386-A54A-C3227446FC19}" type="presParOf" srcId="{BAD273EC-61FC-45A6-9E9F-67375CBC259A}" destId="{DC66F130-7DAB-4D17-B689-9B35FBD875C3}" srcOrd="0" destOrd="0" presId="urn:microsoft.com/office/officeart/2005/8/layout/list1"/>
+    <dgm:cxn modelId="{F64AC4A5-B8C0-4CE8-80FE-77F0233D5389}" type="presParOf" srcId="{BAD273EC-61FC-45A6-9E9F-67375CBC259A}" destId="{7F40C168-AA37-4AC3-9A07-1C86C69E2150}" srcOrd="1" destOrd="0" presId="urn:microsoft.com/office/officeart/2005/8/layout/list1"/>
+    <dgm:cxn modelId="{2F3DB1B6-B928-456F-A2B3-DD2B2D66D7C1}" type="presParOf" srcId="{1F22C270-408F-455E-8771-E063909F9E2B}" destId="{B40F912B-2AED-4836-B1ED-DEA47C747B15}" srcOrd="9" destOrd="0" presId="urn:microsoft.com/office/officeart/2005/8/layout/list1"/>
+    <dgm:cxn modelId="{9DC8616A-B2CD-49D5-9E1C-10B0A99FF03B}" type="presParOf" srcId="{1F22C270-408F-455E-8771-E063909F9E2B}" destId="{CF20D75A-5E76-4015-873F-8B7F46EFFB75}" srcOrd="10" destOrd="0" presId="urn:microsoft.com/office/officeart/2005/8/layout/list1"/>
+    <dgm:cxn modelId="{C81BDEA8-C87E-4005-9805-8EC03F4F45BB}" type="presParOf" srcId="{1F22C270-408F-455E-8771-E063909F9E2B}" destId="{103EB84E-FF1A-4586-BB06-8E3A170B2E8D}" srcOrd="11" destOrd="0" presId="urn:microsoft.com/office/officeart/2005/8/layout/list1"/>
+    <dgm:cxn modelId="{84974288-BEA4-4A88-BAFA-0D9A678D3CCC}" type="presParOf" srcId="{1F22C270-408F-455E-8771-E063909F9E2B}" destId="{CBC8B802-4CBB-47AF-A641-7677CA4025CF}" srcOrd="12" destOrd="0" presId="urn:microsoft.com/office/officeart/2005/8/layout/list1"/>
+    <dgm:cxn modelId="{9E874145-720C-4540-AEDB-841176C0973E}" type="presParOf" srcId="{CBC8B802-4CBB-47AF-A641-7677CA4025CF}" destId="{A056FD34-C29D-443F-B129-C8700439E462}" srcOrd="0" destOrd="0" presId="urn:microsoft.com/office/officeart/2005/8/layout/list1"/>
+    <dgm:cxn modelId="{A2F72447-3D64-455F-B53D-D800FE820464}" type="presParOf" srcId="{CBC8B802-4CBB-47AF-A641-7677CA4025CF}" destId="{0B275171-8729-42E5-B8F4-B9D78EB9B2A4}" srcOrd="1" destOrd="0" presId="urn:microsoft.com/office/officeart/2005/8/layout/list1"/>
+    <dgm:cxn modelId="{7587C663-1C12-4DC9-ACCC-52BC4F979B82}" type="presParOf" srcId="{1F22C270-408F-455E-8771-E063909F9E2B}" destId="{C4CD7BF0-6FC1-4CE7-BDD0-0864FD88BF62}" srcOrd="13" destOrd="0" presId="urn:microsoft.com/office/officeart/2005/8/layout/list1"/>
+    <dgm:cxn modelId="{3F6A67F0-23F1-4FD7-8BED-610FACBB51DF}" type="presParOf" srcId="{1F22C270-408F-455E-8771-E063909F9E2B}" destId="{49B3F383-DC9D-45B3-904C-F4A7FA7D4BBC}" srcOrd="14" destOrd="0" presId="urn:microsoft.com/office/officeart/2005/8/layout/list1"/>
+  </dgm:cxnLst>
+  <dgm:bg/>
+  <dgm:whole/>
+  <dgm:extLst>
+    <a:ext uri="http://schemas.microsoft.com/office/drawing/2008/diagram">
+      <dsp:dataModelExt xmlns:dsp="http://schemas.microsoft.com/office/drawing/2008/diagram" relId="rId6" minVer="http://schemas.openxmlformats.org/drawingml/2006/diagram"/>
+    </a:ext>
+  </dgm:extLst>
+</dgm:dataModel>
+</file>
+
+<file path=ppt/diagrams/drawing1.xml><?xml version="1.0" encoding="utf-8"?>
+<dsp:drawing xmlns:dgm="http://schemas.openxmlformats.org/drawingml/2006/diagram" xmlns:dsp="http://schemas.microsoft.com/office/drawing/2008/diagram" xmlns:a="http://schemas.openxmlformats.org/drawingml/2006/main">
+  <dsp:spTree>
+    <dsp:nvGrpSpPr>
+      <dsp:cNvPr id="0" name=""/>
+      <dsp:cNvGrpSpPr/>
+    </dsp:nvGrpSpPr>
+    <dsp:grpSpPr/>
+    <dsp:sp modelId="{61E931EC-5A92-4677-9FD1-06B39CD41F8A}">
+      <dsp:nvSpPr>
+        <dsp:cNvPr id="0" name=""/>
+        <dsp:cNvSpPr/>
+      </dsp:nvSpPr>
+      <dsp:spPr>
+        <a:xfrm>
+          <a:off x="0" y="425547"/>
+          <a:ext cx="4816132" cy="655200"/>
+        </a:xfrm>
+        <a:prstGeom prst="rect">
+          <a:avLst/>
+        </a:prstGeom>
+        <a:solidFill>
+          <a:schemeClr val="lt2">
+            <a:alpha val="90000"/>
+            <a:hueOff val="0"/>
+            <a:satOff val="0"/>
+            <a:lumOff val="0"/>
+            <a:alphaOff val="0"/>
+          </a:schemeClr>
+        </a:solidFill>
+        <a:ln w="12700" cap="flat" cmpd="sng" algn="ctr">
+          <a:solidFill>
+            <a:schemeClr val="dk2">
+              <a:hueOff val="0"/>
+              <a:satOff val="0"/>
+              <a:lumOff val="0"/>
+              <a:alphaOff val="0"/>
+            </a:schemeClr>
+          </a:solidFill>
+          <a:prstDash val="solid"/>
+          <a:miter lim="800000"/>
+        </a:ln>
+        <a:effectLst/>
+      </dsp:spPr>
+      <dsp:style>
+        <a:lnRef idx="2">
+          <a:scrgbClr r="0" g="0" b="0"/>
+        </a:lnRef>
+        <a:fillRef idx="1">
+          <a:scrgbClr r="0" g="0" b="0"/>
+        </a:fillRef>
+        <a:effectRef idx="0">
+          <a:scrgbClr r="0" g="0" b="0"/>
+        </a:effectRef>
+        <a:fontRef idx="minor"/>
+      </dsp:style>
+    </dsp:sp>
+    <dsp:sp modelId="{17752AD4-0A5B-407D-AE6C-5FF4C59FD63D}">
+      <dsp:nvSpPr>
+        <dsp:cNvPr id="0" name=""/>
+        <dsp:cNvSpPr/>
+      </dsp:nvSpPr>
+      <dsp:spPr>
+        <a:xfrm>
+          <a:off x="240806" y="41787"/>
+          <a:ext cx="3371292" cy="767520"/>
+        </a:xfrm>
+        <a:prstGeom prst="roundRect">
+          <a:avLst/>
+        </a:prstGeom>
+        <a:solidFill>
+          <a:schemeClr val="dk2">
+            <a:hueOff val="0"/>
+            <a:satOff val="0"/>
+            <a:lumOff val="0"/>
+            <a:alphaOff val="0"/>
+          </a:schemeClr>
+        </a:solidFill>
+        <a:ln w="19050" cap="flat" cmpd="sng" algn="ctr">
+          <a:solidFill>
+            <a:schemeClr val="lt2">
+              <a:hueOff val="0"/>
+              <a:satOff val="0"/>
+              <a:lumOff val="0"/>
+              <a:alphaOff val="0"/>
+            </a:schemeClr>
+          </a:solidFill>
+          <a:prstDash val="solid"/>
+          <a:miter lim="800000"/>
+        </a:ln>
+        <a:effectLst/>
+      </dsp:spPr>
+      <dsp:style>
+        <a:lnRef idx="3">
+          <a:scrgbClr r="0" g="0" b="0"/>
+        </a:lnRef>
+        <a:fillRef idx="1">
+          <a:scrgbClr r="0" g="0" b="0"/>
+        </a:fillRef>
+        <a:effectRef idx="1">
+          <a:scrgbClr r="0" g="0" b="0"/>
+        </a:effectRef>
+        <a:fontRef idx="minor">
+          <a:schemeClr val="lt1"/>
+        </a:fontRef>
+      </dsp:style>
+      <dsp:txBody>
+        <a:bodyPr spcFirstLastPara="0" vert="horz" wrap="square" lIns="127427" tIns="0" rIns="127427" bIns="0" numCol="1" spcCol="1270" anchor="ctr" anchorCtr="0">
+          <a:noAutofit/>
+        </a:bodyPr>
+        <a:lstStyle/>
+        <a:p>
+          <a:pPr marL="0" lvl="0" indent="0" algn="l" defTabSz="1155700">
+            <a:lnSpc>
+              <a:spcPct val="90000"/>
+            </a:lnSpc>
+            <a:spcBef>
+              <a:spcPct val="0"/>
+            </a:spcBef>
+            <a:spcAft>
+              <a:spcPct val="35000"/>
+            </a:spcAft>
+            <a:buNone/>
+          </a:pPr>
+          <a:r>
+            <a:rPr lang="zh-TW" sz="2600" b="0" i="0" kern="1200" baseline="0"/>
+            <a:t>題目</a:t>
+          </a:r>
+          <a:r>
+            <a:rPr lang="en-US" sz="2600" b="0" i="0" kern="1200" baseline="0"/>
+            <a:t>:</a:t>
+          </a:r>
+          <a:endParaRPr lang="en-US" sz="2600" kern="1200"/>
+        </a:p>
+      </dsp:txBody>
+      <dsp:txXfrm>
+        <a:off x="278273" y="79254"/>
+        <a:ext cx="3296358" cy="692586"/>
+      </dsp:txXfrm>
+    </dsp:sp>
+    <dsp:sp modelId="{8068715E-AB30-4837-A506-0376AEB7EC04}">
+      <dsp:nvSpPr>
+        <dsp:cNvPr id="0" name=""/>
+        <dsp:cNvSpPr/>
+      </dsp:nvSpPr>
+      <dsp:spPr>
+        <a:xfrm>
+          <a:off x="0" y="1604907"/>
+          <a:ext cx="4816132" cy="655200"/>
+        </a:xfrm>
+        <a:prstGeom prst="rect">
+          <a:avLst/>
+        </a:prstGeom>
+        <a:solidFill>
+          <a:schemeClr val="lt2">
+            <a:alpha val="90000"/>
+            <a:hueOff val="0"/>
+            <a:satOff val="0"/>
+            <a:lumOff val="0"/>
+            <a:alphaOff val="0"/>
+          </a:schemeClr>
+        </a:solidFill>
+        <a:ln w="12700" cap="flat" cmpd="sng" algn="ctr">
+          <a:solidFill>
+            <a:schemeClr val="dk2">
+              <a:hueOff val="0"/>
+              <a:satOff val="0"/>
+              <a:lumOff val="0"/>
+              <a:alphaOff val="0"/>
+            </a:schemeClr>
+          </a:solidFill>
+          <a:prstDash val="solid"/>
+          <a:miter lim="800000"/>
+        </a:ln>
+        <a:effectLst/>
+      </dsp:spPr>
+      <dsp:style>
+        <a:lnRef idx="2">
+          <a:scrgbClr r="0" g="0" b="0"/>
+        </a:lnRef>
+        <a:fillRef idx="1">
+          <a:scrgbClr r="0" g="0" b="0"/>
+        </a:fillRef>
+        <a:effectRef idx="0">
+          <a:scrgbClr r="0" g="0" b="0"/>
+        </a:effectRef>
+        <a:fontRef idx="minor"/>
+      </dsp:style>
+    </dsp:sp>
+    <dsp:sp modelId="{52AD053F-9931-475C-BD31-809FFE3B176F}">
+      <dsp:nvSpPr>
+        <dsp:cNvPr id="0" name=""/>
+        <dsp:cNvSpPr/>
+      </dsp:nvSpPr>
+      <dsp:spPr>
+        <a:xfrm>
+          <a:off x="240806" y="1221147"/>
+          <a:ext cx="3371292" cy="767520"/>
+        </a:xfrm>
+        <a:prstGeom prst="roundRect">
+          <a:avLst/>
+        </a:prstGeom>
+        <a:solidFill>
+          <a:schemeClr val="dk2">
+            <a:hueOff val="0"/>
+            <a:satOff val="0"/>
+            <a:lumOff val="0"/>
+            <a:alphaOff val="0"/>
+          </a:schemeClr>
+        </a:solidFill>
+        <a:ln w="19050" cap="flat" cmpd="sng" algn="ctr">
+          <a:solidFill>
+            <a:schemeClr val="lt2">
+              <a:hueOff val="0"/>
+              <a:satOff val="0"/>
+              <a:lumOff val="0"/>
+              <a:alphaOff val="0"/>
+            </a:schemeClr>
+          </a:solidFill>
+          <a:prstDash val="solid"/>
+          <a:miter lim="800000"/>
+        </a:ln>
+        <a:effectLst/>
+      </dsp:spPr>
+      <dsp:style>
+        <a:lnRef idx="3">
+          <a:scrgbClr r="0" g="0" b="0"/>
+        </a:lnRef>
+        <a:fillRef idx="1">
+          <a:scrgbClr r="0" g="0" b="0"/>
+        </a:fillRef>
+        <a:effectRef idx="1">
+          <a:scrgbClr r="0" g="0" b="0"/>
+        </a:effectRef>
+        <a:fontRef idx="minor">
+          <a:schemeClr val="lt1"/>
+        </a:fontRef>
+      </dsp:style>
+      <dsp:txBody>
+        <a:bodyPr spcFirstLastPara="0" vert="horz" wrap="square" lIns="127427" tIns="0" rIns="127427" bIns="0" numCol="1" spcCol="1270" anchor="ctr" anchorCtr="0">
+          <a:noAutofit/>
+        </a:bodyPr>
+        <a:lstStyle/>
+        <a:p>
+          <a:pPr marL="0" lvl="0" indent="0" algn="l" defTabSz="1155700">
+            <a:lnSpc>
+              <a:spcPct val="90000"/>
+            </a:lnSpc>
+            <a:spcBef>
+              <a:spcPct val="0"/>
+            </a:spcBef>
+            <a:spcAft>
+              <a:spcPct val="35000"/>
+            </a:spcAft>
+            <a:buNone/>
+          </a:pPr>
+          <a:r>
+            <a:rPr lang="zh-TW" sz="2600" b="0" i="0" kern="1200" baseline="0"/>
+            <a:t>緣由</a:t>
+          </a:r>
+          <a:r>
+            <a:rPr lang="en-US" sz="2600" b="0" i="0" kern="1200" baseline="0"/>
+            <a:t>:</a:t>
+          </a:r>
+          <a:endParaRPr lang="en-US" sz="2600" kern="1200"/>
+        </a:p>
+      </dsp:txBody>
+      <dsp:txXfrm>
+        <a:off x="278273" y="1258614"/>
+        <a:ext cx="3296358" cy="692586"/>
+      </dsp:txXfrm>
+    </dsp:sp>
+    <dsp:sp modelId="{CF20D75A-5E76-4015-873F-8B7F46EFFB75}">
+      <dsp:nvSpPr>
+        <dsp:cNvPr id="0" name=""/>
+        <dsp:cNvSpPr/>
+      </dsp:nvSpPr>
+      <dsp:spPr>
+        <a:xfrm>
+          <a:off x="0" y="2784267"/>
+          <a:ext cx="4816132" cy="655200"/>
+        </a:xfrm>
+        <a:prstGeom prst="rect">
+          <a:avLst/>
+        </a:prstGeom>
+        <a:solidFill>
+          <a:schemeClr val="lt2">
+            <a:alpha val="90000"/>
+            <a:hueOff val="0"/>
+            <a:satOff val="0"/>
+            <a:lumOff val="0"/>
+            <a:alphaOff val="0"/>
+          </a:schemeClr>
+        </a:solidFill>
+        <a:ln w="12700" cap="flat" cmpd="sng" algn="ctr">
+          <a:solidFill>
+            <a:schemeClr val="dk2">
+              <a:hueOff val="0"/>
+              <a:satOff val="0"/>
+              <a:lumOff val="0"/>
+              <a:alphaOff val="0"/>
+            </a:schemeClr>
+          </a:solidFill>
+          <a:prstDash val="solid"/>
+          <a:miter lim="800000"/>
+        </a:ln>
+        <a:effectLst/>
+      </dsp:spPr>
+      <dsp:style>
+        <a:lnRef idx="2">
+          <a:scrgbClr r="0" g="0" b="0"/>
+        </a:lnRef>
+        <a:fillRef idx="1">
+          <a:scrgbClr r="0" g="0" b="0"/>
+        </a:fillRef>
+        <a:effectRef idx="0">
+          <a:scrgbClr r="0" g="0" b="0"/>
+        </a:effectRef>
+        <a:fontRef idx="minor"/>
+      </dsp:style>
+    </dsp:sp>
+    <dsp:sp modelId="{7F40C168-AA37-4AC3-9A07-1C86C69E2150}">
+      <dsp:nvSpPr>
+        <dsp:cNvPr id="0" name=""/>
+        <dsp:cNvSpPr/>
+      </dsp:nvSpPr>
+      <dsp:spPr>
+        <a:xfrm>
+          <a:off x="240806" y="2400507"/>
+          <a:ext cx="3371292" cy="767520"/>
+        </a:xfrm>
+        <a:prstGeom prst="roundRect">
+          <a:avLst/>
+        </a:prstGeom>
+        <a:solidFill>
+          <a:schemeClr val="dk2">
+            <a:hueOff val="0"/>
+            <a:satOff val="0"/>
+            <a:lumOff val="0"/>
+            <a:alphaOff val="0"/>
+          </a:schemeClr>
+        </a:solidFill>
+        <a:ln w="19050" cap="flat" cmpd="sng" algn="ctr">
+          <a:solidFill>
+            <a:schemeClr val="lt2">
+              <a:hueOff val="0"/>
+              <a:satOff val="0"/>
+              <a:lumOff val="0"/>
+              <a:alphaOff val="0"/>
+            </a:schemeClr>
+          </a:solidFill>
+          <a:prstDash val="solid"/>
+          <a:miter lim="800000"/>
+        </a:ln>
+        <a:effectLst/>
+      </dsp:spPr>
+      <dsp:style>
+        <a:lnRef idx="3">
+          <a:scrgbClr r="0" g="0" b="0"/>
+        </a:lnRef>
+        <a:fillRef idx="1">
+          <a:scrgbClr r="0" g="0" b="0"/>
+        </a:fillRef>
+        <a:effectRef idx="1">
+          <a:scrgbClr r="0" g="0" b="0"/>
+        </a:effectRef>
+        <a:fontRef idx="minor">
+          <a:schemeClr val="lt1"/>
+        </a:fontRef>
+      </dsp:style>
+      <dsp:txBody>
+        <a:bodyPr spcFirstLastPara="0" vert="horz" wrap="square" lIns="127427" tIns="0" rIns="127427" bIns="0" numCol="1" spcCol="1270" anchor="ctr" anchorCtr="0">
+          <a:noAutofit/>
+        </a:bodyPr>
+        <a:lstStyle/>
+        <a:p>
+          <a:pPr marL="0" lvl="0" indent="0" algn="l" defTabSz="1155700">
+            <a:lnSpc>
+              <a:spcPct val="90000"/>
+            </a:lnSpc>
+            <a:spcBef>
+              <a:spcPct val="0"/>
+            </a:spcBef>
+            <a:spcAft>
+              <a:spcPct val="35000"/>
+            </a:spcAft>
+            <a:buNone/>
+          </a:pPr>
+          <a:r>
+            <a:rPr lang="zh-TW" sz="2600" b="0" i="0" kern="1200" baseline="0"/>
+            <a:t>輸入</a:t>
+          </a:r>
+          <a:r>
+            <a:rPr lang="en-US" sz="2600" b="0" i="0" kern="1200" baseline="0"/>
+            <a:t>:</a:t>
+          </a:r>
+          <a:endParaRPr lang="en-US" sz="2600" kern="1200"/>
+        </a:p>
+      </dsp:txBody>
+      <dsp:txXfrm>
+        <a:off x="278273" y="2437974"/>
+        <a:ext cx="3296358" cy="692586"/>
+      </dsp:txXfrm>
+    </dsp:sp>
+    <dsp:sp modelId="{49B3F383-DC9D-45B3-904C-F4A7FA7D4BBC}">
+      <dsp:nvSpPr>
+        <dsp:cNvPr id="0" name=""/>
+        <dsp:cNvSpPr/>
+      </dsp:nvSpPr>
+      <dsp:spPr>
+        <a:xfrm>
+          <a:off x="0" y="3963628"/>
+          <a:ext cx="4816132" cy="655200"/>
+        </a:xfrm>
+        <a:prstGeom prst="rect">
+          <a:avLst/>
+        </a:prstGeom>
+        <a:solidFill>
+          <a:schemeClr val="lt2">
+            <a:alpha val="90000"/>
+            <a:hueOff val="0"/>
+            <a:satOff val="0"/>
+            <a:lumOff val="0"/>
+            <a:alphaOff val="0"/>
+          </a:schemeClr>
+        </a:solidFill>
+        <a:ln w="12700" cap="flat" cmpd="sng" algn="ctr">
+          <a:solidFill>
+            <a:schemeClr val="dk2">
+              <a:hueOff val="0"/>
+              <a:satOff val="0"/>
+              <a:lumOff val="0"/>
+              <a:alphaOff val="0"/>
+            </a:schemeClr>
+          </a:solidFill>
+          <a:prstDash val="solid"/>
+          <a:miter lim="800000"/>
+        </a:ln>
+        <a:effectLst/>
+      </dsp:spPr>
+      <dsp:style>
+        <a:lnRef idx="2">
+          <a:scrgbClr r="0" g="0" b="0"/>
+        </a:lnRef>
+        <a:fillRef idx="1">
+          <a:scrgbClr r="0" g="0" b="0"/>
+        </a:fillRef>
+        <a:effectRef idx="0">
+          <a:scrgbClr r="0" g="0" b="0"/>
+        </a:effectRef>
+        <a:fontRef idx="minor"/>
+      </dsp:style>
+    </dsp:sp>
+    <dsp:sp modelId="{0B275171-8729-42E5-B8F4-B9D78EB9B2A4}">
+      <dsp:nvSpPr>
+        <dsp:cNvPr id="0" name=""/>
+        <dsp:cNvSpPr/>
+      </dsp:nvSpPr>
+      <dsp:spPr>
+        <a:xfrm>
+          <a:off x="240806" y="3579868"/>
+          <a:ext cx="3371292" cy="767520"/>
+        </a:xfrm>
+        <a:prstGeom prst="roundRect">
+          <a:avLst/>
+        </a:prstGeom>
+        <a:solidFill>
+          <a:schemeClr val="dk2">
+            <a:hueOff val="0"/>
+            <a:satOff val="0"/>
+            <a:lumOff val="0"/>
+            <a:alphaOff val="0"/>
+          </a:schemeClr>
+        </a:solidFill>
+        <a:ln w="19050" cap="flat" cmpd="sng" algn="ctr">
+          <a:solidFill>
+            <a:schemeClr val="lt2">
+              <a:hueOff val="0"/>
+              <a:satOff val="0"/>
+              <a:lumOff val="0"/>
+              <a:alphaOff val="0"/>
+            </a:schemeClr>
+          </a:solidFill>
+          <a:prstDash val="solid"/>
+          <a:miter lim="800000"/>
+        </a:ln>
+        <a:effectLst/>
+      </dsp:spPr>
+      <dsp:style>
+        <a:lnRef idx="3">
+          <a:scrgbClr r="0" g="0" b="0"/>
+        </a:lnRef>
+        <a:fillRef idx="1">
+          <a:scrgbClr r="0" g="0" b="0"/>
+        </a:fillRef>
+        <a:effectRef idx="1">
+          <a:scrgbClr r="0" g="0" b="0"/>
+        </a:effectRef>
+        <a:fontRef idx="minor">
+          <a:schemeClr val="lt1"/>
+        </a:fontRef>
+      </dsp:style>
+      <dsp:txBody>
+        <a:bodyPr spcFirstLastPara="0" vert="horz" wrap="square" lIns="127427" tIns="0" rIns="127427" bIns="0" numCol="1" spcCol="1270" anchor="ctr" anchorCtr="0">
+          <a:noAutofit/>
+        </a:bodyPr>
+        <a:lstStyle/>
+        <a:p>
+          <a:pPr marL="0" lvl="0" indent="0" algn="l" defTabSz="1155700">
+            <a:lnSpc>
+              <a:spcPct val="90000"/>
+            </a:lnSpc>
+            <a:spcBef>
+              <a:spcPct val="0"/>
+            </a:spcBef>
+            <a:spcAft>
+              <a:spcPct val="35000"/>
+            </a:spcAft>
+            <a:buNone/>
+          </a:pPr>
+          <a:r>
+            <a:rPr lang="zh-TW" sz="2600" b="0" i="0" kern="1200" baseline="0"/>
+            <a:t>輸出</a:t>
+          </a:r>
+          <a:r>
+            <a:rPr lang="en-US" sz="2600" b="0" i="0" kern="1200" baseline="0"/>
+            <a:t>:</a:t>
+          </a:r>
+          <a:endParaRPr lang="en-US" sz="2600" kern="1200"/>
+        </a:p>
+      </dsp:txBody>
+      <dsp:txXfrm>
+        <a:off x="278273" y="3617335"/>
+        <a:ext cx="3296358" cy="692586"/>
+      </dsp:txXfrm>
+    </dsp:sp>
+  </dsp:spTree>
+</dsp:drawing>
+</file>
+
+<file path=ppt/diagrams/layout1.xml><?xml version="1.0" encoding="utf-8"?>
+<dgm:layoutDef xmlns:dgm="http://schemas.openxmlformats.org/drawingml/2006/diagram" xmlns:a="http://schemas.openxmlformats.org/drawingml/2006/main" uniqueId="urn:microsoft.com/office/officeart/2005/8/layout/list1">
+  <dgm:title val=""/>
+  <dgm:desc val=""/>
+  <dgm:catLst>
+    <dgm:cat type="list" pri="4000"/>
+  </dgm:catLst>
+  <dgm:sampData>
+    <dgm:dataModel>
+      <dgm:ptLst>
+        <dgm:pt modelId="0" type="doc"/>
+        <dgm:pt modelId="1">
+          <dgm:prSet phldr="1"/>
+        </dgm:pt>
+        <dgm:pt modelId="2">
+          <dgm:prSet phldr="1"/>
+        </dgm:pt>
+        <dgm:pt modelId="3">
+          <dgm:prSet phldr="1"/>
+        </dgm:pt>
+      </dgm:ptLst>
+      <dgm:cxnLst>
+        <dgm:cxn modelId="4" srcId="0" destId="1" srcOrd="0" destOrd="0"/>
+        <dgm:cxn modelId="5" srcId="0" destId="2" srcOrd="1" destOrd="0"/>
+        <dgm:cxn modelId="6" srcId="0" destId="3" srcOrd="2" destOrd="0"/>
+      </dgm:cxnLst>
+      <dgm:bg/>
+      <dgm:whole/>
+    </dgm:dataModel>
+  </dgm:sampData>
+  <dgm:styleData>
+    <dgm:dataModel>
+      <dgm:ptLst>
+        <dgm:pt modelId="0" type="doc"/>
+        <dgm:pt modelId="1"/>
+        <dgm:pt modelId="2"/>
+      </dgm:ptLst>
+      <dgm:cxnLst>
+        <dgm:cxn modelId="4" srcId="0" destId="1" srcOrd="0" destOrd="0"/>
+        <dgm:cxn modelId="5" srcId="0" destId="2" srcOrd="1" destOrd="0"/>
+      </dgm:cxnLst>
+      <dgm:bg/>
+      <dgm:whole/>
+    </dgm:dataModel>
+  </dgm:styleData>
+  <dgm:clrData>
+    <dgm:dataModel>
+      <dgm:ptLst>
+        <dgm:pt modelId="0" type="doc"/>
+        <dgm:pt modelId="1"/>
+        <dgm:pt modelId="2"/>
+        <dgm:pt modelId="3"/>
+        <dgm:pt modelId="4"/>
+      </dgm:ptLst>
+      <dgm:cxnLst>
+        <dgm:cxn modelId="5" srcId="0" destId="1" srcOrd="0" destOrd="0"/>
+        <dgm:cxn modelId="6" srcId="0" destId="2" srcOrd="1" destOrd="0"/>
+        <dgm:cxn modelId="7" srcId="0" destId="3" srcOrd="2" destOrd="0"/>
+        <dgm:cxn modelId="8" srcId="0" destId="4" srcOrd="3" destOrd="0"/>
+      </dgm:cxnLst>
+      <dgm:bg/>
+      <dgm:whole/>
+    </dgm:dataModel>
+  </dgm:clrData>
+  <dgm:layoutNode name="linear">
+    <dgm:varLst>
+      <dgm:dir/>
+      <dgm:animLvl val="lvl"/>
+      <dgm:resizeHandles val="exact"/>
+    </dgm:varLst>
+    <dgm:choose name="Name0">
+      <dgm:if name="Name1" func="var" arg="dir" op="equ" val="norm">
+        <dgm:alg type="lin">
+          <dgm:param type="linDir" val="fromT"/>
+          <dgm:param type="vertAlign" val="mid"/>
+          <dgm:param type="horzAlign" val="l"/>
+          <dgm:param type="nodeHorzAlign" val="l"/>
+        </dgm:alg>
+      </dgm:if>
+      <dgm:else name="Name2">
+        <dgm:alg type="lin">
+          <dgm:param type="linDir" val="fromT"/>
+          <dgm:param type="vertAlign" val="mid"/>
+          <dgm:param type="horzAlign" val="r"/>
+          <dgm:param type="nodeHorzAlign" val="r"/>
+        </dgm:alg>
+      </dgm:else>
+    </dgm:choose>
+    <dgm:shape xmlns:r="http://schemas.openxmlformats.org/officeDocument/2006/relationships" r:blip="">
+      <dgm:adjLst/>
+    </dgm:shape>
+    <dgm:presOf/>
+    <dgm:constrLst>
+      <dgm:constr type="w" for="ch" forName="parentLin" refType="w"/>
+      <dgm:constr type="h" for="ch" forName="parentLin" val="INF"/>
+      <dgm:constr type="w" for="des" forName="parentLeftMargin" refType="w" fact="0.05"/>
+      <dgm:constr type="w" for="des" forName="parentText" refType="w" fact="0.7"/>
+      <dgm:constr type="h" for="des" forName="parentText" refType="primFontSz" refFor="des" refForName="parentText" fact="0.82"/>
+      <dgm:constr type="h" for="ch" forName="negativeSpace" refType="primFontSz" refFor="des" refForName="parentText" fact="-0.41"/>
+      <dgm:constr type="h" for="ch" forName="negativeSpace" refType="h" refFor="des" refForName="parentText" op="lte" fact="-0.82"/>
+      <dgm:constr type="h" for="ch" forName="negativeSpace" refType="h" refFor="des" refForName="parentText" op="gte" fact="-0.82"/>
+      <dgm:constr type="w" for="ch" forName="childText" refType="w"/>
+      <dgm:constr type="h" for="ch" forName="childText" refType="primFontSz" refFor="des" refForName="parentText" fact="0.7"/>
+      <dgm:constr type="primFontSz" for="des" forName="parentText" val="65"/>
+      <dgm:constr type="primFontSz" for="ch" forName="childText" refType="primFontSz" refFor="des" refForName="parentText"/>
+      <dgm:constr type="tMarg" for="ch" forName="childText" refType="primFontSz" refFor="des" refForName="parentText" fact="1.64"/>
+      <dgm:constr type="tMarg" for="ch" forName="childText" refType="h" refFor="des" refForName="parentText" op="lte" fact="3.28"/>
+      <dgm:constr type="tMarg" for="ch" forName="childText" refType="h" refFor="des" refForName="parentText" op="gte" fact="3.28"/>
+      <dgm:constr type="lMarg" for="ch" forName="childText" refType="w" fact="0.22"/>
+      <dgm:constr type="rMarg" for="ch" forName="childText" refType="lMarg" refFor="ch" refForName="childText"/>
+      <dgm:constr type="lMarg" for="des" forName="parentText" refType="w" fact="0.075"/>
+      <dgm:constr type="rMarg" for="des" forName="parentText" refType="lMarg" refFor="des" refForName="parentText"/>
+      <dgm:constr type="h" for="ch" forName="spaceBetweenRectangles" refType="primFontSz" refFor="des" refForName="parentText" fact="0.15"/>
+    </dgm:constrLst>
+    <dgm:ruleLst>
+      <dgm:rule type="primFontSz" for="des" forName="parentText" val="5" fact="NaN" max="NaN"/>
+    </dgm:ruleLst>
+    <dgm:forEach name="Name3" axis="ch" ptType="node">
+      <dgm:layoutNode name="parentLin">
+        <dgm:choose name="Name4">
+          <dgm:if name="Name5" func="var" arg="dir" op="equ" val="norm">
+            <dgm:alg type="lin">
+              <dgm:param type="linDir" val="fromL"/>
+              <dgm:param type="horzAlign" val="l"/>
+              <dgm:param type="nodeHorzAlign" val="l"/>
+            </dgm:alg>
+          </dgm:if>
+          <dgm:else name="Name6">
+            <dgm:alg type="lin">
+              <dgm:param type="linDir" val="fromR"/>
+              <dgm:param type="horzAlign" val="r"/>
+              <dgm:param type="nodeHorzAlign" val="r"/>
+            </dgm:alg>
+          </dgm:else>
+        </dgm:choose>
+        <dgm:shape xmlns:r="http://schemas.openxmlformats.org/officeDocument/2006/relationships" r:blip="">
+          <dgm:adjLst/>
+        </dgm:shape>
+        <dgm:presOf/>
+        <dgm:constrLst/>
+        <dgm:ruleLst/>
+        <dgm:layoutNode name="parentLeftMargin">
+          <dgm:alg type="sp"/>
+          <dgm:shape xmlns:r="http://schemas.openxmlformats.org/officeDocument/2006/relationships" type="rect" r:blip="" hideGeom="1">
+            <dgm:adjLst/>
+          </dgm:shape>
+          <dgm:presOf axis="self"/>
+          <dgm:constrLst>
+            <dgm:constr type="h"/>
+          </dgm:constrLst>
+          <dgm:ruleLst/>
+        </dgm:layoutNode>
+        <dgm:layoutNode name="parentText" styleLbl="node1">
+          <dgm:varLst>
+            <dgm:chMax val="0"/>
+            <dgm:bulletEnabled val="1"/>
+          </dgm:varLst>
+          <dgm:choose name="Name7">
+            <dgm:if name="Name8" func="var" arg="dir" op="equ" val="norm">
+              <dgm:alg type="tx">
+                <dgm:param type="parTxLTRAlign" val="l"/>
+                <dgm:param type="parTxRTLAlign" val="l"/>
+              </dgm:alg>
+            </dgm:if>
+            <dgm:else name="Name9">
+              <dgm:alg type="tx">
+                <dgm:param type="parTxLTRAlign" val="r"/>
+                <dgm:param type="parTxRTLAlign" val="r"/>
+              </dgm:alg>
+            </dgm:else>
+          </dgm:choose>
+          <dgm:shape xmlns:r="http://schemas.openxmlformats.org/officeDocument/2006/relationships" type="roundRect" r:blip="">
+            <dgm:adjLst/>
+          </dgm:shape>
+          <dgm:presOf axis="self" ptType="node"/>
+          <dgm:constrLst>
+            <dgm:constr type="tMarg"/>
+            <dgm:constr type="bMarg"/>
+          </dgm:constrLst>
+          <dgm:ruleLst/>
+        </dgm:layoutNode>
+      </dgm:layoutNode>
+      <dgm:layoutNode name="negativeSpace">
+        <dgm:alg type="sp"/>
+        <dgm:shape xmlns:r="http://schemas.openxmlformats.org/officeDocument/2006/relationships" r:blip="">
+          <dgm:adjLst/>
+        </dgm:shape>
+        <dgm:presOf/>
+        <dgm:constrLst/>
+        <dgm:ruleLst/>
+      </dgm:layoutNode>
+      <dgm:layoutNode name="childText" styleLbl="conFgAcc1">
+        <dgm:varLst>
+          <dgm:bulletEnabled val="1"/>
+        </dgm:varLst>
+        <dgm:alg type="tx">
+          <dgm:param type="stBulletLvl" val="1"/>
+        </dgm:alg>
+        <dgm:shape xmlns:r="http://schemas.openxmlformats.org/officeDocument/2006/relationships" type="rect" r:blip="" zOrderOff="-2">
+          <dgm:adjLst/>
+        </dgm:shape>
+        <dgm:presOf axis="des" ptType="node"/>
+        <dgm:constrLst>
+          <dgm:constr type="secFontSz" refType="primFontSz"/>
+        </dgm:constrLst>
+        <dgm:ruleLst>
+          <dgm:rule type="h" val="INF" fact="NaN" max="NaN"/>
+        </dgm:ruleLst>
+      </dgm:layoutNode>
+      <dgm:forEach name="Name10" axis="followSib" ptType="sibTrans" cnt="1">
+        <dgm:layoutNode name="spaceBetweenRectangles">
+          <dgm:alg type="sp"/>
+          <dgm:shape xmlns:r="http://schemas.openxmlformats.org/officeDocument/2006/relationships" r:blip="">
+            <dgm:adjLst/>
+          </dgm:shape>
+          <dgm:presOf/>
+          <dgm:constrLst/>
+          <dgm:ruleLst/>
+        </dgm:layoutNode>
+      </dgm:forEach>
+    </dgm:forEach>
+  </dgm:layoutNode>
+</dgm:layoutDef>
+</file>
+
+<file path=ppt/diagrams/quickStyle1.xml><?xml version="1.0" encoding="utf-8"?>
+<dgm:styleDef xmlns:dgm="http://schemas.openxmlformats.org/drawingml/2006/diagram" xmlns:a="http://schemas.openxmlformats.org/drawingml/2006/main" uniqueId="urn:microsoft.com/office/officeart/2005/8/quickstyle/simple2">
+  <dgm:title val=""/>
+  <dgm:desc val=""/>
+  <dgm:catLst>
+    <dgm:cat type="simple" pri="10200"/>
+  </dgm:catLst>
+  <dgm:scene3d>
+    <a:camera prst="orthographicFront"/>
+    <a:lightRig rig="threePt" dir="t"/>
+  </dgm:scene3d>
+  <dgm:styleLbl name="node0">
+    <dgm:scene3d>
+      <a:camera prst="orthographicFront"/>
+      <a:lightRig rig="threePt" dir="t"/>
+    </dgm:scene3d>
+    <dgm:sp3d/>
+    <dgm:txPr/>
+    <dgm:style>
+      <a:lnRef idx="3">
+        <a:scrgbClr r="0" g="0" b="0"/>
+      </a:lnRef>
+      <a:fillRef idx="1">
+        <a:scrgbClr r="0" g="0" b="0"/>
+      </a:fillRef>
+      <a:effectRef idx="1">
+        <a:scrgbClr r="0" g="0" b="0"/>
+      </a:effectRef>
+      <a:fontRef idx="minor">
+        <a:schemeClr val="lt1"/>
+      </a:fontRef>
+    </dgm:style>
+  </dgm:styleLbl>
+  <dgm:styleLbl name="lnNode1">
+    <dgm:scene3d>
+      <a:camera prst="orthographicFront"/>
+      <a:lightRig rig="threePt" dir="t"/>
+    </dgm:scene3d>
+    <dgm:sp3d/>
+    <dgm:txPr/>
+    <dgm:style>
+      <a:lnRef idx="3">
+        <a:scrgbClr r="0" g="0" b="0"/>
+      </a:lnRef>
+      <a:fillRef idx="1">
+        <a:scrgbClr r="0" g="0" b="0"/>
+      </a:fillRef>
+      <a:effectRef idx="1">
+        <a:scrgbClr r="0" g="0" b="0"/>
+      </a:effectRef>
+      <a:fontRef idx="minor">
+        <a:schemeClr val="lt1"/>
+      </a:fontRef>
+    </dgm:style>
+  </dgm:styleLbl>
+  <dgm:styleLbl name="vennNode1">
+    <dgm:scene3d>
+      <a:camera prst="orthographicFront"/>
+      <a:lightRig rig="threePt" dir="t"/>
+    </dgm:scene3d>
+    <dgm:sp3d/>
+    <dgm:txPr/>
+    <dgm:style>
+      <a:lnRef idx="3">
+        <a:scrgbClr r="0" g="0" b="0"/>
+      </a:lnRef>
+      <a:fillRef idx="1">
+        <a:scrgbClr r="0" g="0" b="0"/>
+      </a:fillRef>
+      <a:effectRef idx="0">
+        <a:scrgbClr r="0" g="0" b="0"/>
+      </a:effectRef>
+      <a:fontRef idx="minor">
+        <a:schemeClr val="tx1"/>
+      </a:fontRef>
+    </dgm:style>
+  </dgm:styleLbl>
+  <dgm:styleLbl name="alignNode1">
+    <dgm:scene3d>
+      <a:camera prst="orthographicFront"/>
+      <a:lightRig rig="threePt" dir="t"/>
+    </dgm:scene3d>
+    <dgm:sp3d/>
+    <dgm:txPr/>
+    <dgm:style>
+      <a:lnRef idx="2">
+        <a:scrgbClr r="0" g="0" b="0"/>
+      </a:lnRef>
+      <a:fillRef idx="1">
+        <a:scrgbClr r="0" g="0" b="0"/>
+      </a:fillRef>
+      <a:effectRef idx="1">
+        <a:scrgbClr r="0" g="0" b="0"/>
+      </a:effectRef>
+      <a:fontRef idx="minor">
+        <a:schemeClr val="lt1"/>
+      </a:fontRef>
+    </dgm:style>
+  </dgm:styleLbl>
+  <dgm:styleLbl name="node1">
+    <dgm:scene3d>
+      <a:camera prst="orthographicFront"/>
+      <a:lightRig rig="threePt" dir="t"/>
+    </dgm:scene3d>
+    <dgm:sp3d/>
+    <dgm:txPr/>
+    <dgm:style>
+      <a:lnRef idx="3">
+        <a:scrgbClr r="0" g="0" b="0"/>
+      </a:lnRef>
+      <a:fillRef idx="1">
+        <a:scrgbClr r="0" g="0" b="0"/>
+      </a:fillRef>
+      <a:effectRef idx="1">
+        <a:scrgbClr r="0" g="0" b="0"/>
+      </a:effectRef>
+      <a:fontRef idx="minor">
+        <a:schemeClr val="lt1"/>
+      </a:fontRef>
+    </dgm:style>
+  </dgm:styleLbl>
+  <dgm:styleLbl name="node2">
+    <dgm:scene3d>
+      <a:camera prst="orthographicFront"/>
+      <a:lightRig rig="threePt" dir="t"/>
+    </dgm:scene3d>
+    <dgm:sp3d/>
+    <dgm:txPr/>
+    <dgm:style>
+      <a:lnRef idx="3">
+        <a:scrgbClr r="0" g="0" b="0"/>
+      </a:lnRef>
+      <a:fillRef idx="1">
+        <a:scrgbClr r="0" g="0" b="0"/>
+      </a:fillRef>
+      <a:effectRef idx="1">
+        <a:scrgbClr r="0" g="0" b="0"/>
+      </a:effectRef>
+      <a:fontRef idx="minor">
+        <a:schemeClr val="lt1"/>
+      </a:fontRef>
+    </dgm:style>
+  </dgm:styleLbl>
+  <dgm:styleLbl name="node3">
+    <dgm:scene3d>
+      <a:camera prst="orthographicFront"/>
+      <a:lightRig rig="threePt" dir="t"/>
+    </dgm:scene3d>
+    <dgm:sp3d/>
+    <dgm:txPr/>
+    <dgm:style>
+      <a:lnRef idx="3">
+        <a:scrgbClr r="0" g="0" b="0"/>
+      </a:lnRef>
+      <a:fillRef idx="1">
+        <a:scrgbClr r="0" g="0" b="0"/>
+      </a:fillRef>
+      <a:effectRef idx="1">
+        <a:scrgbClr r="0" g="0" b="0"/>
+      </a:effectRef>
+      <a:fontRef idx="minor">
+        <a:schemeClr val="lt1"/>
+      </a:fontRef>
+    </dgm:style>
+  </dgm:styleLbl>
+  <dgm:styleLbl name="node4">
+    <dgm:scene3d>
+      <a:camera prst="orthographicFront"/>
+      <a:lightRig rig="threePt" dir="t"/>
+    </dgm:scene3d>
+    <dgm:sp3d/>
+    <dgm:txPr/>
+    <dgm:style>
+      <a:lnRef idx="3">
+        <a:scrgbClr r="0" g="0" b="0"/>
+      </a:lnRef>
+      <a:fillRef idx="1">
+        <a:scrgbClr r="0" g="0" b="0"/>
+      </a:fillRef>
+      <a:effectRef idx="1">
+        <a:scrgbClr r="0" g="0" b="0"/>
+      </a:effectRef>
+      <a:fontRef idx="minor">
+        <a:schemeClr val="lt1"/>
+      </a:fontRef>
+    </dgm:style>
+  </dgm:styleLbl>
+  <dgm:styleLbl name="fgImgPlace1">
+    <dgm:scene3d>
+      <a:camera prst="orthographicFront"/>
+      <a:lightRig rig="threePt" dir="t"/>
+    </dgm:scene3d>
+    <dgm:sp3d/>
+    <dgm:txPr/>
+    <dgm:style>
+      <a:lnRef idx="3">
+        <a:scrgbClr r="0" g="0" b="0"/>
+      </a:lnRef>
+      <a:fillRef idx="1">
+        <a:scrgbClr r="0" g="0" b="0"/>
+      </a:fillRef>
+      <a:effectRef idx="1">
+        <a:scrgbClr r="0" g="0" b="0"/>
+      </a:effectRef>
+      <a:fontRef idx="minor"/>
+    </dgm:style>
+  </dgm:styleLbl>
+  <dgm:styleLbl name="alignImgPlace1">
+    <dgm:scene3d>
+      <a:camera prst="orthographicFront"/>
+      <a:lightRig rig="threePt" dir="t"/>
+    </dgm:scene3d>
+    <dgm:sp3d/>
+    <dgm:txPr/>
+    <dgm:style>
+      <a:lnRef idx="3">
+        <a:scrgbClr r="0" g="0" b="0"/>
+      </a:lnRef>
+      <a:fillRef idx="1">
+        <a:scrgbClr r="0" g="0" b="0"/>
+      </a:fillRef>
+      <a:effectRef idx="1">
+        <a:scrgbClr r="0" g="0" b="0"/>
+      </a:effectRef>
+      <a:fontRef idx="minor"/>
+    </dgm:style>
+  </dgm:styleLbl>
+  <dgm:styleLbl name="bgImgPlace1">
+    <dgm:scene3d>
+      <a:camera prst="orthographicFront"/>
+      <a:lightRig rig="threePt" dir="t"/>
+    </dgm:scene3d>
+    <dgm:sp3d/>
+    <dgm:txPr/>
+    <dgm:style>
+      <a:lnRef idx="3">
+        <a:scrgbClr r="0" g="0" b="0"/>
+      </a:lnRef>
+      <a:fillRef idx="1">
+        <a:scrgbClr r="0" g="0" b="0"/>
+      </a:fillRef>
+      <a:effectRef idx="1">
+        <a:scrgbClr r="0" g="0" b="0"/>
+      </a:effectRef>
+      <a:fontRef idx="minor"/>
+    </dgm:style>
+  </dgm:styleLbl>
+  <dgm:styleLbl name="sibTrans2D1">
+    <dgm:scene3d>
+      <a:camera prst="orthographicFront"/>
+      <a:lightRig rig="threePt" dir="t"/>
+    </dgm:scene3d>
+    <dgm:sp3d/>
+    <dgm:txPr/>
+    <dgm:style>
+      <a:lnRef idx="0">
+        <a:scrgbClr r="0" g="0" b="0"/>
+      </a:lnRef>
+      <a:fillRef idx="1">
+        <a:scrgbClr r="0" g="0" b="0"/>
+      </a:fillRef>
+      <a:effectRef idx="1">
+        <a:scrgbClr r="0" g="0" b="0"/>
+      </a:effectRef>
+      <a:fontRef idx="minor">
+        <a:schemeClr val="lt1"/>
+      </a:fontRef>
+    </dgm:style>
+  </dgm:styleLbl>
+  <dgm:styleLbl name="fgSibTrans2D1">
+    <dgm:scene3d>
+      <a:camera prst="orthographicFront"/>
+      <a:lightRig rig="threePt" dir="t"/>
+    </dgm:scene3d>
+    <dgm:sp3d/>
+    <dgm:txPr/>
+    <dgm:style>
+      <a:lnRef idx="0">
+        <a:scrgbClr r="0" g="0" b="0"/>
+      </a:lnRef>
+      <a:fillRef idx="1">
+        <a:scrgbClr r="0" g="0" b="0"/>
+      </a:fillRef>
+      <a:effectRef idx="1">
+        <a:scrgbClr r="0" g="0" b="0"/>
+      </a:effectRef>
+      <a:fontRef idx="minor">
+        <a:schemeClr val="lt1"/>
+      </a:fontRef>
+    </dgm:style>
+  </dgm:styleLbl>
+  <dgm:styleLbl name="bgSibTrans2D1">
+    <dgm:scene3d>
+      <a:camera prst="orthographicFront"/>
+      <a:lightRig rig="threePt" dir="t"/>
+    </dgm:scene3d>
+    <dgm:sp3d/>
+    <dgm:txPr/>
+    <dgm:style>
+      <a:lnRef idx="0">
+        <a:scrgbClr r="0" g="0" b="0"/>
+      </a:lnRef>
+      <a:fillRef idx="1">
+        <a:scrgbClr r="0" g="0" b="0"/>
+      </a:fillRef>
+      <a:effectRef idx="1">
+        <a:scrgbClr r="0" g="0" b="0"/>
+      </a:effectRef>
+      <a:fontRef idx="minor">
+        <a:schemeClr val="lt1"/>
+      </a:fontRef>
+    </dgm:style>
+  </dgm:styleLbl>
+  <dgm:styleLbl name="sibTrans1D1">
+    <dgm:scene3d>
+      <a:camera prst="orthographicFront"/>
+      <a:lightRig rig="threePt" dir="t"/>
+    </dgm:scene3d>
+    <dgm:sp3d/>
+    <dgm:txPr/>
+    <dgm:style>
+      <a:lnRef idx="1">
+        <a:scrgbClr r="0" g="0" b="0"/>
+      </a:lnRef>
+      <a:fillRef idx="0">
+        <a:scrgbClr r="0" g="0" b="0"/>
+      </a:fillRef>
+      <a:effectRef idx="0">
+        <a:scrgbClr r="0" g="0" b="0"/>
+      </a:effectRef>
+      <a:fontRef idx="minor"/>
+    </dgm:style>
+  </dgm:styleLbl>
+  <dgm:styleLbl name="callout">
+    <dgm:scene3d>
+      <a:camera prst="orthographicFront"/>
+      <a:lightRig rig="threePt" dir="t"/>
+    </dgm:scene3d>
+    <dgm:sp3d/>
+    <dgm:txPr/>
+    <dgm:style>
+      <a:lnRef idx="2">
+        <a:scrgbClr r="0" g="0" b="0"/>
+      </a:lnRef>
+      <a:fillRef idx="1">
+        <a:scrgbClr r="0" g="0" b="0"/>
+      </a:fillRef>
+      <a:effectRef idx="1">
+        <a:scrgbClr r="0" g="0" b="0"/>
+      </a:effectRef>
+      <a:fontRef idx="minor"/>
+    </dgm:style>
+  </dgm:styleLbl>
+  <dgm:styleLbl name="asst0">
+    <dgm:scene3d>
+      <a:camera prst="orthographicFront"/>
+      <a:lightRig rig="threePt" dir="t"/>
+    </dgm:scene3d>
+    <dgm:sp3d/>
+    <dgm:txPr/>
+    <dgm:style>
+      <a:lnRef idx="3">
+        <a:scrgbClr r="0" g="0" b="0"/>
+      </a:lnRef>
+      <a:fillRef idx="1">
+        <a:scrgbClr r="0" g="0" b="0"/>
+      </a:fillRef>
+      <a:effectRef idx="1">
+        <a:scrgbClr r="0" g="0" b="0"/>
+      </a:effectRef>
+      <a:fontRef idx="minor">
+        <a:schemeClr val="lt1"/>
+      </a:fontRef>
+    </dgm:style>
+  </dgm:styleLbl>
+  <dgm:styleLbl name="asst1">
+    <dgm:scene3d>
+      <a:camera prst="orthographicFront"/>
+      <a:lightRig rig="threePt" dir="t"/>
+    </dgm:scene3d>
+    <dgm:sp3d/>
+    <dgm:txPr/>
+    <dgm:style>
+      <a:lnRef idx="3">
+        <a:scrgbClr r="0" g="0" b="0"/>
+      </a:lnRef>
+      <a:fillRef idx="1">
+        <a:scrgbClr r="0" g="0" b="0"/>
+      </a:fillRef>
+      <a:effectRef idx="1">
+        <a:scrgbClr r="0" g="0" b="0"/>
+      </a:effectRef>
+      <a:fontRef idx="minor">
+        <a:schemeClr val="lt1"/>
+      </a:fontRef>
+    </dgm:style>
+  </dgm:styleLbl>
+  <dgm:styleLbl name="asst2">
+    <dgm:scene3d>
+      <a:camera prst="orthographicFront"/>
+      <a:lightRig rig="threePt" dir="t"/>
+    </dgm:scene3d>
+    <dgm:sp3d/>
+    <dgm:txPr/>
+    <dgm:style>
+      <a:lnRef idx="3">
+        <a:scrgbClr r="0" g="0" b="0"/>
+      </a:lnRef>
+      <a:fillRef idx="1">
+        <a:scrgbClr r="0" g="0" b="0"/>
+      </a:fillRef>
+      <a:effectRef idx="1">
+        <a:scrgbClr r="0" g="0" b="0"/>
+      </a:effectRef>
+      <a:fontRef idx="minor">
+        <a:schemeClr val="lt1"/>
+      </a:fontRef>
+    </dgm:style>
+  </dgm:styleLbl>
+  <dgm:styleLbl name="asst3">
+    <dgm:scene3d>
+      <a:camera prst="orthographicFront"/>
+      <a:lightRig rig="threePt" dir="t"/>
+    </dgm:scene3d>
+    <dgm:sp3d/>
+    <dgm:txPr/>
+    <dgm:style>
+      <a:lnRef idx="3">
+        <a:scrgbClr r="0" g="0" b="0"/>
+      </a:lnRef>
+      <a:fillRef idx="1">
+        <a:scrgbClr r="0" g="0" b="0"/>
+      </a:fillRef>
+      <a:effectRef idx="1">
+        <a:scrgbClr r="0" g="0" b="0"/>
+      </a:effectRef>
+      <a:fontRef idx="minor">
+        <a:schemeClr val="lt1"/>
+      </a:fontRef>
+    </dgm:style>
+  </dgm:styleLbl>
+  <dgm:styleLbl name="asst4">
+    <dgm:scene3d>
+      <a:camera prst="orthographicFront"/>
+      <a:lightRig rig="threePt" dir="t"/>
+    </dgm:scene3d>
+    <dgm:sp3d/>
+    <dgm:txPr/>
+    <dgm:style>
+      <a:lnRef idx="3">
+        <a:scrgbClr r="0" g="0" b="0"/>
+      </a:lnRef>
+      <a:fillRef idx="1">
+        <a:scrgbClr r="0" g="0" b="0"/>
+      </a:fillRef>
+      <a:effectRef idx="1">
+        <a:scrgbClr r="0" g="0" b="0"/>
+      </a:effectRef>
+      <a:fontRef idx="minor">
+        <a:schemeClr val="lt1"/>
+      </a:fontRef>
+    </dgm:style>
+  </dgm:styleLbl>
+  <dgm:styleLbl name="parChTrans2D1">
+    <dgm:scene3d>
+      <a:camera prst="orthographicFront"/>
+      <a:lightRig rig="threePt" dir="t"/>
+    </dgm:scene3d>
+    <dgm:sp3d/>
+    <dgm:txPr/>
+    <dgm:style>
+      <a:lnRef idx="3">
+        <a:scrgbClr r="0" g="0" b="0"/>
+      </a:lnRef>
+      <a:fillRef idx="1">
+        <a:scrgbClr r="0" g="0" b="0"/>
+      </a:fillRef>
+      <a:effectRef idx="1">
+        <a:scrgbClr r="0" g="0" b="0"/>
+      </a:effectRef>
+      <a:fontRef idx="minor">
+        <a:schemeClr val="lt1"/>
+      </a:fontRef>
+    </dgm:style>
+  </dgm:styleLbl>
+  <dgm:styleLbl name="parChTrans2D2">
+    <dgm:scene3d>
+      <a:camera prst="orthographicFront"/>
+      <a:lightRig rig="threePt" dir="t"/>
+    </dgm:scene3d>
+    <dgm:sp3d/>
+    <dgm:txPr/>
+    <dgm:style>
+      <a:lnRef idx="3">
+        <a:scrgbClr r="0" g="0" b="0"/>
+      </a:lnRef>
+      <a:fillRef idx="1">
+        <a:scrgbClr r="0" g="0" b="0"/>
+      </a:fillRef>
+      <a:effectRef idx="1">
+        <a:scrgbClr r="0" g="0" b="0"/>
+      </a:effectRef>
+      <a:fontRef idx="minor">
+        <a:schemeClr val="lt1"/>
+      </a:fontRef>
+    </dgm:style>
+  </dgm:styleLbl>
+  <dgm:styleLbl name="parChTrans2D3">
+    <dgm:scene3d>
+      <a:camera prst="orthographicFront"/>
+      <a:lightRig rig="threePt" dir="t"/>
+    </dgm:scene3d>
+    <dgm:sp3d/>
+    <dgm:txPr/>
+    <dgm:style>
+      <a:lnRef idx="3">
+        <a:scrgbClr r="0" g="0" b="0"/>
+      </a:lnRef>
+      <a:fillRef idx="1">
+        <a:scrgbClr r="0" g="0" b="0"/>
+      </a:fillRef>
+      <a:effectRef idx="1">
+        <a:scrgbClr r="0" g="0" b="0"/>
+      </a:effectRef>
+      <a:fontRef idx="minor">
+        <a:schemeClr val="lt1"/>
+      </a:fontRef>
+    </dgm:style>
+  </dgm:styleLbl>
+  <dgm:styleLbl name="parChTrans2D4">
+    <dgm:scene3d>
+      <a:camera prst="orthographicFront"/>
+      <a:lightRig rig="threePt" dir="t"/>
+    </dgm:scene3d>
+    <dgm:sp3d/>
+    <dgm:txPr/>
+    <dgm:style>
+      <a:lnRef idx="3">
+        <a:scrgbClr r="0" g="0" b="0"/>
+      </a:lnRef>
+      <a:fillRef idx="1">
+        <a:scrgbClr r="0" g="0" b="0"/>
+      </a:fillRef>
+      <a:effectRef idx="1">
+        <a:scrgbClr r="0" g="0" b="0"/>
+      </a:effectRef>
+      <a:fontRef idx="minor">
+        <a:schemeClr val="lt1"/>
+      </a:fontRef>
+    </dgm:style>
+  </dgm:styleLbl>
+  <dgm:styleLbl name="parChTrans1D1">
+    <dgm:scene3d>
+      <a:camera prst="orthographicFront"/>
+      <a:lightRig rig="threePt" dir="t"/>
+    </dgm:scene3d>
+    <dgm:sp3d/>
+    <dgm:txPr/>
+    <dgm:style>
+      <a:lnRef idx="2">
+        <a:scrgbClr r="0" g="0" b="0"/>
+      </a:lnRef>
+      <a:fillRef idx="0">
+        <a:scrgbClr r="0" g="0" b="0"/>
+      </a:fillRef>
+      <a:effectRef idx="0">
+        <a:scrgbClr r="0" g="0" b="0"/>
+      </a:effectRef>
+      <a:fontRef idx="minor"/>
+    </dgm:style>
+  </dgm:styleLbl>
+  <dgm:styleLbl name="parChTrans1D2">
+    <dgm:scene3d>
+      <a:camera prst="orthographicFront"/>
+      <a:lightRig rig="threePt" dir="t"/>
+    </dgm:scene3d>
+    <dgm:sp3d/>
+    <dgm:txPr/>
+    <dgm:style>
+      <a:lnRef idx="2">
+        <a:scrgbClr r="0" g="0" b="0"/>
+      </a:lnRef>
+      <a:fillRef idx="0">
+        <a:scrgbClr r="0" g="0" b="0"/>
+      </a:fillRef>
+      <a:effectRef idx="0">
+        <a:scrgbClr r="0" g="0" b="0"/>
+      </a:effectRef>
+      <a:fontRef idx="minor"/>
+    </dgm:style>
+  </dgm:styleLbl>
+  <dgm:styleLbl name="parChTrans1D3">
+    <dgm:scene3d>
+      <a:camera prst="orthographicFront"/>
+      <a:lightRig rig="threePt" dir="t"/>
+    </dgm:scene3d>
+    <dgm:sp3d/>
+    <dgm:txPr/>
+    <dgm:style>
+      <a:lnRef idx="2">
+        <a:scrgbClr r="0" g="0" b="0"/>
+      </a:lnRef>
+      <a:fillRef idx="0">
+        <a:scrgbClr r="0" g="0" b="0"/>
+      </a:fillRef>
+      <a:effectRef idx="0">
+        <a:scrgbClr r="0" g="0" b="0"/>
+      </a:effectRef>
+      <a:fontRef idx="minor"/>
+    </dgm:style>
+  </dgm:styleLbl>
+  <dgm:styleLbl name="parChTrans1D4">
+    <dgm:scene3d>
+      <a:camera prst="orthographicFront"/>
+      <a:lightRig rig="threePt" dir="t"/>
+    </dgm:scene3d>
+    <dgm:sp3d/>
+    <dgm:txPr/>
+    <dgm:style>
+      <a:lnRef idx="2">
+        <a:scrgbClr r="0" g="0" b="0"/>
+      </a:lnRef>
+      <a:fillRef idx="0">
+        <a:scrgbClr r="0" g="0" b="0"/>
+      </a:fillRef>
+      <a:effectRef idx="0">
+        <a:scrgbClr r="0" g="0" b="0"/>
+      </a:effectRef>
+      <a:fontRef idx="minor"/>
+    </dgm:style>
+  </dgm:styleLbl>
+  <dgm:styleLbl name="fgAcc1">
+    <dgm:scene3d>
+      <a:camera prst="orthographicFront"/>
+      <a:lightRig rig="threePt" dir="t"/>
+    </dgm:scene3d>
+    <dgm:sp3d/>
+    <dgm:txPr/>
+    <dgm:style>
+      <a:lnRef idx="2">
+        <a:scrgbClr r="0" g="0" b="0"/>
+      </a:lnRef>
+      <a:fillRef idx="1">
+        <a:scrgbClr r="0" g="0" b="0"/>
+      </a:fillRef>
+      <a:effectRef idx="0">
+        <a:scrgbClr r="0" g="0" b="0"/>
+      </a:effectRef>
+      <a:fontRef idx="minor"/>
+    </dgm:style>
+  </dgm:styleLbl>
+  <dgm:styleLbl name="conFgAcc1">
+    <dgm:scene3d>
+      <a:camera prst="orthographicFront"/>
+      <a:lightRig rig="threePt" dir="t"/>
+    </dgm:scene3d>
+    <dgm:sp3d/>
+    <dgm:txPr/>
+    <dgm:style>
+      <a:lnRef idx="2">
+        <a:scrgbClr r="0" g="0" b="0"/>
+      </a:lnRef>
+      <a:fillRef idx="1">
+        <a:scrgbClr r="0" g="0" b="0"/>
+      </a:fillRef>
+      <a:effectRef idx="0">
+        <a:scrgbClr r="0" g="0" b="0"/>
+      </a:effectRef>
+      <a:fontRef idx="minor"/>
+    </dgm:style>
+  </dgm:styleLbl>
+  <dgm:styleLbl name="alignAcc1">
+    <dgm:scene3d>
+      <a:camera prst="orthographicFront"/>
+      <a:lightRig rig="threePt" dir="t"/>
+    </dgm:scene3d>
+    <dgm:sp3d/>
+    <dgm:txPr/>
+    <dgm:style>
+      <a:lnRef idx="2">
+        <a:scrgbClr r="0" g="0" b="0"/>
+      </a:lnRef>
+      <a:fillRef idx="1">
+        <a:scrgbClr r="0" g="0" b="0"/>
+      </a:fillRef>
+      <a:effectRef idx="0">
+        <a:scrgbClr r="0" g="0" b="0"/>
+      </a:effectRef>
+      <a:fontRef idx="minor"/>
+    </dgm:style>
+  </dgm:styleLbl>
+  <dgm:styleLbl name="trAlignAcc1">
+    <dgm:scene3d>
+      <a:camera prst="orthographicFront"/>
+      <a:lightRig rig="threePt" dir="t"/>
+    </dgm:scene3d>
+    <dgm:sp3d/>
+    <dgm:txPr/>
+    <dgm:style>
+      <a:lnRef idx="1">
+        <a:scrgbClr r="0" g="0" b="0"/>
+      </a:lnRef>
+      <a:fillRef idx="1">
+        <a:scrgbClr r="0" g="0" b="0"/>
+      </a:fillRef>
+      <a:effectRef idx="0">
+        <a:scrgbClr r="0" g="0" b="0"/>
+      </a:effectRef>
+      <a:fontRef idx="minor"/>
+    </dgm:style>
+  </dgm:styleLbl>
+  <dgm:styleLbl name="bgAcc1">
+    <dgm:scene3d>
+      <a:camera prst="orthographicFront"/>
+      <a:lightRig rig="threePt" dir="t"/>
+    </dgm:scene3d>
+    <dgm:sp3d/>
+    <dgm:txPr/>
+    <dgm:style>
+      <a:lnRef idx="2">
+        <a:scrgbClr r="0" g="0" b="0"/>
+      </a:lnRef>
+      <a:fillRef idx="1">
+        <a:scrgbClr r="0" g="0" b="0"/>
+      </a:fillRef>
+      <a:effectRef idx="0">
+        <a:scrgbClr r="0" g="0" b="0"/>
+      </a:effectRef>
+      <a:fontRef idx="minor"/>
+    </dgm:style>
+  </dgm:styleLbl>
+  <dgm:styleLbl name="solidFgAcc1">
+    <dgm:scene3d>
+      <a:camera prst="orthographicFront"/>
+      <a:lightRig rig="threePt" dir="t"/>
+    </dgm:scene3d>
+    <dgm:sp3d/>
+    <dgm:txPr/>
+    <dgm:style>
+      <a:lnRef idx="2">
+        <a:scrgbClr r="0" g="0" b="0"/>
+      </a:lnRef>
+      <a:fillRef idx="1">
+        <a:scrgbClr r="0" g="0" b="0"/>
+      </a:fillRef>
+      <a:effectRef idx="0">
+        <a:scrgbClr r="0" g="0" b="0"/>
+      </a:effectRef>
+      <a:fontRef idx="minor"/>
+    </dgm:style>
+  </dgm:styleLbl>
+  <dgm:styleLbl name="solidAlignAcc1">
+    <dgm:scene3d>
+      <a:camera prst="orthographicFront"/>
+      <a:lightRig rig="threePt" dir="t"/>
+    </dgm:scene3d>
+    <dgm:sp3d/>
+    <dgm:txPr/>
+    <dgm:style>
+      <a:lnRef idx="2">
+        <a:scrgbClr r="0" g="0" b="0"/>
+      </a:lnRef>
+      <a:fillRef idx="1">
+        <a:scrgbClr r="0" g="0" b="0"/>
+      </a:fillRef>
+      <a:effectRef idx="0">
+        <a:scrgbClr r="0" g="0" b="0"/>
+      </a:effectRef>
+      <a:fontRef idx="minor"/>
+    </dgm:style>
+  </dgm:styleLbl>
+  <dgm:styleLbl name="solidBgAcc1">
+    <dgm:scene3d>
+      <a:camera prst="orthographicFront"/>
+      <a:lightRig rig="threePt" dir="t"/>
+    </dgm:scene3d>
+    <dgm:sp3d/>
+    <dgm:txPr/>
+    <dgm:style>
+      <a:lnRef idx="2">
+        <a:scrgbClr r="0" g="0" b="0"/>
+      </a:lnRef>
+      <a:fillRef idx="1">
+        <a:scrgbClr r="0" g="0" b="0"/>
+      </a:fillRef>
+      <a:effectRef idx="0">
+        <a:scrgbClr r="0" g="0" b="0"/>
+      </a:effectRef>
+      <a:fontRef idx="minor"/>
+    </dgm:style>
+  </dgm:styleLbl>
+  <dgm:styleLbl name="fgAccFollowNode1">
+    <dgm:scene3d>
+      <a:camera prst="orthographicFront"/>
+      <a:lightRig rig="threePt" dir="t"/>
+    </dgm:scene3d>
+    <dgm:sp3d/>
+    <dgm:txPr/>
+    <dgm:style>
+      <a:lnRef idx="2">
+        <a:scrgbClr r="0" g="0" b="0"/>
+      </a:lnRef>
+      <a:fillRef idx="1">
+        <a:scrgbClr r="0" g="0" b="0"/>
+      </a:fillRef>
+      <a:effectRef idx="0">
+        <a:scrgbClr r="0" g="0" b="0"/>
+      </a:effectRef>
+      <a:fontRef idx="minor"/>
+    </dgm:style>
+  </dgm:styleLbl>
+  <dgm:styleLbl name="alignAccFollowNode1">
+    <dgm:scene3d>
+      <a:camera prst="orthographicFront"/>
+      <a:lightRig rig="threePt" dir="t"/>
+    </dgm:scene3d>
+    <dgm:sp3d/>
+    <dgm:txPr/>
+    <dgm:style>
+      <a:lnRef idx="2">
+        <a:scrgbClr r="0" g="0" b="0"/>
+      </a:lnRef>
+      <a:fillRef idx="1">
+        <a:scrgbClr r="0" g="0" b="0"/>
+      </a:fillRef>
+      <a:effectRef idx="0">
+        <a:scrgbClr r="0" g="0" b="0"/>
+      </a:effectRef>
+      <a:fontRef idx="minor"/>
+    </dgm:style>
+  </dgm:styleLbl>
+  <dgm:styleLbl name="bgAccFollowNode1">
+    <dgm:scene3d>
+      <a:camera prst="orthographicFront"/>
+      <a:lightRig rig="threePt" dir="t"/>
+    </dgm:scene3d>
+    <dgm:sp3d/>
+    <dgm:txPr/>
+    <dgm:style>
+      <a:lnRef idx="2">
+        <a:scrgbClr r="0" g="0" b="0"/>
+      </a:lnRef>
+      <a:fillRef idx="1">
+        <a:scrgbClr r="0" g="0" b="0"/>
+      </a:fillRef>
+      <a:effectRef idx="0">
+        <a:scrgbClr r="0" g="0" b="0"/>
+      </a:effectRef>
+      <a:fontRef idx="minor"/>
+    </dgm:style>
+  </dgm:styleLbl>
+  <dgm:styleLbl name="fgAcc0">
+    <dgm:scene3d>
+      <a:camera prst="orthographicFront"/>
+      <a:lightRig rig="threePt" dir="t"/>
+    </dgm:scene3d>
+    <dgm:sp3d/>
+    <dgm:txPr/>
+    <dgm:style>
+      <a:lnRef idx="2">
+        <a:scrgbClr r="0" g="0" b="0"/>
+      </a:lnRef>
+      <a:fillRef idx="1">
+        <a:scrgbClr r="0" g="0" b="0"/>
+      </a:fillRef>
+      <a:effectRef idx="0">
+        <a:scrgbClr r="0" g="0" b="0"/>
+      </a:effectRef>
+      <a:fontRef idx="minor"/>
+    </dgm:style>
+  </dgm:styleLbl>
+  <dgm:styleLbl name="fgAcc2">
+    <dgm:scene3d>
+      <a:camera prst="orthographicFront"/>
+      <a:lightRig rig="threePt" dir="t"/>
+    </dgm:scene3d>
+    <dgm:sp3d/>
+    <dgm:txPr/>
+    <dgm:style>
+      <a:lnRef idx="2">
+        <a:scrgbClr r="0" g="0" b="0"/>
+      </a:lnRef>
+      <a:fillRef idx="1">
+        <a:scrgbClr r="0" g="0" b="0"/>
+      </a:fillRef>
+      <a:effectRef idx="0">
+        <a:scrgbClr r="0" g="0" b="0"/>
+      </a:effectRef>
+      <a:fontRef idx="minor"/>
+    </dgm:style>
+  </dgm:styleLbl>
+  <dgm:styleLbl name="fgAcc3">
+    <dgm:scene3d>
+      <a:camera prst="orthographicFront"/>
+      <a:lightRig rig="threePt" dir="t"/>
+    </dgm:scene3d>
+    <dgm:sp3d/>
+    <dgm:txPr/>
+    <dgm:style>
+      <a:lnRef idx="2">
+        <a:scrgbClr r="0" g="0" b="0"/>
+      </a:lnRef>
+      <a:fillRef idx="1">
+        <a:scrgbClr r="0" g="0" b="0"/>
+      </a:fillRef>
+      <a:effectRef idx="0">
+        <a:scrgbClr r="0" g="0" b="0"/>
+      </a:effectRef>
+      <a:fontRef idx="minor"/>
+    </dgm:style>
+  </dgm:styleLbl>
+  <dgm:styleLbl name="fgAcc4">
+    <dgm:scene3d>
+      <a:camera prst="orthographicFront"/>
+      <a:lightRig rig="threePt" dir="t"/>
+    </dgm:scene3d>
+    <dgm:sp3d/>
+    <dgm:txPr/>
+    <dgm:style>
+      <a:lnRef idx="2">
+        <a:scrgbClr r="0" g="0" b="0"/>
+      </a:lnRef>
+      <a:fillRef idx="1">
+        <a:scrgbClr r="0" g="0" b="0"/>
+      </a:fillRef>
+      <a:effectRef idx="0">
+        <a:scrgbClr r="0" g="0" b="0"/>
+      </a:effectRef>
+      <a:fontRef idx="minor"/>
+    </dgm:style>
+  </dgm:styleLbl>
+  <dgm:styleLbl name="bgShp">
+    <dgm:scene3d>
+      <a:camera prst="orthographicFront"/>
+      <a:lightRig rig="threePt" dir="t"/>
+    </dgm:scene3d>
+    <dgm:sp3d/>
+    <dgm:txPr/>
+    <dgm:style>
+      <a:lnRef idx="0">
+        <a:scrgbClr r="0" g="0" b="0"/>
+      </a:lnRef>
+      <a:fillRef idx="1">
+        <a:scrgbClr r="0" g="0" b="0"/>
+      </a:fillRef>
+      <a:effectRef idx="0">
+        <a:scrgbClr r="0" g="0" b="0"/>
+      </a:effectRef>
+      <a:fontRef idx="minor"/>
+    </dgm:style>
+  </dgm:styleLbl>
+  <dgm:styleLbl name="dkBgShp">
+    <dgm:scene3d>
+      <a:camera prst="orthographicFront"/>
+      <a:lightRig rig="threePt" dir="t"/>
+    </dgm:scene3d>
+    <dgm:sp3d/>
+    <dgm:txPr/>
+    <dgm:style>
+      <a:lnRef idx="0">
+        <a:scrgbClr r="0" g="0" b="0"/>
+      </a:lnRef>
+      <a:fillRef idx="1">
+        <a:scrgbClr r="0" g="0" b="0"/>
+      </a:fillRef>
+      <a:effectRef idx="0">
+        <a:scrgbClr r="0" g="0" b="0"/>
+      </a:effectRef>
+      <a:fontRef idx="minor"/>
+    </dgm:style>
+  </dgm:styleLbl>
+  <dgm:styleLbl name="trBgShp">
+    <dgm:scene3d>
+      <a:camera prst="orthographicFront"/>
+      <a:lightRig rig="threePt" dir="t"/>
+    </dgm:scene3d>
+    <dgm:sp3d/>
+    <dgm:txPr/>
+    <dgm:style>
+      <a:lnRef idx="0">
+        <a:scrgbClr r="0" g="0" b="0"/>
+      </a:lnRef>
+      <a:fillRef idx="1">
+        <a:scrgbClr r="0" g="0" b="0"/>
+      </a:fillRef>
+      <a:effectRef idx="0">
+        <a:scrgbClr r="0" g="0" b="0"/>
+      </a:effectRef>
+      <a:fontRef idx="minor"/>
+    </dgm:style>
+  </dgm:styleLbl>
+  <dgm:styleLbl name="fgShp">
+    <dgm:scene3d>
+      <a:camera prst="orthographicFront"/>
+      <a:lightRig rig="threePt" dir="t"/>
+    </dgm:scene3d>
+    <dgm:sp3d/>
+    <dgm:txPr/>
+    <dgm:style>
+      <a:lnRef idx="3">
+        <a:scrgbClr r="0" g="0" b="0"/>
+      </a:lnRef>
+      <a:fillRef idx="1">
+        <a:scrgbClr r="0" g="0" b="0"/>
+      </a:fillRef>
+      <a:effectRef idx="1">
+        <a:scrgbClr r="0" g="0" b="0"/>
+      </a:effectRef>
+      <a:fontRef idx="minor"/>
+    </dgm:style>
+  </dgm:styleLbl>
+  <dgm:styleLbl name="revTx">
+    <dgm:scene3d>
+      <a:camera prst="orthographicFront"/>
+      <a:lightRig rig="threePt" dir="t"/>
+    </dgm:scene3d>
+    <dgm:sp3d/>
+    <dgm:txPr/>
+    <dgm:style>
+      <a:lnRef idx="0">
+        <a:scrgbClr r="0" g="0" b="0"/>
+      </a:lnRef>
+      <a:fillRef idx="0">
+        <a:scrgbClr r="0" g="0" b="0"/>
+      </a:fillRef>
+      <a:effectRef idx="0">
+        <a:scrgbClr r="0" g="0" b="0"/>
+      </a:effectRef>
+      <a:fontRef idx="minor"/>
+    </dgm:style>
+  </dgm:styleLbl>
+</dgm:styleDef>
 </file>
 
 <file path=ppt/slideLayouts/slideLayout1.xml><?xml version="1.0" encoding="utf-8"?>
@@ -6697,7 +9675,7 @@
           <a:p>
             <a:fld id="{FA1E3ED8-1BB4-4BD2-AB23-359644E070C2}" type="datetimeFigureOut">
               <a:rPr lang="zh-TW" altLang="en-US" smtClean="0"/>
-              <a:t>2020/6/11</a:t>
+              <a:t>2020/6/12</a:t>
             </a:fld>
             <a:endParaRPr lang="zh-TW" altLang="en-US"/>
           </a:p>
@@ -12306,7 +15284,14 @@
           <a:p>
             <a:r>
               <a:rPr lang="zh-TW" altLang="en-US" dirty="0"/>
-              <a:t>透過物件之後加上逗號來使用</a:t>
+              <a:t>物件可以支援多個方法</a:t>
+            </a:r>
+            <a:endParaRPr lang="en-US" altLang="zh-TW" dirty="0"/>
+          </a:p>
+          <a:p>
+            <a:r>
+              <a:rPr lang="zh-TW" altLang="en-US" dirty="0"/>
+              <a:t>透過物件名之後加上逗號來使用</a:t>
             </a:r>
             <a:endParaRPr lang="en-US" altLang="zh-TW" dirty="0"/>
           </a:p>
@@ -12376,12 +15361,271 @@
             </a:r>
             <a:r>
               <a:rPr lang="en-US" altLang="zh-TW" dirty="0"/>
-              <a:t>method</a:t>
+              <a:t>(method)</a:t>
             </a:r>
             <a:endParaRPr lang="zh-TW" altLang="en-US" dirty="0"/>
           </a:p>
         </p:txBody>
       </p:sp>
+      <p:grpSp>
+        <p:nvGrpSpPr>
+          <p:cNvPr id="12" name="群組 11">
+            <a:extLst>
+              <a:ext uri="{FF2B5EF4-FFF2-40B4-BE49-F238E27FC236}">
+                <a16:creationId xmlns:a16="http://schemas.microsoft.com/office/drawing/2014/main" id="{30E6E683-6CD4-46D8-87A7-57EE23185BA4}"/>
+              </a:ext>
+            </a:extLst>
+          </p:cNvPr>
+          <p:cNvGrpSpPr/>
+          <p:nvPr/>
+        </p:nvGrpSpPr>
+        <p:grpSpPr>
+          <a:xfrm>
+            <a:off x="6673352" y="994418"/>
+            <a:ext cx="4170666" cy="2927231"/>
+            <a:chOff x="6483571" y="501769"/>
+            <a:chExt cx="4170666" cy="2927231"/>
+          </a:xfrm>
+        </p:grpSpPr>
+        <p:pic>
+          <p:nvPicPr>
+            <p:cNvPr id="7" name="圖形 6" descr="分支圖">
+              <a:extLst>
+                <a:ext uri="{FF2B5EF4-FFF2-40B4-BE49-F238E27FC236}">
+                  <a16:creationId xmlns:a16="http://schemas.microsoft.com/office/drawing/2014/main" id="{24C0C527-F546-49A1-83CD-40889B1EC984}"/>
+                </a:ext>
+              </a:extLst>
+            </p:cNvPr>
+            <p:cNvPicPr>
+              <a:picLocks noChangeAspect="1"/>
+            </p:cNvPicPr>
+            <p:nvPr/>
+          </p:nvPicPr>
+          <p:blipFill>
+            <a:blip r:embed="rId2">
+              <a:extLst>
+                <a:ext uri="{28A0092B-C50C-407E-A947-70E740481C1C}">
+                  <a14:useLocalDpi xmlns:a14="http://schemas.microsoft.com/office/drawing/2010/main" val="0"/>
+                </a:ext>
+                <a:ext uri="{96DAC541-7B7A-43D3-8B79-37D633B846F1}">
+                  <asvg:svgBlip xmlns:asvg="http://schemas.microsoft.com/office/drawing/2016/SVG/main" r:embed="rId3"/>
+                </a:ext>
+              </a:extLst>
+            </a:blip>
+            <a:stretch>
+              <a:fillRect/>
+            </a:stretch>
+          </p:blipFill>
+          <p:spPr>
+            <a:xfrm rot="5400000">
+              <a:off x="7053530" y="501769"/>
+              <a:ext cx="2927231" cy="2927231"/>
+            </a:xfrm>
+            <a:prstGeom prst="rect">
+              <a:avLst/>
+            </a:prstGeom>
+            <a:effectLst>
+              <a:outerShdw blurRad="50800" dist="38100" dir="2700000" algn="tl" rotWithShape="0">
+                <a:prstClr val="black">
+                  <a:alpha val="40000"/>
+                </a:prstClr>
+              </a:outerShdw>
+            </a:effectLst>
+          </p:spPr>
+        </p:pic>
+        <p:sp>
+          <p:nvSpPr>
+            <p:cNvPr id="8" name="矩形 7">
+              <a:extLst>
+                <a:ext uri="{FF2B5EF4-FFF2-40B4-BE49-F238E27FC236}">
+                  <a16:creationId xmlns:a16="http://schemas.microsoft.com/office/drawing/2014/main" id="{879D60DC-925B-4C2B-9AF1-C4E390F18704}"/>
+                </a:ext>
+              </a:extLst>
+            </p:cNvPr>
+            <p:cNvSpPr/>
+            <p:nvPr/>
+          </p:nvSpPr>
+          <p:spPr>
+            <a:xfrm>
+              <a:off x="6483571" y="1736906"/>
+              <a:ext cx="915636" cy="523220"/>
+            </a:xfrm>
+            <a:prstGeom prst="rect">
+              <a:avLst/>
+            </a:prstGeom>
+            <a:noFill/>
+          </p:spPr>
+          <p:txBody>
+            <a:bodyPr wrap="none" lIns="91440" tIns="45720" rIns="91440" bIns="45720">
+              <a:spAutoFit/>
+            </a:bodyPr>
+            <a:lstStyle/>
+            <a:p>
+              <a:pPr algn="ctr"/>
+              <a:r>
+                <a:rPr lang="zh-TW" altLang="en-US" sz="2800" b="1" spc="50" dirty="0">
+                  <a:ln w="0"/>
+                  <a:solidFill>
+                    <a:srgbClr val="0070C0"/>
+                  </a:solidFill>
+                  <a:effectLst>
+                    <a:outerShdw blurRad="50800" dist="38100" dir="2700000" algn="tl" rotWithShape="0">
+                      <a:prstClr val="black">
+                        <a:alpha val="40000"/>
+                      </a:prstClr>
+                    </a:outerShdw>
+                  </a:effectLst>
+                </a:rPr>
+                <a:t>物件</a:t>
+              </a:r>
+            </a:p>
+          </p:txBody>
+        </p:sp>
+        <p:sp>
+          <p:nvSpPr>
+            <p:cNvPr id="9" name="矩形 8">
+              <a:extLst>
+                <a:ext uri="{FF2B5EF4-FFF2-40B4-BE49-F238E27FC236}">
+                  <a16:creationId xmlns:a16="http://schemas.microsoft.com/office/drawing/2014/main" id="{F890EF2B-3AA8-4CDA-82B7-AFB68F9CFB05}"/>
+                </a:ext>
+              </a:extLst>
+            </p:cNvPr>
+            <p:cNvSpPr/>
+            <p:nvPr/>
+          </p:nvSpPr>
+          <p:spPr>
+            <a:xfrm>
+              <a:off x="9738601" y="950701"/>
+              <a:ext cx="915636" cy="523220"/>
+            </a:xfrm>
+            <a:prstGeom prst="rect">
+              <a:avLst/>
+            </a:prstGeom>
+            <a:noFill/>
+          </p:spPr>
+          <p:txBody>
+            <a:bodyPr wrap="none" lIns="91440" tIns="45720" rIns="91440" bIns="45720">
+              <a:spAutoFit/>
+            </a:bodyPr>
+            <a:lstStyle/>
+            <a:p>
+              <a:pPr algn="ctr"/>
+              <a:r>
+                <a:rPr lang="zh-TW" altLang="en-US" sz="2800" b="1" spc="50" dirty="0">
+                  <a:ln w="0"/>
+                  <a:solidFill>
+                    <a:srgbClr val="0070C0"/>
+                  </a:solidFill>
+                  <a:effectLst>
+                    <a:outerShdw blurRad="50800" dist="38100" dir="2700000" algn="tl" rotWithShape="0">
+                      <a:prstClr val="black">
+                        <a:alpha val="40000"/>
+                      </a:prstClr>
+                    </a:outerShdw>
+                  </a:effectLst>
+                </a:rPr>
+                <a:t>方法</a:t>
+              </a:r>
+            </a:p>
+          </p:txBody>
+        </p:sp>
+        <p:sp>
+          <p:nvSpPr>
+            <p:cNvPr id="10" name="矩形 9">
+              <a:extLst>
+                <a:ext uri="{FF2B5EF4-FFF2-40B4-BE49-F238E27FC236}">
+                  <a16:creationId xmlns:a16="http://schemas.microsoft.com/office/drawing/2014/main" id="{943F3EC5-0D23-4041-95D5-4CD8F26FB2F1}"/>
+                </a:ext>
+              </a:extLst>
+            </p:cNvPr>
+            <p:cNvSpPr/>
+            <p:nvPr/>
+          </p:nvSpPr>
+          <p:spPr>
+            <a:xfrm>
+              <a:off x="9738601" y="1736906"/>
+              <a:ext cx="915636" cy="523220"/>
+            </a:xfrm>
+            <a:prstGeom prst="rect">
+              <a:avLst/>
+            </a:prstGeom>
+            <a:noFill/>
+          </p:spPr>
+          <p:txBody>
+            <a:bodyPr wrap="none" lIns="91440" tIns="45720" rIns="91440" bIns="45720">
+              <a:spAutoFit/>
+            </a:bodyPr>
+            <a:lstStyle/>
+            <a:p>
+              <a:pPr algn="ctr"/>
+              <a:r>
+                <a:rPr lang="zh-TW" altLang="en-US" sz="2800" b="1" spc="50" dirty="0">
+                  <a:ln w="0"/>
+                  <a:solidFill>
+                    <a:srgbClr val="0070C0"/>
+                  </a:solidFill>
+                  <a:effectLst>
+                    <a:outerShdw blurRad="50800" dist="38100" dir="2700000" algn="tl" rotWithShape="0">
+                      <a:prstClr val="black">
+                        <a:alpha val="40000"/>
+                      </a:prstClr>
+                    </a:outerShdw>
+                  </a:effectLst>
+                </a:rPr>
+                <a:t>方法</a:t>
+              </a:r>
+            </a:p>
+          </p:txBody>
+        </p:sp>
+        <p:sp>
+          <p:nvSpPr>
+            <p:cNvPr id="11" name="矩形 10">
+              <a:extLst>
+                <a:ext uri="{FF2B5EF4-FFF2-40B4-BE49-F238E27FC236}">
+                  <a16:creationId xmlns:a16="http://schemas.microsoft.com/office/drawing/2014/main" id="{530B4305-9779-42C3-B7EB-5FDECAF82CA6}"/>
+                </a:ext>
+              </a:extLst>
+            </p:cNvPr>
+            <p:cNvSpPr/>
+            <p:nvPr/>
+          </p:nvSpPr>
+          <p:spPr>
+            <a:xfrm>
+              <a:off x="9738601" y="2523111"/>
+              <a:ext cx="915636" cy="523220"/>
+            </a:xfrm>
+            <a:prstGeom prst="rect">
+              <a:avLst/>
+            </a:prstGeom>
+            <a:noFill/>
+          </p:spPr>
+          <p:txBody>
+            <a:bodyPr wrap="none" lIns="91440" tIns="45720" rIns="91440" bIns="45720">
+              <a:spAutoFit/>
+            </a:bodyPr>
+            <a:lstStyle/>
+            <a:p>
+              <a:pPr algn="ctr"/>
+              <a:r>
+                <a:rPr lang="zh-TW" altLang="en-US" sz="2800" b="1" spc="50" dirty="0">
+                  <a:ln w="0"/>
+                  <a:solidFill>
+                    <a:srgbClr val="0070C0"/>
+                  </a:solidFill>
+                  <a:effectLst>
+                    <a:outerShdw blurRad="50800" dist="38100" dir="2700000" algn="tl" rotWithShape="0">
+                      <a:prstClr val="black">
+                        <a:alpha val="40000"/>
+                      </a:prstClr>
+                    </a:outerShdw>
+                  </a:effectLst>
+                </a:rPr>
+                <a:t>方法</a:t>
+              </a:r>
+            </a:p>
+          </p:txBody>
+        </p:sp>
+      </p:grpSp>
     </p:spTree>
     <p:extLst>
       <p:ext uri="{BB962C8B-B14F-4D97-AF65-F5344CB8AC3E}">
@@ -12607,7 +15851,7 @@
         </p:blipFill>
         <p:spPr>
           <a:xfrm>
-            <a:off x="632604" y="994417"/>
+            <a:off x="609601" y="1338916"/>
             <a:ext cx="4258573" cy="2298463"/>
           </a:xfrm>
           <a:prstGeom prst="rect">
@@ -13911,10 +17155,10 @@
       </p:grpSpPr>
       <p:sp>
         <p:nvSpPr>
-          <p:cNvPr id="5" name="內容版面配置區 4">
+          <p:cNvPr id="28" name="Text Placeholder 1">
             <a:extLst>
               <a:ext uri="{FF2B5EF4-FFF2-40B4-BE49-F238E27FC236}">
-                <a16:creationId xmlns:a16="http://schemas.microsoft.com/office/drawing/2014/main" id="{221EB24A-D4DB-45CB-BE7B-D41F7B493329}"/>
+                <a16:creationId xmlns:a16="http://schemas.microsoft.com/office/drawing/2014/main" id="{01BE97AB-03A6-4BDD-9894-7482434E4EEC}"/>
               </a:ext>
             </a:extLst>
           </p:cNvPr>
@@ -13922,63 +17166,63 @@
             <a:spLocks noGrp="1"/>
           </p:cNvSpPr>
           <p:nvPr>
-            <p:ph idx="1"/>
+            <p:ph type="body" sz="quarter" idx="13"/>
           </p:nvPr>
         </p:nvSpPr>
-        <p:spPr/>
+        <p:spPr>
+          <a:xfrm>
+            <a:off x="609600" y="1371600"/>
+            <a:ext cx="5325374" cy="4835297"/>
+          </a:xfrm>
+        </p:spPr>
         <p:txBody>
           <a:bodyPr/>
           <a:lstStyle/>
           <a:p>
             <a:r>
               <a:rPr lang="zh-TW" altLang="en-US" dirty="0"/>
-              <a:t>題目</a:t>
+              <a:t>分享想要透過自動化解決的題目及緣由，並設想輸入及輸出。</a:t>
+            </a:r>
+            <a:endParaRPr lang="en-US" altLang="zh-TW" dirty="0"/>
+          </a:p>
+          <a:p>
+            <a:r>
+              <a:rPr lang="zh-TW" altLang="en-US" dirty="0"/>
+              <a:t>每位</a:t>
             </a:r>
             <a:r>
               <a:rPr lang="en-US" altLang="zh-TW" dirty="0"/>
-              <a:t>:</a:t>
-            </a:r>
-          </a:p>
-          <a:p>
+              <a:t>5</a:t>
+            </a:r>
             <a:r>
               <a:rPr lang="zh-TW" altLang="en-US" dirty="0"/>
-              <a:t>緣由</a:t>
-            </a:r>
-            <a:r>
-              <a:rPr lang="en-US" altLang="zh-TW" dirty="0"/>
-              <a:t>:</a:t>
-            </a:r>
+              <a:t>分鐘時間並利用板書搭配口頭說明。</a:t>
+            </a:r>
+            <a:endParaRPr lang="en-US" altLang="zh-TW" dirty="0"/>
           </a:p>
           <a:p>
             <a:r>
               <a:rPr lang="zh-TW" altLang="en-US" dirty="0"/>
-              <a:t>輸入</a:t>
-            </a:r>
-            <a:r>
-              <a:rPr lang="en-US" altLang="zh-TW" dirty="0"/>
-              <a:t>:</a:t>
-            </a:r>
+              <a:t>講師針對題目給出建議及方向，並評估難易度。</a:t>
+            </a:r>
+            <a:endParaRPr lang="en-US" altLang="zh-TW" dirty="0"/>
           </a:p>
           <a:p>
             <a:r>
               <a:rPr lang="zh-TW" altLang="en-US" dirty="0"/>
-              <a:t>輸出</a:t>
-            </a:r>
-            <a:r>
-              <a:rPr lang="en-US" altLang="zh-TW" dirty="0"/>
-              <a:t>:</a:t>
-            </a:r>
+              <a:t>分享供所有學員參考，不一定為最後專題題目。</a:t>
+            </a:r>
+            <a:endParaRPr lang="en-US" altLang="zh-TW" dirty="0"/>
           </a:p>
           <a:p>
             <a:r>
               <a:rPr lang="zh-TW" altLang="en-US" dirty="0"/>
-              <a:t>該如何分解題目</a:t>
-            </a:r>
-            <a:r>
-              <a:rPr lang="en-US" altLang="zh-TW" dirty="0"/>
-              <a:t>:</a:t>
-            </a:r>
-            <a:endParaRPr lang="zh-TW" altLang="en-US" dirty="0"/>
+              <a:t>待第四周所有學員完成分享之後，再從當中選擇最後的專題題目。</a:t>
+            </a:r>
+            <a:endParaRPr lang="en-US" altLang="zh-TW" dirty="0"/>
+          </a:p>
+          <a:p>
+            <a:endParaRPr lang="en-US" dirty="0"/>
           </a:p>
         </p:txBody>
       </p:sp>
@@ -13998,9 +17242,16 @@
             <p:ph type="title"/>
           </p:nvPr>
         </p:nvSpPr>
-        <p:spPr/>
+        <p:spPr>
+          <a:xfrm>
+            <a:off x="609601" y="148581"/>
+            <a:ext cx="10972799" cy="845837"/>
+          </a:xfrm>
+        </p:spPr>
         <p:txBody>
-          <a:bodyPr/>
+          <a:bodyPr anchor="t">
+            <a:normAutofit/>
+          </a:bodyPr>
           <a:lstStyle/>
           <a:p>
             <a:r>
@@ -14010,10 +17261,36 @@
           </a:p>
         </p:txBody>
       </p:sp>
+      <p:graphicFrame>
+        <p:nvGraphicFramePr>
+          <p:cNvPr id="29" name="內容版面配置區 4">
+            <a:extLst>
+              <a:ext uri="{FF2B5EF4-FFF2-40B4-BE49-F238E27FC236}">
+                <a16:creationId xmlns:a16="http://schemas.microsoft.com/office/drawing/2014/main" id="{65ACC48E-E28C-4D76-B91A-BBF5321702F0}"/>
+              </a:ext>
+            </a:extLst>
+          </p:cNvPr>
+          <p:cNvGraphicFramePr>
+            <a:graphicFrameLocks noGrp="1"/>
+          </p:cNvGraphicFramePr>
+          <p:nvPr>
+            <p:ph type="media" sz="quarter" idx="14"/>
+          </p:nvPr>
+        </p:nvGraphicFramePr>
+        <p:xfrm>
+          <a:off x="6674253" y="994418"/>
+          <a:ext cx="4816132" cy="4660616"/>
+        </p:xfrm>
+        <a:graphic>
+          <a:graphicData uri="http://schemas.openxmlformats.org/drawingml/2006/diagram">
+            <dgm:relIds xmlns:dgm="http://schemas.openxmlformats.org/drawingml/2006/diagram" xmlns:r="http://schemas.openxmlformats.org/officeDocument/2006/relationships" r:dm="rId2" r:lo="rId3" r:qs="rId4" r:cs="rId5"/>
+          </a:graphicData>
+        </a:graphic>
+      </p:graphicFrame>
     </p:spTree>
     <p:extLst>
       <p:ext uri="{BB962C8B-B14F-4D97-AF65-F5344CB8AC3E}">
-        <p14:creationId xmlns:p14="http://schemas.microsoft.com/office/powerpoint/2010/main" val="1266417032"/>
+        <p14:creationId xmlns:p14="http://schemas.microsoft.com/office/powerpoint/2010/main" val="4276155350"/>
       </p:ext>
     </p:extLst>
   </p:cSld>

--- a/上課教材/Week4.pptx
+++ b/上課教材/Week4.pptx
@@ -2034,7 +2034,7 @@
   <pc:docChgLst>
     <pc:chgData name="Ming-Chih Lin" userId="f1ba3ba5-e185-404b-b55f-b2be90e2bdc2" providerId="ADAL" clId="{091A637F-8D54-4E54-83E0-103516D33677}"/>
     <pc:docChg chg="undo custSel addSld delSld modSld sldOrd">
-      <pc:chgData name="Ming-Chih Lin" userId="f1ba3ba5-e185-404b-b55f-b2be90e2bdc2" providerId="ADAL" clId="{091A637F-8D54-4E54-83E0-103516D33677}" dt="2020-06-11T21:22:33.944" v="3524" actId="1076"/>
+      <pc:chgData name="Ming-Chih Lin" userId="f1ba3ba5-e185-404b-b55f-b2be90e2bdc2" providerId="ADAL" clId="{091A637F-8D54-4E54-83E0-103516D33677}" dt="2020-06-15T06:49:15.855" v="3562" actId="20577"/>
       <pc:docMkLst>
         <pc:docMk/>
       </pc:docMkLst>
@@ -2607,13 +2607,13 @@
         </pc:spChg>
       </pc:sldChg>
       <pc:sldChg chg="modSp new mod">
-        <pc:chgData name="Ming-Chih Lin" userId="f1ba3ba5-e185-404b-b55f-b2be90e2bdc2" providerId="ADAL" clId="{091A637F-8D54-4E54-83E0-103516D33677}" dt="2020-06-08T08:11:52.981" v="798"/>
+        <pc:chgData name="Ming-Chih Lin" userId="f1ba3ba5-e185-404b-b55f-b2be90e2bdc2" providerId="ADAL" clId="{091A637F-8D54-4E54-83E0-103516D33677}" dt="2020-06-15T06:48:34.956" v="3559" actId="5793"/>
         <pc:sldMkLst>
           <pc:docMk/>
           <pc:sldMk cId="2201880862" sldId="332"/>
         </pc:sldMkLst>
         <pc:spChg chg="mod">
-          <ac:chgData name="Ming-Chih Lin" userId="f1ba3ba5-e185-404b-b55f-b2be90e2bdc2" providerId="ADAL" clId="{091A637F-8D54-4E54-83E0-103516D33677}" dt="2020-06-08T08:11:52.981" v="798"/>
+          <ac:chgData name="Ming-Chih Lin" userId="f1ba3ba5-e185-404b-b55f-b2be90e2bdc2" providerId="ADAL" clId="{091A637F-8D54-4E54-83E0-103516D33677}" dt="2020-06-15T06:48:34.956" v="3559" actId="5793"/>
           <ac:spMkLst>
             <pc:docMk/>
             <pc:sldMk cId="2201880862" sldId="332"/>
@@ -2920,7 +2920,7 @@
         </pc:spChg>
       </pc:sldChg>
       <pc:sldChg chg="modSp new mod">
-        <pc:chgData name="Ming-Chih Lin" userId="f1ba3ba5-e185-404b-b55f-b2be90e2bdc2" providerId="ADAL" clId="{091A637F-8D54-4E54-83E0-103516D33677}" dt="2020-06-11T02:03:45.462" v="3391" actId="20577"/>
+        <pc:chgData name="Ming-Chih Lin" userId="f1ba3ba5-e185-404b-b55f-b2be90e2bdc2" providerId="ADAL" clId="{091A637F-8D54-4E54-83E0-103516D33677}" dt="2020-06-15T06:49:15.855" v="3562" actId="20577"/>
         <pc:sldMkLst>
           <pc:docMk/>
           <pc:sldMk cId="1922805159" sldId="339"/>
@@ -2934,7 +2934,7 @@
           </ac:spMkLst>
         </pc:spChg>
         <pc:spChg chg="mod">
-          <ac:chgData name="Ming-Chih Lin" userId="f1ba3ba5-e185-404b-b55f-b2be90e2bdc2" providerId="ADAL" clId="{091A637F-8D54-4E54-83E0-103516D33677}" dt="2020-06-11T01:45:21.365" v="2699" actId="20577"/>
+          <ac:chgData name="Ming-Chih Lin" userId="f1ba3ba5-e185-404b-b55f-b2be90e2bdc2" providerId="ADAL" clId="{091A637F-8D54-4E54-83E0-103516D33677}" dt="2020-06-15T06:49:15.855" v="3562" actId="20577"/>
           <ac:spMkLst>
             <pc:docMk/>
             <pc:sldMk cId="1922805159" sldId="339"/>
@@ -9675,7 +9675,7 @@
           <a:p>
             <a:fld id="{FA1E3ED8-1BB4-4BD2-AB23-359644E070C2}" type="datetimeFigureOut">
               <a:rPr lang="zh-TW" altLang="en-US" smtClean="0"/>
-              <a:t>2020/6/12</a:t>
+              <a:t>2020/6/15</a:t>
             </a:fld>
             <a:endParaRPr lang="zh-TW" altLang="en-US"/>
           </a:p>
@@ -17628,24 +17628,28 @@
             </a:r>
           </a:p>
           <a:p>
+            <a:pPr lvl="1"/>
             <a:r>
               <a:rPr lang="en-US" altLang="zh-TW" dirty="0"/>
               <a:t>Pass by reference vs value</a:t>
             </a:r>
           </a:p>
           <a:p>
+            <a:pPr lvl="1"/>
             <a:r>
               <a:rPr lang="en-US" altLang="zh-TW" dirty="0"/>
               <a:t>Function Arguments</a:t>
             </a:r>
           </a:p>
           <a:p>
+            <a:pPr lvl="1"/>
             <a:r>
               <a:rPr lang="en-US" altLang="zh-TW" dirty="0"/>
               <a:t>Keyword arguments</a:t>
             </a:r>
           </a:p>
           <a:p>
+            <a:pPr lvl="1"/>
             <a:r>
               <a:rPr lang="en-US" altLang="zh-TW" dirty="0"/>
               <a:t>Default arguments</a:t>
@@ -17666,53 +17670,34 @@
           <a:p>
             <a:r>
               <a:rPr lang="en-US" altLang="zh-TW" dirty="0"/>
-              <a:t>The </a:t>
-            </a:r>
-            <a:r>
-              <a:rPr lang="en-US" altLang="zh-TW" i="1" dirty="0"/>
-              <a:t>import</a:t>
-            </a:r>
-            <a:r>
-              <a:rPr lang="en-US" altLang="zh-TW" dirty="0"/>
-              <a:t> Statement</a:t>
-            </a:r>
-          </a:p>
-          <a:p>
-            <a:r>
-              <a:rPr lang="en-US" altLang="zh-TW" dirty="0"/>
-              <a:t>The </a:t>
-            </a:r>
-            <a:r>
-              <a:rPr lang="en-US" altLang="zh-TW" dirty="0" err="1"/>
-              <a:t>dir</a:t>
-            </a:r>
-            <a:r>
-              <a:rPr lang="en-US" altLang="zh-TW" dirty="0"/>
-              <a:t>( ) Function</a:t>
-            </a:r>
-          </a:p>
-          <a:p>
-            <a:r>
-              <a:rPr lang="en-US" altLang="zh-TW" dirty="0"/>
               <a:t>Overview of OOP Terminology</a:t>
             </a:r>
           </a:p>
           <a:p>
+            <a:pPr lvl="1"/>
             <a:r>
               <a:rPr lang="en-US" altLang="zh-TW" dirty="0"/>
               <a:t>Creating Classes</a:t>
             </a:r>
           </a:p>
           <a:p>
+            <a:pPr lvl="1"/>
             <a:r>
               <a:rPr lang="en-US" altLang="zh-TW" dirty="0"/>
               <a:t>Creating Instance Objects</a:t>
             </a:r>
           </a:p>
           <a:p>
+            <a:pPr lvl="1"/>
             <a:r>
               <a:rPr lang="en-US" altLang="zh-TW" dirty="0"/>
               <a:t>Accessing Attributes</a:t>
+            </a:r>
+          </a:p>
+          <a:p>
+            <a:r>
+              <a:rPr lang="en-US" altLang="zh-TW" dirty="0"/>
+              <a:t>Try… Exception…</a:t>
             </a:r>
           </a:p>
           <a:p>
@@ -18112,8 +18097,8 @@
               <a:t>模組 </a:t>
             </a:r>
             <a:r>
-              <a:rPr lang="en-US" altLang="zh-TW" dirty="0"/>
-              <a:t>Module</a:t>
+              <a:rPr lang="en-US" altLang="zh-TW"/>
+              <a:t>(module)</a:t>
             </a:r>
             <a:endParaRPr lang="zh-TW" altLang="en-US" dirty="0"/>
           </a:p>

--- a/上課教材/Week4.pptx
+++ b/上課教材/Week4.pptx
@@ -145,1104 +145,6 @@
 <file path=ppt/changesInfos/changesInfo1.xml><?xml version="1.0" encoding="utf-8"?>
 <pc:chgInfo xmlns:a="http://schemas.openxmlformats.org/drawingml/2006/main" xmlns:r="http://schemas.openxmlformats.org/officeDocument/2006/relationships" xmlns:ac="http://schemas.microsoft.com/office/drawing/2013/main/command" xmlns:pc="http://schemas.microsoft.com/office/powerpoint/2013/main/command">
   <pc:docChgLst>
-    <pc:chgData name="Ming-Chih Lin" userId="f1ba3ba5-e185-404b-b55f-b2be90e2bdc2" providerId="ADAL" clId="{794224D3-789D-47BB-A0D2-62C663EDB1CA}"/>
-    <pc:docChg chg="undo custSel addSld delSld modSld sldOrd">
-      <pc:chgData name="Ming-Chih Lin" userId="f1ba3ba5-e185-404b-b55f-b2be90e2bdc2" providerId="ADAL" clId="{794224D3-789D-47BB-A0D2-62C663EDB1CA}" dt="2020-06-01T23:07:13.749" v="1270"/>
-      <pc:docMkLst>
-        <pc:docMk/>
-      </pc:docMkLst>
-      <pc:sldChg chg="delSp">
-        <pc:chgData name="Ming-Chih Lin" userId="f1ba3ba5-e185-404b-b55f-b2be90e2bdc2" providerId="ADAL" clId="{794224D3-789D-47BB-A0D2-62C663EDB1CA}" dt="2020-05-31T07:03:43.577" v="122" actId="478"/>
-        <pc:sldMkLst>
-          <pc:docMk/>
-          <pc:sldMk cId="1322618313" sldId="258"/>
-        </pc:sldMkLst>
-        <pc:spChg chg="del">
-          <ac:chgData name="Ming-Chih Lin" userId="f1ba3ba5-e185-404b-b55f-b2be90e2bdc2" providerId="ADAL" clId="{794224D3-789D-47BB-A0D2-62C663EDB1CA}" dt="2020-05-31T07:03:43.577" v="122" actId="478"/>
-          <ac:spMkLst>
-            <pc:docMk/>
-            <pc:sldMk cId="1322618313" sldId="258"/>
-            <ac:spMk id="2" creationId="{FBCCA4FE-507B-4375-9CA7-1938A59E84E8}"/>
-          </ac:spMkLst>
-        </pc:spChg>
-        <pc:spChg chg="del">
-          <ac:chgData name="Ming-Chih Lin" userId="f1ba3ba5-e185-404b-b55f-b2be90e2bdc2" providerId="ADAL" clId="{794224D3-789D-47BB-A0D2-62C663EDB1CA}" dt="2020-05-31T07:03:42.118" v="121" actId="478"/>
-          <ac:spMkLst>
-            <pc:docMk/>
-            <pc:sldMk cId="1322618313" sldId="258"/>
-            <ac:spMk id="3" creationId="{59C9E95B-21C0-4D96-ABCD-CD1BC19F6A0D}"/>
-          </ac:spMkLst>
-        </pc:spChg>
-      </pc:sldChg>
-      <pc:sldChg chg="add del">
-        <pc:chgData name="Ming-Chih Lin" userId="f1ba3ba5-e185-404b-b55f-b2be90e2bdc2" providerId="ADAL" clId="{794224D3-789D-47BB-A0D2-62C663EDB1CA}" dt="2020-05-31T07:37:25.174" v="598" actId="2696"/>
-        <pc:sldMkLst>
-          <pc:docMk/>
-          <pc:sldMk cId="929909194" sldId="259"/>
-        </pc:sldMkLst>
-      </pc:sldChg>
-      <pc:sldChg chg="add del">
-        <pc:chgData name="Ming-Chih Lin" userId="f1ba3ba5-e185-404b-b55f-b2be90e2bdc2" providerId="ADAL" clId="{794224D3-789D-47BB-A0D2-62C663EDB1CA}" dt="2020-05-31T07:37:23.395" v="597"/>
-        <pc:sldMkLst>
-          <pc:docMk/>
-          <pc:sldMk cId="1125878173" sldId="259"/>
-        </pc:sldMkLst>
-      </pc:sldChg>
-      <pc:sldChg chg="modSp mod ord">
-        <pc:chgData name="Ming-Chih Lin" userId="f1ba3ba5-e185-404b-b55f-b2be90e2bdc2" providerId="ADAL" clId="{794224D3-789D-47BB-A0D2-62C663EDB1CA}" dt="2020-05-31T07:08:12.333" v="191" actId="20577"/>
-        <pc:sldMkLst>
-          <pc:docMk/>
-          <pc:sldMk cId="1086438915" sldId="260"/>
-        </pc:sldMkLst>
-        <pc:spChg chg="mod">
-          <ac:chgData name="Ming-Chih Lin" userId="f1ba3ba5-e185-404b-b55f-b2be90e2bdc2" providerId="ADAL" clId="{794224D3-789D-47BB-A0D2-62C663EDB1CA}" dt="2020-05-31T07:08:12.333" v="191" actId="20577"/>
-          <ac:spMkLst>
-            <pc:docMk/>
-            <pc:sldMk cId="1086438915" sldId="260"/>
-            <ac:spMk id="2" creationId="{5F3943C5-BE9F-4BF4-A111-F83F5931DA07}"/>
-          </ac:spMkLst>
-        </pc:spChg>
-        <pc:spChg chg="mod">
-          <ac:chgData name="Ming-Chih Lin" userId="f1ba3ba5-e185-404b-b55f-b2be90e2bdc2" providerId="ADAL" clId="{794224D3-789D-47BB-A0D2-62C663EDB1CA}" dt="2020-05-31T07:04:57.706" v="128"/>
-          <ac:spMkLst>
-            <pc:docMk/>
-            <pc:sldMk cId="1086438915" sldId="260"/>
-            <ac:spMk id="3" creationId="{CC22D15C-4B6A-4C30-9E72-7AA476A720D1}"/>
-          </ac:spMkLst>
-        </pc:spChg>
-      </pc:sldChg>
-      <pc:sldChg chg="modSp mod ord">
-        <pc:chgData name="Ming-Chih Lin" userId="f1ba3ba5-e185-404b-b55f-b2be90e2bdc2" providerId="ADAL" clId="{794224D3-789D-47BB-A0D2-62C663EDB1CA}" dt="2020-05-31T07:17:48.944" v="343" actId="207"/>
-        <pc:sldMkLst>
-          <pc:docMk/>
-          <pc:sldMk cId="3291901244" sldId="261"/>
-        </pc:sldMkLst>
-        <pc:spChg chg="mod">
-          <ac:chgData name="Ming-Chih Lin" userId="f1ba3ba5-e185-404b-b55f-b2be90e2bdc2" providerId="ADAL" clId="{794224D3-789D-47BB-A0D2-62C663EDB1CA}" dt="2020-05-31T07:17:48.944" v="343" actId="207"/>
-          <ac:spMkLst>
-            <pc:docMk/>
-            <pc:sldMk cId="3291901244" sldId="261"/>
-            <ac:spMk id="2" creationId="{5F3943C5-BE9F-4BF4-A111-F83F5931DA07}"/>
-          </ac:spMkLst>
-        </pc:spChg>
-        <pc:spChg chg="mod">
-          <ac:chgData name="Ming-Chih Lin" userId="f1ba3ba5-e185-404b-b55f-b2be90e2bdc2" providerId="ADAL" clId="{794224D3-789D-47BB-A0D2-62C663EDB1CA}" dt="2020-05-31T07:05:58.569" v="141"/>
-          <ac:spMkLst>
-            <pc:docMk/>
-            <pc:sldMk cId="3291901244" sldId="261"/>
-            <ac:spMk id="3" creationId="{CC22D15C-4B6A-4C30-9E72-7AA476A720D1}"/>
-          </ac:spMkLst>
-        </pc:spChg>
-      </pc:sldChg>
-      <pc:sldChg chg="addSp modSp mod">
-        <pc:chgData name="Ming-Chih Lin" userId="f1ba3ba5-e185-404b-b55f-b2be90e2bdc2" providerId="ADAL" clId="{794224D3-789D-47BB-A0D2-62C663EDB1CA}" dt="2020-06-01T07:55:22.247" v="942"/>
-        <pc:sldMkLst>
-          <pc:docMk/>
-          <pc:sldMk cId="947049355" sldId="262"/>
-        </pc:sldMkLst>
-        <pc:spChg chg="mod">
-          <ac:chgData name="Ming-Chih Lin" userId="f1ba3ba5-e185-404b-b55f-b2be90e2bdc2" providerId="ADAL" clId="{794224D3-789D-47BB-A0D2-62C663EDB1CA}" dt="2020-06-01T07:55:22.247" v="942"/>
-          <ac:spMkLst>
-            <pc:docMk/>
-            <pc:sldMk cId="947049355" sldId="262"/>
-            <ac:spMk id="2" creationId="{5F3943C5-BE9F-4BF4-A111-F83F5931DA07}"/>
-          </ac:spMkLst>
-        </pc:spChg>
-        <pc:spChg chg="mod">
-          <ac:chgData name="Ming-Chih Lin" userId="f1ba3ba5-e185-404b-b55f-b2be90e2bdc2" providerId="ADAL" clId="{794224D3-789D-47BB-A0D2-62C663EDB1CA}" dt="2020-06-01T07:46:53.801" v="866"/>
-          <ac:spMkLst>
-            <pc:docMk/>
-            <pc:sldMk cId="947049355" sldId="262"/>
-            <ac:spMk id="3" creationId="{CC22D15C-4B6A-4C30-9E72-7AA476A720D1}"/>
-          </ac:spMkLst>
-        </pc:spChg>
-        <pc:picChg chg="add mod">
-          <ac:chgData name="Ming-Chih Lin" userId="f1ba3ba5-e185-404b-b55f-b2be90e2bdc2" providerId="ADAL" clId="{794224D3-789D-47BB-A0D2-62C663EDB1CA}" dt="2020-06-01T07:51:45.239" v="908" actId="1076"/>
-          <ac:picMkLst>
-            <pc:docMk/>
-            <pc:sldMk cId="947049355" sldId="262"/>
-            <ac:picMk id="1026" creationId="{82A19D6C-0800-4130-A6B0-82F6069AFCE2}"/>
-          </ac:picMkLst>
-        </pc:picChg>
-      </pc:sldChg>
-      <pc:sldChg chg="addSp modSp add mod">
-        <pc:chgData name="Ming-Chih Lin" userId="f1ba3ba5-e185-404b-b55f-b2be90e2bdc2" providerId="ADAL" clId="{794224D3-789D-47BB-A0D2-62C663EDB1CA}" dt="2020-06-01T07:51:35.895" v="906" actId="1076"/>
-        <pc:sldMkLst>
-          <pc:docMk/>
-          <pc:sldMk cId="3427989766" sldId="263"/>
-        </pc:sldMkLst>
-        <pc:spChg chg="mod">
-          <ac:chgData name="Ming-Chih Lin" userId="f1ba3ba5-e185-404b-b55f-b2be90e2bdc2" providerId="ADAL" clId="{794224D3-789D-47BB-A0D2-62C663EDB1CA}" dt="2020-06-01T07:51:31.067" v="902" actId="14100"/>
-          <ac:spMkLst>
-            <pc:docMk/>
-            <pc:sldMk cId="3427989766" sldId="263"/>
-            <ac:spMk id="2" creationId="{5F3943C5-BE9F-4BF4-A111-F83F5931DA07}"/>
-          </ac:spMkLst>
-        </pc:spChg>
-        <pc:spChg chg="mod">
-          <ac:chgData name="Ming-Chih Lin" userId="f1ba3ba5-e185-404b-b55f-b2be90e2bdc2" providerId="ADAL" clId="{794224D3-789D-47BB-A0D2-62C663EDB1CA}" dt="2020-06-01T07:47:21.386" v="869"/>
-          <ac:spMkLst>
-            <pc:docMk/>
-            <pc:sldMk cId="3427989766" sldId="263"/>
-            <ac:spMk id="3" creationId="{CC22D15C-4B6A-4C30-9E72-7AA476A720D1}"/>
-          </ac:spMkLst>
-        </pc:spChg>
-        <pc:picChg chg="add mod">
-          <ac:chgData name="Ming-Chih Lin" userId="f1ba3ba5-e185-404b-b55f-b2be90e2bdc2" providerId="ADAL" clId="{794224D3-789D-47BB-A0D2-62C663EDB1CA}" dt="2020-06-01T07:51:35.895" v="906" actId="1076"/>
-          <ac:picMkLst>
-            <pc:docMk/>
-            <pc:sldMk cId="3427989766" sldId="263"/>
-            <ac:picMk id="4" creationId="{C871F6D6-27BE-4062-8369-3DD35A0A62B5}"/>
-          </ac:picMkLst>
-        </pc:picChg>
-      </pc:sldChg>
-      <pc:sldChg chg="modSp add del mod">
-        <pc:chgData name="Ming-Chih Lin" userId="f1ba3ba5-e185-404b-b55f-b2be90e2bdc2" providerId="ADAL" clId="{794224D3-789D-47BB-A0D2-62C663EDB1CA}" dt="2020-05-31T07:13:38.584" v="317" actId="2696"/>
-        <pc:sldMkLst>
-          <pc:docMk/>
-          <pc:sldMk cId="853696311" sldId="264"/>
-        </pc:sldMkLst>
-        <pc:spChg chg="mod">
-          <ac:chgData name="Ming-Chih Lin" userId="f1ba3ba5-e185-404b-b55f-b2be90e2bdc2" providerId="ADAL" clId="{794224D3-789D-47BB-A0D2-62C663EDB1CA}" dt="2020-05-31T07:10:54.940" v="217" actId="20577"/>
-          <ac:spMkLst>
-            <pc:docMk/>
-            <pc:sldMk cId="853696311" sldId="264"/>
-            <ac:spMk id="2" creationId="{5F3943C5-BE9F-4BF4-A111-F83F5931DA07}"/>
-          </ac:spMkLst>
-        </pc:spChg>
-        <pc:spChg chg="mod">
-          <ac:chgData name="Ming-Chih Lin" userId="f1ba3ba5-e185-404b-b55f-b2be90e2bdc2" providerId="ADAL" clId="{794224D3-789D-47BB-A0D2-62C663EDB1CA}" dt="2020-05-31T07:10:29.489" v="209"/>
-          <ac:spMkLst>
-            <pc:docMk/>
-            <pc:sldMk cId="853696311" sldId="264"/>
-            <ac:spMk id="3" creationId="{CC22D15C-4B6A-4C30-9E72-7AA476A720D1}"/>
-          </ac:spMkLst>
-        </pc:spChg>
-      </pc:sldChg>
-      <pc:sldChg chg="add">
-        <pc:chgData name="Ming-Chih Lin" userId="f1ba3ba5-e185-404b-b55f-b2be90e2bdc2" providerId="ADAL" clId="{794224D3-789D-47BB-A0D2-62C663EDB1CA}" dt="2020-05-31T07:13:42.130" v="318"/>
-        <pc:sldMkLst>
-          <pc:docMk/>
-          <pc:sldMk cId="2336614475" sldId="264"/>
-        </pc:sldMkLst>
-      </pc:sldChg>
-      <pc:sldChg chg="addSp delSp modSp add del mod">
-        <pc:chgData name="Ming-Chih Lin" userId="f1ba3ba5-e185-404b-b55f-b2be90e2bdc2" providerId="ADAL" clId="{794224D3-789D-47BB-A0D2-62C663EDB1CA}" dt="2020-05-31T07:03:28.767" v="119" actId="2696"/>
-        <pc:sldMkLst>
-          <pc:docMk/>
-          <pc:sldMk cId="3055042205" sldId="264"/>
-        </pc:sldMkLst>
-        <pc:spChg chg="mod">
-          <ac:chgData name="Ming-Chih Lin" userId="f1ba3ba5-e185-404b-b55f-b2be90e2bdc2" providerId="ADAL" clId="{794224D3-789D-47BB-A0D2-62C663EDB1CA}" dt="2020-05-31T07:02:41.012" v="100" actId="20577"/>
-          <ac:spMkLst>
-            <pc:docMk/>
-            <pc:sldMk cId="3055042205" sldId="264"/>
-            <ac:spMk id="3" creationId="{CC22D15C-4B6A-4C30-9E72-7AA476A720D1}"/>
-          </ac:spMkLst>
-        </pc:spChg>
-        <pc:spChg chg="add del mod">
-          <ac:chgData name="Ming-Chih Lin" userId="f1ba3ba5-e185-404b-b55f-b2be90e2bdc2" providerId="ADAL" clId="{794224D3-789D-47BB-A0D2-62C663EDB1CA}" dt="2020-05-31T07:02:53.153" v="102"/>
-          <ac:spMkLst>
-            <pc:docMk/>
-            <pc:sldMk cId="3055042205" sldId="264"/>
-            <ac:spMk id="4" creationId="{7FBF3722-DB83-4B11-AD36-8F84A93A7418}"/>
-          </ac:spMkLst>
-        </pc:spChg>
-      </pc:sldChg>
-      <pc:sldChg chg="modSp add del mod">
-        <pc:chgData name="Ming-Chih Lin" userId="f1ba3ba5-e185-404b-b55f-b2be90e2bdc2" providerId="ADAL" clId="{794224D3-789D-47BB-A0D2-62C663EDB1CA}" dt="2020-05-31T07:03:28.767" v="119" actId="2696"/>
-        <pc:sldMkLst>
-          <pc:docMk/>
-          <pc:sldMk cId="21128113" sldId="265"/>
-        </pc:sldMkLst>
-        <pc:spChg chg="mod">
-          <ac:chgData name="Ming-Chih Lin" userId="f1ba3ba5-e185-404b-b55f-b2be90e2bdc2" providerId="ADAL" clId="{794224D3-789D-47BB-A0D2-62C663EDB1CA}" dt="2020-05-31T07:02:59.889" v="118" actId="20577"/>
-          <ac:spMkLst>
-            <pc:docMk/>
-            <pc:sldMk cId="21128113" sldId="265"/>
-            <ac:spMk id="3" creationId="{CC22D15C-4B6A-4C30-9E72-7AA476A720D1}"/>
-          </ac:spMkLst>
-        </pc:spChg>
-      </pc:sldChg>
-      <pc:sldChg chg="addSp delSp modSp add mod ord chgLayout">
-        <pc:chgData name="Ming-Chih Lin" userId="f1ba3ba5-e185-404b-b55f-b2be90e2bdc2" providerId="ADAL" clId="{794224D3-789D-47BB-A0D2-62C663EDB1CA}" dt="2020-06-01T07:44:20.522" v="849"/>
-        <pc:sldMkLst>
-          <pc:docMk/>
-          <pc:sldMk cId="679909818" sldId="265"/>
-        </pc:sldMkLst>
-        <pc:spChg chg="del mod">
-          <ac:chgData name="Ming-Chih Lin" userId="f1ba3ba5-e185-404b-b55f-b2be90e2bdc2" providerId="ADAL" clId="{794224D3-789D-47BB-A0D2-62C663EDB1CA}" dt="2020-06-01T07:43:59.439" v="840" actId="478"/>
-          <ac:spMkLst>
-            <pc:docMk/>
-            <pc:sldMk cId="679909818" sldId="265"/>
-            <ac:spMk id="2" creationId="{5F3943C5-BE9F-4BF4-A111-F83F5931DA07}"/>
-          </ac:spMkLst>
-        </pc:spChg>
-        <pc:spChg chg="mod ord">
-          <ac:chgData name="Ming-Chih Lin" userId="f1ba3ba5-e185-404b-b55f-b2be90e2bdc2" providerId="ADAL" clId="{794224D3-789D-47BB-A0D2-62C663EDB1CA}" dt="2020-06-01T07:44:02.779" v="841" actId="700"/>
-          <ac:spMkLst>
-            <pc:docMk/>
-            <pc:sldMk cId="679909818" sldId="265"/>
-            <ac:spMk id="3" creationId="{CC22D15C-4B6A-4C30-9E72-7AA476A720D1}"/>
-          </ac:spMkLst>
-        </pc:spChg>
-        <pc:spChg chg="add mod ord">
-          <ac:chgData name="Ming-Chih Lin" userId="f1ba3ba5-e185-404b-b55f-b2be90e2bdc2" providerId="ADAL" clId="{794224D3-789D-47BB-A0D2-62C663EDB1CA}" dt="2020-06-01T07:44:03.928" v="842"/>
-          <ac:spMkLst>
-            <pc:docMk/>
-            <pc:sldMk cId="679909818" sldId="265"/>
-            <ac:spMk id="4" creationId="{27ED805F-CF52-4A12-B033-57768935D442}"/>
-          </ac:spMkLst>
-        </pc:spChg>
-      </pc:sldChg>
-      <pc:sldChg chg="add del">
-        <pc:chgData name="Ming-Chih Lin" userId="f1ba3ba5-e185-404b-b55f-b2be90e2bdc2" providerId="ADAL" clId="{794224D3-789D-47BB-A0D2-62C663EDB1CA}" dt="2020-05-31T07:37:23.395" v="597"/>
-        <pc:sldMkLst>
-          <pc:docMk/>
-          <pc:sldMk cId="475970963" sldId="266"/>
-        </pc:sldMkLst>
-      </pc:sldChg>
-      <pc:sldChg chg="addSp delSp modSp new add del mod modClrScheme chgLayout">
-        <pc:chgData name="Ming-Chih Lin" userId="f1ba3ba5-e185-404b-b55f-b2be90e2bdc2" providerId="ADAL" clId="{794224D3-789D-47BB-A0D2-62C663EDB1CA}" dt="2020-05-31T07:49:54.878" v="797" actId="20577"/>
-        <pc:sldMkLst>
-          <pc:docMk/>
-          <pc:sldMk cId="1717474662" sldId="266"/>
-        </pc:sldMkLst>
-        <pc:spChg chg="del mod ord">
-          <ac:chgData name="Ming-Chih Lin" userId="f1ba3ba5-e185-404b-b55f-b2be90e2bdc2" providerId="ADAL" clId="{794224D3-789D-47BB-A0D2-62C663EDB1CA}" dt="2020-05-31T07:04:05.012" v="124" actId="700"/>
-          <ac:spMkLst>
-            <pc:docMk/>
-            <pc:sldMk cId="1717474662" sldId="266"/>
-            <ac:spMk id="2" creationId="{AE0D5DDC-3A1A-48C3-97C2-A7FC00325D86}"/>
-          </ac:spMkLst>
-        </pc:spChg>
-        <pc:spChg chg="del">
-          <ac:chgData name="Ming-Chih Lin" userId="f1ba3ba5-e185-404b-b55f-b2be90e2bdc2" providerId="ADAL" clId="{794224D3-789D-47BB-A0D2-62C663EDB1CA}" dt="2020-05-31T07:04:05.012" v="124" actId="700"/>
-          <ac:spMkLst>
-            <pc:docMk/>
-            <pc:sldMk cId="1717474662" sldId="266"/>
-            <ac:spMk id="3" creationId="{2BEB0F40-D8C2-47D0-B3B4-AB57B9B59D0B}"/>
-          </ac:spMkLst>
-        </pc:spChg>
-        <pc:spChg chg="add mod ord">
-          <ac:chgData name="Ming-Chih Lin" userId="f1ba3ba5-e185-404b-b55f-b2be90e2bdc2" providerId="ADAL" clId="{794224D3-789D-47BB-A0D2-62C663EDB1CA}" dt="2020-05-31T07:25:51.165" v="377"/>
-          <ac:spMkLst>
-            <pc:docMk/>
-            <pc:sldMk cId="1717474662" sldId="266"/>
-            <ac:spMk id="4" creationId="{51DDD2F0-454F-4B62-8FC8-8171F6BA137D}"/>
-          </ac:spMkLst>
-        </pc:spChg>
-        <pc:spChg chg="add mod ord">
-          <ac:chgData name="Ming-Chih Lin" userId="f1ba3ba5-e185-404b-b55f-b2be90e2bdc2" providerId="ADAL" clId="{794224D3-789D-47BB-A0D2-62C663EDB1CA}" dt="2020-05-31T07:49:54.878" v="797" actId="20577"/>
-          <ac:spMkLst>
-            <pc:docMk/>
-            <pc:sldMk cId="1717474662" sldId="266"/>
-            <ac:spMk id="5" creationId="{8B0B0ED6-7A59-42E9-B7BB-95B85355591E}"/>
-          </ac:spMkLst>
-        </pc:spChg>
-      </pc:sldChg>
-      <pc:sldChg chg="modSp add del mod ord">
-        <pc:chgData name="Ming-Chih Lin" userId="f1ba3ba5-e185-404b-b55f-b2be90e2bdc2" providerId="ADAL" clId="{794224D3-789D-47BB-A0D2-62C663EDB1CA}" dt="2020-06-01T07:57:41.256" v="976"/>
-        <pc:sldMkLst>
-          <pc:docMk/>
-          <pc:sldMk cId="751778690" sldId="267"/>
-        </pc:sldMkLst>
-        <pc:spChg chg="mod">
-          <ac:chgData name="Ming-Chih Lin" userId="f1ba3ba5-e185-404b-b55f-b2be90e2bdc2" providerId="ADAL" clId="{794224D3-789D-47BB-A0D2-62C663EDB1CA}" dt="2020-06-01T07:57:41.256" v="976"/>
-          <ac:spMkLst>
-            <pc:docMk/>
-            <pc:sldMk cId="751778690" sldId="267"/>
-            <ac:spMk id="4" creationId="{51DDD2F0-454F-4B62-8FC8-8171F6BA137D}"/>
-          </ac:spMkLst>
-        </pc:spChg>
-        <pc:spChg chg="mod">
-          <ac:chgData name="Ming-Chih Lin" userId="f1ba3ba5-e185-404b-b55f-b2be90e2bdc2" providerId="ADAL" clId="{794224D3-789D-47BB-A0D2-62C663EDB1CA}" dt="2020-05-31T07:31:42.155" v="576" actId="20577"/>
-          <ac:spMkLst>
-            <pc:docMk/>
-            <pc:sldMk cId="751778690" sldId="267"/>
-            <ac:spMk id="5" creationId="{8B0B0ED6-7A59-42E9-B7BB-95B85355591E}"/>
-          </ac:spMkLst>
-        </pc:spChg>
-      </pc:sldChg>
-      <pc:sldChg chg="add del">
-        <pc:chgData name="Ming-Chih Lin" userId="f1ba3ba5-e185-404b-b55f-b2be90e2bdc2" providerId="ADAL" clId="{794224D3-789D-47BB-A0D2-62C663EDB1CA}" dt="2020-05-31T07:37:23.395" v="597"/>
-        <pc:sldMkLst>
-          <pc:docMk/>
-          <pc:sldMk cId="4253109212" sldId="267"/>
-        </pc:sldMkLst>
-      </pc:sldChg>
-      <pc:sldChg chg="add del">
-        <pc:chgData name="Ming-Chih Lin" userId="f1ba3ba5-e185-404b-b55f-b2be90e2bdc2" providerId="ADAL" clId="{794224D3-789D-47BB-A0D2-62C663EDB1CA}" dt="2020-05-31T07:05:27.331" v="134"/>
-        <pc:sldMkLst>
-          <pc:docMk/>
-          <pc:sldMk cId="1178533642" sldId="268"/>
-        </pc:sldMkLst>
-      </pc:sldChg>
-      <pc:sldChg chg="modSp add mod">
-        <pc:chgData name="Ming-Chih Lin" userId="f1ba3ba5-e185-404b-b55f-b2be90e2bdc2" providerId="ADAL" clId="{794224D3-789D-47BB-A0D2-62C663EDB1CA}" dt="2020-05-31T07:17:54.807" v="344" actId="207"/>
-        <pc:sldMkLst>
-          <pc:docMk/>
-          <pc:sldMk cId="1480965944" sldId="268"/>
-        </pc:sldMkLst>
-        <pc:spChg chg="mod">
-          <ac:chgData name="Ming-Chih Lin" userId="f1ba3ba5-e185-404b-b55f-b2be90e2bdc2" providerId="ADAL" clId="{794224D3-789D-47BB-A0D2-62C663EDB1CA}" dt="2020-05-31T07:17:54.807" v="344" actId="207"/>
-          <ac:spMkLst>
-            <pc:docMk/>
-            <pc:sldMk cId="1480965944" sldId="268"/>
-            <ac:spMk id="2" creationId="{5F3943C5-BE9F-4BF4-A111-F83F5931DA07}"/>
-          </ac:spMkLst>
-        </pc:spChg>
-        <pc:spChg chg="mod">
-          <ac:chgData name="Ming-Chih Lin" userId="f1ba3ba5-e185-404b-b55f-b2be90e2bdc2" providerId="ADAL" clId="{794224D3-789D-47BB-A0D2-62C663EDB1CA}" dt="2020-05-31T07:06:42.921" v="153"/>
-          <ac:spMkLst>
-            <pc:docMk/>
-            <pc:sldMk cId="1480965944" sldId="268"/>
-            <ac:spMk id="3" creationId="{CC22D15C-4B6A-4C30-9E72-7AA476A720D1}"/>
-          </ac:spMkLst>
-        </pc:spChg>
-      </pc:sldChg>
-      <pc:sldChg chg="modSp add mod">
-        <pc:chgData name="Ming-Chih Lin" userId="f1ba3ba5-e185-404b-b55f-b2be90e2bdc2" providerId="ADAL" clId="{794224D3-789D-47BB-A0D2-62C663EDB1CA}" dt="2020-05-31T07:14:25.101" v="325" actId="20577"/>
-        <pc:sldMkLst>
-          <pc:docMk/>
-          <pc:sldMk cId="2517686270" sldId="269"/>
-        </pc:sldMkLst>
-        <pc:spChg chg="mod">
-          <ac:chgData name="Ming-Chih Lin" userId="f1ba3ba5-e185-404b-b55f-b2be90e2bdc2" providerId="ADAL" clId="{794224D3-789D-47BB-A0D2-62C663EDB1CA}" dt="2020-05-31T07:14:25.101" v="325" actId="20577"/>
-          <ac:spMkLst>
-            <pc:docMk/>
-            <pc:sldMk cId="2517686270" sldId="269"/>
-            <ac:spMk id="2" creationId="{5F3943C5-BE9F-4BF4-A111-F83F5931DA07}"/>
-          </ac:spMkLst>
-        </pc:spChg>
-        <pc:spChg chg="mod">
-          <ac:chgData name="Ming-Chih Lin" userId="f1ba3ba5-e185-404b-b55f-b2be90e2bdc2" providerId="ADAL" clId="{794224D3-789D-47BB-A0D2-62C663EDB1CA}" dt="2020-05-31T07:14:18.625" v="321"/>
-          <ac:spMkLst>
-            <pc:docMk/>
-            <pc:sldMk cId="2517686270" sldId="269"/>
-            <ac:spMk id="3" creationId="{CC22D15C-4B6A-4C30-9E72-7AA476A720D1}"/>
-          </ac:spMkLst>
-        </pc:spChg>
-      </pc:sldChg>
-      <pc:sldChg chg="addSp delSp modSp new mod modClrScheme chgLayout">
-        <pc:chgData name="Ming-Chih Lin" userId="f1ba3ba5-e185-404b-b55f-b2be90e2bdc2" providerId="ADAL" clId="{794224D3-789D-47BB-A0D2-62C663EDB1CA}" dt="2020-05-31T07:09:25.040" v="200" actId="20577"/>
-        <pc:sldMkLst>
-          <pc:docMk/>
-          <pc:sldMk cId="1580561292" sldId="270"/>
-        </pc:sldMkLst>
-        <pc:spChg chg="del mod ord">
-          <ac:chgData name="Ming-Chih Lin" userId="f1ba3ba5-e185-404b-b55f-b2be90e2bdc2" providerId="ADAL" clId="{794224D3-789D-47BB-A0D2-62C663EDB1CA}" dt="2020-05-31T07:09:04.591" v="193" actId="700"/>
-          <ac:spMkLst>
-            <pc:docMk/>
-            <pc:sldMk cId="1580561292" sldId="270"/>
-            <ac:spMk id="2" creationId="{832D08FC-FCC4-4697-B9F4-2DD4854CA90F}"/>
-          </ac:spMkLst>
-        </pc:spChg>
-        <pc:spChg chg="del">
-          <ac:chgData name="Ming-Chih Lin" userId="f1ba3ba5-e185-404b-b55f-b2be90e2bdc2" providerId="ADAL" clId="{794224D3-789D-47BB-A0D2-62C663EDB1CA}" dt="2020-05-31T07:09:04.591" v="193" actId="700"/>
-          <ac:spMkLst>
-            <pc:docMk/>
-            <pc:sldMk cId="1580561292" sldId="270"/>
-            <ac:spMk id="3" creationId="{58497190-F866-4E05-8D89-9D9393FE8A6B}"/>
-          </ac:spMkLst>
-        </pc:spChg>
-        <pc:spChg chg="add mod ord">
-          <ac:chgData name="Ming-Chih Lin" userId="f1ba3ba5-e185-404b-b55f-b2be90e2bdc2" providerId="ADAL" clId="{794224D3-789D-47BB-A0D2-62C663EDB1CA}" dt="2020-05-31T07:09:09.957" v="196"/>
-          <ac:spMkLst>
-            <pc:docMk/>
-            <pc:sldMk cId="1580561292" sldId="270"/>
-            <ac:spMk id="4" creationId="{B68597D7-C456-4791-B517-661F12F17554}"/>
-          </ac:spMkLst>
-        </pc:spChg>
-        <pc:spChg chg="add mod ord">
-          <ac:chgData name="Ming-Chih Lin" userId="f1ba3ba5-e185-404b-b55f-b2be90e2bdc2" providerId="ADAL" clId="{794224D3-789D-47BB-A0D2-62C663EDB1CA}" dt="2020-05-31T07:09:25.040" v="200" actId="20577"/>
-          <ac:spMkLst>
-            <pc:docMk/>
-            <pc:sldMk cId="1580561292" sldId="270"/>
-            <ac:spMk id="5" creationId="{A7067C16-CC57-469B-A123-29FCF8BAE70C}"/>
-          </ac:spMkLst>
-        </pc:spChg>
-      </pc:sldChg>
-      <pc:sldChg chg="add">
-        <pc:chgData name="Ming-Chih Lin" userId="f1ba3ba5-e185-404b-b55f-b2be90e2bdc2" providerId="ADAL" clId="{794224D3-789D-47BB-A0D2-62C663EDB1CA}" dt="2020-05-31T07:13:42.130" v="318"/>
-        <pc:sldMkLst>
-          <pc:docMk/>
-          <pc:sldMk cId="2984231426" sldId="271"/>
-        </pc:sldMkLst>
-      </pc:sldChg>
-      <pc:sldChg chg="modSp new del mod">
-        <pc:chgData name="Ming-Chih Lin" userId="f1ba3ba5-e185-404b-b55f-b2be90e2bdc2" providerId="ADAL" clId="{794224D3-789D-47BB-A0D2-62C663EDB1CA}" dt="2020-05-31T07:13:38.584" v="317" actId="2696"/>
-        <pc:sldMkLst>
-          <pc:docMk/>
-          <pc:sldMk cId="3023771603" sldId="271"/>
-        </pc:sldMkLst>
-        <pc:spChg chg="mod">
-          <ac:chgData name="Ming-Chih Lin" userId="f1ba3ba5-e185-404b-b55f-b2be90e2bdc2" providerId="ADAL" clId="{794224D3-789D-47BB-A0D2-62C663EDB1CA}" dt="2020-05-31T07:09:51.889" v="206" actId="5793"/>
-          <ac:spMkLst>
-            <pc:docMk/>
-            <pc:sldMk cId="3023771603" sldId="271"/>
-            <ac:spMk id="2" creationId="{CF66E4CC-5385-41E9-B512-1FCF9A63B10A}"/>
-          </ac:spMkLst>
-        </pc:spChg>
-        <pc:spChg chg="mod">
-          <ac:chgData name="Ming-Chih Lin" userId="f1ba3ba5-e185-404b-b55f-b2be90e2bdc2" providerId="ADAL" clId="{794224D3-789D-47BB-A0D2-62C663EDB1CA}" dt="2020-05-31T07:09:47.974" v="204"/>
-          <ac:spMkLst>
-            <pc:docMk/>
-            <pc:sldMk cId="3023771603" sldId="271"/>
-            <ac:spMk id="3" creationId="{B9BA11D4-5DA0-4953-8C53-1201BD9A3419}"/>
-          </ac:spMkLst>
-        </pc:spChg>
-      </pc:sldChg>
-      <pc:sldChg chg="modSp add mod">
-        <pc:chgData name="Ming-Chih Lin" userId="f1ba3ba5-e185-404b-b55f-b2be90e2bdc2" providerId="ADAL" clId="{794224D3-789D-47BB-A0D2-62C663EDB1CA}" dt="2020-05-31T07:12:02.212" v="299" actId="20577"/>
-        <pc:sldMkLst>
-          <pc:docMk/>
-          <pc:sldMk cId="2189207556" sldId="272"/>
-        </pc:sldMkLst>
-        <pc:spChg chg="mod">
-          <ac:chgData name="Ming-Chih Lin" userId="f1ba3ba5-e185-404b-b55f-b2be90e2bdc2" providerId="ADAL" clId="{794224D3-789D-47BB-A0D2-62C663EDB1CA}" dt="2020-05-31T07:12:02.212" v="299" actId="20577"/>
-          <ac:spMkLst>
-            <pc:docMk/>
-            <pc:sldMk cId="2189207556" sldId="272"/>
-            <ac:spMk id="4" creationId="{2FA54F75-D405-4104-B6BB-EA44A23A109A}"/>
-          </ac:spMkLst>
-        </pc:spChg>
-      </pc:sldChg>
-      <pc:sldChg chg="modSp add mod">
-        <pc:chgData name="Ming-Chih Lin" userId="f1ba3ba5-e185-404b-b55f-b2be90e2bdc2" providerId="ADAL" clId="{794224D3-789D-47BB-A0D2-62C663EDB1CA}" dt="2020-05-31T07:16:16.580" v="331" actId="5793"/>
-        <pc:sldMkLst>
-          <pc:docMk/>
-          <pc:sldMk cId="2963169921" sldId="273"/>
-        </pc:sldMkLst>
-        <pc:spChg chg="mod">
-          <ac:chgData name="Ming-Chih Lin" userId="f1ba3ba5-e185-404b-b55f-b2be90e2bdc2" providerId="ADAL" clId="{794224D3-789D-47BB-A0D2-62C663EDB1CA}" dt="2020-05-31T07:16:16.580" v="331" actId="5793"/>
-          <ac:spMkLst>
-            <pc:docMk/>
-            <pc:sldMk cId="2963169921" sldId="273"/>
-            <ac:spMk id="2" creationId="{5F3943C5-BE9F-4BF4-A111-F83F5931DA07}"/>
-          </ac:spMkLst>
-        </pc:spChg>
-        <pc:spChg chg="mod">
-          <ac:chgData name="Ming-Chih Lin" userId="f1ba3ba5-e185-404b-b55f-b2be90e2bdc2" providerId="ADAL" clId="{794224D3-789D-47BB-A0D2-62C663EDB1CA}" dt="2020-05-31T07:16:01.039" v="328"/>
-          <ac:spMkLst>
-            <pc:docMk/>
-            <pc:sldMk cId="2963169921" sldId="273"/>
-            <ac:spMk id="3" creationId="{CC22D15C-4B6A-4C30-9E72-7AA476A720D1}"/>
-          </ac:spMkLst>
-        </pc:spChg>
-      </pc:sldChg>
-      <pc:sldChg chg="add del">
-        <pc:chgData name="Ming-Chih Lin" userId="f1ba3ba5-e185-404b-b55f-b2be90e2bdc2" providerId="ADAL" clId="{794224D3-789D-47BB-A0D2-62C663EDB1CA}" dt="2020-05-31T07:12:14.324" v="303"/>
-        <pc:sldMkLst>
-          <pc:docMk/>
-          <pc:sldMk cId="3766197102" sldId="273"/>
-        </pc:sldMkLst>
-      </pc:sldChg>
-      <pc:sldChg chg="add del">
-        <pc:chgData name="Ming-Chih Lin" userId="f1ba3ba5-e185-404b-b55f-b2be90e2bdc2" providerId="ADAL" clId="{794224D3-789D-47BB-A0D2-62C663EDB1CA}" dt="2020-05-31T07:12:14.066" v="302"/>
-        <pc:sldMkLst>
-          <pc:docMk/>
-          <pc:sldMk cId="2337234796" sldId="274"/>
-        </pc:sldMkLst>
-      </pc:sldChg>
-      <pc:sldChg chg="add del">
-        <pc:chgData name="Ming-Chih Lin" userId="f1ba3ba5-e185-404b-b55f-b2be90e2bdc2" providerId="ADAL" clId="{794224D3-789D-47BB-A0D2-62C663EDB1CA}" dt="2020-05-31T07:34:31.330" v="593" actId="47"/>
-        <pc:sldMkLst>
-          <pc:docMk/>
-          <pc:sldMk cId="4234616907" sldId="274"/>
-        </pc:sldMkLst>
-      </pc:sldChg>
-      <pc:sldChg chg="modSp add mod ord">
-        <pc:chgData name="Ming-Chih Lin" userId="f1ba3ba5-e185-404b-b55f-b2be90e2bdc2" providerId="ADAL" clId="{794224D3-789D-47BB-A0D2-62C663EDB1CA}" dt="2020-05-31T07:17:59.630" v="345" actId="207"/>
-        <pc:sldMkLst>
-          <pc:docMk/>
-          <pc:sldMk cId="252655923" sldId="275"/>
-        </pc:sldMkLst>
-        <pc:spChg chg="mod">
-          <ac:chgData name="Ming-Chih Lin" userId="f1ba3ba5-e185-404b-b55f-b2be90e2bdc2" providerId="ADAL" clId="{794224D3-789D-47BB-A0D2-62C663EDB1CA}" dt="2020-05-31T07:17:59.630" v="345" actId="207"/>
-          <ac:spMkLst>
-            <pc:docMk/>
-            <pc:sldMk cId="252655923" sldId="275"/>
-            <ac:spMk id="2" creationId="{5F3943C5-BE9F-4BF4-A111-F83F5931DA07}"/>
-          </ac:spMkLst>
-        </pc:spChg>
-        <pc:spChg chg="mod">
-          <ac:chgData name="Ming-Chih Lin" userId="f1ba3ba5-e185-404b-b55f-b2be90e2bdc2" providerId="ADAL" clId="{794224D3-789D-47BB-A0D2-62C663EDB1CA}" dt="2020-05-31T07:12:33.653" v="311"/>
-          <ac:spMkLst>
-            <pc:docMk/>
-            <pc:sldMk cId="252655923" sldId="275"/>
-            <ac:spMk id="3" creationId="{CC22D15C-4B6A-4C30-9E72-7AA476A720D1}"/>
-          </ac:spMkLst>
-        </pc:spChg>
-      </pc:sldChg>
-      <pc:sldChg chg="add del">
-        <pc:chgData name="Ming-Chih Lin" userId="f1ba3ba5-e185-404b-b55f-b2be90e2bdc2" providerId="ADAL" clId="{794224D3-789D-47BB-A0D2-62C663EDB1CA}" dt="2020-05-31T07:34:31.330" v="593" actId="47"/>
-        <pc:sldMkLst>
-          <pc:docMk/>
-          <pc:sldMk cId="3026838377" sldId="276"/>
-        </pc:sldMkLst>
-      </pc:sldChg>
-      <pc:sldChg chg="add del">
-        <pc:chgData name="Ming-Chih Lin" userId="f1ba3ba5-e185-404b-b55f-b2be90e2bdc2" providerId="ADAL" clId="{794224D3-789D-47BB-A0D2-62C663EDB1CA}" dt="2020-05-31T07:34:31.330" v="593" actId="47"/>
-        <pc:sldMkLst>
-          <pc:docMk/>
-          <pc:sldMk cId="1683860319" sldId="277"/>
-        </pc:sldMkLst>
-      </pc:sldChg>
-      <pc:sldChg chg="add del">
-        <pc:chgData name="Ming-Chih Lin" userId="f1ba3ba5-e185-404b-b55f-b2be90e2bdc2" providerId="ADAL" clId="{794224D3-789D-47BB-A0D2-62C663EDB1CA}" dt="2020-05-31T07:34:31.330" v="593" actId="47"/>
-        <pc:sldMkLst>
-          <pc:docMk/>
-          <pc:sldMk cId="1033793258" sldId="278"/>
-        </pc:sldMkLst>
-      </pc:sldChg>
-      <pc:sldChg chg="modSp new del mod">
-        <pc:chgData name="Ming-Chih Lin" userId="f1ba3ba5-e185-404b-b55f-b2be90e2bdc2" providerId="ADAL" clId="{794224D3-789D-47BB-A0D2-62C663EDB1CA}" dt="2020-05-31T07:43:16.808" v="694" actId="47"/>
-        <pc:sldMkLst>
-          <pc:docMk/>
-          <pc:sldMk cId="1085316097" sldId="279"/>
-        </pc:sldMkLst>
-        <pc:spChg chg="mod">
-          <ac:chgData name="Ming-Chih Lin" userId="f1ba3ba5-e185-404b-b55f-b2be90e2bdc2" providerId="ADAL" clId="{794224D3-789D-47BB-A0D2-62C663EDB1CA}" dt="2020-05-31T07:19:33.222" v="359" actId="20577"/>
-          <ac:spMkLst>
-            <pc:docMk/>
-            <pc:sldMk cId="1085316097" sldId="279"/>
-            <ac:spMk id="2" creationId="{2E29C453-15B9-4E40-99ED-2E64169A78E3}"/>
-          </ac:spMkLst>
-        </pc:spChg>
-        <pc:spChg chg="mod">
-          <ac:chgData name="Ming-Chih Lin" userId="f1ba3ba5-e185-404b-b55f-b2be90e2bdc2" providerId="ADAL" clId="{794224D3-789D-47BB-A0D2-62C663EDB1CA}" dt="2020-05-31T07:18:58.230" v="350"/>
-          <ac:spMkLst>
-            <pc:docMk/>
-            <pc:sldMk cId="1085316097" sldId="279"/>
-            <ac:spMk id="3" creationId="{F0FF7A3E-5548-44AE-B3D4-441902BDF1E4}"/>
-          </ac:spMkLst>
-        </pc:spChg>
-      </pc:sldChg>
-      <pc:sldChg chg="new del">
-        <pc:chgData name="Ming-Chih Lin" userId="f1ba3ba5-e185-404b-b55f-b2be90e2bdc2" providerId="ADAL" clId="{794224D3-789D-47BB-A0D2-62C663EDB1CA}" dt="2020-05-31T07:34:33.986" v="594" actId="47"/>
-        <pc:sldMkLst>
-          <pc:docMk/>
-          <pc:sldMk cId="1950221314" sldId="280"/>
-        </pc:sldMkLst>
-      </pc:sldChg>
-      <pc:sldChg chg="addSp modSp new mod">
-        <pc:chgData name="Ming-Chih Lin" userId="f1ba3ba5-e185-404b-b55f-b2be90e2bdc2" providerId="ADAL" clId="{794224D3-789D-47BB-A0D2-62C663EDB1CA}" dt="2020-06-01T08:00:24.402" v="1007"/>
-        <pc:sldMkLst>
-          <pc:docMk/>
-          <pc:sldMk cId="666544265" sldId="281"/>
-        </pc:sldMkLst>
-        <pc:spChg chg="mod">
-          <ac:chgData name="Ming-Chih Lin" userId="f1ba3ba5-e185-404b-b55f-b2be90e2bdc2" providerId="ADAL" clId="{794224D3-789D-47BB-A0D2-62C663EDB1CA}" dt="2020-06-01T08:00:24.402" v="1007"/>
-          <ac:spMkLst>
-            <pc:docMk/>
-            <pc:sldMk cId="666544265" sldId="281"/>
-            <ac:spMk id="2" creationId="{6EDA7C28-6504-464B-80E9-F7235148F841}"/>
-          </ac:spMkLst>
-        </pc:spChg>
-        <pc:spChg chg="mod">
-          <ac:chgData name="Ming-Chih Lin" userId="f1ba3ba5-e185-404b-b55f-b2be90e2bdc2" providerId="ADAL" clId="{794224D3-789D-47BB-A0D2-62C663EDB1CA}" dt="2020-06-01T08:00:21.544" v="1001" actId="20577"/>
-          <ac:spMkLst>
-            <pc:docMk/>
-            <pc:sldMk cId="666544265" sldId="281"/>
-            <ac:spMk id="3" creationId="{14276987-1FE8-4CBE-9CB2-2A5C69C5D627}"/>
-          </ac:spMkLst>
-        </pc:spChg>
-        <pc:picChg chg="add mod">
-          <ac:chgData name="Ming-Chih Lin" userId="f1ba3ba5-e185-404b-b55f-b2be90e2bdc2" providerId="ADAL" clId="{794224D3-789D-47BB-A0D2-62C663EDB1CA}" dt="2020-06-01T08:00:12.612" v="1000" actId="14100"/>
-          <ac:picMkLst>
-            <pc:docMk/>
-            <pc:sldMk cId="666544265" sldId="281"/>
-            <ac:picMk id="4" creationId="{B50902C2-2892-480E-8C48-2CA4CCE66524}"/>
-          </ac:picMkLst>
-        </pc:picChg>
-      </pc:sldChg>
-      <pc:sldChg chg="modSp new mod">
-        <pc:chgData name="Ming-Chih Lin" userId="f1ba3ba5-e185-404b-b55f-b2be90e2bdc2" providerId="ADAL" clId="{794224D3-789D-47BB-A0D2-62C663EDB1CA}" dt="2020-06-01T23:07:13.749" v="1270"/>
-        <pc:sldMkLst>
-          <pc:docMk/>
-          <pc:sldMk cId="3344907558" sldId="282"/>
-        </pc:sldMkLst>
-        <pc:spChg chg="mod">
-          <ac:chgData name="Ming-Chih Lin" userId="f1ba3ba5-e185-404b-b55f-b2be90e2bdc2" providerId="ADAL" clId="{794224D3-789D-47BB-A0D2-62C663EDB1CA}" dt="2020-06-01T23:07:13.749" v="1270"/>
-          <ac:spMkLst>
-            <pc:docMk/>
-            <pc:sldMk cId="3344907558" sldId="282"/>
-            <ac:spMk id="2" creationId="{A7C2D190-D47F-4A50-A76B-32331DEAE02D}"/>
-          </ac:spMkLst>
-        </pc:spChg>
-        <pc:spChg chg="mod">
-          <ac:chgData name="Ming-Chih Lin" userId="f1ba3ba5-e185-404b-b55f-b2be90e2bdc2" providerId="ADAL" clId="{794224D3-789D-47BB-A0D2-62C663EDB1CA}" dt="2020-05-31T07:21:34.308" v="372"/>
-          <ac:spMkLst>
-            <pc:docMk/>
-            <pc:sldMk cId="3344907558" sldId="282"/>
-            <ac:spMk id="3" creationId="{4B98CB43-2487-40FE-B18F-82313D1F9A77}"/>
-          </ac:spMkLst>
-        </pc:spChg>
-      </pc:sldChg>
-      <pc:sldChg chg="add del">
-        <pc:chgData name="Ming-Chih Lin" userId="f1ba3ba5-e185-404b-b55f-b2be90e2bdc2" providerId="ADAL" clId="{794224D3-789D-47BB-A0D2-62C663EDB1CA}" dt="2020-05-31T07:37:23.395" v="597"/>
-        <pc:sldMkLst>
-          <pc:docMk/>
-          <pc:sldMk cId="1992929127" sldId="283"/>
-        </pc:sldMkLst>
-      </pc:sldChg>
-      <pc:sldChg chg="modSp new add del mod">
-        <pc:chgData name="Ming-Chih Lin" userId="f1ba3ba5-e185-404b-b55f-b2be90e2bdc2" providerId="ADAL" clId="{794224D3-789D-47BB-A0D2-62C663EDB1CA}" dt="2020-05-31T07:37:25.174" v="598" actId="2696"/>
-        <pc:sldMkLst>
-          <pc:docMk/>
-          <pc:sldMk cId="4282441724" sldId="283"/>
-        </pc:sldMkLst>
-        <pc:spChg chg="mod">
-          <ac:chgData name="Ming-Chih Lin" userId="f1ba3ba5-e185-404b-b55f-b2be90e2bdc2" providerId="ADAL" clId="{794224D3-789D-47BB-A0D2-62C663EDB1CA}" dt="2020-05-31T07:28:07.862" v="394" actId="20577"/>
-          <ac:spMkLst>
-            <pc:docMk/>
-            <pc:sldMk cId="4282441724" sldId="283"/>
-            <ac:spMk id="2" creationId="{02A1E2E6-DFB6-4C76-973C-7FC0AA967CCF}"/>
-          </ac:spMkLst>
-        </pc:spChg>
-        <pc:spChg chg="mod">
-          <ac:chgData name="Ming-Chih Lin" userId="f1ba3ba5-e185-404b-b55f-b2be90e2bdc2" providerId="ADAL" clId="{794224D3-789D-47BB-A0D2-62C663EDB1CA}" dt="2020-05-31T07:28:05.885" v="393"/>
-          <ac:spMkLst>
-            <pc:docMk/>
-            <pc:sldMk cId="4282441724" sldId="283"/>
-            <ac:spMk id="3" creationId="{E1706A94-9322-4DB7-B41B-7F7FDDB0AC02}"/>
-          </ac:spMkLst>
-        </pc:spChg>
-      </pc:sldChg>
-      <pc:sldChg chg="addSp modSp add mod">
-        <pc:chgData name="Ming-Chih Lin" userId="f1ba3ba5-e185-404b-b55f-b2be90e2bdc2" providerId="ADAL" clId="{794224D3-789D-47BB-A0D2-62C663EDB1CA}" dt="2020-06-01T07:52:43.534" v="919" actId="1076"/>
-        <pc:sldMkLst>
-          <pc:docMk/>
-          <pc:sldMk cId="2651586421" sldId="284"/>
-        </pc:sldMkLst>
-        <pc:spChg chg="mod">
-          <ac:chgData name="Ming-Chih Lin" userId="f1ba3ba5-e185-404b-b55f-b2be90e2bdc2" providerId="ADAL" clId="{794224D3-789D-47BB-A0D2-62C663EDB1CA}" dt="2020-06-01T07:52:04.093" v="911" actId="20577"/>
-          <ac:spMkLst>
-            <pc:docMk/>
-            <pc:sldMk cId="2651586421" sldId="284"/>
-            <ac:spMk id="2" creationId="{5F3943C5-BE9F-4BF4-A111-F83F5931DA07}"/>
-          </ac:spMkLst>
-        </pc:spChg>
-        <pc:spChg chg="mod">
-          <ac:chgData name="Ming-Chih Lin" userId="f1ba3ba5-e185-404b-b55f-b2be90e2bdc2" providerId="ADAL" clId="{794224D3-789D-47BB-A0D2-62C663EDB1CA}" dt="2020-05-31T07:30:46.059" v="519" actId="20577"/>
-          <ac:spMkLst>
-            <pc:docMk/>
-            <pc:sldMk cId="2651586421" sldId="284"/>
-            <ac:spMk id="3" creationId="{CC22D15C-4B6A-4C30-9E72-7AA476A720D1}"/>
-          </ac:spMkLst>
-        </pc:spChg>
-        <pc:picChg chg="add mod">
-          <ac:chgData name="Ming-Chih Lin" userId="f1ba3ba5-e185-404b-b55f-b2be90e2bdc2" providerId="ADAL" clId="{794224D3-789D-47BB-A0D2-62C663EDB1CA}" dt="2020-06-01T07:52:43.534" v="919" actId="1076"/>
-          <ac:picMkLst>
-            <pc:docMk/>
-            <pc:sldMk cId="2651586421" sldId="284"/>
-            <ac:picMk id="4" creationId="{D5D4B023-4CA5-4555-A90F-87E1A9E2DBDB}"/>
-          </ac:picMkLst>
-        </pc:picChg>
-      </pc:sldChg>
-      <pc:sldChg chg="addSp modSp new mod">
-        <pc:chgData name="Ming-Chih Lin" userId="f1ba3ba5-e185-404b-b55f-b2be90e2bdc2" providerId="ADAL" clId="{794224D3-789D-47BB-A0D2-62C663EDB1CA}" dt="2020-06-01T07:54:49.432" v="931" actId="14100"/>
-        <pc:sldMkLst>
-          <pc:docMk/>
-          <pc:sldMk cId="3195449515" sldId="285"/>
-        </pc:sldMkLst>
-        <pc:spChg chg="mod">
-          <ac:chgData name="Ming-Chih Lin" userId="f1ba3ba5-e185-404b-b55f-b2be90e2bdc2" providerId="ADAL" clId="{794224D3-789D-47BB-A0D2-62C663EDB1CA}" dt="2020-06-01T07:54:49.432" v="931" actId="14100"/>
-          <ac:spMkLst>
-            <pc:docMk/>
-            <pc:sldMk cId="3195449515" sldId="285"/>
-            <ac:spMk id="2" creationId="{2FEECCDF-359C-4756-942E-0B27A9C3AE42}"/>
-          </ac:spMkLst>
-        </pc:spChg>
-        <pc:spChg chg="mod">
-          <ac:chgData name="Ming-Chih Lin" userId="f1ba3ba5-e185-404b-b55f-b2be90e2bdc2" providerId="ADAL" clId="{794224D3-789D-47BB-A0D2-62C663EDB1CA}" dt="2020-05-31T07:30:08.391" v="480" actId="20577"/>
-          <ac:spMkLst>
-            <pc:docMk/>
-            <pc:sldMk cId="3195449515" sldId="285"/>
-            <ac:spMk id="3" creationId="{80AC94B3-D669-4FE4-814E-F60AE2CE6E69}"/>
-          </ac:spMkLst>
-        </pc:spChg>
-        <pc:picChg chg="add mod">
-          <ac:chgData name="Ming-Chih Lin" userId="f1ba3ba5-e185-404b-b55f-b2be90e2bdc2" providerId="ADAL" clId="{794224D3-789D-47BB-A0D2-62C663EDB1CA}" dt="2020-06-01T07:54:46.313" v="930" actId="1076"/>
-          <ac:picMkLst>
-            <pc:docMk/>
-            <pc:sldMk cId="3195449515" sldId="285"/>
-            <ac:picMk id="4" creationId="{CB731608-086F-45D0-9B0F-B575F6326DBE}"/>
-          </ac:picMkLst>
-        </pc:picChg>
-      </pc:sldChg>
-      <pc:sldChg chg="modSp new add del mod">
-        <pc:chgData name="Ming-Chih Lin" userId="f1ba3ba5-e185-404b-b55f-b2be90e2bdc2" providerId="ADAL" clId="{794224D3-789D-47BB-A0D2-62C663EDB1CA}" dt="2020-05-31T07:37:25.174" v="598" actId="2696"/>
-        <pc:sldMkLst>
-          <pc:docMk/>
-          <pc:sldMk cId="1489283586" sldId="286"/>
-        </pc:sldMkLst>
-        <pc:spChg chg="mod">
-          <ac:chgData name="Ming-Chih Lin" userId="f1ba3ba5-e185-404b-b55f-b2be90e2bdc2" providerId="ADAL" clId="{794224D3-789D-47BB-A0D2-62C663EDB1CA}" dt="2020-05-31T07:31:27.496" v="565"/>
-          <ac:spMkLst>
-            <pc:docMk/>
-            <pc:sldMk cId="1489283586" sldId="286"/>
-            <ac:spMk id="3" creationId="{F9CBD9A1-D6C6-4802-A546-4850BDBE39C1}"/>
-          </ac:spMkLst>
-        </pc:spChg>
-      </pc:sldChg>
-      <pc:sldChg chg="add del">
-        <pc:chgData name="Ming-Chih Lin" userId="f1ba3ba5-e185-404b-b55f-b2be90e2bdc2" providerId="ADAL" clId="{794224D3-789D-47BB-A0D2-62C663EDB1CA}" dt="2020-05-31T07:37:23.395" v="597"/>
-        <pc:sldMkLst>
-          <pc:docMk/>
-          <pc:sldMk cId="2559555116" sldId="286"/>
-        </pc:sldMkLst>
-      </pc:sldChg>
-      <pc:sldChg chg="addSp delSp modSp new add del mod modClrScheme chgLayout">
-        <pc:chgData name="Ming-Chih Lin" userId="f1ba3ba5-e185-404b-b55f-b2be90e2bdc2" providerId="ADAL" clId="{794224D3-789D-47BB-A0D2-62C663EDB1CA}" dt="2020-05-31T07:37:35.653" v="599" actId="2696"/>
-        <pc:sldMkLst>
-          <pc:docMk/>
-          <pc:sldMk cId="1439738458" sldId="287"/>
-        </pc:sldMkLst>
-        <pc:spChg chg="del">
-          <ac:chgData name="Ming-Chih Lin" userId="f1ba3ba5-e185-404b-b55f-b2be90e2bdc2" providerId="ADAL" clId="{794224D3-789D-47BB-A0D2-62C663EDB1CA}" dt="2020-05-31T07:32:39.695" v="578" actId="700"/>
-          <ac:spMkLst>
-            <pc:docMk/>
-            <pc:sldMk cId="1439738458" sldId="287"/>
-            <ac:spMk id="2" creationId="{5D871499-CF0E-485D-BBD5-499449DEC70C}"/>
-          </ac:spMkLst>
-        </pc:spChg>
-        <pc:spChg chg="del">
-          <ac:chgData name="Ming-Chih Lin" userId="f1ba3ba5-e185-404b-b55f-b2be90e2bdc2" providerId="ADAL" clId="{794224D3-789D-47BB-A0D2-62C663EDB1CA}" dt="2020-05-31T07:32:39.695" v="578" actId="700"/>
-          <ac:spMkLst>
-            <pc:docMk/>
-            <pc:sldMk cId="1439738458" sldId="287"/>
-            <ac:spMk id="3" creationId="{513AC28C-C19B-4F53-9437-10D9E59988DD}"/>
-          </ac:spMkLst>
-        </pc:spChg>
-        <pc:spChg chg="add del mod ord">
-          <ac:chgData name="Ming-Chih Lin" userId="f1ba3ba5-e185-404b-b55f-b2be90e2bdc2" providerId="ADAL" clId="{794224D3-789D-47BB-A0D2-62C663EDB1CA}" dt="2020-05-31T07:32:43.120" v="579" actId="700"/>
-          <ac:spMkLst>
-            <pc:docMk/>
-            <pc:sldMk cId="1439738458" sldId="287"/>
-            <ac:spMk id="4" creationId="{74433EF5-6AEE-49BA-8AA0-7A637F91576E}"/>
-          </ac:spMkLst>
-        </pc:spChg>
-        <pc:spChg chg="add mod ord">
-          <ac:chgData name="Ming-Chih Lin" userId="f1ba3ba5-e185-404b-b55f-b2be90e2bdc2" providerId="ADAL" clId="{794224D3-789D-47BB-A0D2-62C663EDB1CA}" dt="2020-05-31T07:32:55.848" v="583"/>
-          <ac:spMkLst>
-            <pc:docMk/>
-            <pc:sldMk cId="1439738458" sldId="287"/>
-            <ac:spMk id="5" creationId="{175DFBF9-F290-4C69-9CB9-3C90AC949AA8}"/>
-          </ac:spMkLst>
-        </pc:spChg>
-        <pc:spChg chg="add mod ord">
-          <ac:chgData name="Ming-Chih Lin" userId="f1ba3ba5-e185-404b-b55f-b2be90e2bdc2" providerId="ADAL" clId="{794224D3-789D-47BB-A0D2-62C663EDB1CA}" dt="2020-05-31T07:33:11.796" v="588" actId="207"/>
-          <ac:spMkLst>
-            <pc:docMk/>
-            <pc:sldMk cId="1439738458" sldId="287"/>
-            <ac:spMk id="6" creationId="{69EEF7C9-AC49-4A83-81D4-B576673CF2D3}"/>
-          </ac:spMkLst>
-        </pc:spChg>
-      </pc:sldChg>
-      <pc:sldChg chg="add">
-        <pc:chgData name="Ming-Chih Lin" userId="f1ba3ba5-e185-404b-b55f-b2be90e2bdc2" providerId="ADAL" clId="{794224D3-789D-47BB-A0D2-62C663EDB1CA}" dt="2020-05-31T07:37:39.450" v="600"/>
-        <pc:sldMkLst>
-          <pc:docMk/>
-          <pc:sldMk cId="2068811213" sldId="287"/>
-        </pc:sldMkLst>
-      </pc:sldChg>
-      <pc:sldChg chg="add del">
-        <pc:chgData name="Ming-Chih Lin" userId="f1ba3ba5-e185-404b-b55f-b2be90e2bdc2" providerId="ADAL" clId="{794224D3-789D-47BB-A0D2-62C663EDB1CA}" dt="2020-05-31T07:37:23.395" v="597"/>
-        <pc:sldMkLst>
-          <pc:docMk/>
-          <pc:sldMk cId="3370046481" sldId="287"/>
-        </pc:sldMkLst>
-      </pc:sldChg>
-      <pc:sldChg chg="addSp delSp modSp new mod modClrScheme chgLayout">
-        <pc:chgData name="Ming-Chih Lin" userId="f1ba3ba5-e185-404b-b55f-b2be90e2bdc2" providerId="ADAL" clId="{794224D3-789D-47BB-A0D2-62C663EDB1CA}" dt="2020-06-01T08:04:32.622" v="1263" actId="700"/>
-        <pc:sldMkLst>
-          <pc:docMk/>
-          <pc:sldMk cId="2773999239" sldId="288"/>
-        </pc:sldMkLst>
-        <pc:spChg chg="add mod ord">
-          <ac:chgData name="Ming-Chih Lin" userId="f1ba3ba5-e185-404b-b55f-b2be90e2bdc2" providerId="ADAL" clId="{794224D3-789D-47BB-A0D2-62C663EDB1CA}" dt="2020-06-01T08:04:32.622" v="1263" actId="700"/>
-          <ac:spMkLst>
-            <pc:docMk/>
-            <pc:sldMk cId="2773999239" sldId="288"/>
-            <ac:spMk id="2" creationId="{9AB95A1D-731F-4754-8CC5-5B2A6DACC14C}"/>
-          </ac:spMkLst>
-        </pc:spChg>
-        <pc:spChg chg="del">
-          <ac:chgData name="Ming-Chih Lin" userId="f1ba3ba5-e185-404b-b55f-b2be90e2bdc2" providerId="ADAL" clId="{794224D3-789D-47BB-A0D2-62C663EDB1CA}" dt="2020-05-31T07:39:09.479" v="602" actId="700"/>
-          <ac:spMkLst>
-            <pc:docMk/>
-            <pc:sldMk cId="2773999239" sldId="288"/>
-            <ac:spMk id="2" creationId="{EF1E43BE-8379-4A2F-927F-5F6B071A2544}"/>
-          </ac:spMkLst>
-        </pc:spChg>
-        <pc:spChg chg="del">
-          <ac:chgData name="Ming-Chih Lin" userId="f1ba3ba5-e185-404b-b55f-b2be90e2bdc2" providerId="ADAL" clId="{794224D3-789D-47BB-A0D2-62C663EDB1CA}" dt="2020-05-31T07:39:09.479" v="602" actId="700"/>
-          <ac:spMkLst>
-            <pc:docMk/>
-            <pc:sldMk cId="2773999239" sldId="288"/>
-            <ac:spMk id="3" creationId="{4FDD6798-61A8-4C71-AE43-603F39194A39}"/>
-          </ac:spMkLst>
-        </pc:spChg>
-        <pc:spChg chg="add del mod ord">
-          <ac:chgData name="Ming-Chih Lin" userId="f1ba3ba5-e185-404b-b55f-b2be90e2bdc2" providerId="ADAL" clId="{794224D3-789D-47BB-A0D2-62C663EDB1CA}" dt="2020-05-31T07:39:12.301" v="603" actId="700"/>
-          <ac:spMkLst>
-            <pc:docMk/>
-            <pc:sldMk cId="2773999239" sldId="288"/>
-            <ac:spMk id="4" creationId="{B4A07BC9-FF89-4CE6-8C2A-80F60F3C0DAA}"/>
-          </ac:spMkLst>
-        </pc:spChg>
-        <pc:spChg chg="add mod ord">
-          <ac:chgData name="Ming-Chih Lin" userId="f1ba3ba5-e185-404b-b55f-b2be90e2bdc2" providerId="ADAL" clId="{794224D3-789D-47BB-A0D2-62C663EDB1CA}" dt="2020-06-01T08:04:32.622" v="1263" actId="700"/>
-          <ac:spMkLst>
-            <pc:docMk/>
-            <pc:sldMk cId="2773999239" sldId="288"/>
-            <ac:spMk id="5" creationId="{D9BE9DE2-8245-4CD7-8644-BCDBABA8D1A8}"/>
-          </ac:spMkLst>
-        </pc:spChg>
-        <pc:spChg chg="add del mod ord">
-          <ac:chgData name="Ming-Chih Lin" userId="f1ba3ba5-e185-404b-b55f-b2be90e2bdc2" providerId="ADAL" clId="{794224D3-789D-47BB-A0D2-62C663EDB1CA}" dt="2020-06-01T08:04:32.622" v="1263" actId="700"/>
-          <ac:spMkLst>
-            <pc:docMk/>
-            <pc:sldMk cId="2773999239" sldId="288"/>
-            <ac:spMk id="6" creationId="{8B34D29B-0E23-429E-8BAC-0695EC085EEE}"/>
-          </ac:spMkLst>
-        </pc:spChg>
-      </pc:sldChg>
-      <pc:sldChg chg="addSp delSp modSp new mod modClrScheme chgLayout">
-        <pc:chgData name="Ming-Chih Lin" userId="f1ba3ba5-e185-404b-b55f-b2be90e2bdc2" providerId="ADAL" clId="{794224D3-789D-47BB-A0D2-62C663EDB1CA}" dt="2020-06-01T08:04:36.960" v="1264" actId="700"/>
-        <pc:sldMkLst>
-          <pc:docMk/>
-          <pc:sldMk cId="1061609012" sldId="289"/>
-        </pc:sldMkLst>
-        <pc:spChg chg="add mod ord">
-          <ac:chgData name="Ming-Chih Lin" userId="f1ba3ba5-e185-404b-b55f-b2be90e2bdc2" providerId="ADAL" clId="{794224D3-789D-47BB-A0D2-62C663EDB1CA}" dt="2020-06-01T08:04:36.960" v="1264" actId="700"/>
-          <ac:spMkLst>
-            <pc:docMk/>
-            <pc:sldMk cId="1061609012" sldId="289"/>
-            <ac:spMk id="2" creationId="{39ECB457-4D4F-4A33-A3B9-6B135073BD8A}"/>
-          </ac:spMkLst>
-        </pc:spChg>
-        <pc:spChg chg="del">
-          <ac:chgData name="Ming-Chih Lin" userId="f1ba3ba5-e185-404b-b55f-b2be90e2bdc2" providerId="ADAL" clId="{794224D3-789D-47BB-A0D2-62C663EDB1CA}" dt="2020-05-31T07:39:58.497" v="639" actId="700"/>
-          <ac:spMkLst>
-            <pc:docMk/>
-            <pc:sldMk cId="1061609012" sldId="289"/>
-            <ac:spMk id="2" creationId="{BA164DD3-FCAA-4C87-8EC6-826F37B6CB92}"/>
-          </ac:spMkLst>
-        </pc:spChg>
-        <pc:spChg chg="del">
-          <ac:chgData name="Ming-Chih Lin" userId="f1ba3ba5-e185-404b-b55f-b2be90e2bdc2" providerId="ADAL" clId="{794224D3-789D-47BB-A0D2-62C663EDB1CA}" dt="2020-05-31T07:39:58.497" v="639" actId="700"/>
-          <ac:spMkLst>
-            <pc:docMk/>
-            <pc:sldMk cId="1061609012" sldId="289"/>
-            <ac:spMk id="3" creationId="{360C4EC4-099B-4A51-8DE1-3942B46FEEC8}"/>
-          </ac:spMkLst>
-        </pc:spChg>
-        <pc:spChg chg="add mod ord">
-          <ac:chgData name="Ming-Chih Lin" userId="f1ba3ba5-e185-404b-b55f-b2be90e2bdc2" providerId="ADAL" clId="{794224D3-789D-47BB-A0D2-62C663EDB1CA}" dt="2020-06-01T08:04:36.960" v="1264" actId="700"/>
-          <ac:spMkLst>
-            <pc:docMk/>
-            <pc:sldMk cId="1061609012" sldId="289"/>
-            <ac:spMk id="4" creationId="{A96425F9-195D-4693-9E6E-3A6A87237F5E}"/>
-          </ac:spMkLst>
-        </pc:spChg>
-      </pc:sldChg>
-      <pc:sldChg chg="modSp new mod">
-        <pc:chgData name="Ming-Chih Lin" userId="f1ba3ba5-e185-404b-b55f-b2be90e2bdc2" providerId="ADAL" clId="{794224D3-789D-47BB-A0D2-62C663EDB1CA}" dt="2020-05-31T07:42:39.327" v="693"/>
-        <pc:sldMkLst>
-          <pc:docMk/>
-          <pc:sldMk cId="1663756997" sldId="290"/>
-        </pc:sldMkLst>
-        <pc:spChg chg="mod">
-          <ac:chgData name="Ming-Chih Lin" userId="f1ba3ba5-e185-404b-b55f-b2be90e2bdc2" providerId="ADAL" clId="{794224D3-789D-47BB-A0D2-62C663EDB1CA}" dt="2020-05-31T07:42:39.327" v="693"/>
-          <ac:spMkLst>
-            <pc:docMk/>
-            <pc:sldMk cId="1663756997" sldId="290"/>
-            <ac:spMk id="3" creationId="{FDA2CCF4-8156-43AA-A2A5-BCE09F7AF6E8}"/>
-          </ac:spMkLst>
-        </pc:spChg>
-      </pc:sldChg>
-      <pc:sldChg chg="modSp new mod ord">
-        <pc:chgData name="Ming-Chih Lin" userId="f1ba3ba5-e185-404b-b55f-b2be90e2bdc2" providerId="ADAL" clId="{794224D3-789D-47BB-A0D2-62C663EDB1CA}" dt="2020-06-01T07:57:49.832" v="978"/>
-        <pc:sldMkLst>
-          <pc:docMk/>
-          <pc:sldMk cId="4146132641" sldId="291"/>
-        </pc:sldMkLst>
-        <pc:spChg chg="mod">
-          <ac:chgData name="Ming-Chih Lin" userId="f1ba3ba5-e185-404b-b55f-b2be90e2bdc2" providerId="ADAL" clId="{794224D3-789D-47BB-A0D2-62C663EDB1CA}" dt="2020-05-31T07:45:08.481" v="743"/>
-          <ac:spMkLst>
-            <pc:docMk/>
-            <pc:sldMk cId="4146132641" sldId="291"/>
-            <ac:spMk id="3" creationId="{EE67A29E-9388-4D5B-87CB-A07D3E8DBFB4}"/>
-          </ac:spMkLst>
-        </pc:spChg>
-      </pc:sldChg>
-      <pc:sldChg chg="modSp new mod">
-        <pc:chgData name="Ming-Chih Lin" userId="f1ba3ba5-e185-404b-b55f-b2be90e2bdc2" providerId="ADAL" clId="{794224D3-789D-47BB-A0D2-62C663EDB1CA}" dt="2020-06-01T08:02:58.705" v="1262"/>
-        <pc:sldMkLst>
-          <pc:docMk/>
-          <pc:sldMk cId="2609797397" sldId="292"/>
-        </pc:sldMkLst>
-        <pc:spChg chg="mod">
-          <ac:chgData name="Ming-Chih Lin" userId="f1ba3ba5-e185-404b-b55f-b2be90e2bdc2" providerId="ADAL" clId="{794224D3-789D-47BB-A0D2-62C663EDB1CA}" dt="2020-06-01T08:02:58.705" v="1262"/>
-          <ac:spMkLst>
-            <pc:docMk/>
-            <pc:sldMk cId="2609797397" sldId="292"/>
-            <ac:spMk id="2" creationId="{C6F078A4-E99D-4092-8AC3-B9698C576328}"/>
-          </ac:spMkLst>
-        </pc:spChg>
-        <pc:spChg chg="mod">
-          <ac:chgData name="Ming-Chih Lin" userId="f1ba3ba5-e185-404b-b55f-b2be90e2bdc2" providerId="ADAL" clId="{794224D3-789D-47BB-A0D2-62C663EDB1CA}" dt="2020-05-31T07:47:01.220" v="792"/>
-          <ac:spMkLst>
-            <pc:docMk/>
-            <pc:sldMk cId="2609797397" sldId="292"/>
-            <ac:spMk id="3" creationId="{035077E8-9769-4239-B6FF-C9B606BA0011}"/>
-          </ac:spMkLst>
-        </pc:spChg>
-      </pc:sldChg>
-      <pc:sldChg chg="modSp new mod">
-        <pc:chgData name="Ming-Chih Lin" userId="f1ba3ba5-e185-404b-b55f-b2be90e2bdc2" providerId="ADAL" clId="{794224D3-789D-47BB-A0D2-62C663EDB1CA}" dt="2020-05-31T07:51:10.725" v="829" actId="20577"/>
-        <pc:sldMkLst>
-          <pc:docMk/>
-          <pc:sldMk cId="289535632" sldId="293"/>
-        </pc:sldMkLst>
-        <pc:spChg chg="mod">
-          <ac:chgData name="Ming-Chih Lin" userId="f1ba3ba5-e185-404b-b55f-b2be90e2bdc2" providerId="ADAL" clId="{794224D3-789D-47BB-A0D2-62C663EDB1CA}" dt="2020-05-31T07:51:10.725" v="829" actId="20577"/>
-          <ac:spMkLst>
-            <pc:docMk/>
-            <pc:sldMk cId="289535632" sldId="293"/>
-            <ac:spMk id="3" creationId="{675709DF-CC06-48CE-B524-EE9F568647E0}"/>
-          </ac:spMkLst>
-        </pc:spChg>
-      </pc:sldChg>
-      <pc:sldChg chg="modSp new mod">
-        <pc:chgData name="Ming-Chih Lin" userId="f1ba3ba5-e185-404b-b55f-b2be90e2bdc2" providerId="ADAL" clId="{794224D3-789D-47BB-A0D2-62C663EDB1CA}" dt="2020-06-01T07:44:55.720" v="853"/>
-        <pc:sldMkLst>
-          <pc:docMk/>
-          <pc:sldMk cId="64240318" sldId="294"/>
-        </pc:sldMkLst>
-        <pc:spChg chg="mod">
-          <ac:chgData name="Ming-Chih Lin" userId="f1ba3ba5-e185-404b-b55f-b2be90e2bdc2" providerId="ADAL" clId="{794224D3-789D-47BB-A0D2-62C663EDB1CA}" dt="2020-06-01T07:44:54.951" v="852" actId="21"/>
-          <ac:spMkLst>
-            <pc:docMk/>
-            <pc:sldMk cId="64240318" sldId="294"/>
-            <ac:spMk id="2" creationId="{6798ECCD-BF38-4125-A2D9-1FBB0828F79C}"/>
-          </ac:spMkLst>
-        </pc:spChg>
-        <pc:spChg chg="mod">
-          <ac:chgData name="Ming-Chih Lin" userId="f1ba3ba5-e185-404b-b55f-b2be90e2bdc2" providerId="ADAL" clId="{794224D3-789D-47BB-A0D2-62C663EDB1CA}" dt="2020-06-01T07:44:55.720" v="853"/>
-          <ac:spMkLst>
-            <pc:docMk/>
-            <pc:sldMk cId="64240318" sldId="294"/>
-            <ac:spMk id="3" creationId="{21DC9115-EA07-4E43-B229-3DDAC0EF5CB9}"/>
-          </ac:spMkLst>
-        </pc:spChg>
-      </pc:sldChg>
-      <pc:sldChg chg="modSp new">
-        <pc:chgData name="Ming-Chih Lin" userId="f1ba3ba5-e185-404b-b55f-b2be90e2bdc2" providerId="ADAL" clId="{794224D3-789D-47BB-A0D2-62C663EDB1CA}" dt="2020-06-01T07:45:22.900" v="856"/>
-        <pc:sldMkLst>
-          <pc:docMk/>
-          <pc:sldMk cId="3800941536" sldId="295"/>
-        </pc:sldMkLst>
-        <pc:spChg chg="mod">
-          <ac:chgData name="Ming-Chih Lin" userId="f1ba3ba5-e185-404b-b55f-b2be90e2bdc2" providerId="ADAL" clId="{794224D3-789D-47BB-A0D2-62C663EDB1CA}" dt="2020-06-01T07:45:22.900" v="856"/>
-          <ac:spMkLst>
-            <pc:docMk/>
-            <pc:sldMk cId="3800941536" sldId="295"/>
-            <ac:spMk id="2" creationId="{1217C976-378C-48C3-900B-3FE82C45F783}"/>
-          </ac:spMkLst>
-        </pc:spChg>
-        <pc:spChg chg="mod">
-          <ac:chgData name="Ming-Chih Lin" userId="f1ba3ba5-e185-404b-b55f-b2be90e2bdc2" providerId="ADAL" clId="{794224D3-789D-47BB-A0D2-62C663EDB1CA}" dt="2020-06-01T07:45:11.402" v="855"/>
-          <ac:spMkLst>
-            <pc:docMk/>
-            <pc:sldMk cId="3800941536" sldId="295"/>
-            <ac:spMk id="3" creationId="{B74F9DDA-5D21-4474-B5A9-0D53658E6B5E}"/>
-          </ac:spMkLst>
-        </pc:spChg>
-      </pc:sldChg>
-      <pc:sldChg chg="modSp new">
-        <pc:chgData name="Ming-Chih Lin" userId="f1ba3ba5-e185-404b-b55f-b2be90e2bdc2" providerId="ADAL" clId="{794224D3-789D-47BB-A0D2-62C663EDB1CA}" dt="2020-06-01T07:45:47.506" v="859"/>
-        <pc:sldMkLst>
-          <pc:docMk/>
-          <pc:sldMk cId="71803066" sldId="296"/>
-        </pc:sldMkLst>
-        <pc:spChg chg="mod">
-          <ac:chgData name="Ming-Chih Lin" userId="f1ba3ba5-e185-404b-b55f-b2be90e2bdc2" providerId="ADAL" clId="{794224D3-789D-47BB-A0D2-62C663EDB1CA}" dt="2020-06-01T07:45:47.506" v="859"/>
-          <ac:spMkLst>
-            <pc:docMk/>
-            <pc:sldMk cId="71803066" sldId="296"/>
-            <ac:spMk id="2" creationId="{49291F46-BDC7-46BE-AFD5-8495C3C3E5C1}"/>
-          </ac:spMkLst>
-        </pc:spChg>
-        <pc:spChg chg="mod">
-          <ac:chgData name="Ming-Chih Lin" userId="f1ba3ba5-e185-404b-b55f-b2be90e2bdc2" providerId="ADAL" clId="{794224D3-789D-47BB-A0D2-62C663EDB1CA}" dt="2020-06-01T07:45:34.552" v="858"/>
-          <ac:spMkLst>
-            <pc:docMk/>
-            <pc:sldMk cId="71803066" sldId="296"/>
-            <ac:spMk id="3" creationId="{C8C03A03-E1F0-43C9-B0BD-2ABDF2CB329D}"/>
-          </ac:spMkLst>
-        </pc:spChg>
-      </pc:sldChg>
-      <pc:sldChg chg="modSp new">
-        <pc:chgData name="Ming-Chih Lin" userId="f1ba3ba5-e185-404b-b55f-b2be90e2bdc2" providerId="ADAL" clId="{794224D3-789D-47BB-A0D2-62C663EDB1CA}" dt="2020-06-01T07:46:03.193" v="861"/>
-        <pc:sldMkLst>
-          <pc:docMk/>
-          <pc:sldMk cId="3823943526" sldId="297"/>
-        </pc:sldMkLst>
-        <pc:spChg chg="mod">
-          <ac:chgData name="Ming-Chih Lin" userId="f1ba3ba5-e185-404b-b55f-b2be90e2bdc2" providerId="ADAL" clId="{794224D3-789D-47BB-A0D2-62C663EDB1CA}" dt="2020-06-01T07:46:03.193" v="861"/>
-          <ac:spMkLst>
-            <pc:docMk/>
-            <pc:sldMk cId="3823943526" sldId="297"/>
-            <ac:spMk id="2" creationId="{1F7495A2-3CAF-4C5B-8D98-69F0DC66F037}"/>
-          </ac:spMkLst>
-        </pc:spChg>
-        <pc:spChg chg="mod">
-          <ac:chgData name="Ming-Chih Lin" userId="f1ba3ba5-e185-404b-b55f-b2be90e2bdc2" providerId="ADAL" clId="{794224D3-789D-47BB-A0D2-62C663EDB1CA}" dt="2020-06-01T07:45:55.457" v="860"/>
-          <ac:spMkLst>
-            <pc:docMk/>
-            <pc:sldMk cId="3823943526" sldId="297"/>
-            <ac:spMk id="3" creationId="{38DC13CC-BA4B-476C-84B1-232A460D5A2F}"/>
-          </ac:spMkLst>
-        </pc:spChg>
-      </pc:sldChg>
-      <pc:sldChg chg="new del">
-        <pc:chgData name="Ming-Chih Lin" userId="f1ba3ba5-e185-404b-b55f-b2be90e2bdc2" providerId="ADAL" clId="{794224D3-789D-47BB-A0D2-62C663EDB1CA}" dt="2020-06-01T07:46:29.319" v="862" actId="47"/>
-        <pc:sldMkLst>
-          <pc:docMk/>
-          <pc:sldMk cId="3393092084" sldId="298"/>
-        </pc:sldMkLst>
-      </pc:sldChg>
-    </pc:docChg>
-  </pc:docChgLst>
-  <pc:docChgLst>
-    <pc:chgData name="Ming-Chih Lin" userId="f1ba3ba5-e185-404b-b55f-b2be90e2bdc2" providerId="ADAL" clId="{98E402EA-33D0-F641-AF53-006C6173E080}"/>
-    <pc:docChg chg="undo custSel modSld">
-      <pc:chgData name="Ming-Chih Lin" userId="f1ba3ba5-e185-404b-b55f-b2be90e2bdc2" providerId="ADAL" clId="{98E402EA-33D0-F641-AF53-006C6173E080}" dt="2020-06-01T06:51:37.326" v="2" actId="1076"/>
-      <pc:docMkLst>
-        <pc:docMk/>
-      </pc:docMkLst>
-      <pc:sldChg chg="modSp">
-        <pc:chgData name="Ming-Chih Lin" userId="f1ba3ba5-e185-404b-b55f-b2be90e2bdc2" providerId="ADAL" clId="{98E402EA-33D0-F641-AF53-006C6173E080}" dt="2020-06-01T06:51:37.326" v="2" actId="1076"/>
-        <pc:sldMkLst>
-          <pc:docMk/>
-          <pc:sldMk cId="679909818" sldId="265"/>
-        </pc:sldMkLst>
-        <pc:spChg chg="mod">
-          <ac:chgData name="Ming-Chih Lin" userId="f1ba3ba5-e185-404b-b55f-b2be90e2bdc2" providerId="ADAL" clId="{98E402EA-33D0-F641-AF53-006C6173E080}" dt="2020-06-01T06:51:37.326" v="2" actId="1076"/>
-          <ac:spMkLst>
-            <pc:docMk/>
-            <pc:sldMk cId="679909818" sldId="265"/>
-            <ac:spMk id="2" creationId="{5F3943C5-BE9F-4BF4-A111-F83F5931DA07}"/>
-          </ac:spMkLst>
-        </pc:spChg>
-      </pc:sldChg>
-    </pc:docChg>
-  </pc:docChgLst>
-  <pc:docChgLst>
     <pc:chgData name="Ming-Chih Lin" userId="f1ba3ba5-e185-404b-b55f-b2be90e2bdc2" providerId="ADAL" clId="{F1FA031A-4D31-4AEE-8DCB-44C85EA436EB}"/>
     <pc:docChg chg="undo custSel addSld delSld modSld sldOrd">
       <pc:chgData name="Ming-Chih Lin" userId="f1ba3ba5-e185-404b-b55f-b2be90e2bdc2" providerId="ADAL" clId="{F1FA031A-4D31-4AEE-8DCB-44C85EA436EB}" dt="2020-06-02T00:07:33.244" v="1133" actId="47"/>
@@ -2032,922 +934,26 @@
     </pc:docChg>
   </pc:docChgLst>
   <pc:docChgLst>
-    <pc:chgData name="Ming-Chih Lin" userId="f1ba3ba5-e185-404b-b55f-b2be90e2bdc2" providerId="ADAL" clId="{091A637F-8D54-4E54-83E0-103516D33677}"/>
-    <pc:docChg chg="undo custSel addSld delSld modSld sldOrd">
-      <pc:chgData name="Ming-Chih Lin" userId="f1ba3ba5-e185-404b-b55f-b2be90e2bdc2" providerId="ADAL" clId="{091A637F-8D54-4E54-83E0-103516D33677}" dt="2020-06-15T06:49:15.855" v="3562" actId="20577"/>
+    <pc:chgData name="Ming-Chih Lin" userId="f1ba3ba5-e185-404b-b55f-b2be90e2bdc2" providerId="ADAL" clId="{98E402EA-33D0-F641-AF53-006C6173E080}"/>
+    <pc:docChg chg="undo custSel modSld">
+      <pc:chgData name="Ming-Chih Lin" userId="f1ba3ba5-e185-404b-b55f-b2be90e2bdc2" providerId="ADAL" clId="{98E402EA-33D0-F641-AF53-006C6173E080}" dt="2020-06-01T06:51:37.326" v="2" actId="1076"/>
       <pc:docMkLst>
         <pc:docMk/>
       </pc:docMkLst>
-      <pc:sldChg chg="modSp mod">
-        <pc:chgData name="Ming-Chih Lin" userId="f1ba3ba5-e185-404b-b55f-b2be90e2bdc2" providerId="ADAL" clId="{091A637F-8D54-4E54-83E0-103516D33677}" dt="2020-06-02T00:17:12.400" v="4" actId="20577"/>
+      <pc:sldChg chg="modSp">
+        <pc:chgData name="Ming-Chih Lin" userId="f1ba3ba5-e185-404b-b55f-b2be90e2bdc2" providerId="ADAL" clId="{98E402EA-33D0-F641-AF53-006C6173E080}" dt="2020-06-01T06:51:37.326" v="2" actId="1076"/>
         <pc:sldMkLst>
           <pc:docMk/>
-          <pc:sldMk cId="3437513085" sldId="257"/>
+          <pc:sldMk cId="679909818" sldId="265"/>
         </pc:sldMkLst>
         <pc:spChg chg="mod">
-          <ac:chgData name="Ming-Chih Lin" userId="f1ba3ba5-e185-404b-b55f-b2be90e2bdc2" providerId="ADAL" clId="{091A637F-8D54-4E54-83E0-103516D33677}" dt="2020-06-02T00:17:12.400" v="4" actId="20577"/>
+          <ac:chgData name="Ming-Chih Lin" userId="f1ba3ba5-e185-404b-b55f-b2be90e2bdc2" providerId="ADAL" clId="{98E402EA-33D0-F641-AF53-006C6173E080}" dt="2020-06-01T06:51:37.326" v="2" actId="1076"/>
           <ac:spMkLst>
             <pc:docMk/>
-            <pc:sldMk cId="3437513085" sldId="257"/>
-            <ac:spMk id="2" creationId="{F00E360D-5F36-459A-8321-D0EA4C8C73FE}"/>
+            <pc:sldMk cId="679909818" sldId="265"/>
+            <ac:spMk id="2" creationId="{5F3943C5-BE9F-4BF4-A111-F83F5931DA07}"/>
           </ac:spMkLst>
         </pc:spChg>
-      </pc:sldChg>
-      <pc:sldChg chg="modSp mod">
-        <pc:chgData name="Ming-Chih Lin" userId="f1ba3ba5-e185-404b-b55f-b2be90e2bdc2" providerId="ADAL" clId="{091A637F-8D54-4E54-83E0-103516D33677}" dt="2020-06-04T23:44:08.024" v="687"/>
-        <pc:sldMkLst>
-          <pc:docMk/>
-          <pc:sldMk cId="2189207556" sldId="272"/>
-        </pc:sldMkLst>
-        <pc:spChg chg="mod">
-          <ac:chgData name="Ming-Chih Lin" userId="f1ba3ba5-e185-404b-b55f-b2be90e2bdc2" providerId="ADAL" clId="{091A637F-8D54-4E54-83E0-103516D33677}" dt="2020-06-04T23:44:08.024" v="687"/>
-          <ac:spMkLst>
-            <pc:docMk/>
-            <pc:sldMk cId="2189207556" sldId="272"/>
-            <ac:spMk id="4" creationId="{2FA54F75-D405-4104-B6BB-EA44A23A109A}"/>
-          </ac:spMkLst>
-        </pc:spChg>
-      </pc:sldChg>
-      <pc:sldChg chg="add del ord">
-        <pc:chgData name="Ming-Chih Lin" userId="f1ba3ba5-e185-404b-b55f-b2be90e2bdc2" providerId="ADAL" clId="{091A637F-8D54-4E54-83E0-103516D33677}" dt="2020-06-11T21:10:56.077" v="3395" actId="47"/>
-        <pc:sldMkLst>
-          <pc:docMk/>
-          <pc:sldMk cId="1266417032" sldId="312"/>
-        </pc:sldMkLst>
-      </pc:sldChg>
-      <pc:sldChg chg="modSp mod">
-        <pc:chgData name="Ming-Chih Lin" userId="f1ba3ba5-e185-404b-b55f-b2be90e2bdc2" providerId="ADAL" clId="{091A637F-8D54-4E54-83E0-103516D33677}" dt="2020-06-04T23:46:47.046" v="699"/>
-        <pc:sldMkLst>
-          <pc:docMk/>
-          <pc:sldMk cId="19629556" sldId="316"/>
-        </pc:sldMkLst>
-        <pc:spChg chg="mod">
-          <ac:chgData name="Ming-Chih Lin" userId="f1ba3ba5-e185-404b-b55f-b2be90e2bdc2" providerId="ADAL" clId="{091A637F-8D54-4E54-83E0-103516D33677}" dt="2020-06-04T23:46:47.046" v="699"/>
-          <ac:spMkLst>
-            <pc:docMk/>
-            <pc:sldMk cId="19629556" sldId="316"/>
-            <ac:spMk id="4" creationId="{2FA54F75-D405-4104-B6BB-EA44A23A109A}"/>
-          </ac:spMkLst>
-        </pc:spChg>
-      </pc:sldChg>
-      <pc:sldChg chg="addSp delSp modSp mod">
-        <pc:chgData name="Ming-Chih Lin" userId="f1ba3ba5-e185-404b-b55f-b2be90e2bdc2" providerId="ADAL" clId="{091A637F-8D54-4E54-83E0-103516D33677}" dt="2020-06-08T08:13:50.082" v="816" actId="1076"/>
-        <pc:sldMkLst>
-          <pc:docMk/>
-          <pc:sldMk cId="497064445" sldId="317"/>
-        </pc:sldMkLst>
-        <pc:spChg chg="mod">
-          <ac:chgData name="Ming-Chih Lin" userId="f1ba3ba5-e185-404b-b55f-b2be90e2bdc2" providerId="ADAL" clId="{091A637F-8D54-4E54-83E0-103516D33677}" dt="2020-06-02T00:22:26.420" v="18" actId="207"/>
-          <ac:spMkLst>
-            <pc:docMk/>
-            <pc:sldMk cId="497064445" sldId="317"/>
-            <ac:spMk id="3" creationId="{E7C3D928-2CE9-4266-A577-F5AA1DFC7CE3}"/>
-          </ac:spMkLst>
-        </pc:spChg>
-        <pc:spChg chg="add mod">
-          <ac:chgData name="Ming-Chih Lin" userId="f1ba3ba5-e185-404b-b55f-b2be90e2bdc2" providerId="ADAL" clId="{091A637F-8D54-4E54-83E0-103516D33677}" dt="2020-06-08T08:13:41.030" v="812" actId="14100"/>
-          <ac:spMkLst>
-            <pc:docMk/>
-            <pc:sldMk cId="497064445" sldId="317"/>
-            <ac:spMk id="4" creationId="{FBC0A41D-585A-4773-9922-1FC0601CBFD6}"/>
-          </ac:spMkLst>
-        </pc:spChg>
-        <pc:spChg chg="add mod">
-          <ac:chgData name="Ming-Chih Lin" userId="f1ba3ba5-e185-404b-b55f-b2be90e2bdc2" providerId="ADAL" clId="{091A637F-8D54-4E54-83E0-103516D33677}" dt="2020-06-08T08:13:46.626" v="814" actId="14100"/>
-          <ac:spMkLst>
-            <pc:docMk/>
-            <pc:sldMk cId="497064445" sldId="317"/>
-            <ac:spMk id="5" creationId="{24954B47-98FC-417E-9FE5-CB4B5835EA5D}"/>
-          </ac:spMkLst>
-        </pc:spChg>
-        <pc:spChg chg="add mod">
-          <ac:chgData name="Ming-Chih Lin" userId="f1ba3ba5-e185-404b-b55f-b2be90e2bdc2" providerId="ADAL" clId="{091A637F-8D54-4E54-83E0-103516D33677}" dt="2020-06-08T08:13:50.082" v="816" actId="1076"/>
-          <ac:spMkLst>
-            <pc:docMk/>
-            <pc:sldMk cId="497064445" sldId="317"/>
-            <ac:spMk id="7" creationId="{E0931CF7-339D-48E6-A8EF-1C817EF229F6}"/>
-          </ac:spMkLst>
-        </pc:spChg>
-        <pc:picChg chg="del">
-          <ac:chgData name="Ming-Chih Lin" userId="f1ba3ba5-e185-404b-b55f-b2be90e2bdc2" providerId="ADAL" clId="{091A637F-8D54-4E54-83E0-103516D33677}" dt="2020-06-08T08:12:22.607" v="799" actId="478"/>
-          <ac:picMkLst>
-            <pc:docMk/>
-            <pc:sldMk cId="497064445" sldId="317"/>
-            <ac:picMk id="2" creationId="{24B42EE7-EE76-400D-B513-614BD7A34C4E}"/>
-          </ac:picMkLst>
-        </pc:picChg>
-        <pc:picChg chg="add mod ord">
-          <ac:chgData name="Ming-Chih Lin" userId="f1ba3ba5-e185-404b-b55f-b2be90e2bdc2" providerId="ADAL" clId="{091A637F-8D54-4E54-83E0-103516D33677}" dt="2020-06-08T08:13:35.856" v="810" actId="1076"/>
-          <ac:picMkLst>
-            <pc:docMk/>
-            <pc:sldMk cId="497064445" sldId="317"/>
-            <ac:picMk id="6" creationId="{3F336A95-C832-4F21-B018-71EA44E29861}"/>
-          </ac:picMkLst>
-        </pc:picChg>
-      </pc:sldChg>
-      <pc:sldChg chg="del">
-        <pc:chgData name="Ming-Chih Lin" userId="f1ba3ba5-e185-404b-b55f-b2be90e2bdc2" providerId="ADAL" clId="{091A637F-8D54-4E54-83E0-103516D33677}" dt="2020-06-02T04:44:18.237" v="181" actId="47"/>
-        <pc:sldMkLst>
-          <pc:docMk/>
-          <pc:sldMk cId="1705629521" sldId="318"/>
-        </pc:sldMkLst>
-      </pc:sldChg>
-      <pc:sldChg chg="addSp delSp modSp new mod modClrScheme chgLayout">
-        <pc:chgData name="Ming-Chih Lin" userId="f1ba3ba5-e185-404b-b55f-b2be90e2bdc2" providerId="ADAL" clId="{091A637F-8D54-4E54-83E0-103516D33677}" dt="2020-06-11T02:02:03.077" v="3360"/>
-        <pc:sldMkLst>
-          <pc:docMk/>
-          <pc:sldMk cId="150404640" sldId="319"/>
-        </pc:sldMkLst>
-        <pc:spChg chg="del mod ord">
-          <ac:chgData name="Ming-Chih Lin" userId="f1ba3ba5-e185-404b-b55f-b2be90e2bdc2" providerId="ADAL" clId="{091A637F-8D54-4E54-83E0-103516D33677}" dt="2020-06-02T02:02:42.695" v="20" actId="700"/>
-          <ac:spMkLst>
-            <pc:docMk/>
-            <pc:sldMk cId="150404640" sldId="319"/>
-            <ac:spMk id="2" creationId="{B231E21B-3534-41AD-9684-B05CB302A285}"/>
-          </ac:spMkLst>
-        </pc:spChg>
-        <pc:spChg chg="del">
-          <ac:chgData name="Ming-Chih Lin" userId="f1ba3ba5-e185-404b-b55f-b2be90e2bdc2" providerId="ADAL" clId="{091A637F-8D54-4E54-83E0-103516D33677}" dt="2020-06-02T02:02:42.695" v="20" actId="700"/>
-          <ac:spMkLst>
-            <pc:docMk/>
-            <pc:sldMk cId="150404640" sldId="319"/>
-            <ac:spMk id="3" creationId="{F352EDA3-4245-43AB-9CD6-53674F2D003B}"/>
-          </ac:spMkLst>
-        </pc:spChg>
-        <pc:spChg chg="add mod ord">
-          <ac:chgData name="Ming-Chih Lin" userId="f1ba3ba5-e185-404b-b55f-b2be90e2bdc2" providerId="ADAL" clId="{091A637F-8D54-4E54-83E0-103516D33677}" dt="2020-06-02T04:32:21.454" v="144"/>
-          <ac:spMkLst>
-            <pc:docMk/>
-            <pc:sldMk cId="150404640" sldId="319"/>
-            <ac:spMk id="4" creationId="{06DA0EB8-8083-49B8-89F6-5CA68A99C6B7}"/>
-          </ac:spMkLst>
-        </pc:spChg>
-        <pc:spChg chg="add mod ord">
-          <ac:chgData name="Ming-Chih Lin" userId="f1ba3ba5-e185-404b-b55f-b2be90e2bdc2" providerId="ADAL" clId="{091A637F-8D54-4E54-83E0-103516D33677}" dt="2020-06-11T02:02:03.077" v="3360"/>
-          <ac:spMkLst>
-            <pc:docMk/>
-            <pc:sldMk cId="150404640" sldId="319"/>
-            <ac:spMk id="5" creationId="{47CD2DC4-DBF9-4379-9E92-A3F1027C98CE}"/>
-          </ac:spMkLst>
-        </pc:spChg>
-      </pc:sldChg>
-      <pc:sldChg chg="modSp new mod">
-        <pc:chgData name="Ming-Chih Lin" userId="f1ba3ba5-e185-404b-b55f-b2be90e2bdc2" providerId="ADAL" clId="{091A637F-8D54-4E54-83E0-103516D33677}" dt="2020-06-11T02:02:40.365" v="3374" actId="20577"/>
-        <pc:sldMkLst>
-          <pc:docMk/>
-          <pc:sldMk cId="634685143" sldId="320"/>
-        </pc:sldMkLst>
-        <pc:spChg chg="mod">
-          <ac:chgData name="Ming-Chih Lin" userId="f1ba3ba5-e185-404b-b55f-b2be90e2bdc2" providerId="ADAL" clId="{091A637F-8D54-4E54-83E0-103516D33677}" dt="2020-06-11T02:02:40.365" v="3374" actId="20577"/>
-          <ac:spMkLst>
-            <pc:docMk/>
-            <pc:sldMk cId="634685143" sldId="320"/>
-            <ac:spMk id="2" creationId="{B76EC892-7C67-495C-8FF9-2A83D1505032}"/>
-          </ac:spMkLst>
-        </pc:spChg>
-        <pc:spChg chg="mod">
-          <ac:chgData name="Ming-Chih Lin" userId="f1ba3ba5-e185-404b-b55f-b2be90e2bdc2" providerId="ADAL" clId="{091A637F-8D54-4E54-83E0-103516D33677}" dt="2020-06-11T02:02:30.965" v="3373"/>
-          <ac:spMkLst>
-            <pc:docMk/>
-            <pc:sldMk cId="634685143" sldId="320"/>
-            <ac:spMk id="3" creationId="{27AACF31-B26F-4D1C-856A-7B09BF30E133}"/>
-          </ac:spMkLst>
-        </pc:spChg>
-      </pc:sldChg>
-      <pc:sldChg chg="modSp new del mod">
-        <pc:chgData name="Ming-Chih Lin" userId="f1ba3ba5-e185-404b-b55f-b2be90e2bdc2" providerId="ADAL" clId="{091A637F-8D54-4E54-83E0-103516D33677}" dt="2020-06-04T23:48:03.949" v="721" actId="47"/>
-        <pc:sldMkLst>
-          <pc:docMk/>
-          <pc:sldMk cId="3631061952" sldId="321"/>
-        </pc:sldMkLst>
-        <pc:spChg chg="mod">
-          <ac:chgData name="Ming-Chih Lin" userId="f1ba3ba5-e185-404b-b55f-b2be90e2bdc2" providerId="ADAL" clId="{091A637F-8D54-4E54-83E0-103516D33677}" dt="2020-06-04T23:47:39.451" v="700" actId="21"/>
-          <ac:spMkLst>
-            <pc:docMk/>
-            <pc:sldMk cId="3631061952" sldId="321"/>
-            <ac:spMk id="2" creationId="{6DB6564A-98F8-4D69-B16B-9EB3AA2CBCF6}"/>
-          </ac:spMkLst>
-        </pc:spChg>
-        <pc:spChg chg="mod">
-          <ac:chgData name="Ming-Chih Lin" userId="f1ba3ba5-e185-404b-b55f-b2be90e2bdc2" providerId="ADAL" clId="{091A637F-8D54-4E54-83E0-103516D33677}" dt="2020-06-04T23:47:46.840" v="704" actId="21"/>
-          <ac:spMkLst>
-            <pc:docMk/>
-            <pc:sldMk cId="3631061952" sldId="321"/>
-            <ac:spMk id="3" creationId="{6100AB34-2064-412E-89EB-E6860E18A31F}"/>
-          </ac:spMkLst>
-        </pc:spChg>
-      </pc:sldChg>
-      <pc:sldChg chg="modSp new del mod">
-        <pc:chgData name="Ming-Chih Lin" userId="f1ba3ba5-e185-404b-b55f-b2be90e2bdc2" providerId="ADAL" clId="{091A637F-8D54-4E54-83E0-103516D33677}" dt="2020-06-02T04:27:45.108" v="95" actId="47"/>
-        <pc:sldMkLst>
-          <pc:docMk/>
-          <pc:sldMk cId="1481199713" sldId="322"/>
-        </pc:sldMkLst>
-        <pc:spChg chg="mod">
-          <ac:chgData name="Ming-Chih Lin" userId="f1ba3ba5-e185-404b-b55f-b2be90e2bdc2" providerId="ADAL" clId="{091A637F-8D54-4E54-83E0-103516D33677}" dt="2020-06-02T02:06:14.241" v="37" actId="20577"/>
-          <ac:spMkLst>
-            <pc:docMk/>
-            <pc:sldMk cId="1481199713" sldId="322"/>
-            <ac:spMk id="2" creationId="{5278D3C2-342D-4F56-B1B1-91F7D1A36EB5}"/>
-          </ac:spMkLst>
-        </pc:spChg>
-        <pc:spChg chg="mod">
-          <ac:chgData name="Ming-Chih Lin" userId="f1ba3ba5-e185-404b-b55f-b2be90e2bdc2" providerId="ADAL" clId="{091A637F-8D54-4E54-83E0-103516D33677}" dt="2020-06-02T02:06:11.417" v="36"/>
-          <ac:spMkLst>
-            <pc:docMk/>
-            <pc:sldMk cId="1481199713" sldId="322"/>
-            <ac:spMk id="3" creationId="{387CFAC2-39D6-4976-B871-36284A92D51A}"/>
-          </ac:spMkLst>
-        </pc:spChg>
-      </pc:sldChg>
-      <pc:sldChg chg="modSp new del mod">
-        <pc:chgData name="Ming-Chih Lin" userId="f1ba3ba5-e185-404b-b55f-b2be90e2bdc2" providerId="ADAL" clId="{091A637F-8D54-4E54-83E0-103516D33677}" dt="2020-06-02T02:18:39.315" v="44" actId="2696"/>
-        <pc:sldMkLst>
-          <pc:docMk/>
-          <pc:sldMk cId="2128641485" sldId="323"/>
-        </pc:sldMkLst>
-        <pc:spChg chg="mod">
-          <ac:chgData name="Ming-Chih Lin" userId="f1ba3ba5-e185-404b-b55f-b2be90e2bdc2" providerId="ADAL" clId="{091A637F-8D54-4E54-83E0-103516D33677}" dt="2020-06-02T02:18:13.981" v="43" actId="5793"/>
-          <ac:spMkLst>
-            <pc:docMk/>
-            <pc:sldMk cId="2128641485" sldId="323"/>
-            <ac:spMk id="2" creationId="{EED6BDC6-775B-45C4-BA1F-335BCABEFD04}"/>
-          </ac:spMkLst>
-        </pc:spChg>
-        <pc:spChg chg="mod">
-          <ac:chgData name="Ming-Chih Lin" userId="f1ba3ba5-e185-404b-b55f-b2be90e2bdc2" providerId="ADAL" clId="{091A637F-8D54-4E54-83E0-103516D33677}" dt="2020-06-02T02:07:52.362" v="41"/>
-          <ac:spMkLst>
-            <pc:docMk/>
-            <pc:sldMk cId="2128641485" sldId="323"/>
-            <ac:spMk id="3" creationId="{658BB859-DDEC-4C62-9F85-AE2E8D282139}"/>
-          </ac:spMkLst>
-        </pc:spChg>
-      </pc:sldChg>
-      <pc:sldChg chg="modSp add mod">
-        <pc:chgData name="Ming-Chih Lin" userId="f1ba3ba5-e185-404b-b55f-b2be90e2bdc2" providerId="ADAL" clId="{091A637F-8D54-4E54-83E0-103516D33677}" dt="2020-06-11T00:53:38.929" v="1189"/>
-        <pc:sldMkLst>
-          <pc:docMk/>
-          <pc:sldMk cId="2181700493" sldId="323"/>
-        </pc:sldMkLst>
-        <pc:spChg chg="mod">
-          <ac:chgData name="Ming-Chih Lin" userId="f1ba3ba5-e185-404b-b55f-b2be90e2bdc2" providerId="ADAL" clId="{091A637F-8D54-4E54-83E0-103516D33677}" dt="2020-06-11T00:53:38.929" v="1189"/>
-          <ac:spMkLst>
-            <pc:docMk/>
-            <pc:sldMk cId="2181700493" sldId="323"/>
-            <ac:spMk id="4" creationId="{2FA54F75-D405-4104-B6BB-EA44A23A109A}"/>
-          </ac:spMkLst>
-        </pc:spChg>
-      </pc:sldChg>
-      <pc:sldChg chg="new del">
-        <pc:chgData name="Ming-Chih Lin" userId="f1ba3ba5-e185-404b-b55f-b2be90e2bdc2" providerId="ADAL" clId="{091A637F-8D54-4E54-83E0-103516D33677}" dt="2020-06-05T00:17:44.632" v="766" actId="47"/>
-        <pc:sldMkLst>
-          <pc:docMk/>
-          <pc:sldMk cId="3167124346" sldId="324"/>
-        </pc:sldMkLst>
-      </pc:sldChg>
-      <pc:sldChg chg="addSp delSp modSp new mod ord modClrScheme chgLayout">
-        <pc:chgData name="Ming-Chih Lin" userId="f1ba3ba5-e185-404b-b55f-b2be90e2bdc2" providerId="ADAL" clId="{091A637F-8D54-4E54-83E0-103516D33677}" dt="2020-06-11T02:03:19.110" v="3388" actId="20577"/>
-        <pc:sldMkLst>
-          <pc:docMk/>
-          <pc:sldMk cId="224239816" sldId="325"/>
-        </pc:sldMkLst>
-        <pc:spChg chg="del">
-          <ac:chgData name="Ming-Chih Lin" userId="f1ba3ba5-e185-404b-b55f-b2be90e2bdc2" providerId="ADAL" clId="{091A637F-8D54-4E54-83E0-103516D33677}" dt="2020-06-02T04:15:24.714" v="94" actId="700"/>
-          <ac:spMkLst>
-            <pc:docMk/>
-            <pc:sldMk cId="224239816" sldId="325"/>
-            <ac:spMk id="2" creationId="{4853D523-1D65-4C62-86F0-D8B353589261}"/>
-          </ac:spMkLst>
-        </pc:spChg>
-        <pc:spChg chg="del">
-          <ac:chgData name="Ming-Chih Lin" userId="f1ba3ba5-e185-404b-b55f-b2be90e2bdc2" providerId="ADAL" clId="{091A637F-8D54-4E54-83E0-103516D33677}" dt="2020-06-02T04:15:24.714" v="94" actId="700"/>
-          <ac:spMkLst>
-            <pc:docMk/>
-            <pc:sldMk cId="224239816" sldId="325"/>
-            <ac:spMk id="3" creationId="{5E75654D-3FF8-4C61-9954-A5F394190DE8}"/>
-          </ac:spMkLst>
-        </pc:spChg>
-        <pc:spChg chg="add del mod ord">
-          <ac:chgData name="Ming-Chih Lin" userId="f1ba3ba5-e185-404b-b55f-b2be90e2bdc2" providerId="ADAL" clId="{091A637F-8D54-4E54-83E0-103516D33677}" dt="2020-06-02T04:30:44.349" v="101" actId="700"/>
-          <ac:spMkLst>
-            <pc:docMk/>
-            <pc:sldMk cId="224239816" sldId="325"/>
-            <ac:spMk id="4" creationId="{70D4EB9C-0BE6-477E-BD7E-7B8AE21CE8A8}"/>
-          </ac:spMkLst>
-        </pc:spChg>
-        <pc:spChg chg="add mod ord">
-          <ac:chgData name="Ming-Chih Lin" userId="f1ba3ba5-e185-404b-b55f-b2be90e2bdc2" providerId="ADAL" clId="{091A637F-8D54-4E54-83E0-103516D33677}" dt="2020-06-02T04:32:04.649" v="139"/>
-          <ac:spMkLst>
-            <pc:docMk/>
-            <pc:sldMk cId="224239816" sldId="325"/>
-            <ac:spMk id="5" creationId="{E031341D-1312-455E-8529-B8D34CD9460F}"/>
-          </ac:spMkLst>
-        </pc:spChg>
-        <pc:spChg chg="add mod ord">
-          <ac:chgData name="Ming-Chih Lin" userId="f1ba3ba5-e185-404b-b55f-b2be90e2bdc2" providerId="ADAL" clId="{091A637F-8D54-4E54-83E0-103516D33677}" dt="2020-06-11T02:03:19.110" v="3388" actId="20577"/>
-          <ac:spMkLst>
-            <pc:docMk/>
-            <pc:sldMk cId="224239816" sldId="325"/>
-            <ac:spMk id="6" creationId="{E6D230C9-887C-4C4E-B984-BA22A68FD7F3}"/>
-          </ac:spMkLst>
-        </pc:spChg>
-      </pc:sldChg>
-      <pc:sldChg chg="modSp new del mod">
-        <pc:chgData name="Ming-Chih Lin" userId="f1ba3ba5-e185-404b-b55f-b2be90e2bdc2" providerId="ADAL" clId="{091A637F-8D54-4E54-83E0-103516D33677}" dt="2020-06-04T23:48:17.573" v="722" actId="47"/>
-        <pc:sldMkLst>
-          <pc:docMk/>
-          <pc:sldMk cId="2274868590" sldId="326"/>
-        </pc:sldMkLst>
-        <pc:spChg chg="mod">
-          <ac:chgData name="Ming-Chih Lin" userId="f1ba3ba5-e185-404b-b55f-b2be90e2bdc2" providerId="ADAL" clId="{091A637F-8D54-4E54-83E0-103516D33677}" dt="2020-06-02T04:42:43.241" v="179"/>
-          <ac:spMkLst>
-            <pc:docMk/>
-            <pc:sldMk cId="2274868590" sldId="326"/>
-            <ac:spMk id="2" creationId="{2ECE43D3-146B-482B-A9A6-7456CBFB285E}"/>
-          </ac:spMkLst>
-        </pc:spChg>
-        <pc:spChg chg="mod">
-          <ac:chgData name="Ming-Chih Lin" userId="f1ba3ba5-e185-404b-b55f-b2be90e2bdc2" providerId="ADAL" clId="{091A637F-8D54-4E54-83E0-103516D33677}" dt="2020-06-02T04:42:12.955" v="178"/>
-          <ac:spMkLst>
-            <pc:docMk/>
-            <pc:sldMk cId="2274868590" sldId="326"/>
-            <ac:spMk id="3" creationId="{05EA17AD-8610-4049-85A8-8F47E9BB15B7}"/>
-          </ac:spMkLst>
-        </pc:spChg>
-      </pc:sldChg>
-      <pc:sldChg chg="add del">
-        <pc:chgData name="Ming-Chih Lin" userId="f1ba3ba5-e185-404b-b55f-b2be90e2bdc2" providerId="ADAL" clId="{091A637F-8D54-4E54-83E0-103516D33677}" dt="2020-06-02T04:41:40.842" v="146" actId="47"/>
-        <pc:sldMkLst>
-          <pc:docMk/>
-          <pc:sldMk cId="3836244428" sldId="326"/>
-        </pc:sldMkLst>
-      </pc:sldChg>
-      <pc:sldChg chg="modSp new mod">
-        <pc:chgData name="Ming-Chih Lin" userId="f1ba3ba5-e185-404b-b55f-b2be90e2bdc2" providerId="ADAL" clId="{091A637F-8D54-4E54-83E0-103516D33677}" dt="2020-06-02T05:42:27.432" v="221"/>
-        <pc:sldMkLst>
-          <pc:docMk/>
-          <pc:sldMk cId="156901807" sldId="327"/>
-        </pc:sldMkLst>
-        <pc:spChg chg="mod">
-          <ac:chgData name="Ming-Chih Lin" userId="f1ba3ba5-e185-404b-b55f-b2be90e2bdc2" providerId="ADAL" clId="{091A637F-8D54-4E54-83E0-103516D33677}" dt="2020-06-02T05:42:27.432" v="221"/>
-          <ac:spMkLst>
-            <pc:docMk/>
-            <pc:sldMk cId="156901807" sldId="327"/>
-            <ac:spMk id="3" creationId="{7B821B47-8BA5-4FCD-9802-B895214E451E}"/>
-          </ac:spMkLst>
-        </pc:spChg>
-      </pc:sldChg>
-      <pc:sldChg chg="modSp add mod ord">
-        <pc:chgData name="Ming-Chih Lin" userId="f1ba3ba5-e185-404b-b55f-b2be90e2bdc2" providerId="ADAL" clId="{091A637F-8D54-4E54-83E0-103516D33677}" dt="2020-06-04T23:49:27.147" v="724"/>
-        <pc:sldMkLst>
-          <pc:docMk/>
-          <pc:sldMk cId="1458989024" sldId="328"/>
-        </pc:sldMkLst>
-        <pc:spChg chg="mod">
-          <ac:chgData name="Ming-Chih Lin" userId="f1ba3ba5-e185-404b-b55f-b2be90e2bdc2" providerId="ADAL" clId="{091A637F-8D54-4E54-83E0-103516D33677}" dt="2020-06-02T05:43:09.910" v="278"/>
-          <ac:spMkLst>
-            <pc:docMk/>
-            <pc:sldMk cId="1458989024" sldId="328"/>
-            <ac:spMk id="3" creationId="{7B821B47-8BA5-4FCD-9802-B895214E451E}"/>
-          </ac:spMkLst>
-        </pc:spChg>
-      </pc:sldChg>
-      <pc:sldChg chg="addSp modSp new del mod">
-        <pc:chgData name="Ming-Chih Lin" userId="f1ba3ba5-e185-404b-b55f-b2be90e2bdc2" providerId="ADAL" clId="{091A637F-8D54-4E54-83E0-103516D33677}" dt="2020-06-04T23:43:05.766" v="647" actId="2696"/>
-        <pc:sldMkLst>
-          <pc:docMk/>
-          <pc:sldMk cId="2891632164" sldId="329"/>
-        </pc:sldMkLst>
-        <pc:spChg chg="mod">
-          <ac:chgData name="Ming-Chih Lin" userId="f1ba3ba5-e185-404b-b55f-b2be90e2bdc2" providerId="ADAL" clId="{091A637F-8D54-4E54-83E0-103516D33677}" dt="2020-06-04T23:15:48.024" v="475" actId="14100"/>
-          <ac:spMkLst>
-            <pc:docMk/>
-            <pc:sldMk cId="2891632164" sldId="329"/>
-            <ac:spMk id="2" creationId="{3C850A5C-0B10-4870-9F52-83ACBC4FB27D}"/>
-          </ac:spMkLst>
-        </pc:spChg>
-        <pc:spChg chg="mod">
-          <ac:chgData name="Ming-Chih Lin" userId="f1ba3ba5-e185-404b-b55f-b2be90e2bdc2" providerId="ADAL" clId="{091A637F-8D54-4E54-83E0-103516D33677}" dt="2020-06-04T23:15:07.985" v="473" actId="20577"/>
-          <ac:spMkLst>
-            <pc:docMk/>
-            <pc:sldMk cId="2891632164" sldId="329"/>
-            <ac:spMk id="3" creationId="{DA7D02FA-5EDB-4AA9-9818-8E79AA64DF8B}"/>
-          </ac:spMkLst>
-        </pc:spChg>
-        <pc:picChg chg="add mod">
-          <ac:chgData name="Ming-Chih Lin" userId="f1ba3ba5-e185-404b-b55f-b2be90e2bdc2" providerId="ADAL" clId="{091A637F-8D54-4E54-83E0-103516D33677}" dt="2020-06-04T23:14:14.147" v="369" actId="1076"/>
-          <ac:picMkLst>
-            <pc:docMk/>
-            <pc:sldMk cId="2891632164" sldId="329"/>
-            <ac:picMk id="4" creationId="{13D75680-B5D2-4231-AF90-6909699FA7DE}"/>
-          </ac:picMkLst>
-        </pc:picChg>
-        <pc:picChg chg="add mod">
-          <ac:chgData name="Ming-Chih Lin" userId="f1ba3ba5-e185-404b-b55f-b2be90e2bdc2" providerId="ADAL" clId="{091A637F-8D54-4E54-83E0-103516D33677}" dt="2020-06-04T23:14:17.825" v="370" actId="1076"/>
-          <ac:picMkLst>
-            <pc:docMk/>
-            <pc:sldMk cId="2891632164" sldId="329"/>
-            <ac:picMk id="5" creationId="{6D562F4E-8C74-4814-8B73-DA7C947D2D53}"/>
-          </ac:picMkLst>
-        </pc:picChg>
-      </pc:sldChg>
-      <pc:sldChg chg="addSp modSp add mod">
-        <pc:chgData name="Ming-Chih Lin" userId="f1ba3ba5-e185-404b-b55f-b2be90e2bdc2" providerId="ADAL" clId="{091A637F-8D54-4E54-83E0-103516D33677}" dt="2020-06-08T08:18:30.795" v="984" actId="14100"/>
-        <pc:sldMkLst>
-          <pc:docMk/>
-          <pc:sldMk cId="3776458717" sldId="329"/>
-        </pc:sldMkLst>
-        <pc:spChg chg="add mod">
-          <ac:chgData name="Ming-Chih Lin" userId="f1ba3ba5-e185-404b-b55f-b2be90e2bdc2" providerId="ADAL" clId="{091A637F-8D54-4E54-83E0-103516D33677}" dt="2020-06-08T08:18:30.795" v="984" actId="14100"/>
-          <ac:spMkLst>
-            <pc:docMk/>
-            <pc:sldMk cId="3776458717" sldId="329"/>
-            <ac:spMk id="6" creationId="{AF38F194-145A-4E55-98CA-85423943B855}"/>
-          </ac:spMkLst>
-        </pc:spChg>
-        <pc:picChg chg="mod">
-          <ac:chgData name="Ming-Chih Lin" userId="f1ba3ba5-e185-404b-b55f-b2be90e2bdc2" providerId="ADAL" clId="{091A637F-8D54-4E54-83E0-103516D33677}" dt="2020-06-08T08:16:22.385" v="921" actId="1076"/>
-          <ac:picMkLst>
-            <pc:docMk/>
-            <pc:sldMk cId="3776458717" sldId="329"/>
-            <ac:picMk id="5" creationId="{6D562F4E-8C74-4814-8B73-DA7C947D2D53}"/>
-          </ac:picMkLst>
-        </pc:picChg>
-      </pc:sldChg>
-      <pc:sldChg chg="addSp modSp add mod">
-        <pc:chgData name="Ming-Chih Lin" userId="f1ba3ba5-e185-404b-b55f-b2be90e2bdc2" providerId="ADAL" clId="{091A637F-8D54-4E54-83E0-103516D33677}" dt="2020-06-08T08:20:17.053" v="1029" actId="1076"/>
-        <pc:sldMkLst>
-          <pc:docMk/>
-          <pc:sldMk cId="3095247151" sldId="330"/>
-        </pc:sldMkLst>
-        <pc:spChg chg="add mod">
-          <ac:chgData name="Ming-Chih Lin" userId="f1ba3ba5-e185-404b-b55f-b2be90e2bdc2" providerId="ADAL" clId="{091A637F-8D54-4E54-83E0-103516D33677}" dt="2020-06-08T08:20:17.053" v="1029" actId="1076"/>
-          <ac:spMkLst>
-            <pc:docMk/>
-            <pc:sldMk cId="3095247151" sldId="330"/>
-            <ac:spMk id="4" creationId="{184015DA-79C9-40A8-8212-423BCB3BFC5E}"/>
-          </ac:spMkLst>
-        </pc:spChg>
-        <pc:picChg chg="mod">
-          <ac:chgData name="Ming-Chih Lin" userId="f1ba3ba5-e185-404b-b55f-b2be90e2bdc2" providerId="ADAL" clId="{091A637F-8D54-4E54-83E0-103516D33677}" dt="2020-06-08T08:20:11.475" v="1026" actId="1076"/>
-          <ac:picMkLst>
-            <pc:docMk/>
-            <pc:sldMk cId="3095247151" sldId="330"/>
-            <ac:picMk id="9" creationId="{6FF891F2-2DFA-4757-9BAA-1160974E48C5}"/>
-          </ac:picMkLst>
-        </pc:picChg>
-      </pc:sldChg>
-      <pc:sldChg chg="addSp delSp modSp new del mod chgLayout">
-        <pc:chgData name="Ming-Chih Lin" userId="f1ba3ba5-e185-404b-b55f-b2be90e2bdc2" providerId="ADAL" clId="{091A637F-8D54-4E54-83E0-103516D33677}" dt="2020-06-04T23:43:05.766" v="647" actId="2696"/>
-        <pc:sldMkLst>
-          <pc:docMk/>
-          <pc:sldMk cId="3150549366" sldId="330"/>
-        </pc:sldMkLst>
-        <pc:spChg chg="del">
-          <ac:chgData name="Ming-Chih Lin" userId="f1ba3ba5-e185-404b-b55f-b2be90e2bdc2" providerId="ADAL" clId="{091A637F-8D54-4E54-83E0-103516D33677}" dt="2020-06-04T23:12:45.238" v="315" actId="478"/>
-          <ac:spMkLst>
-            <pc:docMk/>
-            <pc:sldMk cId="3150549366" sldId="330"/>
-            <ac:spMk id="2" creationId="{80E5708D-CBE6-42DB-AA60-D2E4A503173D}"/>
-          </ac:spMkLst>
-        </pc:spChg>
-        <pc:spChg chg="del">
-          <ac:chgData name="Ming-Chih Lin" userId="f1ba3ba5-e185-404b-b55f-b2be90e2bdc2" providerId="ADAL" clId="{091A637F-8D54-4E54-83E0-103516D33677}" dt="2020-06-04T23:13:31.279" v="326" actId="700"/>
-          <ac:spMkLst>
-            <pc:docMk/>
-            <pc:sldMk cId="3150549366" sldId="330"/>
-            <ac:spMk id="3" creationId="{5B5203F6-6E6D-408B-9574-C998564D54C7}"/>
-          </ac:spMkLst>
-        </pc:spChg>
-        <pc:spChg chg="add mod ord">
-          <ac:chgData name="Ming-Chih Lin" userId="f1ba3ba5-e185-404b-b55f-b2be90e2bdc2" providerId="ADAL" clId="{091A637F-8D54-4E54-83E0-103516D33677}" dt="2020-06-04T23:18:33.408" v="569" actId="20577"/>
-          <ac:spMkLst>
-            <pc:docMk/>
-            <pc:sldMk cId="3150549366" sldId="330"/>
-            <ac:spMk id="7" creationId="{99CCFDF6-E590-4D0F-ACBA-DFDF8A8C3D54}"/>
-          </ac:spMkLst>
-        </pc:spChg>
-        <pc:spChg chg="add del mod ord">
-          <ac:chgData name="Ming-Chih Lin" userId="f1ba3ba5-e185-404b-b55f-b2be90e2bdc2" providerId="ADAL" clId="{091A637F-8D54-4E54-83E0-103516D33677}" dt="2020-06-04T23:17:47.159" v="476"/>
-          <ac:spMkLst>
-            <pc:docMk/>
-            <pc:sldMk cId="3150549366" sldId="330"/>
-            <ac:spMk id="8" creationId="{B0E9F882-0983-4A2C-B0CD-6930251D0D2C}"/>
-          </ac:spMkLst>
-        </pc:spChg>
-        <pc:picChg chg="add del mod">
-          <ac:chgData name="Ming-Chih Lin" userId="f1ba3ba5-e185-404b-b55f-b2be90e2bdc2" providerId="ADAL" clId="{091A637F-8D54-4E54-83E0-103516D33677}" dt="2020-06-04T23:12:48.169" v="318" actId="478"/>
-          <ac:picMkLst>
-            <pc:docMk/>
-            <pc:sldMk cId="3150549366" sldId="330"/>
-            <ac:picMk id="4" creationId="{1281CDFD-A184-4E56-B00B-DAFD4458E504}"/>
-          </ac:picMkLst>
-        </pc:picChg>
-        <pc:picChg chg="add del mod">
-          <ac:chgData name="Ming-Chih Lin" userId="f1ba3ba5-e185-404b-b55f-b2be90e2bdc2" providerId="ADAL" clId="{091A637F-8D54-4E54-83E0-103516D33677}" dt="2020-06-04T23:14:06.228" v="365" actId="21"/>
-          <ac:picMkLst>
-            <pc:docMk/>
-            <pc:sldMk cId="3150549366" sldId="330"/>
-            <ac:picMk id="5" creationId="{156D1174-6F0A-4A8F-AC91-9C5821D67422}"/>
-          </ac:picMkLst>
-        </pc:picChg>
-        <pc:picChg chg="add del mod">
-          <ac:chgData name="Ming-Chih Lin" userId="f1ba3ba5-e185-404b-b55f-b2be90e2bdc2" providerId="ADAL" clId="{091A637F-8D54-4E54-83E0-103516D33677}" dt="2020-06-04T23:14:06.228" v="365" actId="21"/>
-          <ac:picMkLst>
-            <pc:docMk/>
-            <pc:sldMk cId="3150549366" sldId="330"/>
-            <ac:picMk id="6" creationId="{6CEC12B8-8D43-4992-B369-065FA4B7D333}"/>
-          </ac:picMkLst>
-        </pc:picChg>
-        <pc:picChg chg="add mod">
-          <ac:chgData name="Ming-Chih Lin" userId="f1ba3ba5-e185-404b-b55f-b2be90e2bdc2" providerId="ADAL" clId="{091A637F-8D54-4E54-83E0-103516D33677}" dt="2020-06-04T23:18:40.941" v="571" actId="1076"/>
-          <ac:picMkLst>
-            <pc:docMk/>
-            <pc:sldMk cId="3150549366" sldId="330"/>
-            <ac:picMk id="9" creationId="{6FF891F2-2DFA-4757-9BAA-1160974E48C5}"/>
-          </ac:picMkLst>
-        </pc:picChg>
-      </pc:sldChg>
-      <pc:sldChg chg="modSp new del mod ord">
-        <pc:chgData name="Ming-Chih Lin" userId="f1ba3ba5-e185-404b-b55f-b2be90e2bdc2" providerId="ADAL" clId="{091A637F-8D54-4E54-83E0-103516D33677}" dt="2020-06-04T23:43:05.766" v="647" actId="2696"/>
-        <pc:sldMkLst>
-          <pc:docMk/>
-          <pc:sldMk cId="2598053631" sldId="331"/>
-        </pc:sldMkLst>
-        <pc:spChg chg="mod">
-          <ac:chgData name="Ming-Chih Lin" userId="f1ba3ba5-e185-404b-b55f-b2be90e2bdc2" providerId="ADAL" clId="{091A637F-8D54-4E54-83E0-103516D33677}" dt="2020-06-04T23:41:48.910" v="608"/>
-          <ac:spMkLst>
-            <pc:docMk/>
-            <pc:sldMk cId="2598053631" sldId="331"/>
-            <ac:spMk id="2" creationId="{BE83D0CB-5CE0-45DE-BEAA-A473BDC9555D}"/>
-          </ac:spMkLst>
-        </pc:spChg>
-        <pc:spChg chg="mod">
-          <ac:chgData name="Ming-Chih Lin" userId="f1ba3ba5-e185-404b-b55f-b2be90e2bdc2" providerId="ADAL" clId="{091A637F-8D54-4E54-83E0-103516D33677}" dt="2020-06-04T23:42:20.719" v="646"/>
-          <ac:spMkLst>
-            <pc:docMk/>
-            <pc:sldMk cId="2598053631" sldId="331"/>
-            <ac:spMk id="3" creationId="{0328546A-7A5A-41F7-8BBE-32BB0E646989}"/>
-          </ac:spMkLst>
-        </pc:spChg>
-      </pc:sldChg>
-      <pc:sldChg chg="modSp add mod ord">
-        <pc:chgData name="Ming-Chih Lin" userId="f1ba3ba5-e185-404b-b55f-b2be90e2bdc2" providerId="ADAL" clId="{091A637F-8D54-4E54-83E0-103516D33677}" dt="2020-06-11T00:49:51.181" v="1110"/>
-        <pc:sldMkLst>
-          <pc:docMk/>
-          <pc:sldMk cId="3005715725" sldId="331"/>
-        </pc:sldMkLst>
-        <pc:spChg chg="mod">
-          <ac:chgData name="Ming-Chih Lin" userId="f1ba3ba5-e185-404b-b55f-b2be90e2bdc2" providerId="ADAL" clId="{091A637F-8D54-4E54-83E0-103516D33677}" dt="2020-06-11T00:49:37.301" v="1108" actId="5793"/>
-          <ac:spMkLst>
-            <pc:docMk/>
-            <pc:sldMk cId="3005715725" sldId="331"/>
-            <ac:spMk id="2" creationId="{BE83D0CB-5CE0-45DE-BEAA-A473BDC9555D}"/>
-          </ac:spMkLst>
-        </pc:spChg>
-      </pc:sldChg>
-      <pc:sldChg chg="modSp new mod">
-        <pc:chgData name="Ming-Chih Lin" userId="f1ba3ba5-e185-404b-b55f-b2be90e2bdc2" providerId="ADAL" clId="{091A637F-8D54-4E54-83E0-103516D33677}" dt="2020-06-15T06:48:34.956" v="3559" actId="5793"/>
-        <pc:sldMkLst>
-          <pc:docMk/>
-          <pc:sldMk cId="2201880862" sldId="332"/>
-        </pc:sldMkLst>
-        <pc:spChg chg="mod">
-          <ac:chgData name="Ming-Chih Lin" userId="f1ba3ba5-e185-404b-b55f-b2be90e2bdc2" providerId="ADAL" clId="{091A637F-8D54-4E54-83E0-103516D33677}" dt="2020-06-15T06:48:34.956" v="3559" actId="5793"/>
-          <ac:spMkLst>
-            <pc:docMk/>
-            <pc:sldMk cId="2201880862" sldId="332"/>
-            <ac:spMk id="2" creationId="{63E9190B-5DF0-470F-99A7-033CA4F2A6F7}"/>
-          </ac:spMkLst>
-        </pc:spChg>
-        <pc:spChg chg="mod">
-          <ac:chgData name="Ming-Chih Lin" userId="f1ba3ba5-e185-404b-b55f-b2be90e2bdc2" providerId="ADAL" clId="{091A637F-8D54-4E54-83E0-103516D33677}" dt="2020-06-08T08:06:34.262" v="779"/>
-          <ac:spMkLst>
-            <pc:docMk/>
-            <pc:sldMk cId="2201880862" sldId="332"/>
-            <ac:spMk id="3" creationId="{393D0B58-B171-4E4C-B422-399DB218A3BA}"/>
-          </ac:spMkLst>
-        </pc:spChg>
-      </pc:sldChg>
-      <pc:sldChg chg="addSp delSp modSp new mod ord">
-        <pc:chgData name="Ming-Chih Lin" userId="f1ba3ba5-e185-404b-b55f-b2be90e2bdc2" providerId="ADAL" clId="{091A637F-8D54-4E54-83E0-103516D33677}" dt="2020-06-11T01:12:08.113" v="1799" actId="20577"/>
-        <pc:sldMkLst>
-          <pc:docMk/>
-          <pc:sldMk cId="3521337715" sldId="333"/>
-        </pc:sldMkLst>
-        <pc:spChg chg="mod">
-          <ac:chgData name="Ming-Chih Lin" userId="f1ba3ba5-e185-404b-b55f-b2be90e2bdc2" providerId="ADAL" clId="{091A637F-8D54-4E54-83E0-103516D33677}" dt="2020-06-11T01:12:08.113" v="1799" actId="20577"/>
-          <ac:spMkLst>
-            <pc:docMk/>
-            <pc:sldMk cId="3521337715" sldId="333"/>
-            <ac:spMk id="2" creationId="{3C0836BA-41C1-4877-85B9-A657301C71C9}"/>
-          </ac:spMkLst>
-        </pc:spChg>
-        <pc:spChg chg="mod">
-          <ac:chgData name="Ming-Chih Lin" userId="f1ba3ba5-e185-404b-b55f-b2be90e2bdc2" providerId="ADAL" clId="{091A637F-8D54-4E54-83E0-103516D33677}" dt="2020-06-11T00:45:23.908" v="1073"/>
-          <ac:spMkLst>
-            <pc:docMk/>
-            <pc:sldMk cId="3521337715" sldId="333"/>
-            <ac:spMk id="3" creationId="{8CFF7B32-9BBF-4B28-B5CF-3F687B116FF4}"/>
-          </ac:spMkLst>
-        </pc:spChg>
-        <pc:picChg chg="add del mod">
-          <ac:chgData name="Ming-Chih Lin" userId="f1ba3ba5-e185-404b-b55f-b2be90e2bdc2" providerId="ADAL" clId="{091A637F-8D54-4E54-83E0-103516D33677}" dt="2020-06-11T00:48:10.480" v="1092" actId="478"/>
-          <ac:picMkLst>
-            <pc:docMk/>
-            <pc:sldMk cId="3521337715" sldId="333"/>
-            <ac:picMk id="5" creationId="{E702C5BC-E741-4C9C-866D-AD7C0CC315A8}"/>
-          </ac:picMkLst>
-        </pc:picChg>
-        <pc:picChg chg="add mod">
-          <ac:chgData name="Ming-Chih Lin" userId="f1ba3ba5-e185-404b-b55f-b2be90e2bdc2" providerId="ADAL" clId="{091A637F-8D54-4E54-83E0-103516D33677}" dt="2020-06-11T00:49:20.416" v="1104" actId="1076"/>
-          <ac:picMkLst>
-            <pc:docMk/>
-            <pc:sldMk cId="3521337715" sldId="333"/>
-            <ac:picMk id="7" creationId="{F0558DBF-4236-46EA-989C-10E46F417DAE}"/>
-          </ac:picMkLst>
-        </pc:picChg>
-        <pc:picChg chg="add del mod">
-          <ac:chgData name="Ming-Chih Lin" userId="f1ba3ba5-e185-404b-b55f-b2be90e2bdc2" providerId="ADAL" clId="{091A637F-8D54-4E54-83E0-103516D33677}" dt="2020-06-11T00:49:04.207" v="1098" actId="478"/>
-          <ac:picMkLst>
-            <pc:docMk/>
-            <pc:sldMk cId="3521337715" sldId="333"/>
-            <ac:picMk id="9" creationId="{FB845E3A-7BEA-4518-A120-20145C3E4220}"/>
-          </ac:picMkLst>
-        </pc:picChg>
-        <pc:picChg chg="add del mod">
-          <ac:chgData name="Ming-Chih Lin" userId="f1ba3ba5-e185-404b-b55f-b2be90e2bdc2" providerId="ADAL" clId="{091A637F-8D54-4E54-83E0-103516D33677}" dt="2020-06-11T00:49:01.585" v="1096" actId="478"/>
-          <ac:picMkLst>
-            <pc:docMk/>
-            <pc:sldMk cId="3521337715" sldId="333"/>
-            <ac:picMk id="11" creationId="{F2D591C5-F8A5-4AE2-BC94-EAB39EAA26C7}"/>
-          </ac:picMkLst>
-        </pc:picChg>
-      </pc:sldChg>
-      <pc:sldChg chg="modSp new mod">
-        <pc:chgData name="Ming-Chih Lin" userId="f1ba3ba5-e185-404b-b55f-b2be90e2bdc2" providerId="ADAL" clId="{091A637F-8D54-4E54-83E0-103516D33677}" dt="2020-06-11T02:00:27.657" v="3280"/>
-        <pc:sldMkLst>
-          <pc:docMk/>
-          <pc:sldMk cId="2710371858" sldId="334"/>
-        </pc:sldMkLst>
-        <pc:spChg chg="mod">
-          <ac:chgData name="Ming-Chih Lin" userId="f1ba3ba5-e185-404b-b55f-b2be90e2bdc2" providerId="ADAL" clId="{091A637F-8D54-4E54-83E0-103516D33677}" dt="2020-06-11T02:00:27.657" v="3280"/>
-          <ac:spMkLst>
-            <pc:docMk/>
-            <pc:sldMk cId="2710371858" sldId="334"/>
-            <ac:spMk id="2" creationId="{A0020F58-1EEF-43C7-9991-37A91C5F9028}"/>
-          </ac:spMkLst>
-        </pc:spChg>
-        <pc:spChg chg="mod">
-          <ac:chgData name="Ming-Chih Lin" userId="f1ba3ba5-e185-404b-b55f-b2be90e2bdc2" providerId="ADAL" clId="{091A637F-8D54-4E54-83E0-103516D33677}" dt="2020-06-11T01:43:08.025" v="2678"/>
-          <ac:spMkLst>
-            <pc:docMk/>
-            <pc:sldMk cId="2710371858" sldId="334"/>
-            <ac:spMk id="3" creationId="{C9442E6B-24EF-46B1-A592-A7969CC70BC4}"/>
-          </ac:spMkLst>
-        </pc:spChg>
-      </pc:sldChg>
-      <pc:sldChg chg="addSp delSp modSp new mod ord">
-        <pc:chgData name="Ming-Chih Lin" userId="f1ba3ba5-e185-404b-b55f-b2be90e2bdc2" providerId="ADAL" clId="{091A637F-8D54-4E54-83E0-103516D33677}" dt="2020-06-11T21:22:33.944" v="3524" actId="1076"/>
-        <pc:sldMkLst>
-          <pc:docMk/>
-          <pc:sldMk cId="3025016352" sldId="335"/>
-        </pc:sldMkLst>
-        <pc:spChg chg="del mod">
-          <ac:chgData name="Ming-Chih Lin" userId="f1ba3ba5-e185-404b-b55f-b2be90e2bdc2" providerId="ADAL" clId="{091A637F-8D54-4E54-83E0-103516D33677}" dt="2020-06-11T01:29:04.302" v="2447" actId="478"/>
-          <ac:spMkLst>
-            <pc:docMk/>
-            <pc:sldMk cId="3025016352" sldId="335"/>
-            <ac:spMk id="2" creationId="{FC05F11D-2706-4688-A391-5EF47491D9BC}"/>
-          </ac:spMkLst>
-        </pc:spChg>
-        <pc:spChg chg="mod">
-          <ac:chgData name="Ming-Chih Lin" userId="f1ba3ba5-e185-404b-b55f-b2be90e2bdc2" providerId="ADAL" clId="{091A637F-8D54-4E54-83E0-103516D33677}" dt="2020-06-11T01:27:54.415" v="2445"/>
-          <ac:spMkLst>
-            <pc:docMk/>
-            <pc:sldMk cId="3025016352" sldId="335"/>
-            <ac:spMk id="3" creationId="{F16C522D-2D84-47E3-89DE-079E01A60425}"/>
-          </ac:spMkLst>
-        </pc:spChg>
-        <pc:spChg chg="add del mod">
-          <ac:chgData name="Ming-Chih Lin" userId="f1ba3ba5-e185-404b-b55f-b2be90e2bdc2" providerId="ADAL" clId="{091A637F-8D54-4E54-83E0-103516D33677}" dt="2020-06-11T01:29:05.918" v="2448" actId="478"/>
-          <ac:spMkLst>
-            <pc:docMk/>
-            <pc:sldMk cId="3025016352" sldId="335"/>
-            <ac:spMk id="6" creationId="{5FAFFF69-3674-4284-A5E5-1AF2A6777C6D}"/>
-          </ac:spMkLst>
-        </pc:spChg>
-        <pc:picChg chg="add del mod">
-          <ac:chgData name="Ming-Chih Lin" userId="f1ba3ba5-e185-404b-b55f-b2be90e2bdc2" providerId="ADAL" clId="{091A637F-8D54-4E54-83E0-103516D33677}" dt="2020-06-11T01:29:00.580" v="2446" actId="478"/>
-          <ac:picMkLst>
-            <pc:docMk/>
-            <pc:sldMk cId="3025016352" sldId="335"/>
-            <ac:picMk id="4" creationId="{0A2EC464-5537-4AB0-9593-CA79DF7298E5}"/>
-          </ac:picMkLst>
-        </pc:picChg>
-        <pc:picChg chg="add del mod">
-          <ac:chgData name="Ming-Chih Lin" userId="f1ba3ba5-e185-404b-b55f-b2be90e2bdc2" providerId="ADAL" clId="{091A637F-8D54-4E54-83E0-103516D33677}" dt="2020-06-11T01:41:24.487" v="2627" actId="478"/>
-          <ac:picMkLst>
-            <pc:docMk/>
-            <pc:sldMk cId="3025016352" sldId="335"/>
-            <ac:picMk id="7" creationId="{F8B698C4-2A4C-48C6-B4C5-ADB3CD050AC3}"/>
-          </ac:picMkLst>
-        </pc:picChg>
-        <pc:picChg chg="add del mod">
-          <ac:chgData name="Ming-Chih Lin" userId="f1ba3ba5-e185-404b-b55f-b2be90e2bdc2" providerId="ADAL" clId="{091A637F-8D54-4E54-83E0-103516D33677}" dt="2020-06-11T01:41:46.634" v="2631" actId="478"/>
-          <ac:picMkLst>
-            <pc:docMk/>
-            <pc:sldMk cId="3025016352" sldId="335"/>
-            <ac:picMk id="8" creationId="{82652B9D-730A-4236-B5BC-3A599FAF7530}"/>
-          </ac:picMkLst>
-        </pc:picChg>
-        <pc:picChg chg="add mod">
-          <ac:chgData name="Ming-Chih Lin" userId="f1ba3ba5-e185-404b-b55f-b2be90e2bdc2" providerId="ADAL" clId="{091A637F-8D54-4E54-83E0-103516D33677}" dt="2020-06-11T21:22:33.944" v="3524" actId="1076"/>
-          <ac:picMkLst>
-            <pc:docMk/>
-            <pc:sldMk cId="3025016352" sldId="335"/>
-            <ac:picMk id="9" creationId="{57DD705B-BD79-429B-AD16-956668A83A24}"/>
-          </ac:picMkLst>
-        </pc:picChg>
-        <pc:picChg chg="add mod">
-          <ac:chgData name="Ming-Chih Lin" userId="f1ba3ba5-e185-404b-b55f-b2be90e2bdc2" providerId="ADAL" clId="{091A637F-8D54-4E54-83E0-103516D33677}" dt="2020-06-11T01:42:31.341" v="2638" actId="1076"/>
-          <ac:picMkLst>
-            <pc:docMk/>
-            <pc:sldMk cId="3025016352" sldId="335"/>
-            <ac:picMk id="10" creationId="{30A68B6E-356F-480A-9F67-2DC2386A1FC0}"/>
-          </ac:picMkLst>
-        </pc:picChg>
-      </pc:sldChg>
-      <pc:sldChg chg="addSp delSp modSp new mod">
-        <pc:chgData name="Ming-Chih Lin" userId="f1ba3ba5-e185-404b-b55f-b2be90e2bdc2" providerId="ADAL" clId="{091A637F-8D54-4E54-83E0-103516D33677}" dt="2020-06-11T21:22:11.439" v="3523"/>
-        <pc:sldMkLst>
-          <pc:docMk/>
-          <pc:sldMk cId="3498516507" sldId="336"/>
-        </pc:sldMkLst>
-        <pc:spChg chg="mod">
-          <ac:chgData name="Ming-Chih Lin" userId="f1ba3ba5-e185-404b-b55f-b2be90e2bdc2" providerId="ADAL" clId="{091A637F-8D54-4E54-83E0-103516D33677}" dt="2020-06-11T21:22:11.439" v="3523"/>
-          <ac:spMkLst>
-            <pc:docMk/>
-            <pc:sldMk cId="3498516507" sldId="336"/>
-            <ac:spMk id="2" creationId="{64FB6E69-8588-48E4-B812-2F818C7B0EA4}"/>
-          </ac:spMkLst>
-        </pc:spChg>
-        <pc:spChg chg="mod">
-          <ac:chgData name="Ming-Chih Lin" userId="f1ba3ba5-e185-404b-b55f-b2be90e2bdc2" providerId="ADAL" clId="{091A637F-8D54-4E54-83E0-103516D33677}" dt="2020-06-11T21:20:46.396" v="3466"/>
-          <ac:spMkLst>
-            <pc:docMk/>
-            <pc:sldMk cId="3498516507" sldId="336"/>
-            <ac:spMk id="3" creationId="{CFE78556-6DF2-455C-BADF-A24936CF1C4E}"/>
-          </ac:spMkLst>
-        </pc:spChg>
-        <pc:spChg chg="add mod">
-          <ac:chgData name="Ming-Chih Lin" userId="f1ba3ba5-e185-404b-b55f-b2be90e2bdc2" providerId="ADAL" clId="{091A637F-8D54-4E54-83E0-103516D33677}" dt="2020-06-11T21:20:20.377" v="3461" actId="164"/>
-          <ac:spMkLst>
-            <pc:docMk/>
-            <pc:sldMk cId="3498516507" sldId="336"/>
-            <ac:spMk id="8" creationId="{879D60DC-925B-4C2B-9AF1-C4E390F18704}"/>
-          </ac:spMkLst>
-        </pc:spChg>
-        <pc:spChg chg="add mod">
-          <ac:chgData name="Ming-Chih Lin" userId="f1ba3ba5-e185-404b-b55f-b2be90e2bdc2" providerId="ADAL" clId="{091A637F-8D54-4E54-83E0-103516D33677}" dt="2020-06-11T21:20:20.377" v="3461" actId="164"/>
-          <ac:spMkLst>
-            <pc:docMk/>
-            <pc:sldMk cId="3498516507" sldId="336"/>
-            <ac:spMk id="9" creationId="{F890EF2B-3AA8-4CDA-82B7-AFB68F9CFB05}"/>
-          </ac:spMkLst>
-        </pc:spChg>
-        <pc:spChg chg="add mod">
-          <ac:chgData name="Ming-Chih Lin" userId="f1ba3ba5-e185-404b-b55f-b2be90e2bdc2" providerId="ADAL" clId="{091A637F-8D54-4E54-83E0-103516D33677}" dt="2020-06-11T21:20:20.377" v="3461" actId="164"/>
-          <ac:spMkLst>
-            <pc:docMk/>
-            <pc:sldMk cId="3498516507" sldId="336"/>
-            <ac:spMk id="10" creationId="{943F3EC5-0D23-4041-95D5-4CD8F26FB2F1}"/>
-          </ac:spMkLst>
-        </pc:spChg>
-        <pc:spChg chg="add mod">
-          <ac:chgData name="Ming-Chih Lin" userId="f1ba3ba5-e185-404b-b55f-b2be90e2bdc2" providerId="ADAL" clId="{091A637F-8D54-4E54-83E0-103516D33677}" dt="2020-06-11T21:20:20.377" v="3461" actId="164"/>
-          <ac:spMkLst>
-            <pc:docMk/>
-            <pc:sldMk cId="3498516507" sldId="336"/>
-            <ac:spMk id="11" creationId="{530B4305-9779-42C3-B7EB-5FDECAF82CA6}"/>
-          </ac:spMkLst>
-        </pc:spChg>
-        <pc:grpChg chg="add mod">
-          <ac:chgData name="Ming-Chih Lin" userId="f1ba3ba5-e185-404b-b55f-b2be90e2bdc2" providerId="ADAL" clId="{091A637F-8D54-4E54-83E0-103516D33677}" dt="2020-06-11T21:20:34.333" v="3462" actId="1076"/>
-          <ac:grpSpMkLst>
-            <pc:docMk/>
-            <pc:sldMk cId="3498516507" sldId="336"/>
-            <ac:grpSpMk id="12" creationId="{30E6E683-6CD4-46D8-87A7-57EE23185BA4}"/>
-          </ac:grpSpMkLst>
-        </pc:grpChg>
-        <pc:picChg chg="add del mod">
-          <ac:chgData name="Ming-Chih Lin" userId="f1ba3ba5-e185-404b-b55f-b2be90e2bdc2" providerId="ADAL" clId="{091A637F-8D54-4E54-83E0-103516D33677}" dt="2020-06-11T21:13:16.886" v="3400" actId="478"/>
-          <ac:picMkLst>
-            <pc:docMk/>
-            <pc:sldMk cId="3498516507" sldId="336"/>
-            <ac:picMk id="5" creationId="{2B8C4C65-2CD7-4897-A47B-CC8267A2CC09}"/>
-          </ac:picMkLst>
-        </pc:picChg>
-        <pc:picChg chg="add mod">
-          <ac:chgData name="Ming-Chih Lin" userId="f1ba3ba5-e185-404b-b55f-b2be90e2bdc2" providerId="ADAL" clId="{091A637F-8D54-4E54-83E0-103516D33677}" dt="2020-06-11T21:20:20.377" v="3461" actId="164"/>
-          <ac:picMkLst>
-            <pc:docMk/>
-            <pc:sldMk cId="3498516507" sldId="336"/>
-            <ac:picMk id="7" creationId="{24C0C527-F546-49A1-83CD-40889B1EC984}"/>
-          </ac:picMkLst>
-        </pc:picChg>
-      </pc:sldChg>
-      <pc:sldChg chg="addSp delSp modSp add mod">
-        <pc:chgData name="Ming-Chih Lin" userId="f1ba3ba5-e185-404b-b55f-b2be90e2bdc2" providerId="ADAL" clId="{091A637F-8D54-4E54-83E0-103516D33677}" dt="2020-06-11T01:41:02.181" v="2626"/>
-        <pc:sldMkLst>
-          <pc:docMk/>
-          <pc:sldMk cId="3289713005" sldId="337"/>
-        </pc:sldMkLst>
-        <pc:spChg chg="mod">
-          <ac:chgData name="Ming-Chih Lin" userId="f1ba3ba5-e185-404b-b55f-b2be90e2bdc2" providerId="ADAL" clId="{091A637F-8D54-4E54-83E0-103516D33677}" dt="2020-06-11T01:27:00.255" v="2393" actId="113"/>
-          <ac:spMkLst>
-            <pc:docMk/>
-            <pc:sldMk cId="3289713005" sldId="337"/>
-            <ac:spMk id="2" creationId="{FC05F11D-2706-4688-A391-5EF47491D9BC}"/>
-          </ac:spMkLst>
-        </pc:spChg>
-        <pc:spChg chg="mod">
-          <ac:chgData name="Ming-Chih Lin" userId="f1ba3ba5-e185-404b-b55f-b2be90e2bdc2" providerId="ADAL" clId="{091A637F-8D54-4E54-83E0-103516D33677}" dt="2020-06-11T01:27:01.437" v="2394"/>
-          <ac:spMkLst>
-            <pc:docMk/>
-            <pc:sldMk cId="3289713005" sldId="337"/>
-            <ac:spMk id="3" creationId="{F16C522D-2D84-47E3-89DE-079E01A60425}"/>
-          </ac:spMkLst>
-        </pc:spChg>
-        <pc:picChg chg="del mod">
-          <ac:chgData name="Ming-Chih Lin" userId="f1ba3ba5-e185-404b-b55f-b2be90e2bdc2" providerId="ADAL" clId="{091A637F-8D54-4E54-83E0-103516D33677}" dt="2020-06-11T01:41:01.854" v="2625" actId="478"/>
-          <ac:picMkLst>
-            <pc:docMk/>
-            <pc:sldMk cId="3289713005" sldId="337"/>
-            <ac:picMk id="4" creationId="{0A2EC464-5537-4AB0-9593-CA79DF7298E5}"/>
-          </ac:picMkLst>
-        </pc:picChg>
-        <pc:picChg chg="add">
-          <ac:chgData name="Ming-Chih Lin" userId="f1ba3ba5-e185-404b-b55f-b2be90e2bdc2" providerId="ADAL" clId="{091A637F-8D54-4E54-83E0-103516D33677}" dt="2020-06-11T01:41:02.181" v="2626"/>
-          <ac:picMkLst>
-            <pc:docMk/>
-            <pc:sldMk cId="3289713005" sldId="337"/>
-            <ac:picMk id="5" creationId="{8E4C8392-A193-4C22-AF4E-D4A7309C3E0C}"/>
-          </ac:picMkLst>
-        </pc:picChg>
-      </pc:sldChg>
-      <pc:sldChg chg="modSp new mod">
-        <pc:chgData name="Ming-Chih Lin" userId="f1ba3ba5-e185-404b-b55f-b2be90e2bdc2" providerId="ADAL" clId="{091A637F-8D54-4E54-83E0-103516D33677}" dt="2020-06-11T01:37:21.333" v="2546"/>
-        <pc:sldMkLst>
-          <pc:docMk/>
-          <pc:sldMk cId="2326687561" sldId="338"/>
-        </pc:sldMkLst>
-        <pc:spChg chg="mod">
-          <ac:chgData name="Ming-Chih Lin" userId="f1ba3ba5-e185-404b-b55f-b2be90e2bdc2" providerId="ADAL" clId="{091A637F-8D54-4E54-83E0-103516D33677}" dt="2020-06-11T01:37:20.302" v="2545" actId="21"/>
-          <ac:spMkLst>
-            <pc:docMk/>
-            <pc:sldMk cId="2326687561" sldId="338"/>
-            <ac:spMk id="2" creationId="{4018368D-D9CD-4787-8F2D-463EE7818B52}"/>
-          </ac:spMkLst>
-        </pc:spChg>
-        <pc:spChg chg="mod">
-          <ac:chgData name="Ming-Chih Lin" userId="f1ba3ba5-e185-404b-b55f-b2be90e2bdc2" providerId="ADAL" clId="{091A637F-8D54-4E54-83E0-103516D33677}" dt="2020-06-11T01:37:21.333" v="2546"/>
-          <ac:spMkLst>
-            <pc:docMk/>
-            <pc:sldMk cId="2326687561" sldId="338"/>
-            <ac:spMk id="3" creationId="{429B65A8-F140-4492-B6BA-8E81B2C93E44}"/>
-          </ac:spMkLst>
-        </pc:spChg>
-      </pc:sldChg>
-      <pc:sldChg chg="modSp new mod">
-        <pc:chgData name="Ming-Chih Lin" userId="f1ba3ba5-e185-404b-b55f-b2be90e2bdc2" providerId="ADAL" clId="{091A637F-8D54-4E54-83E0-103516D33677}" dt="2020-06-15T06:49:15.855" v="3562" actId="20577"/>
-        <pc:sldMkLst>
-          <pc:docMk/>
-          <pc:sldMk cId="1922805159" sldId="339"/>
-        </pc:sldMkLst>
-        <pc:spChg chg="mod">
-          <ac:chgData name="Ming-Chih Lin" userId="f1ba3ba5-e185-404b-b55f-b2be90e2bdc2" providerId="ADAL" clId="{091A637F-8D54-4E54-83E0-103516D33677}" dt="2020-06-11T02:03:45.462" v="3391" actId="20577"/>
-          <ac:spMkLst>
-            <pc:docMk/>
-            <pc:sldMk cId="1922805159" sldId="339"/>
-            <ac:spMk id="2" creationId="{1980CAE3-DCE1-4B69-AEC5-A57CF35DFB64}"/>
-          </ac:spMkLst>
-        </pc:spChg>
-        <pc:spChg chg="mod">
-          <ac:chgData name="Ming-Chih Lin" userId="f1ba3ba5-e185-404b-b55f-b2be90e2bdc2" providerId="ADAL" clId="{091A637F-8D54-4E54-83E0-103516D33677}" dt="2020-06-15T06:49:15.855" v="3562" actId="20577"/>
-          <ac:spMkLst>
-            <pc:docMk/>
-            <pc:sldMk cId="1922805159" sldId="339"/>
-            <ac:spMk id="3" creationId="{26966E35-C5AD-42C8-B371-687A65F33785}"/>
-          </ac:spMkLst>
-        </pc:spChg>
-      </pc:sldChg>
-      <pc:sldChg chg="add">
-        <pc:chgData name="Ming-Chih Lin" userId="f1ba3ba5-e185-404b-b55f-b2be90e2bdc2" providerId="ADAL" clId="{091A637F-8D54-4E54-83E0-103516D33677}" dt="2020-06-11T21:10:47.259" v="3392"/>
-        <pc:sldMkLst>
-          <pc:docMk/>
-          <pc:sldMk cId="4276155350" sldId="340"/>
-        </pc:sldMkLst>
       </pc:sldChg>
     </pc:docChg>
   </pc:docChgLst>
@@ -3145,6 +1151,2000 @@
             <ac:picMk id="2" creationId="{24B42EE7-EE76-400D-B513-614BD7A34C4E}"/>
           </ac:picMkLst>
         </pc:picChg>
+      </pc:sldChg>
+    </pc:docChg>
+  </pc:docChgLst>
+  <pc:docChgLst>
+    <pc:chgData name="Ming-Chih Lin" userId="f1ba3ba5-e185-404b-b55f-b2be90e2bdc2" providerId="ADAL" clId="{794224D3-789D-47BB-A0D2-62C663EDB1CA}"/>
+    <pc:docChg chg="undo custSel addSld delSld modSld sldOrd">
+      <pc:chgData name="Ming-Chih Lin" userId="f1ba3ba5-e185-404b-b55f-b2be90e2bdc2" providerId="ADAL" clId="{794224D3-789D-47BB-A0D2-62C663EDB1CA}" dt="2020-06-01T23:07:13.749" v="1270"/>
+      <pc:docMkLst>
+        <pc:docMk/>
+      </pc:docMkLst>
+      <pc:sldChg chg="delSp">
+        <pc:chgData name="Ming-Chih Lin" userId="f1ba3ba5-e185-404b-b55f-b2be90e2bdc2" providerId="ADAL" clId="{794224D3-789D-47BB-A0D2-62C663EDB1CA}" dt="2020-05-31T07:03:43.577" v="122" actId="478"/>
+        <pc:sldMkLst>
+          <pc:docMk/>
+          <pc:sldMk cId="1322618313" sldId="258"/>
+        </pc:sldMkLst>
+        <pc:spChg chg="del">
+          <ac:chgData name="Ming-Chih Lin" userId="f1ba3ba5-e185-404b-b55f-b2be90e2bdc2" providerId="ADAL" clId="{794224D3-789D-47BB-A0D2-62C663EDB1CA}" dt="2020-05-31T07:03:43.577" v="122" actId="478"/>
+          <ac:spMkLst>
+            <pc:docMk/>
+            <pc:sldMk cId="1322618313" sldId="258"/>
+            <ac:spMk id="2" creationId="{FBCCA4FE-507B-4375-9CA7-1938A59E84E8}"/>
+          </ac:spMkLst>
+        </pc:spChg>
+        <pc:spChg chg="del">
+          <ac:chgData name="Ming-Chih Lin" userId="f1ba3ba5-e185-404b-b55f-b2be90e2bdc2" providerId="ADAL" clId="{794224D3-789D-47BB-A0D2-62C663EDB1CA}" dt="2020-05-31T07:03:42.118" v="121" actId="478"/>
+          <ac:spMkLst>
+            <pc:docMk/>
+            <pc:sldMk cId="1322618313" sldId="258"/>
+            <ac:spMk id="3" creationId="{59C9E95B-21C0-4D96-ABCD-CD1BC19F6A0D}"/>
+          </ac:spMkLst>
+        </pc:spChg>
+      </pc:sldChg>
+      <pc:sldChg chg="add del">
+        <pc:chgData name="Ming-Chih Lin" userId="f1ba3ba5-e185-404b-b55f-b2be90e2bdc2" providerId="ADAL" clId="{794224D3-789D-47BB-A0D2-62C663EDB1CA}" dt="2020-05-31T07:37:25.174" v="598" actId="2696"/>
+        <pc:sldMkLst>
+          <pc:docMk/>
+          <pc:sldMk cId="929909194" sldId="259"/>
+        </pc:sldMkLst>
+      </pc:sldChg>
+      <pc:sldChg chg="add del">
+        <pc:chgData name="Ming-Chih Lin" userId="f1ba3ba5-e185-404b-b55f-b2be90e2bdc2" providerId="ADAL" clId="{794224D3-789D-47BB-A0D2-62C663EDB1CA}" dt="2020-05-31T07:37:23.395" v="597"/>
+        <pc:sldMkLst>
+          <pc:docMk/>
+          <pc:sldMk cId="1125878173" sldId="259"/>
+        </pc:sldMkLst>
+      </pc:sldChg>
+      <pc:sldChg chg="modSp mod ord">
+        <pc:chgData name="Ming-Chih Lin" userId="f1ba3ba5-e185-404b-b55f-b2be90e2bdc2" providerId="ADAL" clId="{794224D3-789D-47BB-A0D2-62C663EDB1CA}" dt="2020-05-31T07:08:12.333" v="191" actId="20577"/>
+        <pc:sldMkLst>
+          <pc:docMk/>
+          <pc:sldMk cId="1086438915" sldId="260"/>
+        </pc:sldMkLst>
+        <pc:spChg chg="mod">
+          <ac:chgData name="Ming-Chih Lin" userId="f1ba3ba5-e185-404b-b55f-b2be90e2bdc2" providerId="ADAL" clId="{794224D3-789D-47BB-A0D2-62C663EDB1CA}" dt="2020-05-31T07:08:12.333" v="191" actId="20577"/>
+          <ac:spMkLst>
+            <pc:docMk/>
+            <pc:sldMk cId="1086438915" sldId="260"/>
+            <ac:spMk id="2" creationId="{5F3943C5-BE9F-4BF4-A111-F83F5931DA07}"/>
+          </ac:spMkLst>
+        </pc:spChg>
+        <pc:spChg chg="mod">
+          <ac:chgData name="Ming-Chih Lin" userId="f1ba3ba5-e185-404b-b55f-b2be90e2bdc2" providerId="ADAL" clId="{794224D3-789D-47BB-A0D2-62C663EDB1CA}" dt="2020-05-31T07:04:57.706" v="128"/>
+          <ac:spMkLst>
+            <pc:docMk/>
+            <pc:sldMk cId="1086438915" sldId="260"/>
+            <ac:spMk id="3" creationId="{CC22D15C-4B6A-4C30-9E72-7AA476A720D1}"/>
+          </ac:spMkLst>
+        </pc:spChg>
+      </pc:sldChg>
+      <pc:sldChg chg="modSp mod ord">
+        <pc:chgData name="Ming-Chih Lin" userId="f1ba3ba5-e185-404b-b55f-b2be90e2bdc2" providerId="ADAL" clId="{794224D3-789D-47BB-A0D2-62C663EDB1CA}" dt="2020-05-31T07:17:48.944" v="343" actId="207"/>
+        <pc:sldMkLst>
+          <pc:docMk/>
+          <pc:sldMk cId="3291901244" sldId="261"/>
+        </pc:sldMkLst>
+        <pc:spChg chg="mod">
+          <ac:chgData name="Ming-Chih Lin" userId="f1ba3ba5-e185-404b-b55f-b2be90e2bdc2" providerId="ADAL" clId="{794224D3-789D-47BB-A0D2-62C663EDB1CA}" dt="2020-05-31T07:17:48.944" v="343" actId="207"/>
+          <ac:spMkLst>
+            <pc:docMk/>
+            <pc:sldMk cId="3291901244" sldId="261"/>
+            <ac:spMk id="2" creationId="{5F3943C5-BE9F-4BF4-A111-F83F5931DA07}"/>
+          </ac:spMkLst>
+        </pc:spChg>
+        <pc:spChg chg="mod">
+          <ac:chgData name="Ming-Chih Lin" userId="f1ba3ba5-e185-404b-b55f-b2be90e2bdc2" providerId="ADAL" clId="{794224D3-789D-47BB-A0D2-62C663EDB1CA}" dt="2020-05-31T07:05:58.569" v="141"/>
+          <ac:spMkLst>
+            <pc:docMk/>
+            <pc:sldMk cId="3291901244" sldId="261"/>
+            <ac:spMk id="3" creationId="{CC22D15C-4B6A-4C30-9E72-7AA476A720D1}"/>
+          </ac:spMkLst>
+        </pc:spChg>
+      </pc:sldChg>
+      <pc:sldChg chg="addSp modSp mod">
+        <pc:chgData name="Ming-Chih Lin" userId="f1ba3ba5-e185-404b-b55f-b2be90e2bdc2" providerId="ADAL" clId="{794224D3-789D-47BB-A0D2-62C663EDB1CA}" dt="2020-06-01T07:55:22.247" v="942"/>
+        <pc:sldMkLst>
+          <pc:docMk/>
+          <pc:sldMk cId="947049355" sldId="262"/>
+        </pc:sldMkLst>
+        <pc:spChg chg="mod">
+          <ac:chgData name="Ming-Chih Lin" userId="f1ba3ba5-e185-404b-b55f-b2be90e2bdc2" providerId="ADAL" clId="{794224D3-789D-47BB-A0D2-62C663EDB1CA}" dt="2020-06-01T07:55:22.247" v="942"/>
+          <ac:spMkLst>
+            <pc:docMk/>
+            <pc:sldMk cId="947049355" sldId="262"/>
+            <ac:spMk id="2" creationId="{5F3943C5-BE9F-4BF4-A111-F83F5931DA07}"/>
+          </ac:spMkLst>
+        </pc:spChg>
+        <pc:spChg chg="mod">
+          <ac:chgData name="Ming-Chih Lin" userId="f1ba3ba5-e185-404b-b55f-b2be90e2bdc2" providerId="ADAL" clId="{794224D3-789D-47BB-A0D2-62C663EDB1CA}" dt="2020-06-01T07:46:53.801" v="866"/>
+          <ac:spMkLst>
+            <pc:docMk/>
+            <pc:sldMk cId="947049355" sldId="262"/>
+            <ac:spMk id="3" creationId="{CC22D15C-4B6A-4C30-9E72-7AA476A720D1}"/>
+          </ac:spMkLst>
+        </pc:spChg>
+        <pc:picChg chg="add mod">
+          <ac:chgData name="Ming-Chih Lin" userId="f1ba3ba5-e185-404b-b55f-b2be90e2bdc2" providerId="ADAL" clId="{794224D3-789D-47BB-A0D2-62C663EDB1CA}" dt="2020-06-01T07:51:45.239" v="908" actId="1076"/>
+          <ac:picMkLst>
+            <pc:docMk/>
+            <pc:sldMk cId="947049355" sldId="262"/>
+            <ac:picMk id="1026" creationId="{82A19D6C-0800-4130-A6B0-82F6069AFCE2}"/>
+          </ac:picMkLst>
+        </pc:picChg>
+      </pc:sldChg>
+      <pc:sldChg chg="addSp modSp add mod">
+        <pc:chgData name="Ming-Chih Lin" userId="f1ba3ba5-e185-404b-b55f-b2be90e2bdc2" providerId="ADAL" clId="{794224D3-789D-47BB-A0D2-62C663EDB1CA}" dt="2020-06-01T07:51:35.895" v="906" actId="1076"/>
+        <pc:sldMkLst>
+          <pc:docMk/>
+          <pc:sldMk cId="3427989766" sldId="263"/>
+        </pc:sldMkLst>
+        <pc:spChg chg="mod">
+          <ac:chgData name="Ming-Chih Lin" userId="f1ba3ba5-e185-404b-b55f-b2be90e2bdc2" providerId="ADAL" clId="{794224D3-789D-47BB-A0D2-62C663EDB1CA}" dt="2020-06-01T07:51:31.067" v="902" actId="14100"/>
+          <ac:spMkLst>
+            <pc:docMk/>
+            <pc:sldMk cId="3427989766" sldId="263"/>
+            <ac:spMk id="2" creationId="{5F3943C5-BE9F-4BF4-A111-F83F5931DA07}"/>
+          </ac:spMkLst>
+        </pc:spChg>
+        <pc:spChg chg="mod">
+          <ac:chgData name="Ming-Chih Lin" userId="f1ba3ba5-e185-404b-b55f-b2be90e2bdc2" providerId="ADAL" clId="{794224D3-789D-47BB-A0D2-62C663EDB1CA}" dt="2020-06-01T07:47:21.386" v="869"/>
+          <ac:spMkLst>
+            <pc:docMk/>
+            <pc:sldMk cId="3427989766" sldId="263"/>
+            <ac:spMk id="3" creationId="{CC22D15C-4B6A-4C30-9E72-7AA476A720D1}"/>
+          </ac:spMkLst>
+        </pc:spChg>
+        <pc:picChg chg="add mod">
+          <ac:chgData name="Ming-Chih Lin" userId="f1ba3ba5-e185-404b-b55f-b2be90e2bdc2" providerId="ADAL" clId="{794224D3-789D-47BB-A0D2-62C663EDB1CA}" dt="2020-06-01T07:51:35.895" v="906" actId="1076"/>
+          <ac:picMkLst>
+            <pc:docMk/>
+            <pc:sldMk cId="3427989766" sldId="263"/>
+            <ac:picMk id="4" creationId="{C871F6D6-27BE-4062-8369-3DD35A0A62B5}"/>
+          </ac:picMkLst>
+        </pc:picChg>
+      </pc:sldChg>
+      <pc:sldChg chg="modSp add del mod">
+        <pc:chgData name="Ming-Chih Lin" userId="f1ba3ba5-e185-404b-b55f-b2be90e2bdc2" providerId="ADAL" clId="{794224D3-789D-47BB-A0D2-62C663EDB1CA}" dt="2020-05-31T07:13:38.584" v="317" actId="2696"/>
+        <pc:sldMkLst>
+          <pc:docMk/>
+          <pc:sldMk cId="853696311" sldId="264"/>
+        </pc:sldMkLst>
+        <pc:spChg chg="mod">
+          <ac:chgData name="Ming-Chih Lin" userId="f1ba3ba5-e185-404b-b55f-b2be90e2bdc2" providerId="ADAL" clId="{794224D3-789D-47BB-A0D2-62C663EDB1CA}" dt="2020-05-31T07:10:54.940" v="217" actId="20577"/>
+          <ac:spMkLst>
+            <pc:docMk/>
+            <pc:sldMk cId="853696311" sldId="264"/>
+            <ac:spMk id="2" creationId="{5F3943C5-BE9F-4BF4-A111-F83F5931DA07}"/>
+          </ac:spMkLst>
+        </pc:spChg>
+        <pc:spChg chg="mod">
+          <ac:chgData name="Ming-Chih Lin" userId="f1ba3ba5-e185-404b-b55f-b2be90e2bdc2" providerId="ADAL" clId="{794224D3-789D-47BB-A0D2-62C663EDB1CA}" dt="2020-05-31T07:10:29.489" v="209"/>
+          <ac:spMkLst>
+            <pc:docMk/>
+            <pc:sldMk cId="853696311" sldId="264"/>
+            <ac:spMk id="3" creationId="{CC22D15C-4B6A-4C30-9E72-7AA476A720D1}"/>
+          </ac:spMkLst>
+        </pc:spChg>
+      </pc:sldChg>
+      <pc:sldChg chg="add">
+        <pc:chgData name="Ming-Chih Lin" userId="f1ba3ba5-e185-404b-b55f-b2be90e2bdc2" providerId="ADAL" clId="{794224D3-789D-47BB-A0D2-62C663EDB1CA}" dt="2020-05-31T07:13:42.130" v="318"/>
+        <pc:sldMkLst>
+          <pc:docMk/>
+          <pc:sldMk cId="2336614475" sldId="264"/>
+        </pc:sldMkLst>
+      </pc:sldChg>
+      <pc:sldChg chg="addSp delSp modSp add del mod">
+        <pc:chgData name="Ming-Chih Lin" userId="f1ba3ba5-e185-404b-b55f-b2be90e2bdc2" providerId="ADAL" clId="{794224D3-789D-47BB-A0D2-62C663EDB1CA}" dt="2020-05-31T07:03:28.767" v="119" actId="2696"/>
+        <pc:sldMkLst>
+          <pc:docMk/>
+          <pc:sldMk cId="3055042205" sldId="264"/>
+        </pc:sldMkLst>
+        <pc:spChg chg="mod">
+          <ac:chgData name="Ming-Chih Lin" userId="f1ba3ba5-e185-404b-b55f-b2be90e2bdc2" providerId="ADAL" clId="{794224D3-789D-47BB-A0D2-62C663EDB1CA}" dt="2020-05-31T07:02:41.012" v="100" actId="20577"/>
+          <ac:spMkLst>
+            <pc:docMk/>
+            <pc:sldMk cId="3055042205" sldId="264"/>
+            <ac:spMk id="3" creationId="{CC22D15C-4B6A-4C30-9E72-7AA476A720D1}"/>
+          </ac:spMkLst>
+        </pc:spChg>
+        <pc:spChg chg="add del mod">
+          <ac:chgData name="Ming-Chih Lin" userId="f1ba3ba5-e185-404b-b55f-b2be90e2bdc2" providerId="ADAL" clId="{794224D3-789D-47BB-A0D2-62C663EDB1CA}" dt="2020-05-31T07:02:53.153" v="102"/>
+          <ac:spMkLst>
+            <pc:docMk/>
+            <pc:sldMk cId="3055042205" sldId="264"/>
+            <ac:spMk id="4" creationId="{7FBF3722-DB83-4B11-AD36-8F84A93A7418}"/>
+          </ac:spMkLst>
+        </pc:spChg>
+      </pc:sldChg>
+      <pc:sldChg chg="modSp add del mod">
+        <pc:chgData name="Ming-Chih Lin" userId="f1ba3ba5-e185-404b-b55f-b2be90e2bdc2" providerId="ADAL" clId="{794224D3-789D-47BB-A0D2-62C663EDB1CA}" dt="2020-05-31T07:03:28.767" v="119" actId="2696"/>
+        <pc:sldMkLst>
+          <pc:docMk/>
+          <pc:sldMk cId="21128113" sldId="265"/>
+        </pc:sldMkLst>
+        <pc:spChg chg="mod">
+          <ac:chgData name="Ming-Chih Lin" userId="f1ba3ba5-e185-404b-b55f-b2be90e2bdc2" providerId="ADAL" clId="{794224D3-789D-47BB-A0D2-62C663EDB1CA}" dt="2020-05-31T07:02:59.889" v="118" actId="20577"/>
+          <ac:spMkLst>
+            <pc:docMk/>
+            <pc:sldMk cId="21128113" sldId="265"/>
+            <ac:spMk id="3" creationId="{CC22D15C-4B6A-4C30-9E72-7AA476A720D1}"/>
+          </ac:spMkLst>
+        </pc:spChg>
+      </pc:sldChg>
+      <pc:sldChg chg="addSp delSp modSp add mod ord chgLayout">
+        <pc:chgData name="Ming-Chih Lin" userId="f1ba3ba5-e185-404b-b55f-b2be90e2bdc2" providerId="ADAL" clId="{794224D3-789D-47BB-A0D2-62C663EDB1CA}" dt="2020-06-01T07:44:20.522" v="849"/>
+        <pc:sldMkLst>
+          <pc:docMk/>
+          <pc:sldMk cId="679909818" sldId="265"/>
+        </pc:sldMkLst>
+        <pc:spChg chg="del mod">
+          <ac:chgData name="Ming-Chih Lin" userId="f1ba3ba5-e185-404b-b55f-b2be90e2bdc2" providerId="ADAL" clId="{794224D3-789D-47BB-A0D2-62C663EDB1CA}" dt="2020-06-01T07:43:59.439" v="840" actId="478"/>
+          <ac:spMkLst>
+            <pc:docMk/>
+            <pc:sldMk cId="679909818" sldId="265"/>
+            <ac:spMk id="2" creationId="{5F3943C5-BE9F-4BF4-A111-F83F5931DA07}"/>
+          </ac:spMkLst>
+        </pc:spChg>
+        <pc:spChg chg="mod ord">
+          <ac:chgData name="Ming-Chih Lin" userId="f1ba3ba5-e185-404b-b55f-b2be90e2bdc2" providerId="ADAL" clId="{794224D3-789D-47BB-A0D2-62C663EDB1CA}" dt="2020-06-01T07:44:02.779" v="841" actId="700"/>
+          <ac:spMkLst>
+            <pc:docMk/>
+            <pc:sldMk cId="679909818" sldId="265"/>
+            <ac:spMk id="3" creationId="{CC22D15C-4B6A-4C30-9E72-7AA476A720D1}"/>
+          </ac:spMkLst>
+        </pc:spChg>
+        <pc:spChg chg="add mod ord">
+          <ac:chgData name="Ming-Chih Lin" userId="f1ba3ba5-e185-404b-b55f-b2be90e2bdc2" providerId="ADAL" clId="{794224D3-789D-47BB-A0D2-62C663EDB1CA}" dt="2020-06-01T07:44:03.928" v="842"/>
+          <ac:spMkLst>
+            <pc:docMk/>
+            <pc:sldMk cId="679909818" sldId="265"/>
+            <ac:spMk id="4" creationId="{27ED805F-CF52-4A12-B033-57768935D442}"/>
+          </ac:spMkLst>
+        </pc:spChg>
+      </pc:sldChg>
+      <pc:sldChg chg="add del">
+        <pc:chgData name="Ming-Chih Lin" userId="f1ba3ba5-e185-404b-b55f-b2be90e2bdc2" providerId="ADAL" clId="{794224D3-789D-47BB-A0D2-62C663EDB1CA}" dt="2020-05-31T07:37:23.395" v="597"/>
+        <pc:sldMkLst>
+          <pc:docMk/>
+          <pc:sldMk cId="475970963" sldId="266"/>
+        </pc:sldMkLst>
+      </pc:sldChg>
+      <pc:sldChg chg="addSp delSp modSp new add del mod modClrScheme chgLayout">
+        <pc:chgData name="Ming-Chih Lin" userId="f1ba3ba5-e185-404b-b55f-b2be90e2bdc2" providerId="ADAL" clId="{794224D3-789D-47BB-A0D2-62C663EDB1CA}" dt="2020-05-31T07:49:54.878" v="797" actId="20577"/>
+        <pc:sldMkLst>
+          <pc:docMk/>
+          <pc:sldMk cId="1717474662" sldId="266"/>
+        </pc:sldMkLst>
+        <pc:spChg chg="del mod ord">
+          <ac:chgData name="Ming-Chih Lin" userId="f1ba3ba5-e185-404b-b55f-b2be90e2bdc2" providerId="ADAL" clId="{794224D3-789D-47BB-A0D2-62C663EDB1CA}" dt="2020-05-31T07:04:05.012" v="124" actId="700"/>
+          <ac:spMkLst>
+            <pc:docMk/>
+            <pc:sldMk cId="1717474662" sldId="266"/>
+            <ac:spMk id="2" creationId="{AE0D5DDC-3A1A-48C3-97C2-A7FC00325D86}"/>
+          </ac:spMkLst>
+        </pc:spChg>
+        <pc:spChg chg="del">
+          <ac:chgData name="Ming-Chih Lin" userId="f1ba3ba5-e185-404b-b55f-b2be90e2bdc2" providerId="ADAL" clId="{794224D3-789D-47BB-A0D2-62C663EDB1CA}" dt="2020-05-31T07:04:05.012" v="124" actId="700"/>
+          <ac:spMkLst>
+            <pc:docMk/>
+            <pc:sldMk cId="1717474662" sldId="266"/>
+            <ac:spMk id="3" creationId="{2BEB0F40-D8C2-47D0-B3B4-AB57B9B59D0B}"/>
+          </ac:spMkLst>
+        </pc:spChg>
+        <pc:spChg chg="add mod ord">
+          <ac:chgData name="Ming-Chih Lin" userId="f1ba3ba5-e185-404b-b55f-b2be90e2bdc2" providerId="ADAL" clId="{794224D3-789D-47BB-A0D2-62C663EDB1CA}" dt="2020-05-31T07:25:51.165" v="377"/>
+          <ac:spMkLst>
+            <pc:docMk/>
+            <pc:sldMk cId="1717474662" sldId="266"/>
+            <ac:spMk id="4" creationId="{51DDD2F0-454F-4B62-8FC8-8171F6BA137D}"/>
+          </ac:spMkLst>
+        </pc:spChg>
+        <pc:spChg chg="add mod ord">
+          <ac:chgData name="Ming-Chih Lin" userId="f1ba3ba5-e185-404b-b55f-b2be90e2bdc2" providerId="ADAL" clId="{794224D3-789D-47BB-A0D2-62C663EDB1CA}" dt="2020-05-31T07:49:54.878" v="797" actId="20577"/>
+          <ac:spMkLst>
+            <pc:docMk/>
+            <pc:sldMk cId="1717474662" sldId="266"/>
+            <ac:spMk id="5" creationId="{8B0B0ED6-7A59-42E9-B7BB-95B85355591E}"/>
+          </ac:spMkLst>
+        </pc:spChg>
+      </pc:sldChg>
+      <pc:sldChg chg="modSp add del mod ord">
+        <pc:chgData name="Ming-Chih Lin" userId="f1ba3ba5-e185-404b-b55f-b2be90e2bdc2" providerId="ADAL" clId="{794224D3-789D-47BB-A0D2-62C663EDB1CA}" dt="2020-06-01T07:57:41.256" v="976"/>
+        <pc:sldMkLst>
+          <pc:docMk/>
+          <pc:sldMk cId="751778690" sldId="267"/>
+        </pc:sldMkLst>
+        <pc:spChg chg="mod">
+          <ac:chgData name="Ming-Chih Lin" userId="f1ba3ba5-e185-404b-b55f-b2be90e2bdc2" providerId="ADAL" clId="{794224D3-789D-47BB-A0D2-62C663EDB1CA}" dt="2020-06-01T07:57:41.256" v="976"/>
+          <ac:spMkLst>
+            <pc:docMk/>
+            <pc:sldMk cId="751778690" sldId="267"/>
+            <ac:spMk id="4" creationId="{51DDD2F0-454F-4B62-8FC8-8171F6BA137D}"/>
+          </ac:spMkLst>
+        </pc:spChg>
+        <pc:spChg chg="mod">
+          <ac:chgData name="Ming-Chih Lin" userId="f1ba3ba5-e185-404b-b55f-b2be90e2bdc2" providerId="ADAL" clId="{794224D3-789D-47BB-A0D2-62C663EDB1CA}" dt="2020-05-31T07:31:42.155" v="576" actId="20577"/>
+          <ac:spMkLst>
+            <pc:docMk/>
+            <pc:sldMk cId="751778690" sldId="267"/>
+            <ac:spMk id="5" creationId="{8B0B0ED6-7A59-42E9-B7BB-95B85355591E}"/>
+          </ac:spMkLst>
+        </pc:spChg>
+      </pc:sldChg>
+      <pc:sldChg chg="add del">
+        <pc:chgData name="Ming-Chih Lin" userId="f1ba3ba5-e185-404b-b55f-b2be90e2bdc2" providerId="ADAL" clId="{794224D3-789D-47BB-A0D2-62C663EDB1CA}" dt="2020-05-31T07:37:23.395" v="597"/>
+        <pc:sldMkLst>
+          <pc:docMk/>
+          <pc:sldMk cId="4253109212" sldId="267"/>
+        </pc:sldMkLst>
+      </pc:sldChg>
+      <pc:sldChg chg="add del">
+        <pc:chgData name="Ming-Chih Lin" userId="f1ba3ba5-e185-404b-b55f-b2be90e2bdc2" providerId="ADAL" clId="{794224D3-789D-47BB-A0D2-62C663EDB1CA}" dt="2020-05-31T07:05:27.331" v="134"/>
+        <pc:sldMkLst>
+          <pc:docMk/>
+          <pc:sldMk cId="1178533642" sldId="268"/>
+        </pc:sldMkLst>
+      </pc:sldChg>
+      <pc:sldChg chg="modSp add mod">
+        <pc:chgData name="Ming-Chih Lin" userId="f1ba3ba5-e185-404b-b55f-b2be90e2bdc2" providerId="ADAL" clId="{794224D3-789D-47BB-A0D2-62C663EDB1CA}" dt="2020-05-31T07:17:54.807" v="344" actId="207"/>
+        <pc:sldMkLst>
+          <pc:docMk/>
+          <pc:sldMk cId="1480965944" sldId="268"/>
+        </pc:sldMkLst>
+        <pc:spChg chg="mod">
+          <ac:chgData name="Ming-Chih Lin" userId="f1ba3ba5-e185-404b-b55f-b2be90e2bdc2" providerId="ADAL" clId="{794224D3-789D-47BB-A0D2-62C663EDB1CA}" dt="2020-05-31T07:17:54.807" v="344" actId="207"/>
+          <ac:spMkLst>
+            <pc:docMk/>
+            <pc:sldMk cId="1480965944" sldId="268"/>
+            <ac:spMk id="2" creationId="{5F3943C5-BE9F-4BF4-A111-F83F5931DA07}"/>
+          </ac:spMkLst>
+        </pc:spChg>
+        <pc:spChg chg="mod">
+          <ac:chgData name="Ming-Chih Lin" userId="f1ba3ba5-e185-404b-b55f-b2be90e2bdc2" providerId="ADAL" clId="{794224D3-789D-47BB-A0D2-62C663EDB1CA}" dt="2020-05-31T07:06:42.921" v="153"/>
+          <ac:spMkLst>
+            <pc:docMk/>
+            <pc:sldMk cId="1480965944" sldId="268"/>
+            <ac:spMk id="3" creationId="{CC22D15C-4B6A-4C30-9E72-7AA476A720D1}"/>
+          </ac:spMkLst>
+        </pc:spChg>
+      </pc:sldChg>
+      <pc:sldChg chg="modSp add mod">
+        <pc:chgData name="Ming-Chih Lin" userId="f1ba3ba5-e185-404b-b55f-b2be90e2bdc2" providerId="ADAL" clId="{794224D3-789D-47BB-A0D2-62C663EDB1CA}" dt="2020-05-31T07:14:25.101" v="325" actId="20577"/>
+        <pc:sldMkLst>
+          <pc:docMk/>
+          <pc:sldMk cId="2517686270" sldId="269"/>
+        </pc:sldMkLst>
+        <pc:spChg chg="mod">
+          <ac:chgData name="Ming-Chih Lin" userId="f1ba3ba5-e185-404b-b55f-b2be90e2bdc2" providerId="ADAL" clId="{794224D3-789D-47BB-A0D2-62C663EDB1CA}" dt="2020-05-31T07:14:25.101" v="325" actId="20577"/>
+          <ac:spMkLst>
+            <pc:docMk/>
+            <pc:sldMk cId="2517686270" sldId="269"/>
+            <ac:spMk id="2" creationId="{5F3943C5-BE9F-4BF4-A111-F83F5931DA07}"/>
+          </ac:spMkLst>
+        </pc:spChg>
+        <pc:spChg chg="mod">
+          <ac:chgData name="Ming-Chih Lin" userId="f1ba3ba5-e185-404b-b55f-b2be90e2bdc2" providerId="ADAL" clId="{794224D3-789D-47BB-A0D2-62C663EDB1CA}" dt="2020-05-31T07:14:18.625" v="321"/>
+          <ac:spMkLst>
+            <pc:docMk/>
+            <pc:sldMk cId="2517686270" sldId="269"/>
+            <ac:spMk id="3" creationId="{CC22D15C-4B6A-4C30-9E72-7AA476A720D1}"/>
+          </ac:spMkLst>
+        </pc:spChg>
+      </pc:sldChg>
+      <pc:sldChg chg="addSp delSp modSp new mod modClrScheme chgLayout">
+        <pc:chgData name="Ming-Chih Lin" userId="f1ba3ba5-e185-404b-b55f-b2be90e2bdc2" providerId="ADAL" clId="{794224D3-789D-47BB-A0D2-62C663EDB1CA}" dt="2020-05-31T07:09:25.040" v="200" actId="20577"/>
+        <pc:sldMkLst>
+          <pc:docMk/>
+          <pc:sldMk cId="1580561292" sldId="270"/>
+        </pc:sldMkLst>
+        <pc:spChg chg="del mod ord">
+          <ac:chgData name="Ming-Chih Lin" userId="f1ba3ba5-e185-404b-b55f-b2be90e2bdc2" providerId="ADAL" clId="{794224D3-789D-47BB-A0D2-62C663EDB1CA}" dt="2020-05-31T07:09:04.591" v="193" actId="700"/>
+          <ac:spMkLst>
+            <pc:docMk/>
+            <pc:sldMk cId="1580561292" sldId="270"/>
+            <ac:spMk id="2" creationId="{832D08FC-FCC4-4697-B9F4-2DD4854CA90F}"/>
+          </ac:spMkLst>
+        </pc:spChg>
+        <pc:spChg chg="del">
+          <ac:chgData name="Ming-Chih Lin" userId="f1ba3ba5-e185-404b-b55f-b2be90e2bdc2" providerId="ADAL" clId="{794224D3-789D-47BB-A0D2-62C663EDB1CA}" dt="2020-05-31T07:09:04.591" v="193" actId="700"/>
+          <ac:spMkLst>
+            <pc:docMk/>
+            <pc:sldMk cId="1580561292" sldId="270"/>
+            <ac:spMk id="3" creationId="{58497190-F866-4E05-8D89-9D9393FE8A6B}"/>
+          </ac:spMkLst>
+        </pc:spChg>
+        <pc:spChg chg="add mod ord">
+          <ac:chgData name="Ming-Chih Lin" userId="f1ba3ba5-e185-404b-b55f-b2be90e2bdc2" providerId="ADAL" clId="{794224D3-789D-47BB-A0D2-62C663EDB1CA}" dt="2020-05-31T07:09:09.957" v="196"/>
+          <ac:spMkLst>
+            <pc:docMk/>
+            <pc:sldMk cId="1580561292" sldId="270"/>
+            <ac:spMk id="4" creationId="{B68597D7-C456-4791-B517-661F12F17554}"/>
+          </ac:spMkLst>
+        </pc:spChg>
+        <pc:spChg chg="add mod ord">
+          <ac:chgData name="Ming-Chih Lin" userId="f1ba3ba5-e185-404b-b55f-b2be90e2bdc2" providerId="ADAL" clId="{794224D3-789D-47BB-A0D2-62C663EDB1CA}" dt="2020-05-31T07:09:25.040" v="200" actId="20577"/>
+          <ac:spMkLst>
+            <pc:docMk/>
+            <pc:sldMk cId="1580561292" sldId="270"/>
+            <ac:spMk id="5" creationId="{A7067C16-CC57-469B-A123-29FCF8BAE70C}"/>
+          </ac:spMkLst>
+        </pc:spChg>
+      </pc:sldChg>
+      <pc:sldChg chg="add">
+        <pc:chgData name="Ming-Chih Lin" userId="f1ba3ba5-e185-404b-b55f-b2be90e2bdc2" providerId="ADAL" clId="{794224D3-789D-47BB-A0D2-62C663EDB1CA}" dt="2020-05-31T07:13:42.130" v="318"/>
+        <pc:sldMkLst>
+          <pc:docMk/>
+          <pc:sldMk cId="2984231426" sldId="271"/>
+        </pc:sldMkLst>
+      </pc:sldChg>
+      <pc:sldChg chg="modSp new del mod">
+        <pc:chgData name="Ming-Chih Lin" userId="f1ba3ba5-e185-404b-b55f-b2be90e2bdc2" providerId="ADAL" clId="{794224D3-789D-47BB-A0D2-62C663EDB1CA}" dt="2020-05-31T07:13:38.584" v="317" actId="2696"/>
+        <pc:sldMkLst>
+          <pc:docMk/>
+          <pc:sldMk cId="3023771603" sldId="271"/>
+        </pc:sldMkLst>
+        <pc:spChg chg="mod">
+          <ac:chgData name="Ming-Chih Lin" userId="f1ba3ba5-e185-404b-b55f-b2be90e2bdc2" providerId="ADAL" clId="{794224D3-789D-47BB-A0D2-62C663EDB1CA}" dt="2020-05-31T07:09:51.889" v="206" actId="5793"/>
+          <ac:spMkLst>
+            <pc:docMk/>
+            <pc:sldMk cId="3023771603" sldId="271"/>
+            <ac:spMk id="2" creationId="{CF66E4CC-5385-41E9-B512-1FCF9A63B10A}"/>
+          </ac:spMkLst>
+        </pc:spChg>
+        <pc:spChg chg="mod">
+          <ac:chgData name="Ming-Chih Lin" userId="f1ba3ba5-e185-404b-b55f-b2be90e2bdc2" providerId="ADAL" clId="{794224D3-789D-47BB-A0D2-62C663EDB1CA}" dt="2020-05-31T07:09:47.974" v="204"/>
+          <ac:spMkLst>
+            <pc:docMk/>
+            <pc:sldMk cId="3023771603" sldId="271"/>
+            <ac:spMk id="3" creationId="{B9BA11D4-5DA0-4953-8C53-1201BD9A3419}"/>
+          </ac:spMkLst>
+        </pc:spChg>
+      </pc:sldChg>
+      <pc:sldChg chg="modSp add mod">
+        <pc:chgData name="Ming-Chih Lin" userId="f1ba3ba5-e185-404b-b55f-b2be90e2bdc2" providerId="ADAL" clId="{794224D3-789D-47BB-A0D2-62C663EDB1CA}" dt="2020-05-31T07:12:02.212" v="299" actId="20577"/>
+        <pc:sldMkLst>
+          <pc:docMk/>
+          <pc:sldMk cId="2189207556" sldId="272"/>
+        </pc:sldMkLst>
+        <pc:spChg chg="mod">
+          <ac:chgData name="Ming-Chih Lin" userId="f1ba3ba5-e185-404b-b55f-b2be90e2bdc2" providerId="ADAL" clId="{794224D3-789D-47BB-A0D2-62C663EDB1CA}" dt="2020-05-31T07:12:02.212" v="299" actId="20577"/>
+          <ac:spMkLst>
+            <pc:docMk/>
+            <pc:sldMk cId="2189207556" sldId="272"/>
+            <ac:spMk id="4" creationId="{2FA54F75-D405-4104-B6BB-EA44A23A109A}"/>
+          </ac:spMkLst>
+        </pc:spChg>
+      </pc:sldChg>
+      <pc:sldChg chg="modSp add mod">
+        <pc:chgData name="Ming-Chih Lin" userId="f1ba3ba5-e185-404b-b55f-b2be90e2bdc2" providerId="ADAL" clId="{794224D3-789D-47BB-A0D2-62C663EDB1CA}" dt="2020-05-31T07:16:16.580" v="331" actId="5793"/>
+        <pc:sldMkLst>
+          <pc:docMk/>
+          <pc:sldMk cId="2963169921" sldId="273"/>
+        </pc:sldMkLst>
+        <pc:spChg chg="mod">
+          <ac:chgData name="Ming-Chih Lin" userId="f1ba3ba5-e185-404b-b55f-b2be90e2bdc2" providerId="ADAL" clId="{794224D3-789D-47BB-A0D2-62C663EDB1CA}" dt="2020-05-31T07:16:16.580" v="331" actId="5793"/>
+          <ac:spMkLst>
+            <pc:docMk/>
+            <pc:sldMk cId="2963169921" sldId="273"/>
+            <ac:spMk id="2" creationId="{5F3943C5-BE9F-4BF4-A111-F83F5931DA07}"/>
+          </ac:spMkLst>
+        </pc:spChg>
+        <pc:spChg chg="mod">
+          <ac:chgData name="Ming-Chih Lin" userId="f1ba3ba5-e185-404b-b55f-b2be90e2bdc2" providerId="ADAL" clId="{794224D3-789D-47BB-A0D2-62C663EDB1CA}" dt="2020-05-31T07:16:01.039" v="328"/>
+          <ac:spMkLst>
+            <pc:docMk/>
+            <pc:sldMk cId="2963169921" sldId="273"/>
+            <ac:spMk id="3" creationId="{CC22D15C-4B6A-4C30-9E72-7AA476A720D1}"/>
+          </ac:spMkLst>
+        </pc:spChg>
+      </pc:sldChg>
+      <pc:sldChg chg="add del">
+        <pc:chgData name="Ming-Chih Lin" userId="f1ba3ba5-e185-404b-b55f-b2be90e2bdc2" providerId="ADAL" clId="{794224D3-789D-47BB-A0D2-62C663EDB1CA}" dt="2020-05-31T07:12:14.324" v="303"/>
+        <pc:sldMkLst>
+          <pc:docMk/>
+          <pc:sldMk cId="3766197102" sldId="273"/>
+        </pc:sldMkLst>
+      </pc:sldChg>
+      <pc:sldChg chg="add del">
+        <pc:chgData name="Ming-Chih Lin" userId="f1ba3ba5-e185-404b-b55f-b2be90e2bdc2" providerId="ADAL" clId="{794224D3-789D-47BB-A0D2-62C663EDB1CA}" dt="2020-05-31T07:12:14.066" v="302"/>
+        <pc:sldMkLst>
+          <pc:docMk/>
+          <pc:sldMk cId="2337234796" sldId="274"/>
+        </pc:sldMkLst>
+      </pc:sldChg>
+      <pc:sldChg chg="add del">
+        <pc:chgData name="Ming-Chih Lin" userId="f1ba3ba5-e185-404b-b55f-b2be90e2bdc2" providerId="ADAL" clId="{794224D3-789D-47BB-A0D2-62C663EDB1CA}" dt="2020-05-31T07:34:31.330" v="593" actId="47"/>
+        <pc:sldMkLst>
+          <pc:docMk/>
+          <pc:sldMk cId="4234616907" sldId="274"/>
+        </pc:sldMkLst>
+      </pc:sldChg>
+      <pc:sldChg chg="modSp add mod ord">
+        <pc:chgData name="Ming-Chih Lin" userId="f1ba3ba5-e185-404b-b55f-b2be90e2bdc2" providerId="ADAL" clId="{794224D3-789D-47BB-A0D2-62C663EDB1CA}" dt="2020-05-31T07:17:59.630" v="345" actId="207"/>
+        <pc:sldMkLst>
+          <pc:docMk/>
+          <pc:sldMk cId="252655923" sldId="275"/>
+        </pc:sldMkLst>
+        <pc:spChg chg="mod">
+          <ac:chgData name="Ming-Chih Lin" userId="f1ba3ba5-e185-404b-b55f-b2be90e2bdc2" providerId="ADAL" clId="{794224D3-789D-47BB-A0D2-62C663EDB1CA}" dt="2020-05-31T07:17:59.630" v="345" actId="207"/>
+          <ac:spMkLst>
+            <pc:docMk/>
+            <pc:sldMk cId="252655923" sldId="275"/>
+            <ac:spMk id="2" creationId="{5F3943C5-BE9F-4BF4-A111-F83F5931DA07}"/>
+          </ac:spMkLst>
+        </pc:spChg>
+        <pc:spChg chg="mod">
+          <ac:chgData name="Ming-Chih Lin" userId="f1ba3ba5-e185-404b-b55f-b2be90e2bdc2" providerId="ADAL" clId="{794224D3-789D-47BB-A0D2-62C663EDB1CA}" dt="2020-05-31T07:12:33.653" v="311"/>
+          <ac:spMkLst>
+            <pc:docMk/>
+            <pc:sldMk cId="252655923" sldId="275"/>
+            <ac:spMk id="3" creationId="{CC22D15C-4B6A-4C30-9E72-7AA476A720D1}"/>
+          </ac:spMkLst>
+        </pc:spChg>
+      </pc:sldChg>
+      <pc:sldChg chg="add del">
+        <pc:chgData name="Ming-Chih Lin" userId="f1ba3ba5-e185-404b-b55f-b2be90e2bdc2" providerId="ADAL" clId="{794224D3-789D-47BB-A0D2-62C663EDB1CA}" dt="2020-05-31T07:34:31.330" v="593" actId="47"/>
+        <pc:sldMkLst>
+          <pc:docMk/>
+          <pc:sldMk cId="3026838377" sldId="276"/>
+        </pc:sldMkLst>
+      </pc:sldChg>
+      <pc:sldChg chg="add del">
+        <pc:chgData name="Ming-Chih Lin" userId="f1ba3ba5-e185-404b-b55f-b2be90e2bdc2" providerId="ADAL" clId="{794224D3-789D-47BB-A0D2-62C663EDB1CA}" dt="2020-05-31T07:34:31.330" v="593" actId="47"/>
+        <pc:sldMkLst>
+          <pc:docMk/>
+          <pc:sldMk cId="1683860319" sldId="277"/>
+        </pc:sldMkLst>
+      </pc:sldChg>
+      <pc:sldChg chg="add del">
+        <pc:chgData name="Ming-Chih Lin" userId="f1ba3ba5-e185-404b-b55f-b2be90e2bdc2" providerId="ADAL" clId="{794224D3-789D-47BB-A0D2-62C663EDB1CA}" dt="2020-05-31T07:34:31.330" v="593" actId="47"/>
+        <pc:sldMkLst>
+          <pc:docMk/>
+          <pc:sldMk cId="1033793258" sldId="278"/>
+        </pc:sldMkLst>
+      </pc:sldChg>
+      <pc:sldChg chg="modSp new del mod">
+        <pc:chgData name="Ming-Chih Lin" userId="f1ba3ba5-e185-404b-b55f-b2be90e2bdc2" providerId="ADAL" clId="{794224D3-789D-47BB-A0D2-62C663EDB1CA}" dt="2020-05-31T07:43:16.808" v="694" actId="47"/>
+        <pc:sldMkLst>
+          <pc:docMk/>
+          <pc:sldMk cId="1085316097" sldId="279"/>
+        </pc:sldMkLst>
+        <pc:spChg chg="mod">
+          <ac:chgData name="Ming-Chih Lin" userId="f1ba3ba5-e185-404b-b55f-b2be90e2bdc2" providerId="ADAL" clId="{794224D3-789D-47BB-A0D2-62C663EDB1CA}" dt="2020-05-31T07:19:33.222" v="359" actId="20577"/>
+          <ac:spMkLst>
+            <pc:docMk/>
+            <pc:sldMk cId="1085316097" sldId="279"/>
+            <ac:spMk id="2" creationId="{2E29C453-15B9-4E40-99ED-2E64169A78E3}"/>
+          </ac:spMkLst>
+        </pc:spChg>
+        <pc:spChg chg="mod">
+          <ac:chgData name="Ming-Chih Lin" userId="f1ba3ba5-e185-404b-b55f-b2be90e2bdc2" providerId="ADAL" clId="{794224D3-789D-47BB-A0D2-62C663EDB1CA}" dt="2020-05-31T07:18:58.230" v="350"/>
+          <ac:spMkLst>
+            <pc:docMk/>
+            <pc:sldMk cId="1085316097" sldId="279"/>
+            <ac:spMk id="3" creationId="{F0FF7A3E-5548-44AE-B3D4-441902BDF1E4}"/>
+          </ac:spMkLst>
+        </pc:spChg>
+      </pc:sldChg>
+      <pc:sldChg chg="new del">
+        <pc:chgData name="Ming-Chih Lin" userId="f1ba3ba5-e185-404b-b55f-b2be90e2bdc2" providerId="ADAL" clId="{794224D3-789D-47BB-A0D2-62C663EDB1CA}" dt="2020-05-31T07:34:33.986" v="594" actId="47"/>
+        <pc:sldMkLst>
+          <pc:docMk/>
+          <pc:sldMk cId="1950221314" sldId="280"/>
+        </pc:sldMkLst>
+      </pc:sldChg>
+      <pc:sldChg chg="addSp modSp new mod">
+        <pc:chgData name="Ming-Chih Lin" userId="f1ba3ba5-e185-404b-b55f-b2be90e2bdc2" providerId="ADAL" clId="{794224D3-789D-47BB-A0D2-62C663EDB1CA}" dt="2020-06-01T08:00:24.402" v="1007"/>
+        <pc:sldMkLst>
+          <pc:docMk/>
+          <pc:sldMk cId="666544265" sldId="281"/>
+        </pc:sldMkLst>
+        <pc:spChg chg="mod">
+          <ac:chgData name="Ming-Chih Lin" userId="f1ba3ba5-e185-404b-b55f-b2be90e2bdc2" providerId="ADAL" clId="{794224D3-789D-47BB-A0D2-62C663EDB1CA}" dt="2020-06-01T08:00:24.402" v="1007"/>
+          <ac:spMkLst>
+            <pc:docMk/>
+            <pc:sldMk cId="666544265" sldId="281"/>
+            <ac:spMk id="2" creationId="{6EDA7C28-6504-464B-80E9-F7235148F841}"/>
+          </ac:spMkLst>
+        </pc:spChg>
+        <pc:spChg chg="mod">
+          <ac:chgData name="Ming-Chih Lin" userId="f1ba3ba5-e185-404b-b55f-b2be90e2bdc2" providerId="ADAL" clId="{794224D3-789D-47BB-A0D2-62C663EDB1CA}" dt="2020-06-01T08:00:21.544" v="1001" actId="20577"/>
+          <ac:spMkLst>
+            <pc:docMk/>
+            <pc:sldMk cId="666544265" sldId="281"/>
+            <ac:spMk id="3" creationId="{14276987-1FE8-4CBE-9CB2-2A5C69C5D627}"/>
+          </ac:spMkLst>
+        </pc:spChg>
+        <pc:picChg chg="add mod">
+          <ac:chgData name="Ming-Chih Lin" userId="f1ba3ba5-e185-404b-b55f-b2be90e2bdc2" providerId="ADAL" clId="{794224D3-789D-47BB-A0D2-62C663EDB1CA}" dt="2020-06-01T08:00:12.612" v="1000" actId="14100"/>
+          <ac:picMkLst>
+            <pc:docMk/>
+            <pc:sldMk cId="666544265" sldId="281"/>
+            <ac:picMk id="4" creationId="{B50902C2-2892-480E-8C48-2CA4CCE66524}"/>
+          </ac:picMkLst>
+        </pc:picChg>
+      </pc:sldChg>
+      <pc:sldChg chg="modSp new mod">
+        <pc:chgData name="Ming-Chih Lin" userId="f1ba3ba5-e185-404b-b55f-b2be90e2bdc2" providerId="ADAL" clId="{794224D3-789D-47BB-A0D2-62C663EDB1CA}" dt="2020-06-01T23:07:13.749" v="1270"/>
+        <pc:sldMkLst>
+          <pc:docMk/>
+          <pc:sldMk cId="3344907558" sldId="282"/>
+        </pc:sldMkLst>
+        <pc:spChg chg="mod">
+          <ac:chgData name="Ming-Chih Lin" userId="f1ba3ba5-e185-404b-b55f-b2be90e2bdc2" providerId="ADAL" clId="{794224D3-789D-47BB-A0D2-62C663EDB1CA}" dt="2020-06-01T23:07:13.749" v="1270"/>
+          <ac:spMkLst>
+            <pc:docMk/>
+            <pc:sldMk cId="3344907558" sldId="282"/>
+            <ac:spMk id="2" creationId="{A7C2D190-D47F-4A50-A76B-32331DEAE02D}"/>
+          </ac:spMkLst>
+        </pc:spChg>
+        <pc:spChg chg="mod">
+          <ac:chgData name="Ming-Chih Lin" userId="f1ba3ba5-e185-404b-b55f-b2be90e2bdc2" providerId="ADAL" clId="{794224D3-789D-47BB-A0D2-62C663EDB1CA}" dt="2020-05-31T07:21:34.308" v="372"/>
+          <ac:spMkLst>
+            <pc:docMk/>
+            <pc:sldMk cId="3344907558" sldId="282"/>
+            <ac:spMk id="3" creationId="{4B98CB43-2487-40FE-B18F-82313D1F9A77}"/>
+          </ac:spMkLst>
+        </pc:spChg>
+      </pc:sldChg>
+      <pc:sldChg chg="add del">
+        <pc:chgData name="Ming-Chih Lin" userId="f1ba3ba5-e185-404b-b55f-b2be90e2bdc2" providerId="ADAL" clId="{794224D3-789D-47BB-A0D2-62C663EDB1CA}" dt="2020-05-31T07:37:23.395" v="597"/>
+        <pc:sldMkLst>
+          <pc:docMk/>
+          <pc:sldMk cId="1992929127" sldId="283"/>
+        </pc:sldMkLst>
+      </pc:sldChg>
+      <pc:sldChg chg="modSp new add del mod">
+        <pc:chgData name="Ming-Chih Lin" userId="f1ba3ba5-e185-404b-b55f-b2be90e2bdc2" providerId="ADAL" clId="{794224D3-789D-47BB-A0D2-62C663EDB1CA}" dt="2020-05-31T07:37:25.174" v="598" actId="2696"/>
+        <pc:sldMkLst>
+          <pc:docMk/>
+          <pc:sldMk cId="4282441724" sldId="283"/>
+        </pc:sldMkLst>
+        <pc:spChg chg="mod">
+          <ac:chgData name="Ming-Chih Lin" userId="f1ba3ba5-e185-404b-b55f-b2be90e2bdc2" providerId="ADAL" clId="{794224D3-789D-47BB-A0D2-62C663EDB1CA}" dt="2020-05-31T07:28:07.862" v="394" actId="20577"/>
+          <ac:spMkLst>
+            <pc:docMk/>
+            <pc:sldMk cId="4282441724" sldId="283"/>
+            <ac:spMk id="2" creationId="{02A1E2E6-DFB6-4C76-973C-7FC0AA967CCF}"/>
+          </ac:spMkLst>
+        </pc:spChg>
+        <pc:spChg chg="mod">
+          <ac:chgData name="Ming-Chih Lin" userId="f1ba3ba5-e185-404b-b55f-b2be90e2bdc2" providerId="ADAL" clId="{794224D3-789D-47BB-A0D2-62C663EDB1CA}" dt="2020-05-31T07:28:05.885" v="393"/>
+          <ac:spMkLst>
+            <pc:docMk/>
+            <pc:sldMk cId="4282441724" sldId="283"/>
+            <ac:spMk id="3" creationId="{E1706A94-9322-4DB7-B41B-7F7FDDB0AC02}"/>
+          </ac:spMkLst>
+        </pc:spChg>
+      </pc:sldChg>
+      <pc:sldChg chg="addSp modSp add mod">
+        <pc:chgData name="Ming-Chih Lin" userId="f1ba3ba5-e185-404b-b55f-b2be90e2bdc2" providerId="ADAL" clId="{794224D3-789D-47BB-A0D2-62C663EDB1CA}" dt="2020-06-01T07:52:43.534" v="919" actId="1076"/>
+        <pc:sldMkLst>
+          <pc:docMk/>
+          <pc:sldMk cId="2651586421" sldId="284"/>
+        </pc:sldMkLst>
+        <pc:spChg chg="mod">
+          <ac:chgData name="Ming-Chih Lin" userId="f1ba3ba5-e185-404b-b55f-b2be90e2bdc2" providerId="ADAL" clId="{794224D3-789D-47BB-A0D2-62C663EDB1CA}" dt="2020-06-01T07:52:04.093" v="911" actId="20577"/>
+          <ac:spMkLst>
+            <pc:docMk/>
+            <pc:sldMk cId="2651586421" sldId="284"/>
+            <ac:spMk id="2" creationId="{5F3943C5-BE9F-4BF4-A111-F83F5931DA07}"/>
+          </ac:spMkLst>
+        </pc:spChg>
+        <pc:spChg chg="mod">
+          <ac:chgData name="Ming-Chih Lin" userId="f1ba3ba5-e185-404b-b55f-b2be90e2bdc2" providerId="ADAL" clId="{794224D3-789D-47BB-A0D2-62C663EDB1CA}" dt="2020-05-31T07:30:46.059" v="519" actId="20577"/>
+          <ac:spMkLst>
+            <pc:docMk/>
+            <pc:sldMk cId="2651586421" sldId="284"/>
+            <ac:spMk id="3" creationId="{CC22D15C-4B6A-4C30-9E72-7AA476A720D1}"/>
+          </ac:spMkLst>
+        </pc:spChg>
+        <pc:picChg chg="add mod">
+          <ac:chgData name="Ming-Chih Lin" userId="f1ba3ba5-e185-404b-b55f-b2be90e2bdc2" providerId="ADAL" clId="{794224D3-789D-47BB-A0D2-62C663EDB1CA}" dt="2020-06-01T07:52:43.534" v="919" actId="1076"/>
+          <ac:picMkLst>
+            <pc:docMk/>
+            <pc:sldMk cId="2651586421" sldId="284"/>
+            <ac:picMk id="4" creationId="{D5D4B023-4CA5-4555-A90F-87E1A9E2DBDB}"/>
+          </ac:picMkLst>
+        </pc:picChg>
+      </pc:sldChg>
+      <pc:sldChg chg="addSp modSp new mod">
+        <pc:chgData name="Ming-Chih Lin" userId="f1ba3ba5-e185-404b-b55f-b2be90e2bdc2" providerId="ADAL" clId="{794224D3-789D-47BB-A0D2-62C663EDB1CA}" dt="2020-06-01T07:54:49.432" v="931" actId="14100"/>
+        <pc:sldMkLst>
+          <pc:docMk/>
+          <pc:sldMk cId="3195449515" sldId="285"/>
+        </pc:sldMkLst>
+        <pc:spChg chg="mod">
+          <ac:chgData name="Ming-Chih Lin" userId="f1ba3ba5-e185-404b-b55f-b2be90e2bdc2" providerId="ADAL" clId="{794224D3-789D-47BB-A0D2-62C663EDB1CA}" dt="2020-06-01T07:54:49.432" v="931" actId="14100"/>
+          <ac:spMkLst>
+            <pc:docMk/>
+            <pc:sldMk cId="3195449515" sldId="285"/>
+            <ac:spMk id="2" creationId="{2FEECCDF-359C-4756-942E-0B27A9C3AE42}"/>
+          </ac:spMkLst>
+        </pc:spChg>
+        <pc:spChg chg="mod">
+          <ac:chgData name="Ming-Chih Lin" userId="f1ba3ba5-e185-404b-b55f-b2be90e2bdc2" providerId="ADAL" clId="{794224D3-789D-47BB-A0D2-62C663EDB1CA}" dt="2020-05-31T07:30:08.391" v="480" actId="20577"/>
+          <ac:spMkLst>
+            <pc:docMk/>
+            <pc:sldMk cId="3195449515" sldId="285"/>
+            <ac:spMk id="3" creationId="{80AC94B3-D669-4FE4-814E-F60AE2CE6E69}"/>
+          </ac:spMkLst>
+        </pc:spChg>
+        <pc:picChg chg="add mod">
+          <ac:chgData name="Ming-Chih Lin" userId="f1ba3ba5-e185-404b-b55f-b2be90e2bdc2" providerId="ADAL" clId="{794224D3-789D-47BB-A0D2-62C663EDB1CA}" dt="2020-06-01T07:54:46.313" v="930" actId="1076"/>
+          <ac:picMkLst>
+            <pc:docMk/>
+            <pc:sldMk cId="3195449515" sldId="285"/>
+            <ac:picMk id="4" creationId="{CB731608-086F-45D0-9B0F-B575F6326DBE}"/>
+          </ac:picMkLst>
+        </pc:picChg>
+      </pc:sldChg>
+      <pc:sldChg chg="modSp new add del mod">
+        <pc:chgData name="Ming-Chih Lin" userId="f1ba3ba5-e185-404b-b55f-b2be90e2bdc2" providerId="ADAL" clId="{794224D3-789D-47BB-A0D2-62C663EDB1CA}" dt="2020-05-31T07:37:25.174" v="598" actId="2696"/>
+        <pc:sldMkLst>
+          <pc:docMk/>
+          <pc:sldMk cId="1489283586" sldId="286"/>
+        </pc:sldMkLst>
+        <pc:spChg chg="mod">
+          <ac:chgData name="Ming-Chih Lin" userId="f1ba3ba5-e185-404b-b55f-b2be90e2bdc2" providerId="ADAL" clId="{794224D3-789D-47BB-A0D2-62C663EDB1CA}" dt="2020-05-31T07:31:27.496" v="565"/>
+          <ac:spMkLst>
+            <pc:docMk/>
+            <pc:sldMk cId="1489283586" sldId="286"/>
+            <ac:spMk id="3" creationId="{F9CBD9A1-D6C6-4802-A546-4850BDBE39C1}"/>
+          </ac:spMkLst>
+        </pc:spChg>
+      </pc:sldChg>
+      <pc:sldChg chg="add del">
+        <pc:chgData name="Ming-Chih Lin" userId="f1ba3ba5-e185-404b-b55f-b2be90e2bdc2" providerId="ADAL" clId="{794224D3-789D-47BB-A0D2-62C663EDB1CA}" dt="2020-05-31T07:37:23.395" v="597"/>
+        <pc:sldMkLst>
+          <pc:docMk/>
+          <pc:sldMk cId="2559555116" sldId="286"/>
+        </pc:sldMkLst>
+      </pc:sldChg>
+      <pc:sldChg chg="addSp delSp modSp new add del mod modClrScheme chgLayout">
+        <pc:chgData name="Ming-Chih Lin" userId="f1ba3ba5-e185-404b-b55f-b2be90e2bdc2" providerId="ADAL" clId="{794224D3-789D-47BB-A0D2-62C663EDB1CA}" dt="2020-05-31T07:37:35.653" v="599" actId="2696"/>
+        <pc:sldMkLst>
+          <pc:docMk/>
+          <pc:sldMk cId="1439738458" sldId="287"/>
+        </pc:sldMkLst>
+        <pc:spChg chg="del">
+          <ac:chgData name="Ming-Chih Lin" userId="f1ba3ba5-e185-404b-b55f-b2be90e2bdc2" providerId="ADAL" clId="{794224D3-789D-47BB-A0D2-62C663EDB1CA}" dt="2020-05-31T07:32:39.695" v="578" actId="700"/>
+          <ac:spMkLst>
+            <pc:docMk/>
+            <pc:sldMk cId="1439738458" sldId="287"/>
+            <ac:spMk id="2" creationId="{5D871499-CF0E-485D-BBD5-499449DEC70C}"/>
+          </ac:spMkLst>
+        </pc:spChg>
+        <pc:spChg chg="del">
+          <ac:chgData name="Ming-Chih Lin" userId="f1ba3ba5-e185-404b-b55f-b2be90e2bdc2" providerId="ADAL" clId="{794224D3-789D-47BB-A0D2-62C663EDB1CA}" dt="2020-05-31T07:32:39.695" v="578" actId="700"/>
+          <ac:spMkLst>
+            <pc:docMk/>
+            <pc:sldMk cId="1439738458" sldId="287"/>
+            <ac:spMk id="3" creationId="{513AC28C-C19B-4F53-9437-10D9E59988DD}"/>
+          </ac:spMkLst>
+        </pc:spChg>
+        <pc:spChg chg="add del mod ord">
+          <ac:chgData name="Ming-Chih Lin" userId="f1ba3ba5-e185-404b-b55f-b2be90e2bdc2" providerId="ADAL" clId="{794224D3-789D-47BB-A0D2-62C663EDB1CA}" dt="2020-05-31T07:32:43.120" v="579" actId="700"/>
+          <ac:spMkLst>
+            <pc:docMk/>
+            <pc:sldMk cId="1439738458" sldId="287"/>
+            <ac:spMk id="4" creationId="{74433EF5-6AEE-49BA-8AA0-7A637F91576E}"/>
+          </ac:spMkLst>
+        </pc:spChg>
+        <pc:spChg chg="add mod ord">
+          <ac:chgData name="Ming-Chih Lin" userId="f1ba3ba5-e185-404b-b55f-b2be90e2bdc2" providerId="ADAL" clId="{794224D3-789D-47BB-A0D2-62C663EDB1CA}" dt="2020-05-31T07:32:55.848" v="583"/>
+          <ac:spMkLst>
+            <pc:docMk/>
+            <pc:sldMk cId="1439738458" sldId="287"/>
+            <ac:spMk id="5" creationId="{175DFBF9-F290-4C69-9CB9-3C90AC949AA8}"/>
+          </ac:spMkLst>
+        </pc:spChg>
+        <pc:spChg chg="add mod ord">
+          <ac:chgData name="Ming-Chih Lin" userId="f1ba3ba5-e185-404b-b55f-b2be90e2bdc2" providerId="ADAL" clId="{794224D3-789D-47BB-A0D2-62C663EDB1CA}" dt="2020-05-31T07:33:11.796" v="588" actId="207"/>
+          <ac:spMkLst>
+            <pc:docMk/>
+            <pc:sldMk cId="1439738458" sldId="287"/>
+            <ac:spMk id="6" creationId="{69EEF7C9-AC49-4A83-81D4-B576673CF2D3}"/>
+          </ac:spMkLst>
+        </pc:spChg>
+      </pc:sldChg>
+      <pc:sldChg chg="add">
+        <pc:chgData name="Ming-Chih Lin" userId="f1ba3ba5-e185-404b-b55f-b2be90e2bdc2" providerId="ADAL" clId="{794224D3-789D-47BB-A0D2-62C663EDB1CA}" dt="2020-05-31T07:37:39.450" v="600"/>
+        <pc:sldMkLst>
+          <pc:docMk/>
+          <pc:sldMk cId="2068811213" sldId="287"/>
+        </pc:sldMkLst>
+      </pc:sldChg>
+      <pc:sldChg chg="add del">
+        <pc:chgData name="Ming-Chih Lin" userId="f1ba3ba5-e185-404b-b55f-b2be90e2bdc2" providerId="ADAL" clId="{794224D3-789D-47BB-A0D2-62C663EDB1CA}" dt="2020-05-31T07:37:23.395" v="597"/>
+        <pc:sldMkLst>
+          <pc:docMk/>
+          <pc:sldMk cId="3370046481" sldId="287"/>
+        </pc:sldMkLst>
+      </pc:sldChg>
+      <pc:sldChg chg="addSp delSp modSp new mod modClrScheme chgLayout">
+        <pc:chgData name="Ming-Chih Lin" userId="f1ba3ba5-e185-404b-b55f-b2be90e2bdc2" providerId="ADAL" clId="{794224D3-789D-47BB-A0D2-62C663EDB1CA}" dt="2020-06-01T08:04:32.622" v="1263" actId="700"/>
+        <pc:sldMkLst>
+          <pc:docMk/>
+          <pc:sldMk cId="2773999239" sldId="288"/>
+        </pc:sldMkLst>
+        <pc:spChg chg="add mod ord">
+          <ac:chgData name="Ming-Chih Lin" userId="f1ba3ba5-e185-404b-b55f-b2be90e2bdc2" providerId="ADAL" clId="{794224D3-789D-47BB-A0D2-62C663EDB1CA}" dt="2020-06-01T08:04:32.622" v="1263" actId="700"/>
+          <ac:spMkLst>
+            <pc:docMk/>
+            <pc:sldMk cId="2773999239" sldId="288"/>
+            <ac:spMk id="2" creationId="{9AB95A1D-731F-4754-8CC5-5B2A6DACC14C}"/>
+          </ac:spMkLst>
+        </pc:spChg>
+        <pc:spChg chg="del">
+          <ac:chgData name="Ming-Chih Lin" userId="f1ba3ba5-e185-404b-b55f-b2be90e2bdc2" providerId="ADAL" clId="{794224D3-789D-47BB-A0D2-62C663EDB1CA}" dt="2020-05-31T07:39:09.479" v="602" actId="700"/>
+          <ac:spMkLst>
+            <pc:docMk/>
+            <pc:sldMk cId="2773999239" sldId="288"/>
+            <ac:spMk id="2" creationId="{EF1E43BE-8379-4A2F-927F-5F6B071A2544}"/>
+          </ac:spMkLst>
+        </pc:spChg>
+        <pc:spChg chg="del">
+          <ac:chgData name="Ming-Chih Lin" userId="f1ba3ba5-e185-404b-b55f-b2be90e2bdc2" providerId="ADAL" clId="{794224D3-789D-47BB-A0D2-62C663EDB1CA}" dt="2020-05-31T07:39:09.479" v="602" actId="700"/>
+          <ac:spMkLst>
+            <pc:docMk/>
+            <pc:sldMk cId="2773999239" sldId="288"/>
+            <ac:spMk id="3" creationId="{4FDD6798-61A8-4C71-AE43-603F39194A39}"/>
+          </ac:spMkLst>
+        </pc:spChg>
+        <pc:spChg chg="add del mod ord">
+          <ac:chgData name="Ming-Chih Lin" userId="f1ba3ba5-e185-404b-b55f-b2be90e2bdc2" providerId="ADAL" clId="{794224D3-789D-47BB-A0D2-62C663EDB1CA}" dt="2020-05-31T07:39:12.301" v="603" actId="700"/>
+          <ac:spMkLst>
+            <pc:docMk/>
+            <pc:sldMk cId="2773999239" sldId="288"/>
+            <ac:spMk id="4" creationId="{B4A07BC9-FF89-4CE6-8C2A-80F60F3C0DAA}"/>
+          </ac:spMkLst>
+        </pc:spChg>
+        <pc:spChg chg="add mod ord">
+          <ac:chgData name="Ming-Chih Lin" userId="f1ba3ba5-e185-404b-b55f-b2be90e2bdc2" providerId="ADAL" clId="{794224D3-789D-47BB-A0D2-62C663EDB1CA}" dt="2020-06-01T08:04:32.622" v="1263" actId="700"/>
+          <ac:spMkLst>
+            <pc:docMk/>
+            <pc:sldMk cId="2773999239" sldId="288"/>
+            <ac:spMk id="5" creationId="{D9BE9DE2-8245-4CD7-8644-BCDBABA8D1A8}"/>
+          </ac:spMkLst>
+        </pc:spChg>
+        <pc:spChg chg="add del mod ord">
+          <ac:chgData name="Ming-Chih Lin" userId="f1ba3ba5-e185-404b-b55f-b2be90e2bdc2" providerId="ADAL" clId="{794224D3-789D-47BB-A0D2-62C663EDB1CA}" dt="2020-06-01T08:04:32.622" v="1263" actId="700"/>
+          <ac:spMkLst>
+            <pc:docMk/>
+            <pc:sldMk cId="2773999239" sldId="288"/>
+            <ac:spMk id="6" creationId="{8B34D29B-0E23-429E-8BAC-0695EC085EEE}"/>
+          </ac:spMkLst>
+        </pc:spChg>
+      </pc:sldChg>
+      <pc:sldChg chg="addSp delSp modSp new mod modClrScheme chgLayout">
+        <pc:chgData name="Ming-Chih Lin" userId="f1ba3ba5-e185-404b-b55f-b2be90e2bdc2" providerId="ADAL" clId="{794224D3-789D-47BB-A0D2-62C663EDB1CA}" dt="2020-06-01T08:04:36.960" v="1264" actId="700"/>
+        <pc:sldMkLst>
+          <pc:docMk/>
+          <pc:sldMk cId="1061609012" sldId="289"/>
+        </pc:sldMkLst>
+        <pc:spChg chg="add mod ord">
+          <ac:chgData name="Ming-Chih Lin" userId="f1ba3ba5-e185-404b-b55f-b2be90e2bdc2" providerId="ADAL" clId="{794224D3-789D-47BB-A0D2-62C663EDB1CA}" dt="2020-06-01T08:04:36.960" v="1264" actId="700"/>
+          <ac:spMkLst>
+            <pc:docMk/>
+            <pc:sldMk cId="1061609012" sldId="289"/>
+            <ac:spMk id="2" creationId="{39ECB457-4D4F-4A33-A3B9-6B135073BD8A}"/>
+          </ac:spMkLst>
+        </pc:spChg>
+        <pc:spChg chg="del">
+          <ac:chgData name="Ming-Chih Lin" userId="f1ba3ba5-e185-404b-b55f-b2be90e2bdc2" providerId="ADAL" clId="{794224D3-789D-47BB-A0D2-62C663EDB1CA}" dt="2020-05-31T07:39:58.497" v="639" actId="700"/>
+          <ac:spMkLst>
+            <pc:docMk/>
+            <pc:sldMk cId="1061609012" sldId="289"/>
+            <ac:spMk id="2" creationId="{BA164DD3-FCAA-4C87-8EC6-826F37B6CB92}"/>
+          </ac:spMkLst>
+        </pc:spChg>
+        <pc:spChg chg="del">
+          <ac:chgData name="Ming-Chih Lin" userId="f1ba3ba5-e185-404b-b55f-b2be90e2bdc2" providerId="ADAL" clId="{794224D3-789D-47BB-A0D2-62C663EDB1CA}" dt="2020-05-31T07:39:58.497" v="639" actId="700"/>
+          <ac:spMkLst>
+            <pc:docMk/>
+            <pc:sldMk cId="1061609012" sldId="289"/>
+            <ac:spMk id="3" creationId="{360C4EC4-099B-4A51-8DE1-3942B46FEEC8}"/>
+          </ac:spMkLst>
+        </pc:spChg>
+        <pc:spChg chg="add mod ord">
+          <ac:chgData name="Ming-Chih Lin" userId="f1ba3ba5-e185-404b-b55f-b2be90e2bdc2" providerId="ADAL" clId="{794224D3-789D-47BB-A0D2-62C663EDB1CA}" dt="2020-06-01T08:04:36.960" v="1264" actId="700"/>
+          <ac:spMkLst>
+            <pc:docMk/>
+            <pc:sldMk cId="1061609012" sldId="289"/>
+            <ac:spMk id="4" creationId="{A96425F9-195D-4693-9E6E-3A6A87237F5E}"/>
+          </ac:spMkLst>
+        </pc:spChg>
+      </pc:sldChg>
+      <pc:sldChg chg="modSp new mod">
+        <pc:chgData name="Ming-Chih Lin" userId="f1ba3ba5-e185-404b-b55f-b2be90e2bdc2" providerId="ADAL" clId="{794224D3-789D-47BB-A0D2-62C663EDB1CA}" dt="2020-05-31T07:42:39.327" v="693"/>
+        <pc:sldMkLst>
+          <pc:docMk/>
+          <pc:sldMk cId="1663756997" sldId="290"/>
+        </pc:sldMkLst>
+        <pc:spChg chg="mod">
+          <ac:chgData name="Ming-Chih Lin" userId="f1ba3ba5-e185-404b-b55f-b2be90e2bdc2" providerId="ADAL" clId="{794224D3-789D-47BB-A0D2-62C663EDB1CA}" dt="2020-05-31T07:42:39.327" v="693"/>
+          <ac:spMkLst>
+            <pc:docMk/>
+            <pc:sldMk cId="1663756997" sldId="290"/>
+            <ac:spMk id="3" creationId="{FDA2CCF4-8156-43AA-A2A5-BCE09F7AF6E8}"/>
+          </ac:spMkLst>
+        </pc:spChg>
+      </pc:sldChg>
+      <pc:sldChg chg="modSp new mod ord">
+        <pc:chgData name="Ming-Chih Lin" userId="f1ba3ba5-e185-404b-b55f-b2be90e2bdc2" providerId="ADAL" clId="{794224D3-789D-47BB-A0D2-62C663EDB1CA}" dt="2020-06-01T07:57:49.832" v="978"/>
+        <pc:sldMkLst>
+          <pc:docMk/>
+          <pc:sldMk cId="4146132641" sldId="291"/>
+        </pc:sldMkLst>
+        <pc:spChg chg="mod">
+          <ac:chgData name="Ming-Chih Lin" userId="f1ba3ba5-e185-404b-b55f-b2be90e2bdc2" providerId="ADAL" clId="{794224D3-789D-47BB-A0D2-62C663EDB1CA}" dt="2020-05-31T07:45:08.481" v="743"/>
+          <ac:spMkLst>
+            <pc:docMk/>
+            <pc:sldMk cId="4146132641" sldId="291"/>
+            <ac:spMk id="3" creationId="{EE67A29E-9388-4D5B-87CB-A07D3E8DBFB4}"/>
+          </ac:spMkLst>
+        </pc:spChg>
+      </pc:sldChg>
+      <pc:sldChg chg="modSp new mod">
+        <pc:chgData name="Ming-Chih Lin" userId="f1ba3ba5-e185-404b-b55f-b2be90e2bdc2" providerId="ADAL" clId="{794224D3-789D-47BB-A0D2-62C663EDB1CA}" dt="2020-06-01T08:02:58.705" v="1262"/>
+        <pc:sldMkLst>
+          <pc:docMk/>
+          <pc:sldMk cId="2609797397" sldId="292"/>
+        </pc:sldMkLst>
+        <pc:spChg chg="mod">
+          <ac:chgData name="Ming-Chih Lin" userId="f1ba3ba5-e185-404b-b55f-b2be90e2bdc2" providerId="ADAL" clId="{794224D3-789D-47BB-A0D2-62C663EDB1CA}" dt="2020-06-01T08:02:58.705" v="1262"/>
+          <ac:spMkLst>
+            <pc:docMk/>
+            <pc:sldMk cId="2609797397" sldId="292"/>
+            <ac:spMk id="2" creationId="{C6F078A4-E99D-4092-8AC3-B9698C576328}"/>
+          </ac:spMkLst>
+        </pc:spChg>
+        <pc:spChg chg="mod">
+          <ac:chgData name="Ming-Chih Lin" userId="f1ba3ba5-e185-404b-b55f-b2be90e2bdc2" providerId="ADAL" clId="{794224D3-789D-47BB-A0D2-62C663EDB1CA}" dt="2020-05-31T07:47:01.220" v="792"/>
+          <ac:spMkLst>
+            <pc:docMk/>
+            <pc:sldMk cId="2609797397" sldId="292"/>
+            <ac:spMk id="3" creationId="{035077E8-9769-4239-B6FF-C9B606BA0011}"/>
+          </ac:spMkLst>
+        </pc:spChg>
+      </pc:sldChg>
+      <pc:sldChg chg="modSp new mod">
+        <pc:chgData name="Ming-Chih Lin" userId="f1ba3ba5-e185-404b-b55f-b2be90e2bdc2" providerId="ADAL" clId="{794224D3-789D-47BB-A0D2-62C663EDB1CA}" dt="2020-05-31T07:51:10.725" v="829" actId="20577"/>
+        <pc:sldMkLst>
+          <pc:docMk/>
+          <pc:sldMk cId="289535632" sldId="293"/>
+        </pc:sldMkLst>
+        <pc:spChg chg="mod">
+          <ac:chgData name="Ming-Chih Lin" userId="f1ba3ba5-e185-404b-b55f-b2be90e2bdc2" providerId="ADAL" clId="{794224D3-789D-47BB-A0D2-62C663EDB1CA}" dt="2020-05-31T07:51:10.725" v="829" actId="20577"/>
+          <ac:spMkLst>
+            <pc:docMk/>
+            <pc:sldMk cId="289535632" sldId="293"/>
+            <ac:spMk id="3" creationId="{675709DF-CC06-48CE-B524-EE9F568647E0}"/>
+          </ac:spMkLst>
+        </pc:spChg>
+      </pc:sldChg>
+      <pc:sldChg chg="modSp new mod">
+        <pc:chgData name="Ming-Chih Lin" userId="f1ba3ba5-e185-404b-b55f-b2be90e2bdc2" providerId="ADAL" clId="{794224D3-789D-47BB-A0D2-62C663EDB1CA}" dt="2020-06-01T07:44:55.720" v="853"/>
+        <pc:sldMkLst>
+          <pc:docMk/>
+          <pc:sldMk cId="64240318" sldId="294"/>
+        </pc:sldMkLst>
+        <pc:spChg chg="mod">
+          <ac:chgData name="Ming-Chih Lin" userId="f1ba3ba5-e185-404b-b55f-b2be90e2bdc2" providerId="ADAL" clId="{794224D3-789D-47BB-A0D2-62C663EDB1CA}" dt="2020-06-01T07:44:54.951" v="852" actId="21"/>
+          <ac:spMkLst>
+            <pc:docMk/>
+            <pc:sldMk cId="64240318" sldId="294"/>
+            <ac:spMk id="2" creationId="{6798ECCD-BF38-4125-A2D9-1FBB0828F79C}"/>
+          </ac:spMkLst>
+        </pc:spChg>
+        <pc:spChg chg="mod">
+          <ac:chgData name="Ming-Chih Lin" userId="f1ba3ba5-e185-404b-b55f-b2be90e2bdc2" providerId="ADAL" clId="{794224D3-789D-47BB-A0D2-62C663EDB1CA}" dt="2020-06-01T07:44:55.720" v="853"/>
+          <ac:spMkLst>
+            <pc:docMk/>
+            <pc:sldMk cId="64240318" sldId="294"/>
+            <ac:spMk id="3" creationId="{21DC9115-EA07-4E43-B229-3DDAC0EF5CB9}"/>
+          </ac:spMkLst>
+        </pc:spChg>
+      </pc:sldChg>
+      <pc:sldChg chg="modSp new">
+        <pc:chgData name="Ming-Chih Lin" userId="f1ba3ba5-e185-404b-b55f-b2be90e2bdc2" providerId="ADAL" clId="{794224D3-789D-47BB-A0D2-62C663EDB1CA}" dt="2020-06-01T07:45:22.900" v="856"/>
+        <pc:sldMkLst>
+          <pc:docMk/>
+          <pc:sldMk cId="3800941536" sldId="295"/>
+        </pc:sldMkLst>
+        <pc:spChg chg="mod">
+          <ac:chgData name="Ming-Chih Lin" userId="f1ba3ba5-e185-404b-b55f-b2be90e2bdc2" providerId="ADAL" clId="{794224D3-789D-47BB-A0D2-62C663EDB1CA}" dt="2020-06-01T07:45:22.900" v="856"/>
+          <ac:spMkLst>
+            <pc:docMk/>
+            <pc:sldMk cId="3800941536" sldId="295"/>
+            <ac:spMk id="2" creationId="{1217C976-378C-48C3-900B-3FE82C45F783}"/>
+          </ac:spMkLst>
+        </pc:spChg>
+        <pc:spChg chg="mod">
+          <ac:chgData name="Ming-Chih Lin" userId="f1ba3ba5-e185-404b-b55f-b2be90e2bdc2" providerId="ADAL" clId="{794224D3-789D-47BB-A0D2-62C663EDB1CA}" dt="2020-06-01T07:45:11.402" v="855"/>
+          <ac:spMkLst>
+            <pc:docMk/>
+            <pc:sldMk cId="3800941536" sldId="295"/>
+            <ac:spMk id="3" creationId="{B74F9DDA-5D21-4474-B5A9-0D53658E6B5E}"/>
+          </ac:spMkLst>
+        </pc:spChg>
+      </pc:sldChg>
+      <pc:sldChg chg="modSp new">
+        <pc:chgData name="Ming-Chih Lin" userId="f1ba3ba5-e185-404b-b55f-b2be90e2bdc2" providerId="ADAL" clId="{794224D3-789D-47BB-A0D2-62C663EDB1CA}" dt="2020-06-01T07:45:47.506" v="859"/>
+        <pc:sldMkLst>
+          <pc:docMk/>
+          <pc:sldMk cId="71803066" sldId="296"/>
+        </pc:sldMkLst>
+        <pc:spChg chg="mod">
+          <ac:chgData name="Ming-Chih Lin" userId="f1ba3ba5-e185-404b-b55f-b2be90e2bdc2" providerId="ADAL" clId="{794224D3-789D-47BB-A0D2-62C663EDB1CA}" dt="2020-06-01T07:45:47.506" v="859"/>
+          <ac:spMkLst>
+            <pc:docMk/>
+            <pc:sldMk cId="71803066" sldId="296"/>
+            <ac:spMk id="2" creationId="{49291F46-BDC7-46BE-AFD5-8495C3C3E5C1}"/>
+          </ac:spMkLst>
+        </pc:spChg>
+        <pc:spChg chg="mod">
+          <ac:chgData name="Ming-Chih Lin" userId="f1ba3ba5-e185-404b-b55f-b2be90e2bdc2" providerId="ADAL" clId="{794224D3-789D-47BB-A0D2-62C663EDB1CA}" dt="2020-06-01T07:45:34.552" v="858"/>
+          <ac:spMkLst>
+            <pc:docMk/>
+            <pc:sldMk cId="71803066" sldId="296"/>
+            <ac:spMk id="3" creationId="{C8C03A03-E1F0-43C9-B0BD-2ABDF2CB329D}"/>
+          </ac:spMkLst>
+        </pc:spChg>
+      </pc:sldChg>
+      <pc:sldChg chg="modSp new">
+        <pc:chgData name="Ming-Chih Lin" userId="f1ba3ba5-e185-404b-b55f-b2be90e2bdc2" providerId="ADAL" clId="{794224D3-789D-47BB-A0D2-62C663EDB1CA}" dt="2020-06-01T07:46:03.193" v="861"/>
+        <pc:sldMkLst>
+          <pc:docMk/>
+          <pc:sldMk cId="3823943526" sldId="297"/>
+        </pc:sldMkLst>
+        <pc:spChg chg="mod">
+          <ac:chgData name="Ming-Chih Lin" userId="f1ba3ba5-e185-404b-b55f-b2be90e2bdc2" providerId="ADAL" clId="{794224D3-789D-47BB-A0D2-62C663EDB1CA}" dt="2020-06-01T07:46:03.193" v="861"/>
+          <ac:spMkLst>
+            <pc:docMk/>
+            <pc:sldMk cId="3823943526" sldId="297"/>
+            <ac:spMk id="2" creationId="{1F7495A2-3CAF-4C5B-8D98-69F0DC66F037}"/>
+          </ac:spMkLst>
+        </pc:spChg>
+        <pc:spChg chg="mod">
+          <ac:chgData name="Ming-Chih Lin" userId="f1ba3ba5-e185-404b-b55f-b2be90e2bdc2" providerId="ADAL" clId="{794224D3-789D-47BB-A0D2-62C663EDB1CA}" dt="2020-06-01T07:45:55.457" v="860"/>
+          <ac:spMkLst>
+            <pc:docMk/>
+            <pc:sldMk cId="3823943526" sldId="297"/>
+            <ac:spMk id="3" creationId="{38DC13CC-BA4B-476C-84B1-232A460D5A2F}"/>
+          </ac:spMkLst>
+        </pc:spChg>
+      </pc:sldChg>
+      <pc:sldChg chg="new del">
+        <pc:chgData name="Ming-Chih Lin" userId="f1ba3ba5-e185-404b-b55f-b2be90e2bdc2" providerId="ADAL" clId="{794224D3-789D-47BB-A0D2-62C663EDB1CA}" dt="2020-06-01T07:46:29.319" v="862" actId="47"/>
+        <pc:sldMkLst>
+          <pc:docMk/>
+          <pc:sldMk cId="3393092084" sldId="298"/>
+        </pc:sldMkLst>
+      </pc:sldChg>
+    </pc:docChg>
+  </pc:docChgLst>
+  <pc:docChgLst>
+    <pc:chgData name="Ming-Chih Lin" userId="f1ba3ba5-e185-404b-b55f-b2be90e2bdc2" providerId="ADAL" clId="{091A637F-8D54-4E54-83E0-103516D33677}"/>
+    <pc:docChg chg="undo custSel addSld delSld modSld sldOrd">
+      <pc:chgData name="Ming-Chih Lin" userId="f1ba3ba5-e185-404b-b55f-b2be90e2bdc2" providerId="ADAL" clId="{091A637F-8D54-4E54-83E0-103516D33677}" dt="2020-06-15T06:49:15.855" v="3562" actId="20577"/>
+      <pc:docMkLst>
+        <pc:docMk/>
+      </pc:docMkLst>
+      <pc:sldChg chg="modSp mod">
+        <pc:chgData name="Ming-Chih Lin" userId="f1ba3ba5-e185-404b-b55f-b2be90e2bdc2" providerId="ADAL" clId="{091A637F-8D54-4E54-83E0-103516D33677}" dt="2020-06-02T00:17:12.400" v="4" actId="20577"/>
+        <pc:sldMkLst>
+          <pc:docMk/>
+          <pc:sldMk cId="3437513085" sldId="257"/>
+        </pc:sldMkLst>
+        <pc:spChg chg="mod">
+          <ac:chgData name="Ming-Chih Lin" userId="f1ba3ba5-e185-404b-b55f-b2be90e2bdc2" providerId="ADAL" clId="{091A637F-8D54-4E54-83E0-103516D33677}" dt="2020-06-02T00:17:12.400" v="4" actId="20577"/>
+          <ac:spMkLst>
+            <pc:docMk/>
+            <pc:sldMk cId="3437513085" sldId="257"/>
+            <ac:spMk id="2" creationId="{F00E360D-5F36-459A-8321-D0EA4C8C73FE}"/>
+          </ac:spMkLst>
+        </pc:spChg>
+      </pc:sldChg>
+      <pc:sldChg chg="modSp mod">
+        <pc:chgData name="Ming-Chih Lin" userId="f1ba3ba5-e185-404b-b55f-b2be90e2bdc2" providerId="ADAL" clId="{091A637F-8D54-4E54-83E0-103516D33677}" dt="2020-06-04T23:44:08.024" v="687"/>
+        <pc:sldMkLst>
+          <pc:docMk/>
+          <pc:sldMk cId="2189207556" sldId="272"/>
+        </pc:sldMkLst>
+        <pc:spChg chg="mod">
+          <ac:chgData name="Ming-Chih Lin" userId="f1ba3ba5-e185-404b-b55f-b2be90e2bdc2" providerId="ADAL" clId="{091A637F-8D54-4E54-83E0-103516D33677}" dt="2020-06-04T23:44:08.024" v="687"/>
+          <ac:spMkLst>
+            <pc:docMk/>
+            <pc:sldMk cId="2189207556" sldId="272"/>
+            <ac:spMk id="4" creationId="{2FA54F75-D405-4104-B6BB-EA44A23A109A}"/>
+          </ac:spMkLst>
+        </pc:spChg>
+      </pc:sldChg>
+      <pc:sldChg chg="add del ord">
+        <pc:chgData name="Ming-Chih Lin" userId="f1ba3ba5-e185-404b-b55f-b2be90e2bdc2" providerId="ADAL" clId="{091A637F-8D54-4E54-83E0-103516D33677}" dt="2020-06-11T21:10:56.077" v="3395" actId="47"/>
+        <pc:sldMkLst>
+          <pc:docMk/>
+          <pc:sldMk cId="1266417032" sldId="312"/>
+        </pc:sldMkLst>
+      </pc:sldChg>
+      <pc:sldChg chg="modSp mod">
+        <pc:chgData name="Ming-Chih Lin" userId="f1ba3ba5-e185-404b-b55f-b2be90e2bdc2" providerId="ADAL" clId="{091A637F-8D54-4E54-83E0-103516D33677}" dt="2020-06-04T23:46:47.046" v="699"/>
+        <pc:sldMkLst>
+          <pc:docMk/>
+          <pc:sldMk cId="19629556" sldId="316"/>
+        </pc:sldMkLst>
+        <pc:spChg chg="mod">
+          <ac:chgData name="Ming-Chih Lin" userId="f1ba3ba5-e185-404b-b55f-b2be90e2bdc2" providerId="ADAL" clId="{091A637F-8D54-4E54-83E0-103516D33677}" dt="2020-06-04T23:46:47.046" v="699"/>
+          <ac:spMkLst>
+            <pc:docMk/>
+            <pc:sldMk cId="19629556" sldId="316"/>
+            <ac:spMk id="4" creationId="{2FA54F75-D405-4104-B6BB-EA44A23A109A}"/>
+          </ac:spMkLst>
+        </pc:spChg>
+      </pc:sldChg>
+      <pc:sldChg chg="addSp delSp modSp mod">
+        <pc:chgData name="Ming-Chih Lin" userId="f1ba3ba5-e185-404b-b55f-b2be90e2bdc2" providerId="ADAL" clId="{091A637F-8D54-4E54-83E0-103516D33677}" dt="2020-06-08T08:13:50.082" v="816" actId="1076"/>
+        <pc:sldMkLst>
+          <pc:docMk/>
+          <pc:sldMk cId="497064445" sldId="317"/>
+        </pc:sldMkLst>
+        <pc:spChg chg="mod">
+          <ac:chgData name="Ming-Chih Lin" userId="f1ba3ba5-e185-404b-b55f-b2be90e2bdc2" providerId="ADAL" clId="{091A637F-8D54-4E54-83E0-103516D33677}" dt="2020-06-02T00:22:26.420" v="18" actId="207"/>
+          <ac:spMkLst>
+            <pc:docMk/>
+            <pc:sldMk cId="497064445" sldId="317"/>
+            <ac:spMk id="3" creationId="{E7C3D928-2CE9-4266-A577-F5AA1DFC7CE3}"/>
+          </ac:spMkLst>
+        </pc:spChg>
+        <pc:spChg chg="add mod">
+          <ac:chgData name="Ming-Chih Lin" userId="f1ba3ba5-e185-404b-b55f-b2be90e2bdc2" providerId="ADAL" clId="{091A637F-8D54-4E54-83E0-103516D33677}" dt="2020-06-08T08:13:41.030" v="812" actId="14100"/>
+          <ac:spMkLst>
+            <pc:docMk/>
+            <pc:sldMk cId="497064445" sldId="317"/>
+            <ac:spMk id="4" creationId="{FBC0A41D-585A-4773-9922-1FC0601CBFD6}"/>
+          </ac:spMkLst>
+        </pc:spChg>
+        <pc:spChg chg="add mod">
+          <ac:chgData name="Ming-Chih Lin" userId="f1ba3ba5-e185-404b-b55f-b2be90e2bdc2" providerId="ADAL" clId="{091A637F-8D54-4E54-83E0-103516D33677}" dt="2020-06-08T08:13:46.626" v="814" actId="14100"/>
+          <ac:spMkLst>
+            <pc:docMk/>
+            <pc:sldMk cId="497064445" sldId="317"/>
+            <ac:spMk id="5" creationId="{24954B47-98FC-417E-9FE5-CB4B5835EA5D}"/>
+          </ac:spMkLst>
+        </pc:spChg>
+        <pc:spChg chg="add mod">
+          <ac:chgData name="Ming-Chih Lin" userId="f1ba3ba5-e185-404b-b55f-b2be90e2bdc2" providerId="ADAL" clId="{091A637F-8D54-4E54-83E0-103516D33677}" dt="2020-06-08T08:13:50.082" v="816" actId="1076"/>
+          <ac:spMkLst>
+            <pc:docMk/>
+            <pc:sldMk cId="497064445" sldId="317"/>
+            <ac:spMk id="7" creationId="{E0931CF7-339D-48E6-A8EF-1C817EF229F6}"/>
+          </ac:spMkLst>
+        </pc:spChg>
+        <pc:picChg chg="del">
+          <ac:chgData name="Ming-Chih Lin" userId="f1ba3ba5-e185-404b-b55f-b2be90e2bdc2" providerId="ADAL" clId="{091A637F-8D54-4E54-83E0-103516D33677}" dt="2020-06-08T08:12:22.607" v="799" actId="478"/>
+          <ac:picMkLst>
+            <pc:docMk/>
+            <pc:sldMk cId="497064445" sldId="317"/>
+            <ac:picMk id="2" creationId="{24B42EE7-EE76-400D-B513-614BD7A34C4E}"/>
+          </ac:picMkLst>
+        </pc:picChg>
+        <pc:picChg chg="add mod ord">
+          <ac:chgData name="Ming-Chih Lin" userId="f1ba3ba5-e185-404b-b55f-b2be90e2bdc2" providerId="ADAL" clId="{091A637F-8D54-4E54-83E0-103516D33677}" dt="2020-06-08T08:13:35.856" v="810" actId="1076"/>
+          <ac:picMkLst>
+            <pc:docMk/>
+            <pc:sldMk cId="497064445" sldId="317"/>
+            <ac:picMk id="6" creationId="{3F336A95-C832-4F21-B018-71EA44E29861}"/>
+          </ac:picMkLst>
+        </pc:picChg>
+      </pc:sldChg>
+      <pc:sldChg chg="del">
+        <pc:chgData name="Ming-Chih Lin" userId="f1ba3ba5-e185-404b-b55f-b2be90e2bdc2" providerId="ADAL" clId="{091A637F-8D54-4E54-83E0-103516D33677}" dt="2020-06-02T04:44:18.237" v="181" actId="47"/>
+        <pc:sldMkLst>
+          <pc:docMk/>
+          <pc:sldMk cId="1705629521" sldId="318"/>
+        </pc:sldMkLst>
+      </pc:sldChg>
+      <pc:sldChg chg="addSp delSp modSp new mod modClrScheme chgLayout">
+        <pc:chgData name="Ming-Chih Lin" userId="f1ba3ba5-e185-404b-b55f-b2be90e2bdc2" providerId="ADAL" clId="{091A637F-8D54-4E54-83E0-103516D33677}" dt="2020-06-11T02:02:03.077" v="3360"/>
+        <pc:sldMkLst>
+          <pc:docMk/>
+          <pc:sldMk cId="150404640" sldId="319"/>
+        </pc:sldMkLst>
+        <pc:spChg chg="del mod ord">
+          <ac:chgData name="Ming-Chih Lin" userId="f1ba3ba5-e185-404b-b55f-b2be90e2bdc2" providerId="ADAL" clId="{091A637F-8D54-4E54-83E0-103516D33677}" dt="2020-06-02T02:02:42.695" v="20" actId="700"/>
+          <ac:spMkLst>
+            <pc:docMk/>
+            <pc:sldMk cId="150404640" sldId="319"/>
+            <ac:spMk id="2" creationId="{B231E21B-3534-41AD-9684-B05CB302A285}"/>
+          </ac:spMkLst>
+        </pc:spChg>
+        <pc:spChg chg="del">
+          <ac:chgData name="Ming-Chih Lin" userId="f1ba3ba5-e185-404b-b55f-b2be90e2bdc2" providerId="ADAL" clId="{091A637F-8D54-4E54-83E0-103516D33677}" dt="2020-06-02T02:02:42.695" v="20" actId="700"/>
+          <ac:spMkLst>
+            <pc:docMk/>
+            <pc:sldMk cId="150404640" sldId="319"/>
+            <ac:spMk id="3" creationId="{F352EDA3-4245-43AB-9CD6-53674F2D003B}"/>
+          </ac:spMkLst>
+        </pc:spChg>
+        <pc:spChg chg="add mod ord">
+          <ac:chgData name="Ming-Chih Lin" userId="f1ba3ba5-e185-404b-b55f-b2be90e2bdc2" providerId="ADAL" clId="{091A637F-8D54-4E54-83E0-103516D33677}" dt="2020-06-02T04:32:21.454" v="144"/>
+          <ac:spMkLst>
+            <pc:docMk/>
+            <pc:sldMk cId="150404640" sldId="319"/>
+            <ac:spMk id="4" creationId="{06DA0EB8-8083-49B8-89F6-5CA68A99C6B7}"/>
+          </ac:spMkLst>
+        </pc:spChg>
+        <pc:spChg chg="add mod ord">
+          <ac:chgData name="Ming-Chih Lin" userId="f1ba3ba5-e185-404b-b55f-b2be90e2bdc2" providerId="ADAL" clId="{091A637F-8D54-4E54-83E0-103516D33677}" dt="2020-06-11T02:02:03.077" v="3360"/>
+          <ac:spMkLst>
+            <pc:docMk/>
+            <pc:sldMk cId="150404640" sldId="319"/>
+            <ac:spMk id="5" creationId="{47CD2DC4-DBF9-4379-9E92-A3F1027C98CE}"/>
+          </ac:spMkLst>
+        </pc:spChg>
+      </pc:sldChg>
+      <pc:sldChg chg="modSp new mod">
+        <pc:chgData name="Ming-Chih Lin" userId="f1ba3ba5-e185-404b-b55f-b2be90e2bdc2" providerId="ADAL" clId="{091A637F-8D54-4E54-83E0-103516D33677}" dt="2020-06-11T02:02:40.365" v="3374" actId="20577"/>
+        <pc:sldMkLst>
+          <pc:docMk/>
+          <pc:sldMk cId="634685143" sldId="320"/>
+        </pc:sldMkLst>
+        <pc:spChg chg="mod">
+          <ac:chgData name="Ming-Chih Lin" userId="f1ba3ba5-e185-404b-b55f-b2be90e2bdc2" providerId="ADAL" clId="{091A637F-8D54-4E54-83E0-103516D33677}" dt="2020-06-11T02:02:40.365" v="3374" actId="20577"/>
+          <ac:spMkLst>
+            <pc:docMk/>
+            <pc:sldMk cId="634685143" sldId="320"/>
+            <ac:spMk id="2" creationId="{B76EC892-7C67-495C-8FF9-2A83D1505032}"/>
+          </ac:spMkLst>
+        </pc:spChg>
+        <pc:spChg chg="mod">
+          <ac:chgData name="Ming-Chih Lin" userId="f1ba3ba5-e185-404b-b55f-b2be90e2bdc2" providerId="ADAL" clId="{091A637F-8D54-4E54-83E0-103516D33677}" dt="2020-06-11T02:02:30.965" v="3373"/>
+          <ac:spMkLst>
+            <pc:docMk/>
+            <pc:sldMk cId="634685143" sldId="320"/>
+            <ac:spMk id="3" creationId="{27AACF31-B26F-4D1C-856A-7B09BF30E133}"/>
+          </ac:spMkLst>
+        </pc:spChg>
+      </pc:sldChg>
+      <pc:sldChg chg="modSp new del mod">
+        <pc:chgData name="Ming-Chih Lin" userId="f1ba3ba5-e185-404b-b55f-b2be90e2bdc2" providerId="ADAL" clId="{091A637F-8D54-4E54-83E0-103516D33677}" dt="2020-06-04T23:48:03.949" v="721" actId="47"/>
+        <pc:sldMkLst>
+          <pc:docMk/>
+          <pc:sldMk cId="3631061952" sldId="321"/>
+        </pc:sldMkLst>
+        <pc:spChg chg="mod">
+          <ac:chgData name="Ming-Chih Lin" userId="f1ba3ba5-e185-404b-b55f-b2be90e2bdc2" providerId="ADAL" clId="{091A637F-8D54-4E54-83E0-103516D33677}" dt="2020-06-04T23:47:39.451" v="700" actId="21"/>
+          <ac:spMkLst>
+            <pc:docMk/>
+            <pc:sldMk cId="3631061952" sldId="321"/>
+            <ac:spMk id="2" creationId="{6DB6564A-98F8-4D69-B16B-9EB3AA2CBCF6}"/>
+          </ac:spMkLst>
+        </pc:spChg>
+        <pc:spChg chg="mod">
+          <ac:chgData name="Ming-Chih Lin" userId="f1ba3ba5-e185-404b-b55f-b2be90e2bdc2" providerId="ADAL" clId="{091A637F-8D54-4E54-83E0-103516D33677}" dt="2020-06-04T23:47:46.840" v="704" actId="21"/>
+          <ac:spMkLst>
+            <pc:docMk/>
+            <pc:sldMk cId="3631061952" sldId="321"/>
+            <ac:spMk id="3" creationId="{6100AB34-2064-412E-89EB-E6860E18A31F}"/>
+          </ac:spMkLst>
+        </pc:spChg>
+      </pc:sldChg>
+      <pc:sldChg chg="modSp new del mod">
+        <pc:chgData name="Ming-Chih Lin" userId="f1ba3ba5-e185-404b-b55f-b2be90e2bdc2" providerId="ADAL" clId="{091A637F-8D54-4E54-83E0-103516D33677}" dt="2020-06-02T04:27:45.108" v="95" actId="47"/>
+        <pc:sldMkLst>
+          <pc:docMk/>
+          <pc:sldMk cId="1481199713" sldId="322"/>
+        </pc:sldMkLst>
+        <pc:spChg chg="mod">
+          <ac:chgData name="Ming-Chih Lin" userId="f1ba3ba5-e185-404b-b55f-b2be90e2bdc2" providerId="ADAL" clId="{091A637F-8D54-4E54-83E0-103516D33677}" dt="2020-06-02T02:06:14.241" v="37" actId="20577"/>
+          <ac:spMkLst>
+            <pc:docMk/>
+            <pc:sldMk cId="1481199713" sldId="322"/>
+            <ac:spMk id="2" creationId="{5278D3C2-342D-4F56-B1B1-91F7D1A36EB5}"/>
+          </ac:spMkLst>
+        </pc:spChg>
+        <pc:spChg chg="mod">
+          <ac:chgData name="Ming-Chih Lin" userId="f1ba3ba5-e185-404b-b55f-b2be90e2bdc2" providerId="ADAL" clId="{091A637F-8D54-4E54-83E0-103516D33677}" dt="2020-06-02T02:06:11.417" v="36"/>
+          <ac:spMkLst>
+            <pc:docMk/>
+            <pc:sldMk cId="1481199713" sldId="322"/>
+            <ac:spMk id="3" creationId="{387CFAC2-39D6-4976-B871-36284A92D51A}"/>
+          </ac:spMkLst>
+        </pc:spChg>
+      </pc:sldChg>
+      <pc:sldChg chg="modSp new del mod">
+        <pc:chgData name="Ming-Chih Lin" userId="f1ba3ba5-e185-404b-b55f-b2be90e2bdc2" providerId="ADAL" clId="{091A637F-8D54-4E54-83E0-103516D33677}" dt="2020-06-02T02:18:39.315" v="44" actId="2696"/>
+        <pc:sldMkLst>
+          <pc:docMk/>
+          <pc:sldMk cId="2128641485" sldId="323"/>
+        </pc:sldMkLst>
+        <pc:spChg chg="mod">
+          <ac:chgData name="Ming-Chih Lin" userId="f1ba3ba5-e185-404b-b55f-b2be90e2bdc2" providerId="ADAL" clId="{091A637F-8D54-4E54-83E0-103516D33677}" dt="2020-06-02T02:18:13.981" v="43" actId="5793"/>
+          <ac:spMkLst>
+            <pc:docMk/>
+            <pc:sldMk cId="2128641485" sldId="323"/>
+            <ac:spMk id="2" creationId="{EED6BDC6-775B-45C4-BA1F-335BCABEFD04}"/>
+          </ac:spMkLst>
+        </pc:spChg>
+        <pc:spChg chg="mod">
+          <ac:chgData name="Ming-Chih Lin" userId="f1ba3ba5-e185-404b-b55f-b2be90e2bdc2" providerId="ADAL" clId="{091A637F-8D54-4E54-83E0-103516D33677}" dt="2020-06-02T02:07:52.362" v="41"/>
+          <ac:spMkLst>
+            <pc:docMk/>
+            <pc:sldMk cId="2128641485" sldId="323"/>
+            <ac:spMk id="3" creationId="{658BB859-DDEC-4C62-9F85-AE2E8D282139}"/>
+          </ac:spMkLst>
+        </pc:spChg>
+      </pc:sldChg>
+      <pc:sldChg chg="modSp add mod">
+        <pc:chgData name="Ming-Chih Lin" userId="f1ba3ba5-e185-404b-b55f-b2be90e2bdc2" providerId="ADAL" clId="{091A637F-8D54-4E54-83E0-103516D33677}" dt="2020-06-11T00:53:38.929" v="1189"/>
+        <pc:sldMkLst>
+          <pc:docMk/>
+          <pc:sldMk cId="2181700493" sldId="323"/>
+        </pc:sldMkLst>
+        <pc:spChg chg="mod">
+          <ac:chgData name="Ming-Chih Lin" userId="f1ba3ba5-e185-404b-b55f-b2be90e2bdc2" providerId="ADAL" clId="{091A637F-8D54-4E54-83E0-103516D33677}" dt="2020-06-11T00:53:38.929" v="1189"/>
+          <ac:spMkLst>
+            <pc:docMk/>
+            <pc:sldMk cId="2181700493" sldId="323"/>
+            <ac:spMk id="4" creationId="{2FA54F75-D405-4104-B6BB-EA44A23A109A}"/>
+          </ac:spMkLst>
+        </pc:spChg>
+      </pc:sldChg>
+      <pc:sldChg chg="new del">
+        <pc:chgData name="Ming-Chih Lin" userId="f1ba3ba5-e185-404b-b55f-b2be90e2bdc2" providerId="ADAL" clId="{091A637F-8D54-4E54-83E0-103516D33677}" dt="2020-06-05T00:17:44.632" v="766" actId="47"/>
+        <pc:sldMkLst>
+          <pc:docMk/>
+          <pc:sldMk cId="3167124346" sldId="324"/>
+        </pc:sldMkLst>
+      </pc:sldChg>
+      <pc:sldChg chg="addSp delSp modSp new mod ord modClrScheme chgLayout">
+        <pc:chgData name="Ming-Chih Lin" userId="f1ba3ba5-e185-404b-b55f-b2be90e2bdc2" providerId="ADAL" clId="{091A637F-8D54-4E54-83E0-103516D33677}" dt="2020-06-11T02:03:19.110" v="3388" actId="20577"/>
+        <pc:sldMkLst>
+          <pc:docMk/>
+          <pc:sldMk cId="224239816" sldId="325"/>
+        </pc:sldMkLst>
+        <pc:spChg chg="del">
+          <ac:chgData name="Ming-Chih Lin" userId="f1ba3ba5-e185-404b-b55f-b2be90e2bdc2" providerId="ADAL" clId="{091A637F-8D54-4E54-83E0-103516D33677}" dt="2020-06-02T04:15:24.714" v="94" actId="700"/>
+          <ac:spMkLst>
+            <pc:docMk/>
+            <pc:sldMk cId="224239816" sldId="325"/>
+            <ac:spMk id="2" creationId="{4853D523-1D65-4C62-86F0-D8B353589261}"/>
+          </ac:spMkLst>
+        </pc:spChg>
+        <pc:spChg chg="del">
+          <ac:chgData name="Ming-Chih Lin" userId="f1ba3ba5-e185-404b-b55f-b2be90e2bdc2" providerId="ADAL" clId="{091A637F-8D54-4E54-83E0-103516D33677}" dt="2020-06-02T04:15:24.714" v="94" actId="700"/>
+          <ac:spMkLst>
+            <pc:docMk/>
+            <pc:sldMk cId="224239816" sldId="325"/>
+            <ac:spMk id="3" creationId="{5E75654D-3FF8-4C61-9954-A5F394190DE8}"/>
+          </ac:spMkLst>
+        </pc:spChg>
+        <pc:spChg chg="add del mod ord">
+          <ac:chgData name="Ming-Chih Lin" userId="f1ba3ba5-e185-404b-b55f-b2be90e2bdc2" providerId="ADAL" clId="{091A637F-8D54-4E54-83E0-103516D33677}" dt="2020-06-02T04:30:44.349" v="101" actId="700"/>
+          <ac:spMkLst>
+            <pc:docMk/>
+            <pc:sldMk cId="224239816" sldId="325"/>
+            <ac:spMk id="4" creationId="{70D4EB9C-0BE6-477E-BD7E-7B8AE21CE8A8}"/>
+          </ac:spMkLst>
+        </pc:spChg>
+        <pc:spChg chg="add mod ord">
+          <ac:chgData name="Ming-Chih Lin" userId="f1ba3ba5-e185-404b-b55f-b2be90e2bdc2" providerId="ADAL" clId="{091A637F-8D54-4E54-83E0-103516D33677}" dt="2020-06-02T04:32:04.649" v="139"/>
+          <ac:spMkLst>
+            <pc:docMk/>
+            <pc:sldMk cId="224239816" sldId="325"/>
+            <ac:spMk id="5" creationId="{E031341D-1312-455E-8529-B8D34CD9460F}"/>
+          </ac:spMkLst>
+        </pc:spChg>
+        <pc:spChg chg="add mod ord">
+          <ac:chgData name="Ming-Chih Lin" userId="f1ba3ba5-e185-404b-b55f-b2be90e2bdc2" providerId="ADAL" clId="{091A637F-8D54-4E54-83E0-103516D33677}" dt="2020-06-11T02:03:19.110" v="3388" actId="20577"/>
+          <ac:spMkLst>
+            <pc:docMk/>
+            <pc:sldMk cId="224239816" sldId="325"/>
+            <ac:spMk id="6" creationId="{E6D230C9-887C-4C4E-B984-BA22A68FD7F3}"/>
+          </ac:spMkLst>
+        </pc:spChg>
+      </pc:sldChg>
+      <pc:sldChg chg="modSp new del mod">
+        <pc:chgData name="Ming-Chih Lin" userId="f1ba3ba5-e185-404b-b55f-b2be90e2bdc2" providerId="ADAL" clId="{091A637F-8D54-4E54-83E0-103516D33677}" dt="2020-06-04T23:48:17.573" v="722" actId="47"/>
+        <pc:sldMkLst>
+          <pc:docMk/>
+          <pc:sldMk cId="2274868590" sldId="326"/>
+        </pc:sldMkLst>
+        <pc:spChg chg="mod">
+          <ac:chgData name="Ming-Chih Lin" userId="f1ba3ba5-e185-404b-b55f-b2be90e2bdc2" providerId="ADAL" clId="{091A637F-8D54-4E54-83E0-103516D33677}" dt="2020-06-02T04:42:43.241" v="179"/>
+          <ac:spMkLst>
+            <pc:docMk/>
+            <pc:sldMk cId="2274868590" sldId="326"/>
+            <ac:spMk id="2" creationId="{2ECE43D3-146B-482B-A9A6-7456CBFB285E}"/>
+          </ac:spMkLst>
+        </pc:spChg>
+        <pc:spChg chg="mod">
+          <ac:chgData name="Ming-Chih Lin" userId="f1ba3ba5-e185-404b-b55f-b2be90e2bdc2" providerId="ADAL" clId="{091A637F-8D54-4E54-83E0-103516D33677}" dt="2020-06-02T04:42:12.955" v="178"/>
+          <ac:spMkLst>
+            <pc:docMk/>
+            <pc:sldMk cId="2274868590" sldId="326"/>
+            <ac:spMk id="3" creationId="{05EA17AD-8610-4049-85A8-8F47E9BB15B7}"/>
+          </ac:spMkLst>
+        </pc:spChg>
+      </pc:sldChg>
+      <pc:sldChg chg="add del">
+        <pc:chgData name="Ming-Chih Lin" userId="f1ba3ba5-e185-404b-b55f-b2be90e2bdc2" providerId="ADAL" clId="{091A637F-8D54-4E54-83E0-103516D33677}" dt="2020-06-02T04:41:40.842" v="146" actId="47"/>
+        <pc:sldMkLst>
+          <pc:docMk/>
+          <pc:sldMk cId="3836244428" sldId="326"/>
+        </pc:sldMkLst>
+      </pc:sldChg>
+      <pc:sldChg chg="modSp new mod">
+        <pc:chgData name="Ming-Chih Lin" userId="f1ba3ba5-e185-404b-b55f-b2be90e2bdc2" providerId="ADAL" clId="{091A637F-8D54-4E54-83E0-103516D33677}" dt="2020-06-02T05:42:27.432" v="221"/>
+        <pc:sldMkLst>
+          <pc:docMk/>
+          <pc:sldMk cId="156901807" sldId="327"/>
+        </pc:sldMkLst>
+        <pc:spChg chg="mod">
+          <ac:chgData name="Ming-Chih Lin" userId="f1ba3ba5-e185-404b-b55f-b2be90e2bdc2" providerId="ADAL" clId="{091A637F-8D54-4E54-83E0-103516D33677}" dt="2020-06-02T05:42:27.432" v="221"/>
+          <ac:spMkLst>
+            <pc:docMk/>
+            <pc:sldMk cId="156901807" sldId="327"/>
+            <ac:spMk id="3" creationId="{7B821B47-8BA5-4FCD-9802-B895214E451E}"/>
+          </ac:spMkLst>
+        </pc:spChg>
+      </pc:sldChg>
+      <pc:sldChg chg="modSp add mod ord">
+        <pc:chgData name="Ming-Chih Lin" userId="f1ba3ba5-e185-404b-b55f-b2be90e2bdc2" providerId="ADAL" clId="{091A637F-8D54-4E54-83E0-103516D33677}" dt="2020-06-04T23:49:27.147" v="724"/>
+        <pc:sldMkLst>
+          <pc:docMk/>
+          <pc:sldMk cId="1458989024" sldId="328"/>
+        </pc:sldMkLst>
+        <pc:spChg chg="mod">
+          <ac:chgData name="Ming-Chih Lin" userId="f1ba3ba5-e185-404b-b55f-b2be90e2bdc2" providerId="ADAL" clId="{091A637F-8D54-4E54-83E0-103516D33677}" dt="2020-06-02T05:43:09.910" v="278"/>
+          <ac:spMkLst>
+            <pc:docMk/>
+            <pc:sldMk cId="1458989024" sldId="328"/>
+            <ac:spMk id="3" creationId="{7B821B47-8BA5-4FCD-9802-B895214E451E}"/>
+          </ac:spMkLst>
+        </pc:spChg>
+      </pc:sldChg>
+      <pc:sldChg chg="addSp modSp new del mod">
+        <pc:chgData name="Ming-Chih Lin" userId="f1ba3ba5-e185-404b-b55f-b2be90e2bdc2" providerId="ADAL" clId="{091A637F-8D54-4E54-83E0-103516D33677}" dt="2020-06-04T23:43:05.766" v="647" actId="2696"/>
+        <pc:sldMkLst>
+          <pc:docMk/>
+          <pc:sldMk cId="2891632164" sldId="329"/>
+        </pc:sldMkLst>
+        <pc:spChg chg="mod">
+          <ac:chgData name="Ming-Chih Lin" userId="f1ba3ba5-e185-404b-b55f-b2be90e2bdc2" providerId="ADAL" clId="{091A637F-8D54-4E54-83E0-103516D33677}" dt="2020-06-04T23:15:48.024" v="475" actId="14100"/>
+          <ac:spMkLst>
+            <pc:docMk/>
+            <pc:sldMk cId="2891632164" sldId="329"/>
+            <ac:spMk id="2" creationId="{3C850A5C-0B10-4870-9F52-83ACBC4FB27D}"/>
+          </ac:spMkLst>
+        </pc:spChg>
+        <pc:spChg chg="mod">
+          <ac:chgData name="Ming-Chih Lin" userId="f1ba3ba5-e185-404b-b55f-b2be90e2bdc2" providerId="ADAL" clId="{091A637F-8D54-4E54-83E0-103516D33677}" dt="2020-06-04T23:15:07.985" v="473" actId="20577"/>
+          <ac:spMkLst>
+            <pc:docMk/>
+            <pc:sldMk cId="2891632164" sldId="329"/>
+            <ac:spMk id="3" creationId="{DA7D02FA-5EDB-4AA9-9818-8E79AA64DF8B}"/>
+          </ac:spMkLst>
+        </pc:spChg>
+        <pc:picChg chg="add mod">
+          <ac:chgData name="Ming-Chih Lin" userId="f1ba3ba5-e185-404b-b55f-b2be90e2bdc2" providerId="ADAL" clId="{091A637F-8D54-4E54-83E0-103516D33677}" dt="2020-06-04T23:14:14.147" v="369" actId="1076"/>
+          <ac:picMkLst>
+            <pc:docMk/>
+            <pc:sldMk cId="2891632164" sldId="329"/>
+            <ac:picMk id="4" creationId="{13D75680-B5D2-4231-AF90-6909699FA7DE}"/>
+          </ac:picMkLst>
+        </pc:picChg>
+        <pc:picChg chg="add mod">
+          <ac:chgData name="Ming-Chih Lin" userId="f1ba3ba5-e185-404b-b55f-b2be90e2bdc2" providerId="ADAL" clId="{091A637F-8D54-4E54-83E0-103516D33677}" dt="2020-06-04T23:14:17.825" v="370" actId="1076"/>
+          <ac:picMkLst>
+            <pc:docMk/>
+            <pc:sldMk cId="2891632164" sldId="329"/>
+            <ac:picMk id="5" creationId="{6D562F4E-8C74-4814-8B73-DA7C947D2D53}"/>
+          </ac:picMkLst>
+        </pc:picChg>
+      </pc:sldChg>
+      <pc:sldChg chg="addSp modSp add mod">
+        <pc:chgData name="Ming-Chih Lin" userId="f1ba3ba5-e185-404b-b55f-b2be90e2bdc2" providerId="ADAL" clId="{091A637F-8D54-4E54-83E0-103516D33677}" dt="2020-06-08T08:18:30.795" v="984" actId="14100"/>
+        <pc:sldMkLst>
+          <pc:docMk/>
+          <pc:sldMk cId="3776458717" sldId="329"/>
+        </pc:sldMkLst>
+        <pc:spChg chg="add mod">
+          <ac:chgData name="Ming-Chih Lin" userId="f1ba3ba5-e185-404b-b55f-b2be90e2bdc2" providerId="ADAL" clId="{091A637F-8D54-4E54-83E0-103516D33677}" dt="2020-06-08T08:18:30.795" v="984" actId="14100"/>
+          <ac:spMkLst>
+            <pc:docMk/>
+            <pc:sldMk cId="3776458717" sldId="329"/>
+            <ac:spMk id="6" creationId="{AF38F194-145A-4E55-98CA-85423943B855}"/>
+          </ac:spMkLst>
+        </pc:spChg>
+        <pc:picChg chg="mod">
+          <ac:chgData name="Ming-Chih Lin" userId="f1ba3ba5-e185-404b-b55f-b2be90e2bdc2" providerId="ADAL" clId="{091A637F-8D54-4E54-83E0-103516D33677}" dt="2020-06-08T08:16:22.385" v="921" actId="1076"/>
+          <ac:picMkLst>
+            <pc:docMk/>
+            <pc:sldMk cId="3776458717" sldId="329"/>
+            <ac:picMk id="5" creationId="{6D562F4E-8C74-4814-8B73-DA7C947D2D53}"/>
+          </ac:picMkLst>
+        </pc:picChg>
+      </pc:sldChg>
+      <pc:sldChg chg="addSp modSp add mod">
+        <pc:chgData name="Ming-Chih Lin" userId="f1ba3ba5-e185-404b-b55f-b2be90e2bdc2" providerId="ADAL" clId="{091A637F-8D54-4E54-83E0-103516D33677}" dt="2020-06-08T08:20:17.053" v="1029" actId="1076"/>
+        <pc:sldMkLst>
+          <pc:docMk/>
+          <pc:sldMk cId="3095247151" sldId="330"/>
+        </pc:sldMkLst>
+        <pc:spChg chg="add mod">
+          <ac:chgData name="Ming-Chih Lin" userId="f1ba3ba5-e185-404b-b55f-b2be90e2bdc2" providerId="ADAL" clId="{091A637F-8D54-4E54-83E0-103516D33677}" dt="2020-06-08T08:20:17.053" v="1029" actId="1076"/>
+          <ac:spMkLst>
+            <pc:docMk/>
+            <pc:sldMk cId="3095247151" sldId="330"/>
+            <ac:spMk id="4" creationId="{184015DA-79C9-40A8-8212-423BCB3BFC5E}"/>
+          </ac:spMkLst>
+        </pc:spChg>
+        <pc:picChg chg="mod">
+          <ac:chgData name="Ming-Chih Lin" userId="f1ba3ba5-e185-404b-b55f-b2be90e2bdc2" providerId="ADAL" clId="{091A637F-8D54-4E54-83E0-103516D33677}" dt="2020-06-08T08:20:11.475" v="1026" actId="1076"/>
+          <ac:picMkLst>
+            <pc:docMk/>
+            <pc:sldMk cId="3095247151" sldId="330"/>
+            <ac:picMk id="9" creationId="{6FF891F2-2DFA-4757-9BAA-1160974E48C5}"/>
+          </ac:picMkLst>
+        </pc:picChg>
+      </pc:sldChg>
+      <pc:sldChg chg="addSp delSp modSp new del mod chgLayout">
+        <pc:chgData name="Ming-Chih Lin" userId="f1ba3ba5-e185-404b-b55f-b2be90e2bdc2" providerId="ADAL" clId="{091A637F-8D54-4E54-83E0-103516D33677}" dt="2020-06-04T23:43:05.766" v="647" actId="2696"/>
+        <pc:sldMkLst>
+          <pc:docMk/>
+          <pc:sldMk cId="3150549366" sldId="330"/>
+        </pc:sldMkLst>
+        <pc:spChg chg="del">
+          <ac:chgData name="Ming-Chih Lin" userId="f1ba3ba5-e185-404b-b55f-b2be90e2bdc2" providerId="ADAL" clId="{091A637F-8D54-4E54-83E0-103516D33677}" dt="2020-06-04T23:12:45.238" v="315" actId="478"/>
+          <ac:spMkLst>
+            <pc:docMk/>
+            <pc:sldMk cId="3150549366" sldId="330"/>
+            <ac:spMk id="2" creationId="{80E5708D-CBE6-42DB-AA60-D2E4A503173D}"/>
+          </ac:spMkLst>
+        </pc:spChg>
+        <pc:spChg chg="del">
+          <ac:chgData name="Ming-Chih Lin" userId="f1ba3ba5-e185-404b-b55f-b2be90e2bdc2" providerId="ADAL" clId="{091A637F-8D54-4E54-83E0-103516D33677}" dt="2020-06-04T23:13:31.279" v="326" actId="700"/>
+          <ac:spMkLst>
+            <pc:docMk/>
+            <pc:sldMk cId="3150549366" sldId="330"/>
+            <ac:spMk id="3" creationId="{5B5203F6-6E6D-408B-9574-C998564D54C7}"/>
+          </ac:spMkLst>
+        </pc:spChg>
+        <pc:spChg chg="add mod ord">
+          <ac:chgData name="Ming-Chih Lin" userId="f1ba3ba5-e185-404b-b55f-b2be90e2bdc2" providerId="ADAL" clId="{091A637F-8D54-4E54-83E0-103516D33677}" dt="2020-06-04T23:18:33.408" v="569" actId="20577"/>
+          <ac:spMkLst>
+            <pc:docMk/>
+            <pc:sldMk cId="3150549366" sldId="330"/>
+            <ac:spMk id="7" creationId="{99CCFDF6-E590-4D0F-ACBA-DFDF8A8C3D54}"/>
+          </ac:spMkLst>
+        </pc:spChg>
+        <pc:spChg chg="add del mod ord">
+          <ac:chgData name="Ming-Chih Lin" userId="f1ba3ba5-e185-404b-b55f-b2be90e2bdc2" providerId="ADAL" clId="{091A637F-8D54-4E54-83E0-103516D33677}" dt="2020-06-04T23:17:47.159" v="476"/>
+          <ac:spMkLst>
+            <pc:docMk/>
+            <pc:sldMk cId="3150549366" sldId="330"/>
+            <ac:spMk id="8" creationId="{B0E9F882-0983-4A2C-B0CD-6930251D0D2C}"/>
+          </ac:spMkLst>
+        </pc:spChg>
+        <pc:picChg chg="add del mod">
+          <ac:chgData name="Ming-Chih Lin" userId="f1ba3ba5-e185-404b-b55f-b2be90e2bdc2" providerId="ADAL" clId="{091A637F-8D54-4E54-83E0-103516D33677}" dt="2020-06-04T23:12:48.169" v="318" actId="478"/>
+          <ac:picMkLst>
+            <pc:docMk/>
+            <pc:sldMk cId="3150549366" sldId="330"/>
+            <ac:picMk id="4" creationId="{1281CDFD-A184-4E56-B00B-DAFD4458E504}"/>
+          </ac:picMkLst>
+        </pc:picChg>
+        <pc:picChg chg="add del mod">
+          <ac:chgData name="Ming-Chih Lin" userId="f1ba3ba5-e185-404b-b55f-b2be90e2bdc2" providerId="ADAL" clId="{091A637F-8D54-4E54-83E0-103516D33677}" dt="2020-06-04T23:14:06.228" v="365" actId="21"/>
+          <ac:picMkLst>
+            <pc:docMk/>
+            <pc:sldMk cId="3150549366" sldId="330"/>
+            <ac:picMk id="5" creationId="{156D1174-6F0A-4A8F-AC91-9C5821D67422}"/>
+          </ac:picMkLst>
+        </pc:picChg>
+        <pc:picChg chg="add del mod">
+          <ac:chgData name="Ming-Chih Lin" userId="f1ba3ba5-e185-404b-b55f-b2be90e2bdc2" providerId="ADAL" clId="{091A637F-8D54-4E54-83E0-103516D33677}" dt="2020-06-04T23:14:06.228" v="365" actId="21"/>
+          <ac:picMkLst>
+            <pc:docMk/>
+            <pc:sldMk cId="3150549366" sldId="330"/>
+            <ac:picMk id="6" creationId="{6CEC12B8-8D43-4992-B369-065FA4B7D333}"/>
+          </ac:picMkLst>
+        </pc:picChg>
+        <pc:picChg chg="add mod">
+          <ac:chgData name="Ming-Chih Lin" userId="f1ba3ba5-e185-404b-b55f-b2be90e2bdc2" providerId="ADAL" clId="{091A637F-8D54-4E54-83E0-103516D33677}" dt="2020-06-04T23:18:40.941" v="571" actId="1076"/>
+          <ac:picMkLst>
+            <pc:docMk/>
+            <pc:sldMk cId="3150549366" sldId="330"/>
+            <ac:picMk id="9" creationId="{6FF891F2-2DFA-4757-9BAA-1160974E48C5}"/>
+          </ac:picMkLst>
+        </pc:picChg>
+      </pc:sldChg>
+      <pc:sldChg chg="modSp new del mod ord">
+        <pc:chgData name="Ming-Chih Lin" userId="f1ba3ba5-e185-404b-b55f-b2be90e2bdc2" providerId="ADAL" clId="{091A637F-8D54-4E54-83E0-103516D33677}" dt="2020-06-04T23:43:05.766" v="647" actId="2696"/>
+        <pc:sldMkLst>
+          <pc:docMk/>
+          <pc:sldMk cId="2598053631" sldId="331"/>
+        </pc:sldMkLst>
+        <pc:spChg chg="mod">
+          <ac:chgData name="Ming-Chih Lin" userId="f1ba3ba5-e185-404b-b55f-b2be90e2bdc2" providerId="ADAL" clId="{091A637F-8D54-4E54-83E0-103516D33677}" dt="2020-06-04T23:41:48.910" v="608"/>
+          <ac:spMkLst>
+            <pc:docMk/>
+            <pc:sldMk cId="2598053631" sldId="331"/>
+            <ac:spMk id="2" creationId="{BE83D0CB-5CE0-45DE-BEAA-A473BDC9555D}"/>
+          </ac:spMkLst>
+        </pc:spChg>
+        <pc:spChg chg="mod">
+          <ac:chgData name="Ming-Chih Lin" userId="f1ba3ba5-e185-404b-b55f-b2be90e2bdc2" providerId="ADAL" clId="{091A637F-8D54-4E54-83E0-103516D33677}" dt="2020-06-04T23:42:20.719" v="646"/>
+          <ac:spMkLst>
+            <pc:docMk/>
+            <pc:sldMk cId="2598053631" sldId="331"/>
+            <ac:spMk id="3" creationId="{0328546A-7A5A-41F7-8BBE-32BB0E646989}"/>
+          </ac:spMkLst>
+        </pc:spChg>
+      </pc:sldChg>
+      <pc:sldChg chg="modSp add mod ord">
+        <pc:chgData name="Ming-Chih Lin" userId="f1ba3ba5-e185-404b-b55f-b2be90e2bdc2" providerId="ADAL" clId="{091A637F-8D54-4E54-83E0-103516D33677}" dt="2020-06-11T00:49:51.181" v="1110"/>
+        <pc:sldMkLst>
+          <pc:docMk/>
+          <pc:sldMk cId="3005715725" sldId="331"/>
+        </pc:sldMkLst>
+        <pc:spChg chg="mod">
+          <ac:chgData name="Ming-Chih Lin" userId="f1ba3ba5-e185-404b-b55f-b2be90e2bdc2" providerId="ADAL" clId="{091A637F-8D54-4E54-83E0-103516D33677}" dt="2020-06-11T00:49:37.301" v="1108" actId="5793"/>
+          <ac:spMkLst>
+            <pc:docMk/>
+            <pc:sldMk cId="3005715725" sldId="331"/>
+            <ac:spMk id="2" creationId="{BE83D0CB-5CE0-45DE-BEAA-A473BDC9555D}"/>
+          </ac:spMkLst>
+        </pc:spChg>
+      </pc:sldChg>
+      <pc:sldChg chg="modSp new mod">
+        <pc:chgData name="Ming-Chih Lin" userId="f1ba3ba5-e185-404b-b55f-b2be90e2bdc2" providerId="ADAL" clId="{091A637F-8D54-4E54-83E0-103516D33677}" dt="2020-06-15T06:48:34.956" v="3559" actId="5793"/>
+        <pc:sldMkLst>
+          <pc:docMk/>
+          <pc:sldMk cId="2201880862" sldId="332"/>
+        </pc:sldMkLst>
+        <pc:spChg chg="mod">
+          <ac:chgData name="Ming-Chih Lin" userId="f1ba3ba5-e185-404b-b55f-b2be90e2bdc2" providerId="ADAL" clId="{091A637F-8D54-4E54-83E0-103516D33677}" dt="2020-06-15T06:48:34.956" v="3559" actId="5793"/>
+          <ac:spMkLst>
+            <pc:docMk/>
+            <pc:sldMk cId="2201880862" sldId="332"/>
+            <ac:spMk id="2" creationId="{63E9190B-5DF0-470F-99A7-033CA4F2A6F7}"/>
+          </ac:spMkLst>
+        </pc:spChg>
+        <pc:spChg chg="mod">
+          <ac:chgData name="Ming-Chih Lin" userId="f1ba3ba5-e185-404b-b55f-b2be90e2bdc2" providerId="ADAL" clId="{091A637F-8D54-4E54-83E0-103516D33677}" dt="2020-06-08T08:06:34.262" v="779"/>
+          <ac:spMkLst>
+            <pc:docMk/>
+            <pc:sldMk cId="2201880862" sldId="332"/>
+            <ac:spMk id="3" creationId="{393D0B58-B171-4E4C-B422-399DB218A3BA}"/>
+          </ac:spMkLst>
+        </pc:spChg>
+      </pc:sldChg>
+      <pc:sldChg chg="addSp delSp modSp new mod ord">
+        <pc:chgData name="Ming-Chih Lin" userId="f1ba3ba5-e185-404b-b55f-b2be90e2bdc2" providerId="ADAL" clId="{091A637F-8D54-4E54-83E0-103516D33677}" dt="2020-06-11T01:12:08.113" v="1799" actId="20577"/>
+        <pc:sldMkLst>
+          <pc:docMk/>
+          <pc:sldMk cId="3521337715" sldId="333"/>
+        </pc:sldMkLst>
+        <pc:spChg chg="mod">
+          <ac:chgData name="Ming-Chih Lin" userId="f1ba3ba5-e185-404b-b55f-b2be90e2bdc2" providerId="ADAL" clId="{091A637F-8D54-4E54-83E0-103516D33677}" dt="2020-06-11T01:12:08.113" v="1799" actId="20577"/>
+          <ac:spMkLst>
+            <pc:docMk/>
+            <pc:sldMk cId="3521337715" sldId="333"/>
+            <ac:spMk id="2" creationId="{3C0836BA-41C1-4877-85B9-A657301C71C9}"/>
+          </ac:spMkLst>
+        </pc:spChg>
+        <pc:spChg chg="mod">
+          <ac:chgData name="Ming-Chih Lin" userId="f1ba3ba5-e185-404b-b55f-b2be90e2bdc2" providerId="ADAL" clId="{091A637F-8D54-4E54-83E0-103516D33677}" dt="2020-06-11T00:45:23.908" v="1073"/>
+          <ac:spMkLst>
+            <pc:docMk/>
+            <pc:sldMk cId="3521337715" sldId="333"/>
+            <ac:spMk id="3" creationId="{8CFF7B32-9BBF-4B28-B5CF-3F687B116FF4}"/>
+          </ac:spMkLst>
+        </pc:spChg>
+        <pc:picChg chg="add del mod">
+          <ac:chgData name="Ming-Chih Lin" userId="f1ba3ba5-e185-404b-b55f-b2be90e2bdc2" providerId="ADAL" clId="{091A637F-8D54-4E54-83E0-103516D33677}" dt="2020-06-11T00:48:10.480" v="1092" actId="478"/>
+          <ac:picMkLst>
+            <pc:docMk/>
+            <pc:sldMk cId="3521337715" sldId="333"/>
+            <ac:picMk id="5" creationId="{E702C5BC-E741-4C9C-866D-AD7C0CC315A8}"/>
+          </ac:picMkLst>
+        </pc:picChg>
+        <pc:picChg chg="add mod">
+          <ac:chgData name="Ming-Chih Lin" userId="f1ba3ba5-e185-404b-b55f-b2be90e2bdc2" providerId="ADAL" clId="{091A637F-8D54-4E54-83E0-103516D33677}" dt="2020-06-11T00:49:20.416" v="1104" actId="1076"/>
+          <ac:picMkLst>
+            <pc:docMk/>
+            <pc:sldMk cId="3521337715" sldId="333"/>
+            <ac:picMk id="7" creationId="{F0558DBF-4236-46EA-989C-10E46F417DAE}"/>
+          </ac:picMkLst>
+        </pc:picChg>
+        <pc:picChg chg="add del mod">
+          <ac:chgData name="Ming-Chih Lin" userId="f1ba3ba5-e185-404b-b55f-b2be90e2bdc2" providerId="ADAL" clId="{091A637F-8D54-4E54-83E0-103516D33677}" dt="2020-06-11T00:49:04.207" v="1098" actId="478"/>
+          <ac:picMkLst>
+            <pc:docMk/>
+            <pc:sldMk cId="3521337715" sldId="333"/>
+            <ac:picMk id="9" creationId="{FB845E3A-7BEA-4518-A120-20145C3E4220}"/>
+          </ac:picMkLst>
+        </pc:picChg>
+        <pc:picChg chg="add del mod">
+          <ac:chgData name="Ming-Chih Lin" userId="f1ba3ba5-e185-404b-b55f-b2be90e2bdc2" providerId="ADAL" clId="{091A637F-8D54-4E54-83E0-103516D33677}" dt="2020-06-11T00:49:01.585" v="1096" actId="478"/>
+          <ac:picMkLst>
+            <pc:docMk/>
+            <pc:sldMk cId="3521337715" sldId="333"/>
+            <ac:picMk id="11" creationId="{F2D591C5-F8A5-4AE2-BC94-EAB39EAA26C7}"/>
+          </ac:picMkLst>
+        </pc:picChg>
+      </pc:sldChg>
+      <pc:sldChg chg="modSp new mod">
+        <pc:chgData name="Ming-Chih Lin" userId="f1ba3ba5-e185-404b-b55f-b2be90e2bdc2" providerId="ADAL" clId="{091A637F-8D54-4E54-83E0-103516D33677}" dt="2020-06-11T02:00:27.657" v="3280"/>
+        <pc:sldMkLst>
+          <pc:docMk/>
+          <pc:sldMk cId="2710371858" sldId="334"/>
+        </pc:sldMkLst>
+        <pc:spChg chg="mod">
+          <ac:chgData name="Ming-Chih Lin" userId="f1ba3ba5-e185-404b-b55f-b2be90e2bdc2" providerId="ADAL" clId="{091A637F-8D54-4E54-83E0-103516D33677}" dt="2020-06-11T02:00:27.657" v="3280"/>
+          <ac:spMkLst>
+            <pc:docMk/>
+            <pc:sldMk cId="2710371858" sldId="334"/>
+            <ac:spMk id="2" creationId="{A0020F58-1EEF-43C7-9991-37A91C5F9028}"/>
+          </ac:spMkLst>
+        </pc:spChg>
+        <pc:spChg chg="mod">
+          <ac:chgData name="Ming-Chih Lin" userId="f1ba3ba5-e185-404b-b55f-b2be90e2bdc2" providerId="ADAL" clId="{091A637F-8D54-4E54-83E0-103516D33677}" dt="2020-06-11T01:43:08.025" v="2678"/>
+          <ac:spMkLst>
+            <pc:docMk/>
+            <pc:sldMk cId="2710371858" sldId="334"/>
+            <ac:spMk id="3" creationId="{C9442E6B-24EF-46B1-A592-A7969CC70BC4}"/>
+          </ac:spMkLst>
+        </pc:spChg>
+      </pc:sldChg>
+      <pc:sldChg chg="addSp delSp modSp new mod ord">
+        <pc:chgData name="Ming-Chih Lin" userId="f1ba3ba5-e185-404b-b55f-b2be90e2bdc2" providerId="ADAL" clId="{091A637F-8D54-4E54-83E0-103516D33677}" dt="2020-06-11T21:22:33.944" v="3524" actId="1076"/>
+        <pc:sldMkLst>
+          <pc:docMk/>
+          <pc:sldMk cId="3025016352" sldId="335"/>
+        </pc:sldMkLst>
+        <pc:spChg chg="del mod">
+          <ac:chgData name="Ming-Chih Lin" userId="f1ba3ba5-e185-404b-b55f-b2be90e2bdc2" providerId="ADAL" clId="{091A637F-8D54-4E54-83E0-103516D33677}" dt="2020-06-11T01:29:04.302" v="2447" actId="478"/>
+          <ac:spMkLst>
+            <pc:docMk/>
+            <pc:sldMk cId="3025016352" sldId="335"/>
+            <ac:spMk id="2" creationId="{FC05F11D-2706-4688-A391-5EF47491D9BC}"/>
+          </ac:spMkLst>
+        </pc:spChg>
+        <pc:spChg chg="mod">
+          <ac:chgData name="Ming-Chih Lin" userId="f1ba3ba5-e185-404b-b55f-b2be90e2bdc2" providerId="ADAL" clId="{091A637F-8D54-4E54-83E0-103516D33677}" dt="2020-06-11T01:27:54.415" v="2445"/>
+          <ac:spMkLst>
+            <pc:docMk/>
+            <pc:sldMk cId="3025016352" sldId="335"/>
+            <ac:spMk id="3" creationId="{F16C522D-2D84-47E3-89DE-079E01A60425}"/>
+          </ac:spMkLst>
+        </pc:spChg>
+        <pc:spChg chg="add del mod">
+          <ac:chgData name="Ming-Chih Lin" userId="f1ba3ba5-e185-404b-b55f-b2be90e2bdc2" providerId="ADAL" clId="{091A637F-8D54-4E54-83E0-103516D33677}" dt="2020-06-11T01:29:05.918" v="2448" actId="478"/>
+          <ac:spMkLst>
+            <pc:docMk/>
+            <pc:sldMk cId="3025016352" sldId="335"/>
+            <ac:spMk id="6" creationId="{5FAFFF69-3674-4284-A5E5-1AF2A6777C6D}"/>
+          </ac:spMkLst>
+        </pc:spChg>
+        <pc:picChg chg="add del mod">
+          <ac:chgData name="Ming-Chih Lin" userId="f1ba3ba5-e185-404b-b55f-b2be90e2bdc2" providerId="ADAL" clId="{091A637F-8D54-4E54-83E0-103516D33677}" dt="2020-06-11T01:29:00.580" v="2446" actId="478"/>
+          <ac:picMkLst>
+            <pc:docMk/>
+            <pc:sldMk cId="3025016352" sldId="335"/>
+            <ac:picMk id="4" creationId="{0A2EC464-5537-4AB0-9593-CA79DF7298E5}"/>
+          </ac:picMkLst>
+        </pc:picChg>
+        <pc:picChg chg="add del mod">
+          <ac:chgData name="Ming-Chih Lin" userId="f1ba3ba5-e185-404b-b55f-b2be90e2bdc2" providerId="ADAL" clId="{091A637F-8D54-4E54-83E0-103516D33677}" dt="2020-06-11T01:41:24.487" v="2627" actId="478"/>
+          <ac:picMkLst>
+            <pc:docMk/>
+            <pc:sldMk cId="3025016352" sldId="335"/>
+            <ac:picMk id="7" creationId="{F8B698C4-2A4C-48C6-B4C5-ADB3CD050AC3}"/>
+          </ac:picMkLst>
+        </pc:picChg>
+        <pc:picChg chg="add del mod">
+          <ac:chgData name="Ming-Chih Lin" userId="f1ba3ba5-e185-404b-b55f-b2be90e2bdc2" providerId="ADAL" clId="{091A637F-8D54-4E54-83E0-103516D33677}" dt="2020-06-11T01:41:46.634" v="2631" actId="478"/>
+          <ac:picMkLst>
+            <pc:docMk/>
+            <pc:sldMk cId="3025016352" sldId="335"/>
+            <ac:picMk id="8" creationId="{82652B9D-730A-4236-B5BC-3A599FAF7530}"/>
+          </ac:picMkLst>
+        </pc:picChg>
+        <pc:picChg chg="add mod">
+          <ac:chgData name="Ming-Chih Lin" userId="f1ba3ba5-e185-404b-b55f-b2be90e2bdc2" providerId="ADAL" clId="{091A637F-8D54-4E54-83E0-103516D33677}" dt="2020-06-11T21:22:33.944" v="3524" actId="1076"/>
+          <ac:picMkLst>
+            <pc:docMk/>
+            <pc:sldMk cId="3025016352" sldId="335"/>
+            <ac:picMk id="9" creationId="{57DD705B-BD79-429B-AD16-956668A83A24}"/>
+          </ac:picMkLst>
+        </pc:picChg>
+        <pc:picChg chg="add mod">
+          <ac:chgData name="Ming-Chih Lin" userId="f1ba3ba5-e185-404b-b55f-b2be90e2bdc2" providerId="ADAL" clId="{091A637F-8D54-4E54-83E0-103516D33677}" dt="2020-06-11T01:42:31.341" v="2638" actId="1076"/>
+          <ac:picMkLst>
+            <pc:docMk/>
+            <pc:sldMk cId="3025016352" sldId="335"/>
+            <ac:picMk id="10" creationId="{30A68B6E-356F-480A-9F67-2DC2386A1FC0}"/>
+          </ac:picMkLst>
+        </pc:picChg>
+      </pc:sldChg>
+      <pc:sldChg chg="addSp delSp modSp new mod">
+        <pc:chgData name="Ming-Chih Lin" userId="f1ba3ba5-e185-404b-b55f-b2be90e2bdc2" providerId="ADAL" clId="{091A637F-8D54-4E54-83E0-103516D33677}" dt="2020-06-11T21:22:11.439" v="3523"/>
+        <pc:sldMkLst>
+          <pc:docMk/>
+          <pc:sldMk cId="3498516507" sldId="336"/>
+        </pc:sldMkLst>
+        <pc:spChg chg="mod">
+          <ac:chgData name="Ming-Chih Lin" userId="f1ba3ba5-e185-404b-b55f-b2be90e2bdc2" providerId="ADAL" clId="{091A637F-8D54-4E54-83E0-103516D33677}" dt="2020-06-11T21:22:11.439" v="3523"/>
+          <ac:spMkLst>
+            <pc:docMk/>
+            <pc:sldMk cId="3498516507" sldId="336"/>
+            <ac:spMk id="2" creationId="{64FB6E69-8588-48E4-B812-2F818C7B0EA4}"/>
+          </ac:spMkLst>
+        </pc:spChg>
+        <pc:spChg chg="mod">
+          <ac:chgData name="Ming-Chih Lin" userId="f1ba3ba5-e185-404b-b55f-b2be90e2bdc2" providerId="ADAL" clId="{091A637F-8D54-4E54-83E0-103516D33677}" dt="2020-06-11T21:20:46.396" v="3466"/>
+          <ac:spMkLst>
+            <pc:docMk/>
+            <pc:sldMk cId="3498516507" sldId="336"/>
+            <ac:spMk id="3" creationId="{CFE78556-6DF2-455C-BADF-A24936CF1C4E}"/>
+          </ac:spMkLst>
+        </pc:spChg>
+        <pc:spChg chg="add mod">
+          <ac:chgData name="Ming-Chih Lin" userId="f1ba3ba5-e185-404b-b55f-b2be90e2bdc2" providerId="ADAL" clId="{091A637F-8D54-4E54-83E0-103516D33677}" dt="2020-06-11T21:20:20.377" v="3461" actId="164"/>
+          <ac:spMkLst>
+            <pc:docMk/>
+            <pc:sldMk cId="3498516507" sldId="336"/>
+            <ac:spMk id="8" creationId="{879D60DC-925B-4C2B-9AF1-C4E390F18704}"/>
+          </ac:spMkLst>
+        </pc:spChg>
+        <pc:spChg chg="add mod">
+          <ac:chgData name="Ming-Chih Lin" userId="f1ba3ba5-e185-404b-b55f-b2be90e2bdc2" providerId="ADAL" clId="{091A637F-8D54-4E54-83E0-103516D33677}" dt="2020-06-11T21:20:20.377" v="3461" actId="164"/>
+          <ac:spMkLst>
+            <pc:docMk/>
+            <pc:sldMk cId="3498516507" sldId="336"/>
+            <ac:spMk id="9" creationId="{F890EF2B-3AA8-4CDA-82B7-AFB68F9CFB05}"/>
+          </ac:spMkLst>
+        </pc:spChg>
+        <pc:spChg chg="add mod">
+          <ac:chgData name="Ming-Chih Lin" userId="f1ba3ba5-e185-404b-b55f-b2be90e2bdc2" providerId="ADAL" clId="{091A637F-8D54-4E54-83E0-103516D33677}" dt="2020-06-11T21:20:20.377" v="3461" actId="164"/>
+          <ac:spMkLst>
+            <pc:docMk/>
+            <pc:sldMk cId="3498516507" sldId="336"/>
+            <ac:spMk id="10" creationId="{943F3EC5-0D23-4041-95D5-4CD8F26FB2F1}"/>
+          </ac:spMkLst>
+        </pc:spChg>
+        <pc:spChg chg="add mod">
+          <ac:chgData name="Ming-Chih Lin" userId="f1ba3ba5-e185-404b-b55f-b2be90e2bdc2" providerId="ADAL" clId="{091A637F-8D54-4E54-83E0-103516D33677}" dt="2020-06-11T21:20:20.377" v="3461" actId="164"/>
+          <ac:spMkLst>
+            <pc:docMk/>
+            <pc:sldMk cId="3498516507" sldId="336"/>
+            <ac:spMk id="11" creationId="{530B4305-9779-42C3-B7EB-5FDECAF82CA6}"/>
+          </ac:spMkLst>
+        </pc:spChg>
+        <pc:grpChg chg="add mod">
+          <ac:chgData name="Ming-Chih Lin" userId="f1ba3ba5-e185-404b-b55f-b2be90e2bdc2" providerId="ADAL" clId="{091A637F-8D54-4E54-83E0-103516D33677}" dt="2020-06-11T21:20:34.333" v="3462" actId="1076"/>
+          <ac:grpSpMkLst>
+            <pc:docMk/>
+            <pc:sldMk cId="3498516507" sldId="336"/>
+            <ac:grpSpMk id="12" creationId="{30E6E683-6CD4-46D8-87A7-57EE23185BA4}"/>
+          </ac:grpSpMkLst>
+        </pc:grpChg>
+        <pc:picChg chg="add del mod">
+          <ac:chgData name="Ming-Chih Lin" userId="f1ba3ba5-e185-404b-b55f-b2be90e2bdc2" providerId="ADAL" clId="{091A637F-8D54-4E54-83E0-103516D33677}" dt="2020-06-11T21:13:16.886" v="3400" actId="478"/>
+          <ac:picMkLst>
+            <pc:docMk/>
+            <pc:sldMk cId="3498516507" sldId="336"/>
+            <ac:picMk id="5" creationId="{2B8C4C65-2CD7-4897-A47B-CC8267A2CC09}"/>
+          </ac:picMkLst>
+        </pc:picChg>
+        <pc:picChg chg="add mod">
+          <ac:chgData name="Ming-Chih Lin" userId="f1ba3ba5-e185-404b-b55f-b2be90e2bdc2" providerId="ADAL" clId="{091A637F-8D54-4E54-83E0-103516D33677}" dt="2020-06-11T21:20:20.377" v="3461" actId="164"/>
+          <ac:picMkLst>
+            <pc:docMk/>
+            <pc:sldMk cId="3498516507" sldId="336"/>
+            <ac:picMk id="7" creationId="{24C0C527-F546-49A1-83CD-40889B1EC984}"/>
+          </ac:picMkLst>
+        </pc:picChg>
+      </pc:sldChg>
+      <pc:sldChg chg="addSp delSp modSp add mod">
+        <pc:chgData name="Ming-Chih Lin" userId="f1ba3ba5-e185-404b-b55f-b2be90e2bdc2" providerId="ADAL" clId="{091A637F-8D54-4E54-83E0-103516D33677}" dt="2020-06-11T01:41:02.181" v="2626"/>
+        <pc:sldMkLst>
+          <pc:docMk/>
+          <pc:sldMk cId="3289713005" sldId="337"/>
+        </pc:sldMkLst>
+        <pc:spChg chg="mod">
+          <ac:chgData name="Ming-Chih Lin" userId="f1ba3ba5-e185-404b-b55f-b2be90e2bdc2" providerId="ADAL" clId="{091A637F-8D54-4E54-83E0-103516D33677}" dt="2020-06-11T01:27:00.255" v="2393" actId="113"/>
+          <ac:spMkLst>
+            <pc:docMk/>
+            <pc:sldMk cId="3289713005" sldId="337"/>
+            <ac:spMk id="2" creationId="{FC05F11D-2706-4688-A391-5EF47491D9BC}"/>
+          </ac:spMkLst>
+        </pc:spChg>
+        <pc:spChg chg="mod">
+          <ac:chgData name="Ming-Chih Lin" userId="f1ba3ba5-e185-404b-b55f-b2be90e2bdc2" providerId="ADAL" clId="{091A637F-8D54-4E54-83E0-103516D33677}" dt="2020-06-11T01:27:01.437" v="2394"/>
+          <ac:spMkLst>
+            <pc:docMk/>
+            <pc:sldMk cId="3289713005" sldId="337"/>
+            <ac:spMk id="3" creationId="{F16C522D-2D84-47E3-89DE-079E01A60425}"/>
+          </ac:spMkLst>
+        </pc:spChg>
+        <pc:picChg chg="del mod">
+          <ac:chgData name="Ming-Chih Lin" userId="f1ba3ba5-e185-404b-b55f-b2be90e2bdc2" providerId="ADAL" clId="{091A637F-8D54-4E54-83E0-103516D33677}" dt="2020-06-11T01:41:01.854" v="2625" actId="478"/>
+          <ac:picMkLst>
+            <pc:docMk/>
+            <pc:sldMk cId="3289713005" sldId="337"/>
+            <ac:picMk id="4" creationId="{0A2EC464-5537-4AB0-9593-CA79DF7298E5}"/>
+          </ac:picMkLst>
+        </pc:picChg>
+        <pc:picChg chg="add">
+          <ac:chgData name="Ming-Chih Lin" userId="f1ba3ba5-e185-404b-b55f-b2be90e2bdc2" providerId="ADAL" clId="{091A637F-8D54-4E54-83E0-103516D33677}" dt="2020-06-11T01:41:02.181" v="2626"/>
+          <ac:picMkLst>
+            <pc:docMk/>
+            <pc:sldMk cId="3289713005" sldId="337"/>
+            <ac:picMk id="5" creationId="{8E4C8392-A193-4C22-AF4E-D4A7309C3E0C}"/>
+          </ac:picMkLst>
+        </pc:picChg>
+      </pc:sldChg>
+      <pc:sldChg chg="modSp new mod">
+        <pc:chgData name="Ming-Chih Lin" userId="f1ba3ba5-e185-404b-b55f-b2be90e2bdc2" providerId="ADAL" clId="{091A637F-8D54-4E54-83E0-103516D33677}" dt="2020-06-11T01:37:21.333" v="2546"/>
+        <pc:sldMkLst>
+          <pc:docMk/>
+          <pc:sldMk cId="2326687561" sldId="338"/>
+        </pc:sldMkLst>
+        <pc:spChg chg="mod">
+          <ac:chgData name="Ming-Chih Lin" userId="f1ba3ba5-e185-404b-b55f-b2be90e2bdc2" providerId="ADAL" clId="{091A637F-8D54-4E54-83E0-103516D33677}" dt="2020-06-11T01:37:20.302" v="2545" actId="21"/>
+          <ac:spMkLst>
+            <pc:docMk/>
+            <pc:sldMk cId="2326687561" sldId="338"/>
+            <ac:spMk id="2" creationId="{4018368D-D9CD-4787-8F2D-463EE7818B52}"/>
+          </ac:spMkLst>
+        </pc:spChg>
+        <pc:spChg chg="mod">
+          <ac:chgData name="Ming-Chih Lin" userId="f1ba3ba5-e185-404b-b55f-b2be90e2bdc2" providerId="ADAL" clId="{091A637F-8D54-4E54-83E0-103516D33677}" dt="2020-06-11T01:37:21.333" v="2546"/>
+          <ac:spMkLst>
+            <pc:docMk/>
+            <pc:sldMk cId="2326687561" sldId="338"/>
+            <ac:spMk id="3" creationId="{429B65A8-F140-4492-B6BA-8E81B2C93E44}"/>
+          </ac:spMkLst>
+        </pc:spChg>
+      </pc:sldChg>
+      <pc:sldChg chg="modSp new mod">
+        <pc:chgData name="Ming-Chih Lin" userId="f1ba3ba5-e185-404b-b55f-b2be90e2bdc2" providerId="ADAL" clId="{091A637F-8D54-4E54-83E0-103516D33677}" dt="2020-06-15T06:49:15.855" v="3562" actId="20577"/>
+        <pc:sldMkLst>
+          <pc:docMk/>
+          <pc:sldMk cId="1922805159" sldId="339"/>
+        </pc:sldMkLst>
+        <pc:spChg chg="mod">
+          <ac:chgData name="Ming-Chih Lin" userId="f1ba3ba5-e185-404b-b55f-b2be90e2bdc2" providerId="ADAL" clId="{091A637F-8D54-4E54-83E0-103516D33677}" dt="2020-06-11T02:03:45.462" v="3391" actId="20577"/>
+          <ac:spMkLst>
+            <pc:docMk/>
+            <pc:sldMk cId="1922805159" sldId="339"/>
+            <ac:spMk id="2" creationId="{1980CAE3-DCE1-4B69-AEC5-A57CF35DFB64}"/>
+          </ac:spMkLst>
+        </pc:spChg>
+        <pc:spChg chg="mod">
+          <ac:chgData name="Ming-Chih Lin" userId="f1ba3ba5-e185-404b-b55f-b2be90e2bdc2" providerId="ADAL" clId="{091A637F-8D54-4E54-83E0-103516D33677}" dt="2020-06-15T06:49:15.855" v="3562" actId="20577"/>
+          <ac:spMkLst>
+            <pc:docMk/>
+            <pc:sldMk cId="1922805159" sldId="339"/>
+            <ac:spMk id="3" creationId="{26966E35-C5AD-42C8-B371-687A65F33785}"/>
+          </ac:spMkLst>
+        </pc:spChg>
+      </pc:sldChg>
+      <pc:sldChg chg="add">
+        <pc:chgData name="Ming-Chih Lin" userId="f1ba3ba5-e185-404b-b55f-b2be90e2bdc2" providerId="ADAL" clId="{091A637F-8D54-4E54-83E0-103516D33677}" dt="2020-06-11T21:10:47.259" v="3392"/>
+        <pc:sldMkLst>
+          <pc:docMk/>
+          <pc:sldMk cId="4276155350" sldId="340"/>
+        </pc:sldMkLst>
       </pc:sldChg>
     </pc:docChg>
   </pc:docChgLst>
@@ -9675,7 +9675,7 @@
           <a:p>
             <a:fld id="{FA1E3ED8-1BB4-4BD2-AB23-359644E070C2}" type="datetimeFigureOut">
               <a:rPr lang="zh-TW" altLang="en-US" smtClean="0"/>
-              <a:t>2020/6/15</a:t>
+              <a:t>2020/6/18</a:t>
             </a:fld>
             <a:endParaRPr lang="zh-TW" altLang="en-US"/>
           </a:p>
@@ -16771,16 +16771,8 @@
               <a:t>基本語法簡介</a:t>
             </a:r>
             <a:r>
-              <a:rPr lang="en-US" altLang="zh-TW" dirty="0"/>
-              <a:t>(</a:t>
-            </a:r>
-            <a:r>
-              <a:rPr lang="zh-TW" altLang="en-US" dirty="0"/>
-              <a:t>下</a:t>
-            </a:r>
-            <a:r>
-              <a:rPr lang="en-US" altLang="zh-TW" dirty="0"/>
-              <a:t>)</a:t>
+              <a:rPr lang="en-US" altLang="zh-TW"/>
+              <a:t>(4/4)</a:t>
             </a:r>
             <a:endParaRPr lang="zh-TW" altLang="en-US" dirty="0"/>
           </a:p>
@@ -17979,95 +17971,6 @@
               <a:t>指令就可以匯入並取用其中的函式，比方說：</a:t>
             </a:r>
             <a:endParaRPr lang="en-US" altLang="zh-TW" dirty="0"/>
-          </a:p>
-          <a:p>
-            <a:r>
-              <a:rPr lang="en-US" altLang="zh-TW" dirty="0"/>
-              <a:t>Import math</a:t>
-            </a:r>
-          </a:p>
-          <a:p>
-            <a:pPr marL="0" indent="0">
-              <a:buNone/>
-            </a:pPr>
-            <a:r>
-              <a:rPr lang="en-US" altLang="zh-TW" dirty="0"/>
-              <a:t>   x = </a:t>
-            </a:r>
-            <a:r>
-              <a:rPr lang="en-US" altLang="zh-TW" dirty="0" err="1"/>
-              <a:t>math.sin</a:t>
-            </a:r>
-            <a:r>
-              <a:rPr lang="en-US" altLang="zh-TW" dirty="0"/>
-              <a:t>(4)</a:t>
-            </a:r>
-          </a:p>
-          <a:p>
-            <a:r>
-              <a:rPr lang="en-US" altLang="zh-TW" dirty="0"/>
-              <a:t>from math import sin</a:t>
-            </a:r>
-          </a:p>
-          <a:p>
-            <a:pPr marL="0" indent="0">
-              <a:buNone/>
-            </a:pPr>
-            <a:r>
-              <a:rPr lang="en-US" altLang="zh-TW" dirty="0"/>
-              <a:t>   x = sin(4)</a:t>
-            </a:r>
-          </a:p>
-          <a:p>
-            <a:r>
-              <a:rPr lang="en-US" altLang="zh-TW" dirty="0"/>
-              <a:t>from math import *</a:t>
-            </a:r>
-          </a:p>
-          <a:p>
-            <a:pPr marL="0" indent="0">
-              <a:buNone/>
-            </a:pPr>
-            <a:r>
-              <a:rPr lang="en-US" altLang="zh-TW" dirty="0"/>
-              <a:t>   x </a:t>
-            </a:r>
-            <a:r>
-              <a:rPr lang="en-US" altLang="zh-TW"/>
-              <a:t>= sin(</a:t>
-            </a:r>
-            <a:r>
-              <a:rPr lang="en-US" altLang="zh-TW" dirty="0"/>
-              <a:t>4), y = cos(3)</a:t>
-            </a:r>
-          </a:p>
-          <a:p>
-            <a:r>
-              <a:rPr lang="en-US" altLang="zh-TW" dirty="0"/>
-              <a:t>from math import sin as </a:t>
-            </a:r>
-            <a:r>
-              <a:rPr lang="en-US" altLang="zh-TW" dirty="0" err="1"/>
-              <a:t>mysin</a:t>
-            </a:r>
-            <a:endParaRPr lang="en-US" altLang="zh-TW" dirty="0"/>
-          </a:p>
-          <a:p>
-            <a:pPr marL="0" indent="0">
-              <a:buNone/>
-            </a:pPr>
-            <a:r>
-              <a:rPr lang="en-US" altLang="zh-TW" dirty="0"/>
-              <a:t>   x = </a:t>
-            </a:r>
-            <a:r>
-              <a:rPr lang="en-US" altLang="zh-TW" dirty="0" err="1"/>
-              <a:t>mysin</a:t>
-            </a:r>
-            <a:r>
-              <a:rPr lang="en-US" altLang="zh-TW" dirty="0"/>
-              <a:t>(4)</a:t>
-            </a:r>
           </a:p>
         </p:txBody>
       </p:sp>
